--- a/src/slides/resources/2017-03-31-JUG-Saxony-Workshop-de.pptx
+++ b/src/slides/resources/2017-03-31-JUG-Saxony-Workshop-de.pptx
@@ -5,20 +5,25 @@
     <p:sldMasterId id="2147483648" r:id="rId1"/>
   </p:sldMasterIdLst>
   <p:notesMasterIdLst>
-    <p:notesMasterId r:id="rId10"/>
+    <p:notesMasterId r:id="rId15"/>
   </p:notesMasterIdLst>
   <p:handoutMasterIdLst>
-    <p:handoutMasterId r:id="rId11"/>
+    <p:handoutMasterId r:id="rId16"/>
   </p:handoutMasterIdLst>
   <p:sldIdLst>
     <p:sldId id="668" r:id="rId2"/>
-    <p:sldId id="712" r:id="rId3"/>
-    <p:sldId id="711" r:id="rId4"/>
-    <p:sldId id="710" r:id="rId5"/>
-    <p:sldId id="709" r:id="rId6"/>
-    <p:sldId id="686" r:id="rId7"/>
-    <p:sldId id="706" r:id="rId8"/>
-    <p:sldId id="702" r:id="rId9"/>
+    <p:sldId id="714" r:id="rId3"/>
+    <p:sldId id="712" r:id="rId4"/>
+    <p:sldId id="719" r:id="rId5"/>
+    <p:sldId id="717" r:id="rId6"/>
+    <p:sldId id="718" r:id="rId7"/>
+    <p:sldId id="716" r:id="rId8"/>
+    <p:sldId id="710" r:id="rId9"/>
+    <p:sldId id="713" r:id="rId10"/>
+    <p:sldId id="709" r:id="rId11"/>
+    <p:sldId id="686" r:id="rId12"/>
+    <p:sldId id="706" r:id="rId13"/>
+    <p:sldId id="702" r:id="rId14"/>
   </p:sldIdLst>
   <p:sldSz cx="12192000" cy="6858000"/>
   <p:notesSz cx="7315200" cy="9601200"/>
@@ -149,7 +154,7 @@
   </p:defaultTextStyle>
   <p:extLst>
     <p:ext uri="{EFAFB233-063F-42B5-8137-9DF3F51BA10A}">
-      <p15:sldGuideLst xmlns="" xmlns:p15="http://schemas.microsoft.com/office/powerpoint/2012/main">
+      <p15:sldGuideLst xmlns:p15="http://schemas.microsoft.com/office/powerpoint/2012/main" xmlns="">
         <p15:guide id="1" orient="horz" pos="2084">
           <p15:clr>
             <a:srgbClr val="A4A3A4"/>
@@ -163,7 +168,7 @@
       </p15:sldGuideLst>
     </p:ext>
     <p:ext uri="{2D200454-40CA-4A62-9FC3-DE9A4176ACB9}">
-      <p15:notesGuideLst xmlns="" xmlns:p15="http://schemas.microsoft.com/office/powerpoint/2012/main">
+      <p15:notesGuideLst xmlns:p15="http://schemas.microsoft.com/office/powerpoint/2012/main" xmlns="">
         <p15:guide id="1" orient="horz" pos="3024">
           <p15:clr>
             <a:srgbClr val="A4A3A4"/>
@@ -1043,6 +1048,252 @@
     <p:extLst>
       <p:ext uri="{BB962C8B-B14F-4D97-AF65-F5344CB8AC3E}">
         <p14:creationId xmlns:p14="http://schemas.microsoft.com/office/powerpoint/2010/main" val="2949974959"/>
+      </p:ext>
+    </p:extLst>
+  </p:cSld>
+  <p:clrMapOvr>
+    <a:masterClrMapping/>
+  </p:clrMapOvr>
+</p:notes>
+</file>
+
+<file path=ppt/notesSlides/notesSlide2.xml><?xml version="1.0" encoding="utf-8"?>
+<p:notes xmlns:a="http://schemas.openxmlformats.org/drawingml/2006/main" xmlns:r="http://schemas.openxmlformats.org/officeDocument/2006/relationships" xmlns:p="http://schemas.openxmlformats.org/presentationml/2006/main">
+  <p:cSld>
+    <p:spTree>
+      <p:nvGrpSpPr>
+        <p:cNvPr id="1" name=""/>
+        <p:cNvGrpSpPr/>
+        <p:nvPr/>
+      </p:nvGrpSpPr>
+      <p:grpSpPr>
+        <a:xfrm>
+          <a:off x="0" y="0"/>
+          <a:ext cx="0" cy="0"/>
+          <a:chOff x="0" y="0"/>
+          <a:chExt cx="0" cy="0"/>
+        </a:xfrm>
+      </p:grpSpPr>
+      <p:sp>
+        <p:nvSpPr>
+          <p:cNvPr id="2" name="Folienbildplatzhalter 1"/>
+          <p:cNvSpPr>
+            <a:spLocks noGrp="1" noRot="1" noChangeAspect="1"/>
+          </p:cNvSpPr>
+          <p:nvPr>
+            <p:ph type="sldImg"/>
+          </p:nvPr>
+        </p:nvSpPr>
+        <p:spPr>
+          <a:xfrm>
+            <a:off x="457200" y="719138"/>
+            <a:ext cx="6402388" cy="3602037"/>
+          </a:xfrm>
+        </p:spPr>
+      </p:sp>
+      <p:sp>
+        <p:nvSpPr>
+          <p:cNvPr id="3" name="Notizenplatzhalter 2"/>
+          <p:cNvSpPr>
+            <a:spLocks noGrp="1"/>
+          </p:cNvSpPr>
+          <p:nvPr>
+            <p:ph type="body" idx="1"/>
+          </p:nvPr>
+        </p:nvSpPr>
+        <p:spPr/>
+        <p:txBody>
+          <a:bodyPr/>
+          <a:lstStyle/>
+          <a:p>
+            <a:r>
+              <a:rPr lang="de-DE" dirty="0" smtClean="0"/>
+              <a:t>Vorwarnung: In echt sind die Daten niemals so</a:t>
+            </a:r>
+            <a:r>
+              <a:rPr lang="de-DE" baseline="0" dirty="0" smtClean="0"/>
+              <a:t> fehlerfrei und harmonisiert</a:t>
+            </a:r>
+            <a:endParaRPr lang="de-DE" dirty="0"/>
+          </a:p>
+        </p:txBody>
+      </p:sp>
+      <p:sp>
+        <p:nvSpPr>
+          <p:cNvPr id="4" name="Foliennummernplatzhalter 3"/>
+          <p:cNvSpPr>
+            <a:spLocks noGrp="1"/>
+          </p:cNvSpPr>
+          <p:nvPr>
+            <p:ph type="sldNum" sz="quarter" idx="10"/>
+          </p:nvPr>
+        </p:nvSpPr>
+        <p:spPr/>
+        <p:txBody>
+          <a:bodyPr/>
+          <a:lstStyle/>
+          <a:p>
+            <a:pPr>
+              <a:defRPr/>
+            </a:pPr>
+            <a:fld id="{A78FF2BC-F68A-4EB6-9E3E-3C5BE7030B7B}" type="slidenum">
+              <a:rPr lang="de-DE" smtClean="0"/>
+              <a:pPr>
+                <a:defRPr/>
+              </a:pPr>
+              <a:t>5</a:t>
+            </a:fld>
+            <a:endParaRPr lang="de-DE"/>
+          </a:p>
+        </p:txBody>
+      </p:sp>
+    </p:spTree>
+    <p:extLst>
+      <p:ext uri="{BB962C8B-B14F-4D97-AF65-F5344CB8AC3E}">
+        <p14:creationId xmlns:p14="http://schemas.microsoft.com/office/powerpoint/2010/main" val="2569672510"/>
+      </p:ext>
+    </p:extLst>
+  </p:cSld>
+  <p:clrMapOvr>
+    <a:masterClrMapping/>
+  </p:clrMapOvr>
+</p:notes>
+</file>
+
+<file path=ppt/notesSlides/notesSlide3.xml><?xml version="1.0" encoding="utf-8"?>
+<p:notes xmlns:a="http://schemas.openxmlformats.org/drawingml/2006/main" xmlns:r="http://schemas.openxmlformats.org/officeDocument/2006/relationships" xmlns:p="http://schemas.openxmlformats.org/presentationml/2006/main">
+  <p:cSld>
+    <p:spTree>
+      <p:nvGrpSpPr>
+        <p:cNvPr id="1" name=""/>
+        <p:cNvGrpSpPr/>
+        <p:nvPr/>
+      </p:nvGrpSpPr>
+      <p:grpSpPr>
+        <a:xfrm>
+          <a:off x="0" y="0"/>
+          <a:ext cx="0" cy="0"/>
+          <a:chOff x="0" y="0"/>
+          <a:chExt cx="0" cy="0"/>
+        </a:xfrm>
+      </p:grpSpPr>
+      <p:sp>
+        <p:nvSpPr>
+          <p:cNvPr id="2" name="Folienbildplatzhalter 1"/>
+          <p:cNvSpPr>
+            <a:spLocks noGrp="1" noRot="1" noChangeAspect="1"/>
+          </p:cNvSpPr>
+          <p:nvPr>
+            <p:ph type="sldImg"/>
+          </p:nvPr>
+        </p:nvSpPr>
+        <p:spPr>
+          <a:xfrm>
+            <a:off x="457200" y="719138"/>
+            <a:ext cx="6402388" cy="3602037"/>
+          </a:xfrm>
+        </p:spPr>
+      </p:sp>
+      <p:sp>
+        <p:nvSpPr>
+          <p:cNvPr id="3" name="Notizenplatzhalter 2"/>
+          <p:cNvSpPr>
+            <a:spLocks noGrp="1"/>
+          </p:cNvSpPr>
+          <p:nvPr>
+            <p:ph type="body" idx="1"/>
+          </p:nvPr>
+        </p:nvSpPr>
+        <p:spPr/>
+        <p:txBody>
+          <a:bodyPr/>
+          <a:lstStyle/>
+          <a:p>
+            <a:r>
+              <a:rPr lang="de-DE" dirty="0" smtClean="0"/>
+              <a:t>Analogie</a:t>
+            </a:r>
+            <a:r>
+              <a:rPr lang="de-DE" baseline="0" dirty="0" smtClean="0"/>
+              <a:t> zu </a:t>
+            </a:r>
+            <a:r>
+              <a:rPr lang="de-DE" baseline="0" dirty="0" err="1" smtClean="0"/>
+              <a:t>MapReduce</a:t>
+            </a:r>
+            <a:r>
+              <a:rPr lang="de-DE" baseline="0" dirty="0" smtClean="0"/>
+              <a:t>: </a:t>
+            </a:r>
+            <a:r>
+              <a:rPr lang="de-DE" baseline="0" dirty="0" err="1" smtClean="0"/>
+              <a:t>flatMap</a:t>
+            </a:r>
+            <a:r>
+              <a:rPr lang="de-DE" baseline="0" dirty="0" smtClean="0"/>
+              <a:t> und </a:t>
+            </a:r>
+            <a:r>
+              <a:rPr lang="de-DE" baseline="0" dirty="0" err="1" smtClean="0"/>
+              <a:t>aggregateByKey</a:t>
+            </a:r>
+            <a:r>
+              <a:rPr lang="de-DE" baseline="0" dirty="0" smtClean="0"/>
+              <a:t> (nicht </a:t>
+            </a:r>
+            <a:r>
+              <a:rPr lang="de-DE" baseline="0" dirty="0" err="1" smtClean="0"/>
+              <a:t>map</a:t>
+            </a:r>
+            <a:r>
+              <a:rPr lang="de-DE" baseline="0" dirty="0" smtClean="0"/>
+              <a:t> und </a:t>
+            </a:r>
+            <a:r>
+              <a:rPr lang="de-DE" baseline="0" dirty="0" err="1" smtClean="0"/>
+              <a:t>reduce</a:t>
+            </a:r>
+            <a:r>
+              <a:rPr lang="de-DE" baseline="0" dirty="0" smtClean="0"/>
+              <a:t> wie man denken könnte)</a:t>
+            </a:r>
+            <a:endParaRPr lang="de-DE" dirty="0"/>
+          </a:p>
+        </p:txBody>
+      </p:sp>
+      <p:sp>
+        <p:nvSpPr>
+          <p:cNvPr id="4" name="Foliennummernplatzhalter 3"/>
+          <p:cNvSpPr>
+            <a:spLocks noGrp="1"/>
+          </p:cNvSpPr>
+          <p:nvPr>
+            <p:ph type="sldNum" sz="quarter" idx="10"/>
+          </p:nvPr>
+        </p:nvSpPr>
+        <p:spPr/>
+        <p:txBody>
+          <a:bodyPr/>
+          <a:lstStyle/>
+          <a:p>
+            <a:pPr>
+              <a:defRPr/>
+            </a:pPr>
+            <a:fld id="{A78FF2BC-F68A-4EB6-9E3E-3C5BE7030B7B}" type="slidenum">
+              <a:rPr lang="de-DE" smtClean="0"/>
+              <a:pPr>
+                <a:defRPr/>
+              </a:pPr>
+              <a:t>7</a:t>
+            </a:fld>
+            <a:endParaRPr lang="de-DE"/>
+          </a:p>
+        </p:txBody>
+      </p:sp>
+    </p:spTree>
+    <p:extLst>
+      <p:ext uri="{BB962C8B-B14F-4D97-AF65-F5344CB8AC3E}">
+        <p14:creationId xmlns:p14="http://schemas.microsoft.com/office/powerpoint/2010/main" val="781255643"/>
       </p:ext>
     </p:extLst>
   </p:cSld>
@@ -3259,10 +3510,17 @@
   <p:clrMapOvr>
     <a:masterClrMapping/>
   </p:clrMapOvr>
+  <p:timing>
+    <p:tnLst>
+      <p:par>
+        <p:cTn id="1" dur="indefinite" restart="never" nodeType="tmRoot"/>
+      </p:par>
+    </p:tnLst>
+  </p:timing>
 </p:sld>
 </file>
 
-<file path=ppt/slides/slide2.xml><?xml version="1.0" encoding="utf-8"?>
+<file path=ppt/slides/slide10.xml><?xml version="1.0" encoding="utf-8"?>
 <p:sld xmlns:a="http://schemas.openxmlformats.org/drawingml/2006/main" xmlns:r="http://schemas.openxmlformats.org/officeDocument/2006/relationships" xmlns:p="http://schemas.openxmlformats.org/presentationml/2006/main">
   <p:cSld>
     <p:spTree>
@@ -3295,528 +3553,7 @@
           <a:lstStyle/>
           <a:p>
             <a:r>
-              <a:rPr lang="de-DE" dirty="0" smtClean="0"/>
-              <a:t>Problemstellung: Wie erstelle ich Programme, die ich bei steigenden Eingabedatenmengen mit mehr Hardware genauso schnell abarbeiten kann?</a:t>
-            </a:r>
-            <a:endParaRPr lang="de-DE" dirty="0"/>
-          </a:p>
-        </p:txBody>
-      </p:sp>
-      <p:sp>
-        <p:nvSpPr>
-          <p:cNvPr id="2" name="Inhaltsplatzhalter 1"/>
-          <p:cNvSpPr>
-            <a:spLocks noGrp="1"/>
-          </p:cNvSpPr>
-          <p:nvPr>
-            <p:ph sz="half" idx="1"/>
-          </p:nvPr>
-        </p:nvSpPr>
-        <p:spPr/>
-        <p:txBody>
-          <a:bodyPr/>
-          <a:lstStyle/>
-          <a:p>
-            <a:r>
-              <a:rPr lang="de-DE" dirty="0" smtClean="0"/>
-              <a:t>Kommt auf die Programme an – im einfachen Fall benötigt das Programm nie eine globale Sicht auf alle Daten, dann kann ich die Daten und das Programm einfach auf die zur Verfügung stehenden Rechner („Knoten“) verteilen</a:t>
-            </a:r>
-          </a:p>
-          <a:p>
-            <a:pPr marL="0" indent="0">
-              <a:buNone/>
-            </a:pPr>
-            <a:r>
-              <a:rPr lang="de-DE" b="1" dirty="0" smtClean="0">
-                <a:sym typeface="Wingdings" panose="05000000000000000000" pitchFamily="2" charset="2"/>
-              </a:rPr>
-              <a:t>Beispiele</a:t>
-            </a:r>
-          </a:p>
-          <a:p>
-            <a:pPr marL="342900" indent="-342900">
-              <a:buFont typeface="+mj-lt"/>
-              <a:buAutoNum type="arabicPeriod"/>
-            </a:pPr>
-            <a:r>
-              <a:rPr lang="de-DE" dirty="0" smtClean="0">
-                <a:sym typeface="Wingdings" panose="05000000000000000000" pitchFamily="2" charset="2"/>
-              </a:rPr>
-              <a:t>Erstelle mir eine Zusammenfassung für jeden Wikipedia-Artikel</a:t>
-            </a:r>
-          </a:p>
-          <a:p>
-            <a:pPr marL="701550" lvl="1" indent="-342900"/>
-            <a:r>
-              <a:rPr lang="de-DE" dirty="0" smtClean="0">
-                <a:sym typeface="Wingdings" panose="05000000000000000000" pitchFamily="2" charset="2"/>
-              </a:rPr>
-              <a:t>Eingabe: Alle Wikipedia-Artikel (beständig wachsend + veränderlich)</a:t>
-            </a:r>
-          </a:p>
-          <a:p>
-            <a:pPr marL="701550" lvl="1" indent="-342900"/>
-            <a:r>
-              <a:rPr lang="de-DE" dirty="0" smtClean="0">
-                <a:sym typeface="Wingdings" panose="05000000000000000000" pitchFamily="2" charset="2"/>
-              </a:rPr>
-              <a:t>Ausgabe: Artikel-ID  Zusammenfassung</a:t>
-            </a:r>
-          </a:p>
-          <a:p>
-            <a:pPr marL="342900" indent="-342900">
-              <a:buFont typeface="+mj-lt"/>
-              <a:buAutoNum type="arabicPeriod"/>
-            </a:pPr>
-            <a:r>
-              <a:rPr lang="de-DE" dirty="0" smtClean="0"/>
-              <a:t>Berechne mir die relevantesten Artikel je nach Term</a:t>
-            </a:r>
-          </a:p>
-          <a:p>
-            <a:pPr marL="701550" lvl="1" indent="-342900"/>
-            <a:r>
-              <a:rPr lang="de-DE" dirty="0" smtClean="0"/>
-              <a:t>Eingabe: Alle Wikipedia-Artikel</a:t>
-            </a:r>
-          </a:p>
-          <a:p>
-            <a:pPr marL="701550" lvl="1" indent="-342900"/>
-            <a:r>
-              <a:rPr lang="de-DE" dirty="0" smtClean="0"/>
-              <a:t>Ausgabe: Term </a:t>
-            </a:r>
-            <a:r>
-              <a:rPr lang="de-DE" dirty="0" smtClean="0">
-                <a:sym typeface="Wingdings" panose="05000000000000000000" pitchFamily="2" charset="2"/>
-              </a:rPr>
-              <a:t> relevanteste Artikel</a:t>
-            </a:r>
-            <a:endParaRPr lang="de-DE" dirty="0" smtClean="0"/>
-          </a:p>
-        </p:txBody>
-      </p:sp>
-      <p:sp>
-        <p:nvSpPr>
-          <p:cNvPr id="4" name="Inhaltsplatzhalter 3"/>
-          <p:cNvSpPr>
-            <a:spLocks noGrp="1"/>
-          </p:cNvSpPr>
-          <p:nvPr>
-            <p:ph sz="half" idx="2"/>
-          </p:nvPr>
-        </p:nvSpPr>
-        <p:spPr/>
-        <p:txBody>
-          <a:bodyPr/>
-          <a:lstStyle/>
-          <a:p>
-            <a:r>
-              <a:rPr lang="de-DE" dirty="0"/>
-              <a:t>Dazu: (Teilweise) Funktionale Formalisierung des Programms mithilfe von Funktionen höherer </a:t>
-            </a:r>
-            <a:r>
-              <a:rPr lang="de-DE" dirty="0" smtClean="0"/>
-              <a:t>Ordnung</a:t>
-            </a:r>
-          </a:p>
-          <a:p>
-            <a:pPr marL="0" indent="0">
-              <a:buNone/>
-            </a:pPr>
-            <a:endParaRPr lang="de-DE" dirty="0" smtClean="0"/>
-          </a:p>
-          <a:p>
-            <a:pPr marL="0" indent="0">
-              <a:buNone/>
-            </a:pPr>
-            <a:r>
-              <a:rPr lang="de-DE" dirty="0" err="1" smtClean="0"/>
-              <a:t>map</a:t>
-            </a:r>
-            <a:r>
-              <a:rPr lang="de-DE" dirty="0" smtClean="0"/>
-              <a:t> </a:t>
-            </a:r>
-            <a:r>
-              <a:rPr lang="de-DE" dirty="0"/>
-              <a:t>:: (a -&gt; b) -&gt; [a] -&gt; [b]  </a:t>
-            </a:r>
-          </a:p>
-          <a:p>
-            <a:pPr marL="0" indent="0">
-              <a:buNone/>
-            </a:pPr>
-            <a:r>
-              <a:rPr lang="de-DE" dirty="0" err="1" smtClean="0"/>
-              <a:t>map</a:t>
-            </a:r>
-            <a:r>
-              <a:rPr lang="de-DE" dirty="0" smtClean="0"/>
-              <a:t> </a:t>
-            </a:r>
-            <a:r>
-              <a:rPr lang="de-DE" dirty="0"/>
-              <a:t>_ [] = []  </a:t>
-            </a:r>
-            <a:endParaRPr lang="de-DE" dirty="0" smtClean="0"/>
-          </a:p>
-          <a:p>
-            <a:pPr marL="0" indent="0">
-              <a:buNone/>
-            </a:pPr>
-            <a:r>
-              <a:rPr lang="de-DE" dirty="0" err="1" smtClean="0"/>
-              <a:t>map</a:t>
-            </a:r>
-            <a:r>
-              <a:rPr lang="de-DE" dirty="0" smtClean="0"/>
-              <a:t> </a:t>
-            </a:r>
-            <a:r>
-              <a:rPr lang="de-DE" dirty="0"/>
-              <a:t>f (</a:t>
-            </a:r>
-            <a:r>
-              <a:rPr lang="de-DE" dirty="0" err="1"/>
-              <a:t>x:xs</a:t>
-            </a:r>
-            <a:r>
-              <a:rPr lang="de-DE" dirty="0"/>
-              <a:t>) = f x : </a:t>
-            </a:r>
-            <a:r>
-              <a:rPr lang="de-DE" dirty="0" err="1"/>
-              <a:t>map</a:t>
-            </a:r>
-            <a:r>
-              <a:rPr lang="de-DE" dirty="0"/>
-              <a:t> f </a:t>
-            </a:r>
-            <a:r>
-              <a:rPr lang="de-DE" dirty="0" err="1"/>
-              <a:t>xs</a:t>
-            </a:r>
-            <a:r>
-              <a:rPr lang="de-DE" dirty="0"/>
-              <a:t> </a:t>
-            </a:r>
-            <a:endParaRPr lang="de-DE" dirty="0" smtClean="0"/>
-          </a:p>
-          <a:p>
-            <a:pPr marL="0" indent="0">
-              <a:buNone/>
-            </a:pPr>
-            <a:endParaRPr lang="de-DE" dirty="0"/>
-          </a:p>
-          <a:p>
-            <a:pPr marL="0" indent="0">
-              <a:buNone/>
-            </a:pPr>
-            <a:r>
               <a:rPr lang="en-US" dirty="0"/>
-              <a:t>map(\x -&gt; (take 2 x))["foo","bar","</a:t>
-            </a:r>
-            <a:r>
-              <a:rPr lang="en-US" dirty="0" err="1"/>
-              <a:t>baz</a:t>
-            </a:r>
-            <a:r>
-              <a:rPr lang="en-US" dirty="0"/>
-              <a:t>"]</a:t>
-            </a:r>
-          </a:p>
-          <a:p>
-            <a:pPr marL="0" indent="0">
-              <a:buNone/>
-            </a:pPr>
-            <a:r>
-              <a:rPr lang="en-US" dirty="0"/>
-              <a:t>["</a:t>
-            </a:r>
-            <a:r>
-              <a:rPr lang="en-US" dirty="0" err="1"/>
-              <a:t>fo</a:t>
-            </a:r>
-            <a:r>
-              <a:rPr lang="en-US" dirty="0"/>
-              <a:t>","</a:t>
-            </a:r>
-            <a:r>
-              <a:rPr lang="en-US" dirty="0" err="1"/>
-              <a:t>ba</a:t>
-            </a:r>
-            <a:r>
-              <a:rPr lang="en-US" dirty="0"/>
-              <a:t>","</a:t>
-            </a:r>
-            <a:r>
-              <a:rPr lang="en-US" dirty="0" err="1"/>
-              <a:t>ba</a:t>
-            </a:r>
-            <a:r>
-              <a:rPr lang="en-US" dirty="0" smtClean="0"/>
-              <a:t>"]</a:t>
-            </a:r>
-            <a:endParaRPr lang="en-US" dirty="0"/>
-          </a:p>
-        </p:txBody>
-      </p:sp>
-    </p:spTree>
-    <p:extLst>
-      <p:ext uri="{BB962C8B-B14F-4D97-AF65-F5344CB8AC3E}">
-        <p14:creationId xmlns:p14="http://schemas.microsoft.com/office/powerpoint/2010/main" val="3513972585"/>
-      </p:ext>
-    </p:extLst>
-  </p:cSld>
-  <p:clrMapOvr>
-    <a:masterClrMapping/>
-  </p:clrMapOvr>
-</p:sld>
-</file>
-
-<file path=ppt/slides/slide3.xml><?xml version="1.0" encoding="utf-8"?>
-<p:sld xmlns:a="http://schemas.openxmlformats.org/drawingml/2006/main" xmlns:r="http://schemas.openxmlformats.org/officeDocument/2006/relationships" xmlns:p="http://schemas.openxmlformats.org/presentationml/2006/main">
-  <p:cSld>
-    <p:spTree>
-      <p:nvGrpSpPr>
-        <p:cNvPr id="1" name=""/>
-        <p:cNvGrpSpPr/>
-        <p:nvPr/>
-      </p:nvGrpSpPr>
-      <p:grpSpPr>
-        <a:xfrm>
-          <a:off x="0" y="0"/>
-          <a:ext cx="0" cy="0"/>
-          <a:chOff x="0" y="0"/>
-          <a:chExt cx="0" cy="0"/>
-        </a:xfrm>
-      </p:grpSpPr>
-      <p:sp>
-        <p:nvSpPr>
-          <p:cNvPr id="2" name="Inhaltsplatzhalter 1"/>
-          <p:cNvSpPr>
-            <a:spLocks noGrp="1"/>
-          </p:cNvSpPr>
-          <p:nvPr>
-            <p:ph idx="1"/>
-          </p:nvPr>
-        </p:nvSpPr>
-        <p:spPr/>
-        <p:txBody>
-          <a:bodyPr/>
-          <a:lstStyle/>
-          <a:p>
-            <a:endParaRPr lang="de-DE"/>
-          </a:p>
-        </p:txBody>
-      </p:sp>
-      <p:sp>
-        <p:nvSpPr>
-          <p:cNvPr id="3" name="Titel 2"/>
-          <p:cNvSpPr>
-            <a:spLocks noGrp="1"/>
-          </p:cNvSpPr>
-          <p:nvPr>
-            <p:ph type="title"/>
-          </p:nvPr>
-        </p:nvSpPr>
-        <p:spPr/>
-        <p:txBody>
-          <a:bodyPr/>
-          <a:lstStyle/>
-          <a:p>
-            <a:r>
-              <a:rPr lang="de-DE" dirty="0" err="1" smtClean="0"/>
-              <a:t>Hadoops</a:t>
-            </a:r>
-            <a:r>
-              <a:rPr lang="de-DE" dirty="0" smtClean="0"/>
-              <a:t> </a:t>
-            </a:r>
-            <a:r>
-              <a:rPr lang="de-DE" dirty="0" err="1" smtClean="0"/>
-              <a:t>MapReduce</a:t>
-            </a:r>
-            <a:r>
-              <a:rPr lang="de-DE" dirty="0" smtClean="0"/>
-              <a:t> kann als Vorgänger von Spark gesehen werden</a:t>
-            </a:r>
-            <a:endParaRPr lang="de-DE" dirty="0"/>
-          </a:p>
-        </p:txBody>
-      </p:sp>
-    </p:spTree>
-    <p:extLst>
-      <p:ext uri="{BB962C8B-B14F-4D97-AF65-F5344CB8AC3E}">
-        <p14:creationId xmlns:p14="http://schemas.microsoft.com/office/powerpoint/2010/main" val="2868643550"/>
-      </p:ext>
-    </p:extLst>
-  </p:cSld>
-  <p:clrMapOvr>
-    <a:masterClrMapping/>
-  </p:clrMapOvr>
-</p:sld>
-</file>
-
-<file path=ppt/slides/slide4.xml><?xml version="1.0" encoding="utf-8"?>
-<p:sld xmlns:a="http://schemas.openxmlformats.org/drawingml/2006/main" xmlns:r="http://schemas.openxmlformats.org/officeDocument/2006/relationships" xmlns:p="http://schemas.openxmlformats.org/presentationml/2006/main">
-  <p:cSld>
-    <p:spTree>
-      <p:nvGrpSpPr>
-        <p:cNvPr id="1" name=""/>
-        <p:cNvGrpSpPr/>
-        <p:nvPr/>
-      </p:nvGrpSpPr>
-      <p:grpSpPr>
-        <a:xfrm>
-          <a:off x="0" y="0"/>
-          <a:ext cx="0" cy="0"/>
-          <a:chOff x="0" y="0"/>
-          <a:chExt cx="0" cy="0"/>
-        </a:xfrm>
-      </p:grpSpPr>
-      <p:sp>
-        <p:nvSpPr>
-          <p:cNvPr id="2" name="Inhaltsplatzhalter 1"/>
-          <p:cNvSpPr>
-            <a:spLocks noGrp="1"/>
-          </p:cNvSpPr>
-          <p:nvPr>
-            <p:ph idx="1"/>
-          </p:nvPr>
-        </p:nvSpPr>
-        <p:spPr/>
-        <p:txBody>
-          <a:bodyPr/>
-          <a:lstStyle/>
-          <a:p>
-            <a:r>
-              <a:rPr lang="de-DE" dirty="0" smtClean="0"/>
-              <a:t>Stabilität</a:t>
-            </a:r>
-          </a:p>
-          <a:p>
-            <a:r>
-              <a:rPr lang="de-DE" dirty="0" smtClean="0"/>
-              <a:t>Zuverlässigkeit</a:t>
-            </a:r>
-          </a:p>
-          <a:p>
-            <a:r>
-              <a:rPr lang="de-DE" dirty="0" smtClean="0"/>
-              <a:t>Reproduzierbarkeit</a:t>
-            </a:r>
-          </a:p>
-          <a:p>
-            <a:r>
-              <a:rPr lang="de-DE" dirty="0" smtClean="0"/>
-              <a:t>Audit-Fähigkeit</a:t>
-            </a:r>
-          </a:p>
-          <a:p>
-            <a:r>
-              <a:rPr lang="de-DE" dirty="0" smtClean="0"/>
-              <a:t>Professioneller Support</a:t>
-            </a:r>
-          </a:p>
-          <a:p>
-            <a:r>
-              <a:rPr lang="de-DE" dirty="0" smtClean="0"/>
-              <a:t>Einfachheit</a:t>
-            </a:r>
-          </a:p>
-          <a:p>
-            <a:r>
-              <a:rPr lang="de-DE" dirty="0" smtClean="0"/>
-              <a:t>Betreibbarkeit</a:t>
-            </a:r>
-          </a:p>
-          <a:p>
-            <a:r>
-              <a:rPr lang="de-DE" dirty="0" smtClean="0"/>
-              <a:t>Framework</a:t>
-            </a:r>
-          </a:p>
-          <a:p>
-            <a:r>
-              <a:rPr lang="de-DE" dirty="0" smtClean="0"/>
-              <a:t>Modularisierung</a:t>
-            </a:r>
-            <a:endParaRPr lang="en-US" dirty="0"/>
-          </a:p>
-        </p:txBody>
-      </p:sp>
-      <p:sp>
-        <p:nvSpPr>
-          <p:cNvPr id="3" name="Titel 2"/>
-          <p:cNvSpPr>
-            <a:spLocks noGrp="1"/>
-          </p:cNvSpPr>
-          <p:nvPr>
-            <p:ph type="title"/>
-          </p:nvPr>
-        </p:nvSpPr>
-        <p:spPr/>
-        <p:txBody>
-          <a:bodyPr/>
-          <a:lstStyle/>
-          <a:p>
-            <a:r>
-              <a:rPr lang="de-DE" dirty="0" smtClean="0"/>
-              <a:t>Enterprise – Was heißt das eigentlich?</a:t>
-            </a:r>
-            <a:endParaRPr lang="en-US" dirty="0"/>
-          </a:p>
-        </p:txBody>
-      </p:sp>
-    </p:spTree>
-    <p:extLst>
-      <p:ext uri="{BB962C8B-B14F-4D97-AF65-F5344CB8AC3E}">
-        <p14:creationId xmlns:p14="http://schemas.microsoft.com/office/powerpoint/2010/main" val="1636183931"/>
-      </p:ext>
-    </p:extLst>
-  </p:cSld>
-  <p:clrMapOvr>
-    <a:masterClrMapping/>
-  </p:clrMapOvr>
-</p:sld>
-</file>
-
-<file path=ppt/slides/slide5.xml><?xml version="1.0" encoding="utf-8"?>
-<p:sld xmlns:a="http://schemas.openxmlformats.org/drawingml/2006/main" xmlns:r="http://schemas.openxmlformats.org/officeDocument/2006/relationships" xmlns:p="http://schemas.openxmlformats.org/presentationml/2006/main">
-  <p:cSld>
-    <p:spTree>
-      <p:nvGrpSpPr>
-        <p:cNvPr id="1" name=""/>
-        <p:cNvGrpSpPr/>
-        <p:nvPr/>
-      </p:nvGrpSpPr>
-      <p:grpSpPr>
-        <a:xfrm>
-          <a:off x="0" y="0"/>
-          <a:ext cx="0" cy="0"/>
-          <a:chOff x="0" y="0"/>
-          <a:chExt cx="0" cy="0"/>
-        </a:xfrm>
-      </p:grpSpPr>
-      <p:sp>
-        <p:nvSpPr>
-          <p:cNvPr id="3" name="Titel 2"/>
-          <p:cNvSpPr>
-            <a:spLocks noGrp="1"/>
-          </p:cNvSpPr>
-          <p:nvPr>
-            <p:ph type="title"/>
-          </p:nvPr>
-        </p:nvSpPr>
-        <p:spPr/>
-        <p:txBody>
-          <a:bodyPr/>
-          <a:lstStyle/>
-          <a:p>
-            <a:r>
-              <a:rPr lang="en-US"/>
               <a:t>Summary</a:t>
             </a:r>
           </a:p>
@@ -3879,14 +3616,14 @@
                 <a:gridCol w="1145504">
                   <a:extLst>
                     <a:ext uri="{9D8B030D-6E8A-4147-A177-3AD203B41FA5}">
-                      <a16:colId xmlns="" xmlns:a16="http://schemas.microsoft.com/office/drawing/2014/main" val="20000"/>
+                      <a16:colId xmlns:a16="http://schemas.microsoft.com/office/drawing/2014/main" xmlns="" val="20000"/>
                     </a:ext>
                   </a:extLst>
                 </a:gridCol>
                 <a:gridCol w="3842658">
                   <a:extLst>
                     <a:ext uri="{9D8B030D-6E8A-4147-A177-3AD203B41FA5}">
-                      <a16:colId xmlns="" xmlns:a16="http://schemas.microsoft.com/office/drawing/2014/main" val="20001"/>
+                      <a16:colId xmlns:a16="http://schemas.microsoft.com/office/drawing/2014/main" xmlns="" val="20001"/>
                     </a:ext>
                   </a:extLst>
                 </a:gridCol>
@@ -3949,7 +3686,7 @@
                 </a:tc>
                 <a:extLst>
                   <a:ext uri="{0D108BD9-81ED-4DB2-BD59-A6C34878D82A}">
-                    <a16:rowId xmlns="" xmlns:a16="http://schemas.microsoft.com/office/drawing/2014/main" val="10002"/>
+                    <a16:rowId xmlns:a16="http://schemas.microsoft.com/office/drawing/2014/main" xmlns="" val="10002"/>
                   </a:ext>
                 </a:extLst>
               </a:tr>
@@ -4001,10 +3738,17 @@
   <p:clrMapOvr>
     <a:masterClrMapping/>
   </p:clrMapOvr>
+  <p:timing>
+    <p:tnLst>
+      <p:par>
+        <p:cTn id="1" dur="indefinite" restart="never" nodeType="tmRoot"/>
+      </p:par>
+    </p:tnLst>
+  </p:timing>
 </p:sld>
 </file>
 
-<file path=ppt/slides/slide6.xml><?xml version="1.0" encoding="utf-8"?>
+<file path=ppt/slides/slide11.xml><?xml version="1.0" encoding="utf-8"?>
 <p:sld xmlns:a="http://schemas.openxmlformats.org/drawingml/2006/main" xmlns:r="http://schemas.openxmlformats.org/officeDocument/2006/relationships" xmlns:p="http://schemas.openxmlformats.org/presentationml/2006/main">
   <p:cSld>
     <p:spTree>
@@ -4044,6 +3788,73 @@
           <a:bodyPr/>
           <a:lstStyle/>
           <a:p>
+            <a:r>
+              <a:rPr lang="en-US" dirty="0">
+                <a:hlinkClick r:id="rId2"/>
+              </a:rPr>
+              <a:t>https://</a:t>
+            </a:r>
+            <a:r>
+              <a:rPr lang="en-US" dirty="0" smtClean="0">
+                <a:hlinkClick r:id="rId2"/>
+              </a:rPr>
+              <a:t>www.iconfinder.com/icons/1886978/commerce_market_open_shop_shopping_store_icon#size=256</a:t>
+            </a:r>
+            <a:endParaRPr lang="en-US" dirty="0" smtClean="0"/>
+          </a:p>
+          <a:p>
+            <a:r>
+              <a:rPr lang="en-US" dirty="0">
+                <a:hlinkClick r:id="rId3"/>
+              </a:rPr>
+              <a:t>https://</a:t>
+            </a:r>
+            <a:r>
+              <a:rPr lang="en-US" dirty="0" smtClean="0">
+                <a:hlinkClick r:id="rId3"/>
+              </a:rPr>
+              <a:t>www.iconfinder.com/icons/1872628/analysis_data_laptop_pie_tab_icon#size=128</a:t>
+            </a:r>
+            <a:r>
+              <a:rPr lang="en-US" dirty="0" smtClean="0"/>
+              <a:t> </a:t>
+            </a:r>
+          </a:p>
+          <a:p>
+            <a:r>
+              <a:rPr lang="en-US" dirty="0">
+                <a:hlinkClick r:id="rId4"/>
+              </a:rPr>
+              <a:t>https://</a:t>
+            </a:r>
+            <a:r>
+              <a:rPr lang="en-US" dirty="0" smtClean="0">
+                <a:hlinkClick r:id="rId4"/>
+              </a:rPr>
+              <a:t>www.iconfinder.com/icons/1872631/communication_email_envelope_letter_mail_message_send_icon#size=128</a:t>
+            </a:r>
+            <a:r>
+              <a:rPr lang="en-US" dirty="0" smtClean="0"/>
+              <a:t> </a:t>
+            </a:r>
+          </a:p>
+          <a:p>
+            <a:r>
+              <a:rPr lang="en-US" dirty="0">
+                <a:hlinkClick r:id="rId5"/>
+              </a:rPr>
+              <a:t>https://</a:t>
+            </a:r>
+            <a:r>
+              <a:rPr lang="en-US" dirty="0" smtClean="0">
+                <a:hlinkClick r:id="rId5"/>
+              </a:rPr>
+              <a:t>www.iconfinder.com/icons/63466/cloud_computing_data_center_datacenter_hosting_server_servers_icon#size=128</a:t>
+            </a:r>
+            <a:r>
+              <a:rPr lang="en-US" dirty="0" smtClean="0"/>
+              <a:t> </a:t>
+            </a:r>
             <a:endParaRPr lang="en-US" dirty="0"/>
           </a:p>
         </p:txBody>
@@ -4081,10 +3892,17 @@
   <p:clrMapOvr>
     <a:masterClrMapping/>
   </p:clrMapOvr>
+  <p:timing>
+    <p:tnLst>
+      <p:par>
+        <p:cTn id="1" dur="indefinite" restart="never" nodeType="tmRoot"/>
+      </p:par>
+    </p:tnLst>
+  </p:timing>
 </p:sld>
 </file>
 
-<file path=ppt/slides/slide7.xml><?xml version="1.0" encoding="utf-8"?>
+<file path=ppt/slides/slide12.xml><?xml version="1.0" encoding="utf-8"?>
 <p:sld xmlns:a="http://schemas.openxmlformats.org/drawingml/2006/main" xmlns:r="http://schemas.openxmlformats.org/officeDocument/2006/relationships" xmlns:p="http://schemas.openxmlformats.org/presentationml/2006/main">
   <p:cSld>
     <p:spTree>
@@ -5303,10 +5121,17 @@
   <p:clrMapOvr>
     <a:masterClrMapping/>
   </p:clrMapOvr>
+  <p:timing>
+    <p:tnLst>
+      <p:par>
+        <p:cTn id="1" dur="indefinite" restart="never" nodeType="tmRoot"/>
+      </p:par>
+    </p:tnLst>
+  </p:timing>
 </p:sld>
 </file>
 
-<file path=ppt/slides/slide8.xml><?xml version="1.0" encoding="utf-8"?>
+<file path=ppt/slides/slide13.xml><?xml version="1.0" encoding="utf-8"?>
 <p:sld xmlns:a="http://schemas.openxmlformats.org/drawingml/2006/main" xmlns:r="http://schemas.openxmlformats.org/officeDocument/2006/relationships" xmlns:p="http://schemas.openxmlformats.org/presentationml/2006/main">
   <p:cSld>
     <p:spTree>
@@ -5350,6 +5175,3407 @@
   <p:clrMapOvr>
     <a:masterClrMapping/>
   </p:clrMapOvr>
+  <p:timing>
+    <p:tnLst>
+      <p:par>
+        <p:cTn id="1" dur="indefinite" restart="never" nodeType="tmRoot"/>
+      </p:par>
+    </p:tnLst>
+  </p:timing>
+</p:sld>
+</file>
+
+<file path=ppt/slides/slide2.xml><?xml version="1.0" encoding="utf-8"?>
+<p:sld xmlns:a="http://schemas.openxmlformats.org/drawingml/2006/main" xmlns:r="http://schemas.openxmlformats.org/officeDocument/2006/relationships" xmlns:p="http://schemas.openxmlformats.org/presentationml/2006/main">
+  <p:cSld>
+    <p:spTree>
+      <p:nvGrpSpPr>
+        <p:cNvPr id="1" name=""/>
+        <p:cNvGrpSpPr/>
+        <p:nvPr/>
+      </p:nvGrpSpPr>
+      <p:grpSpPr>
+        <a:xfrm>
+          <a:off x="0" y="0"/>
+          <a:ext cx="0" cy="0"/>
+          <a:chOff x="0" y="0"/>
+          <a:chExt cx="0" cy="0"/>
+        </a:xfrm>
+      </p:grpSpPr>
+      <p:sp>
+        <p:nvSpPr>
+          <p:cNvPr id="2" name="Inhaltsplatzhalter 1"/>
+          <p:cNvSpPr>
+            <a:spLocks noGrp="1"/>
+          </p:cNvSpPr>
+          <p:nvPr>
+            <p:ph idx="1"/>
+          </p:nvPr>
+        </p:nvSpPr>
+        <p:spPr/>
+        <p:txBody>
+          <a:bodyPr/>
+          <a:lstStyle/>
+          <a:p>
+            <a:endParaRPr lang="de-DE"/>
+          </a:p>
+        </p:txBody>
+      </p:sp>
+      <p:sp>
+        <p:nvSpPr>
+          <p:cNvPr id="3" name="Titel 2"/>
+          <p:cNvSpPr>
+            <a:spLocks noGrp="1"/>
+          </p:cNvSpPr>
+          <p:nvPr>
+            <p:ph type="title"/>
+          </p:nvPr>
+        </p:nvSpPr>
+        <p:spPr/>
+        <p:txBody>
+          <a:bodyPr/>
+          <a:lstStyle/>
+          <a:p>
+            <a:r>
+              <a:rPr lang="de-DE" dirty="0" smtClean="0"/>
+              <a:t>TODO: Folie zu </a:t>
+            </a:r>
+            <a:r>
+              <a:rPr lang="de-DE" dirty="0" err="1" smtClean="0"/>
+              <a:t>mgm</a:t>
+            </a:r>
+            <a:endParaRPr lang="de-DE" dirty="0"/>
+          </a:p>
+        </p:txBody>
+      </p:sp>
+    </p:spTree>
+    <p:extLst>
+      <p:ext uri="{BB962C8B-B14F-4D97-AF65-F5344CB8AC3E}">
+        <p14:creationId xmlns:p14="http://schemas.microsoft.com/office/powerpoint/2010/main" val="2382039990"/>
+      </p:ext>
+    </p:extLst>
+  </p:cSld>
+  <p:clrMapOvr>
+    <a:masterClrMapping/>
+  </p:clrMapOvr>
+  <p:timing>
+    <p:tnLst>
+      <p:par>
+        <p:cTn id="1" dur="indefinite" restart="never" nodeType="tmRoot"/>
+      </p:par>
+    </p:tnLst>
+  </p:timing>
+</p:sld>
+</file>
+
+<file path=ppt/slides/slide3.xml><?xml version="1.0" encoding="utf-8"?>
+<p:sld xmlns:a="http://schemas.openxmlformats.org/drawingml/2006/main" xmlns:r="http://schemas.openxmlformats.org/officeDocument/2006/relationships" xmlns:p="http://schemas.openxmlformats.org/presentationml/2006/main">
+  <p:cSld>
+    <p:spTree>
+      <p:nvGrpSpPr>
+        <p:cNvPr id="1" name=""/>
+        <p:cNvGrpSpPr/>
+        <p:nvPr/>
+      </p:nvGrpSpPr>
+      <p:grpSpPr>
+        <a:xfrm>
+          <a:off x="0" y="0"/>
+          <a:ext cx="0" cy="0"/>
+          <a:chOff x="0" y="0"/>
+          <a:chExt cx="0" cy="0"/>
+        </a:xfrm>
+      </p:grpSpPr>
+      <p:sp>
+        <p:nvSpPr>
+          <p:cNvPr id="3" name="Titel 2"/>
+          <p:cNvSpPr>
+            <a:spLocks noGrp="1"/>
+          </p:cNvSpPr>
+          <p:nvPr>
+            <p:ph type="title"/>
+          </p:nvPr>
+        </p:nvSpPr>
+        <p:spPr/>
+        <p:txBody>
+          <a:bodyPr/>
+          <a:lstStyle/>
+          <a:p>
+            <a:r>
+              <a:rPr lang="de-DE" dirty="0" smtClean="0"/>
+              <a:t>Problemstellung: Wie erstelle ich Programme, die </a:t>
+            </a:r>
+            <a:r>
+              <a:rPr lang="de-DE" dirty="0" smtClean="0"/>
+              <a:t>steigende Eingabedatenmengen </a:t>
+            </a:r>
+            <a:r>
+              <a:rPr lang="de-DE" dirty="0" smtClean="0"/>
+              <a:t>mit mehr Hardware genauso schnell </a:t>
+            </a:r>
+            <a:r>
+              <a:rPr lang="de-DE" dirty="0" smtClean="0"/>
+              <a:t>verarbeiten?</a:t>
+            </a:r>
+            <a:endParaRPr lang="de-DE" dirty="0"/>
+          </a:p>
+        </p:txBody>
+      </p:sp>
+      <p:sp>
+        <p:nvSpPr>
+          <p:cNvPr id="2" name="Inhaltsplatzhalter 1"/>
+          <p:cNvSpPr>
+            <a:spLocks noGrp="1"/>
+          </p:cNvSpPr>
+          <p:nvPr>
+            <p:ph sz="half" idx="1"/>
+          </p:nvPr>
+        </p:nvSpPr>
+        <p:spPr/>
+        <p:txBody>
+          <a:bodyPr/>
+          <a:lstStyle/>
+          <a:p>
+            <a:r>
+              <a:rPr lang="de-DE" dirty="0" smtClean="0"/>
+              <a:t>Kommt auf die Programme an – im einfachen Fall benötigt das Programm nie eine globale Sicht auf alle Daten, dann kann </a:t>
+            </a:r>
+            <a:r>
+              <a:rPr lang="de-DE" dirty="0" smtClean="0"/>
+              <a:t>man die </a:t>
+            </a:r>
+            <a:r>
+              <a:rPr lang="de-DE" dirty="0" smtClean="0"/>
+              <a:t>Daten und das Programm einfach auf die zur Verfügung stehenden Rechner („Knoten“) verteilen</a:t>
+            </a:r>
+          </a:p>
+          <a:p>
+            <a:r>
+              <a:rPr lang="de-DE" dirty="0"/>
+              <a:t>Hilfsmittel: (Teilweise) Funktionale Formalisierung des Programms mithilfe von Funktionen höherer </a:t>
+            </a:r>
+            <a:r>
+              <a:rPr lang="de-DE" dirty="0" smtClean="0"/>
+              <a:t>Ordnung</a:t>
+            </a:r>
+          </a:p>
+          <a:p>
+            <a:endParaRPr lang="de-DE" dirty="0"/>
+          </a:p>
+          <a:p>
+            <a:pPr marL="358650" lvl="1" indent="0">
+              <a:buNone/>
+            </a:pPr>
+            <a:r>
+              <a:rPr lang="de-DE" dirty="0" err="1"/>
+              <a:t>map</a:t>
+            </a:r>
+            <a:r>
+              <a:rPr lang="de-DE" dirty="0"/>
+              <a:t> :: (a -&gt; b) -&gt; [a] -&gt; [b]  </a:t>
+            </a:r>
+          </a:p>
+          <a:p>
+            <a:pPr marL="358650" lvl="1" indent="0">
+              <a:buNone/>
+            </a:pPr>
+            <a:r>
+              <a:rPr lang="de-DE" dirty="0" err="1"/>
+              <a:t>map</a:t>
+            </a:r>
+            <a:r>
+              <a:rPr lang="de-DE" dirty="0"/>
+              <a:t> _ [] = []  </a:t>
+            </a:r>
+          </a:p>
+          <a:p>
+            <a:pPr marL="358650" lvl="1" indent="0">
+              <a:buNone/>
+            </a:pPr>
+            <a:r>
+              <a:rPr lang="de-DE" dirty="0" err="1"/>
+              <a:t>map</a:t>
+            </a:r>
+            <a:r>
+              <a:rPr lang="de-DE" dirty="0"/>
+              <a:t> f (</a:t>
+            </a:r>
+            <a:r>
+              <a:rPr lang="de-DE" dirty="0" err="1"/>
+              <a:t>x:xs</a:t>
+            </a:r>
+            <a:r>
+              <a:rPr lang="de-DE" dirty="0"/>
+              <a:t>) = f x : </a:t>
+            </a:r>
+            <a:r>
+              <a:rPr lang="de-DE" dirty="0" err="1"/>
+              <a:t>map</a:t>
+            </a:r>
+            <a:r>
+              <a:rPr lang="de-DE" dirty="0"/>
+              <a:t> f </a:t>
+            </a:r>
+            <a:r>
+              <a:rPr lang="de-DE" dirty="0" err="1"/>
+              <a:t>xs</a:t>
+            </a:r>
+            <a:r>
+              <a:rPr lang="de-DE" dirty="0"/>
+              <a:t> </a:t>
+            </a:r>
+            <a:endParaRPr lang="de-DE" dirty="0" smtClean="0"/>
+          </a:p>
+          <a:p>
+            <a:pPr marL="358650" lvl="1" indent="0">
+              <a:buNone/>
+            </a:pPr>
+            <a:endParaRPr lang="de-DE" dirty="0"/>
+          </a:p>
+          <a:p>
+            <a:pPr marL="358650" lvl="1" indent="0">
+              <a:buNone/>
+            </a:pPr>
+            <a:r>
+              <a:rPr lang="en-US" dirty="0"/>
+              <a:t>map(\x -&gt; (take 2 x))["foo","bar","</a:t>
+            </a:r>
+            <a:r>
+              <a:rPr lang="en-US" dirty="0" err="1"/>
+              <a:t>baz</a:t>
+            </a:r>
+            <a:r>
+              <a:rPr lang="en-US" dirty="0"/>
+              <a:t>"]</a:t>
+            </a:r>
+          </a:p>
+          <a:p>
+            <a:pPr marL="358650" lvl="1" indent="0">
+              <a:buNone/>
+            </a:pPr>
+            <a:r>
+              <a:rPr lang="en-US" dirty="0"/>
+              <a:t>["</a:t>
+            </a:r>
+            <a:r>
+              <a:rPr lang="en-US" dirty="0" err="1"/>
+              <a:t>fo</a:t>
+            </a:r>
+            <a:r>
+              <a:rPr lang="en-US" dirty="0"/>
+              <a:t>","</a:t>
+            </a:r>
+            <a:r>
+              <a:rPr lang="en-US" dirty="0" err="1"/>
+              <a:t>ba</a:t>
+            </a:r>
+            <a:r>
+              <a:rPr lang="en-US" dirty="0"/>
+              <a:t>","</a:t>
+            </a:r>
+            <a:r>
+              <a:rPr lang="en-US" dirty="0" err="1"/>
+              <a:t>ba</a:t>
+            </a:r>
+            <a:r>
+              <a:rPr lang="en-US" dirty="0" smtClean="0"/>
+              <a:t>"]</a:t>
+            </a:r>
+            <a:endParaRPr lang="en-US" dirty="0"/>
+          </a:p>
+        </p:txBody>
+      </p:sp>
+      <p:sp>
+        <p:nvSpPr>
+          <p:cNvPr id="4" name="Inhaltsplatzhalter 3"/>
+          <p:cNvSpPr>
+            <a:spLocks noGrp="1"/>
+          </p:cNvSpPr>
+          <p:nvPr>
+            <p:ph sz="half" idx="2"/>
+          </p:nvPr>
+        </p:nvSpPr>
+        <p:spPr/>
+        <p:txBody>
+          <a:bodyPr/>
+          <a:lstStyle/>
+          <a:p>
+            <a:pPr marL="0" indent="0">
+              <a:buNone/>
+            </a:pPr>
+            <a:r>
+              <a:rPr lang="de-DE" b="1" dirty="0">
+                <a:sym typeface="Wingdings" panose="05000000000000000000" pitchFamily="2" charset="2"/>
+              </a:rPr>
+              <a:t>Beispiele</a:t>
+            </a:r>
+          </a:p>
+          <a:p>
+            <a:pPr marL="342900" indent="-342900">
+              <a:buFont typeface="+mj-lt"/>
+              <a:buAutoNum type="arabicPeriod"/>
+            </a:pPr>
+            <a:r>
+              <a:rPr lang="de-DE" dirty="0">
+                <a:sym typeface="Wingdings" panose="05000000000000000000" pitchFamily="2" charset="2"/>
+              </a:rPr>
+              <a:t>Erstelle mir eine Zusammenfassung für jeden Wikipedia-Artikel</a:t>
+            </a:r>
+          </a:p>
+          <a:p>
+            <a:pPr marL="701550" lvl="1" indent="-342900"/>
+            <a:r>
+              <a:rPr lang="de-DE" dirty="0">
+                <a:sym typeface="Wingdings" panose="05000000000000000000" pitchFamily="2" charset="2"/>
+              </a:rPr>
+              <a:t>Eingabe: Alle Wikipedia-Artikel (beständig wachsend + veränderlich)</a:t>
+            </a:r>
+          </a:p>
+          <a:p>
+            <a:pPr marL="701550" lvl="1" indent="-342900"/>
+            <a:r>
+              <a:rPr lang="de-DE" dirty="0">
+                <a:sym typeface="Wingdings" panose="05000000000000000000" pitchFamily="2" charset="2"/>
+              </a:rPr>
+              <a:t>Ausgabe: Artikel-ID  Zusammenfassung</a:t>
+            </a:r>
+          </a:p>
+          <a:p>
+            <a:pPr marL="342900" indent="-342900">
+              <a:buFont typeface="+mj-lt"/>
+              <a:buAutoNum type="arabicPeriod"/>
+            </a:pPr>
+            <a:r>
+              <a:rPr lang="de-DE" dirty="0"/>
+              <a:t>Berechne mir die relevantesten Artikel je nach Term</a:t>
+            </a:r>
+          </a:p>
+          <a:p>
+            <a:pPr marL="701550" lvl="1" indent="-342900"/>
+            <a:r>
+              <a:rPr lang="de-DE" dirty="0"/>
+              <a:t>Eingabe: Alle Wikipedia-Artikel</a:t>
+            </a:r>
+          </a:p>
+          <a:p>
+            <a:pPr marL="701550" lvl="1" indent="-342900"/>
+            <a:r>
+              <a:rPr lang="de-DE" dirty="0"/>
+              <a:t>Ausgabe: Term </a:t>
+            </a:r>
+            <a:r>
+              <a:rPr lang="de-DE" dirty="0">
+                <a:sym typeface="Wingdings" panose="05000000000000000000" pitchFamily="2" charset="2"/>
+              </a:rPr>
+              <a:t> relevanteste Artikel</a:t>
+            </a:r>
+            <a:endParaRPr lang="de-DE" dirty="0"/>
+          </a:p>
+          <a:p>
+            <a:endParaRPr lang="en-US" dirty="0"/>
+          </a:p>
+        </p:txBody>
+      </p:sp>
+    </p:spTree>
+    <p:extLst>
+      <p:ext uri="{BB962C8B-B14F-4D97-AF65-F5344CB8AC3E}">
+        <p14:creationId xmlns:p14="http://schemas.microsoft.com/office/powerpoint/2010/main" val="3513972585"/>
+      </p:ext>
+    </p:extLst>
+  </p:cSld>
+  <p:clrMapOvr>
+    <a:masterClrMapping/>
+  </p:clrMapOvr>
+  <p:timing>
+    <p:tnLst>
+      <p:par>
+        <p:cTn id="1" dur="indefinite" restart="never" nodeType="tmRoot"/>
+      </p:par>
+    </p:tnLst>
+  </p:timing>
+</p:sld>
+</file>
+
+<file path=ppt/slides/slide4.xml><?xml version="1.0" encoding="utf-8"?>
+<p:sld xmlns:a="http://schemas.openxmlformats.org/drawingml/2006/main" xmlns:r="http://schemas.openxmlformats.org/officeDocument/2006/relationships" xmlns:p="http://schemas.openxmlformats.org/presentationml/2006/main">
+  <p:cSld>
+    <p:spTree>
+      <p:nvGrpSpPr>
+        <p:cNvPr id="1" name=""/>
+        <p:cNvGrpSpPr/>
+        <p:nvPr/>
+      </p:nvGrpSpPr>
+      <p:grpSpPr>
+        <a:xfrm>
+          <a:off x="0" y="0"/>
+          <a:ext cx="0" cy="0"/>
+          <a:chOff x="0" y="0"/>
+          <a:chExt cx="0" cy="0"/>
+        </a:xfrm>
+      </p:grpSpPr>
+      <p:sp>
+        <p:nvSpPr>
+          <p:cNvPr id="15" name="Rechteckiger Pfeil 14"/>
+          <p:cNvSpPr/>
+          <p:nvPr/>
+        </p:nvSpPr>
+        <p:spPr bwMode="auto">
+          <a:xfrm rot="16200000" flipV="1">
+            <a:off x="4524812" y="2821742"/>
+            <a:ext cx="643016" cy="3268980"/>
+          </a:xfrm>
+          <a:prstGeom prst="bentArrow">
+            <a:avLst>
+              <a:gd name="adj1" fmla="val 37463"/>
+              <a:gd name="adj2" fmla="val 43694"/>
+              <a:gd name="adj3" fmla="val 25000"/>
+              <a:gd name="adj4" fmla="val 43750"/>
+            </a:avLst>
+          </a:prstGeom>
+          <a:solidFill>
+            <a:schemeClr val="accent6">
+              <a:lumMod val="75000"/>
+            </a:schemeClr>
+          </a:solidFill>
+          <a:ln w="9525" cap="flat" cmpd="sng" algn="ctr">
+            <a:noFill/>
+            <a:prstDash val="solid"/>
+            <a:round/>
+            <a:headEnd type="none" w="med" len="med"/>
+            <a:tailEnd type="none" w="med" len="med"/>
+          </a:ln>
+          <a:effectLst/>
+        </p:spPr>
+        <p:txBody>
+          <a:bodyPr rot="0" spcFirstLastPara="0" vertOverflow="overflow" horzOverflow="overflow" vert="horz" wrap="square" lIns="91440" tIns="45720" rIns="91440" bIns="45720" numCol="1" spcCol="0" rtlCol="0" fromWordArt="0" anchor="ctr" anchorCtr="0" forceAA="0" compatLnSpc="1">
+            <a:prstTxWarp prst="textNoShape">
+              <a:avLst/>
+            </a:prstTxWarp>
+            <a:noAutofit/>
+          </a:bodyPr>
+          <a:lstStyle/>
+          <a:p>
+            <a:pPr marL="0" marR="0" indent="0" algn="ctr" defTabSz="914400" rtl="0" eaLnBrk="1" fontAlgn="base" latinLnBrk="0" hangingPunct="1">
+              <a:lnSpc>
+                <a:spcPct val="100000"/>
+              </a:lnSpc>
+              <a:spcBef>
+                <a:spcPct val="0"/>
+              </a:spcBef>
+              <a:spcAft>
+                <a:spcPts val="600"/>
+              </a:spcAft>
+              <a:buClrTx/>
+              <a:buSzTx/>
+              <a:buFontTx/>
+              <a:buNone/>
+              <a:tabLst/>
+            </a:pPr>
+            <a:endParaRPr kumimoji="0" lang="de-DE" sz="1200" b="0" i="0" u="none" strike="noStrike" cap="none" normalizeH="0" baseline="0" dirty="0" err="1" smtClean="0">
+              <a:ln>
+                <a:noFill/>
+              </a:ln>
+              <a:solidFill>
+                <a:schemeClr val="bg1"/>
+              </a:solidFill>
+              <a:effectLst/>
+              <a:latin typeface="Open Sans" panose="020B0606030504020204" pitchFamily="34" charset="0"/>
+              <a:ea typeface="Open Sans" panose="020B0606030504020204" pitchFamily="34" charset="0"/>
+              <a:cs typeface="Open Sans" panose="020B0606030504020204" pitchFamily="34" charset="0"/>
+            </a:endParaRPr>
+          </a:p>
+        </p:txBody>
+      </p:sp>
+      <p:sp>
+        <p:nvSpPr>
+          <p:cNvPr id="7" name="Rechteckiger Pfeil 6"/>
+          <p:cNvSpPr/>
+          <p:nvPr/>
+        </p:nvSpPr>
+        <p:spPr bwMode="auto">
+          <a:xfrm rot="5400000">
+            <a:off x="4510843" y="738946"/>
+            <a:ext cx="670954" cy="3268980"/>
+          </a:xfrm>
+          <a:prstGeom prst="bentArrow">
+            <a:avLst>
+              <a:gd name="adj1" fmla="val 37463"/>
+              <a:gd name="adj2" fmla="val 43694"/>
+              <a:gd name="adj3" fmla="val 25000"/>
+              <a:gd name="adj4" fmla="val 43750"/>
+            </a:avLst>
+          </a:prstGeom>
+          <a:solidFill>
+            <a:schemeClr val="accent6">
+              <a:lumMod val="75000"/>
+            </a:schemeClr>
+          </a:solidFill>
+          <a:ln w="9525" cap="flat" cmpd="sng" algn="ctr">
+            <a:noFill/>
+            <a:prstDash val="solid"/>
+            <a:round/>
+            <a:headEnd type="none" w="med" len="med"/>
+            <a:tailEnd type="none" w="med" len="med"/>
+          </a:ln>
+          <a:effectLst/>
+        </p:spPr>
+        <p:txBody>
+          <a:bodyPr rot="0" spcFirstLastPara="0" vertOverflow="overflow" horzOverflow="overflow" vert="horz" wrap="square" lIns="91440" tIns="45720" rIns="91440" bIns="45720" numCol="1" spcCol="0" rtlCol="0" fromWordArt="0" anchor="ctr" anchorCtr="0" forceAA="0" compatLnSpc="1">
+            <a:prstTxWarp prst="textNoShape">
+              <a:avLst/>
+            </a:prstTxWarp>
+            <a:noAutofit/>
+          </a:bodyPr>
+          <a:lstStyle/>
+          <a:p>
+            <a:pPr marL="0" marR="0" indent="0" algn="ctr" defTabSz="914400" rtl="0" eaLnBrk="1" fontAlgn="base" latinLnBrk="0" hangingPunct="1">
+              <a:lnSpc>
+                <a:spcPct val="100000"/>
+              </a:lnSpc>
+              <a:spcBef>
+                <a:spcPct val="0"/>
+              </a:spcBef>
+              <a:spcAft>
+                <a:spcPts val="600"/>
+              </a:spcAft>
+              <a:buClrTx/>
+              <a:buSzTx/>
+              <a:buFontTx/>
+              <a:buNone/>
+              <a:tabLst/>
+            </a:pPr>
+            <a:endParaRPr kumimoji="0" lang="de-DE" sz="1200" b="0" i="0" u="none" strike="noStrike" cap="none" normalizeH="0" baseline="0" dirty="0" err="1" smtClean="0">
+              <a:ln>
+                <a:noFill/>
+              </a:ln>
+              <a:solidFill>
+                <a:schemeClr val="bg1"/>
+              </a:solidFill>
+              <a:effectLst/>
+              <a:latin typeface="Open Sans" panose="020B0606030504020204" pitchFamily="34" charset="0"/>
+              <a:ea typeface="Open Sans" panose="020B0606030504020204" pitchFamily="34" charset="0"/>
+              <a:cs typeface="Open Sans" panose="020B0606030504020204" pitchFamily="34" charset="0"/>
+            </a:endParaRPr>
+          </a:p>
+        </p:txBody>
+      </p:sp>
+      <p:sp>
+        <p:nvSpPr>
+          <p:cNvPr id="2" name="Titel 1"/>
+          <p:cNvSpPr>
+            <a:spLocks noGrp="1"/>
+          </p:cNvSpPr>
+          <p:nvPr>
+            <p:ph type="title"/>
+          </p:nvPr>
+        </p:nvSpPr>
+        <p:spPr/>
+        <p:txBody>
+          <a:bodyPr/>
+          <a:lstStyle/>
+          <a:p>
+            <a:r>
+              <a:rPr lang="de-DE" dirty="0" smtClean="0"/>
+              <a:t>Komplexeres Beispiel: Aggregation von Marktforschungsdaten</a:t>
+            </a:r>
+            <a:endParaRPr lang="de-DE" dirty="0"/>
+          </a:p>
+        </p:txBody>
+      </p:sp>
+      <p:pic>
+        <p:nvPicPr>
+          <p:cNvPr id="1026" name="Picture 2" descr="D:\projects\mgm\jug-saxony-workshop\src\slides\resources\images\1490810710_Market_open_shopping_commerce_shop_store.png"/>
+          <p:cNvPicPr>
+            <a:picLocks noChangeAspect="1" noChangeArrowheads="1"/>
+          </p:cNvPicPr>
+          <p:nvPr/>
+        </p:nvPicPr>
+        <p:blipFill>
+          <a:blip r:embed="rId2" cstate="print">
+            <a:extLst>
+              <a:ext uri="{28A0092B-C50C-407E-A947-70E740481C1C}">
+                <a14:useLocalDpi xmlns:a14="http://schemas.microsoft.com/office/drawing/2010/main" val="0"/>
+              </a:ext>
+            </a:extLst>
+          </a:blip>
+          <a:srcRect/>
+          <a:stretch>
+            <a:fillRect/>
+          </a:stretch>
+        </p:blipFill>
+        <p:spPr bwMode="auto">
+          <a:xfrm>
+            <a:off x="1597661" y="1377951"/>
+            <a:ext cx="1522729" cy="1522729"/>
+          </a:xfrm>
+          <a:prstGeom prst="rect">
+            <a:avLst/>
+          </a:prstGeom>
+          <a:noFill/>
+          <a:extLst>
+            <a:ext uri="{909E8E84-426E-40DD-AFC4-6F175D3DCCD1}">
+              <a14:hiddenFill xmlns:a14="http://schemas.microsoft.com/office/drawing/2010/main">
+                <a:solidFill>
+                  <a:srgbClr val="FFFFFF"/>
+                </a:solidFill>
+              </a14:hiddenFill>
+            </a:ext>
+          </a:extLst>
+        </p:spPr>
+      </p:pic>
+      <p:pic>
+        <p:nvPicPr>
+          <p:cNvPr id="6" name="Picture 2" descr="D:\projects\mgm\jug-saxony-workshop\src\slides\resources\images\1490810710_Market_open_shopping_commerce_shop_store.png"/>
+          <p:cNvPicPr>
+            <a:picLocks noChangeAspect="1" noChangeArrowheads="1"/>
+          </p:cNvPicPr>
+          <p:nvPr/>
+        </p:nvPicPr>
+        <p:blipFill>
+          <a:blip r:embed="rId2" cstate="print">
+            <a:extLst>
+              <a:ext uri="{28A0092B-C50C-407E-A947-70E740481C1C}">
+                <a14:useLocalDpi xmlns:a14="http://schemas.microsoft.com/office/drawing/2010/main" val="0"/>
+              </a:ext>
+            </a:extLst>
+          </a:blip>
+          <a:srcRect/>
+          <a:stretch>
+            <a:fillRect/>
+          </a:stretch>
+        </p:blipFill>
+        <p:spPr bwMode="auto">
+          <a:xfrm>
+            <a:off x="1597661" y="3873501"/>
+            <a:ext cx="1522729" cy="1522729"/>
+          </a:xfrm>
+          <a:prstGeom prst="rect">
+            <a:avLst/>
+          </a:prstGeom>
+          <a:noFill/>
+          <a:extLst>
+            <a:ext uri="{909E8E84-426E-40DD-AFC4-6F175D3DCCD1}">
+              <a14:hiddenFill xmlns:a14="http://schemas.microsoft.com/office/drawing/2010/main">
+                <a:solidFill>
+                  <a:srgbClr val="FFFFFF"/>
+                </a:solidFill>
+              </a14:hiddenFill>
+            </a:ext>
+          </a:extLst>
+        </p:spPr>
+      </p:pic>
+      <p:sp>
+        <p:nvSpPr>
+          <p:cNvPr id="4" name="Textfeld 3"/>
+          <p:cNvSpPr txBox="1"/>
+          <p:nvPr/>
+        </p:nvSpPr>
+        <p:spPr bwMode="white">
+          <a:xfrm>
+            <a:off x="1696085" y="2911277"/>
+            <a:ext cx="1325880" cy="307777"/>
+          </a:xfrm>
+          <a:prstGeom prst="rect">
+            <a:avLst/>
+          </a:prstGeom>
+          <a:noFill/>
+          <a:ln>
+            <a:noFill/>
+          </a:ln>
+          <a:extLst>
+            <a:ext uri="{909E8E84-426E-40DD-AFC4-6F175D3DCCD1}">
+              <a14:hiddenFill xmlns:a14="http://schemas.microsoft.com/office/drawing/2010/main">
+                <a:solidFill>
+                  <a:srgbClr val="FFFFFF"/>
+                </a:solidFill>
+              </a14:hiddenFill>
+            </a:ext>
+            <a:ext uri="{91240B29-F687-4F45-9708-019B960494DF}">
+              <a14:hiddenLine xmlns:a14="http://schemas.microsoft.com/office/drawing/2010/main" w="9525" algn="ctr">
+                <a:solidFill>
+                  <a:srgbClr val="000000"/>
+                </a:solidFill>
+                <a:miter lim="800000"/>
+                <a:headEnd/>
+                <a:tailEnd/>
+              </a14:hiddenLine>
+            </a:ext>
+          </a:extLst>
+        </p:spPr>
+        <p:txBody>
+          <a:bodyPr vert="horz" wrap="square" lIns="91440" tIns="45720" rIns="91440" bIns="45720" numCol="1" rtlCol="0" anchor="t" anchorCtr="0" compatLnSpc="1">
+            <a:prstTxWarp prst="textNoShape">
+              <a:avLst/>
+            </a:prstTxWarp>
+            <a:spAutoFit/>
+          </a:bodyPr>
+          <a:lstStyle/>
+          <a:p>
+            <a:r>
+              <a:rPr lang="de-DE" sz="1400" kern="0" dirty="0" smtClean="0"/>
+              <a:t>Händler 1</a:t>
+            </a:r>
+            <a:endParaRPr lang="de-DE" sz="1400" kern="0" dirty="0" smtClean="0"/>
+          </a:p>
+        </p:txBody>
+      </p:sp>
+      <p:sp>
+        <p:nvSpPr>
+          <p:cNvPr id="8" name="Textfeld 7"/>
+          <p:cNvSpPr txBox="1"/>
+          <p:nvPr/>
+        </p:nvSpPr>
+        <p:spPr bwMode="white">
+          <a:xfrm>
+            <a:off x="1696085" y="5410637"/>
+            <a:ext cx="1325880" cy="307777"/>
+          </a:xfrm>
+          <a:prstGeom prst="rect">
+            <a:avLst/>
+          </a:prstGeom>
+          <a:noFill/>
+          <a:ln>
+            <a:noFill/>
+          </a:ln>
+          <a:extLst>
+            <a:ext uri="{909E8E84-426E-40DD-AFC4-6F175D3DCCD1}">
+              <a14:hiddenFill xmlns:a14="http://schemas.microsoft.com/office/drawing/2010/main">
+                <a:solidFill>
+                  <a:srgbClr val="FFFFFF"/>
+                </a:solidFill>
+              </a14:hiddenFill>
+            </a:ext>
+            <a:ext uri="{91240B29-F687-4F45-9708-019B960494DF}">
+              <a14:hiddenLine xmlns:a14="http://schemas.microsoft.com/office/drawing/2010/main" w="9525" algn="ctr">
+                <a:solidFill>
+                  <a:srgbClr val="000000"/>
+                </a:solidFill>
+                <a:miter lim="800000"/>
+                <a:headEnd/>
+                <a:tailEnd/>
+              </a14:hiddenLine>
+            </a:ext>
+          </a:extLst>
+        </p:spPr>
+        <p:txBody>
+          <a:bodyPr vert="horz" wrap="square" lIns="91440" tIns="45720" rIns="91440" bIns="45720" numCol="1" rtlCol="0" anchor="t" anchorCtr="0" compatLnSpc="1">
+            <a:prstTxWarp prst="textNoShape">
+              <a:avLst/>
+            </a:prstTxWarp>
+            <a:spAutoFit/>
+          </a:bodyPr>
+          <a:lstStyle/>
+          <a:p>
+            <a:r>
+              <a:rPr lang="de-DE" sz="1400" kern="0" dirty="0" smtClean="0"/>
+              <a:t>Händler 2</a:t>
+            </a:r>
+            <a:endParaRPr lang="de-DE" sz="1400" kern="0" dirty="0" smtClean="0"/>
+          </a:p>
+        </p:txBody>
+      </p:sp>
+      <p:pic>
+        <p:nvPicPr>
+          <p:cNvPr id="1027" name="Picture 3" descr="D:\projects\mgm\jug-saxony-workshop\src\slides\resources\images\1490810830_07.png"/>
+          <p:cNvPicPr>
+            <a:picLocks noChangeAspect="1" noChangeArrowheads="1"/>
+          </p:cNvPicPr>
+          <p:nvPr/>
+        </p:nvPicPr>
+        <p:blipFill>
+          <a:blip r:embed="rId3">
+            <a:extLst>
+              <a:ext uri="{28A0092B-C50C-407E-A947-70E740481C1C}">
+                <a14:useLocalDpi xmlns:a14="http://schemas.microsoft.com/office/drawing/2010/main" val="0"/>
+              </a:ext>
+            </a:extLst>
+          </a:blip>
+          <a:srcRect/>
+          <a:stretch>
+            <a:fillRect/>
+          </a:stretch>
+        </p:blipFill>
+        <p:spPr bwMode="auto">
+          <a:xfrm>
+            <a:off x="4037330" y="1732915"/>
+            <a:ext cx="812800" cy="812800"/>
+          </a:xfrm>
+          <a:prstGeom prst="rect">
+            <a:avLst/>
+          </a:prstGeom>
+          <a:noFill/>
+          <a:extLst>
+            <a:ext uri="{909E8E84-426E-40DD-AFC4-6F175D3DCCD1}">
+              <a14:hiddenFill xmlns:a14="http://schemas.microsoft.com/office/drawing/2010/main">
+                <a:solidFill>
+                  <a:srgbClr val="FFFFFF"/>
+                </a:solidFill>
+              </a14:hiddenFill>
+            </a:ext>
+          </a:extLst>
+        </p:spPr>
+      </p:pic>
+      <p:pic>
+        <p:nvPicPr>
+          <p:cNvPr id="11" name="Picture 3" descr="D:\projects\mgm\jug-saxony-workshop\src\slides\resources\images\1490810830_07.png"/>
+          <p:cNvPicPr>
+            <a:picLocks noChangeAspect="1" noChangeArrowheads="1"/>
+          </p:cNvPicPr>
+          <p:nvPr/>
+        </p:nvPicPr>
+        <p:blipFill>
+          <a:blip r:embed="rId3">
+            <a:extLst>
+              <a:ext uri="{28A0092B-C50C-407E-A947-70E740481C1C}">
+                <a14:useLocalDpi xmlns:a14="http://schemas.microsoft.com/office/drawing/2010/main" val="0"/>
+              </a:ext>
+            </a:extLst>
+          </a:blip>
+          <a:srcRect/>
+          <a:stretch>
+            <a:fillRect/>
+          </a:stretch>
+        </p:blipFill>
+        <p:spPr bwMode="auto">
+          <a:xfrm>
+            <a:off x="4037330" y="4228465"/>
+            <a:ext cx="812800" cy="812800"/>
+          </a:xfrm>
+          <a:prstGeom prst="rect">
+            <a:avLst/>
+          </a:prstGeom>
+          <a:noFill/>
+          <a:extLst>
+            <a:ext uri="{909E8E84-426E-40DD-AFC4-6F175D3DCCD1}">
+              <a14:hiddenFill xmlns:a14="http://schemas.microsoft.com/office/drawing/2010/main">
+                <a:solidFill>
+                  <a:srgbClr val="FFFFFF"/>
+                </a:solidFill>
+              </a14:hiddenFill>
+            </a:ext>
+          </a:extLst>
+        </p:spPr>
+      </p:pic>
+      <p:pic>
+        <p:nvPicPr>
+          <p:cNvPr id="1029" name="Picture 5" descr="D:\projects\mgm\jug-saxony-workshop\src\slides\resources\images\1490810845_04.png"/>
+          <p:cNvPicPr>
+            <a:picLocks noChangeAspect="1" noChangeArrowheads="1"/>
+          </p:cNvPicPr>
+          <p:nvPr/>
+        </p:nvPicPr>
+        <p:blipFill>
+          <a:blip r:embed="rId4">
+            <a:extLst>
+              <a:ext uri="{28A0092B-C50C-407E-A947-70E740481C1C}">
+                <a14:useLocalDpi xmlns:a14="http://schemas.microsoft.com/office/drawing/2010/main" val="0"/>
+              </a:ext>
+            </a:extLst>
+          </a:blip>
+          <a:srcRect/>
+          <a:stretch>
+            <a:fillRect/>
+          </a:stretch>
+        </p:blipFill>
+        <p:spPr bwMode="auto">
+          <a:xfrm>
+            <a:off x="8689340" y="2609454"/>
+            <a:ext cx="1625600" cy="1625600"/>
+          </a:xfrm>
+          <a:prstGeom prst="rect">
+            <a:avLst/>
+          </a:prstGeom>
+          <a:noFill/>
+          <a:extLst>
+            <a:ext uri="{909E8E84-426E-40DD-AFC4-6F175D3DCCD1}">
+              <a14:hiddenFill xmlns:a14="http://schemas.microsoft.com/office/drawing/2010/main">
+                <a:solidFill>
+                  <a:srgbClr val="FFFFFF"/>
+                </a:solidFill>
+              </a14:hiddenFill>
+            </a:ext>
+          </a:extLst>
+        </p:spPr>
+      </p:pic>
+      <p:pic>
+        <p:nvPicPr>
+          <p:cNvPr id="1030" name="Picture 6" descr="D:\projects\mgm\jug-saxony-workshop\src\slides\resources\images\1490810940_data-center-px-png.png"/>
+          <p:cNvPicPr>
+            <a:picLocks noChangeAspect="1" noChangeArrowheads="1"/>
+          </p:cNvPicPr>
+          <p:nvPr/>
+        </p:nvPicPr>
+        <p:blipFill>
+          <a:blip r:embed="rId5">
+            <a:extLst>
+              <a:ext uri="{28A0092B-C50C-407E-A947-70E740481C1C}">
+                <a14:useLocalDpi xmlns:a14="http://schemas.microsoft.com/office/drawing/2010/main" val="0"/>
+              </a:ext>
+            </a:extLst>
+          </a:blip>
+          <a:srcRect/>
+          <a:stretch>
+            <a:fillRect/>
+          </a:stretch>
+        </p:blipFill>
+        <p:spPr bwMode="auto">
+          <a:xfrm>
+            <a:off x="5612130" y="2812654"/>
+            <a:ext cx="1219200" cy="1219200"/>
+          </a:xfrm>
+          <a:prstGeom prst="rect">
+            <a:avLst/>
+          </a:prstGeom>
+          <a:noFill/>
+          <a:extLst>
+            <a:ext uri="{909E8E84-426E-40DD-AFC4-6F175D3DCCD1}">
+              <a14:hiddenFill xmlns:a14="http://schemas.microsoft.com/office/drawing/2010/main">
+                <a:solidFill>
+                  <a:srgbClr val="FFFFFF"/>
+                </a:solidFill>
+              </a14:hiddenFill>
+            </a:ext>
+          </a:extLst>
+        </p:spPr>
+      </p:pic>
+      <p:sp>
+        <p:nvSpPr>
+          <p:cNvPr id="9" name="Pfeil nach rechts 8"/>
+          <p:cNvSpPr/>
+          <p:nvPr/>
+        </p:nvSpPr>
+        <p:spPr bwMode="auto">
+          <a:xfrm>
+            <a:off x="7155180" y="3095030"/>
+            <a:ext cx="1314450" cy="654447"/>
+          </a:xfrm>
+          <a:prstGeom prst="rightArrow">
+            <a:avLst/>
+          </a:prstGeom>
+          <a:solidFill>
+            <a:schemeClr val="accent6">
+              <a:lumMod val="75000"/>
+            </a:schemeClr>
+          </a:solidFill>
+          <a:ln w="9525" cap="flat" cmpd="sng" algn="ctr">
+            <a:noFill/>
+            <a:prstDash val="solid"/>
+            <a:round/>
+            <a:headEnd type="none" w="med" len="med"/>
+            <a:tailEnd type="none" w="med" len="med"/>
+          </a:ln>
+          <a:effectLst/>
+        </p:spPr>
+        <p:txBody>
+          <a:bodyPr rot="0" spcFirstLastPara="0" vertOverflow="overflow" horzOverflow="overflow" vert="horz" wrap="square" lIns="91440" tIns="45720" rIns="91440" bIns="45720" numCol="1" spcCol="0" rtlCol="0" fromWordArt="0" anchor="ctr" anchorCtr="0" forceAA="0" compatLnSpc="1">
+            <a:prstTxWarp prst="textNoShape">
+              <a:avLst/>
+            </a:prstTxWarp>
+            <a:noAutofit/>
+          </a:bodyPr>
+          <a:lstStyle/>
+          <a:p>
+            <a:pPr>
+              <a:spcAft>
+                <a:spcPts val="600"/>
+              </a:spcAft>
+            </a:pPr>
+            <a:endParaRPr lang="de-DE" sz="1200" dirty="0" err="1">
+              <a:solidFill>
+                <a:schemeClr val="bg1"/>
+              </a:solidFill>
+              <a:latin typeface="Open Sans" panose="020B0606030504020204" pitchFamily="34" charset="0"/>
+              <a:ea typeface="Open Sans" panose="020B0606030504020204" pitchFamily="34" charset="0"/>
+              <a:cs typeface="Open Sans" panose="020B0606030504020204" pitchFamily="34" charset="0"/>
+            </a:endParaRPr>
+          </a:p>
+        </p:txBody>
+      </p:sp>
+    </p:spTree>
+    <p:extLst>
+      <p:ext uri="{BB962C8B-B14F-4D97-AF65-F5344CB8AC3E}">
+        <p14:creationId xmlns:p14="http://schemas.microsoft.com/office/powerpoint/2010/main" val="3993608850"/>
+      </p:ext>
+    </p:extLst>
+  </p:cSld>
+  <p:clrMapOvr>
+    <a:masterClrMapping/>
+  </p:clrMapOvr>
+  <p:timing>
+    <p:tnLst>
+      <p:par>
+        <p:cTn id="1" dur="indefinite" restart="never" nodeType="tmRoot"/>
+      </p:par>
+    </p:tnLst>
+  </p:timing>
+</p:sld>
+</file>
+
+<file path=ppt/slides/slide5.xml><?xml version="1.0" encoding="utf-8"?>
+<p:sld xmlns:a="http://schemas.openxmlformats.org/drawingml/2006/main" xmlns:r="http://schemas.openxmlformats.org/officeDocument/2006/relationships" xmlns:p="http://schemas.openxmlformats.org/presentationml/2006/main">
+  <p:cSld>
+    <p:spTree>
+      <p:nvGrpSpPr>
+        <p:cNvPr id="1" name=""/>
+        <p:cNvGrpSpPr/>
+        <p:nvPr/>
+      </p:nvGrpSpPr>
+      <p:grpSpPr>
+        <a:xfrm>
+          <a:off x="0" y="0"/>
+          <a:ext cx="0" cy="0"/>
+          <a:chOff x="0" y="0"/>
+          <a:chExt cx="0" cy="0"/>
+        </a:xfrm>
+      </p:grpSpPr>
+      <p:sp>
+        <p:nvSpPr>
+          <p:cNvPr id="2" name="Titel 1"/>
+          <p:cNvSpPr>
+            <a:spLocks noGrp="1"/>
+          </p:cNvSpPr>
+          <p:nvPr>
+            <p:ph type="title"/>
+          </p:nvPr>
+        </p:nvSpPr>
+        <p:spPr/>
+        <p:txBody>
+          <a:bodyPr/>
+          <a:lstStyle/>
+          <a:p>
+            <a:r>
+              <a:rPr lang="de-DE" dirty="0" smtClean="0"/>
+              <a:t>Eingabedaten: Verkaufsdaten</a:t>
+            </a:r>
+            <a:endParaRPr lang="de-DE" dirty="0"/>
+          </a:p>
+        </p:txBody>
+      </p:sp>
+      <p:sp>
+        <p:nvSpPr>
+          <p:cNvPr id="3" name="Inhaltsplatzhalter 2"/>
+          <p:cNvSpPr>
+            <a:spLocks noGrp="1"/>
+          </p:cNvSpPr>
+          <p:nvPr>
+            <p:ph sz="half" idx="1"/>
+          </p:nvPr>
+        </p:nvSpPr>
+        <p:spPr/>
+        <p:txBody>
+          <a:bodyPr/>
+          <a:lstStyle/>
+          <a:p>
+            <a:pPr marL="0" indent="0">
+              <a:buNone/>
+            </a:pPr>
+            <a:r>
+              <a:rPr lang="de-DE" b="1" dirty="0"/>
+              <a:t>Händler 1: </a:t>
+            </a:r>
+            <a:r>
+              <a:rPr lang="de-DE" b="1" dirty="0" err="1" smtClean="0"/>
+              <a:t>MideaMarkt</a:t>
+            </a:r>
+            <a:endParaRPr lang="de-DE" b="1" dirty="0" smtClean="0"/>
+          </a:p>
+          <a:p>
+            <a:pPr marL="0" indent="0">
+              <a:buNone/>
+            </a:pPr>
+            <a:r>
+              <a:rPr lang="de-DE" dirty="0"/>
+              <a:t>Verkaufszeitraum: 2017-02-11T00:00:00ZP1D</a:t>
+            </a:r>
+            <a:endParaRPr lang="de-DE" dirty="0" smtClean="0"/>
+          </a:p>
+          <a:p>
+            <a:pPr marL="0" indent="0">
+              <a:buNone/>
+            </a:pPr>
+            <a:endParaRPr lang="de-DE" dirty="0"/>
+          </a:p>
+        </p:txBody>
+      </p:sp>
+      <p:sp>
+        <p:nvSpPr>
+          <p:cNvPr id="5" name="Inhaltsplatzhalter 4"/>
+          <p:cNvSpPr>
+            <a:spLocks noGrp="1"/>
+          </p:cNvSpPr>
+          <p:nvPr>
+            <p:ph sz="half" idx="2"/>
+          </p:nvPr>
+        </p:nvSpPr>
+        <p:spPr/>
+        <p:txBody>
+          <a:bodyPr/>
+          <a:lstStyle/>
+          <a:p>
+            <a:pPr marL="0" indent="0">
+              <a:buNone/>
+            </a:pPr>
+            <a:r>
+              <a:rPr lang="de-DE" b="1" dirty="0"/>
+              <a:t>Händler 2: </a:t>
+            </a:r>
+            <a:r>
+              <a:rPr lang="de-DE" b="1" dirty="0" err="1" smtClean="0"/>
+              <a:t>Sutarn</a:t>
+            </a:r>
+            <a:endParaRPr lang="de-DE" b="1" dirty="0" smtClean="0"/>
+          </a:p>
+          <a:p>
+            <a:pPr marL="0" indent="0">
+              <a:buNone/>
+            </a:pPr>
+            <a:r>
+              <a:rPr lang="de-DE" dirty="0"/>
+              <a:t>Verkaufszeitraum: 2017-02-11T00:00:00ZP1D</a:t>
+            </a:r>
+          </a:p>
+          <a:p>
+            <a:pPr marL="0" indent="0">
+              <a:buNone/>
+            </a:pPr>
+            <a:endParaRPr lang="de-DE" dirty="0"/>
+          </a:p>
+        </p:txBody>
+      </p:sp>
+      <p:graphicFrame>
+        <p:nvGraphicFramePr>
+          <p:cNvPr id="6" name="Tabelle 5"/>
+          <p:cNvGraphicFramePr>
+            <a:graphicFrameLocks noGrp="1"/>
+          </p:cNvGraphicFramePr>
+          <p:nvPr>
+            <p:extLst>
+              <p:ext uri="{D42A27DB-BD31-4B8C-83A1-F6EECF244321}">
+                <p14:modId xmlns:p14="http://schemas.microsoft.com/office/powerpoint/2010/main" val="4238399807"/>
+              </p:ext>
+            </p:extLst>
+          </p:nvPr>
+        </p:nvGraphicFramePr>
+        <p:xfrm>
+          <a:off x="457200" y="2331296"/>
+          <a:ext cx="5280661" cy="2225040"/>
+        </p:xfrm>
+        <a:graphic>
+          <a:graphicData uri="http://schemas.openxmlformats.org/drawingml/2006/table">
+            <a:tbl>
+              <a:tblPr firstRow="1" bandRow="1">
+                <a:tableStyleId>{93296810-A885-4BE3-A3E7-6D5BEEA58F35}</a:tableStyleId>
+              </a:tblPr>
+              <a:tblGrid>
+                <a:gridCol w="1657350"/>
+                <a:gridCol w="1874520"/>
+                <a:gridCol w="1005840"/>
+                <a:gridCol w="742951"/>
+              </a:tblGrid>
+              <a:tr h="370840">
+                <a:tc>
+                  <a:txBody>
+                    <a:bodyPr/>
+                    <a:lstStyle/>
+                    <a:p>
+                      <a:r>
+                        <a:rPr lang="de-DE" dirty="0" smtClean="0"/>
+                        <a:t>Produkt</a:t>
+                      </a:r>
+                      <a:endParaRPr lang="de-DE" dirty="0"/>
+                    </a:p>
+                  </a:txBody>
+                  <a:tcPr/>
+                </a:tc>
+                <a:tc>
+                  <a:txBody>
+                    <a:bodyPr/>
+                    <a:lstStyle/>
+                    <a:p>
+                      <a:pPr algn="ctr"/>
+                      <a:r>
+                        <a:rPr lang="de-DE" dirty="0" smtClean="0"/>
+                        <a:t>Produktgruppe</a:t>
+                      </a:r>
+                      <a:endParaRPr lang="de-DE" dirty="0"/>
+                    </a:p>
+                  </a:txBody>
+                  <a:tcPr/>
+                </a:tc>
+                <a:tc>
+                  <a:txBody>
+                    <a:bodyPr/>
+                    <a:lstStyle/>
+                    <a:p>
+                      <a:pPr algn="r"/>
+                      <a:r>
+                        <a:rPr lang="de-DE" dirty="0" smtClean="0"/>
+                        <a:t>Anzahl</a:t>
+                      </a:r>
+                      <a:endParaRPr lang="de-DE" dirty="0"/>
+                    </a:p>
+                  </a:txBody>
+                  <a:tcPr/>
+                </a:tc>
+                <a:tc>
+                  <a:txBody>
+                    <a:bodyPr/>
+                    <a:lstStyle/>
+                    <a:p>
+                      <a:pPr algn="r"/>
+                      <a:r>
+                        <a:rPr lang="de-DE" dirty="0" smtClean="0"/>
+                        <a:t>Preis</a:t>
+                      </a:r>
+                      <a:endParaRPr lang="de-DE" dirty="0"/>
+                    </a:p>
+                  </a:txBody>
+                  <a:tcPr/>
+                </a:tc>
+              </a:tr>
+              <a:tr h="370840">
+                <a:tc>
+                  <a:txBody>
+                    <a:bodyPr/>
+                    <a:lstStyle/>
+                    <a:p>
+                      <a:r>
+                        <a:rPr lang="de-DE" dirty="0" err="1" smtClean="0"/>
+                        <a:t>Galaxy</a:t>
+                      </a:r>
+                      <a:r>
+                        <a:rPr lang="de-DE" dirty="0" smtClean="0"/>
+                        <a:t> J3</a:t>
+                      </a:r>
+                      <a:endParaRPr lang="de-DE" dirty="0"/>
+                    </a:p>
+                  </a:txBody>
+                  <a:tcPr/>
+                </a:tc>
+                <a:tc>
+                  <a:txBody>
+                    <a:bodyPr/>
+                    <a:lstStyle/>
+                    <a:p>
+                      <a:pPr algn="ctr"/>
+                      <a:r>
+                        <a:rPr lang="de-DE" dirty="0" smtClean="0"/>
+                        <a:t>Smartphone</a:t>
+                      </a:r>
+                      <a:endParaRPr lang="de-DE" dirty="0"/>
+                    </a:p>
+                  </a:txBody>
+                  <a:tcPr/>
+                </a:tc>
+                <a:tc>
+                  <a:txBody>
+                    <a:bodyPr/>
+                    <a:lstStyle/>
+                    <a:p>
+                      <a:pPr algn="r"/>
+                      <a:r>
+                        <a:rPr lang="de-DE" dirty="0" smtClean="0"/>
+                        <a:t>5</a:t>
+                      </a:r>
+                      <a:endParaRPr lang="de-DE" dirty="0"/>
+                    </a:p>
+                  </a:txBody>
+                  <a:tcPr/>
+                </a:tc>
+                <a:tc>
+                  <a:txBody>
+                    <a:bodyPr/>
+                    <a:lstStyle/>
+                    <a:p>
+                      <a:pPr algn="r"/>
+                      <a:r>
+                        <a:rPr lang="de-DE" dirty="0" smtClean="0"/>
+                        <a:t>150€</a:t>
+                      </a:r>
+                      <a:endParaRPr lang="de-DE" dirty="0"/>
+                    </a:p>
+                  </a:txBody>
+                  <a:tcPr/>
+                </a:tc>
+              </a:tr>
+              <a:tr h="370840">
+                <a:tc>
+                  <a:txBody>
+                    <a:bodyPr/>
+                    <a:lstStyle/>
+                    <a:p>
+                      <a:r>
+                        <a:rPr lang="de-DE" dirty="0" err="1" smtClean="0"/>
+                        <a:t>Xperia</a:t>
+                      </a:r>
+                      <a:r>
+                        <a:rPr lang="de-DE" dirty="0" smtClean="0"/>
+                        <a:t> E5</a:t>
+                      </a:r>
+                      <a:endParaRPr lang="de-DE" dirty="0"/>
+                    </a:p>
+                  </a:txBody>
+                  <a:tcPr/>
+                </a:tc>
+                <a:tc>
+                  <a:txBody>
+                    <a:bodyPr/>
+                    <a:lstStyle/>
+                    <a:p>
+                      <a:pPr algn="ctr"/>
+                      <a:r>
+                        <a:rPr lang="de-DE" dirty="0" smtClean="0"/>
+                        <a:t>Smartphone</a:t>
+                      </a:r>
+                      <a:endParaRPr lang="de-DE" dirty="0"/>
+                    </a:p>
+                  </a:txBody>
+                  <a:tcPr/>
+                </a:tc>
+                <a:tc>
+                  <a:txBody>
+                    <a:bodyPr/>
+                    <a:lstStyle/>
+                    <a:p>
+                      <a:pPr algn="r"/>
+                      <a:r>
+                        <a:rPr lang="de-DE" dirty="0" smtClean="0"/>
+                        <a:t>3</a:t>
+                      </a:r>
+                      <a:endParaRPr lang="de-DE" dirty="0"/>
+                    </a:p>
+                  </a:txBody>
+                  <a:tcPr/>
+                </a:tc>
+                <a:tc>
+                  <a:txBody>
+                    <a:bodyPr/>
+                    <a:lstStyle/>
+                    <a:p>
+                      <a:pPr algn="r"/>
+                      <a:r>
+                        <a:rPr lang="de-DE" dirty="0" smtClean="0"/>
+                        <a:t>140€</a:t>
+                      </a:r>
+                      <a:endParaRPr lang="de-DE" dirty="0"/>
+                    </a:p>
+                  </a:txBody>
+                  <a:tcPr/>
+                </a:tc>
+              </a:tr>
+              <a:tr h="370840">
+                <a:tc>
+                  <a:txBody>
+                    <a:bodyPr/>
+                    <a:lstStyle/>
+                    <a:p>
+                      <a:r>
+                        <a:rPr lang="de-DE" dirty="0" smtClean="0"/>
+                        <a:t>KU6519</a:t>
+                      </a:r>
+                      <a:endParaRPr lang="de-DE" dirty="0"/>
+                    </a:p>
+                  </a:txBody>
+                  <a:tcPr/>
+                </a:tc>
+                <a:tc>
+                  <a:txBody>
+                    <a:bodyPr/>
+                    <a:lstStyle/>
+                    <a:p>
+                      <a:pPr algn="ctr"/>
+                      <a:r>
+                        <a:rPr lang="de-DE" dirty="0" smtClean="0"/>
+                        <a:t>Fernseher</a:t>
+                      </a:r>
+                      <a:endParaRPr lang="de-DE" dirty="0"/>
+                    </a:p>
+                  </a:txBody>
+                  <a:tcPr/>
+                </a:tc>
+                <a:tc>
+                  <a:txBody>
+                    <a:bodyPr/>
+                    <a:lstStyle/>
+                    <a:p>
+                      <a:pPr algn="r"/>
+                      <a:r>
+                        <a:rPr lang="de-DE" dirty="0" smtClean="0"/>
+                        <a:t>12</a:t>
+                      </a:r>
+                      <a:endParaRPr lang="de-DE" dirty="0"/>
+                    </a:p>
+                  </a:txBody>
+                  <a:tcPr/>
+                </a:tc>
+                <a:tc>
+                  <a:txBody>
+                    <a:bodyPr/>
+                    <a:lstStyle/>
+                    <a:p>
+                      <a:pPr algn="r"/>
+                      <a:r>
+                        <a:rPr lang="de-DE" dirty="0" smtClean="0"/>
+                        <a:t>900€</a:t>
+                      </a:r>
+                      <a:endParaRPr lang="de-DE" dirty="0"/>
+                    </a:p>
+                  </a:txBody>
+                  <a:tcPr/>
+                </a:tc>
+              </a:tr>
+              <a:tr h="370840">
+                <a:tc>
+                  <a:txBody>
+                    <a:bodyPr/>
+                    <a:lstStyle/>
+                    <a:p>
+                      <a:r>
+                        <a:rPr lang="de-DE" dirty="0" smtClean="0"/>
+                        <a:t>LT-40VF43A</a:t>
+                      </a:r>
+                      <a:endParaRPr lang="de-DE" dirty="0"/>
+                    </a:p>
+                  </a:txBody>
+                  <a:tcPr/>
+                </a:tc>
+                <a:tc>
+                  <a:txBody>
+                    <a:bodyPr/>
+                    <a:lstStyle/>
+                    <a:p>
+                      <a:pPr algn="ctr"/>
+                      <a:r>
+                        <a:rPr lang="de-DE" dirty="0" smtClean="0"/>
+                        <a:t>Fernseher</a:t>
+                      </a:r>
+                      <a:endParaRPr lang="de-DE" dirty="0"/>
+                    </a:p>
+                  </a:txBody>
+                  <a:tcPr/>
+                </a:tc>
+                <a:tc>
+                  <a:txBody>
+                    <a:bodyPr/>
+                    <a:lstStyle/>
+                    <a:p>
+                      <a:pPr algn="r"/>
+                      <a:r>
+                        <a:rPr lang="de-DE" dirty="0" smtClean="0"/>
+                        <a:t>4</a:t>
+                      </a:r>
+                      <a:endParaRPr lang="de-DE" dirty="0"/>
+                    </a:p>
+                  </a:txBody>
+                  <a:tcPr/>
+                </a:tc>
+                <a:tc>
+                  <a:txBody>
+                    <a:bodyPr/>
+                    <a:lstStyle/>
+                    <a:p>
+                      <a:pPr algn="r"/>
+                      <a:r>
+                        <a:rPr lang="de-DE" dirty="0" smtClean="0"/>
+                        <a:t>300€</a:t>
+                      </a:r>
+                      <a:endParaRPr lang="de-DE" dirty="0"/>
+                    </a:p>
+                  </a:txBody>
+                  <a:tcPr/>
+                </a:tc>
+              </a:tr>
+              <a:tr h="370840">
+                <a:tc>
+                  <a:txBody>
+                    <a:bodyPr/>
+                    <a:lstStyle/>
+                    <a:p>
+                      <a:r>
+                        <a:rPr lang="de-DE" dirty="0" smtClean="0"/>
+                        <a:t>USB</a:t>
+                      </a:r>
+                      <a:r>
+                        <a:rPr lang="de-DE" baseline="0" dirty="0" smtClean="0"/>
+                        <a:t> 1,5m</a:t>
+                      </a:r>
+                      <a:endParaRPr lang="de-DE" dirty="0"/>
+                    </a:p>
+                  </a:txBody>
+                  <a:tcPr/>
+                </a:tc>
+                <a:tc>
+                  <a:txBody>
+                    <a:bodyPr/>
+                    <a:lstStyle/>
+                    <a:p>
+                      <a:pPr algn="ctr"/>
+                      <a:r>
+                        <a:rPr lang="de-DE" dirty="0" smtClean="0"/>
+                        <a:t>Kabel</a:t>
+                      </a:r>
+                      <a:endParaRPr lang="de-DE" dirty="0"/>
+                    </a:p>
+                  </a:txBody>
+                  <a:tcPr/>
+                </a:tc>
+                <a:tc>
+                  <a:txBody>
+                    <a:bodyPr/>
+                    <a:lstStyle/>
+                    <a:p>
+                      <a:pPr algn="r"/>
+                      <a:r>
+                        <a:rPr lang="de-DE" dirty="0" smtClean="0"/>
+                        <a:t>200</a:t>
+                      </a:r>
+                      <a:endParaRPr lang="de-DE" dirty="0"/>
+                    </a:p>
+                  </a:txBody>
+                  <a:tcPr/>
+                </a:tc>
+                <a:tc>
+                  <a:txBody>
+                    <a:bodyPr/>
+                    <a:lstStyle/>
+                    <a:p>
+                      <a:pPr algn="r"/>
+                      <a:r>
+                        <a:rPr lang="de-DE" dirty="0" smtClean="0"/>
+                        <a:t>5€</a:t>
+                      </a:r>
+                      <a:endParaRPr lang="de-DE" dirty="0"/>
+                    </a:p>
+                  </a:txBody>
+                  <a:tcPr/>
+                </a:tc>
+              </a:tr>
+            </a:tbl>
+          </a:graphicData>
+        </a:graphic>
+      </p:graphicFrame>
+      <p:graphicFrame>
+        <p:nvGraphicFramePr>
+          <p:cNvPr id="7" name="Tabelle 6"/>
+          <p:cNvGraphicFramePr>
+            <a:graphicFrameLocks noGrp="1"/>
+          </p:cNvGraphicFramePr>
+          <p:nvPr>
+            <p:extLst>
+              <p:ext uri="{D42A27DB-BD31-4B8C-83A1-F6EECF244321}">
+                <p14:modId xmlns:p14="http://schemas.microsoft.com/office/powerpoint/2010/main" val="1983309484"/>
+              </p:ext>
+            </p:extLst>
+          </p:nvPr>
+        </p:nvGraphicFramePr>
+        <p:xfrm>
+          <a:off x="6147925" y="2331296"/>
+          <a:ext cx="5280661" cy="2595880"/>
+        </p:xfrm>
+        <a:graphic>
+          <a:graphicData uri="http://schemas.openxmlformats.org/drawingml/2006/table">
+            <a:tbl>
+              <a:tblPr firstRow="1" bandRow="1">
+                <a:tableStyleId>{93296810-A885-4BE3-A3E7-6D5BEEA58F35}</a:tableStyleId>
+              </a:tblPr>
+              <a:tblGrid>
+                <a:gridCol w="1657350"/>
+                <a:gridCol w="1874520"/>
+                <a:gridCol w="1005840"/>
+                <a:gridCol w="742951"/>
+              </a:tblGrid>
+              <a:tr h="370840">
+                <a:tc>
+                  <a:txBody>
+                    <a:bodyPr/>
+                    <a:lstStyle/>
+                    <a:p>
+                      <a:r>
+                        <a:rPr lang="de-DE" dirty="0" smtClean="0"/>
+                        <a:t>Produkt</a:t>
+                      </a:r>
+                      <a:endParaRPr lang="de-DE" dirty="0"/>
+                    </a:p>
+                  </a:txBody>
+                  <a:tcPr/>
+                </a:tc>
+                <a:tc>
+                  <a:txBody>
+                    <a:bodyPr/>
+                    <a:lstStyle/>
+                    <a:p>
+                      <a:pPr algn="ctr"/>
+                      <a:r>
+                        <a:rPr lang="de-DE" dirty="0" smtClean="0"/>
+                        <a:t>Produktgruppe</a:t>
+                      </a:r>
+                      <a:endParaRPr lang="de-DE" dirty="0"/>
+                    </a:p>
+                  </a:txBody>
+                  <a:tcPr/>
+                </a:tc>
+                <a:tc>
+                  <a:txBody>
+                    <a:bodyPr/>
+                    <a:lstStyle/>
+                    <a:p>
+                      <a:pPr algn="r"/>
+                      <a:r>
+                        <a:rPr lang="de-DE" dirty="0" smtClean="0"/>
+                        <a:t>Anzahl</a:t>
+                      </a:r>
+                      <a:endParaRPr lang="de-DE" dirty="0"/>
+                    </a:p>
+                  </a:txBody>
+                  <a:tcPr/>
+                </a:tc>
+                <a:tc>
+                  <a:txBody>
+                    <a:bodyPr/>
+                    <a:lstStyle/>
+                    <a:p>
+                      <a:pPr algn="r"/>
+                      <a:r>
+                        <a:rPr lang="de-DE" dirty="0" smtClean="0"/>
+                        <a:t>Preis</a:t>
+                      </a:r>
+                      <a:endParaRPr lang="de-DE" dirty="0"/>
+                    </a:p>
+                  </a:txBody>
+                  <a:tcPr/>
+                </a:tc>
+              </a:tr>
+              <a:tr h="370840">
+                <a:tc>
+                  <a:txBody>
+                    <a:bodyPr/>
+                    <a:lstStyle/>
+                    <a:p>
+                      <a:r>
+                        <a:rPr lang="de-DE" dirty="0" smtClean="0"/>
+                        <a:t>Moto G4</a:t>
+                      </a:r>
+                      <a:endParaRPr lang="de-DE" dirty="0"/>
+                    </a:p>
+                  </a:txBody>
+                  <a:tcPr/>
+                </a:tc>
+                <a:tc>
+                  <a:txBody>
+                    <a:bodyPr/>
+                    <a:lstStyle/>
+                    <a:p>
+                      <a:pPr algn="ctr"/>
+                      <a:r>
+                        <a:rPr lang="de-DE" dirty="0" smtClean="0"/>
+                        <a:t>Smartphone</a:t>
+                      </a:r>
+                      <a:endParaRPr lang="de-DE" dirty="0"/>
+                    </a:p>
+                  </a:txBody>
+                  <a:tcPr/>
+                </a:tc>
+                <a:tc>
+                  <a:txBody>
+                    <a:bodyPr/>
+                    <a:lstStyle/>
+                    <a:p>
+                      <a:pPr algn="r"/>
+                      <a:r>
+                        <a:rPr lang="de-DE" dirty="0" smtClean="0"/>
+                        <a:t>7</a:t>
+                      </a:r>
+                      <a:endParaRPr lang="de-DE" dirty="0"/>
+                    </a:p>
+                  </a:txBody>
+                  <a:tcPr/>
+                </a:tc>
+                <a:tc>
+                  <a:txBody>
+                    <a:bodyPr/>
+                    <a:lstStyle/>
+                    <a:p>
+                      <a:pPr algn="r"/>
+                      <a:r>
+                        <a:rPr lang="de-DE" dirty="0" smtClean="0"/>
+                        <a:t>160€</a:t>
+                      </a:r>
+                      <a:endParaRPr lang="de-DE" dirty="0"/>
+                    </a:p>
+                  </a:txBody>
+                  <a:tcPr/>
+                </a:tc>
+              </a:tr>
+              <a:tr h="370840">
+                <a:tc>
+                  <a:txBody>
+                    <a:bodyPr/>
+                    <a:lstStyle/>
+                    <a:p>
+                      <a:r>
+                        <a:rPr lang="de-DE" dirty="0" err="1" smtClean="0"/>
+                        <a:t>Xperia</a:t>
+                      </a:r>
+                      <a:r>
+                        <a:rPr lang="de-DE" dirty="0" smtClean="0"/>
+                        <a:t> E5</a:t>
+                      </a:r>
+                      <a:endParaRPr lang="de-DE" dirty="0"/>
+                    </a:p>
+                  </a:txBody>
+                  <a:tcPr/>
+                </a:tc>
+                <a:tc>
+                  <a:txBody>
+                    <a:bodyPr/>
+                    <a:lstStyle/>
+                    <a:p>
+                      <a:pPr algn="ctr"/>
+                      <a:r>
+                        <a:rPr lang="de-DE" dirty="0" smtClean="0"/>
+                        <a:t>Smartphone</a:t>
+                      </a:r>
+                      <a:endParaRPr lang="de-DE" dirty="0"/>
+                    </a:p>
+                  </a:txBody>
+                  <a:tcPr/>
+                </a:tc>
+                <a:tc>
+                  <a:txBody>
+                    <a:bodyPr/>
+                    <a:lstStyle/>
+                    <a:p>
+                      <a:pPr algn="r"/>
+                      <a:r>
+                        <a:rPr lang="de-DE" dirty="0" smtClean="0"/>
+                        <a:t>2</a:t>
+                      </a:r>
+                      <a:endParaRPr lang="de-DE" dirty="0"/>
+                    </a:p>
+                  </a:txBody>
+                  <a:tcPr/>
+                </a:tc>
+                <a:tc>
+                  <a:txBody>
+                    <a:bodyPr/>
+                    <a:lstStyle/>
+                    <a:p>
+                      <a:pPr algn="r"/>
+                      <a:r>
+                        <a:rPr lang="de-DE" dirty="0" smtClean="0"/>
+                        <a:t>130€</a:t>
+                      </a:r>
+                      <a:endParaRPr lang="de-DE" dirty="0"/>
+                    </a:p>
+                  </a:txBody>
+                  <a:tcPr/>
+                </a:tc>
+              </a:tr>
+              <a:tr h="370840">
+                <a:tc>
+                  <a:txBody>
+                    <a:bodyPr/>
+                    <a:lstStyle/>
+                    <a:p>
+                      <a:r>
+                        <a:rPr lang="de-DE" dirty="0" smtClean="0"/>
+                        <a:t>LT-40VF43A</a:t>
+                      </a:r>
+                      <a:endParaRPr lang="de-DE" dirty="0"/>
+                    </a:p>
+                  </a:txBody>
+                  <a:tcPr/>
+                </a:tc>
+                <a:tc>
+                  <a:txBody>
+                    <a:bodyPr/>
+                    <a:lstStyle/>
+                    <a:p>
+                      <a:pPr algn="ctr"/>
+                      <a:r>
+                        <a:rPr lang="de-DE" dirty="0" smtClean="0"/>
+                        <a:t>Fernseher</a:t>
+                      </a:r>
+                      <a:endParaRPr lang="de-DE" dirty="0"/>
+                    </a:p>
+                  </a:txBody>
+                  <a:tcPr/>
+                </a:tc>
+                <a:tc>
+                  <a:txBody>
+                    <a:bodyPr/>
+                    <a:lstStyle/>
+                    <a:p>
+                      <a:pPr algn="r"/>
+                      <a:r>
+                        <a:rPr lang="de-DE" dirty="0" smtClean="0"/>
+                        <a:t>1</a:t>
+                      </a:r>
+                      <a:endParaRPr lang="de-DE" dirty="0"/>
+                    </a:p>
+                  </a:txBody>
+                  <a:tcPr/>
+                </a:tc>
+                <a:tc>
+                  <a:txBody>
+                    <a:bodyPr/>
+                    <a:lstStyle/>
+                    <a:p>
+                      <a:pPr algn="r"/>
+                      <a:r>
+                        <a:rPr lang="de-DE" dirty="0" smtClean="0"/>
+                        <a:t>320</a:t>
+                      </a:r>
+                      <a:r>
+                        <a:rPr lang="de-DE" dirty="0" smtClean="0"/>
+                        <a:t>€</a:t>
+                      </a:r>
+                      <a:endParaRPr lang="de-DE" dirty="0"/>
+                    </a:p>
+                  </a:txBody>
+                  <a:tcPr/>
+                </a:tc>
+              </a:tr>
+              <a:tr h="370840">
+                <a:tc>
+                  <a:txBody>
+                    <a:bodyPr/>
+                    <a:lstStyle/>
+                    <a:p>
+                      <a:r>
+                        <a:rPr lang="de-DE" dirty="0" smtClean="0"/>
+                        <a:t>J6289</a:t>
+                      </a:r>
+                      <a:endParaRPr lang="de-DE" dirty="0"/>
+                    </a:p>
+                  </a:txBody>
+                  <a:tcPr/>
+                </a:tc>
+                <a:tc>
+                  <a:txBody>
+                    <a:bodyPr/>
+                    <a:lstStyle/>
+                    <a:p>
+                      <a:pPr algn="ctr"/>
+                      <a:r>
+                        <a:rPr lang="de-DE" dirty="0" smtClean="0"/>
+                        <a:t>Fernseher</a:t>
+                      </a:r>
+                      <a:endParaRPr lang="de-DE" dirty="0"/>
+                    </a:p>
+                  </a:txBody>
+                  <a:tcPr/>
+                </a:tc>
+                <a:tc>
+                  <a:txBody>
+                    <a:bodyPr/>
+                    <a:lstStyle/>
+                    <a:p>
+                      <a:pPr algn="r"/>
+                      <a:r>
+                        <a:rPr lang="de-DE" dirty="0" smtClean="0"/>
+                        <a:t>8</a:t>
+                      </a:r>
+                      <a:endParaRPr lang="de-DE" dirty="0"/>
+                    </a:p>
+                  </a:txBody>
+                  <a:tcPr/>
+                </a:tc>
+                <a:tc>
+                  <a:txBody>
+                    <a:bodyPr/>
+                    <a:lstStyle/>
+                    <a:p>
+                      <a:pPr algn="r"/>
+                      <a:r>
+                        <a:rPr lang="de-DE" dirty="0" smtClean="0"/>
+                        <a:t>400€</a:t>
+                      </a:r>
+                      <a:endParaRPr lang="de-DE" dirty="0"/>
+                    </a:p>
+                  </a:txBody>
+                  <a:tcPr/>
+                </a:tc>
+              </a:tr>
+              <a:tr h="370840">
+                <a:tc>
+                  <a:txBody>
+                    <a:bodyPr/>
+                    <a:lstStyle/>
+                    <a:p>
+                      <a:r>
+                        <a:rPr lang="de-DE" dirty="0" smtClean="0"/>
+                        <a:t>USB 1,5m</a:t>
+                      </a:r>
+                      <a:endParaRPr lang="de-DE" dirty="0"/>
+                    </a:p>
+                  </a:txBody>
+                  <a:tcPr/>
+                </a:tc>
+                <a:tc>
+                  <a:txBody>
+                    <a:bodyPr/>
+                    <a:lstStyle/>
+                    <a:p>
+                      <a:pPr algn="ctr"/>
+                      <a:r>
+                        <a:rPr lang="de-DE" dirty="0" smtClean="0"/>
+                        <a:t>Kabel</a:t>
+                      </a:r>
+                      <a:endParaRPr lang="de-DE" dirty="0"/>
+                    </a:p>
+                  </a:txBody>
+                  <a:tcPr/>
+                </a:tc>
+                <a:tc>
+                  <a:txBody>
+                    <a:bodyPr/>
+                    <a:lstStyle/>
+                    <a:p>
+                      <a:pPr algn="r"/>
+                      <a:r>
+                        <a:rPr lang="de-DE" dirty="0" smtClean="0"/>
+                        <a:t>150</a:t>
+                      </a:r>
+                      <a:endParaRPr lang="de-DE" dirty="0"/>
+                    </a:p>
+                  </a:txBody>
+                  <a:tcPr/>
+                </a:tc>
+                <a:tc>
+                  <a:txBody>
+                    <a:bodyPr/>
+                    <a:lstStyle/>
+                    <a:p>
+                      <a:pPr algn="r"/>
+                      <a:r>
+                        <a:rPr lang="de-DE" dirty="0" smtClean="0"/>
+                        <a:t>4€</a:t>
+                      </a:r>
+                      <a:endParaRPr lang="de-DE" dirty="0"/>
+                    </a:p>
+                  </a:txBody>
+                  <a:tcPr/>
+                </a:tc>
+              </a:tr>
+              <a:tr h="370840">
+                <a:tc>
+                  <a:txBody>
+                    <a:bodyPr/>
+                    <a:lstStyle/>
+                    <a:p>
+                      <a:r>
+                        <a:rPr lang="de-DE" dirty="0" smtClean="0"/>
+                        <a:t>USB</a:t>
+                      </a:r>
+                      <a:r>
+                        <a:rPr lang="de-DE" baseline="0" dirty="0" smtClean="0"/>
+                        <a:t> 3m</a:t>
+                      </a:r>
+                      <a:endParaRPr lang="de-DE" dirty="0"/>
+                    </a:p>
+                  </a:txBody>
+                  <a:tcPr/>
+                </a:tc>
+                <a:tc>
+                  <a:txBody>
+                    <a:bodyPr/>
+                    <a:lstStyle/>
+                    <a:p>
+                      <a:pPr algn="ctr"/>
+                      <a:r>
+                        <a:rPr lang="de-DE" dirty="0" smtClean="0"/>
+                        <a:t>Kabel</a:t>
+                      </a:r>
+                      <a:endParaRPr lang="de-DE" dirty="0"/>
+                    </a:p>
+                  </a:txBody>
+                  <a:tcPr/>
+                </a:tc>
+                <a:tc>
+                  <a:txBody>
+                    <a:bodyPr/>
+                    <a:lstStyle/>
+                    <a:p>
+                      <a:pPr algn="r"/>
+                      <a:r>
+                        <a:rPr lang="de-DE" dirty="0" smtClean="0"/>
+                        <a:t>35</a:t>
+                      </a:r>
+                      <a:endParaRPr lang="de-DE" dirty="0"/>
+                    </a:p>
+                  </a:txBody>
+                  <a:tcPr/>
+                </a:tc>
+                <a:tc>
+                  <a:txBody>
+                    <a:bodyPr/>
+                    <a:lstStyle/>
+                    <a:p>
+                      <a:pPr algn="r"/>
+                      <a:r>
+                        <a:rPr lang="de-DE" dirty="0" smtClean="0"/>
+                        <a:t>6€</a:t>
+                      </a:r>
+                      <a:endParaRPr lang="de-DE" dirty="0"/>
+                    </a:p>
+                  </a:txBody>
+                  <a:tcPr/>
+                </a:tc>
+              </a:tr>
+            </a:tbl>
+          </a:graphicData>
+        </a:graphic>
+      </p:graphicFrame>
+    </p:spTree>
+    <p:extLst>
+      <p:ext uri="{BB962C8B-B14F-4D97-AF65-F5344CB8AC3E}">
+        <p14:creationId xmlns:p14="http://schemas.microsoft.com/office/powerpoint/2010/main" val="3520691469"/>
+      </p:ext>
+    </p:extLst>
+  </p:cSld>
+  <p:clrMapOvr>
+    <a:masterClrMapping/>
+  </p:clrMapOvr>
+  <p:timing>
+    <p:tnLst>
+      <p:par>
+        <p:cTn id="1" dur="indefinite" restart="never" nodeType="tmRoot"/>
+      </p:par>
+    </p:tnLst>
+  </p:timing>
+</p:sld>
+</file>
+
+<file path=ppt/slides/slide6.xml><?xml version="1.0" encoding="utf-8"?>
+<p:sld xmlns:a="http://schemas.openxmlformats.org/drawingml/2006/main" xmlns:r="http://schemas.openxmlformats.org/officeDocument/2006/relationships" xmlns:p="http://schemas.openxmlformats.org/presentationml/2006/main">
+  <p:cSld>
+    <p:spTree>
+      <p:nvGrpSpPr>
+        <p:cNvPr id="1" name=""/>
+        <p:cNvGrpSpPr/>
+        <p:nvPr/>
+      </p:nvGrpSpPr>
+      <p:grpSpPr>
+        <a:xfrm>
+          <a:off x="0" y="0"/>
+          <a:ext cx="0" cy="0"/>
+          <a:chOff x="0" y="0"/>
+          <a:chExt cx="0" cy="0"/>
+        </a:xfrm>
+      </p:grpSpPr>
+      <p:sp>
+        <p:nvSpPr>
+          <p:cNvPr id="2" name="Titel 1"/>
+          <p:cNvSpPr>
+            <a:spLocks noGrp="1"/>
+          </p:cNvSpPr>
+          <p:nvPr>
+            <p:ph type="title"/>
+          </p:nvPr>
+        </p:nvSpPr>
+        <p:spPr/>
+        <p:txBody>
+          <a:bodyPr/>
+          <a:lstStyle/>
+          <a:p>
+            <a:r>
+              <a:rPr lang="de-DE" dirty="0" smtClean="0"/>
+              <a:t>Ausgabedaten: Nach Produkten aggregierter Bericht pro Produktgruppe</a:t>
+            </a:r>
+            <a:endParaRPr lang="de-DE" dirty="0"/>
+          </a:p>
+        </p:txBody>
+      </p:sp>
+      <p:sp>
+        <p:nvSpPr>
+          <p:cNvPr id="3" name="Inhaltsplatzhalter 2"/>
+          <p:cNvSpPr>
+            <a:spLocks noGrp="1"/>
+          </p:cNvSpPr>
+          <p:nvPr>
+            <p:ph sz="half" idx="1"/>
+          </p:nvPr>
+        </p:nvSpPr>
+        <p:spPr/>
+        <p:txBody>
+          <a:bodyPr/>
+          <a:lstStyle/>
+          <a:p>
+            <a:r>
+              <a:rPr lang="de-DE" dirty="0" smtClean="0"/>
+              <a:t>Bericht für Produktgruppe Fernseher</a:t>
+            </a:r>
+          </a:p>
+          <a:p>
+            <a:pPr marL="0" indent="0">
+              <a:buNone/>
+            </a:pPr>
+            <a:endParaRPr lang="de-DE" dirty="0" smtClean="0"/>
+          </a:p>
+          <a:p>
+            <a:pPr marL="0" indent="0">
+              <a:buNone/>
+            </a:pPr>
+            <a:endParaRPr lang="de-DE" dirty="0"/>
+          </a:p>
+          <a:p>
+            <a:pPr marL="0" indent="0">
+              <a:buNone/>
+            </a:pPr>
+            <a:endParaRPr lang="de-DE" dirty="0" smtClean="0"/>
+          </a:p>
+          <a:p>
+            <a:pPr marL="0" indent="0">
+              <a:buNone/>
+            </a:pPr>
+            <a:endParaRPr lang="de-DE" dirty="0"/>
+          </a:p>
+          <a:p>
+            <a:pPr marL="0" indent="0">
+              <a:buNone/>
+            </a:pPr>
+            <a:endParaRPr lang="de-DE" dirty="0" smtClean="0"/>
+          </a:p>
+          <a:p>
+            <a:pPr marL="0" indent="0">
+              <a:buNone/>
+            </a:pPr>
+            <a:endParaRPr lang="de-DE" dirty="0"/>
+          </a:p>
+          <a:p>
+            <a:r>
+              <a:rPr lang="de-DE" dirty="0" smtClean="0"/>
+              <a:t>Bericht für Produktgruppe Kabel</a:t>
+            </a:r>
+          </a:p>
+        </p:txBody>
+      </p:sp>
+      <p:sp>
+        <p:nvSpPr>
+          <p:cNvPr id="5" name="Inhaltsplatzhalter 4"/>
+          <p:cNvSpPr>
+            <a:spLocks noGrp="1"/>
+          </p:cNvSpPr>
+          <p:nvPr>
+            <p:ph sz="half" idx="2"/>
+          </p:nvPr>
+        </p:nvSpPr>
+        <p:spPr/>
+        <p:txBody>
+          <a:bodyPr/>
+          <a:lstStyle/>
+          <a:p>
+            <a:r>
+              <a:rPr lang="de-DE" dirty="0"/>
+              <a:t>Bericht für Produktgruppe </a:t>
+            </a:r>
+            <a:r>
+              <a:rPr lang="de-DE" dirty="0" smtClean="0"/>
+              <a:t>Smartphones</a:t>
+            </a:r>
+            <a:endParaRPr lang="de-DE" dirty="0"/>
+          </a:p>
+        </p:txBody>
+      </p:sp>
+      <p:graphicFrame>
+        <p:nvGraphicFramePr>
+          <p:cNvPr id="4" name="Tabelle 3"/>
+          <p:cNvGraphicFramePr>
+            <a:graphicFrameLocks noGrp="1"/>
+          </p:cNvGraphicFramePr>
+          <p:nvPr>
+            <p:extLst>
+              <p:ext uri="{D42A27DB-BD31-4B8C-83A1-F6EECF244321}">
+                <p14:modId xmlns:p14="http://schemas.microsoft.com/office/powerpoint/2010/main" val="2898839988"/>
+              </p:ext>
+            </p:extLst>
+          </p:nvPr>
+        </p:nvGraphicFramePr>
+        <p:xfrm>
+          <a:off x="843280" y="1853776"/>
+          <a:ext cx="3579749" cy="1854200"/>
+        </p:xfrm>
+        <a:graphic>
+          <a:graphicData uri="http://schemas.openxmlformats.org/drawingml/2006/table">
+            <a:tbl>
+              <a:tblPr firstRow="1" lastRow="1" bandRow="1">
+                <a:tableStyleId>{93296810-A885-4BE3-A3E7-6D5BEEA58F35}</a:tableStyleId>
+              </a:tblPr>
+              <a:tblGrid>
+                <a:gridCol w="1512189"/>
+                <a:gridCol w="995680"/>
+                <a:gridCol w="1071880"/>
+              </a:tblGrid>
+              <a:tr h="370840">
+                <a:tc>
+                  <a:txBody>
+                    <a:bodyPr/>
+                    <a:lstStyle/>
+                    <a:p>
+                      <a:r>
+                        <a:rPr lang="de-DE" dirty="0" smtClean="0"/>
+                        <a:t>Produkt</a:t>
+                      </a:r>
+                      <a:endParaRPr lang="de-DE" dirty="0"/>
+                    </a:p>
+                  </a:txBody>
+                  <a:tcPr/>
+                </a:tc>
+                <a:tc>
+                  <a:txBody>
+                    <a:bodyPr/>
+                    <a:lstStyle/>
+                    <a:p>
+                      <a:pPr algn="r"/>
+                      <a:r>
+                        <a:rPr lang="de-DE" dirty="0" smtClean="0"/>
+                        <a:t>Anzahl</a:t>
+                      </a:r>
+                      <a:endParaRPr lang="de-DE" dirty="0"/>
+                    </a:p>
+                  </a:txBody>
+                  <a:tcPr/>
+                </a:tc>
+                <a:tc>
+                  <a:txBody>
+                    <a:bodyPr/>
+                    <a:lstStyle/>
+                    <a:p>
+                      <a:pPr algn="r"/>
+                      <a:r>
+                        <a:rPr lang="de-DE" dirty="0" smtClean="0"/>
+                        <a:t>Umsatz</a:t>
+                      </a:r>
+                      <a:endParaRPr lang="de-DE" dirty="0"/>
+                    </a:p>
+                  </a:txBody>
+                  <a:tcPr/>
+                </a:tc>
+              </a:tr>
+              <a:tr h="370840">
+                <a:tc>
+                  <a:txBody>
+                    <a:bodyPr/>
+                    <a:lstStyle/>
+                    <a:p>
+                      <a:pPr marL="0" marR="0" indent="0" algn="l" defTabSz="914400" rtl="0" eaLnBrk="1" fontAlgn="auto" latinLnBrk="0" hangingPunct="1">
+                        <a:lnSpc>
+                          <a:spcPct val="100000"/>
+                        </a:lnSpc>
+                        <a:spcBef>
+                          <a:spcPts val="0"/>
+                        </a:spcBef>
+                        <a:spcAft>
+                          <a:spcPts val="0"/>
+                        </a:spcAft>
+                        <a:buClrTx/>
+                        <a:buSzTx/>
+                        <a:buFontTx/>
+                        <a:buNone/>
+                        <a:tabLst/>
+                        <a:defRPr/>
+                      </a:pPr>
+                      <a:r>
+                        <a:rPr lang="de-DE" dirty="0" smtClean="0"/>
+                        <a:t>KU6519</a:t>
+                      </a:r>
+                    </a:p>
+                  </a:txBody>
+                  <a:tcPr/>
+                </a:tc>
+                <a:tc>
+                  <a:txBody>
+                    <a:bodyPr/>
+                    <a:lstStyle/>
+                    <a:p>
+                      <a:pPr algn="r"/>
+                      <a:r>
+                        <a:rPr lang="de-DE" dirty="0" smtClean="0"/>
+                        <a:t>12</a:t>
+                      </a:r>
+                      <a:endParaRPr lang="de-DE" dirty="0"/>
+                    </a:p>
+                  </a:txBody>
+                  <a:tcPr/>
+                </a:tc>
+                <a:tc>
+                  <a:txBody>
+                    <a:bodyPr/>
+                    <a:lstStyle/>
+                    <a:p>
+                      <a:pPr algn="r"/>
+                      <a:r>
+                        <a:rPr lang="de-DE" dirty="0" smtClean="0"/>
+                        <a:t>10.800€</a:t>
+                      </a:r>
+                      <a:endParaRPr lang="de-DE" dirty="0"/>
+                    </a:p>
+                  </a:txBody>
+                  <a:tcPr/>
+                </a:tc>
+              </a:tr>
+              <a:tr h="370840">
+                <a:tc>
+                  <a:txBody>
+                    <a:bodyPr/>
+                    <a:lstStyle/>
+                    <a:p>
+                      <a:pPr marL="0" marR="0" indent="0" algn="l" defTabSz="914400" rtl="0" eaLnBrk="1" fontAlgn="auto" latinLnBrk="0" hangingPunct="1">
+                        <a:lnSpc>
+                          <a:spcPct val="100000"/>
+                        </a:lnSpc>
+                        <a:spcBef>
+                          <a:spcPts val="0"/>
+                        </a:spcBef>
+                        <a:spcAft>
+                          <a:spcPts val="0"/>
+                        </a:spcAft>
+                        <a:buClrTx/>
+                        <a:buSzTx/>
+                        <a:buFontTx/>
+                        <a:buNone/>
+                        <a:tabLst/>
+                        <a:defRPr/>
+                      </a:pPr>
+                      <a:r>
+                        <a:rPr lang="de-DE" dirty="0" smtClean="0"/>
+                        <a:t>LT-40VF43A</a:t>
+                      </a:r>
+                    </a:p>
+                  </a:txBody>
+                  <a:tcPr/>
+                </a:tc>
+                <a:tc>
+                  <a:txBody>
+                    <a:bodyPr/>
+                    <a:lstStyle/>
+                    <a:p>
+                      <a:pPr algn="r"/>
+                      <a:r>
+                        <a:rPr lang="de-DE" dirty="0" smtClean="0"/>
+                        <a:t>5</a:t>
+                      </a:r>
+                      <a:endParaRPr lang="de-DE" dirty="0"/>
+                    </a:p>
+                  </a:txBody>
+                  <a:tcPr/>
+                </a:tc>
+                <a:tc>
+                  <a:txBody>
+                    <a:bodyPr/>
+                    <a:lstStyle/>
+                    <a:p>
+                      <a:pPr algn="r"/>
+                      <a:r>
+                        <a:rPr lang="de-DE" dirty="0" smtClean="0"/>
+                        <a:t>1.520€</a:t>
+                      </a:r>
+                      <a:endParaRPr lang="de-DE" dirty="0"/>
+                    </a:p>
+                  </a:txBody>
+                  <a:tcPr/>
+                </a:tc>
+              </a:tr>
+              <a:tr h="370840">
+                <a:tc>
+                  <a:txBody>
+                    <a:bodyPr/>
+                    <a:lstStyle/>
+                    <a:p>
+                      <a:pPr marL="0" marR="0" indent="0" algn="l" defTabSz="914400" rtl="0" eaLnBrk="1" fontAlgn="auto" latinLnBrk="0" hangingPunct="1">
+                        <a:lnSpc>
+                          <a:spcPct val="100000"/>
+                        </a:lnSpc>
+                        <a:spcBef>
+                          <a:spcPts val="0"/>
+                        </a:spcBef>
+                        <a:spcAft>
+                          <a:spcPts val="0"/>
+                        </a:spcAft>
+                        <a:buClrTx/>
+                        <a:buSzTx/>
+                        <a:buFontTx/>
+                        <a:buNone/>
+                        <a:tabLst/>
+                        <a:defRPr/>
+                      </a:pPr>
+                      <a:r>
+                        <a:rPr lang="de-DE" dirty="0" smtClean="0"/>
+                        <a:t>J6289</a:t>
+                      </a:r>
+                    </a:p>
+                  </a:txBody>
+                  <a:tcPr/>
+                </a:tc>
+                <a:tc>
+                  <a:txBody>
+                    <a:bodyPr/>
+                    <a:lstStyle/>
+                    <a:p>
+                      <a:pPr algn="r"/>
+                      <a:r>
+                        <a:rPr lang="de-DE" dirty="0" smtClean="0"/>
+                        <a:t>8</a:t>
+                      </a:r>
+                      <a:endParaRPr lang="de-DE" dirty="0"/>
+                    </a:p>
+                  </a:txBody>
+                  <a:tcPr/>
+                </a:tc>
+                <a:tc>
+                  <a:txBody>
+                    <a:bodyPr/>
+                    <a:lstStyle/>
+                    <a:p>
+                      <a:pPr algn="r"/>
+                      <a:r>
+                        <a:rPr lang="de-DE" dirty="0" smtClean="0"/>
+                        <a:t>3.200€</a:t>
+                      </a:r>
+                      <a:endParaRPr lang="de-DE" dirty="0"/>
+                    </a:p>
+                  </a:txBody>
+                  <a:tcPr/>
+                </a:tc>
+              </a:tr>
+              <a:tr h="370840">
+                <a:tc>
+                  <a:txBody>
+                    <a:bodyPr/>
+                    <a:lstStyle/>
+                    <a:p>
+                      <a:r>
+                        <a:rPr lang="de-DE" dirty="0" smtClean="0"/>
+                        <a:t>Summe</a:t>
+                      </a:r>
+                      <a:endParaRPr lang="de-DE" dirty="0"/>
+                    </a:p>
+                  </a:txBody>
+                  <a:tcPr/>
+                </a:tc>
+                <a:tc>
+                  <a:txBody>
+                    <a:bodyPr/>
+                    <a:lstStyle/>
+                    <a:p>
+                      <a:pPr algn="r"/>
+                      <a:r>
+                        <a:rPr lang="de-DE" dirty="0" smtClean="0"/>
+                        <a:t>25</a:t>
+                      </a:r>
+                      <a:endParaRPr lang="de-DE" dirty="0"/>
+                    </a:p>
+                  </a:txBody>
+                  <a:tcPr/>
+                </a:tc>
+                <a:tc>
+                  <a:txBody>
+                    <a:bodyPr/>
+                    <a:lstStyle/>
+                    <a:p>
+                      <a:pPr algn="r"/>
+                      <a:r>
+                        <a:rPr lang="de-DE" dirty="0" smtClean="0"/>
+                        <a:t>15.520€</a:t>
+                      </a:r>
+                      <a:endParaRPr lang="de-DE" dirty="0"/>
+                    </a:p>
+                  </a:txBody>
+                  <a:tcPr/>
+                </a:tc>
+              </a:tr>
+            </a:tbl>
+          </a:graphicData>
+        </a:graphic>
+      </p:graphicFrame>
+      <p:graphicFrame>
+        <p:nvGraphicFramePr>
+          <p:cNvPr id="6" name="Tabelle 5"/>
+          <p:cNvGraphicFramePr>
+            <a:graphicFrameLocks noGrp="1"/>
+          </p:cNvGraphicFramePr>
+          <p:nvPr>
+            <p:extLst>
+              <p:ext uri="{D42A27DB-BD31-4B8C-83A1-F6EECF244321}">
+                <p14:modId xmlns:p14="http://schemas.microsoft.com/office/powerpoint/2010/main" val="1396789501"/>
+              </p:ext>
+            </p:extLst>
+          </p:nvPr>
+        </p:nvGraphicFramePr>
+        <p:xfrm>
+          <a:off x="6516370" y="1853776"/>
+          <a:ext cx="3579749" cy="1854200"/>
+        </p:xfrm>
+        <a:graphic>
+          <a:graphicData uri="http://schemas.openxmlformats.org/drawingml/2006/table">
+            <a:tbl>
+              <a:tblPr firstRow="1" lastRow="1" bandRow="1">
+                <a:tableStyleId>{93296810-A885-4BE3-A3E7-6D5BEEA58F35}</a:tableStyleId>
+              </a:tblPr>
+              <a:tblGrid>
+                <a:gridCol w="1512189"/>
+                <a:gridCol w="995680"/>
+                <a:gridCol w="1071880"/>
+              </a:tblGrid>
+              <a:tr h="370840">
+                <a:tc>
+                  <a:txBody>
+                    <a:bodyPr/>
+                    <a:lstStyle/>
+                    <a:p>
+                      <a:r>
+                        <a:rPr lang="de-DE" dirty="0" smtClean="0"/>
+                        <a:t>Produkt</a:t>
+                      </a:r>
+                      <a:endParaRPr lang="de-DE" dirty="0"/>
+                    </a:p>
+                  </a:txBody>
+                  <a:tcPr/>
+                </a:tc>
+                <a:tc>
+                  <a:txBody>
+                    <a:bodyPr/>
+                    <a:lstStyle/>
+                    <a:p>
+                      <a:pPr algn="r"/>
+                      <a:r>
+                        <a:rPr lang="de-DE" smtClean="0"/>
+                        <a:t>Anzahl</a:t>
+                      </a:r>
+                      <a:endParaRPr lang="de-DE" dirty="0"/>
+                    </a:p>
+                  </a:txBody>
+                  <a:tcPr/>
+                </a:tc>
+                <a:tc>
+                  <a:txBody>
+                    <a:bodyPr/>
+                    <a:lstStyle/>
+                    <a:p>
+                      <a:pPr algn="r"/>
+                      <a:r>
+                        <a:rPr lang="de-DE" smtClean="0"/>
+                        <a:t>Umsatz</a:t>
+                      </a:r>
+                      <a:endParaRPr lang="de-DE" dirty="0"/>
+                    </a:p>
+                  </a:txBody>
+                  <a:tcPr/>
+                </a:tc>
+              </a:tr>
+              <a:tr h="370840">
+                <a:tc>
+                  <a:txBody>
+                    <a:bodyPr/>
+                    <a:lstStyle/>
+                    <a:p>
+                      <a:r>
+                        <a:rPr lang="de-DE" dirty="0" err="1" smtClean="0"/>
+                        <a:t>Galaxy</a:t>
+                      </a:r>
+                      <a:r>
+                        <a:rPr lang="de-DE" dirty="0" smtClean="0"/>
+                        <a:t> J3</a:t>
+                      </a:r>
+                      <a:endParaRPr lang="de-DE" dirty="0"/>
+                    </a:p>
+                  </a:txBody>
+                  <a:tcPr/>
+                </a:tc>
+                <a:tc>
+                  <a:txBody>
+                    <a:bodyPr/>
+                    <a:lstStyle/>
+                    <a:p>
+                      <a:pPr algn="r"/>
+                      <a:r>
+                        <a:rPr lang="de-DE" dirty="0" smtClean="0"/>
+                        <a:t>5</a:t>
+                      </a:r>
+                      <a:endParaRPr lang="de-DE" dirty="0"/>
+                    </a:p>
+                  </a:txBody>
+                  <a:tcPr/>
+                </a:tc>
+                <a:tc>
+                  <a:txBody>
+                    <a:bodyPr/>
+                    <a:lstStyle/>
+                    <a:p>
+                      <a:pPr algn="r"/>
+                      <a:r>
+                        <a:rPr lang="de-DE" dirty="0" smtClean="0"/>
+                        <a:t>750€</a:t>
+                      </a:r>
+                      <a:endParaRPr lang="de-DE" dirty="0"/>
+                    </a:p>
+                  </a:txBody>
+                  <a:tcPr/>
+                </a:tc>
+              </a:tr>
+              <a:tr h="370840">
+                <a:tc>
+                  <a:txBody>
+                    <a:bodyPr/>
+                    <a:lstStyle/>
+                    <a:p>
+                      <a:r>
+                        <a:rPr lang="de-DE" dirty="0" err="1" smtClean="0"/>
+                        <a:t>Xperia</a:t>
+                      </a:r>
+                      <a:r>
+                        <a:rPr lang="de-DE" dirty="0" smtClean="0"/>
+                        <a:t> E5</a:t>
+                      </a:r>
+                      <a:endParaRPr lang="de-DE" dirty="0"/>
+                    </a:p>
+                  </a:txBody>
+                  <a:tcPr/>
+                </a:tc>
+                <a:tc>
+                  <a:txBody>
+                    <a:bodyPr/>
+                    <a:lstStyle/>
+                    <a:p>
+                      <a:pPr algn="r"/>
+                      <a:r>
+                        <a:rPr lang="de-DE" dirty="0" smtClean="0"/>
+                        <a:t>5</a:t>
+                      </a:r>
+                      <a:endParaRPr lang="de-DE" dirty="0"/>
+                    </a:p>
+                  </a:txBody>
+                  <a:tcPr/>
+                </a:tc>
+                <a:tc>
+                  <a:txBody>
+                    <a:bodyPr/>
+                    <a:lstStyle/>
+                    <a:p>
+                      <a:pPr algn="r"/>
+                      <a:r>
+                        <a:rPr lang="de-DE" dirty="0" smtClean="0"/>
+                        <a:t>680€</a:t>
+                      </a:r>
+                      <a:endParaRPr lang="de-DE" dirty="0"/>
+                    </a:p>
+                  </a:txBody>
+                  <a:tcPr/>
+                </a:tc>
+              </a:tr>
+              <a:tr h="370840">
+                <a:tc>
+                  <a:txBody>
+                    <a:bodyPr/>
+                    <a:lstStyle/>
+                    <a:p>
+                      <a:r>
+                        <a:rPr lang="de-DE" dirty="0" smtClean="0"/>
+                        <a:t>Moto G4</a:t>
+                      </a:r>
+                      <a:endParaRPr lang="de-DE" dirty="0"/>
+                    </a:p>
+                  </a:txBody>
+                  <a:tcPr/>
+                </a:tc>
+                <a:tc>
+                  <a:txBody>
+                    <a:bodyPr/>
+                    <a:lstStyle/>
+                    <a:p>
+                      <a:pPr algn="r"/>
+                      <a:r>
+                        <a:rPr lang="de-DE" dirty="0" smtClean="0"/>
+                        <a:t>7</a:t>
+                      </a:r>
+                      <a:endParaRPr lang="de-DE" dirty="0"/>
+                    </a:p>
+                  </a:txBody>
+                  <a:tcPr/>
+                </a:tc>
+                <a:tc>
+                  <a:txBody>
+                    <a:bodyPr/>
+                    <a:lstStyle/>
+                    <a:p>
+                      <a:pPr algn="r"/>
+                      <a:r>
+                        <a:rPr lang="de-DE" dirty="0" smtClean="0"/>
+                        <a:t>1.120€</a:t>
+                      </a:r>
+                      <a:endParaRPr lang="de-DE" dirty="0"/>
+                    </a:p>
+                  </a:txBody>
+                  <a:tcPr/>
+                </a:tc>
+              </a:tr>
+              <a:tr h="370840">
+                <a:tc>
+                  <a:txBody>
+                    <a:bodyPr/>
+                    <a:lstStyle/>
+                    <a:p>
+                      <a:r>
+                        <a:rPr lang="de-DE" dirty="0" smtClean="0"/>
+                        <a:t>Summe</a:t>
+                      </a:r>
+                      <a:endParaRPr lang="de-DE" dirty="0"/>
+                    </a:p>
+                  </a:txBody>
+                  <a:tcPr/>
+                </a:tc>
+                <a:tc>
+                  <a:txBody>
+                    <a:bodyPr/>
+                    <a:lstStyle/>
+                    <a:p>
+                      <a:pPr algn="r"/>
+                      <a:r>
+                        <a:rPr lang="de-DE" dirty="0" smtClean="0"/>
+                        <a:t>17</a:t>
+                      </a:r>
+                      <a:endParaRPr lang="de-DE" dirty="0"/>
+                    </a:p>
+                  </a:txBody>
+                  <a:tcPr/>
+                </a:tc>
+                <a:tc>
+                  <a:txBody>
+                    <a:bodyPr/>
+                    <a:lstStyle/>
+                    <a:p>
+                      <a:pPr algn="r"/>
+                      <a:r>
+                        <a:rPr lang="de-DE" dirty="0" smtClean="0"/>
+                        <a:t>2.550€</a:t>
+                      </a:r>
+                      <a:endParaRPr lang="de-DE" dirty="0"/>
+                    </a:p>
+                  </a:txBody>
+                  <a:tcPr/>
+                </a:tc>
+              </a:tr>
+            </a:tbl>
+          </a:graphicData>
+        </a:graphic>
+      </p:graphicFrame>
+      <p:graphicFrame>
+        <p:nvGraphicFramePr>
+          <p:cNvPr id="7" name="Tabelle 6"/>
+          <p:cNvGraphicFramePr>
+            <a:graphicFrameLocks noGrp="1"/>
+          </p:cNvGraphicFramePr>
+          <p:nvPr>
+            <p:extLst>
+              <p:ext uri="{D42A27DB-BD31-4B8C-83A1-F6EECF244321}">
+                <p14:modId xmlns:p14="http://schemas.microsoft.com/office/powerpoint/2010/main" val="2544465875"/>
+              </p:ext>
+            </p:extLst>
+          </p:nvPr>
+        </p:nvGraphicFramePr>
+        <p:xfrm>
+          <a:off x="843280" y="4280746"/>
+          <a:ext cx="3579749" cy="1483360"/>
+        </p:xfrm>
+        <a:graphic>
+          <a:graphicData uri="http://schemas.openxmlformats.org/drawingml/2006/table">
+            <a:tbl>
+              <a:tblPr firstRow="1" lastRow="1" bandRow="1">
+                <a:tableStyleId>{93296810-A885-4BE3-A3E7-6D5BEEA58F35}</a:tableStyleId>
+              </a:tblPr>
+              <a:tblGrid>
+                <a:gridCol w="1512189"/>
+                <a:gridCol w="995680"/>
+                <a:gridCol w="1071880"/>
+              </a:tblGrid>
+              <a:tr h="370840">
+                <a:tc>
+                  <a:txBody>
+                    <a:bodyPr/>
+                    <a:lstStyle/>
+                    <a:p>
+                      <a:r>
+                        <a:rPr lang="de-DE" dirty="0" smtClean="0"/>
+                        <a:t>Produkt</a:t>
+                      </a:r>
+                      <a:endParaRPr lang="de-DE" dirty="0"/>
+                    </a:p>
+                  </a:txBody>
+                  <a:tcPr/>
+                </a:tc>
+                <a:tc>
+                  <a:txBody>
+                    <a:bodyPr/>
+                    <a:lstStyle/>
+                    <a:p>
+                      <a:pPr algn="r"/>
+                      <a:r>
+                        <a:rPr lang="de-DE" smtClean="0"/>
+                        <a:t>Anzahl</a:t>
+                      </a:r>
+                      <a:endParaRPr lang="de-DE" dirty="0"/>
+                    </a:p>
+                  </a:txBody>
+                  <a:tcPr/>
+                </a:tc>
+                <a:tc>
+                  <a:txBody>
+                    <a:bodyPr/>
+                    <a:lstStyle/>
+                    <a:p>
+                      <a:pPr algn="r"/>
+                      <a:r>
+                        <a:rPr lang="de-DE" smtClean="0"/>
+                        <a:t>Umsatz</a:t>
+                      </a:r>
+                      <a:endParaRPr lang="de-DE" dirty="0"/>
+                    </a:p>
+                  </a:txBody>
+                  <a:tcPr/>
+                </a:tc>
+              </a:tr>
+              <a:tr h="370840">
+                <a:tc>
+                  <a:txBody>
+                    <a:bodyPr/>
+                    <a:lstStyle/>
+                    <a:p>
+                      <a:r>
+                        <a:rPr lang="de-DE" dirty="0" smtClean="0"/>
+                        <a:t>USB</a:t>
+                      </a:r>
+                      <a:r>
+                        <a:rPr lang="de-DE" baseline="0" dirty="0" smtClean="0"/>
+                        <a:t> 1,5m</a:t>
+                      </a:r>
+                      <a:endParaRPr lang="de-DE" dirty="0"/>
+                    </a:p>
+                  </a:txBody>
+                  <a:tcPr/>
+                </a:tc>
+                <a:tc>
+                  <a:txBody>
+                    <a:bodyPr/>
+                    <a:lstStyle/>
+                    <a:p>
+                      <a:pPr algn="r"/>
+                      <a:r>
+                        <a:rPr lang="de-DE" dirty="0" smtClean="0"/>
+                        <a:t>350</a:t>
+                      </a:r>
+                      <a:endParaRPr lang="de-DE" dirty="0"/>
+                    </a:p>
+                  </a:txBody>
+                  <a:tcPr/>
+                </a:tc>
+                <a:tc>
+                  <a:txBody>
+                    <a:bodyPr/>
+                    <a:lstStyle/>
+                    <a:p>
+                      <a:pPr algn="r"/>
+                      <a:r>
+                        <a:rPr lang="de-DE" dirty="0" smtClean="0"/>
+                        <a:t>1.600€</a:t>
+                      </a:r>
+                      <a:endParaRPr lang="de-DE" dirty="0"/>
+                    </a:p>
+                  </a:txBody>
+                  <a:tcPr/>
+                </a:tc>
+              </a:tr>
+              <a:tr h="370840">
+                <a:tc>
+                  <a:txBody>
+                    <a:bodyPr/>
+                    <a:lstStyle/>
+                    <a:p>
+                      <a:r>
+                        <a:rPr lang="de-DE" dirty="0" smtClean="0"/>
+                        <a:t>USB</a:t>
+                      </a:r>
+                      <a:r>
+                        <a:rPr lang="de-DE" baseline="0" dirty="0" smtClean="0"/>
+                        <a:t> 3m</a:t>
+                      </a:r>
+                      <a:endParaRPr lang="de-DE" dirty="0"/>
+                    </a:p>
+                  </a:txBody>
+                  <a:tcPr/>
+                </a:tc>
+                <a:tc>
+                  <a:txBody>
+                    <a:bodyPr/>
+                    <a:lstStyle/>
+                    <a:p>
+                      <a:pPr algn="r"/>
+                      <a:r>
+                        <a:rPr lang="de-DE" dirty="0" smtClean="0"/>
+                        <a:t>35</a:t>
+                      </a:r>
+                      <a:endParaRPr lang="de-DE" dirty="0"/>
+                    </a:p>
+                  </a:txBody>
+                  <a:tcPr/>
+                </a:tc>
+                <a:tc>
+                  <a:txBody>
+                    <a:bodyPr/>
+                    <a:lstStyle/>
+                    <a:p>
+                      <a:pPr algn="r"/>
+                      <a:r>
+                        <a:rPr lang="de-DE" dirty="0" smtClean="0"/>
+                        <a:t>210€</a:t>
+                      </a:r>
+                      <a:endParaRPr lang="de-DE" dirty="0"/>
+                    </a:p>
+                  </a:txBody>
+                  <a:tcPr/>
+                </a:tc>
+              </a:tr>
+              <a:tr h="370840">
+                <a:tc>
+                  <a:txBody>
+                    <a:bodyPr/>
+                    <a:lstStyle/>
+                    <a:p>
+                      <a:r>
+                        <a:rPr lang="de-DE" dirty="0" smtClean="0"/>
+                        <a:t>Summe</a:t>
+                      </a:r>
+                      <a:endParaRPr lang="de-DE" dirty="0"/>
+                    </a:p>
+                  </a:txBody>
+                  <a:tcPr/>
+                </a:tc>
+                <a:tc>
+                  <a:txBody>
+                    <a:bodyPr/>
+                    <a:lstStyle/>
+                    <a:p>
+                      <a:pPr algn="r"/>
+                      <a:r>
+                        <a:rPr lang="de-DE" dirty="0" smtClean="0"/>
+                        <a:t>385</a:t>
+                      </a:r>
+                      <a:endParaRPr lang="de-DE" dirty="0"/>
+                    </a:p>
+                  </a:txBody>
+                  <a:tcPr/>
+                </a:tc>
+                <a:tc>
+                  <a:txBody>
+                    <a:bodyPr/>
+                    <a:lstStyle/>
+                    <a:p>
+                      <a:pPr algn="r"/>
+                      <a:r>
+                        <a:rPr lang="de-DE" dirty="0" smtClean="0"/>
+                        <a:t>1.810€</a:t>
+                      </a:r>
+                      <a:endParaRPr lang="de-DE" dirty="0"/>
+                    </a:p>
+                  </a:txBody>
+                  <a:tcPr/>
+                </a:tc>
+              </a:tr>
+            </a:tbl>
+          </a:graphicData>
+        </a:graphic>
+      </p:graphicFrame>
+    </p:spTree>
+    <p:extLst>
+      <p:ext uri="{BB962C8B-B14F-4D97-AF65-F5344CB8AC3E}">
+        <p14:creationId xmlns:p14="http://schemas.microsoft.com/office/powerpoint/2010/main" val="1897376976"/>
+      </p:ext>
+    </p:extLst>
+  </p:cSld>
+  <p:clrMapOvr>
+    <a:masterClrMapping/>
+  </p:clrMapOvr>
+  <p:timing>
+    <p:tnLst>
+      <p:par>
+        <p:cTn id="1" dur="indefinite" restart="never" nodeType="tmRoot"/>
+      </p:par>
+    </p:tnLst>
+  </p:timing>
+</p:sld>
+</file>
+
+<file path=ppt/slides/slide7.xml><?xml version="1.0" encoding="utf-8"?>
+<p:sld xmlns:a="http://schemas.openxmlformats.org/drawingml/2006/main" xmlns:r="http://schemas.openxmlformats.org/officeDocument/2006/relationships" xmlns:p="http://schemas.openxmlformats.org/presentationml/2006/main">
+  <p:cSld>
+    <p:spTree>
+      <p:nvGrpSpPr>
+        <p:cNvPr id="1" name=""/>
+        <p:cNvGrpSpPr/>
+        <p:nvPr/>
+      </p:nvGrpSpPr>
+      <p:grpSpPr>
+        <a:xfrm>
+          <a:off x="0" y="0"/>
+          <a:ext cx="0" cy="0"/>
+          <a:chOff x="0" y="0"/>
+          <a:chExt cx="0" cy="0"/>
+        </a:xfrm>
+      </p:grpSpPr>
+      <p:sp>
+        <p:nvSpPr>
+          <p:cNvPr id="2" name="Titel 1"/>
+          <p:cNvSpPr>
+            <a:spLocks noGrp="1"/>
+          </p:cNvSpPr>
+          <p:nvPr>
+            <p:ph type="title"/>
+          </p:nvPr>
+        </p:nvSpPr>
+        <p:spPr/>
+        <p:txBody>
+          <a:bodyPr/>
+          <a:lstStyle/>
+          <a:p>
+            <a:r>
+              <a:rPr lang="de-DE" dirty="0" smtClean="0"/>
+              <a:t>Beispiele für Funktionen höherer Ordnung, die Spark unterstützt</a:t>
+            </a:r>
+            <a:endParaRPr lang="de-DE" dirty="0"/>
+          </a:p>
+        </p:txBody>
+      </p:sp>
+      <p:sp>
+        <p:nvSpPr>
+          <p:cNvPr id="3" name="Inhaltsplatzhalter 2"/>
+          <p:cNvSpPr>
+            <a:spLocks noGrp="1"/>
+          </p:cNvSpPr>
+          <p:nvPr>
+            <p:ph sz="half" idx="1"/>
+          </p:nvPr>
+        </p:nvSpPr>
+        <p:spPr/>
+        <p:txBody>
+          <a:bodyPr/>
+          <a:lstStyle/>
+          <a:p>
+            <a:r>
+              <a:rPr lang="de-DE" dirty="0" err="1" smtClean="0"/>
+              <a:t>map</a:t>
+            </a:r>
+            <a:endParaRPr lang="de-DE" dirty="0" smtClean="0"/>
+          </a:p>
+          <a:p>
+            <a:r>
+              <a:rPr lang="de-DE" dirty="0" err="1" smtClean="0"/>
+              <a:t>filter</a:t>
+            </a:r>
+            <a:endParaRPr lang="de-DE" dirty="0" smtClean="0"/>
+          </a:p>
+          <a:p>
+            <a:r>
+              <a:rPr lang="de-DE" dirty="0" err="1" smtClean="0"/>
+              <a:t>flatMap</a:t>
+            </a:r>
+            <a:endParaRPr lang="de-DE" dirty="0" smtClean="0"/>
+          </a:p>
+          <a:p>
+            <a:r>
+              <a:rPr lang="de-DE" dirty="0" err="1" smtClean="0"/>
+              <a:t>mapPartitions</a:t>
+            </a:r>
+            <a:endParaRPr lang="de-DE" dirty="0" smtClean="0"/>
+          </a:p>
+          <a:p>
+            <a:r>
+              <a:rPr lang="de-DE" dirty="0" err="1" smtClean="0"/>
+              <a:t>reduce</a:t>
+            </a:r>
+            <a:endParaRPr lang="de-DE" dirty="0" smtClean="0"/>
+          </a:p>
+          <a:p>
+            <a:r>
+              <a:rPr lang="de-DE" dirty="0" err="1" smtClean="0"/>
+              <a:t>reduceByKey</a:t>
+            </a:r>
+            <a:r>
+              <a:rPr lang="de-DE" dirty="0" smtClean="0"/>
+              <a:t> / </a:t>
+            </a:r>
+            <a:r>
+              <a:rPr lang="de-DE" dirty="0" err="1" smtClean="0"/>
+              <a:t>aggregateByKey</a:t>
+            </a:r>
+            <a:endParaRPr lang="de-DE" dirty="0" smtClean="0"/>
+          </a:p>
+          <a:p>
+            <a:endParaRPr lang="de-DE" dirty="0"/>
+          </a:p>
+        </p:txBody>
+      </p:sp>
+      <p:sp>
+        <p:nvSpPr>
+          <p:cNvPr id="4" name="Inhaltsplatzhalter 3"/>
+          <p:cNvSpPr>
+            <a:spLocks noGrp="1"/>
+          </p:cNvSpPr>
+          <p:nvPr>
+            <p:ph sz="half" idx="2"/>
+          </p:nvPr>
+        </p:nvSpPr>
+        <p:spPr/>
+        <p:txBody>
+          <a:bodyPr/>
+          <a:lstStyle/>
+          <a:p>
+            <a:pPr marL="0" indent="0">
+              <a:buNone/>
+            </a:pPr>
+            <a:r>
+              <a:rPr lang="de-DE" dirty="0" smtClean="0"/>
+              <a:t>Anwendung auf das Beispiel</a:t>
+            </a:r>
+            <a:endParaRPr lang="de-DE" dirty="0"/>
+          </a:p>
+        </p:txBody>
+      </p:sp>
+    </p:spTree>
+    <p:extLst>
+      <p:ext uri="{BB962C8B-B14F-4D97-AF65-F5344CB8AC3E}">
+        <p14:creationId xmlns:p14="http://schemas.microsoft.com/office/powerpoint/2010/main" val="3964364665"/>
+      </p:ext>
+    </p:extLst>
+  </p:cSld>
+  <p:clrMapOvr>
+    <a:masterClrMapping/>
+  </p:clrMapOvr>
+  <p:timing>
+    <p:tnLst>
+      <p:par>
+        <p:cTn id="1" dur="indefinite" restart="never" nodeType="tmRoot"/>
+      </p:par>
+    </p:tnLst>
+  </p:timing>
+</p:sld>
+</file>
+
+<file path=ppt/slides/slide8.xml><?xml version="1.0" encoding="utf-8"?>
+<p:sld xmlns:a="http://schemas.openxmlformats.org/drawingml/2006/main" xmlns:r="http://schemas.openxmlformats.org/officeDocument/2006/relationships" xmlns:p="http://schemas.openxmlformats.org/presentationml/2006/main">
+  <p:cSld>
+    <p:spTree>
+      <p:nvGrpSpPr>
+        <p:cNvPr id="1" name=""/>
+        <p:cNvGrpSpPr/>
+        <p:nvPr/>
+      </p:nvGrpSpPr>
+      <p:grpSpPr>
+        <a:xfrm>
+          <a:off x="0" y="0"/>
+          <a:ext cx="0" cy="0"/>
+          <a:chOff x="0" y="0"/>
+          <a:chExt cx="0" cy="0"/>
+        </a:xfrm>
+      </p:grpSpPr>
+      <p:pic>
+        <p:nvPicPr>
+          <p:cNvPr id="4" name="Inhaltsplatzhalter 3"/>
+          <p:cNvPicPr>
+            <a:picLocks noGrp="1" noChangeAspect="1"/>
+          </p:cNvPicPr>
+          <p:nvPr>
+            <p:ph idx="1"/>
+          </p:nvPr>
+        </p:nvPicPr>
+        <p:blipFill>
+          <a:blip r:embed="rId2">
+            <a:extLst>
+              <a:ext uri="{28A0092B-C50C-407E-A947-70E740481C1C}">
+                <a14:useLocalDpi xmlns:a14="http://schemas.microsoft.com/office/drawing/2010/main" val="0"/>
+              </a:ext>
+            </a:extLst>
+          </a:blip>
+          <a:stretch>
+            <a:fillRect/>
+          </a:stretch>
+        </p:blipFill>
+        <p:spPr>
+          <a:xfrm>
+            <a:off x="2663031" y="1947069"/>
+            <a:ext cx="6791325" cy="3333750"/>
+          </a:xfrm>
+        </p:spPr>
+      </p:pic>
+      <p:sp>
+        <p:nvSpPr>
+          <p:cNvPr id="3" name="Titel 2"/>
+          <p:cNvSpPr>
+            <a:spLocks noGrp="1"/>
+          </p:cNvSpPr>
+          <p:nvPr>
+            <p:ph type="title"/>
+          </p:nvPr>
+        </p:nvSpPr>
+        <p:spPr/>
+        <p:txBody>
+          <a:bodyPr/>
+          <a:lstStyle/>
+          <a:p>
+            <a:r>
+              <a:rPr lang="de-DE" dirty="0" smtClean="0"/>
+              <a:t>Enterprise – Was heißt das eigentlich?</a:t>
+            </a:r>
+            <a:endParaRPr lang="en-US" dirty="0"/>
+          </a:p>
+        </p:txBody>
+      </p:sp>
+    </p:spTree>
+    <p:extLst>
+      <p:ext uri="{BB962C8B-B14F-4D97-AF65-F5344CB8AC3E}">
+        <p14:creationId xmlns:p14="http://schemas.microsoft.com/office/powerpoint/2010/main" val="1636183931"/>
+      </p:ext>
+    </p:extLst>
+  </p:cSld>
+  <p:clrMapOvr>
+    <a:masterClrMapping/>
+  </p:clrMapOvr>
+  <p:timing>
+    <p:tnLst>
+      <p:par>
+        <p:cTn id="1" dur="indefinite" restart="never" nodeType="tmRoot"/>
+      </p:par>
+    </p:tnLst>
+  </p:timing>
+</p:sld>
+</file>
+
+<file path=ppt/slides/slide9.xml><?xml version="1.0" encoding="utf-8"?>
+<p:sld xmlns:a="http://schemas.openxmlformats.org/drawingml/2006/main" xmlns:r="http://schemas.openxmlformats.org/officeDocument/2006/relationships" xmlns:p="http://schemas.openxmlformats.org/presentationml/2006/main">
+  <p:cSld>
+    <p:spTree>
+      <p:nvGrpSpPr>
+        <p:cNvPr id="1" name=""/>
+        <p:cNvGrpSpPr/>
+        <p:nvPr/>
+      </p:nvGrpSpPr>
+      <p:grpSpPr>
+        <a:xfrm>
+          <a:off x="0" y="0"/>
+          <a:ext cx="0" cy="0"/>
+          <a:chOff x="0" y="0"/>
+          <a:chExt cx="0" cy="0"/>
+        </a:xfrm>
+      </p:grpSpPr>
+      <p:sp>
+        <p:nvSpPr>
+          <p:cNvPr id="2" name="Inhaltsplatzhalter 1"/>
+          <p:cNvSpPr>
+            <a:spLocks noGrp="1"/>
+          </p:cNvSpPr>
+          <p:nvPr>
+            <p:ph idx="1"/>
+          </p:nvPr>
+        </p:nvSpPr>
+        <p:spPr/>
+        <p:txBody>
+          <a:bodyPr/>
+          <a:lstStyle/>
+          <a:p>
+            <a:r>
+              <a:rPr lang="de-DE" dirty="0" smtClean="0"/>
+              <a:t>Stabilität</a:t>
+            </a:r>
+          </a:p>
+          <a:p>
+            <a:r>
+              <a:rPr lang="de-DE" dirty="0" smtClean="0"/>
+              <a:t>Zuverlässigkeit</a:t>
+            </a:r>
+          </a:p>
+          <a:p>
+            <a:r>
+              <a:rPr lang="de-DE" dirty="0" smtClean="0"/>
+              <a:t>Reproduzierbarkeit</a:t>
+            </a:r>
+          </a:p>
+          <a:p>
+            <a:r>
+              <a:rPr lang="de-DE" dirty="0" smtClean="0"/>
+              <a:t>Audit-Fähigkeit</a:t>
+            </a:r>
+          </a:p>
+          <a:p>
+            <a:r>
+              <a:rPr lang="de-DE" dirty="0" smtClean="0"/>
+              <a:t>Professioneller Support</a:t>
+            </a:r>
+          </a:p>
+          <a:p>
+            <a:r>
+              <a:rPr lang="de-DE" dirty="0" smtClean="0"/>
+              <a:t>Einfachheit</a:t>
+            </a:r>
+          </a:p>
+          <a:p>
+            <a:r>
+              <a:rPr lang="de-DE" dirty="0" smtClean="0"/>
+              <a:t>Betreibbarkeit</a:t>
+            </a:r>
+          </a:p>
+          <a:p>
+            <a:r>
+              <a:rPr lang="de-DE" dirty="0" smtClean="0"/>
+              <a:t>Framework</a:t>
+            </a:r>
+          </a:p>
+          <a:p>
+            <a:r>
+              <a:rPr lang="de-DE" dirty="0" smtClean="0"/>
+              <a:t>Modularisierung</a:t>
+            </a:r>
+            <a:endParaRPr lang="en-US" dirty="0"/>
+          </a:p>
+        </p:txBody>
+      </p:sp>
+      <p:sp>
+        <p:nvSpPr>
+          <p:cNvPr id="3" name="Titel 2"/>
+          <p:cNvSpPr>
+            <a:spLocks noGrp="1"/>
+          </p:cNvSpPr>
+          <p:nvPr>
+            <p:ph type="title"/>
+          </p:nvPr>
+        </p:nvSpPr>
+        <p:spPr/>
+        <p:txBody>
+          <a:bodyPr/>
+          <a:lstStyle/>
+          <a:p>
+            <a:r>
+              <a:rPr lang="de-DE" dirty="0" smtClean="0"/>
+              <a:t>Zusammenfassung</a:t>
+            </a:r>
+            <a:endParaRPr lang="en-US" dirty="0"/>
+          </a:p>
+        </p:txBody>
+      </p:sp>
+    </p:spTree>
+    <p:extLst>
+      <p:ext uri="{BB962C8B-B14F-4D97-AF65-F5344CB8AC3E}">
+        <p14:creationId xmlns:p14="http://schemas.microsoft.com/office/powerpoint/2010/main" val="325110386"/>
+      </p:ext>
+    </p:extLst>
+  </p:cSld>
+  <p:clrMapOvr>
+    <a:masterClrMapping/>
+  </p:clrMapOvr>
+  <p:timing>
+    <p:tnLst>
+      <p:par>
+        <p:cTn id="1" dur="indefinite" restart="never" nodeType="tmRoot"/>
+      </p:par>
+    </p:tnLst>
+  </p:timing>
 </p:sld>
 </file>
 

--- a/src/slides/resources/2017-03-31-JUG-Saxony-Workshop-de.pptx
+++ b/src/slides/resources/2017-03-31-JUG-Saxony-Workshop-de.pptx
@@ -5,10 +5,10 @@
     <p:sldMasterId id="2147483648" r:id="rId1"/>
   </p:sldMasterIdLst>
   <p:notesMasterIdLst>
-    <p:notesMasterId r:id="rId15"/>
+    <p:notesMasterId r:id="rId16"/>
   </p:notesMasterIdLst>
   <p:handoutMasterIdLst>
-    <p:handoutMasterId r:id="rId16"/>
+    <p:handoutMasterId r:id="rId17"/>
   </p:handoutMasterIdLst>
   <p:sldIdLst>
     <p:sldId id="668" r:id="rId2"/>
@@ -18,12 +18,13 @@
     <p:sldId id="717" r:id="rId6"/>
     <p:sldId id="718" r:id="rId7"/>
     <p:sldId id="716" r:id="rId8"/>
-    <p:sldId id="710" r:id="rId9"/>
-    <p:sldId id="713" r:id="rId10"/>
-    <p:sldId id="709" r:id="rId11"/>
-    <p:sldId id="686" r:id="rId12"/>
-    <p:sldId id="706" r:id="rId13"/>
-    <p:sldId id="702" r:id="rId14"/>
+    <p:sldId id="720" r:id="rId9"/>
+    <p:sldId id="710" r:id="rId10"/>
+    <p:sldId id="713" r:id="rId11"/>
+    <p:sldId id="709" r:id="rId12"/>
+    <p:sldId id="686" r:id="rId13"/>
+    <p:sldId id="706" r:id="rId14"/>
+    <p:sldId id="702" r:id="rId15"/>
   </p:sldIdLst>
   <p:sldSz cx="12192000" cy="6858000"/>
   <p:notesSz cx="7315200" cy="9601200"/>
@@ -1209,6 +1210,10 @@
           <a:bodyPr/>
           <a:lstStyle/>
           <a:p>
+            <a:pPr marL="171450" indent="-171450">
+              <a:buFont typeface="Arial" panose="020B0604020202020204" pitchFamily="34" charset="0"/>
+              <a:buChar char="•"/>
+            </a:pPr>
             <a:r>
               <a:rPr lang="de-DE" dirty="0" smtClean="0"/>
               <a:t>Analogie</a:t>
@@ -1256,6 +1261,147 @@
             <a:r>
               <a:rPr lang="de-DE" baseline="0" dirty="0" smtClean="0"/>
               <a:t> wie man denken könnte)</a:t>
+            </a:r>
+          </a:p>
+          <a:p>
+            <a:pPr marL="171450" indent="-171450">
+              <a:buFont typeface="Arial" panose="020B0604020202020204" pitchFamily="34" charset="0"/>
+              <a:buChar char="•"/>
+            </a:pPr>
+            <a:r>
+              <a:rPr lang="de-DE" baseline="0" dirty="0" smtClean="0"/>
+              <a:t>Narrow vs. Wide </a:t>
+            </a:r>
+            <a:r>
+              <a:rPr lang="de-DE" baseline="0" dirty="0" err="1" smtClean="0"/>
+              <a:t>Transformations</a:t>
+            </a:r>
+            <a:r>
+              <a:rPr lang="de-DE" baseline="0" dirty="0" smtClean="0"/>
+              <a:t> </a:t>
+            </a:r>
+            <a:r>
+              <a:rPr lang="de-DE" baseline="0" dirty="0" smtClean="0">
+                <a:sym typeface="Wingdings" panose="05000000000000000000" pitchFamily="2" charset="2"/>
+              </a:rPr>
+              <a:t> Wide </a:t>
+            </a:r>
+            <a:r>
+              <a:rPr lang="de-DE" baseline="0" dirty="0" err="1" smtClean="0">
+                <a:sym typeface="Wingdings" panose="05000000000000000000" pitchFamily="2" charset="2"/>
+              </a:rPr>
+              <a:t>Transformations</a:t>
+            </a:r>
+            <a:r>
+              <a:rPr lang="de-DE" baseline="0" dirty="0" smtClean="0">
+                <a:sym typeface="Wingdings" panose="05000000000000000000" pitchFamily="2" charset="2"/>
+              </a:rPr>
+              <a:t> </a:t>
+            </a:r>
+            <a:r>
+              <a:rPr lang="de-DE" baseline="0" dirty="0" err="1" smtClean="0">
+                <a:sym typeface="Wingdings" panose="05000000000000000000" pitchFamily="2" charset="2"/>
+              </a:rPr>
+              <a:t>result</a:t>
+            </a:r>
+            <a:r>
+              <a:rPr lang="de-DE" baseline="0" dirty="0" smtClean="0">
+                <a:sym typeface="Wingdings" panose="05000000000000000000" pitchFamily="2" charset="2"/>
+              </a:rPr>
+              <a:t> in </a:t>
+            </a:r>
+            <a:r>
+              <a:rPr lang="de-DE" baseline="0" dirty="0" err="1" smtClean="0">
+                <a:sym typeface="Wingdings" panose="05000000000000000000" pitchFamily="2" charset="2"/>
+              </a:rPr>
+              <a:t>stage</a:t>
+            </a:r>
+            <a:r>
+              <a:rPr lang="de-DE" baseline="0" dirty="0" smtClean="0">
+                <a:sym typeface="Wingdings" panose="05000000000000000000" pitchFamily="2" charset="2"/>
+              </a:rPr>
+              <a:t> </a:t>
+            </a:r>
+            <a:r>
+              <a:rPr lang="de-DE" baseline="0" dirty="0" err="1" smtClean="0">
+                <a:sym typeface="Wingdings" panose="05000000000000000000" pitchFamily="2" charset="2"/>
+              </a:rPr>
+              <a:t>boundaries</a:t>
+            </a:r>
+            <a:r>
+              <a:rPr lang="de-DE" baseline="0" dirty="0" smtClean="0">
+                <a:sym typeface="Wingdings" panose="05000000000000000000" pitchFamily="2" charset="2"/>
+              </a:rPr>
+              <a:t> </a:t>
+            </a:r>
+            <a:r>
+              <a:rPr lang="de-DE" baseline="0" dirty="0" err="1" smtClean="0">
+                <a:sym typeface="Wingdings" panose="05000000000000000000" pitchFamily="2" charset="2"/>
+              </a:rPr>
+              <a:t>with</a:t>
+            </a:r>
+            <a:r>
+              <a:rPr lang="de-DE" baseline="0" dirty="0" smtClean="0">
+                <a:sym typeface="Wingdings" panose="05000000000000000000" pitchFamily="2" charset="2"/>
+              </a:rPr>
+              <a:t> an in-</a:t>
+            </a:r>
+            <a:r>
+              <a:rPr lang="de-DE" baseline="0" dirty="0" err="1" smtClean="0">
+                <a:sym typeface="Wingdings" panose="05000000000000000000" pitchFamily="2" charset="2"/>
+              </a:rPr>
+              <a:t>between</a:t>
+            </a:r>
+            <a:r>
+              <a:rPr lang="de-DE" baseline="0" dirty="0" smtClean="0">
+                <a:sym typeface="Wingdings" panose="05000000000000000000" pitchFamily="2" charset="2"/>
+              </a:rPr>
+              <a:t> </a:t>
+            </a:r>
+            <a:r>
+              <a:rPr lang="de-DE" baseline="0" dirty="0" err="1" smtClean="0">
+                <a:sym typeface="Wingdings" panose="05000000000000000000" pitchFamily="2" charset="2"/>
+              </a:rPr>
+              <a:t>shuffle</a:t>
+            </a:r>
+            <a:endParaRPr lang="de-DE" baseline="0" dirty="0" smtClean="0">
+              <a:sym typeface="Wingdings" panose="05000000000000000000" pitchFamily="2" charset="2"/>
+            </a:endParaRPr>
+          </a:p>
+          <a:p>
+            <a:pPr marL="171450" indent="-171450">
+              <a:buFont typeface="Arial" panose="020B0604020202020204" pitchFamily="34" charset="0"/>
+              <a:buChar char="•"/>
+            </a:pPr>
+            <a:r>
+              <a:rPr lang="de-DE" baseline="0" dirty="0" smtClean="0">
+                <a:sym typeface="Wingdings" panose="05000000000000000000" pitchFamily="2" charset="2"/>
+              </a:rPr>
+              <a:t>Unterscheidung zwischens Transformationen (die wieder ein RDD erzeugen und </a:t>
+            </a:r>
+            <a:r>
+              <a:rPr lang="de-DE" baseline="0" dirty="0" err="1" smtClean="0">
+                <a:sym typeface="Wingdings" panose="05000000000000000000" pitchFamily="2" charset="2"/>
+              </a:rPr>
+              <a:t>lazy</a:t>
+            </a:r>
+            <a:r>
+              <a:rPr lang="de-DE" baseline="0" dirty="0" smtClean="0">
+                <a:sym typeface="Wingdings" panose="05000000000000000000" pitchFamily="2" charset="2"/>
+              </a:rPr>
+              <a:t> sind) und Aktionen (die kein RDD erzeugen und </a:t>
+            </a:r>
+            <a:r>
+              <a:rPr lang="de-DE" baseline="0" dirty="0" err="1" smtClean="0">
+                <a:sym typeface="Wingdings" panose="05000000000000000000" pitchFamily="2" charset="2"/>
+              </a:rPr>
+              <a:t>eager</a:t>
+            </a:r>
+            <a:r>
+              <a:rPr lang="de-DE" baseline="0" dirty="0" smtClean="0">
+                <a:sym typeface="Wingdings" panose="05000000000000000000" pitchFamily="2" charset="2"/>
+              </a:rPr>
+              <a:t> sind)</a:t>
             </a:r>
             <a:endParaRPr lang="de-DE" dirty="0"/>
           </a:p>
@@ -3539,6 +3685,137 @@
       </p:grpSpPr>
       <p:sp>
         <p:nvSpPr>
+          <p:cNvPr id="2" name="Inhaltsplatzhalter 1"/>
+          <p:cNvSpPr>
+            <a:spLocks noGrp="1"/>
+          </p:cNvSpPr>
+          <p:nvPr>
+            <p:ph idx="1"/>
+          </p:nvPr>
+        </p:nvSpPr>
+        <p:spPr/>
+        <p:txBody>
+          <a:bodyPr/>
+          <a:lstStyle/>
+          <a:p>
+            <a:r>
+              <a:rPr lang="de-DE" dirty="0" smtClean="0"/>
+              <a:t>Stabilität</a:t>
+            </a:r>
+          </a:p>
+          <a:p>
+            <a:r>
+              <a:rPr lang="de-DE" dirty="0" smtClean="0"/>
+              <a:t>Zuverlässigkeit</a:t>
+            </a:r>
+          </a:p>
+          <a:p>
+            <a:r>
+              <a:rPr lang="de-DE" dirty="0" smtClean="0"/>
+              <a:t>Reproduzierbarkeit</a:t>
+            </a:r>
+          </a:p>
+          <a:p>
+            <a:r>
+              <a:rPr lang="de-DE" dirty="0" smtClean="0"/>
+              <a:t>Audit-Fähigkeit</a:t>
+            </a:r>
+          </a:p>
+          <a:p>
+            <a:r>
+              <a:rPr lang="de-DE" dirty="0" smtClean="0"/>
+              <a:t>Professioneller Support</a:t>
+            </a:r>
+          </a:p>
+          <a:p>
+            <a:r>
+              <a:rPr lang="de-DE" dirty="0" smtClean="0"/>
+              <a:t>Einfachheit</a:t>
+            </a:r>
+          </a:p>
+          <a:p>
+            <a:r>
+              <a:rPr lang="de-DE" dirty="0" smtClean="0"/>
+              <a:t>Betreibbarkeit</a:t>
+            </a:r>
+          </a:p>
+          <a:p>
+            <a:r>
+              <a:rPr lang="de-DE" dirty="0" smtClean="0"/>
+              <a:t>Framework</a:t>
+            </a:r>
+          </a:p>
+          <a:p>
+            <a:r>
+              <a:rPr lang="de-DE" dirty="0" smtClean="0"/>
+              <a:t>Modularisierung</a:t>
+            </a:r>
+            <a:endParaRPr lang="en-US" dirty="0"/>
+          </a:p>
+        </p:txBody>
+      </p:sp>
+      <p:sp>
+        <p:nvSpPr>
+          <p:cNvPr id="3" name="Titel 2"/>
+          <p:cNvSpPr>
+            <a:spLocks noGrp="1"/>
+          </p:cNvSpPr>
+          <p:nvPr>
+            <p:ph type="title"/>
+          </p:nvPr>
+        </p:nvSpPr>
+        <p:spPr/>
+        <p:txBody>
+          <a:bodyPr/>
+          <a:lstStyle/>
+          <a:p>
+            <a:r>
+              <a:rPr lang="de-DE" dirty="0" smtClean="0"/>
+              <a:t>Zusammenfassung</a:t>
+            </a:r>
+            <a:endParaRPr lang="en-US" dirty="0"/>
+          </a:p>
+        </p:txBody>
+      </p:sp>
+    </p:spTree>
+    <p:extLst>
+      <p:ext uri="{BB962C8B-B14F-4D97-AF65-F5344CB8AC3E}">
+        <p14:creationId xmlns:p14="http://schemas.microsoft.com/office/powerpoint/2010/main" val="325110386"/>
+      </p:ext>
+    </p:extLst>
+  </p:cSld>
+  <p:clrMapOvr>
+    <a:masterClrMapping/>
+  </p:clrMapOvr>
+  <p:timing>
+    <p:tnLst>
+      <p:par>
+        <p:cTn id="1" dur="indefinite" restart="never" nodeType="tmRoot"/>
+      </p:par>
+    </p:tnLst>
+  </p:timing>
+</p:sld>
+</file>
+
+<file path=ppt/slides/slide11.xml><?xml version="1.0" encoding="utf-8"?>
+<p:sld xmlns:a="http://schemas.openxmlformats.org/drawingml/2006/main" xmlns:r="http://schemas.openxmlformats.org/officeDocument/2006/relationships" xmlns:p="http://schemas.openxmlformats.org/presentationml/2006/main">
+  <p:cSld>
+    <p:spTree>
+      <p:nvGrpSpPr>
+        <p:cNvPr id="1" name=""/>
+        <p:cNvGrpSpPr/>
+        <p:nvPr/>
+      </p:nvGrpSpPr>
+      <p:grpSpPr>
+        <a:xfrm>
+          <a:off x="0" y="0"/>
+          <a:ext cx="0" cy="0"/>
+          <a:chOff x="0" y="0"/>
+          <a:chExt cx="0" cy="0"/>
+        </a:xfrm>
+      </p:grpSpPr>
+      <p:sp>
+        <p:nvSpPr>
           <p:cNvPr id="3" name="Titel 2"/>
           <p:cNvSpPr>
             <a:spLocks noGrp="1"/>
@@ -3748,7 +4025,7 @@
 </p:sld>
 </file>
 
-<file path=ppt/slides/slide11.xml><?xml version="1.0" encoding="utf-8"?>
+<file path=ppt/slides/slide12.xml><?xml version="1.0" encoding="utf-8"?>
 <p:sld xmlns:a="http://schemas.openxmlformats.org/drawingml/2006/main" xmlns:r="http://schemas.openxmlformats.org/officeDocument/2006/relationships" xmlns:p="http://schemas.openxmlformats.org/presentationml/2006/main">
   <p:cSld>
     <p:spTree>
@@ -3902,7 +4179,7 @@
 </p:sld>
 </file>
 
-<file path=ppt/slides/slide12.xml><?xml version="1.0" encoding="utf-8"?>
+<file path=ppt/slides/slide13.xml><?xml version="1.0" encoding="utf-8"?>
 <p:sld xmlns:a="http://schemas.openxmlformats.org/drawingml/2006/main" xmlns:r="http://schemas.openxmlformats.org/officeDocument/2006/relationships" xmlns:p="http://schemas.openxmlformats.org/presentationml/2006/main">
   <p:cSld>
     <p:spTree>
@@ -5131,7 +5408,7 @@
 </p:sld>
 </file>
 
-<file path=ppt/slides/slide13.xml><?xml version="1.0" encoding="utf-8"?>
+<file path=ppt/slides/slide14.xml><?xml version="1.0" encoding="utf-8"?>
 <p:sld xmlns:a="http://schemas.openxmlformats.org/drawingml/2006/main" xmlns:r="http://schemas.openxmlformats.org/officeDocument/2006/relationships" xmlns:p="http://schemas.openxmlformats.org/presentationml/2006/main">
   <p:cSld>
     <p:spTree>
@@ -5775,7 +6052,7 @@
           <a:p>
             <a:r>
               <a:rPr lang="de-DE" dirty="0" smtClean="0"/>
-              <a:t>Komplexeres Beispiel: Aggregation von Marktforschungsdaten</a:t>
+              <a:t>Beispiel: Aggregation von Marktforschungsdaten</a:t>
             </a:r>
             <a:endParaRPr lang="de-DE" dirty="0"/>
           </a:p>
@@ -8223,6 +8500,909 @@
       </p:grpSpPr>
       <p:sp>
         <p:nvSpPr>
+          <p:cNvPr id="3" name="Inhaltsplatzhalter 2"/>
+          <p:cNvSpPr>
+            <a:spLocks noGrp="1"/>
+          </p:cNvSpPr>
+          <p:nvPr>
+            <p:ph sz="half" idx="1"/>
+          </p:nvPr>
+        </p:nvSpPr>
+        <p:spPr>
+          <a:xfrm>
+            <a:off x="1084547" y="1350963"/>
+            <a:ext cx="2080260" cy="4525962"/>
+          </a:xfrm>
+        </p:spPr>
+        <p:txBody>
+          <a:bodyPr/>
+          <a:lstStyle/>
+          <a:p>
+            <a:r>
+              <a:rPr lang="de-DE" dirty="0" err="1" smtClean="0"/>
+              <a:t>map</a:t>
+            </a:r>
+            <a:endParaRPr lang="de-DE" dirty="0" smtClean="0"/>
+          </a:p>
+          <a:p>
+            <a:r>
+              <a:rPr lang="de-DE" dirty="0" err="1" smtClean="0"/>
+              <a:t>filter</a:t>
+            </a:r>
+            <a:endParaRPr lang="de-DE" dirty="0" smtClean="0"/>
+          </a:p>
+          <a:p>
+            <a:pPr marL="0" indent="0">
+              <a:buNone/>
+            </a:pPr>
+            <a:endParaRPr lang="de-DE" dirty="0"/>
+          </a:p>
+          <a:p>
+            <a:pPr marL="0" indent="0">
+              <a:buNone/>
+            </a:pPr>
+            <a:endParaRPr lang="de-DE" dirty="0" smtClean="0"/>
+          </a:p>
+          <a:p>
+            <a:pPr marL="0" indent="0">
+              <a:buNone/>
+            </a:pPr>
+            <a:endParaRPr lang="de-DE" dirty="0" smtClean="0"/>
+          </a:p>
+          <a:p>
+            <a:pPr marL="0" indent="0">
+              <a:buNone/>
+            </a:pPr>
+            <a:endParaRPr lang="de-DE" dirty="0"/>
+          </a:p>
+          <a:p>
+            <a:pPr marL="0" indent="0">
+              <a:buNone/>
+            </a:pPr>
+            <a:endParaRPr lang="de-DE" dirty="0" smtClean="0"/>
+          </a:p>
+          <a:p>
+            <a:pPr marL="0" indent="0">
+              <a:buNone/>
+            </a:pPr>
+            <a:endParaRPr lang="de-DE" dirty="0"/>
+          </a:p>
+        </p:txBody>
+      </p:sp>
+      <p:sp>
+        <p:nvSpPr>
+          <p:cNvPr id="5" name="Inhaltsplatzhalter 2"/>
+          <p:cNvSpPr txBox="1">
+            <a:spLocks/>
+          </p:cNvSpPr>
+          <p:nvPr/>
+        </p:nvSpPr>
+        <p:spPr bwMode="auto">
+          <a:xfrm>
+            <a:off x="3040380" y="1364616"/>
+            <a:ext cx="2194560" cy="4525962"/>
+          </a:xfrm>
+          <a:prstGeom prst="rect">
+            <a:avLst/>
+          </a:prstGeom>
+          <a:noFill/>
+          <a:ln>
+            <a:noFill/>
+          </a:ln>
+          <a:extLst>
+            <a:ext uri="{909E8E84-426E-40DD-AFC4-6F175D3DCCD1}">
+              <a14:hiddenFill xmlns:a14="http://schemas.microsoft.com/office/drawing/2010/main">
+                <a:solidFill>
+                  <a:srgbClr val="FFFFFF"/>
+                </a:solidFill>
+              </a14:hiddenFill>
+            </a:ext>
+            <a:ext uri="{91240B29-F687-4F45-9708-019B960494DF}">
+              <a14:hiddenLine xmlns:a14="http://schemas.microsoft.com/office/drawing/2010/main" w="9525" algn="ctr">
+                <a:solidFill>
+                  <a:srgbClr val="000000"/>
+                </a:solidFill>
+                <a:miter lim="800000"/>
+                <a:headEnd/>
+                <a:tailEnd/>
+              </a14:hiddenLine>
+            </a:ext>
+          </a:extLst>
+        </p:spPr>
+        <p:txBody>
+          <a:bodyPr vert="horz" wrap="square" lIns="91440" tIns="45720" rIns="91440" bIns="45720" numCol="1" anchor="t" anchorCtr="0" compatLnSpc="1">
+            <a:prstTxWarp prst="textNoShape">
+              <a:avLst/>
+            </a:prstTxWarp>
+          </a:bodyPr>
+          <a:lstStyle>
+            <a:lvl1pPr marL="285750" indent="-285750" algn="l" rtl="0" eaLnBrk="1" fontAlgn="base" hangingPunct="1">
+              <a:spcBef>
+                <a:spcPts val="0"/>
+              </a:spcBef>
+              <a:spcAft>
+                <a:spcPts val="600"/>
+              </a:spcAft>
+              <a:buClr>
+                <a:srgbClr val="999999"/>
+              </a:buClr>
+              <a:buFont typeface="Wingdings" pitchFamily="2" charset="2"/>
+              <a:buChar char="§"/>
+              <a:defRPr sz="1800">
+                <a:solidFill>
+                  <a:schemeClr val="tx1"/>
+                </a:solidFill>
+                <a:latin typeface="Open Sans" panose="020B0606030504020204" pitchFamily="34" charset="0"/>
+                <a:ea typeface="Open Sans" panose="020B0606030504020204" pitchFamily="34" charset="0"/>
+                <a:cs typeface="Open Sans" panose="020B0606030504020204" pitchFamily="34" charset="0"/>
+              </a:defRPr>
+            </a:lvl1pPr>
+            <a:lvl2pPr marL="644400" indent="-284400" algn="l" rtl="0" eaLnBrk="1" fontAlgn="base" hangingPunct="1">
+              <a:spcBef>
+                <a:spcPts val="0"/>
+              </a:spcBef>
+              <a:spcAft>
+                <a:spcPts val="600"/>
+              </a:spcAft>
+              <a:buClr>
+                <a:srgbClr val="999999"/>
+              </a:buClr>
+              <a:buFont typeface="Wingdings" pitchFamily="2" charset="2"/>
+              <a:buChar char="§"/>
+              <a:defRPr sz="1800">
+                <a:solidFill>
+                  <a:schemeClr val="tx1"/>
+                </a:solidFill>
+                <a:latin typeface="Open Sans" panose="020B0606030504020204" pitchFamily="34" charset="0"/>
+                <a:ea typeface="Open Sans" panose="020B0606030504020204" pitchFamily="34" charset="0"/>
+                <a:cs typeface="Open Sans" panose="020B0606030504020204" pitchFamily="34" charset="0"/>
+              </a:defRPr>
+            </a:lvl2pPr>
+            <a:lvl3pPr marL="1004400" indent="-285750" algn="l" rtl="0" eaLnBrk="1" fontAlgn="base" hangingPunct="1">
+              <a:spcBef>
+                <a:spcPts val="0"/>
+              </a:spcBef>
+              <a:spcAft>
+                <a:spcPts val="600"/>
+              </a:spcAft>
+              <a:buClr>
+                <a:srgbClr val="999999"/>
+              </a:buClr>
+              <a:buFont typeface="Wingdings" pitchFamily="2" charset="2"/>
+              <a:buChar char="§"/>
+              <a:defRPr lang="en-US" sz="1800">
+                <a:solidFill>
+                  <a:schemeClr val="tx1"/>
+                </a:solidFill>
+                <a:latin typeface="Open Sans" panose="020B0606030504020204" pitchFamily="34" charset="0"/>
+                <a:ea typeface="Open Sans" panose="020B0606030504020204" pitchFamily="34" charset="0"/>
+                <a:cs typeface="Open Sans" panose="020B0606030504020204" pitchFamily="34" charset="0"/>
+              </a:defRPr>
+            </a:lvl3pPr>
+            <a:lvl4pPr marL="1364400" indent="-285750" algn="l" rtl="0" eaLnBrk="1" fontAlgn="base" hangingPunct="1">
+              <a:spcBef>
+                <a:spcPts val="0"/>
+              </a:spcBef>
+              <a:spcAft>
+                <a:spcPts val="600"/>
+              </a:spcAft>
+              <a:buClr>
+                <a:srgbClr val="999999"/>
+              </a:buClr>
+              <a:buFont typeface="Wingdings" pitchFamily="2" charset="2"/>
+              <a:buChar char="§"/>
+              <a:defRPr lang="en-US" sz="1800">
+                <a:solidFill>
+                  <a:schemeClr val="tx1"/>
+                </a:solidFill>
+                <a:latin typeface="Open Sans" panose="020B0606030504020204" pitchFamily="34" charset="0"/>
+                <a:ea typeface="Open Sans" panose="020B0606030504020204" pitchFamily="34" charset="0"/>
+                <a:cs typeface="Open Sans" panose="020B0606030504020204" pitchFamily="34" charset="0"/>
+              </a:defRPr>
+            </a:lvl4pPr>
+            <a:lvl5pPr marL="1724400" indent="-285750" algn="l" rtl="0" eaLnBrk="1" fontAlgn="base" hangingPunct="1">
+              <a:spcBef>
+                <a:spcPts val="0"/>
+              </a:spcBef>
+              <a:spcAft>
+                <a:spcPts val="600"/>
+              </a:spcAft>
+              <a:buClr>
+                <a:srgbClr val="999999"/>
+              </a:buClr>
+              <a:buFont typeface="Wingdings" pitchFamily="2" charset="2"/>
+              <a:buChar char="§"/>
+              <a:defRPr lang="en-US" sz="1800">
+                <a:solidFill>
+                  <a:schemeClr val="tx1"/>
+                </a:solidFill>
+                <a:latin typeface="Open Sans" panose="020B0606030504020204" pitchFamily="34" charset="0"/>
+                <a:ea typeface="Open Sans" panose="020B0606030504020204" pitchFamily="34" charset="0"/>
+                <a:cs typeface="Open Sans" panose="020B0606030504020204" pitchFamily="34" charset="0"/>
+              </a:defRPr>
+            </a:lvl5pPr>
+            <a:lvl6pPr marL="2341563" indent="-228600" algn="l" rtl="0" eaLnBrk="1" fontAlgn="base" hangingPunct="1">
+              <a:spcBef>
+                <a:spcPct val="20000"/>
+              </a:spcBef>
+              <a:spcAft>
+                <a:spcPct val="0"/>
+              </a:spcAft>
+              <a:buClr>
+                <a:srgbClr val="003370"/>
+              </a:buClr>
+              <a:buFont typeface="Arial" charset="0"/>
+              <a:buChar char="»"/>
+              <a:defRPr sz="1800">
+                <a:solidFill>
+                  <a:schemeClr val="tx1"/>
+                </a:solidFill>
+                <a:latin typeface="+mn-lt"/>
+              </a:defRPr>
+            </a:lvl6pPr>
+            <a:lvl7pPr marL="2798763" indent="-228600" algn="l" rtl="0" eaLnBrk="1" fontAlgn="base" hangingPunct="1">
+              <a:spcBef>
+                <a:spcPct val="20000"/>
+              </a:spcBef>
+              <a:spcAft>
+                <a:spcPct val="0"/>
+              </a:spcAft>
+              <a:buClr>
+                <a:srgbClr val="003370"/>
+              </a:buClr>
+              <a:buFont typeface="Arial" charset="0"/>
+              <a:buChar char="»"/>
+              <a:defRPr sz="1800">
+                <a:solidFill>
+                  <a:schemeClr val="tx1"/>
+                </a:solidFill>
+                <a:latin typeface="+mn-lt"/>
+              </a:defRPr>
+            </a:lvl7pPr>
+            <a:lvl8pPr marL="3255963" indent="-228600" algn="l" rtl="0" eaLnBrk="1" fontAlgn="base" hangingPunct="1">
+              <a:spcBef>
+                <a:spcPct val="20000"/>
+              </a:spcBef>
+              <a:spcAft>
+                <a:spcPct val="0"/>
+              </a:spcAft>
+              <a:buClr>
+                <a:srgbClr val="003370"/>
+              </a:buClr>
+              <a:buFont typeface="Arial" charset="0"/>
+              <a:buChar char="»"/>
+              <a:defRPr sz="1800">
+                <a:solidFill>
+                  <a:schemeClr val="tx1"/>
+                </a:solidFill>
+                <a:latin typeface="+mn-lt"/>
+              </a:defRPr>
+            </a:lvl8pPr>
+            <a:lvl9pPr marL="3713163" indent="-228600" algn="l" rtl="0" eaLnBrk="1" fontAlgn="base" hangingPunct="1">
+              <a:spcBef>
+                <a:spcPct val="20000"/>
+              </a:spcBef>
+              <a:spcAft>
+                <a:spcPct val="0"/>
+              </a:spcAft>
+              <a:buClr>
+                <a:srgbClr val="003370"/>
+              </a:buClr>
+              <a:buFont typeface="Arial" charset="0"/>
+              <a:buChar char="»"/>
+              <a:defRPr sz="1800">
+                <a:solidFill>
+                  <a:schemeClr val="tx1"/>
+                </a:solidFill>
+                <a:latin typeface="+mn-lt"/>
+              </a:defRPr>
+            </a:lvl9pPr>
+          </a:lstStyle>
+          <a:p>
+            <a:r>
+              <a:rPr lang="de-DE" kern="0" dirty="0" err="1" smtClean="0"/>
+              <a:t>flatMap</a:t>
+            </a:r>
+            <a:endParaRPr lang="de-DE" kern="0" dirty="0" smtClean="0"/>
+          </a:p>
+          <a:p>
+            <a:r>
+              <a:rPr lang="de-DE" kern="0" dirty="0" err="1" smtClean="0"/>
+              <a:t>mapPartitions</a:t>
+            </a:r>
+            <a:endParaRPr lang="de-DE" kern="0" dirty="0" smtClean="0"/>
+          </a:p>
+          <a:p>
+            <a:endParaRPr lang="de-DE" kern="0" dirty="0" smtClean="0"/>
+          </a:p>
+          <a:p>
+            <a:pPr marL="0" indent="0">
+              <a:buFont typeface="Wingdings" pitchFamily="2" charset="2"/>
+              <a:buNone/>
+            </a:pPr>
+            <a:endParaRPr lang="de-DE" kern="0" dirty="0" smtClean="0"/>
+          </a:p>
+          <a:p>
+            <a:pPr marL="0" indent="0">
+              <a:buFont typeface="Wingdings" pitchFamily="2" charset="2"/>
+              <a:buNone/>
+            </a:pPr>
+            <a:endParaRPr lang="de-DE" kern="0" dirty="0" smtClean="0"/>
+          </a:p>
+        </p:txBody>
+      </p:sp>
+      <p:sp>
+        <p:nvSpPr>
+          <p:cNvPr id="181" name="Inhaltsplatzhalter 2"/>
+          <p:cNvSpPr txBox="1">
+            <a:spLocks/>
+          </p:cNvSpPr>
+          <p:nvPr/>
+        </p:nvSpPr>
+        <p:spPr bwMode="auto">
+          <a:xfrm>
+            <a:off x="6381851" y="1358156"/>
+            <a:ext cx="2080260" cy="4525962"/>
+          </a:xfrm>
+          <a:prstGeom prst="rect">
+            <a:avLst/>
+          </a:prstGeom>
+          <a:noFill/>
+          <a:ln>
+            <a:noFill/>
+          </a:ln>
+          <a:extLst>
+            <a:ext uri="{909E8E84-426E-40DD-AFC4-6F175D3DCCD1}">
+              <a14:hiddenFill xmlns:a14="http://schemas.microsoft.com/office/drawing/2010/main">
+                <a:solidFill>
+                  <a:srgbClr val="FFFFFF"/>
+                </a:solidFill>
+              </a14:hiddenFill>
+            </a:ext>
+            <a:ext uri="{91240B29-F687-4F45-9708-019B960494DF}">
+              <a14:hiddenLine xmlns:a14="http://schemas.microsoft.com/office/drawing/2010/main" w="9525" algn="ctr">
+                <a:solidFill>
+                  <a:srgbClr val="000000"/>
+                </a:solidFill>
+                <a:miter lim="800000"/>
+                <a:headEnd/>
+                <a:tailEnd/>
+              </a14:hiddenLine>
+            </a:ext>
+          </a:extLst>
+        </p:spPr>
+        <p:txBody>
+          <a:bodyPr vert="horz" wrap="square" lIns="91440" tIns="45720" rIns="91440" bIns="45720" numCol="1" anchor="t" anchorCtr="0" compatLnSpc="1">
+            <a:prstTxWarp prst="textNoShape">
+              <a:avLst/>
+            </a:prstTxWarp>
+          </a:bodyPr>
+          <a:lstStyle>
+            <a:lvl1pPr marL="285750" indent="-285750" algn="l" rtl="0" eaLnBrk="1" fontAlgn="base" hangingPunct="1">
+              <a:spcBef>
+                <a:spcPts val="0"/>
+              </a:spcBef>
+              <a:spcAft>
+                <a:spcPts val="600"/>
+              </a:spcAft>
+              <a:buClr>
+                <a:srgbClr val="999999"/>
+              </a:buClr>
+              <a:buFont typeface="Wingdings" pitchFamily="2" charset="2"/>
+              <a:buChar char="§"/>
+              <a:defRPr sz="1800">
+                <a:solidFill>
+                  <a:schemeClr val="tx1"/>
+                </a:solidFill>
+                <a:latin typeface="Open Sans" panose="020B0606030504020204" pitchFamily="34" charset="0"/>
+                <a:ea typeface="Open Sans" panose="020B0606030504020204" pitchFamily="34" charset="0"/>
+                <a:cs typeface="Open Sans" panose="020B0606030504020204" pitchFamily="34" charset="0"/>
+              </a:defRPr>
+            </a:lvl1pPr>
+            <a:lvl2pPr marL="644400" indent="-284400" algn="l" rtl="0" eaLnBrk="1" fontAlgn="base" hangingPunct="1">
+              <a:spcBef>
+                <a:spcPts val="0"/>
+              </a:spcBef>
+              <a:spcAft>
+                <a:spcPts val="600"/>
+              </a:spcAft>
+              <a:buClr>
+                <a:srgbClr val="999999"/>
+              </a:buClr>
+              <a:buFont typeface="Wingdings" pitchFamily="2" charset="2"/>
+              <a:buChar char="§"/>
+              <a:defRPr sz="1800">
+                <a:solidFill>
+                  <a:schemeClr val="tx1"/>
+                </a:solidFill>
+                <a:latin typeface="Open Sans" panose="020B0606030504020204" pitchFamily="34" charset="0"/>
+                <a:ea typeface="Open Sans" panose="020B0606030504020204" pitchFamily="34" charset="0"/>
+                <a:cs typeface="Open Sans" panose="020B0606030504020204" pitchFamily="34" charset="0"/>
+              </a:defRPr>
+            </a:lvl2pPr>
+            <a:lvl3pPr marL="1004400" indent="-285750" algn="l" rtl="0" eaLnBrk="1" fontAlgn="base" hangingPunct="1">
+              <a:spcBef>
+                <a:spcPts val="0"/>
+              </a:spcBef>
+              <a:spcAft>
+                <a:spcPts val="600"/>
+              </a:spcAft>
+              <a:buClr>
+                <a:srgbClr val="999999"/>
+              </a:buClr>
+              <a:buFont typeface="Wingdings" pitchFamily="2" charset="2"/>
+              <a:buChar char="§"/>
+              <a:defRPr lang="en-US" sz="1800">
+                <a:solidFill>
+                  <a:schemeClr val="tx1"/>
+                </a:solidFill>
+                <a:latin typeface="Open Sans" panose="020B0606030504020204" pitchFamily="34" charset="0"/>
+                <a:ea typeface="Open Sans" panose="020B0606030504020204" pitchFamily="34" charset="0"/>
+                <a:cs typeface="Open Sans" panose="020B0606030504020204" pitchFamily="34" charset="0"/>
+              </a:defRPr>
+            </a:lvl3pPr>
+            <a:lvl4pPr marL="1364400" indent="-285750" algn="l" rtl="0" eaLnBrk="1" fontAlgn="base" hangingPunct="1">
+              <a:spcBef>
+                <a:spcPts val="0"/>
+              </a:spcBef>
+              <a:spcAft>
+                <a:spcPts val="600"/>
+              </a:spcAft>
+              <a:buClr>
+                <a:srgbClr val="999999"/>
+              </a:buClr>
+              <a:buFont typeface="Wingdings" pitchFamily="2" charset="2"/>
+              <a:buChar char="§"/>
+              <a:defRPr lang="en-US" sz="1800">
+                <a:solidFill>
+                  <a:schemeClr val="tx1"/>
+                </a:solidFill>
+                <a:latin typeface="Open Sans" panose="020B0606030504020204" pitchFamily="34" charset="0"/>
+                <a:ea typeface="Open Sans" panose="020B0606030504020204" pitchFamily="34" charset="0"/>
+                <a:cs typeface="Open Sans" panose="020B0606030504020204" pitchFamily="34" charset="0"/>
+              </a:defRPr>
+            </a:lvl4pPr>
+            <a:lvl5pPr marL="1724400" indent="-285750" algn="l" rtl="0" eaLnBrk="1" fontAlgn="base" hangingPunct="1">
+              <a:spcBef>
+                <a:spcPts val="0"/>
+              </a:spcBef>
+              <a:spcAft>
+                <a:spcPts val="600"/>
+              </a:spcAft>
+              <a:buClr>
+                <a:srgbClr val="999999"/>
+              </a:buClr>
+              <a:buFont typeface="Wingdings" pitchFamily="2" charset="2"/>
+              <a:buChar char="§"/>
+              <a:defRPr lang="en-US" sz="1800">
+                <a:solidFill>
+                  <a:schemeClr val="tx1"/>
+                </a:solidFill>
+                <a:latin typeface="Open Sans" panose="020B0606030504020204" pitchFamily="34" charset="0"/>
+                <a:ea typeface="Open Sans" panose="020B0606030504020204" pitchFamily="34" charset="0"/>
+                <a:cs typeface="Open Sans" panose="020B0606030504020204" pitchFamily="34" charset="0"/>
+              </a:defRPr>
+            </a:lvl5pPr>
+            <a:lvl6pPr marL="2341563" indent="-228600" algn="l" rtl="0" eaLnBrk="1" fontAlgn="base" hangingPunct="1">
+              <a:spcBef>
+                <a:spcPct val="20000"/>
+              </a:spcBef>
+              <a:spcAft>
+                <a:spcPct val="0"/>
+              </a:spcAft>
+              <a:buClr>
+                <a:srgbClr val="003370"/>
+              </a:buClr>
+              <a:buFont typeface="Arial" charset="0"/>
+              <a:buChar char="»"/>
+              <a:defRPr sz="1800">
+                <a:solidFill>
+                  <a:schemeClr val="tx1"/>
+                </a:solidFill>
+                <a:latin typeface="+mn-lt"/>
+              </a:defRPr>
+            </a:lvl6pPr>
+            <a:lvl7pPr marL="2798763" indent="-228600" algn="l" rtl="0" eaLnBrk="1" fontAlgn="base" hangingPunct="1">
+              <a:spcBef>
+                <a:spcPct val="20000"/>
+              </a:spcBef>
+              <a:spcAft>
+                <a:spcPct val="0"/>
+              </a:spcAft>
+              <a:buClr>
+                <a:srgbClr val="003370"/>
+              </a:buClr>
+              <a:buFont typeface="Arial" charset="0"/>
+              <a:buChar char="»"/>
+              <a:defRPr sz="1800">
+                <a:solidFill>
+                  <a:schemeClr val="tx1"/>
+                </a:solidFill>
+                <a:latin typeface="+mn-lt"/>
+              </a:defRPr>
+            </a:lvl7pPr>
+            <a:lvl8pPr marL="3255963" indent="-228600" algn="l" rtl="0" eaLnBrk="1" fontAlgn="base" hangingPunct="1">
+              <a:spcBef>
+                <a:spcPct val="20000"/>
+              </a:spcBef>
+              <a:spcAft>
+                <a:spcPct val="0"/>
+              </a:spcAft>
+              <a:buClr>
+                <a:srgbClr val="003370"/>
+              </a:buClr>
+              <a:buFont typeface="Arial" charset="0"/>
+              <a:buChar char="»"/>
+              <a:defRPr sz="1800">
+                <a:solidFill>
+                  <a:schemeClr val="tx1"/>
+                </a:solidFill>
+                <a:latin typeface="+mn-lt"/>
+              </a:defRPr>
+            </a:lvl8pPr>
+            <a:lvl9pPr marL="3713163" indent="-228600" algn="l" rtl="0" eaLnBrk="1" fontAlgn="base" hangingPunct="1">
+              <a:spcBef>
+                <a:spcPct val="20000"/>
+              </a:spcBef>
+              <a:spcAft>
+                <a:spcPct val="0"/>
+              </a:spcAft>
+              <a:buClr>
+                <a:srgbClr val="003370"/>
+              </a:buClr>
+              <a:buFont typeface="Arial" charset="0"/>
+              <a:buChar char="»"/>
+              <a:defRPr sz="1800">
+                <a:solidFill>
+                  <a:schemeClr val="tx1"/>
+                </a:solidFill>
+                <a:latin typeface="+mn-lt"/>
+              </a:defRPr>
+            </a:lvl9pPr>
+          </a:lstStyle>
+          <a:p>
+            <a:r>
+              <a:rPr lang="de-DE" kern="0" dirty="0" err="1" smtClean="0"/>
+              <a:t>reduce</a:t>
+            </a:r>
+            <a:endParaRPr lang="de-DE" kern="0" dirty="0" smtClean="0"/>
+          </a:p>
+          <a:p>
+            <a:r>
+              <a:rPr lang="de-DE" kern="0" dirty="0" err="1" smtClean="0"/>
+              <a:t>reduceByKey</a:t>
+            </a:r>
+            <a:endParaRPr lang="de-DE" kern="0" dirty="0" smtClean="0"/>
+          </a:p>
+          <a:p>
+            <a:pPr marL="0" indent="0">
+              <a:buFont typeface="Wingdings" pitchFamily="2" charset="2"/>
+              <a:buNone/>
+            </a:pPr>
+            <a:endParaRPr lang="de-DE" kern="0" dirty="0"/>
+          </a:p>
+        </p:txBody>
+      </p:sp>
+      <p:sp>
+        <p:nvSpPr>
+          <p:cNvPr id="182" name="Inhaltsplatzhalter 2"/>
+          <p:cNvSpPr txBox="1">
+            <a:spLocks/>
+          </p:cNvSpPr>
+          <p:nvPr/>
+        </p:nvSpPr>
+        <p:spPr bwMode="auto">
+          <a:xfrm>
+            <a:off x="8369583" y="1371809"/>
+            <a:ext cx="2194560" cy="4525962"/>
+          </a:xfrm>
+          <a:prstGeom prst="rect">
+            <a:avLst/>
+          </a:prstGeom>
+          <a:noFill/>
+          <a:ln>
+            <a:noFill/>
+          </a:ln>
+          <a:extLst>
+            <a:ext uri="{909E8E84-426E-40DD-AFC4-6F175D3DCCD1}">
+              <a14:hiddenFill xmlns:a14="http://schemas.microsoft.com/office/drawing/2010/main">
+                <a:solidFill>
+                  <a:srgbClr val="FFFFFF"/>
+                </a:solidFill>
+              </a14:hiddenFill>
+            </a:ext>
+            <a:ext uri="{91240B29-F687-4F45-9708-019B960494DF}">
+              <a14:hiddenLine xmlns:a14="http://schemas.microsoft.com/office/drawing/2010/main" w="9525" algn="ctr">
+                <a:solidFill>
+                  <a:srgbClr val="000000"/>
+                </a:solidFill>
+                <a:miter lim="800000"/>
+                <a:headEnd/>
+                <a:tailEnd/>
+              </a14:hiddenLine>
+            </a:ext>
+          </a:extLst>
+        </p:spPr>
+        <p:txBody>
+          <a:bodyPr vert="horz" wrap="square" lIns="91440" tIns="45720" rIns="91440" bIns="45720" numCol="1" anchor="t" anchorCtr="0" compatLnSpc="1">
+            <a:prstTxWarp prst="textNoShape">
+              <a:avLst/>
+            </a:prstTxWarp>
+          </a:bodyPr>
+          <a:lstStyle>
+            <a:lvl1pPr marL="285750" indent="-285750" algn="l" rtl="0" eaLnBrk="1" fontAlgn="base" hangingPunct="1">
+              <a:spcBef>
+                <a:spcPts val="0"/>
+              </a:spcBef>
+              <a:spcAft>
+                <a:spcPts val="600"/>
+              </a:spcAft>
+              <a:buClr>
+                <a:srgbClr val="999999"/>
+              </a:buClr>
+              <a:buFont typeface="Wingdings" pitchFamily="2" charset="2"/>
+              <a:buChar char="§"/>
+              <a:defRPr sz="1800">
+                <a:solidFill>
+                  <a:schemeClr val="tx1"/>
+                </a:solidFill>
+                <a:latin typeface="Open Sans" panose="020B0606030504020204" pitchFamily="34" charset="0"/>
+                <a:ea typeface="Open Sans" panose="020B0606030504020204" pitchFamily="34" charset="0"/>
+                <a:cs typeface="Open Sans" panose="020B0606030504020204" pitchFamily="34" charset="0"/>
+              </a:defRPr>
+            </a:lvl1pPr>
+            <a:lvl2pPr marL="644400" indent="-284400" algn="l" rtl="0" eaLnBrk="1" fontAlgn="base" hangingPunct="1">
+              <a:spcBef>
+                <a:spcPts val="0"/>
+              </a:spcBef>
+              <a:spcAft>
+                <a:spcPts val="600"/>
+              </a:spcAft>
+              <a:buClr>
+                <a:srgbClr val="999999"/>
+              </a:buClr>
+              <a:buFont typeface="Wingdings" pitchFamily="2" charset="2"/>
+              <a:buChar char="§"/>
+              <a:defRPr sz="1800">
+                <a:solidFill>
+                  <a:schemeClr val="tx1"/>
+                </a:solidFill>
+                <a:latin typeface="Open Sans" panose="020B0606030504020204" pitchFamily="34" charset="0"/>
+                <a:ea typeface="Open Sans" panose="020B0606030504020204" pitchFamily="34" charset="0"/>
+                <a:cs typeface="Open Sans" panose="020B0606030504020204" pitchFamily="34" charset="0"/>
+              </a:defRPr>
+            </a:lvl2pPr>
+            <a:lvl3pPr marL="1004400" indent="-285750" algn="l" rtl="0" eaLnBrk="1" fontAlgn="base" hangingPunct="1">
+              <a:spcBef>
+                <a:spcPts val="0"/>
+              </a:spcBef>
+              <a:spcAft>
+                <a:spcPts val="600"/>
+              </a:spcAft>
+              <a:buClr>
+                <a:srgbClr val="999999"/>
+              </a:buClr>
+              <a:buFont typeface="Wingdings" pitchFamily="2" charset="2"/>
+              <a:buChar char="§"/>
+              <a:defRPr lang="en-US" sz="1800">
+                <a:solidFill>
+                  <a:schemeClr val="tx1"/>
+                </a:solidFill>
+                <a:latin typeface="Open Sans" panose="020B0606030504020204" pitchFamily="34" charset="0"/>
+                <a:ea typeface="Open Sans" panose="020B0606030504020204" pitchFamily="34" charset="0"/>
+                <a:cs typeface="Open Sans" panose="020B0606030504020204" pitchFamily="34" charset="0"/>
+              </a:defRPr>
+            </a:lvl3pPr>
+            <a:lvl4pPr marL="1364400" indent="-285750" algn="l" rtl="0" eaLnBrk="1" fontAlgn="base" hangingPunct="1">
+              <a:spcBef>
+                <a:spcPts val="0"/>
+              </a:spcBef>
+              <a:spcAft>
+                <a:spcPts val="600"/>
+              </a:spcAft>
+              <a:buClr>
+                <a:srgbClr val="999999"/>
+              </a:buClr>
+              <a:buFont typeface="Wingdings" pitchFamily="2" charset="2"/>
+              <a:buChar char="§"/>
+              <a:defRPr lang="en-US" sz="1800">
+                <a:solidFill>
+                  <a:schemeClr val="tx1"/>
+                </a:solidFill>
+                <a:latin typeface="Open Sans" panose="020B0606030504020204" pitchFamily="34" charset="0"/>
+                <a:ea typeface="Open Sans" panose="020B0606030504020204" pitchFamily="34" charset="0"/>
+                <a:cs typeface="Open Sans" panose="020B0606030504020204" pitchFamily="34" charset="0"/>
+              </a:defRPr>
+            </a:lvl4pPr>
+            <a:lvl5pPr marL="1724400" indent="-285750" algn="l" rtl="0" eaLnBrk="1" fontAlgn="base" hangingPunct="1">
+              <a:spcBef>
+                <a:spcPts val="0"/>
+              </a:spcBef>
+              <a:spcAft>
+                <a:spcPts val="600"/>
+              </a:spcAft>
+              <a:buClr>
+                <a:srgbClr val="999999"/>
+              </a:buClr>
+              <a:buFont typeface="Wingdings" pitchFamily="2" charset="2"/>
+              <a:buChar char="§"/>
+              <a:defRPr lang="en-US" sz="1800">
+                <a:solidFill>
+                  <a:schemeClr val="tx1"/>
+                </a:solidFill>
+                <a:latin typeface="Open Sans" panose="020B0606030504020204" pitchFamily="34" charset="0"/>
+                <a:ea typeface="Open Sans" panose="020B0606030504020204" pitchFamily="34" charset="0"/>
+                <a:cs typeface="Open Sans" panose="020B0606030504020204" pitchFamily="34" charset="0"/>
+              </a:defRPr>
+            </a:lvl5pPr>
+            <a:lvl6pPr marL="2341563" indent="-228600" algn="l" rtl="0" eaLnBrk="1" fontAlgn="base" hangingPunct="1">
+              <a:spcBef>
+                <a:spcPct val="20000"/>
+              </a:spcBef>
+              <a:spcAft>
+                <a:spcPct val="0"/>
+              </a:spcAft>
+              <a:buClr>
+                <a:srgbClr val="003370"/>
+              </a:buClr>
+              <a:buFont typeface="Arial" charset="0"/>
+              <a:buChar char="»"/>
+              <a:defRPr sz="1800">
+                <a:solidFill>
+                  <a:schemeClr val="tx1"/>
+                </a:solidFill>
+                <a:latin typeface="+mn-lt"/>
+              </a:defRPr>
+            </a:lvl6pPr>
+            <a:lvl7pPr marL="2798763" indent="-228600" algn="l" rtl="0" eaLnBrk="1" fontAlgn="base" hangingPunct="1">
+              <a:spcBef>
+                <a:spcPct val="20000"/>
+              </a:spcBef>
+              <a:spcAft>
+                <a:spcPct val="0"/>
+              </a:spcAft>
+              <a:buClr>
+                <a:srgbClr val="003370"/>
+              </a:buClr>
+              <a:buFont typeface="Arial" charset="0"/>
+              <a:buChar char="»"/>
+              <a:defRPr sz="1800">
+                <a:solidFill>
+                  <a:schemeClr val="tx1"/>
+                </a:solidFill>
+                <a:latin typeface="+mn-lt"/>
+              </a:defRPr>
+            </a:lvl7pPr>
+            <a:lvl8pPr marL="3255963" indent="-228600" algn="l" rtl="0" eaLnBrk="1" fontAlgn="base" hangingPunct="1">
+              <a:spcBef>
+                <a:spcPct val="20000"/>
+              </a:spcBef>
+              <a:spcAft>
+                <a:spcPct val="0"/>
+              </a:spcAft>
+              <a:buClr>
+                <a:srgbClr val="003370"/>
+              </a:buClr>
+              <a:buFont typeface="Arial" charset="0"/>
+              <a:buChar char="»"/>
+              <a:defRPr sz="1800">
+                <a:solidFill>
+                  <a:schemeClr val="tx1"/>
+                </a:solidFill>
+                <a:latin typeface="+mn-lt"/>
+              </a:defRPr>
+            </a:lvl8pPr>
+            <a:lvl9pPr marL="3713163" indent="-228600" algn="l" rtl="0" eaLnBrk="1" fontAlgn="base" hangingPunct="1">
+              <a:spcBef>
+                <a:spcPct val="20000"/>
+              </a:spcBef>
+              <a:spcAft>
+                <a:spcPct val="0"/>
+              </a:spcAft>
+              <a:buClr>
+                <a:srgbClr val="003370"/>
+              </a:buClr>
+              <a:buFont typeface="Arial" charset="0"/>
+              <a:buChar char="»"/>
+              <a:defRPr sz="1800">
+                <a:solidFill>
+                  <a:schemeClr val="tx1"/>
+                </a:solidFill>
+                <a:latin typeface="+mn-lt"/>
+              </a:defRPr>
+            </a:lvl9pPr>
+          </a:lstStyle>
+          <a:p>
+            <a:r>
+              <a:rPr lang="de-DE" kern="0" dirty="0" err="1" smtClean="0"/>
+              <a:t>aggregateByKey</a:t>
+            </a:r>
+            <a:endParaRPr lang="de-DE" kern="0" dirty="0" smtClean="0"/>
+          </a:p>
+          <a:p>
+            <a:endParaRPr lang="de-DE" kern="0" dirty="0"/>
+          </a:p>
+        </p:txBody>
+      </p:sp>
+      <p:sp>
+        <p:nvSpPr>
+          <p:cNvPr id="6" name="Abgerundetes Rechteck 5"/>
+          <p:cNvSpPr/>
+          <p:nvPr/>
+        </p:nvSpPr>
+        <p:spPr bwMode="auto">
+          <a:xfrm>
+            <a:off x="685549" y="1116681"/>
+            <a:ext cx="4843381" cy="4614883"/>
+          </a:xfrm>
+          <a:prstGeom prst="roundRect">
+            <a:avLst/>
+          </a:prstGeom>
+          <a:noFill/>
+          <a:ln>
+            <a:solidFill>
+              <a:srgbClr val="0070C0"/>
+            </a:solidFill>
+            <a:headEnd type="none" w="med" len="med"/>
+            <a:tailEnd type="none" w="med" len="med"/>
+          </a:ln>
+        </p:spPr>
+        <p:style>
+          <a:lnRef idx="2">
+            <a:schemeClr val="accent5"/>
+          </a:lnRef>
+          <a:fillRef idx="1">
+            <a:schemeClr val="lt1"/>
+          </a:fillRef>
+          <a:effectRef idx="0">
+            <a:schemeClr val="accent5"/>
+          </a:effectRef>
+          <a:fontRef idx="minor">
+            <a:schemeClr val="dk1"/>
+          </a:fontRef>
+        </p:style>
+        <p:txBody>
+          <a:bodyPr rot="0" spcFirstLastPara="0" vertOverflow="overflow" horzOverflow="overflow" vert="horz" wrap="square" lIns="91440" tIns="45720" rIns="91440" bIns="45720" numCol="1" spcCol="0" rtlCol="0" fromWordArt="0" anchor="ctr" anchorCtr="0" forceAA="0" compatLnSpc="1">
+            <a:prstTxWarp prst="textNoShape">
+              <a:avLst/>
+            </a:prstTxWarp>
+            <a:noAutofit/>
+          </a:bodyPr>
+          <a:lstStyle/>
+          <a:p>
+            <a:pPr marL="0" marR="0" indent="0" algn="ctr" defTabSz="914400" rtl="0" eaLnBrk="1" fontAlgn="base" latinLnBrk="0" hangingPunct="1">
+              <a:lnSpc>
+                <a:spcPct val="100000"/>
+              </a:lnSpc>
+              <a:spcBef>
+                <a:spcPct val="0"/>
+              </a:spcBef>
+              <a:spcAft>
+                <a:spcPts val="600"/>
+              </a:spcAft>
+              <a:buClrTx/>
+              <a:buSzTx/>
+              <a:buFontTx/>
+              <a:buNone/>
+              <a:tabLst/>
+            </a:pPr>
+            <a:endParaRPr kumimoji="0" lang="de-DE" sz="1200" b="0" i="0" u="none" strike="noStrike" cap="none" normalizeH="0" baseline="0" dirty="0" err="1" smtClean="0">
+              <a:ln>
+                <a:noFill/>
+              </a:ln>
+              <a:solidFill>
+                <a:schemeClr val="bg1"/>
+              </a:solidFill>
+              <a:effectLst/>
+              <a:latin typeface="Open Sans" panose="020B0606030504020204" pitchFamily="34" charset="0"/>
+              <a:ea typeface="Open Sans" panose="020B0606030504020204" pitchFamily="34" charset="0"/>
+              <a:cs typeface="Open Sans" panose="020B0606030504020204" pitchFamily="34" charset="0"/>
+            </a:endParaRPr>
+          </a:p>
+        </p:txBody>
+      </p:sp>
+      <p:sp>
+        <p:nvSpPr>
           <p:cNvPr id="2" name="Titel 1"/>
           <p:cNvSpPr>
             <a:spLocks noGrp="1"/>
@@ -8246,99 +9426,4098 @@
       </p:sp>
       <p:sp>
         <p:nvSpPr>
-          <p:cNvPr id="3" name="Inhaltsplatzhalter 2"/>
-          <p:cNvSpPr>
-            <a:spLocks noGrp="1"/>
-          </p:cNvSpPr>
-          <p:nvPr>
-            <p:ph sz="half" idx="1"/>
-          </p:nvPr>
+          <p:cNvPr id="7" name="Abgerundetes Rechteck 6"/>
+          <p:cNvSpPr/>
+          <p:nvPr/>
         </p:nvSpPr>
-        <p:spPr/>
+        <p:spPr bwMode="auto">
+          <a:xfrm>
+            <a:off x="5994107" y="1116681"/>
+            <a:ext cx="4726434" cy="4614883"/>
+          </a:xfrm>
+          <a:prstGeom prst="roundRect">
+            <a:avLst/>
+          </a:prstGeom>
+          <a:noFill/>
+          <a:ln>
+            <a:solidFill>
+              <a:srgbClr val="0070C0"/>
+            </a:solidFill>
+            <a:headEnd type="none" w="med" len="med"/>
+            <a:tailEnd type="none" w="med" len="med"/>
+          </a:ln>
+        </p:spPr>
+        <p:style>
+          <a:lnRef idx="2">
+            <a:schemeClr val="accent5"/>
+          </a:lnRef>
+          <a:fillRef idx="1">
+            <a:schemeClr val="lt1"/>
+          </a:fillRef>
+          <a:effectRef idx="0">
+            <a:schemeClr val="accent5"/>
+          </a:effectRef>
+          <a:fontRef idx="minor">
+            <a:schemeClr val="dk1"/>
+          </a:fontRef>
+        </p:style>
         <p:txBody>
-          <a:bodyPr/>
+          <a:bodyPr rot="0" spcFirstLastPara="0" vertOverflow="overflow" horzOverflow="overflow" vert="horz" wrap="square" lIns="91440" tIns="45720" rIns="91440" bIns="45720" numCol="1" spcCol="0" rtlCol="0" fromWordArt="0" anchor="ctr" anchorCtr="0" forceAA="0" compatLnSpc="1">
+            <a:prstTxWarp prst="textNoShape">
+              <a:avLst/>
+            </a:prstTxWarp>
+            <a:noAutofit/>
+          </a:bodyPr>
           <a:lstStyle/>
           <a:p>
-            <a:r>
-              <a:rPr lang="de-DE" dirty="0" err="1" smtClean="0"/>
-              <a:t>map</a:t>
-            </a:r>
-            <a:endParaRPr lang="de-DE" dirty="0" smtClean="0"/>
-          </a:p>
-          <a:p>
-            <a:r>
-              <a:rPr lang="de-DE" dirty="0" err="1" smtClean="0"/>
-              <a:t>filter</a:t>
-            </a:r>
-            <a:endParaRPr lang="de-DE" dirty="0" smtClean="0"/>
-          </a:p>
-          <a:p>
-            <a:r>
-              <a:rPr lang="de-DE" dirty="0" err="1" smtClean="0"/>
-              <a:t>flatMap</a:t>
-            </a:r>
-            <a:endParaRPr lang="de-DE" dirty="0" smtClean="0"/>
-          </a:p>
-          <a:p>
-            <a:r>
-              <a:rPr lang="de-DE" dirty="0" err="1" smtClean="0"/>
-              <a:t>mapPartitions</a:t>
-            </a:r>
-            <a:endParaRPr lang="de-DE" dirty="0" smtClean="0"/>
-          </a:p>
-          <a:p>
-            <a:r>
-              <a:rPr lang="de-DE" dirty="0" err="1" smtClean="0"/>
-              <a:t>reduce</a:t>
-            </a:r>
-            <a:endParaRPr lang="de-DE" dirty="0" smtClean="0"/>
-          </a:p>
-          <a:p>
-            <a:r>
-              <a:rPr lang="de-DE" dirty="0" err="1" smtClean="0"/>
-              <a:t>reduceByKey</a:t>
-            </a:r>
-            <a:r>
-              <a:rPr lang="de-DE" dirty="0" smtClean="0"/>
-              <a:t> / </a:t>
-            </a:r>
-            <a:r>
-              <a:rPr lang="de-DE" dirty="0" err="1" smtClean="0"/>
-              <a:t>aggregateByKey</a:t>
-            </a:r>
-            <a:endParaRPr lang="de-DE" dirty="0" smtClean="0"/>
-          </a:p>
-          <a:p>
-            <a:endParaRPr lang="de-DE" dirty="0"/>
+            <a:pPr marL="0" marR="0" indent="0" algn="ctr" defTabSz="914400" rtl="0" eaLnBrk="1" fontAlgn="base" latinLnBrk="0" hangingPunct="1">
+              <a:lnSpc>
+                <a:spcPct val="100000"/>
+              </a:lnSpc>
+              <a:spcBef>
+                <a:spcPct val="0"/>
+              </a:spcBef>
+              <a:spcAft>
+                <a:spcPts val="600"/>
+              </a:spcAft>
+              <a:buClrTx/>
+              <a:buSzTx/>
+              <a:buFontTx/>
+              <a:buNone/>
+              <a:tabLst/>
+            </a:pPr>
+            <a:endParaRPr kumimoji="0" lang="de-DE" sz="1200" b="0" i="0" u="none" strike="noStrike" cap="none" normalizeH="0" baseline="0" dirty="0" err="1" smtClean="0">
+              <a:ln>
+                <a:noFill/>
+              </a:ln>
+              <a:solidFill>
+                <a:schemeClr val="bg1"/>
+              </a:solidFill>
+              <a:effectLst/>
+              <a:latin typeface="Open Sans" panose="020B0606030504020204" pitchFamily="34" charset="0"/>
+              <a:ea typeface="Open Sans" panose="020B0606030504020204" pitchFamily="34" charset="0"/>
+              <a:cs typeface="Open Sans" panose="020B0606030504020204" pitchFamily="34" charset="0"/>
+            </a:endParaRPr>
           </a:p>
         </p:txBody>
       </p:sp>
-      <p:sp>
-        <p:nvSpPr>
-          <p:cNvPr id="4" name="Inhaltsplatzhalter 3"/>
-          <p:cNvSpPr>
-            <a:spLocks noGrp="1"/>
-          </p:cNvSpPr>
-          <p:nvPr>
-            <p:ph sz="half" idx="2"/>
-          </p:nvPr>
-        </p:nvSpPr>
-        <p:spPr/>
-        <p:txBody>
-          <a:bodyPr/>
-          <a:lstStyle/>
-          <a:p>
-            <a:pPr marL="0" indent="0">
-              <a:buNone/>
-            </a:pPr>
-            <a:r>
-              <a:rPr lang="de-DE" dirty="0" smtClean="0"/>
-              <a:t>Anwendung auf das Beispiel</a:t>
-            </a:r>
-            <a:endParaRPr lang="de-DE" dirty="0"/>
-          </a:p>
-        </p:txBody>
-      </p:sp>
+      <p:cxnSp>
+        <p:nvCxnSpPr>
+          <p:cNvPr id="90" name="Gerade Verbindung mit Pfeil 89"/>
+          <p:cNvCxnSpPr>
+            <a:stCxn id="9" idx="3"/>
+            <a:endCxn id="39" idx="1"/>
+          </p:cNvCxnSpPr>
+          <p:nvPr/>
+        </p:nvCxnSpPr>
+        <p:spPr bwMode="auto">
+          <a:xfrm>
+            <a:off x="7754476" y="2644699"/>
+            <a:ext cx="1885968" cy="1727162"/>
+          </a:xfrm>
+          <a:prstGeom prst="straightConnector1">
+            <a:avLst/>
+          </a:prstGeom>
+          <a:solidFill>
+            <a:schemeClr val="accent1"/>
+          </a:solidFill>
+          <a:ln w="12700" cap="flat" cmpd="sng" algn="ctr">
+            <a:solidFill>
+              <a:schemeClr val="tx1"/>
+            </a:solidFill>
+            <a:prstDash val="solid"/>
+            <a:round/>
+            <a:headEnd type="none" w="med" len="med"/>
+            <a:tailEnd type="triangle" w="sm" len="sm"/>
+          </a:ln>
+          <a:effectLst/>
+        </p:spPr>
+      </p:cxnSp>
+      <p:cxnSp>
+        <p:nvCxnSpPr>
+          <p:cNvPr id="91" name="Gerade Verbindung mit Pfeil 90"/>
+          <p:cNvCxnSpPr>
+            <a:stCxn id="20" idx="3"/>
+            <a:endCxn id="88" idx="1"/>
+          </p:cNvCxnSpPr>
+          <p:nvPr/>
+        </p:nvCxnSpPr>
+        <p:spPr bwMode="auto">
+          <a:xfrm>
+            <a:off x="7393323" y="4063149"/>
+            <a:ext cx="1582333" cy="624639"/>
+          </a:xfrm>
+          <a:prstGeom prst="straightConnector1">
+            <a:avLst/>
+          </a:prstGeom>
+          <a:solidFill>
+            <a:schemeClr val="accent1"/>
+          </a:solidFill>
+          <a:ln w="12700" cap="flat" cmpd="sng" algn="ctr">
+            <a:solidFill>
+              <a:schemeClr val="tx1"/>
+            </a:solidFill>
+            <a:prstDash val="solid"/>
+            <a:round/>
+            <a:headEnd type="none" w="med" len="med"/>
+            <a:tailEnd type="triangle" w="sm" len="sm"/>
+          </a:ln>
+          <a:effectLst/>
+        </p:spPr>
+      </p:cxnSp>
+      <p:cxnSp>
+        <p:nvCxnSpPr>
+          <p:cNvPr id="95" name="Gerade Verbindung mit Pfeil 94"/>
+          <p:cNvCxnSpPr>
+            <a:stCxn id="18" idx="3"/>
+            <a:endCxn id="38" idx="1"/>
+          </p:cNvCxnSpPr>
+          <p:nvPr/>
+        </p:nvCxnSpPr>
+        <p:spPr bwMode="auto">
+          <a:xfrm>
+            <a:off x="7088888" y="3747222"/>
+            <a:ext cx="1886768" cy="624641"/>
+          </a:xfrm>
+          <a:prstGeom prst="straightConnector1">
+            <a:avLst/>
+          </a:prstGeom>
+          <a:solidFill>
+            <a:schemeClr val="accent1"/>
+          </a:solidFill>
+          <a:ln w="12700" cap="flat" cmpd="sng" algn="ctr">
+            <a:solidFill>
+              <a:schemeClr val="tx1"/>
+            </a:solidFill>
+            <a:prstDash val="solid"/>
+            <a:round/>
+            <a:headEnd type="none" w="med" len="med"/>
+            <a:tailEnd type="triangle" w="sm" len="sm"/>
+          </a:ln>
+          <a:effectLst/>
+        </p:spPr>
+      </p:cxnSp>
+      <p:cxnSp>
+        <p:nvCxnSpPr>
+          <p:cNvPr id="101" name="Gerade Verbindung mit Pfeil 100"/>
+          <p:cNvCxnSpPr>
+            <a:stCxn id="25" idx="3"/>
+            <a:endCxn id="40" idx="2"/>
+          </p:cNvCxnSpPr>
+          <p:nvPr/>
+        </p:nvCxnSpPr>
+        <p:spPr bwMode="auto">
+          <a:xfrm flipV="1">
+            <a:off x="7362338" y="4793427"/>
+            <a:ext cx="2503823" cy="398384"/>
+          </a:xfrm>
+          <a:prstGeom prst="curvedConnector2">
+            <a:avLst/>
+          </a:prstGeom>
+          <a:solidFill>
+            <a:schemeClr val="accent1"/>
+          </a:solidFill>
+          <a:ln w="12700" cap="flat" cmpd="sng" algn="ctr">
+            <a:solidFill>
+              <a:schemeClr val="tx1"/>
+            </a:solidFill>
+            <a:prstDash val="solid"/>
+            <a:round/>
+            <a:headEnd type="none" w="med" len="med"/>
+            <a:tailEnd type="triangle" w="sm" len="sm"/>
+          </a:ln>
+          <a:effectLst/>
+        </p:spPr>
+      </p:cxnSp>
+      <p:cxnSp>
+        <p:nvCxnSpPr>
+          <p:cNvPr id="106" name="Gerade Verbindung mit Pfeil 105"/>
+          <p:cNvCxnSpPr>
+            <a:stCxn id="8" idx="0"/>
+            <a:endCxn id="34" idx="0"/>
+          </p:cNvCxnSpPr>
+          <p:nvPr/>
+        </p:nvCxnSpPr>
+        <p:spPr bwMode="auto">
+          <a:xfrm rot="16200000" flipH="1">
+            <a:off x="8215537" y="1184794"/>
+            <a:ext cx="305113" cy="3013651"/>
+          </a:xfrm>
+          <a:prstGeom prst="curvedConnector3">
+            <a:avLst>
+              <a:gd name="adj1" fmla="val -74923"/>
+            </a:avLst>
+          </a:prstGeom>
+          <a:solidFill>
+            <a:schemeClr val="accent1"/>
+          </a:solidFill>
+          <a:ln w="12700" cap="flat" cmpd="sng" algn="ctr">
+            <a:solidFill>
+              <a:schemeClr val="tx1"/>
+            </a:solidFill>
+            <a:prstDash val="solid"/>
+            <a:round/>
+            <a:headEnd type="none" w="med" len="med"/>
+            <a:tailEnd type="triangle" w="sm" len="sm"/>
+          </a:ln>
+          <a:effectLst/>
+        </p:spPr>
+      </p:cxnSp>
+      <p:cxnSp>
+        <p:nvCxnSpPr>
+          <p:cNvPr id="109" name="Gerade Verbindung mit Pfeil 108"/>
+          <p:cNvCxnSpPr>
+            <a:stCxn id="10" idx="3"/>
+            <a:endCxn id="33" idx="1"/>
+          </p:cNvCxnSpPr>
+          <p:nvPr/>
+        </p:nvCxnSpPr>
+        <p:spPr bwMode="auto">
+          <a:xfrm flipV="1">
+            <a:off x="7393323" y="2949816"/>
+            <a:ext cx="1581459" cy="10812"/>
+          </a:xfrm>
+          <a:prstGeom prst="straightConnector1">
+            <a:avLst/>
+          </a:prstGeom>
+          <a:solidFill>
+            <a:schemeClr val="accent1"/>
+          </a:solidFill>
+          <a:ln w="12700" cap="flat" cmpd="sng" algn="ctr">
+            <a:solidFill>
+              <a:schemeClr val="tx1"/>
+            </a:solidFill>
+            <a:prstDash val="solid"/>
+            <a:round/>
+            <a:headEnd type="none" w="med" len="med"/>
+            <a:tailEnd type="triangle" w="sm" len="sm"/>
+          </a:ln>
+          <a:effectLst/>
+        </p:spPr>
+      </p:cxnSp>
+      <p:cxnSp>
+        <p:nvCxnSpPr>
+          <p:cNvPr id="113" name="Gerade Verbindung mit Pfeil 112"/>
+          <p:cNvCxnSpPr>
+            <a:stCxn id="19" idx="3"/>
+            <a:endCxn id="35" idx="1"/>
+          </p:cNvCxnSpPr>
+          <p:nvPr/>
+        </p:nvCxnSpPr>
+        <p:spPr bwMode="auto">
+          <a:xfrm flipV="1">
+            <a:off x="7754476" y="3190737"/>
+            <a:ext cx="1546699" cy="556483"/>
+          </a:xfrm>
+          <a:prstGeom prst="straightConnector1">
+            <a:avLst/>
+          </a:prstGeom>
+          <a:solidFill>
+            <a:schemeClr val="accent1"/>
+          </a:solidFill>
+          <a:ln w="12700" cap="flat" cmpd="sng" algn="ctr">
+            <a:solidFill>
+              <a:schemeClr val="tx1"/>
+            </a:solidFill>
+            <a:prstDash val="solid"/>
+            <a:round/>
+            <a:headEnd type="none" w="med" len="med"/>
+            <a:tailEnd type="triangle" w="sm" len="sm"/>
+          </a:ln>
+          <a:effectLst/>
+        </p:spPr>
+      </p:cxnSp>
+      <p:cxnSp>
+        <p:nvCxnSpPr>
+          <p:cNvPr id="116" name="Gerade Verbindung mit Pfeil 115"/>
+          <p:cNvCxnSpPr>
+            <a:stCxn id="23" idx="3"/>
+            <a:endCxn id="86" idx="1"/>
+          </p:cNvCxnSpPr>
+          <p:nvPr/>
+        </p:nvCxnSpPr>
+        <p:spPr bwMode="auto">
+          <a:xfrm flipV="1">
+            <a:off x="7068073" y="3428252"/>
+            <a:ext cx="1906709" cy="1447632"/>
+          </a:xfrm>
+          <a:prstGeom prst="straightConnector1">
+            <a:avLst/>
+          </a:prstGeom>
+          <a:solidFill>
+            <a:schemeClr val="accent1"/>
+          </a:solidFill>
+          <a:ln w="12700" cap="flat" cmpd="sng" algn="ctr">
+            <a:solidFill>
+              <a:schemeClr val="tx1"/>
+            </a:solidFill>
+            <a:prstDash val="solid"/>
+            <a:round/>
+            <a:headEnd type="none" w="med" len="med"/>
+            <a:tailEnd type="triangle" w="sm" len="sm"/>
+          </a:ln>
+          <a:effectLst/>
+        </p:spPr>
+      </p:cxnSp>
+      <p:cxnSp>
+        <p:nvCxnSpPr>
+          <p:cNvPr id="119" name="Gerade Verbindung mit Pfeil 118"/>
+          <p:cNvCxnSpPr>
+            <a:stCxn id="24" idx="3"/>
+            <a:endCxn id="87" idx="1"/>
+          </p:cNvCxnSpPr>
+          <p:nvPr/>
+        </p:nvCxnSpPr>
+        <p:spPr bwMode="auto">
+          <a:xfrm flipV="1">
+            <a:off x="7711426" y="3428250"/>
+            <a:ext cx="1928144" cy="1447632"/>
+          </a:xfrm>
+          <a:prstGeom prst="straightConnector1">
+            <a:avLst/>
+          </a:prstGeom>
+          <a:solidFill>
+            <a:schemeClr val="accent1"/>
+          </a:solidFill>
+          <a:ln w="12700" cap="flat" cmpd="sng" algn="ctr">
+            <a:solidFill>
+              <a:schemeClr val="tx1"/>
+            </a:solidFill>
+            <a:prstDash val="solid"/>
+            <a:round/>
+            <a:headEnd type="none" w="med" len="med"/>
+            <a:tailEnd type="triangle" w="sm" len="sm"/>
+          </a:ln>
+          <a:effectLst/>
+        </p:spPr>
+      </p:cxnSp>
+      <p:grpSp>
+        <p:nvGrpSpPr>
+          <p:cNvPr id="21" name="Gruppieren 20"/>
+          <p:cNvGrpSpPr/>
+          <p:nvPr/>
+        </p:nvGrpSpPr>
+        <p:grpSpPr>
+          <a:xfrm>
+            <a:off x="6465746" y="4616385"/>
+            <a:ext cx="1396361" cy="807235"/>
+            <a:chOff x="785758" y="4641536"/>
+            <a:chExt cx="723176" cy="389402"/>
+          </a:xfrm>
+        </p:grpSpPr>
+        <p:sp>
+          <p:nvSpPr>
+            <p:cNvPr id="22" name="Rechteck 21"/>
+            <p:cNvSpPr/>
+            <p:nvPr/>
+          </p:nvSpPr>
+          <p:spPr bwMode="auto">
+            <a:xfrm>
+              <a:off x="785758" y="4641536"/>
+              <a:ext cx="723176" cy="389402"/>
+            </a:xfrm>
+            <a:prstGeom prst="rect">
+              <a:avLst/>
+            </a:prstGeom>
+            <a:noFill/>
+            <a:ln w="12700" cap="flat" cmpd="sng" algn="ctr">
+              <a:solidFill>
+                <a:schemeClr val="bg1">
+                  <a:lumMod val="50000"/>
+                </a:schemeClr>
+              </a:solidFill>
+              <a:prstDash val="solid"/>
+              <a:round/>
+              <a:headEnd type="none" w="med" len="med"/>
+              <a:tailEnd type="none" w="med" len="med"/>
+            </a:ln>
+            <a:effectLst/>
+          </p:spPr>
+          <p:txBody>
+            <a:bodyPr rot="0" spcFirstLastPara="0" vertOverflow="overflow" horzOverflow="overflow" vert="horz" wrap="square" lIns="91440" tIns="45720" rIns="91440" bIns="45720" numCol="1" spcCol="0" rtlCol="0" fromWordArt="0" anchor="ctr" anchorCtr="0" forceAA="0" compatLnSpc="1">
+              <a:prstTxWarp prst="textNoShape">
+                <a:avLst/>
+              </a:prstTxWarp>
+              <a:noAutofit/>
+            </a:bodyPr>
+            <a:lstStyle/>
+            <a:p>
+              <a:pPr marL="0" marR="0" indent="0" algn="ctr" defTabSz="914400" rtl="0" eaLnBrk="1" fontAlgn="base" latinLnBrk="0" hangingPunct="1">
+                <a:lnSpc>
+                  <a:spcPct val="100000"/>
+                </a:lnSpc>
+                <a:spcBef>
+                  <a:spcPct val="0"/>
+                </a:spcBef>
+                <a:spcAft>
+                  <a:spcPts val="600"/>
+                </a:spcAft>
+                <a:buClrTx/>
+                <a:buSzTx/>
+                <a:buFontTx/>
+                <a:buNone/>
+                <a:tabLst/>
+              </a:pPr>
+              <a:endParaRPr kumimoji="0" lang="de-DE" sz="1200" b="0" i="0" u="none" strike="noStrike" cap="none" normalizeH="0" baseline="0" dirty="0" err="1" smtClean="0">
+                <a:ln>
+                  <a:noFill/>
+                </a:ln>
+                <a:solidFill>
+                  <a:schemeClr val="bg1"/>
+                </a:solidFill>
+                <a:effectLst/>
+                <a:latin typeface="Open Sans" panose="020B0606030504020204" pitchFamily="34" charset="0"/>
+                <a:ea typeface="Open Sans" panose="020B0606030504020204" pitchFamily="34" charset="0"/>
+                <a:cs typeface="Open Sans" panose="020B0606030504020204" pitchFamily="34" charset="0"/>
+              </a:endParaRPr>
+            </a:p>
+          </p:txBody>
+        </p:sp>
+        <p:sp>
+          <p:nvSpPr>
+            <p:cNvPr id="23" name="Rechteck 22"/>
+            <p:cNvSpPr/>
+            <p:nvPr/>
+          </p:nvSpPr>
+          <p:spPr bwMode="auto">
+            <a:xfrm>
+              <a:off x="869811" y="4715757"/>
+              <a:ext cx="227892" cy="101917"/>
+            </a:xfrm>
+            <a:prstGeom prst="rect">
+              <a:avLst/>
+            </a:prstGeom>
+            <a:solidFill>
+              <a:srgbClr val="00B0F0"/>
+            </a:solidFill>
+            <a:ln w="12700" cap="flat" cmpd="sng" algn="ctr">
+              <a:solidFill>
+                <a:schemeClr val="bg1">
+                  <a:lumMod val="50000"/>
+                </a:schemeClr>
+              </a:solidFill>
+              <a:prstDash val="solid"/>
+              <a:round/>
+              <a:headEnd type="none" w="med" len="med"/>
+              <a:tailEnd type="none" w="med" len="med"/>
+            </a:ln>
+            <a:effectLst/>
+          </p:spPr>
+          <p:txBody>
+            <a:bodyPr rot="0" spcFirstLastPara="0" vertOverflow="overflow" horzOverflow="overflow" vert="horz" wrap="square" lIns="91440" tIns="45720" rIns="91440" bIns="45720" numCol="1" spcCol="0" rtlCol="0" fromWordArt="0" anchor="ctr" anchorCtr="0" forceAA="0" compatLnSpc="1">
+              <a:prstTxWarp prst="textNoShape">
+                <a:avLst/>
+              </a:prstTxWarp>
+              <a:noAutofit/>
+            </a:bodyPr>
+            <a:lstStyle/>
+            <a:p>
+              <a:pPr marL="0" marR="0" indent="0" algn="ctr" defTabSz="914400" rtl="0" eaLnBrk="1" fontAlgn="base" latinLnBrk="0" hangingPunct="1">
+                <a:lnSpc>
+                  <a:spcPct val="100000"/>
+                </a:lnSpc>
+                <a:spcBef>
+                  <a:spcPct val="0"/>
+                </a:spcBef>
+                <a:spcAft>
+                  <a:spcPts val="600"/>
+                </a:spcAft>
+                <a:buClrTx/>
+                <a:buSzTx/>
+                <a:buFontTx/>
+                <a:buNone/>
+                <a:tabLst/>
+              </a:pPr>
+              <a:endParaRPr kumimoji="0" lang="de-DE" sz="1200" b="0" i="0" u="none" strike="noStrike" cap="none" normalizeH="0" baseline="0" dirty="0" err="1" smtClean="0">
+                <a:ln>
+                  <a:noFill/>
+                </a:ln>
+                <a:solidFill>
+                  <a:schemeClr val="bg1"/>
+                </a:solidFill>
+                <a:effectLst/>
+                <a:latin typeface="Open Sans" panose="020B0606030504020204" pitchFamily="34" charset="0"/>
+                <a:ea typeface="Open Sans" panose="020B0606030504020204" pitchFamily="34" charset="0"/>
+                <a:cs typeface="Open Sans" panose="020B0606030504020204" pitchFamily="34" charset="0"/>
+              </a:endParaRPr>
+            </a:p>
+          </p:txBody>
+        </p:sp>
+        <p:sp>
+          <p:nvSpPr>
+            <p:cNvPr id="24" name="Rechteck 23"/>
+            <p:cNvSpPr/>
+            <p:nvPr/>
+          </p:nvSpPr>
+          <p:spPr bwMode="auto">
+            <a:xfrm>
+              <a:off x="1203004" y="4715756"/>
+              <a:ext cx="227892" cy="101917"/>
+            </a:xfrm>
+            <a:prstGeom prst="rect">
+              <a:avLst/>
+            </a:prstGeom>
+            <a:solidFill>
+              <a:srgbClr val="00B0F0"/>
+            </a:solidFill>
+            <a:ln w="12700" cap="flat" cmpd="sng" algn="ctr">
+              <a:solidFill>
+                <a:schemeClr val="bg1">
+                  <a:lumMod val="50000"/>
+                </a:schemeClr>
+              </a:solidFill>
+              <a:prstDash val="solid"/>
+              <a:round/>
+              <a:headEnd type="none" w="med" len="med"/>
+              <a:tailEnd type="none" w="med" len="med"/>
+            </a:ln>
+            <a:effectLst/>
+          </p:spPr>
+          <p:txBody>
+            <a:bodyPr rot="0" spcFirstLastPara="0" vertOverflow="overflow" horzOverflow="overflow" vert="horz" wrap="square" lIns="91440" tIns="45720" rIns="91440" bIns="45720" numCol="1" spcCol="0" rtlCol="0" fromWordArt="0" anchor="ctr" anchorCtr="0" forceAA="0" compatLnSpc="1">
+              <a:prstTxWarp prst="textNoShape">
+                <a:avLst/>
+              </a:prstTxWarp>
+              <a:noAutofit/>
+            </a:bodyPr>
+            <a:lstStyle/>
+            <a:p>
+              <a:pPr marL="0" marR="0" indent="0" algn="ctr" defTabSz="914400" rtl="0" eaLnBrk="1" fontAlgn="base" latinLnBrk="0" hangingPunct="1">
+                <a:lnSpc>
+                  <a:spcPct val="100000"/>
+                </a:lnSpc>
+                <a:spcBef>
+                  <a:spcPct val="0"/>
+                </a:spcBef>
+                <a:spcAft>
+                  <a:spcPts val="600"/>
+                </a:spcAft>
+                <a:buClrTx/>
+                <a:buSzTx/>
+                <a:buFontTx/>
+                <a:buNone/>
+                <a:tabLst/>
+              </a:pPr>
+              <a:endParaRPr kumimoji="0" lang="de-DE" sz="1200" b="0" i="0" u="none" strike="noStrike" cap="none" normalizeH="0" baseline="0" dirty="0" err="1" smtClean="0">
+                <a:ln>
+                  <a:noFill/>
+                </a:ln>
+                <a:solidFill>
+                  <a:schemeClr val="bg1"/>
+                </a:solidFill>
+                <a:effectLst/>
+                <a:latin typeface="Open Sans" panose="020B0606030504020204" pitchFamily="34" charset="0"/>
+                <a:ea typeface="Open Sans" panose="020B0606030504020204" pitchFamily="34" charset="0"/>
+                <a:cs typeface="Open Sans" panose="020B0606030504020204" pitchFamily="34" charset="0"/>
+              </a:endParaRPr>
+            </a:p>
+          </p:txBody>
+        </p:sp>
+        <p:sp>
+          <p:nvSpPr>
+            <p:cNvPr id="25" name="Rechteck 24"/>
+            <p:cNvSpPr/>
+            <p:nvPr/>
+          </p:nvSpPr>
+          <p:spPr bwMode="auto">
+            <a:xfrm>
+              <a:off x="1022211" y="4868157"/>
+              <a:ext cx="227892" cy="101917"/>
+            </a:xfrm>
+            <a:prstGeom prst="rect">
+              <a:avLst/>
+            </a:prstGeom>
+            <a:solidFill>
+              <a:srgbClr val="FFC000"/>
+            </a:solidFill>
+            <a:ln w="12700" cap="flat" cmpd="sng" algn="ctr">
+              <a:solidFill>
+                <a:schemeClr val="bg1">
+                  <a:lumMod val="50000"/>
+                </a:schemeClr>
+              </a:solidFill>
+              <a:prstDash val="solid"/>
+              <a:round/>
+              <a:headEnd type="none" w="med" len="med"/>
+              <a:tailEnd type="none" w="med" len="med"/>
+            </a:ln>
+            <a:effectLst/>
+          </p:spPr>
+          <p:txBody>
+            <a:bodyPr rot="0" spcFirstLastPara="0" vertOverflow="overflow" horzOverflow="overflow" vert="horz" wrap="square" lIns="91440" tIns="45720" rIns="91440" bIns="45720" numCol="1" spcCol="0" rtlCol="0" fromWordArt="0" anchor="ctr" anchorCtr="0" forceAA="0" compatLnSpc="1">
+              <a:prstTxWarp prst="textNoShape">
+                <a:avLst/>
+              </a:prstTxWarp>
+              <a:noAutofit/>
+            </a:bodyPr>
+            <a:lstStyle/>
+            <a:p>
+              <a:pPr marL="0" marR="0" indent="0" algn="ctr" defTabSz="914400" rtl="0" eaLnBrk="1" fontAlgn="base" latinLnBrk="0" hangingPunct="1">
+                <a:lnSpc>
+                  <a:spcPct val="100000"/>
+                </a:lnSpc>
+                <a:spcBef>
+                  <a:spcPct val="0"/>
+                </a:spcBef>
+                <a:spcAft>
+                  <a:spcPts val="600"/>
+                </a:spcAft>
+                <a:buClrTx/>
+                <a:buSzTx/>
+                <a:buFontTx/>
+                <a:buNone/>
+                <a:tabLst/>
+              </a:pPr>
+              <a:endParaRPr kumimoji="0" lang="de-DE" sz="1200" b="0" i="0" u="none" strike="noStrike" cap="none" normalizeH="0" baseline="0" dirty="0" err="1" smtClean="0">
+                <a:ln>
+                  <a:noFill/>
+                </a:ln>
+                <a:solidFill>
+                  <a:schemeClr val="bg1"/>
+                </a:solidFill>
+                <a:effectLst/>
+                <a:latin typeface="Open Sans" panose="020B0606030504020204" pitchFamily="34" charset="0"/>
+                <a:ea typeface="Open Sans" panose="020B0606030504020204" pitchFamily="34" charset="0"/>
+                <a:cs typeface="Open Sans" panose="020B0606030504020204" pitchFamily="34" charset="0"/>
+              </a:endParaRPr>
+            </a:p>
+          </p:txBody>
+        </p:sp>
+      </p:grpSp>
+      <p:grpSp>
+        <p:nvGrpSpPr>
+          <p:cNvPr id="104" name="Gruppieren 103"/>
+          <p:cNvGrpSpPr/>
+          <p:nvPr/>
+        </p:nvGrpSpPr>
+        <p:grpSpPr>
+          <a:xfrm>
+            <a:off x="8807953" y="4112364"/>
+            <a:ext cx="1442883" cy="807235"/>
+            <a:chOff x="3406191" y="5211439"/>
+            <a:chExt cx="723176" cy="389402"/>
+          </a:xfrm>
+        </p:grpSpPr>
+        <p:sp>
+          <p:nvSpPr>
+            <p:cNvPr id="37" name="Rechteck 36"/>
+            <p:cNvSpPr/>
+            <p:nvPr/>
+          </p:nvSpPr>
+          <p:spPr bwMode="auto">
+            <a:xfrm>
+              <a:off x="3406191" y="5211439"/>
+              <a:ext cx="723176" cy="389402"/>
+            </a:xfrm>
+            <a:prstGeom prst="rect">
+              <a:avLst/>
+            </a:prstGeom>
+            <a:noFill/>
+            <a:ln w="12700" cap="flat" cmpd="sng" algn="ctr">
+              <a:solidFill>
+                <a:schemeClr val="bg1">
+                  <a:lumMod val="50000"/>
+                </a:schemeClr>
+              </a:solidFill>
+              <a:prstDash val="solid"/>
+              <a:round/>
+              <a:headEnd type="none" w="med" len="med"/>
+              <a:tailEnd type="none" w="med" len="med"/>
+            </a:ln>
+            <a:effectLst/>
+          </p:spPr>
+          <p:txBody>
+            <a:bodyPr rot="0" spcFirstLastPara="0" vertOverflow="overflow" horzOverflow="overflow" vert="horz" wrap="square" lIns="91440" tIns="45720" rIns="91440" bIns="45720" numCol="1" spcCol="0" rtlCol="0" fromWordArt="0" anchor="ctr" anchorCtr="0" forceAA="0" compatLnSpc="1">
+              <a:prstTxWarp prst="textNoShape">
+                <a:avLst/>
+              </a:prstTxWarp>
+              <a:noAutofit/>
+            </a:bodyPr>
+            <a:lstStyle/>
+            <a:p>
+              <a:pPr marL="0" marR="0" indent="0" algn="ctr" defTabSz="914400" rtl="0" eaLnBrk="1" fontAlgn="base" latinLnBrk="0" hangingPunct="1">
+                <a:lnSpc>
+                  <a:spcPct val="100000"/>
+                </a:lnSpc>
+                <a:spcBef>
+                  <a:spcPct val="0"/>
+                </a:spcBef>
+                <a:spcAft>
+                  <a:spcPts val="600"/>
+                </a:spcAft>
+                <a:buClrTx/>
+                <a:buSzTx/>
+                <a:buFontTx/>
+                <a:buNone/>
+                <a:tabLst/>
+              </a:pPr>
+              <a:endParaRPr kumimoji="0" lang="de-DE" sz="1200" b="0" i="0" u="none" strike="noStrike" cap="none" normalizeH="0" baseline="0" dirty="0" err="1" smtClean="0">
+                <a:ln>
+                  <a:noFill/>
+                </a:ln>
+                <a:solidFill>
+                  <a:schemeClr val="bg1"/>
+                </a:solidFill>
+                <a:effectLst/>
+                <a:latin typeface="Open Sans" panose="020B0606030504020204" pitchFamily="34" charset="0"/>
+                <a:ea typeface="Open Sans" panose="020B0606030504020204" pitchFamily="34" charset="0"/>
+                <a:cs typeface="Open Sans" panose="020B0606030504020204" pitchFamily="34" charset="0"/>
+              </a:endParaRPr>
+            </a:p>
+          </p:txBody>
+        </p:sp>
+        <p:sp>
+          <p:nvSpPr>
+            <p:cNvPr id="38" name="Rechteck 37"/>
+            <p:cNvSpPr/>
+            <p:nvPr/>
+          </p:nvSpPr>
+          <p:spPr bwMode="auto">
+            <a:xfrm>
+              <a:off x="3490244" y="5285660"/>
+              <a:ext cx="227892" cy="101917"/>
+            </a:xfrm>
+            <a:prstGeom prst="rect">
+              <a:avLst/>
+            </a:prstGeom>
+            <a:solidFill>
+              <a:srgbClr val="FFC000"/>
+            </a:solidFill>
+            <a:ln w="12700" cap="flat" cmpd="sng" algn="ctr">
+              <a:solidFill>
+                <a:schemeClr val="bg1">
+                  <a:lumMod val="50000"/>
+                </a:schemeClr>
+              </a:solidFill>
+              <a:prstDash val="solid"/>
+              <a:round/>
+              <a:headEnd type="none" w="med" len="med"/>
+              <a:tailEnd type="none" w="med" len="med"/>
+            </a:ln>
+            <a:effectLst/>
+          </p:spPr>
+          <p:txBody>
+            <a:bodyPr rot="0" spcFirstLastPara="0" vertOverflow="overflow" horzOverflow="overflow" vert="horz" wrap="square" lIns="91440" tIns="45720" rIns="91440" bIns="45720" numCol="1" spcCol="0" rtlCol="0" fromWordArt="0" anchor="ctr" anchorCtr="0" forceAA="0" compatLnSpc="1">
+              <a:prstTxWarp prst="textNoShape">
+                <a:avLst/>
+              </a:prstTxWarp>
+              <a:noAutofit/>
+            </a:bodyPr>
+            <a:lstStyle/>
+            <a:p>
+              <a:pPr marL="0" marR="0" indent="0" algn="ctr" defTabSz="914400" rtl="0" eaLnBrk="1" fontAlgn="base" latinLnBrk="0" hangingPunct="1">
+                <a:lnSpc>
+                  <a:spcPct val="100000"/>
+                </a:lnSpc>
+                <a:spcBef>
+                  <a:spcPct val="0"/>
+                </a:spcBef>
+                <a:spcAft>
+                  <a:spcPts val="600"/>
+                </a:spcAft>
+                <a:buClrTx/>
+                <a:buSzTx/>
+                <a:buFontTx/>
+                <a:buNone/>
+                <a:tabLst/>
+              </a:pPr>
+              <a:endParaRPr kumimoji="0" lang="de-DE" sz="1200" b="0" i="0" u="none" strike="noStrike" cap="none" normalizeH="0" baseline="0" dirty="0" err="1" smtClean="0">
+                <a:ln>
+                  <a:noFill/>
+                </a:ln>
+                <a:solidFill>
+                  <a:schemeClr val="bg1"/>
+                </a:solidFill>
+                <a:effectLst/>
+                <a:latin typeface="Open Sans" panose="020B0606030504020204" pitchFamily="34" charset="0"/>
+                <a:ea typeface="Open Sans" panose="020B0606030504020204" pitchFamily="34" charset="0"/>
+                <a:cs typeface="Open Sans" panose="020B0606030504020204" pitchFamily="34" charset="0"/>
+              </a:endParaRPr>
+            </a:p>
+          </p:txBody>
+        </p:sp>
+        <p:sp>
+          <p:nvSpPr>
+            <p:cNvPr id="39" name="Rechteck 38"/>
+            <p:cNvSpPr/>
+            <p:nvPr/>
+          </p:nvSpPr>
+          <p:spPr bwMode="auto">
+            <a:xfrm>
+              <a:off x="3823437" y="5285659"/>
+              <a:ext cx="227892" cy="101917"/>
+            </a:xfrm>
+            <a:prstGeom prst="rect">
+              <a:avLst/>
+            </a:prstGeom>
+            <a:solidFill>
+              <a:srgbClr val="FFC000"/>
+            </a:solidFill>
+            <a:ln w="12700" cap="flat" cmpd="sng" algn="ctr">
+              <a:solidFill>
+                <a:schemeClr val="bg1">
+                  <a:lumMod val="50000"/>
+                </a:schemeClr>
+              </a:solidFill>
+              <a:prstDash val="solid"/>
+              <a:round/>
+              <a:headEnd type="none" w="med" len="med"/>
+              <a:tailEnd type="none" w="med" len="med"/>
+            </a:ln>
+            <a:effectLst/>
+          </p:spPr>
+          <p:txBody>
+            <a:bodyPr rot="0" spcFirstLastPara="0" vertOverflow="overflow" horzOverflow="overflow" vert="horz" wrap="square" lIns="91440" tIns="45720" rIns="91440" bIns="45720" numCol="1" spcCol="0" rtlCol="0" fromWordArt="0" anchor="ctr" anchorCtr="0" forceAA="0" compatLnSpc="1">
+              <a:prstTxWarp prst="textNoShape">
+                <a:avLst/>
+              </a:prstTxWarp>
+              <a:noAutofit/>
+            </a:bodyPr>
+            <a:lstStyle/>
+            <a:p>
+              <a:pPr marL="0" marR="0" indent="0" algn="ctr" defTabSz="914400" rtl="0" eaLnBrk="1" fontAlgn="base" latinLnBrk="0" hangingPunct="1">
+                <a:lnSpc>
+                  <a:spcPct val="100000"/>
+                </a:lnSpc>
+                <a:spcBef>
+                  <a:spcPct val="0"/>
+                </a:spcBef>
+                <a:spcAft>
+                  <a:spcPts val="600"/>
+                </a:spcAft>
+                <a:buClrTx/>
+                <a:buSzTx/>
+                <a:buFontTx/>
+                <a:buNone/>
+                <a:tabLst/>
+              </a:pPr>
+              <a:endParaRPr kumimoji="0" lang="de-DE" sz="1200" b="0" i="0" u="none" strike="noStrike" cap="none" normalizeH="0" baseline="0" dirty="0" err="1" smtClean="0">
+                <a:ln>
+                  <a:noFill/>
+                </a:ln>
+                <a:solidFill>
+                  <a:schemeClr val="bg1"/>
+                </a:solidFill>
+                <a:effectLst/>
+                <a:latin typeface="Open Sans" panose="020B0606030504020204" pitchFamily="34" charset="0"/>
+                <a:ea typeface="Open Sans" panose="020B0606030504020204" pitchFamily="34" charset="0"/>
+                <a:cs typeface="Open Sans" panose="020B0606030504020204" pitchFamily="34" charset="0"/>
+              </a:endParaRPr>
+            </a:p>
+          </p:txBody>
+        </p:sp>
+        <p:sp>
+          <p:nvSpPr>
+            <p:cNvPr id="40" name="Rechteck 39"/>
+            <p:cNvSpPr/>
+            <p:nvPr/>
+          </p:nvSpPr>
+          <p:spPr bwMode="auto">
+            <a:xfrm>
+              <a:off x="3822621" y="5438060"/>
+              <a:ext cx="227892" cy="101917"/>
+            </a:xfrm>
+            <a:prstGeom prst="rect">
+              <a:avLst/>
+            </a:prstGeom>
+            <a:solidFill>
+              <a:srgbClr val="FFC000"/>
+            </a:solidFill>
+            <a:ln w="12700" cap="flat" cmpd="sng" algn="ctr">
+              <a:solidFill>
+                <a:schemeClr val="bg1">
+                  <a:lumMod val="50000"/>
+                </a:schemeClr>
+              </a:solidFill>
+              <a:prstDash val="solid"/>
+              <a:round/>
+              <a:headEnd type="none" w="med" len="med"/>
+              <a:tailEnd type="none" w="med" len="med"/>
+            </a:ln>
+            <a:effectLst/>
+          </p:spPr>
+          <p:txBody>
+            <a:bodyPr rot="0" spcFirstLastPara="0" vertOverflow="overflow" horzOverflow="overflow" vert="horz" wrap="square" lIns="91440" tIns="45720" rIns="91440" bIns="45720" numCol="1" spcCol="0" rtlCol="0" fromWordArt="0" anchor="ctr" anchorCtr="0" forceAA="0" compatLnSpc="1">
+              <a:prstTxWarp prst="textNoShape">
+                <a:avLst/>
+              </a:prstTxWarp>
+              <a:noAutofit/>
+            </a:bodyPr>
+            <a:lstStyle/>
+            <a:p>
+              <a:pPr marL="0" marR="0" indent="0" algn="ctr" defTabSz="914400" rtl="0" eaLnBrk="1" fontAlgn="base" latinLnBrk="0" hangingPunct="1">
+                <a:lnSpc>
+                  <a:spcPct val="100000"/>
+                </a:lnSpc>
+                <a:spcBef>
+                  <a:spcPct val="0"/>
+                </a:spcBef>
+                <a:spcAft>
+                  <a:spcPts val="600"/>
+                </a:spcAft>
+                <a:buClrTx/>
+                <a:buSzTx/>
+                <a:buFontTx/>
+                <a:buNone/>
+                <a:tabLst/>
+              </a:pPr>
+              <a:endParaRPr kumimoji="0" lang="de-DE" sz="1200" b="0" i="0" u="none" strike="noStrike" cap="none" normalizeH="0" baseline="0" dirty="0" err="1" smtClean="0">
+                <a:ln>
+                  <a:noFill/>
+                </a:ln>
+                <a:solidFill>
+                  <a:schemeClr val="bg1"/>
+                </a:solidFill>
+                <a:effectLst/>
+                <a:latin typeface="Open Sans" panose="020B0606030504020204" pitchFamily="34" charset="0"/>
+                <a:ea typeface="Open Sans" panose="020B0606030504020204" pitchFamily="34" charset="0"/>
+                <a:cs typeface="Open Sans" panose="020B0606030504020204" pitchFamily="34" charset="0"/>
+              </a:endParaRPr>
+            </a:p>
+          </p:txBody>
+        </p:sp>
+        <p:sp>
+          <p:nvSpPr>
+            <p:cNvPr id="88" name="Rechteck 87"/>
+            <p:cNvSpPr/>
+            <p:nvPr/>
+          </p:nvSpPr>
+          <p:spPr bwMode="auto">
+            <a:xfrm>
+              <a:off x="3490244" y="5438059"/>
+              <a:ext cx="227892" cy="101917"/>
+            </a:xfrm>
+            <a:prstGeom prst="rect">
+              <a:avLst/>
+            </a:prstGeom>
+            <a:solidFill>
+              <a:srgbClr val="FFC000"/>
+            </a:solidFill>
+            <a:ln w="12700" cap="flat" cmpd="sng" algn="ctr">
+              <a:solidFill>
+                <a:schemeClr val="bg1">
+                  <a:lumMod val="50000"/>
+                </a:schemeClr>
+              </a:solidFill>
+              <a:prstDash val="solid"/>
+              <a:round/>
+              <a:headEnd type="none" w="med" len="med"/>
+              <a:tailEnd type="none" w="med" len="med"/>
+            </a:ln>
+            <a:effectLst/>
+          </p:spPr>
+          <p:txBody>
+            <a:bodyPr rot="0" spcFirstLastPara="0" vertOverflow="overflow" horzOverflow="overflow" vert="horz" wrap="square" lIns="91440" tIns="45720" rIns="91440" bIns="45720" numCol="1" spcCol="0" rtlCol="0" fromWordArt="0" anchor="ctr" anchorCtr="0" forceAA="0" compatLnSpc="1">
+              <a:prstTxWarp prst="textNoShape">
+                <a:avLst/>
+              </a:prstTxWarp>
+              <a:noAutofit/>
+            </a:bodyPr>
+            <a:lstStyle/>
+            <a:p>
+              <a:pPr marL="0" marR="0" indent="0" algn="ctr" defTabSz="914400" rtl="0" eaLnBrk="1" fontAlgn="base" latinLnBrk="0" hangingPunct="1">
+                <a:lnSpc>
+                  <a:spcPct val="100000"/>
+                </a:lnSpc>
+                <a:spcBef>
+                  <a:spcPct val="0"/>
+                </a:spcBef>
+                <a:spcAft>
+                  <a:spcPts val="600"/>
+                </a:spcAft>
+                <a:buClrTx/>
+                <a:buSzTx/>
+                <a:buFontTx/>
+                <a:buNone/>
+                <a:tabLst/>
+              </a:pPr>
+              <a:endParaRPr kumimoji="0" lang="de-DE" sz="1200" b="0" i="0" u="none" strike="noStrike" cap="none" normalizeH="0" baseline="0" dirty="0" err="1" smtClean="0">
+                <a:ln>
+                  <a:noFill/>
+                </a:ln>
+                <a:solidFill>
+                  <a:schemeClr val="bg1"/>
+                </a:solidFill>
+                <a:effectLst/>
+                <a:latin typeface="Open Sans" panose="020B0606030504020204" pitchFamily="34" charset="0"/>
+                <a:ea typeface="Open Sans" panose="020B0606030504020204" pitchFamily="34" charset="0"/>
+                <a:cs typeface="Open Sans" panose="020B0606030504020204" pitchFamily="34" charset="0"/>
+              </a:endParaRPr>
+            </a:p>
+          </p:txBody>
+        </p:sp>
+      </p:grpSp>
+      <p:grpSp>
+        <p:nvGrpSpPr>
+          <p:cNvPr id="105" name="Gruppieren 104"/>
+          <p:cNvGrpSpPr/>
+          <p:nvPr/>
+        </p:nvGrpSpPr>
+        <p:grpSpPr>
+          <a:xfrm>
+            <a:off x="8807079" y="2768550"/>
+            <a:ext cx="1442883" cy="807235"/>
+            <a:chOff x="3406191" y="4779447"/>
+            <a:chExt cx="723176" cy="389402"/>
+          </a:xfrm>
+        </p:grpSpPr>
+        <p:sp>
+          <p:nvSpPr>
+            <p:cNvPr id="32" name="Rechteck 31"/>
+            <p:cNvSpPr/>
+            <p:nvPr/>
+          </p:nvSpPr>
+          <p:spPr bwMode="auto">
+            <a:xfrm>
+              <a:off x="3406191" y="4779447"/>
+              <a:ext cx="723176" cy="389402"/>
+            </a:xfrm>
+            <a:prstGeom prst="rect">
+              <a:avLst/>
+            </a:prstGeom>
+            <a:noFill/>
+            <a:ln w="12700" cap="flat" cmpd="sng" algn="ctr">
+              <a:solidFill>
+                <a:schemeClr val="bg1">
+                  <a:lumMod val="50000"/>
+                </a:schemeClr>
+              </a:solidFill>
+              <a:prstDash val="solid"/>
+              <a:round/>
+              <a:headEnd type="none" w="med" len="med"/>
+              <a:tailEnd type="none" w="med" len="med"/>
+            </a:ln>
+            <a:effectLst/>
+          </p:spPr>
+          <p:txBody>
+            <a:bodyPr rot="0" spcFirstLastPara="0" vertOverflow="overflow" horzOverflow="overflow" vert="horz" wrap="square" lIns="91440" tIns="45720" rIns="91440" bIns="45720" numCol="1" spcCol="0" rtlCol="0" fromWordArt="0" anchor="ctr" anchorCtr="0" forceAA="0" compatLnSpc="1">
+              <a:prstTxWarp prst="textNoShape">
+                <a:avLst/>
+              </a:prstTxWarp>
+              <a:noAutofit/>
+            </a:bodyPr>
+            <a:lstStyle/>
+            <a:p>
+              <a:pPr marL="0" marR="0" indent="0" algn="ctr" defTabSz="914400" rtl="0" eaLnBrk="1" fontAlgn="base" latinLnBrk="0" hangingPunct="1">
+                <a:lnSpc>
+                  <a:spcPct val="100000"/>
+                </a:lnSpc>
+                <a:spcBef>
+                  <a:spcPct val="0"/>
+                </a:spcBef>
+                <a:spcAft>
+                  <a:spcPts val="600"/>
+                </a:spcAft>
+                <a:buClrTx/>
+                <a:buSzTx/>
+                <a:buFontTx/>
+                <a:buNone/>
+                <a:tabLst/>
+              </a:pPr>
+              <a:endParaRPr kumimoji="0" lang="de-DE" sz="1200" b="0" i="0" u="none" strike="noStrike" cap="none" normalizeH="0" baseline="0" dirty="0" err="1" smtClean="0">
+                <a:ln>
+                  <a:noFill/>
+                </a:ln>
+                <a:solidFill>
+                  <a:schemeClr val="bg1"/>
+                </a:solidFill>
+                <a:effectLst/>
+                <a:latin typeface="Open Sans" panose="020B0606030504020204" pitchFamily="34" charset="0"/>
+                <a:ea typeface="Open Sans" panose="020B0606030504020204" pitchFamily="34" charset="0"/>
+                <a:cs typeface="Open Sans" panose="020B0606030504020204" pitchFamily="34" charset="0"/>
+              </a:endParaRPr>
+            </a:p>
+          </p:txBody>
+        </p:sp>
+        <p:sp>
+          <p:nvSpPr>
+            <p:cNvPr id="33" name="Rechteck 32"/>
+            <p:cNvSpPr/>
+            <p:nvPr/>
+          </p:nvSpPr>
+          <p:spPr bwMode="auto">
+            <a:xfrm>
+              <a:off x="3490244" y="4815929"/>
+              <a:ext cx="227892" cy="101917"/>
+            </a:xfrm>
+            <a:prstGeom prst="rect">
+              <a:avLst/>
+            </a:prstGeom>
+            <a:solidFill>
+              <a:srgbClr val="00B0F0"/>
+            </a:solidFill>
+            <a:ln w="12700" cap="flat" cmpd="sng" algn="ctr">
+              <a:solidFill>
+                <a:schemeClr val="bg1">
+                  <a:lumMod val="50000"/>
+                </a:schemeClr>
+              </a:solidFill>
+              <a:prstDash val="solid"/>
+              <a:round/>
+              <a:headEnd type="none" w="med" len="med"/>
+              <a:tailEnd type="none" w="med" len="med"/>
+            </a:ln>
+            <a:effectLst/>
+          </p:spPr>
+          <p:txBody>
+            <a:bodyPr rot="0" spcFirstLastPara="0" vertOverflow="overflow" horzOverflow="overflow" vert="horz" wrap="square" lIns="91440" tIns="45720" rIns="91440" bIns="45720" numCol="1" spcCol="0" rtlCol="0" fromWordArt="0" anchor="ctr" anchorCtr="0" forceAA="0" compatLnSpc="1">
+              <a:prstTxWarp prst="textNoShape">
+                <a:avLst/>
+              </a:prstTxWarp>
+              <a:noAutofit/>
+            </a:bodyPr>
+            <a:lstStyle/>
+            <a:p>
+              <a:pPr marL="0" marR="0" indent="0" algn="ctr" defTabSz="914400" rtl="0" eaLnBrk="1" fontAlgn="base" latinLnBrk="0" hangingPunct="1">
+                <a:lnSpc>
+                  <a:spcPct val="100000"/>
+                </a:lnSpc>
+                <a:spcBef>
+                  <a:spcPct val="0"/>
+                </a:spcBef>
+                <a:spcAft>
+                  <a:spcPts val="600"/>
+                </a:spcAft>
+                <a:buClrTx/>
+                <a:buSzTx/>
+                <a:buFontTx/>
+                <a:buNone/>
+                <a:tabLst/>
+              </a:pPr>
+              <a:endParaRPr kumimoji="0" lang="de-DE" sz="1200" b="0" i="0" u="none" strike="noStrike" cap="none" normalizeH="0" baseline="0" dirty="0" err="1" smtClean="0">
+                <a:ln>
+                  <a:noFill/>
+                </a:ln>
+                <a:solidFill>
+                  <a:schemeClr val="bg1"/>
+                </a:solidFill>
+                <a:effectLst/>
+                <a:latin typeface="Open Sans" panose="020B0606030504020204" pitchFamily="34" charset="0"/>
+                <a:ea typeface="Open Sans" panose="020B0606030504020204" pitchFamily="34" charset="0"/>
+                <a:cs typeface="Open Sans" panose="020B0606030504020204" pitchFamily="34" charset="0"/>
+              </a:endParaRPr>
+            </a:p>
+          </p:txBody>
+        </p:sp>
+        <p:sp>
+          <p:nvSpPr>
+            <p:cNvPr id="34" name="Rechteck 33"/>
+            <p:cNvSpPr/>
+            <p:nvPr/>
+          </p:nvSpPr>
+          <p:spPr bwMode="auto">
+            <a:xfrm>
+              <a:off x="3827449" y="4815928"/>
+              <a:ext cx="227892" cy="101917"/>
+            </a:xfrm>
+            <a:prstGeom prst="rect">
+              <a:avLst/>
+            </a:prstGeom>
+            <a:solidFill>
+              <a:srgbClr val="00B0F0"/>
+            </a:solidFill>
+            <a:ln w="12700" cap="flat" cmpd="sng" algn="ctr">
+              <a:solidFill>
+                <a:schemeClr val="bg1">
+                  <a:lumMod val="50000"/>
+                </a:schemeClr>
+              </a:solidFill>
+              <a:prstDash val="solid"/>
+              <a:round/>
+              <a:headEnd type="none" w="med" len="med"/>
+              <a:tailEnd type="none" w="med" len="med"/>
+            </a:ln>
+            <a:effectLst/>
+          </p:spPr>
+          <p:txBody>
+            <a:bodyPr rot="0" spcFirstLastPara="0" vertOverflow="overflow" horzOverflow="overflow" vert="horz" wrap="square" lIns="91440" tIns="45720" rIns="91440" bIns="45720" numCol="1" spcCol="0" rtlCol="0" fromWordArt="0" anchor="ctr" anchorCtr="0" forceAA="0" compatLnSpc="1">
+              <a:prstTxWarp prst="textNoShape">
+                <a:avLst/>
+              </a:prstTxWarp>
+              <a:noAutofit/>
+            </a:bodyPr>
+            <a:lstStyle/>
+            <a:p>
+              <a:pPr marL="0" marR="0" indent="0" algn="ctr" defTabSz="914400" rtl="0" eaLnBrk="1" fontAlgn="base" latinLnBrk="0" hangingPunct="1">
+                <a:lnSpc>
+                  <a:spcPct val="100000"/>
+                </a:lnSpc>
+                <a:spcBef>
+                  <a:spcPct val="0"/>
+                </a:spcBef>
+                <a:spcAft>
+                  <a:spcPts val="600"/>
+                </a:spcAft>
+                <a:buClrTx/>
+                <a:buSzTx/>
+                <a:buFontTx/>
+                <a:buNone/>
+                <a:tabLst/>
+              </a:pPr>
+              <a:endParaRPr kumimoji="0" lang="de-DE" sz="1200" b="0" i="0" u="none" strike="noStrike" cap="none" normalizeH="0" baseline="0" dirty="0" err="1" smtClean="0">
+                <a:ln>
+                  <a:noFill/>
+                </a:ln>
+                <a:solidFill>
+                  <a:schemeClr val="bg1"/>
+                </a:solidFill>
+                <a:effectLst/>
+                <a:latin typeface="Open Sans" panose="020B0606030504020204" pitchFamily="34" charset="0"/>
+                <a:ea typeface="Open Sans" panose="020B0606030504020204" pitchFamily="34" charset="0"/>
+                <a:cs typeface="Open Sans" panose="020B0606030504020204" pitchFamily="34" charset="0"/>
+              </a:endParaRPr>
+            </a:p>
+          </p:txBody>
+        </p:sp>
+        <p:sp>
+          <p:nvSpPr>
+            <p:cNvPr id="35" name="Rechteck 34"/>
+            <p:cNvSpPr/>
+            <p:nvPr/>
+          </p:nvSpPr>
+          <p:spPr bwMode="auto">
+            <a:xfrm>
+              <a:off x="3653833" y="4932147"/>
+              <a:ext cx="227892" cy="101917"/>
+            </a:xfrm>
+            <a:prstGeom prst="rect">
+              <a:avLst/>
+            </a:prstGeom>
+            <a:solidFill>
+              <a:srgbClr val="00B0F0"/>
+            </a:solidFill>
+            <a:ln w="12700" cap="flat" cmpd="sng" algn="ctr">
+              <a:solidFill>
+                <a:schemeClr val="bg1">
+                  <a:lumMod val="50000"/>
+                </a:schemeClr>
+              </a:solidFill>
+              <a:prstDash val="solid"/>
+              <a:round/>
+              <a:headEnd type="none" w="med" len="med"/>
+              <a:tailEnd type="none" w="med" len="med"/>
+            </a:ln>
+            <a:effectLst/>
+          </p:spPr>
+          <p:txBody>
+            <a:bodyPr rot="0" spcFirstLastPara="0" vertOverflow="overflow" horzOverflow="overflow" vert="horz" wrap="square" lIns="91440" tIns="45720" rIns="91440" bIns="45720" numCol="1" spcCol="0" rtlCol="0" fromWordArt="0" anchor="ctr" anchorCtr="0" forceAA="0" compatLnSpc="1">
+              <a:prstTxWarp prst="textNoShape">
+                <a:avLst/>
+              </a:prstTxWarp>
+              <a:noAutofit/>
+            </a:bodyPr>
+            <a:lstStyle/>
+            <a:p>
+              <a:pPr marL="0" marR="0" indent="0" algn="ctr" defTabSz="914400" rtl="0" eaLnBrk="1" fontAlgn="base" latinLnBrk="0" hangingPunct="1">
+                <a:lnSpc>
+                  <a:spcPct val="100000"/>
+                </a:lnSpc>
+                <a:spcBef>
+                  <a:spcPct val="0"/>
+                </a:spcBef>
+                <a:spcAft>
+                  <a:spcPts val="600"/>
+                </a:spcAft>
+                <a:buClrTx/>
+                <a:buSzTx/>
+                <a:buFontTx/>
+                <a:buNone/>
+                <a:tabLst/>
+              </a:pPr>
+              <a:endParaRPr kumimoji="0" lang="de-DE" sz="1200" b="0" i="0" u="none" strike="noStrike" cap="none" normalizeH="0" baseline="0" dirty="0" err="1" smtClean="0">
+                <a:ln>
+                  <a:noFill/>
+                </a:ln>
+                <a:solidFill>
+                  <a:schemeClr val="bg1"/>
+                </a:solidFill>
+                <a:effectLst/>
+                <a:latin typeface="Open Sans" panose="020B0606030504020204" pitchFamily="34" charset="0"/>
+                <a:ea typeface="Open Sans" panose="020B0606030504020204" pitchFamily="34" charset="0"/>
+                <a:cs typeface="Open Sans" panose="020B0606030504020204" pitchFamily="34" charset="0"/>
+              </a:endParaRPr>
+            </a:p>
+          </p:txBody>
+        </p:sp>
+        <p:sp>
+          <p:nvSpPr>
+            <p:cNvPr id="86" name="Rechteck 85"/>
+            <p:cNvSpPr/>
+            <p:nvPr/>
+          </p:nvSpPr>
+          <p:spPr bwMode="auto">
+            <a:xfrm>
+              <a:off x="3490244" y="5046722"/>
+              <a:ext cx="227892" cy="101917"/>
+            </a:xfrm>
+            <a:prstGeom prst="rect">
+              <a:avLst/>
+            </a:prstGeom>
+            <a:solidFill>
+              <a:srgbClr val="00B0F0"/>
+            </a:solidFill>
+            <a:ln w="12700" cap="flat" cmpd="sng" algn="ctr">
+              <a:solidFill>
+                <a:schemeClr val="bg1">
+                  <a:lumMod val="50000"/>
+                </a:schemeClr>
+              </a:solidFill>
+              <a:prstDash val="solid"/>
+              <a:round/>
+              <a:headEnd type="none" w="med" len="med"/>
+              <a:tailEnd type="none" w="med" len="med"/>
+            </a:ln>
+            <a:effectLst/>
+          </p:spPr>
+          <p:txBody>
+            <a:bodyPr rot="0" spcFirstLastPara="0" vertOverflow="overflow" horzOverflow="overflow" vert="horz" wrap="square" lIns="91440" tIns="45720" rIns="91440" bIns="45720" numCol="1" spcCol="0" rtlCol="0" fromWordArt="0" anchor="ctr" anchorCtr="0" forceAA="0" compatLnSpc="1">
+              <a:prstTxWarp prst="textNoShape">
+                <a:avLst/>
+              </a:prstTxWarp>
+              <a:noAutofit/>
+            </a:bodyPr>
+            <a:lstStyle/>
+            <a:p>
+              <a:pPr marL="0" marR="0" indent="0" algn="ctr" defTabSz="914400" rtl="0" eaLnBrk="1" fontAlgn="base" latinLnBrk="0" hangingPunct="1">
+                <a:lnSpc>
+                  <a:spcPct val="100000"/>
+                </a:lnSpc>
+                <a:spcBef>
+                  <a:spcPct val="0"/>
+                </a:spcBef>
+                <a:spcAft>
+                  <a:spcPts val="600"/>
+                </a:spcAft>
+                <a:buClrTx/>
+                <a:buSzTx/>
+                <a:buFontTx/>
+                <a:buNone/>
+                <a:tabLst/>
+              </a:pPr>
+              <a:endParaRPr kumimoji="0" lang="de-DE" sz="1200" b="0" i="0" u="none" strike="noStrike" cap="none" normalizeH="0" baseline="0" dirty="0" err="1" smtClean="0">
+                <a:ln>
+                  <a:noFill/>
+                </a:ln>
+                <a:solidFill>
+                  <a:schemeClr val="bg1"/>
+                </a:solidFill>
+                <a:effectLst/>
+                <a:latin typeface="Open Sans" panose="020B0606030504020204" pitchFamily="34" charset="0"/>
+                <a:ea typeface="Open Sans" panose="020B0606030504020204" pitchFamily="34" charset="0"/>
+                <a:cs typeface="Open Sans" panose="020B0606030504020204" pitchFamily="34" charset="0"/>
+              </a:endParaRPr>
+            </a:p>
+          </p:txBody>
+        </p:sp>
+        <p:sp>
+          <p:nvSpPr>
+            <p:cNvPr id="87" name="Rechteck 86"/>
+            <p:cNvSpPr/>
+            <p:nvPr/>
+          </p:nvSpPr>
+          <p:spPr bwMode="auto">
+            <a:xfrm>
+              <a:off x="3823437" y="5046721"/>
+              <a:ext cx="227892" cy="101917"/>
+            </a:xfrm>
+            <a:prstGeom prst="rect">
+              <a:avLst/>
+            </a:prstGeom>
+            <a:solidFill>
+              <a:srgbClr val="00B0F0"/>
+            </a:solidFill>
+            <a:ln w="12700" cap="flat" cmpd="sng" algn="ctr">
+              <a:solidFill>
+                <a:schemeClr val="bg1">
+                  <a:lumMod val="50000"/>
+                </a:schemeClr>
+              </a:solidFill>
+              <a:prstDash val="solid"/>
+              <a:round/>
+              <a:headEnd type="none" w="med" len="med"/>
+              <a:tailEnd type="none" w="med" len="med"/>
+            </a:ln>
+            <a:effectLst/>
+          </p:spPr>
+          <p:txBody>
+            <a:bodyPr rot="0" spcFirstLastPara="0" vertOverflow="overflow" horzOverflow="overflow" vert="horz" wrap="square" lIns="91440" tIns="45720" rIns="91440" bIns="45720" numCol="1" spcCol="0" rtlCol="0" fromWordArt="0" anchor="ctr" anchorCtr="0" forceAA="0" compatLnSpc="1">
+              <a:prstTxWarp prst="textNoShape">
+                <a:avLst/>
+              </a:prstTxWarp>
+              <a:noAutofit/>
+            </a:bodyPr>
+            <a:lstStyle/>
+            <a:p>
+              <a:pPr marL="0" marR="0" indent="0" algn="ctr" defTabSz="914400" rtl="0" eaLnBrk="1" fontAlgn="base" latinLnBrk="0" hangingPunct="1">
+                <a:lnSpc>
+                  <a:spcPct val="100000"/>
+                </a:lnSpc>
+                <a:spcBef>
+                  <a:spcPct val="0"/>
+                </a:spcBef>
+                <a:spcAft>
+                  <a:spcPts val="600"/>
+                </a:spcAft>
+                <a:buClrTx/>
+                <a:buSzTx/>
+                <a:buFontTx/>
+                <a:buNone/>
+                <a:tabLst/>
+              </a:pPr>
+              <a:endParaRPr kumimoji="0" lang="de-DE" sz="1200" b="0" i="0" u="none" strike="noStrike" cap="none" normalizeH="0" baseline="0" dirty="0" err="1" smtClean="0">
+                <a:ln>
+                  <a:noFill/>
+                </a:ln>
+                <a:solidFill>
+                  <a:schemeClr val="bg1"/>
+                </a:solidFill>
+                <a:effectLst/>
+                <a:latin typeface="Open Sans" panose="020B0606030504020204" pitchFamily="34" charset="0"/>
+                <a:ea typeface="Open Sans" panose="020B0606030504020204" pitchFamily="34" charset="0"/>
+                <a:cs typeface="Open Sans" panose="020B0606030504020204" pitchFamily="34" charset="0"/>
+              </a:endParaRPr>
+            </a:p>
+          </p:txBody>
+        </p:sp>
+      </p:grpSp>
+      <p:grpSp>
+        <p:nvGrpSpPr>
+          <p:cNvPr id="15" name="Gruppieren 14"/>
+          <p:cNvGrpSpPr/>
+          <p:nvPr/>
+        </p:nvGrpSpPr>
+        <p:grpSpPr>
+          <a:xfrm>
+            <a:off x="6465746" y="2385202"/>
+            <a:ext cx="1444618" cy="807235"/>
+            <a:chOff x="785758" y="4641536"/>
+            <a:chExt cx="723176" cy="389402"/>
+          </a:xfrm>
+        </p:grpSpPr>
+        <p:sp>
+          <p:nvSpPr>
+            <p:cNvPr id="14" name="Rechteck 13"/>
+            <p:cNvSpPr/>
+            <p:nvPr/>
+          </p:nvSpPr>
+          <p:spPr bwMode="auto">
+            <a:xfrm>
+              <a:off x="785758" y="4641536"/>
+              <a:ext cx="723176" cy="389402"/>
+            </a:xfrm>
+            <a:prstGeom prst="rect">
+              <a:avLst/>
+            </a:prstGeom>
+            <a:noFill/>
+            <a:ln w="12700" cap="flat" cmpd="sng" algn="ctr">
+              <a:solidFill>
+                <a:schemeClr val="bg1">
+                  <a:lumMod val="50000"/>
+                </a:schemeClr>
+              </a:solidFill>
+              <a:prstDash val="solid"/>
+              <a:round/>
+              <a:headEnd type="none" w="med" len="med"/>
+              <a:tailEnd type="none" w="med" len="med"/>
+            </a:ln>
+            <a:effectLst/>
+          </p:spPr>
+          <p:txBody>
+            <a:bodyPr rot="0" spcFirstLastPara="0" vertOverflow="overflow" horzOverflow="overflow" vert="horz" wrap="square" lIns="91440" tIns="45720" rIns="91440" bIns="45720" numCol="1" spcCol="0" rtlCol="0" fromWordArt="0" anchor="ctr" anchorCtr="0" forceAA="0" compatLnSpc="1">
+              <a:prstTxWarp prst="textNoShape">
+                <a:avLst/>
+              </a:prstTxWarp>
+              <a:noAutofit/>
+            </a:bodyPr>
+            <a:lstStyle/>
+            <a:p>
+              <a:pPr marL="0" marR="0" indent="0" algn="ctr" defTabSz="914400" rtl="0" eaLnBrk="1" fontAlgn="base" latinLnBrk="0" hangingPunct="1">
+                <a:lnSpc>
+                  <a:spcPct val="100000"/>
+                </a:lnSpc>
+                <a:spcBef>
+                  <a:spcPct val="0"/>
+                </a:spcBef>
+                <a:spcAft>
+                  <a:spcPts val="600"/>
+                </a:spcAft>
+                <a:buClrTx/>
+                <a:buSzTx/>
+                <a:buFontTx/>
+                <a:buNone/>
+                <a:tabLst/>
+              </a:pPr>
+              <a:endParaRPr kumimoji="0" lang="de-DE" sz="1200" b="0" i="0" u="none" strike="noStrike" cap="none" normalizeH="0" baseline="0" dirty="0" err="1" smtClean="0">
+                <a:ln>
+                  <a:noFill/>
+                </a:ln>
+                <a:solidFill>
+                  <a:schemeClr val="bg1"/>
+                </a:solidFill>
+                <a:effectLst/>
+                <a:latin typeface="Open Sans" panose="020B0606030504020204" pitchFamily="34" charset="0"/>
+                <a:ea typeface="Open Sans" panose="020B0606030504020204" pitchFamily="34" charset="0"/>
+                <a:cs typeface="Open Sans" panose="020B0606030504020204" pitchFamily="34" charset="0"/>
+              </a:endParaRPr>
+            </a:p>
+          </p:txBody>
+        </p:sp>
+        <p:sp>
+          <p:nvSpPr>
+            <p:cNvPr id="8" name="Rechteck 7"/>
+            <p:cNvSpPr/>
+            <p:nvPr/>
+          </p:nvSpPr>
+          <p:spPr bwMode="auto">
+            <a:xfrm>
+              <a:off x="869811" y="4715757"/>
+              <a:ext cx="227892" cy="101917"/>
+            </a:xfrm>
+            <a:prstGeom prst="rect">
+              <a:avLst/>
+            </a:prstGeom>
+            <a:solidFill>
+              <a:srgbClr val="00B0F0"/>
+            </a:solidFill>
+            <a:ln w="12700" cap="flat" cmpd="sng" algn="ctr">
+              <a:solidFill>
+                <a:schemeClr val="bg1">
+                  <a:lumMod val="50000"/>
+                </a:schemeClr>
+              </a:solidFill>
+              <a:prstDash val="solid"/>
+              <a:round/>
+              <a:headEnd type="none" w="med" len="med"/>
+              <a:tailEnd type="none" w="med" len="med"/>
+            </a:ln>
+            <a:effectLst/>
+          </p:spPr>
+          <p:txBody>
+            <a:bodyPr rot="0" spcFirstLastPara="0" vertOverflow="overflow" horzOverflow="overflow" vert="horz" wrap="square" lIns="91440" tIns="45720" rIns="91440" bIns="45720" numCol="1" spcCol="0" rtlCol="0" fromWordArt="0" anchor="ctr" anchorCtr="0" forceAA="0" compatLnSpc="1">
+              <a:prstTxWarp prst="textNoShape">
+                <a:avLst/>
+              </a:prstTxWarp>
+              <a:noAutofit/>
+            </a:bodyPr>
+            <a:lstStyle/>
+            <a:p>
+              <a:pPr marL="0" marR="0" indent="0" algn="ctr" defTabSz="914400" rtl="0" eaLnBrk="1" fontAlgn="base" latinLnBrk="0" hangingPunct="1">
+                <a:lnSpc>
+                  <a:spcPct val="100000"/>
+                </a:lnSpc>
+                <a:spcBef>
+                  <a:spcPct val="0"/>
+                </a:spcBef>
+                <a:spcAft>
+                  <a:spcPts val="600"/>
+                </a:spcAft>
+                <a:buClrTx/>
+                <a:buSzTx/>
+                <a:buFontTx/>
+                <a:buNone/>
+                <a:tabLst/>
+              </a:pPr>
+              <a:endParaRPr kumimoji="0" lang="de-DE" sz="1200" b="0" i="0" u="none" strike="noStrike" cap="none" normalizeH="0" baseline="0" dirty="0" err="1" smtClean="0">
+                <a:ln>
+                  <a:noFill/>
+                </a:ln>
+                <a:solidFill>
+                  <a:schemeClr val="bg1"/>
+                </a:solidFill>
+                <a:effectLst/>
+                <a:latin typeface="Open Sans" panose="020B0606030504020204" pitchFamily="34" charset="0"/>
+                <a:ea typeface="Open Sans" panose="020B0606030504020204" pitchFamily="34" charset="0"/>
+                <a:cs typeface="Open Sans" panose="020B0606030504020204" pitchFamily="34" charset="0"/>
+              </a:endParaRPr>
+            </a:p>
+          </p:txBody>
+        </p:sp>
+        <p:sp>
+          <p:nvSpPr>
+            <p:cNvPr id="9" name="Rechteck 8"/>
+            <p:cNvSpPr/>
+            <p:nvPr/>
+          </p:nvSpPr>
+          <p:spPr bwMode="auto">
+            <a:xfrm>
+              <a:off x="1203004" y="4715756"/>
+              <a:ext cx="227892" cy="101917"/>
+            </a:xfrm>
+            <a:prstGeom prst="rect">
+              <a:avLst/>
+            </a:prstGeom>
+            <a:solidFill>
+              <a:srgbClr val="FFC000"/>
+            </a:solidFill>
+            <a:ln w="12700" cap="flat" cmpd="sng" algn="ctr">
+              <a:solidFill>
+                <a:schemeClr val="bg1">
+                  <a:lumMod val="50000"/>
+                </a:schemeClr>
+              </a:solidFill>
+              <a:prstDash val="solid"/>
+              <a:round/>
+              <a:headEnd type="none" w="med" len="med"/>
+              <a:tailEnd type="none" w="med" len="med"/>
+            </a:ln>
+            <a:effectLst/>
+          </p:spPr>
+          <p:txBody>
+            <a:bodyPr rot="0" spcFirstLastPara="0" vertOverflow="overflow" horzOverflow="overflow" vert="horz" wrap="square" lIns="91440" tIns="45720" rIns="91440" bIns="45720" numCol="1" spcCol="0" rtlCol="0" fromWordArt="0" anchor="ctr" anchorCtr="0" forceAA="0" compatLnSpc="1">
+              <a:prstTxWarp prst="textNoShape">
+                <a:avLst/>
+              </a:prstTxWarp>
+              <a:noAutofit/>
+            </a:bodyPr>
+            <a:lstStyle/>
+            <a:p>
+              <a:pPr marL="0" marR="0" indent="0" algn="ctr" defTabSz="914400" rtl="0" eaLnBrk="1" fontAlgn="base" latinLnBrk="0" hangingPunct="1">
+                <a:lnSpc>
+                  <a:spcPct val="100000"/>
+                </a:lnSpc>
+                <a:spcBef>
+                  <a:spcPct val="0"/>
+                </a:spcBef>
+                <a:spcAft>
+                  <a:spcPts val="600"/>
+                </a:spcAft>
+                <a:buClrTx/>
+                <a:buSzTx/>
+                <a:buFontTx/>
+                <a:buNone/>
+                <a:tabLst/>
+              </a:pPr>
+              <a:endParaRPr kumimoji="0" lang="de-DE" sz="1200" b="0" i="0" u="none" strike="noStrike" cap="none" normalizeH="0" baseline="0" dirty="0" err="1" smtClean="0">
+                <a:ln>
+                  <a:noFill/>
+                </a:ln>
+                <a:solidFill>
+                  <a:schemeClr val="bg1"/>
+                </a:solidFill>
+                <a:effectLst/>
+                <a:latin typeface="Open Sans" panose="020B0606030504020204" pitchFamily="34" charset="0"/>
+                <a:ea typeface="Open Sans" panose="020B0606030504020204" pitchFamily="34" charset="0"/>
+                <a:cs typeface="Open Sans" panose="020B0606030504020204" pitchFamily="34" charset="0"/>
+              </a:endParaRPr>
+            </a:p>
+          </p:txBody>
+        </p:sp>
+        <p:sp>
+          <p:nvSpPr>
+            <p:cNvPr id="10" name="Rechteck 9"/>
+            <p:cNvSpPr/>
+            <p:nvPr/>
+          </p:nvSpPr>
+          <p:spPr bwMode="auto">
+            <a:xfrm>
+              <a:off x="1022211" y="4868157"/>
+              <a:ext cx="227892" cy="101917"/>
+            </a:xfrm>
+            <a:prstGeom prst="rect">
+              <a:avLst/>
+            </a:prstGeom>
+            <a:solidFill>
+              <a:srgbClr val="00B0F0"/>
+            </a:solidFill>
+            <a:ln w="12700" cap="flat" cmpd="sng" algn="ctr">
+              <a:solidFill>
+                <a:schemeClr val="bg1">
+                  <a:lumMod val="50000"/>
+                </a:schemeClr>
+              </a:solidFill>
+              <a:prstDash val="solid"/>
+              <a:round/>
+              <a:headEnd type="none" w="med" len="med"/>
+              <a:tailEnd type="none" w="med" len="med"/>
+            </a:ln>
+            <a:effectLst/>
+          </p:spPr>
+          <p:txBody>
+            <a:bodyPr rot="0" spcFirstLastPara="0" vertOverflow="overflow" horzOverflow="overflow" vert="horz" wrap="square" lIns="91440" tIns="45720" rIns="91440" bIns="45720" numCol="1" spcCol="0" rtlCol="0" fromWordArt="0" anchor="ctr" anchorCtr="0" forceAA="0" compatLnSpc="1">
+              <a:prstTxWarp prst="textNoShape">
+                <a:avLst/>
+              </a:prstTxWarp>
+              <a:noAutofit/>
+            </a:bodyPr>
+            <a:lstStyle/>
+            <a:p>
+              <a:pPr marL="0" marR="0" indent="0" algn="ctr" defTabSz="914400" rtl="0" eaLnBrk="1" fontAlgn="base" latinLnBrk="0" hangingPunct="1">
+                <a:lnSpc>
+                  <a:spcPct val="100000"/>
+                </a:lnSpc>
+                <a:spcBef>
+                  <a:spcPct val="0"/>
+                </a:spcBef>
+                <a:spcAft>
+                  <a:spcPts val="600"/>
+                </a:spcAft>
+                <a:buClrTx/>
+                <a:buSzTx/>
+                <a:buFontTx/>
+                <a:buNone/>
+                <a:tabLst/>
+              </a:pPr>
+              <a:endParaRPr kumimoji="0" lang="de-DE" sz="1200" b="0" i="0" u="none" strike="noStrike" cap="none" normalizeH="0" baseline="0" dirty="0" err="1" smtClean="0">
+                <a:ln>
+                  <a:noFill/>
+                </a:ln>
+                <a:solidFill>
+                  <a:schemeClr val="bg1"/>
+                </a:solidFill>
+                <a:effectLst/>
+                <a:latin typeface="Open Sans" panose="020B0606030504020204" pitchFamily="34" charset="0"/>
+                <a:ea typeface="Open Sans" panose="020B0606030504020204" pitchFamily="34" charset="0"/>
+                <a:cs typeface="Open Sans" panose="020B0606030504020204" pitchFamily="34" charset="0"/>
+              </a:endParaRPr>
+            </a:p>
+          </p:txBody>
+        </p:sp>
+      </p:grpSp>
+      <p:grpSp>
+        <p:nvGrpSpPr>
+          <p:cNvPr id="16" name="Gruppieren 15"/>
+          <p:cNvGrpSpPr/>
+          <p:nvPr/>
+        </p:nvGrpSpPr>
+        <p:grpSpPr>
+          <a:xfrm>
+            <a:off x="6465746" y="3487723"/>
+            <a:ext cx="1444618" cy="807235"/>
+            <a:chOff x="785758" y="4641536"/>
+            <a:chExt cx="723176" cy="389402"/>
+          </a:xfrm>
+        </p:grpSpPr>
+        <p:sp>
+          <p:nvSpPr>
+            <p:cNvPr id="17" name="Rechteck 16"/>
+            <p:cNvSpPr/>
+            <p:nvPr/>
+          </p:nvSpPr>
+          <p:spPr bwMode="auto">
+            <a:xfrm>
+              <a:off x="785758" y="4641536"/>
+              <a:ext cx="723176" cy="389402"/>
+            </a:xfrm>
+            <a:prstGeom prst="rect">
+              <a:avLst/>
+            </a:prstGeom>
+            <a:noFill/>
+            <a:ln w="12700" cap="flat" cmpd="sng" algn="ctr">
+              <a:solidFill>
+                <a:schemeClr val="bg1">
+                  <a:lumMod val="50000"/>
+                </a:schemeClr>
+              </a:solidFill>
+              <a:prstDash val="solid"/>
+              <a:round/>
+              <a:headEnd type="none" w="med" len="med"/>
+              <a:tailEnd type="none" w="med" len="med"/>
+            </a:ln>
+            <a:effectLst/>
+          </p:spPr>
+          <p:txBody>
+            <a:bodyPr rot="0" spcFirstLastPara="0" vertOverflow="overflow" horzOverflow="overflow" vert="horz" wrap="square" lIns="91440" tIns="45720" rIns="91440" bIns="45720" numCol="1" spcCol="0" rtlCol="0" fromWordArt="0" anchor="ctr" anchorCtr="0" forceAA="0" compatLnSpc="1">
+              <a:prstTxWarp prst="textNoShape">
+                <a:avLst/>
+              </a:prstTxWarp>
+              <a:noAutofit/>
+            </a:bodyPr>
+            <a:lstStyle/>
+            <a:p>
+              <a:pPr marL="0" marR="0" indent="0" algn="ctr" defTabSz="914400" rtl="0" eaLnBrk="1" fontAlgn="base" latinLnBrk="0" hangingPunct="1">
+                <a:lnSpc>
+                  <a:spcPct val="100000"/>
+                </a:lnSpc>
+                <a:spcBef>
+                  <a:spcPct val="0"/>
+                </a:spcBef>
+                <a:spcAft>
+                  <a:spcPts val="600"/>
+                </a:spcAft>
+                <a:buClrTx/>
+                <a:buSzTx/>
+                <a:buFontTx/>
+                <a:buNone/>
+                <a:tabLst/>
+              </a:pPr>
+              <a:endParaRPr kumimoji="0" lang="de-DE" sz="1200" b="0" i="0" u="none" strike="noStrike" cap="none" normalizeH="0" baseline="0" dirty="0" err="1" smtClean="0">
+                <a:ln>
+                  <a:noFill/>
+                </a:ln>
+                <a:solidFill>
+                  <a:schemeClr val="bg1"/>
+                </a:solidFill>
+                <a:effectLst/>
+                <a:latin typeface="Open Sans" panose="020B0606030504020204" pitchFamily="34" charset="0"/>
+                <a:ea typeface="Open Sans" panose="020B0606030504020204" pitchFamily="34" charset="0"/>
+                <a:cs typeface="Open Sans" panose="020B0606030504020204" pitchFamily="34" charset="0"/>
+              </a:endParaRPr>
+            </a:p>
+          </p:txBody>
+        </p:sp>
+        <p:sp>
+          <p:nvSpPr>
+            <p:cNvPr id="18" name="Rechteck 17"/>
+            <p:cNvSpPr/>
+            <p:nvPr/>
+          </p:nvSpPr>
+          <p:spPr bwMode="auto">
+            <a:xfrm>
+              <a:off x="869811" y="4715757"/>
+              <a:ext cx="227892" cy="101917"/>
+            </a:xfrm>
+            <a:prstGeom prst="rect">
+              <a:avLst/>
+            </a:prstGeom>
+            <a:solidFill>
+              <a:srgbClr val="FFC000"/>
+            </a:solidFill>
+            <a:ln w="12700" cap="flat" cmpd="sng" algn="ctr">
+              <a:solidFill>
+                <a:schemeClr val="bg1">
+                  <a:lumMod val="50000"/>
+                </a:schemeClr>
+              </a:solidFill>
+              <a:prstDash val="solid"/>
+              <a:round/>
+              <a:headEnd type="none" w="med" len="med"/>
+              <a:tailEnd type="none" w="med" len="med"/>
+            </a:ln>
+            <a:effectLst/>
+          </p:spPr>
+          <p:txBody>
+            <a:bodyPr rot="0" spcFirstLastPara="0" vertOverflow="overflow" horzOverflow="overflow" vert="horz" wrap="square" lIns="91440" tIns="45720" rIns="91440" bIns="45720" numCol="1" spcCol="0" rtlCol="0" fromWordArt="0" anchor="ctr" anchorCtr="0" forceAA="0" compatLnSpc="1">
+              <a:prstTxWarp prst="textNoShape">
+                <a:avLst/>
+              </a:prstTxWarp>
+              <a:noAutofit/>
+            </a:bodyPr>
+            <a:lstStyle/>
+            <a:p>
+              <a:pPr marL="0" marR="0" indent="0" algn="ctr" defTabSz="914400" rtl="0" eaLnBrk="1" fontAlgn="base" latinLnBrk="0" hangingPunct="1">
+                <a:lnSpc>
+                  <a:spcPct val="100000"/>
+                </a:lnSpc>
+                <a:spcBef>
+                  <a:spcPct val="0"/>
+                </a:spcBef>
+                <a:spcAft>
+                  <a:spcPts val="600"/>
+                </a:spcAft>
+                <a:buClrTx/>
+                <a:buSzTx/>
+                <a:buFontTx/>
+                <a:buNone/>
+                <a:tabLst/>
+              </a:pPr>
+              <a:endParaRPr kumimoji="0" lang="de-DE" sz="1200" b="0" i="0" u="none" strike="noStrike" cap="none" normalizeH="0" baseline="0" dirty="0" err="1" smtClean="0">
+                <a:ln>
+                  <a:noFill/>
+                </a:ln>
+                <a:solidFill>
+                  <a:schemeClr val="bg1"/>
+                </a:solidFill>
+                <a:effectLst/>
+                <a:latin typeface="Open Sans" panose="020B0606030504020204" pitchFamily="34" charset="0"/>
+                <a:ea typeface="Open Sans" panose="020B0606030504020204" pitchFamily="34" charset="0"/>
+                <a:cs typeface="Open Sans" panose="020B0606030504020204" pitchFamily="34" charset="0"/>
+              </a:endParaRPr>
+            </a:p>
+          </p:txBody>
+        </p:sp>
+        <p:sp>
+          <p:nvSpPr>
+            <p:cNvPr id="19" name="Rechteck 18"/>
+            <p:cNvSpPr/>
+            <p:nvPr/>
+          </p:nvSpPr>
+          <p:spPr bwMode="auto">
+            <a:xfrm>
+              <a:off x="1203004" y="4715756"/>
+              <a:ext cx="227892" cy="101917"/>
+            </a:xfrm>
+            <a:prstGeom prst="rect">
+              <a:avLst/>
+            </a:prstGeom>
+            <a:solidFill>
+              <a:srgbClr val="00B0F0"/>
+            </a:solidFill>
+            <a:ln w="12700" cap="flat" cmpd="sng" algn="ctr">
+              <a:solidFill>
+                <a:schemeClr val="bg1">
+                  <a:lumMod val="50000"/>
+                </a:schemeClr>
+              </a:solidFill>
+              <a:prstDash val="solid"/>
+              <a:round/>
+              <a:headEnd type="none" w="med" len="med"/>
+              <a:tailEnd type="none" w="med" len="med"/>
+            </a:ln>
+            <a:effectLst/>
+          </p:spPr>
+          <p:txBody>
+            <a:bodyPr rot="0" spcFirstLastPara="0" vertOverflow="overflow" horzOverflow="overflow" vert="horz" wrap="square" lIns="91440" tIns="45720" rIns="91440" bIns="45720" numCol="1" spcCol="0" rtlCol="0" fromWordArt="0" anchor="ctr" anchorCtr="0" forceAA="0" compatLnSpc="1">
+              <a:prstTxWarp prst="textNoShape">
+                <a:avLst/>
+              </a:prstTxWarp>
+              <a:noAutofit/>
+            </a:bodyPr>
+            <a:lstStyle/>
+            <a:p>
+              <a:pPr marL="0" marR="0" indent="0" algn="ctr" defTabSz="914400" rtl="0" eaLnBrk="1" fontAlgn="base" latinLnBrk="0" hangingPunct="1">
+                <a:lnSpc>
+                  <a:spcPct val="100000"/>
+                </a:lnSpc>
+                <a:spcBef>
+                  <a:spcPct val="0"/>
+                </a:spcBef>
+                <a:spcAft>
+                  <a:spcPts val="600"/>
+                </a:spcAft>
+                <a:buClrTx/>
+                <a:buSzTx/>
+                <a:buFontTx/>
+                <a:buNone/>
+                <a:tabLst/>
+              </a:pPr>
+              <a:endParaRPr kumimoji="0" lang="de-DE" sz="1200" b="0" i="0" u="none" strike="noStrike" cap="none" normalizeH="0" baseline="0" dirty="0" err="1" smtClean="0">
+                <a:ln>
+                  <a:noFill/>
+                </a:ln>
+                <a:solidFill>
+                  <a:schemeClr val="bg1"/>
+                </a:solidFill>
+                <a:effectLst/>
+                <a:latin typeface="Open Sans" panose="020B0606030504020204" pitchFamily="34" charset="0"/>
+                <a:ea typeface="Open Sans" panose="020B0606030504020204" pitchFamily="34" charset="0"/>
+                <a:cs typeface="Open Sans" panose="020B0606030504020204" pitchFamily="34" charset="0"/>
+              </a:endParaRPr>
+            </a:p>
+          </p:txBody>
+        </p:sp>
+        <p:sp>
+          <p:nvSpPr>
+            <p:cNvPr id="20" name="Rechteck 19"/>
+            <p:cNvSpPr/>
+            <p:nvPr/>
+          </p:nvSpPr>
+          <p:spPr bwMode="auto">
+            <a:xfrm>
+              <a:off x="1022211" y="4868157"/>
+              <a:ext cx="227892" cy="101917"/>
+            </a:xfrm>
+            <a:prstGeom prst="rect">
+              <a:avLst/>
+            </a:prstGeom>
+            <a:solidFill>
+              <a:srgbClr val="FFC000"/>
+            </a:solidFill>
+            <a:ln w="12700" cap="flat" cmpd="sng" algn="ctr">
+              <a:solidFill>
+                <a:schemeClr val="bg1">
+                  <a:lumMod val="50000"/>
+                </a:schemeClr>
+              </a:solidFill>
+              <a:prstDash val="solid"/>
+              <a:round/>
+              <a:headEnd type="none" w="med" len="med"/>
+              <a:tailEnd type="none" w="med" len="med"/>
+            </a:ln>
+            <a:effectLst/>
+          </p:spPr>
+          <p:txBody>
+            <a:bodyPr rot="0" spcFirstLastPara="0" vertOverflow="overflow" horzOverflow="overflow" vert="horz" wrap="square" lIns="91440" tIns="45720" rIns="91440" bIns="45720" numCol="1" spcCol="0" rtlCol="0" fromWordArt="0" anchor="ctr" anchorCtr="0" forceAA="0" compatLnSpc="1">
+              <a:prstTxWarp prst="textNoShape">
+                <a:avLst/>
+              </a:prstTxWarp>
+              <a:noAutofit/>
+            </a:bodyPr>
+            <a:lstStyle/>
+            <a:p>
+              <a:pPr marL="0" marR="0" indent="0" algn="ctr" defTabSz="914400" rtl="0" eaLnBrk="1" fontAlgn="base" latinLnBrk="0" hangingPunct="1">
+                <a:lnSpc>
+                  <a:spcPct val="100000"/>
+                </a:lnSpc>
+                <a:spcBef>
+                  <a:spcPct val="0"/>
+                </a:spcBef>
+                <a:spcAft>
+                  <a:spcPts val="600"/>
+                </a:spcAft>
+                <a:buClrTx/>
+                <a:buSzTx/>
+                <a:buFontTx/>
+                <a:buNone/>
+                <a:tabLst/>
+              </a:pPr>
+              <a:endParaRPr kumimoji="0" lang="de-DE" sz="1200" b="0" i="0" u="none" strike="noStrike" cap="none" normalizeH="0" baseline="0" dirty="0" err="1" smtClean="0">
+                <a:ln>
+                  <a:noFill/>
+                </a:ln>
+                <a:solidFill>
+                  <a:schemeClr val="bg1"/>
+                </a:solidFill>
+                <a:effectLst/>
+                <a:latin typeface="Open Sans" panose="020B0606030504020204" pitchFamily="34" charset="0"/>
+                <a:ea typeface="Open Sans" panose="020B0606030504020204" pitchFamily="34" charset="0"/>
+                <a:cs typeface="Open Sans" panose="020B0606030504020204" pitchFamily="34" charset="0"/>
+              </a:endParaRPr>
+            </a:p>
+          </p:txBody>
+        </p:sp>
+      </p:grpSp>
+      <p:cxnSp>
+        <p:nvCxnSpPr>
+          <p:cNvPr id="139" name="Gerade Verbindung mit Pfeil 138"/>
+          <p:cNvCxnSpPr>
+            <a:stCxn id="74" idx="3"/>
+          </p:cNvCxnSpPr>
+          <p:nvPr/>
+        </p:nvCxnSpPr>
+        <p:spPr bwMode="auto">
+          <a:xfrm>
+            <a:off x="2617221" y="2643332"/>
+            <a:ext cx="928899" cy="1368"/>
+          </a:xfrm>
+          <a:prstGeom prst="straightConnector1">
+            <a:avLst/>
+          </a:prstGeom>
+          <a:solidFill>
+            <a:schemeClr val="accent1"/>
+          </a:solidFill>
+          <a:ln w="12700" cap="flat" cmpd="sng" algn="ctr">
+            <a:solidFill>
+              <a:schemeClr val="tx1"/>
+            </a:solidFill>
+            <a:prstDash val="solid"/>
+            <a:round/>
+            <a:headEnd type="none" w="med" len="med"/>
+            <a:tailEnd type="triangle" w="sm" len="sm"/>
+          </a:ln>
+          <a:effectLst/>
+        </p:spPr>
+      </p:cxnSp>
+      <p:cxnSp>
+        <p:nvCxnSpPr>
+          <p:cNvPr id="142" name="Gerade Verbindung mit Pfeil 141"/>
+          <p:cNvCxnSpPr>
+            <a:stCxn id="74" idx="3"/>
+            <a:endCxn id="126" idx="1"/>
+          </p:cNvCxnSpPr>
+          <p:nvPr/>
+        </p:nvCxnSpPr>
+        <p:spPr bwMode="auto">
+          <a:xfrm>
+            <a:off x="2617221" y="2643332"/>
+            <a:ext cx="928899" cy="314267"/>
+          </a:xfrm>
+          <a:prstGeom prst="straightConnector1">
+            <a:avLst/>
+          </a:prstGeom>
+          <a:solidFill>
+            <a:schemeClr val="accent1"/>
+          </a:solidFill>
+          <a:ln w="12700" cap="flat" cmpd="sng" algn="ctr">
+            <a:solidFill>
+              <a:schemeClr val="tx1"/>
+            </a:solidFill>
+            <a:prstDash val="solid"/>
+            <a:round/>
+            <a:headEnd type="none" w="med" len="med"/>
+            <a:tailEnd type="triangle" w="sm" len="sm"/>
+          </a:ln>
+          <a:effectLst/>
+        </p:spPr>
+      </p:cxnSp>
+      <p:cxnSp>
+        <p:nvCxnSpPr>
+          <p:cNvPr id="145" name="Gerade Verbindung mit Pfeil 144"/>
+          <p:cNvCxnSpPr>
+            <a:stCxn id="73" idx="0"/>
+            <a:endCxn id="125" idx="0"/>
+          </p:cNvCxnSpPr>
+          <p:nvPr/>
+        </p:nvCxnSpPr>
+        <p:spPr bwMode="auto">
+          <a:xfrm rot="5400000" flipH="1" flipV="1">
+            <a:off x="3081671" y="1210434"/>
+            <a:ext cx="1" cy="2655636"/>
+          </a:xfrm>
+          <a:prstGeom prst="curvedConnector3">
+            <a:avLst>
+              <a:gd name="adj1" fmla="val 22860100000"/>
+            </a:avLst>
+          </a:prstGeom>
+          <a:solidFill>
+            <a:schemeClr val="accent1"/>
+          </a:solidFill>
+          <a:ln w="12700" cap="flat" cmpd="sng" algn="ctr">
+            <a:solidFill>
+              <a:schemeClr val="tx1"/>
+            </a:solidFill>
+            <a:prstDash val="solid"/>
+            <a:round/>
+            <a:headEnd type="none" w="med" len="med"/>
+            <a:tailEnd type="triangle" w="sm" len="sm"/>
+          </a:ln>
+          <a:effectLst/>
+        </p:spPr>
+      </p:cxnSp>
+      <p:cxnSp>
+        <p:nvCxnSpPr>
+          <p:cNvPr id="158" name="Gerade Verbindung mit Pfeil 144"/>
+          <p:cNvCxnSpPr>
+            <a:stCxn id="75" idx="3"/>
+            <a:endCxn id="137" idx="2"/>
+          </p:cNvCxnSpPr>
+          <p:nvPr/>
+        </p:nvCxnSpPr>
+        <p:spPr bwMode="auto">
+          <a:xfrm>
+            <a:off x="2268133" y="2957598"/>
+            <a:ext cx="2149103" cy="105082"/>
+          </a:xfrm>
+          <a:prstGeom prst="curvedConnector4">
+            <a:avLst>
+              <a:gd name="adj1" fmla="val 38624"/>
+              <a:gd name="adj2" fmla="val 317544"/>
+            </a:avLst>
+          </a:prstGeom>
+          <a:solidFill>
+            <a:schemeClr val="accent1"/>
+          </a:solidFill>
+          <a:ln w="12700" cap="flat" cmpd="sng" algn="ctr">
+            <a:solidFill>
+              <a:schemeClr val="tx1"/>
+            </a:solidFill>
+            <a:prstDash val="solid"/>
+            <a:round/>
+            <a:headEnd type="none" w="med" len="med"/>
+            <a:tailEnd type="triangle" w="sm" len="sm"/>
+          </a:ln>
+          <a:effectLst/>
+        </p:spPr>
+      </p:cxnSp>
+      <p:cxnSp>
+        <p:nvCxnSpPr>
+          <p:cNvPr id="163" name="Gerade Verbindung mit Pfeil 162"/>
+          <p:cNvCxnSpPr>
+            <a:stCxn id="79" idx="3"/>
+            <a:endCxn id="129" idx="1"/>
+          </p:cNvCxnSpPr>
+          <p:nvPr/>
+        </p:nvCxnSpPr>
+        <p:spPr bwMode="auto">
+          <a:xfrm>
+            <a:off x="2617220" y="3747219"/>
+            <a:ext cx="928901" cy="2887"/>
+          </a:xfrm>
+          <a:prstGeom prst="straightConnector1">
+            <a:avLst/>
+          </a:prstGeom>
+          <a:solidFill>
+            <a:schemeClr val="accent1"/>
+          </a:solidFill>
+          <a:ln w="12700" cap="flat" cmpd="sng" algn="ctr">
+            <a:solidFill>
+              <a:schemeClr val="tx1"/>
+            </a:solidFill>
+            <a:prstDash val="solid"/>
+            <a:round/>
+            <a:headEnd type="none" w="med" len="med"/>
+            <a:tailEnd type="triangle" w="sm" len="sm"/>
+          </a:ln>
+          <a:effectLst/>
+        </p:spPr>
+      </p:cxnSp>
+      <p:cxnSp>
+        <p:nvCxnSpPr>
+          <p:cNvPr id="166" name="Gerade Verbindung mit Pfeil 165"/>
+          <p:cNvCxnSpPr>
+            <a:stCxn id="80" idx="3"/>
+            <a:endCxn id="131" idx="1"/>
+          </p:cNvCxnSpPr>
+          <p:nvPr/>
+        </p:nvCxnSpPr>
+        <p:spPr bwMode="auto">
+          <a:xfrm>
+            <a:off x="2268131" y="4063148"/>
+            <a:ext cx="1572255" cy="1222"/>
+          </a:xfrm>
+          <a:prstGeom prst="straightConnector1">
+            <a:avLst/>
+          </a:prstGeom>
+          <a:solidFill>
+            <a:schemeClr val="accent1"/>
+          </a:solidFill>
+          <a:ln w="12700" cap="flat" cmpd="sng" algn="ctr">
+            <a:solidFill>
+              <a:schemeClr val="tx1"/>
+            </a:solidFill>
+            <a:prstDash val="solid"/>
+            <a:round/>
+            <a:headEnd type="none" w="med" len="med"/>
+            <a:tailEnd type="triangle" w="sm" len="sm"/>
+          </a:ln>
+          <a:effectLst/>
+        </p:spPr>
+      </p:cxnSp>
+      <p:cxnSp>
+        <p:nvCxnSpPr>
+          <p:cNvPr id="169" name="Gerade Verbindung mit Pfeil 168"/>
+          <p:cNvCxnSpPr>
+            <a:stCxn id="84" idx="3"/>
+            <a:endCxn id="134" idx="1"/>
+          </p:cNvCxnSpPr>
+          <p:nvPr/>
+        </p:nvCxnSpPr>
+        <p:spPr bwMode="auto">
+          <a:xfrm>
+            <a:off x="2617220" y="4848499"/>
+            <a:ext cx="928902" cy="27384"/>
+          </a:xfrm>
+          <a:prstGeom prst="straightConnector1">
+            <a:avLst/>
+          </a:prstGeom>
+          <a:solidFill>
+            <a:schemeClr val="accent1"/>
+          </a:solidFill>
+          <a:ln w="12700" cap="flat" cmpd="sng" algn="ctr">
+            <a:solidFill>
+              <a:schemeClr val="tx1"/>
+            </a:solidFill>
+            <a:prstDash val="solid"/>
+            <a:round/>
+            <a:headEnd type="none" w="med" len="med"/>
+            <a:tailEnd type="triangle" w="sm" len="sm"/>
+          </a:ln>
+          <a:effectLst/>
+        </p:spPr>
+      </p:cxnSp>
+      <p:cxnSp>
+        <p:nvCxnSpPr>
+          <p:cNvPr id="172" name="Gerade Verbindung mit Pfeil 171"/>
+          <p:cNvCxnSpPr>
+            <a:stCxn id="85" idx="3"/>
+            <a:endCxn id="136" idx="1"/>
+          </p:cNvCxnSpPr>
+          <p:nvPr/>
+        </p:nvCxnSpPr>
+        <p:spPr bwMode="auto">
+          <a:xfrm>
+            <a:off x="2268131" y="5164427"/>
+            <a:ext cx="1572256" cy="27383"/>
+          </a:xfrm>
+          <a:prstGeom prst="straightConnector1">
+            <a:avLst/>
+          </a:prstGeom>
+          <a:solidFill>
+            <a:schemeClr val="accent1"/>
+          </a:solidFill>
+          <a:ln w="12700" cap="flat" cmpd="sng" algn="ctr">
+            <a:solidFill>
+              <a:schemeClr val="tx1"/>
+            </a:solidFill>
+            <a:prstDash val="solid"/>
+            <a:round/>
+            <a:headEnd type="none" w="med" len="med"/>
+            <a:tailEnd type="triangle" w="sm" len="sm"/>
+          </a:ln>
+          <a:effectLst/>
+        </p:spPr>
+      </p:cxnSp>
+      <p:cxnSp>
+        <p:nvCxnSpPr>
+          <p:cNvPr id="175" name="Gerade Verbindung mit Pfeil 144"/>
+          <p:cNvCxnSpPr>
+            <a:stCxn id="83" idx="0"/>
+            <a:endCxn id="135" idx="0"/>
+          </p:cNvCxnSpPr>
+          <p:nvPr/>
+        </p:nvCxnSpPr>
+        <p:spPr bwMode="auto">
+          <a:xfrm rot="16200000" flipH="1">
+            <a:off x="3067981" y="3428733"/>
+            <a:ext cx="27380" cy="2655640"/>
+          </a:xfrm>
+          <a:prstGeom prst="curvedConnector3">
+            <a:avLst>
+              <a:gd name="adj1" fmla="val -834916"/>
+            </a:avLst>
+          </a:prstGeom>
+          <a:solidFill>
+            <a:schemeClr val="accent1"/>
+          </a:solidFill>
+          <a:ln w="12700" cap="flat" cmpd="sng" algn="ctr">
+            <a:solidFill>
+              <a:schemeClr val="tx1"/>
+            </a:solidFill>
+            <a:prstDash val="solid"/>
+            <a:round/>
+            <a:headEnd type="none" w="med" len="med"/>
+            <a:tailEnd type="triangle" w="sm" len="sm"/>
+          </a:ln>
+          <a:effectLst/>
+        </p:spPr>
+      </p:cxnSp>
+      <p:grpSp>
+        <p:nvGrpSpPr>
+          <p:cNvPr id="71" name="Gruppieren 70"/>
+          <p:cNvGrpSpPr/>
+          <p:nvPr/>
+        </p:nvGrpSpPr>
+        <p:grpSpPr>
+          <a:xfrm>
+            <a:off x="1371541" y="2385201"/>
+            <a:ext cx="1396361" cy="802985"/>
+            <a:chOff x="785758" y="4641536"/>
+            <a:chExt cx="723176" cy="389402"/>
+          </a:xfrm>
+        </p:grpSpPr>
+        <p:sp>
+          <p:nvSpPr>
+            <p:cNvPr id="72" name="Rechteck 71"/>
+            <p:cNvSpPr/>
+            <p:nvPr/>
+          </p:nvSpPr>
+          <p:spPr bwMode="auto">
+            <a:xfrm>
+              <a:off x="785758" y="4641536"/>
+              <a:ext cx="723176" cy="389402"/>
+            </a:xfrm>
+            <a:prstGeom prst="rect">
+              <a:avLst/>
+            </a:prstGeom>
+            <a:noFill/>
+            <a:ln w="12700" cap="flat" cmpd="sng" algn="ctr">
+              <a:solidFill>
+                <a:schemeClr val="bg1">
+                  <a:lumMod val="50000"/>
+                </a:schemeClr>
+              </a:solidFill>
+              <a:prstDash val="solid"/>
+              <a:round/>
+              <a:headEnd type="none" w="med" len="med"/>
+              <a:tailEnd type="none" w="med" len="med"/>
+            </a:ln>
+            <a:effectLst/>
+          </p:spPr>
+          <p:txBody>
+            <a:bodyPr rot="0" spcFirstLastPara="0" vertOverflow="overflow" horzOverflow="overflow" vert="horz" wrap="square" lIns="91440" tIns="45720" rIns="91440" bIns="45720" numCol="1" spcCol="0" rtlCol="0" fromWordArt="0" anchor="ctr" anchorCtr="0" forceAA="0" compatLnSpc="1">
+              <a:prstTxWarp prst="textNoShape">
+                <a:avLst/>
+              </a:prstTxWarp>
+              <a:noAutofit/>
+            </a:bodyPr>
+            <a:lstStyle/>
+            <a:p>
+              <a:pPr marL="0" marR="0" indent="0" algn="ctr" defTabSz="914400" rtl="0" eaLnBrk="1" fontAlgn="base" latinLnBrk="0" hangingPunct="1">
+                <a:lnSpc>
+                  <a:spcPct val="100000"/>
+                </a:lnSpc>
+                <a:spcBef>
+                  <a:spcPct val="0"/>
+                </a:spcBef>
+                <a:spcAft>
+                  <a:spcPts val="600"/>
+                </a:spcAft>
+                <a:buClrTx/>
+                <a:buSzTx/>
+                <a:buFontTx/>
+                <a:buNone/>
+                <a:tabLst/>
+              </a:pPr>
+              <a:endParaRPr kumimoji="0" lang="de-DE" sz="1200" b="0" i="0" u="none" strike="noStrike" cap="none" normalizeH="0" baseline="0" dirty="0" err="1" smtClean="0">
+                <a:ln>
+                  <a:noFill/>
+                </a:ln>
+                <a:solidFill>
+                  <a:schemeClr val="bg1"/>
+                </a:solidFill>
+                <a:effectLst/>
+                <a:latin typeface="Open Sans" panose="020B0606030504020204" pitchFamily="34" charset="0"/>
+                <a:ea typeface="Open Sans" panose="020B0606030504020204" pitchFamily="34" charset="0"/>
+                <a:cs typeface="Open Sans" panose="020B0606030504020204" pitchFamily="34" charset="0"/>
+              </a:endParaRPr>
+            </a:p>
+          </p:txBody>
+        </p:sp>
+        <p:sp>
+          <p:nvSpPr>
+            <p:cNvPr id="73" name="Rechteck 72"/>
+            <p:cNvSpPr/>
+            <p:nvPr/>
+          </p:nvSpPr>
+          <p:spPr bwMode="auto">
+            <a:xfrm>
+              <a:off x="869811" y="4715757"/>
+              <a:ext cx="227892" cy="101917"/>
+            </a:xfrm>
+            <a:prstGeom prst="rect">
+              <a:avLst/>
+            </a:prstGeom>
+            <a:solidFill>
+              <a:srgbClr val="00B050"/>
+            </a:solidFill>
+            <a:ln w="12700" cap="flat" cmpd="sng" algn="ctr">
+              <a:solidFill>
+                <a:schemeClr val="bg1">
+                  <a:lumMod val="50000"/>
+                </a:schemeClr>
+              </a:solidFill>
+              <a:prstDash val="solid"/>
+              <a:round/>
+              <a:headEnd type="none" w="med" len="med"/>
+              <a:tailEnd type="none" w="med" len="med"/>
+            </a:ln>
+            <a:effectLst/>
+          </p:spPr>
+          <p:txBody>
+            <a:bodyPr rot="0" spcFirstLastPara="0" vertOverflow="overflow" horzOverflow="overflow" vert="horz" wrap="square" lIns="91440" tIns="45720" rIns="91440" bIns="45720" numCol="1" spcCol="0" rtlCol="0" fromWordArt="0" anchor="ctr" anchorCtr="0" forceAA="0" compatLnSpc="1">
+              <a:prstTxWarp prst="textNoShape">
+                <a:avLst/>
+              </a:prstTxWarp>
+              <a:noAutofit/>
+            </a:bodyPr>
+            <a:lstStyle/>
+            <a:p>
+              <a:pPr marL="0" marR="0" indent="0" algn="ctr" defTabSz="914400" rtl="0" eaLnBrk="1" fontAlgn="base" latinLnBrk="0" hangingPunct="1">
+                <a:lnSpc>
+                  <a:spcPct val="100000"/>
+                </a:lnSpc>
+                <a:spcBef>
+                  <a:spcPct val="0"/>
+                </a:spcBef>
+                <a:spcAft>
+                  <a:spcPts val="600"/>
+                </a:spcAft>
+                <a:buClrTx/>
+                <a:buSzTx/>
+                <a:buFontTx/>
+                <a:buNone/>
+                <a:tabLst/>
+              </a:pPr>
+              <a:endParaRPr kumimoji="0" lang="de-DE" sz="1200" b="0" i="0" u="none" strike="noStrike" cap="none" normalizeH="0" baseline="0" dirty="0" err="1" smtClean="0">
+                <a:ln>
+                  <a:noFill/>
+                </a:ln>
+                <a:solidFill>
+                  <a:schemeClr val="bg1"/>
+                </a:solidFill>
+                <a:effectLst/>
+                <a:latin typeface="Open Sans" panose="020B0606030504020204" pitchFamily="34" charset="0"/>
+                <a:ea typeface="Open Sans" panose="020B0606030504020204" pitchFamily="34" charset="0"/>
+                <a:cs typeface="Open Sans" panose="020B0606030504020204" pitchFamily="34" charset="0"/>
+              </a:endParaRPr>
+            </a:p>
+          </p:txBody>
+        </p:sp>
+        <p:sp>
+          <p:nvSpPr>
+            <p:cNvPr id="74" name="Rechteck 73"/>
+            <p:cNvSpPr/>
+            <p:nvPr/>
+          </p:nvSpPr>
+          <p:spPr bwMode="auto">
+            <a:xfrm>
+              <a:off x="1203004" y="4715756"/>
+              <a:ext cx="227892" cy="101917"/>
+            </a:xfrm>
+            <a:prstGeom prst="rect">
+              <a:avLst/>
+            </a:prstGeom>
+            <a:solidFill>
+              <a:srgbClr val="00B050"/>
+            </a:solidFill>
+            <a:ln w="12700" cap="flat" cmpd="sng" algn="ctr">
+              <a:solidFill>
+                <a:schemeClr val="bg1">
+                  <a:lumMod val="50000"/>
+                </a:schemeClr>
+              </a:solidFill>
+              <a:prstDash val="solid"/>
+              <a:round/>
+              <a:headEnd type="none" w="med" len="med"/>
+              <a:tailEnd type="none" w="med" len="med"/>
+            </a:ln>
+            <a:effectLst/>
+          </p:spPr>
+          <p:txBody>
+            <a:bodyPr rot="0" spcFirstLastPara="0" vertOverflow="overflow" horzOverflow="overflow" vert="horz" wrap="square" lIns="91440" tIns="45720" rIns="91440" bIns="45720" numCol="1" spcCol="0" rtlCol="0" fromWordArt="0" anchor="ctr" anchorCtr="0" forceAA="0" compatLnSpc="1">
+              <a:prstTxWarp prst="textNoShape">
+                <a:avLst/>
+              </a:prstTxWarp>
+              <a:noAutofit/>
+            </a:bodyPr>
+            <a:lstStyle/>
+            <a:p>
+              <a:pPr marL="0" marR="0" indent="0" algn="ctr" defTabSz="914400" rtl="0" eaLnBrk="1" fontAlgn="base" latinLnBrk="0" hangingPunct="1">
+                <a:lnSpc>
+                  <a:spcPct val="100000"/>
+                </a:lnSpc>
+                <a:spcBef>
+                  <a:spcPct val="0"/>
+                </a:spcBef>
+                <a:spcAft>
+                  <a:spcPts val="600"/>
+                </a:spcAft>
+                <a:buClrTx/>
+                <a:buSzTx/>
+                <a:buFontTx/>
+                <a:buNone/>
+                <a:tabLst/>
+              </a:pPr>
+              <a:endParaRPr kumimoji="0" lang="de-DE" sz="1200" b="0" i="0" u="none" strike="noStrike" cap="none" normalizeH="0" baseline="0" dirty="0" err="1" smtClean="0">
+                <a:ln>
+                  <a:noFill/>
+                </a:ln>
+                <a:solidFill>
+                  <a:schemeClr val="bg1"/>
+                </a:solidFill>
+                <a:effectLst/>
+                <a:latin typeface="Open Sans" panose="020B0606030504020204" pitchFamily="34" charset="0"/>
+                <a:ea typeface="Open Sans" panose="020B0606030504020204" pitchFamily="34" charset="0"/>
+                <a:cs typeface="Open Sans" panose="020B0606030504020204" pitchFamily="34" charset="0"/>
+              </a:endParaRPr>
+            </a:p>
+          </p:txBody>
+        </p:sp>
+        <p:sp>
+          <p:nvSpPr>
+            <p:cNvPr id="75" name="Rechteck 74"/>
+            <p:cNvSpPr/>
+            <p:nvPr/>
+          </p:nvSpPr>
+          <p:spPr bwMode="auto">
+            <a:xfrm>
+              <a:off x="1022211" y="4868157"/>
+              <a:ext cx="227892" cy="101917"/>
+            </a:xfrm>
+            <a:prstGeom prst="rect">
+              <a:avLst/>
+            </a:prstGeom>
+            <a:solidFill>
+              <a:srgbClr val="00B050"/>
+            </a:solidFill>
+            <a:ln w="12700" cap="flat" cmpd="sng" algn="ctr">
+              <a:solidFill>
+                <a:schemeClr val="bg1">
+                  <a:lumMod val="50000"/>
+                </a:schemeClr>
+              </a:solidFill>
+              <a:prstDash val="solid"/>
+              <a:round/>
+              <a:headEnd type="none" w="med" len="med"/>
+              <a:tailEnd type="none" w="med" len="med"/>
+            </a:ln>
+            <a:effectLst/>
+          </p:spPr>
+          <p:txBody>
+            <a:bodyPr rot="0" spcFirstLastPara="0" vertOverflow="overflow" horzOverflow="overflow" vert="horz" wrap="square" lIns="91440" tIns="45720" rIns="91440" bIns="45720" numCol="1" spcCol="0" rtlCol="0" fromWordArt="0" anchor="ctr" anchorCtr="0" forceAA="0" compatLnSpc="1">
+              <a:prstTxWarp prst="textNoShape">
+                <a:avLst/>
+              </a:prstTxWarp>
+              <a:noAutofit/>
+            </a:bodyPr>
+            <a:lstStyle/>
+            <a:p>
+              <a:pPr marL="0" marR="0" indent="0" algn="ctr" defTabSz="914400" rtl="0" eaLnBrk="1" fontAlgn="base" latinLnBrk="0" hangingPunct="1">
+                <a:lnSpc>
+                  <a:spcPct val="100000"/>
+                </a:lnSpc>
+                <a:spcBef>
+                  <a:spcPct val="0"/>
+                </a:spcBef>
+                <a:spcAft>
+                  <a:spcPts val="600"/>
+                </a:spcAft>
+                <a:buClrTx/>
+                <a:buSzTx/>
+                <a:buFontTx/>
+                <a:buNone/>
+                <a:tabLst/>
+              </a:pPr>
+              <a:endParaRPr kumimoji="0" lang="de-DE" sz="1200" b="0" i="0" u="none" strike="noStrike" cap="none" normalizeH="0" baseline="0" dirty="0" err="1" smtClean="0">
+                <a:ln>
+                  <a:noFill/>
+                </a:ln>
+                <a:solidFill>
+                  <a:schemeClr val="bg1"/>
+                </a:solidFill>
+                <a:effectLst/>
+                <a:latin typeface="Open Sans" panose="020B0606030504020204" pitchFamily="34" charset="0"/>
+                <a:ea typeface="Open Sans" panose="020B0606030504020204" pitchFamily="34" charset="0"/>
+                <a:cs typeface="Open Sans" panose="020B0606030504020204" pitchFamily="34" charset="0"/>
+              </a:endParaRPr>
+            </a:p>
+          </p:txBody>
+        </p:sp>
+      </p:grpSp>
+      <p:grpSp>
+        <p:nvGrpSpPr>
+          <p:cNvPr id="76" name="Gruppieren 75"/>
+          <p:cNvGrpSpPr/>
+          <p:nvPr/>
+        </p:nvGrpSpPr>
+        <p:grpSpPr>
+          <a:xfrm>
+            <a:off x="1371539" y="3487722"/>
+            <a:ext cx="1396363" cy="807235"/>
+            <a:chOff x="785758" y="4641536"/>
+            <a:chExt cx="723176" cy="389402"/>
+          </a:xfrm>
+        </p:grpSpPr>
+        <p:sp>
+          <p:nvSpPr>
+            <p:cNvPr id="77" name="Rechteck 76"/>
+            <p:cNvSpPr/>
+            <p:nvPr/>
+          </p:nvSpPr>
+          <p:spPr bwMode="auto">
+            <a:xfrm>
+              <a:off x="785758" y="4641536"/>
+              <a:ext cx="723176" cy="389402"/>
+            </a:xfrm>
+            <a:prstGeom prst="rect">
+              <a:avLst/>
+            </a:prstGeom>
+            <a:noFill/>
+            <a:ln w="12700" cap="flat" cmpd="sng" algn="ctr">
+              <a:solidFill>
+                <a:schemeClr val="bg1">
+                  <a:lumMod val="50000"/>
+                </a:schemeClr>
+              </a:solidFill>
+              <a:prstDash val="solid"/>
+              <a:round/>
+              <a:headEnd type="none" w="med" len="med"/>
+              <a:tailEnd type="none" w="med" len="med"/>
+            </a:ln>
+            <a:effectLst/>
+          </p:spPr>
+          <p:txBody>
+            <a:bodyPr rot="0" spcFirstLastPara="0" vertOverflow="overflow" horzOverflow="overflow" vert="horz" wrap="square" lIns="91440" tIns="45720" rIns="91440" bIns="45720" numCol="1" spcCol="0" rtlCol="0" fromWordArt="0" anchor="ctr" anchorCtr="0" forceAA="0" compatLnSpc="1">
+              <a:prstTxWarp prst="textNoShape">
+                <a:avLst/>
+              </a:prstTxWarp>
+              <a:noAutofit/>
+            </a:bodyPr>
+            <a:lstStyle/>
+            <a:p>
+              <a:pPr marL="0" marR="0" indent="0" algn="ctr" defTabSz="914400" rtl="0" eaLnBrk="1" fontAlgn="base" latinLnBrk="0" hangingPunct="1">
+                <a:lnSpc>
+                  <a:spcPct val="100000"/>
+                </a:lnSpc>
+                <a:spcBef>
+                  <a:spcPct val="0"/>
+                </a:spcBef>
+                <a:spcAft>
+                  <a:spcPts val="600"/>
+                </a:spcAft>
+                <a:buClrTx/>
+                <a:buSzTx/>
+                <a:buFontTx/>
+                <a:buNone/>
+                <a:tabLst/>
+              </a:pPr>
+              <a:endParaRPr kumimoji="0" lang="de-DE" sz="1200" b="0" i="0" u="none" strike="noStrike" cap="none" normalizeH="0" baseline="0" dirty="0" err="1" smtClean="0">
+                <a:ln>
+                  <a:noFill/>
+                </a:ln>
+                <a:solidFill>
+                  <a:schemeClr val="bg1"/>
+                </a:solidFill>
+                <a:effectLst/>
+                <a:latin typeface="Open Sans" panose="020B0606030504020204" pitchFamily="34" charset="0"/>
+                <a:ea typeface="Open Sans" panose="020B0606030504020204" pitchFamily="34" charset="0"/>
+                <a:cs typeface="Open Sans" panose="020B0606030504020204" pitchFamily="34" charset="0"/>
+              </a:endParaRPr>
+            </a:p>
+          </p:txBody>
+        </p:sp>
+        <p:sp>
+          <p:nvSpPr>
+            <p:cNvPr id="78" name="Rechteck 77"/>
+            <p:cNvSpPr/>
+            <p:nvPr/>
+          </p:nvSpPr>
+          <p:spPr bwMode="auto">
+            <a:xfrm>
+              <a:off x="869811" y="4715757"/>
+              <a:ext cx="227892" cy="101917"/>
+            </a:xfrm>
+            <a:prstGeom prst="rect">
+              <a:avLst/>
+            </a:prstGeom>
+            <a:solidFill>
+              <a:srgbClr val="00B0F0"/>
+            </a:solidFill>
+            <a:ln w="12700" cap="flat" cmpd="sng" algn="ctr">
+              <a:solidFill>
+                <a:schemeClr val="bg1">
+                  <a:lumMod val="50000"/>
+                </a:schemeClr>
+              </a:solidFill>
+              <a:prstDash val="solid"/>
+              <a:round/>
+              <a:headEnd type="none" w="med" len="med"/>
+              <a:tailEnd type="none" w="med" len="med"/>
+            </a:ln>
+            <a:effectLst/>
+          </p:spPr>
+          <p:txBody>
+            <a:bodyPr rot="0" spcFirstLastPara="0" vertOverflow="overflow" horzOverflow="overflow" vert="horz" wrap="square" lIns="91440" tIns="45720" rIns="91440" bIns="45720" numCol="1" spcCol="0" rtlCol="0" fromWordArt="0" anchor="ctr" anchorCtr="0" forceAA="0" compatLnSpc="1">
+              <a:prstTxWarp prst="textNoShape">
+                <a:avLst/>
+              </a:prstTxWarp>
+              <a:noAutofit/>
+            </a:bodyPr>
+            <a:lstStyle/>
+            <a:p>
+              <a:pPr marL="0" marR="0" indent="0" algn="ctr" defTabSz="914400" rtl="0" eaLnBrk="1" fontAlgn="base" latinLnBrk="0" hangingPunct="1">
+                <a:lnSpc>
+                  <a:spcPct val="100000"/>
+                </a:lnSpc>
+                <a:spcBef>
+                  <a:spcPct val="0"/>
+                </a:spcBef>
+                <a:spcAft>
+                  <a:spcPts val="600"/>
+                </a:spcAft>
+                <a:buClrTx/>
+                <a:buSzTx/>
+                <a:buFontTx/>
+                <a:buNone/>
+                <a:tabLst/>
+              </a:pPr>
+              <a:endParaRPr kumimoji="0" lang="de-DE" sz="1200" b="0" i="0" u="none" strike="noStrike" cap="none" normalizeH="0" baseline="0" dirty="0" err="1" smtClean="0">
+                <a:ln>
+                  <a:noFill/>
+                </a:ln>
+                <a:solidFill>
+                  <a:schemeClr val="bg1"/>
+                </a:solidFill>
+                <a:effectLst/>
+                <a:latin typeface="Open Sans" panose="020B0606030504020204" pitchFamily="34" charset="0"/>
+                <a:ea typeface="Open Sans" panose="020B0606030504020204" pitchFamily="34" charset="0"/>
+                <a:cs typeface="Open Sans" panose="020B0606030504020204" pitchFamily="34" charset="0"/>
+              </a:endParaRPr>
+            </a:p>
+          </p:txBody>
+        </p:sp>
+        <p:sp>
+          <p:nvSpPr>
+            <p:cNvPr id="79" name="Rechteck 78"/>
+            <p:cNvSpPr/>
+            <p:nvPr/>
+          </p:nvSpPr>
+          <p:spPr bwMode="auto">
+            <a:xfrm>
+              <a:off x="1203004" y="4715756"/>
+              <a:ext cx="227892" cy="101917"/>
+            </a:xfrm>
+            <a:prstGeom prst="rect">
+              <a:avLst/>
+            </a:prstGeom>
+            <a:solidFill>
+              <a:srgbClr val="00B0F0"/>
+            </a:solidFill>
+            <a:ln w="12700" cap="flat" cmpd="sng" algn="ctr">
+              <a:solidFill>
+                <a:schemeClr val="bg1">
+                  <a:lumMod val="50000"/>
+                </a:schemeClr>
+              </a:solidFill>
+              <a:prstDash val="solid"/>
+              <a:round/>
+              <a:headEnd type="none" w="med" len="med"/>
+              <a:tailEnd type="none" w="med" len="med"/>
+            </a:ln>
+            <a:effectLst/>
+          </p:spPr>
+          <p:txBody>
+            <a:bodyPr rot="0" spcFirstLastPara="0" vertOverflow="overflow" horzOverflow="overflow" vert="horz" wrap="square" lIns="91440" tIns="45720" rIns="91440" bIns="45720" numCol="1" spcCol="0" rtlCol="0" fromWordArt="0" anchor="ctr" anchorCtr="0" forceAA="0" compatLnSpc="1">
+              <a:prstTxWarp prst="textNoShape">
+                <a:avLst/>
+              </a:prstTxWarp>
+              <a:noAutofit/>
+            </a:bodyPr>
+            <a:lstStyle/>
+            <a:p>
+              <a:pPr marL="0" marR="0" indent="0" algn="ctr" defTabSz="914400" rtl="0" eaLnBrk="1" fontAlgn="base" latinLnBrk="0" hangingPunct="1">
+                <a:lnSpc>
+                  <a:spcPct val="100000"/>
+                </a:lnSpc>
+                <a:spcBef>
+                  <a:spcPct val="0"/>
+                </a:spcBef>
+                <a:spcAft>
+                  <a:spcPts val="600"/>
+                </a:spcAft>
+                <a:buClrTx/>
+                <a:buSzTx/>
+                <a:buFontTx/>
+                <a:buNone/>
+                <a:tabLst/>
+              </a:pPr>
+              <a:endParaRPr kumimoji="0" lang="de-DE" sz="1200" b="0" i="0" u="none" strike="noStrike" cap="none" normalizeH="0" baseline="0" dirty="0" err="1" smtClean="0">
+                <a:ln>
+                  <a:noFill/>
+                </a:ln>
+                <a:solidFill>
+                  <a:schemeClr val="bg1"/>
+                </a:solidFill>
+                <a:effectLst/>
+                <a:latin typeface="Open Sans" panose="020B0606030504020204" pitchFamily="34" charset="0"/>
+                <a:ea typeface="Open Sans" panose="020B0606030504020204" pitchFamily="34" charset="0"/>
+                <a:cs typeface="Open Sans" panose="020B0606030504020204" pitchFamily="34" charset="0"/>
+              </a:endParaRPr>
+            </a:p>
+          </p:txBody>
+        </p:sp>
+        <p:sp>
+          <p:nvSpPr>
+            <p:cNvPr id="80" name="Rechteck 79"/>
+            <p:cNvSpPr/>
+            <p:nvPr/>
+          </p:nvSpPr>
+          <p:spPr bwMode="auto">
+            <a:xfrm>
+              <a:off x="1022211" y="4868157"/>
+              <a:ext cx="227892" cy="101917"/>
+            </a:xfrm>
+            <a:prstGeom prst="rect">
+              <a:avLst/>
+            </a:prstGeom>
+            <a:solidFill>
+              <a:srgbClr val="00B0F0"/>
+            </a:solidFill>
+            <a:ln w="12700" cap="flat" cmpd="sng" algn="ctr">
+              <a:solidFill>
+                <a:schemeClr val="bg1">
+                  <a:lumMod val="50000"/>
+                </a:schemeClr>
+              </a:solidFill>
+              <a:prstDash val="solid"/>
+              <a:round/>
+              <a:headEnd type="none" w="med" len="med"/>
+              <a:tailEnd type="none" w="med" len="med"/>
+            </a:ln>
+            <a:effectLst/>
+          </p:spPr>
+          <p:txBody>
+            <a:bodyPr rot="0" spcFirstLastPara="0" vertOverflow="overflow" horzOverflow="overflow" vert="horz" wrap="square" lIns="91440" tIns="45720" rIns="91440" bIns="45720" numCol="1" spcCol="0" rtlCol="0" fromWordArt="0" anchor="ctr" anchorCtr="0" forceAA="0" compatLnSpc="1">
+              <a:prstTxWarp prst="textNoShape">
+                <a:avLst/>
+              </a:prstTxWarp>
+              <a:noAutofit/>
+            </a:bodyPr>
+            <a:lstStyle/>
+            <a:p>
+              <a:pPr marL="0" marR="0" indent="0" algn="ctr" defTabSz="914400" rtl="0" eaLnBrk="1" fontAlgn="base" latinLnBrk="0" hangingPunct="1">
+                <a:lnSpc>
+                  <a:spcPct val="100000"/>
+                </a:lnSpc>
+                <a:spcBef>
+                  <a:spcPct val="0"/>
+                </a:spcBef>
+                <a:spcAft>
+                  <a:spcPts val="600"/>
+                </a:spcAft>
+                <a:buClrTx/>
+                <a:buSzTx/>
+                <a:buFontTx/>
+                <a:buNone/>
+                <a:tabLst/>
+              </a:pPr>
+              <a:endParaRPr kumimoji="0" lang="de-DE" sz="1200" b="0" i="0" u="none" strike="noStrike" cap="none" normalizeH="0" baseline="0" dirty="0" err="1" smtClean="0">
+                <a:ln>
+                  <a:noFill/>
+                </a:ln>
+                <a:solidFill>
+                  <a:schemeClr val="bg1"/>
+                </a:solidFill>
+                <a:effectLst/>
+                <a:latin typeface="Open Sans" panose="020B0606030504020204" pitchFamily="34" charset="0"/>
+                <a:ea typeface="Open Sans" panose="020B0606030504020204" pitchFamily="34" charset="0"/>
+                <a:cs typeface="Open Sans" panose="020B0606030504020204" pitchFamily="34" charset="0"/>
+              </a:endParaRPr>
+            </a:p>
+          </p:txBody>
+        </p:sp>
+      </p:grpSp>
+      <p:grpSp>
+        <p:nvGrpSpPr>
+          <p:cNvPr id="81" name="Gruppieren 80"/>
+          <p:cNvGrpSpPr/>
+          <p:nvPr/>
+        </p:nvGrpSpPr>
+        <p:grpSpPr>
+          <a:xfrm>
+            <a:off x="1371539" y="4589002"/>
+            <a:ext cx="1396363" cy="807234"/>
+            <a:chOff x="785758" y="4641536"/>
+            <a:chExt cx="723176" cy="389402"/>
+          </a:xfrm>
+        </p:grpSpPr>
+        <p:sp>
+          <p:nvSpPr>
+            <p:cNvPr id="82" name="Rechteck 81"/>
+            <p:cNvSpPr/>
+            <p:nvPr/>
+          </p:nvSpPr>
+          <p:spPr bwMode="auto">
+            <a:xfrm>
+              <a:off x="785758" y="4641536"/>
+              <a:ext cx="723176" cy="389402"/>
+            </a:xfrm>
+            <a:prstGeom prst="rect">
+              <a:avLst/>
+            </a:prstGeom>
+            <a:noFill/>
+            <a:ln w="12700" cap="flat" cmpd="sng" algn="ctr">
+              <a:solidFill>
+                <a:schemeClr val="bg1">
+                  <a:lumMod val="50000"/>
+                </a:schemeClr>
+              </a:solidFill>
+              <a:prstDash val="solid"/>
+              <a:round/>
+              <a:headEnd type="none" w="med" len="med"/>
+              <a:tailEnd type="none" w="med" len="med"/>
+            </a:ln>
+            <a:effectLst/>
+          </p:spPr>
+          <p:txBody>
+            <a:bodyPr rot="0" spcFirstLastPara="0" vertOverflow="overflow" horzOverflow="overflow" vert="horz" wrap="square" lIns="91440" tIns="45720" rIns="91440" bIns="45720" numCol="1" spcCol="0" rtlCol="0" fromWordArt="0" anchor="ctr" anchorCtr="0" forceAA="0" compatLnSpc="1">
+              <a:prstTxWarp prst="textNoShape">
+                <a:avLst/>
+              </a:prstTxWarp>
+              <a:noAutofit/>
+            </a:bodyPr>
+            <a:lstStyle/>
+            <a:p>
+              <a:pPr marL="0" marR="0" indent="0" algn="ctr" defTabSz="914400" rtl="0" eaLnBrk="1" fontAlgn="base" latinLnBrk="0" hangingPunct="1">
+                <a:lnSpc>
+                  <a:spcPct val="100000"/>
+                </a:lnSpc>
+                <a:spcBef>
+                  <a:spcPct val="0"/>
+                </a:spcBef>
+                <a:spcAft>
+                  <a:spcPts val="600"/>
+                </a:spcAft>
+                <a:buClrTx/>
+                <a:buSzTx/>
+                <a:buFontTx/>
+                <a:buNone/>
+                <a:tabLst/>
+              </a:pPr>
+              <a:endParaRPr kumimoji="0" lang="de-DE" sz="1200" b="0" i="0" u="none" strike="noStrike" cap="none" normalizeH="0" baseline="0" dirty="0" err="1" smtClean="0">
+                <a:ln>
+                  <a:noFill/>
+                </a:ln>
+                <a:solidFill>
+                  <a:schemeClr val="bg1"/>
+                </a:solidFill>
+                <a:effectLst/>
+                <a:latin typeface="Open Sans" panose="020B0606030504020204" pitchFamily="34" charset="0"/>
+                <a:ea typeface="Open Sans" panose="020B0606030504020204" pitchFamily="34" charset="0"/>
+                <a:cs typeface="Open Sans" panose="020B0606030504020204" pitchFamily="34" charset="0"/>
+              </a:endParaRPr>
+            </a:p>
+          </p:txBody>
+        </p:sp>
+        <p:sp>
+          <p:nvSpPr>
+            <p:cNvPr id="83" name="Rechteck 82"/>
+            <p:cNvSpPr/>
+            <p:nvPr/>
+          </p:nvSpPr>
+          <p:spPr bwMode="auto">
+            <a:xfrm>
+              <a:off x="869811" y="4715757"/>
+              <a:ext cx="227892" cy="101917"/>
+            </a:xfrm>
+            <a:prstGeom prst="rect">
+              <a:avLst/>
+            </a:prstGeom>
+            <a:solidFill>
+              <a:srgbClr val="FFC000"/>
+            </a:solidFill>
+            <a:ln w="12700" cap="flat" cmpd="sng" algn="ctr">
+              <a:solidFill>
+                <a:schemeClr val="bg1">
+                  <a:lumMod val="50000"/>
+                </a:schemeClr>
+              </a:solidFill>
+              <a:prstDash val="solid"/>
+              <a:round/>
+              <a:headEnd type="none" w="med" len="med"/>
+              <a:tailEnd type="none" w="med" len="med"/>
+            </a:ln>
+            <a:effectLst/>
+          </p:spPr>
+          <p:txBody>
+            <a:bodyPr rot="0" spcFirstLastPara="0" vertOverflow="overflow" horzOverflow="overflow" vert="horz" wrap="square" lIns="91440" tIns="45720" rIns="91440" bIns="45720" numCol="1" spcCol="0" rtlCol="0" fromWordArt="0" anchor="ctr" anchorCtr="0" forceAA="0" compatLnSpc="1">
+              <a:prstTxWarp prst="textNoShape">
+                <a:avLst/>
+              </a:prstTxWarp>
+              <a:noAutofit/>
+            </a:bodyPr>
+            <a:lstStyle/>
+            <a:p>
+              <a:pPr marL="0" marR="0" indent="0" algn="ctr" defTabSz="914400" rtl="0" eaLnBrk="1" fontAlgn="base" latinLnBrk="0" hangingPunct="1">
+                <a:lnSpc>
+                  <a:spcPct val="100000"/>
+                </a:lnSpc>
+                <a:spcBef>
+                  <a:spcPct val="0"/>
+                </a:spcBef>
+                <a:spcAft>
+                  <a:spcPts val="600"/>
+                </a:spcAft>
+                <a:buClrTx/>
+                <a:buSzTx/>
+                <a:buFontTx/>
+                <a:buNone/>
+                <a:tabLst/>
+              </a:pPr>
+              <a:endParaRPr kumimoji="0" lang="de-DE" sz="1200" b="0" i="0" u="none" strike="noStrike" cap="none" normalizeH="0" baseline="0" dirty="0" err="1" smtClean="0">
+                <a:ln>
+                  <a:noFill/>
+                </a:ln>
+                <a:solidFill>
+                  <a:schemeClr val="bg1"/>
+                </a:solidFill>
+                <a:effectLst/>
+                <a:latin typeface="Open Sans" panose="020B0606030504020204" pitchFamily="34" charset="0"/>
+                <a:ea typeface="Open Sans" panose="020B0606030504020204" pitchFamily="34" charset="0"/>
+                <a:cs typeface="Open Sans" panose="020B0606030504020204" pitchFamily="34" charset="0"/>
+              </a:endParaRPr>
+            </a:p>
+          </p:txBody>
+        </p:sp>
+        <p:sp>
+          <p:nvSpPr>
+            <p:cNvPr id="84" name="Rechteck 83"/>
+            <p:cNvSpPr/>
+            <p:nvPr/>
+          </p:nvSpPr>
+          <p:spPr bwMode="auto">
+            <a:xfrm>
+              <a:off x="1203004" y="4715756"/>
+              <a:ext cx="227892" cy="101917"/>
+            </a:xfrm>
+            <a:prstGeom prst="rect">
+              <a:avLst/>
+            </a:prstGeom>
+            <a:solidFill>
+              <a:srgbClr val="FFC000"/>
+            </a:solidFill>
+            <a:ln w="12700" cap="flat" cmpd="sng" algn="ctr">
+              <a:solidFill>
+                <a:schemeClr val="bg1">
+                  <a:lumMod val="50000"/>
+                </a:schemeClr>
+              </a:solidFill>
+              <a:prstDash val="solid"/>
+              <a:round/>
+              <a:headEnd type="none" w="med" len="med"/>
+              <a:tailEnd type="none" w="med" len="med"/>
+            </a:ln>
+            <a:effectLst/>
+          </p:spPr>
+          <p:txBody>
+            <a:bodyPr rot="0" spcFirstLastPara="0" vertOverflow="overflow" horzOverflow="overflow" vert="horz" wrap="square" lIns="91440" tIns="45720" rIns="91440" bIns="45720" numCol="1" spcCol="0" rtlCol="0" fromWordArt="0" anchor="ctr" anchorCtr="0" forceAA="0" compatLnSpc="1">
+              <a:prstTxWarp prst="textNoShape">
+                <a:avLst/>
+              </a:prstTxWarp>
+              <a:noAutofit/>
+            </a:bodyPr>
+            <a:lstStyle/>
+            <a:p>
+              <a:pPr marL="0" marR="0" indent="0" algn="ctr" defTabSz="914400" rtl="0" eaLnBrk="1" fontAlgn="base" latinLnBrk="0" hangingPunct="1">
+                <a:lnSpc>
+                  <a:spcPct val="100000"/>
+                </a:lnSpc>
+                <a:spcBef>
+                  <a:spcPct val="0"/>
+                </a:spcBef>
+                <a:spcAft>
+                  <a:spcPts val="600"/>
+                </a:spcAft>
+                <a:buClrTx/>
+                <a:buSzTx/>
+                <a:buFontTx/>
+                <a:buNone/>
+                <a:tabLst/>
+              </a:pPr>
+              <a:endParaRPr kumimoji="0" lang="de-DE" sz="1200" b="0" i="0" u="none" strike="noStrike" cap="none" normalizeH="0" baseline="0" dirty="0" err="1" smtClean="0">
+                <a:ln>
+                  <a:noFill/>
+                </a:ln>
+                <a:solidFill>
+                  <a:schemeClr val="bg1"/>
+                </a:solidFill>
+                <a:effectLst/>
+                <a:latin typeface="Open Sans" panose="020B0606030504020204" pitchFamily="34" charset="0"/>
+                <a:ea typeface="Open Sans" panose="020B0606030504020204" pitchFamily="34" charset="0"/>
+                <a:cs typeface="Open Sans" panose="020B0606030504020204" pitchFamily="34" charset="0"/>
+              </a:endParaRPr>
+            </a:p>
+          </p:txBody>
+        </p:sp>
+        <p:sp>
+          <p:nvSpPr>
+            <p:cNvPr id="85" name="Rechteck 84"/>
+            <p:cNvSpPr/>
+            <p:nvPr/>
+          </p:nvSpPr>
+          <p:spPr bwMode="auto">
+            <a:xfrm>
+              <a:off x="1022211" y="4868157"/>
+              <a:ext cx="227892" cy="101917"/>
+            </a:xfrm>
+            <a:prstGeom prst="rect">
+              <a:avLst/>
+            </a:prstGeom>
+            <a:solidFill>
+              <a:srgbClr val="FFC000"/>
+            </a:solidFill>
+            <a:ln w="12700" cap="flat" cmpd="sng" algn="ctr">
+              <a:solidFill>
+                <a:schemeClr val="bg1">
+                  <a:lumMod val="50000"/>
+                </a:schemeClr>
+              </a:solidFill>
+              <a:prstDash val="solid"/>
+              <a:round/>
+              <a:headEnd type="none" w="med" len="med"/>
+              <a:tailEnd type="none" w="med" len="med"/>
+            </a:ln>
+            <a:effectLst/>
+          </p:spPr>
+          <p:txBody>
+            <a:bodyPr rot="0" spcFirstLastPara="0" vertOverflow="overflow" horzOverflow="overflow" vert="horz" wrap="square" lIns="91440" tIns="45720" rIns="91440" bIns="45720" numCol="1" spcCol="0" rtlCol="0" fromWordArt="0" anchor="ctr" anchorCtr="0" forceAA="0" compatLnSpc="1">
+              <a:prstTxWarp prst="textNoShape">
+                <a:avLst/>
+              </a:prstTxWarp>
+              <a:noAutofit/>
+            </a:bodyPr>
+            <a:lstStyle/>
+            <a:p>
+              <a:pPr marL="0" marR="0" indent="0" algn="ctr" defTabSz="914400" rtl="0" eaLnBrk="1" fontAlgn="base" latinLnBrk="0" hangingPunct="1">
+                <a:lnSpc>
+                  <a:spcPct val="100000"/>
+                </a:lnSpc>
+                <a:spcBef>
+                  <a:spcPct val="0"/>
+                </a:spcBef>
+                <a:spcAft>
+                  <a:spcPts val="600"/>
+                </a:spcAft>
+                <a:buClrTx/>
+                <a:buSzTx/>
+                <a:buFontTx/>
+                <a:buNone/>
+                <a:tabLst/>
+              </a:pPr>
+              <a:endParaRPr kumimoji="0" lang="de-DE" sz="1200" b="0" i="0" u="none" strike="noStrike" cap="none" normalizeH="0" baseline="0" dirty="0" err="1" smtClean="0">
+                <a:ln>
+                  <a:noFill/>
+                </a:ln>
+                <a:solidFill>
+                  <a:schemeClr val="bg1"/>
+                </a:solidFill>
+                <a:effectLst/>
+                <a:latin typeface="Open Sans" panose="020B0606030504020204" pitchFamily="34" charset="0"/>
+                <a:ea typeface="Open Sans" panose="020B0606030504020204" pitchFamily="34" charset="0"/>
+                <a:cs typeface="Open Sans" panose="020B0606030504020204" pitchFamily="34" charset="0"/>
+              </a:endParaRPr>
+            </a:p>
+          </p:txBody>
+        </p:sp>
+      </p:grpSp>
+      <p:grpSp>
+        <p:nvGrpSpPr>
+          <p:cNvPr id="189" name="Gruppieren 188"/>
+          <p:cNvGrpSpPr/>
+          <p:nvPr/>
+        </p:nvGrpSpPr>
+        <p:grpSpPr>
+          <a:xfrm>
+            <a:off x="3383824" y="2385202"/>
+            <a:ext cx="1396361" cy="802985"/>
+            <a:chOff x="3406191" y="2184894"/>
+            <a:chExt cx="723176" cy="389402"/>
+          </a:xfrm>
+        </p:grpSpPr>
+        <p:sp>
+          <p:nvSpPr>
+            <p:cNvPr id="137" name="Rechteck 136"/>
+            <p:cNvSpPr/>
+            <p:nvPr/>
+          </p:nvSpPr>
+          <p:spPr bwMode="auto">
+            <a:xfrm>
+              <a:off x="3827449" y="2411515"/>
+              <a:ext cx="227892" cy="101917"/>
+            </a:xfrm>
+            <a:prstGeom prst="rect">
+              <a:avLst/>
+            </a:prstGeom>
+            <a:solidFill>
+              <a:srgbClr val="00B050"/>
+            </a:solidFill>
+            <a:ln w="12700" cap="flat" cmpd="sng" algn="ctr">
+              <a:solidFill>
+                <a:schemeClr val="bg1">
+                  <a:lumMod val="50000"/>
+                </a:schemeClr>
+              </a:solidFill>
+              <a:prstDash val="solid"/>
+              <a:round/>
+              <a:headEnd type="none" w="med" len="med"/>
+              <a:tailEnd type="none" w="med" len="med"/>
+            </a:ln>
+            <a:effectLst/>
+          </p:spPr>
+          <p:txBody>
+            <a:bodyPr rot="0" spcFirstLastPara="0" vertOverflow="overflow" horzOverflow="overflow" vert="horz" wrap="square" lIns="91440" tIns="45720" rIns="91440" bIns="45720" numCol="1" spcCol="0" rtlCol="0" fromWordArt="0" anchor="ctr" anchorCtr="0" forceAA="0" compatLnSpc="1">
+              <a:prstTxWarp prst="textNoShape">
+                <a:avLst/>
+              </a:prstTxWarp>
+              <a:noAutofit/>
+            </a:bodyPr>
+            <a:lstStyle/>
+            <a:p>
+              <a:pPr marL="0" marR="0" indent="0" algn="ctr" defTabSz="914400" rtl="0" eaLnBrk="1" fontAlgn="base" latinLnBrk="0" hangingPunct="1">
+                <a:lnSpc>
+                  <a:spcPct val="100000"/>
+                </a:lnSpc>
+                <a:spcBef>
+                  <a:spcPct val="0"/>
+                </a:spcBef>
+                <a:spcAft>
+                  <a:spcPts val="600"/>
+                </a:spcAft>
+                <a:buClrTx/>
+                <a:buSzTx/>
+                <a:buFontTx/>
+                <a:buNone/>
+                <a:tabLst/>
+              </a:pPr>
+              <a:endParaRPr kumimoji="0" lang="de-DE" sz="1200" b="0" i="0" u="none" strike="noStrike" cap="none" normalizeH="0" baseline="0" dirty="0" err="1" smtClean="0">
+                <a:ln>
+                  <a:noFill/>
+                </a:ln>
+                <a:solidFill>
+                  <a:schemeClr val="bg1"/>
+                </a:solidFill>
+                <a:effectLst/>
+                <a:latin typeface="Open Sans" panose="020B0606030504020204" pitchFamily="34" charset="0"/>
+                <a:ea typeface="Open Sans" panose="020B0606030504020204" pitchFamily="34" charset="0"/>
+                <a:cs typeface="Open Sans" panose="020B0606030504020204" pitchFamily="34" charset="0"/>
+              </a:endParaRPr>
+            </a:p>
+          </p:txBody>
+        </p:sp>
+        <p:sp>
+          <p:nvSpPr>
+            <p:cNvPr id="123" name="Rechteck 122"/>
+            <p:cNvSpPr/>
+            <p:nvPr/>
+          </p:nvSpPr>
+          <p:spPr bwMode="auto">
+            <a:xfrm>
+              <a:off x="3406191" y="2184894"/>
+              <a:ext cx="723176" cy="389402"/>
+            </a:xfrm>
+            <a:prstGeom prst="rect">
+              <a:avLst/>
+            </a:prstGeom>
+            <a:noFill/>
+            <a:ln w="12700" cap="flat" cmpd="sng" algn="ctr">
+              <a:solidFill>
+                <a:schemeClr val="bg1">
+                  <a:lumMod val="50000"/>
+                </a:schemeClr>
+              </a:solidFill>
+              <a:prstDash val="solid"/>
+              <a:round/>
+              <a:headEnd type="none" w="med" len="med"/>
+              <a:tailEnd type="none" w="med" len="med"/>
+            </a:ln>
+            <a:effectLst/>
+          </p:spPr>
+          <p:txBody>
+            <a:bodyPr rot="0" spcFirstLastPara="0" vertOverflow="overflow" horzOverflow="overflow" vert="horz" wrap="square" lIns="91440" tIns="45720" rIns="91440" bIns="45720" numCol="1" spcCol="0" rtlCol="0" fromWordArt="0" anchor="ctr" anchorCtr="0" forceAA="0" compatLnSpc="1">
+              <a:prstTxWarp prst="textNoShape">
+                <a:avLst/>
+              </a:prstTxWarp>
+              <a:noAutofit/>
+            </a:bodyPr>
+            <a:lstStyle/>
+            <a:p>
+              <a:pPr marL="0" marR="0" indent="0" algn="ctr" defTabSz="914400" rtl="0" eaLnBrk="1" fontAlgn="base" latinLnBrk="0" hangingPunct="1">
+                <a:lnSpc>
+                  <a:spcPct val="100000"/>
+                </a:lnSpc>
+                <a:spcBef>
+                  <a:spcPct val="0"/>
+                </a:spcBef>
+                <a:spcAft>
+                  <a:spcPts val="600"/>
+                </a:spcAft>
+                <a:buClrTx/>
+                <a:buSzTx/>
+                <a:buFontTx/>
+                <a:buNone/>
+                <a:tabLst/>
+              </a:pPr>
+              <a:endParaRPr kumimoji="0" lang="de-DE" sz="1200" b="0" i="0" u="none" strike="noStrike" cap="none" normalizeH="0" baseline="0" dirty="0" err="1" smtClean="0">
+                <a:ln>
+                  <a:noFill/>
+                </a:ln>
+                <a:solidFill>
+                  <a:schemeClr val="bg1"/>
+                </a:solidFill>
+                <a:effectLst/>
+                <a:latin typeface="Open Sans" panose="020B0606030504020204" pitchFamily="34" charset="0"/>
+                <a:ea typeface="Open Sans" panose="020B0606030504020204" pitchFamily="34" charset="0"/>
+                <a:cs typeface="Open Sans" panose="020B0606030504020204" pitchFamily="34" charset="0"/>
+              </a:endParaRPr>
+            </a:p>
+          </p:txBody>
+        </p:sp>
+        <p:sp>
+          <p:nvSpPr>
+            <p:cNvPr id="124" name="Rechteck 123"/>
+            <p:cNvSpPr/>
+            <p:nvPr/>
+          </p:nvSpPr>
+          <p:spPr bwMode="auto">
+            <a:xfrm>
+              <a:off x="3490244" y="2259115"/>
+              <a:ext cx="227892" cy="101917"/>
+            </a:xfrm>
+            <a:prstGeom prst="rect">
+              <a:avLst/>
+            </a:prstGeom>
+            <a:solidFill>
+              <a:srgbClr val="00B050"/>
+            </a:solidFill>
+            <a:ln w="12700" cap="flat" cmpd="sng" algn="ctr">
+              <a:solidFill>
+                <a:schemeClr val="bg1">
+                  <a:lumMod val="50000"/>
+                </a:schemeClr>
+              </a:solidFill>
+              <a:prstDash val="solid"/>
+              <a:round/>
+              <a:headEnd type="none" w="med" len="med"/>
+              <a:tailEnd type="none" w="med" len="med"/>
+            </a:ln>
+            <a:effectLst/>
+          </p:spPr>
+          <p:txBody>
+            <a:bodyPr rot="0" spcFirstLastPara="0" vertOverflow="overflow" horzOverflow="overflow" vert="horz" wrap="square" lIns="91440" tIns="45720" rIns="91440" bIns="45720" numCol="1" spcCol="0" rtlCol="0" fromWordArt="0" anchor="ctr" anchorCtr="0" forceAA="0" compatLnSpc="1">
+              <a:prstTxWarp prst="textNoShape">
+                <a:avLst/>
+              </a:prstTxWarp>
+              <a:noAutofit/>
+            </a:bodyPr>
+            <a:lstStyle/>
+            <a:p>
+              <a:pPr marL="0" marR="0" indent="0" algn="ctr" defTabSz="914400" rtl="0" eaLnBrk="1" fontAlgn="base" latinLnBrk="0" hangingPunct="1">
+                <a:lnSpc>
+                  <a:spcPct val="100000"/>
+                </a:lnSpc>
+                <a:spcBef>
+                  <a:spcPct val="0"/>
+                </a:spcBef>
+                <a:spcAft>
+                  <a:spcPts val="600"/>
+                </a:spcAft>
+                <a:buClrTx/>
+                <a:buSzTx/>
+                <a:buFontTx/>
+                <a:buNone/>
+                <a:tabLst/>
+              </a:pPr>
+              <a:endParaRPr kumimoji="0" lang="de-DE" sz="1200" b="0" i="0" u="none" strike="noStrike" cap="none" normalizeH="0" baseline="0" dirty="0" err="1" smtClean="0">
+                <a:ln>
+                  <a:noFill/>
+                </a:ln>
+                <a:solidFill>
+                  <a:schemeClr val="bg1"/>
+                </a:solidFill>
+                <a:effectLst/>
+                <a:latin typeface="Open Sans" panose="020B0606030504020204" pitchFamily="34" charset="0"/>
+                <a:ea typeface="Open Sans" panose="020B0606030504020204" pitchFamily="34" charset="0"/>
+                <a:cs typeface="Open Sans" panose="020B0606030504020204" pitchFamily="34" charset="0"/>
+              </a:endParaRPr>
+            </a:p>
+          </p:txBody>
+        </p:sp>
+        <p:sp>
+          <p:nvSpPr>
+            <p:cNvPr id="125" name="Rechteck 124"/>
+            <p:cNvSpPr/>
+            <p:nvPr/>
+          </p:nvSpPr>
+          <p:spPr bwMode="auto">
+            <a:xfrm>
+              <a:off x="3823437" y="2259114"/>
+              <a:ext cx="227892" cy="101917"/>
+            </a:xfrm>
+            <a:prstGeom prst="rect">
+              <a:avLst/>
+            </a:prstGeom>
+            <a:solidFill>
+              <a:srgbClr val="00B050"/>
+            </a:solidFill>
+            <a:ln w="12700" cap="flat" cmpd="sng" algn="ctr">
+              <a:solidFill>
+                <a:schemeClr val="bg1">
+                  <a:lumMod val="50000"/>
+                </a:schemeClr>
+              </a:solidFill>
+              <a:prstDash val="solid"/>
+              <a:round/>
+              <a:headEnd type="none" w="med" len="med"/>
+              <a:tailEnd type="none" w="med" len="med"/>
+            </a:ln>
+            <a:effectLst/>
+          </p:spPr>
+          <p:txBody>
+            <a:bodyPr rot="0" spcFirstLastPara="0" vertOverflow="overflow" horzOverflow="overflow" vert="horz" wrap="square" lIns="91440" tIns="45720" rIns="91440" bIns="45720" numCol="1" spcCol="0" rtlCol="0" fromWordArt="0" anchor="ctr" anchorCtr="0" forceAA="0" compatLnSpc="1">
+              <a:prstTxWarp prst="textNoShape">
+                <a:avLst/>
+              </a:prstTxWarp>
+              <a:noAutofit/>
+            </a:bodyPr>
+            <a:lstStyle/>
+            <a:p>
+              <a:pPr marL="0" marR="0" indent="0" algn="ctr" defTabSz="914400" rtl="0" eaLnBrk="1" fontAlgn="base" latinLnBrk="0" hangingPunct="1">
+                <a:lnSpc>
+                  <a:spcPct val="100000"/>
+                </a:lnSpc>
+                <a:spcBef>
+                  <a:spcPct val="0"/>
+                </a:spcBef>
+                <a:spcAft>
+                  <a:spcPts val="600"/>
+                </a:spcAft>
+                <a:buClrTx/>
+                <a:buSzTx/>
+                <a:buFontTx/>
+                <a:buNone/>
+                <a:tabLst/>
+              </a:pPr>
+              <a:endParaRPr kumimoji="0" lang="de-DE" sz="1200" b="0" i="0" u="none" strike="noStrike" cap="none" normalizeH="0" baseline="0" dirty="0" err="1" smtClean="0">
+                <a:ln>
+                  <a:noFill/>
+                </a:ln>
+                <a:solidFill>
+                  <a:schemeClr val="bg1"/>
+                </a:solidFill>
+                <a:effectLst/>
+                <a:latin typeface="Open Sans" panose="020B0606030504020204" pitchFamily="34" charset="0"/>
+                <a:ea typeface="Open Sans" panose="020B0606030504020204" pitchFamily="34" charset="0"/>
+                <a:cs typeface="Open Sans" panose="020B0606030504020204" pitchFamily="34" charset="0"/>
+              </a:endParaRPr>
+            </a:p>
+          </p:txBody>
+        </p:sp>
+        <p:sp>
+          <p:nvSpPr>
+            <p:cNvPr id="126" name="Rechteck 125"/>
+            <p:cNvSpPr/>
+            <p:nvPr/>
+          </p:nvSpPr>
+          <p:spPr bwMode="auto">
+            <a:xfrm>
+              <a:off x="3490244" y="2411515"/>
+              <a:ext cx="227892" cy="101917"/>
+            </a:xfrm>
+            <a:prstGeom prst="rect">
+              <a:avLst/>
+            </a:prstGeom>
+            <a:solidFill>
+              <a:srgbClr val="00B050"/>
+            </a:solidFill>
+            <a:ln w="12700" cap="flat" cmpd="sng" algn="ctr">
+              <a:solidFill>
+                <a:schemeClr val="bg1">
+                  <a:lumMod val="50000"/>
+                </a:schemeClr>
+              </a:solidFill>
+              <a:prstDash val="solid"/>
+              <a:round/>
+              <a:headEnd type="none" w="med" len="med"/>
+              <a:tailEnd type="none" w="med" len="med"/>
+            </a:ln>
+            <a:effectLst/>
+          </p:spPr>
+          <p:txBody>
+            <a:bodyPr rot="0" spcFirstLastPara="0" vertOverflow="overflow" horzOverflow="overflow" vert="horz" wrap="square" lIns="91440" tIns="45720" rIns="91440" bIns="45720" numCol="1" spcCol="0" rtlCol="0" fromWordArt="0" anchor="ctr" anchorCtr="0" forceAA="0" compatLnSpc="1">
+              <a:prstTxWarp prst="textNoShape">
+                <a:avLst/>
+              </a:prstTxWarp>
+              <a:noAutofit/>
+            </a:bodyPr>
+            <a:lstStyle/>
+            <a:p>
+              <a:pPr marL="0" marR="0" indent="0" algn="ctr" defTabSz="914400" rtl="0" eaLnBrk="1" fontAlgn="base" latinLnBrk="0" hangingPunct="1">
+                <a:lnSpc>
+                  <a:spcPct val="100000"/>
+                </a:lnSpc>
+                <a:spcBef>
+                  <a:spcPct val="0"/>
+                </a:spcBef>
+                <a:spcAft>
+                  <a:spcPts val="600"/>
+                </a:spcAft>
+                <a:buClrTx/>
+                <a:buSzTx/>
+                <a:buFontTx/>
+                <a:buNone/>
+                <a:tabLst/>
+              </a:pPr>
+              <a:endParaRPr kumimoji="0" lang="de-DE" sz="1200" b="0" i="0" u="none" strike="noStrike" cap="none" normalizeH="0" baseline="0" dirty="0" err="1" smtClean="0">
+                <a:ln>
+                  <a:noFill/>
+                </a:ln>
+                <a:solidFill>
+                  <a:schemeClr val="bg1"/>
+                </a:solidFill>
+                <a:effectLst/>
+                <a:latin typeface="Open Sans" panose="020B0606030504020204" pitchFamily="34" charset="0"/>
+                <a:ea typeface="Open Sans" panose="020B0606030504020204" pitchFamily="34" charset="0"/>
+                <a:cs typeface="Open Sans" panose="020B0606030504020204" pitchFamily="34" charset="0"/>
+              </a:endParaRPr>
+            </a:p>
+          </p:txBody>
+        </p:sp>
+      </p:grpSp>
+      <p:grpSp>
+        <p:nvGrpSpPr>
+          <p:cNvPr id="127" name="Gruppieren 126"/>
+          <p:cNvGrpSpPr/>
+          <p:nvPr/>
+        </p:nvGrpSpPr>
+        <p:grpSpPr>
+          <a:xfrm>
+            <a:off x="3383825" y="3491973"/>
+            <a:ext cx="1396361" cy="802985"/>
+            <a:chOff x="785758" y="4641536"/>
+            <a:chExt cx="723176" cy="389402"/>
+          </a:xfrm>
+        </p:grpSpPr>
+        <p:sp>
+          <p:nvSpPr>
+            <p:cNvPr id="128" name="Rechteck 127"/>
+            <p:cNvSpPr/>
+            <p:nvPr/>
+          </p:nvSpPr>
+          <p:spPr bwMode="auto">
+            <a:xfrm>
+              <a:off x="785758" y="4641536"/>
+              <a:ext cx="723176" cy="389402"/>
+            </a:xfrm>
+            <a:prstGeom prst="rect">
+              <a:avLst/>
+            </a:prstGeom>
+            <a:noFill/>
+            <a:ln w="12700" cap="flat" cmpd="sng" algn="ctr">
+              <a:solidFill>
+                <a:schemeClr val="bg1">
+                  <a:lumMod val="50000"/>
+                </a:schemeClr>
+              </a:solidFill>
+              <a:prstDash val="solid"/>
+              <a:round/>
+              <a:headEnd type="none" w="med" len="med"/>
+              <a:tailEnd type="none" w="med" len="med"/>
+            </a:ln>
+            <a:effectLst/>
+          </p:spPr>
+          <p:txBody>
+            <a:bodyPr rot="0" spcFirstLastPara="0" vertOverflow="overflow" horzOverflow="overflow" vert="horz" wrap="square" lIns="91440" tIns="45720" rIns="91440" bIns="45720" numCol="1" spcCol="0" rtlCol="0" fromWordArt="0" anchor="ctr" anchorCtr="0" forceAA="0" compatLnSpc="1">
+              <a:prstTxWarp prst="textNoShape">
+                <a:avLst/>
+              </a:prstTxWarp>
+              <a:noAutofit/>
+            </a:bodyPr>
+            <a:lstStyle/>
+            <a:p>
+              <a:pPr marL="0" marR="0" indent="0" algn="ctr" defTabSz="914400" rtl="0" eaLnBrk="1" fontAlgn="base" latinLnBrk="0" hangingPunct="1">
+                <a:lnSpc>
+                  <a:spcPct val="100000"/>
+                </a:lnSpc>
+                <a:spcBef>
+                  <a:spcPct val="0"/>
+                </a:spcBef>
+                <a:spcAft>
+                  <a:spcPts val="600"/>
+                </a:spcAft>
+                <a:buClrTx/>
+                <a:buSzTx/>
+                <a:buFontTx/>
+                <a:buNone/>
+                <a:tabLst/>
+              </a:pPr>
+              <a:endParaRPr kumimoji="0" lang="de-DE" sz="1200" b="0" i="0" u="none" strike="noStrike" cap="none" normalizeH="0" baseline="0" dirty="0" err="1" smtClean="0">
+                <a:ln>
+                  <a:noFill/>
+                </a:ln>
+                <a:solidFill>
+                  <a:schemeClr val="bg1"/>
+                </a:solidFill>
+                <a:effectLst/>
+                <a:latin typeface="Open Sans" panose="020B0606030504020204" pitchFamily="34" charset="0"/>
+                <a:ea typeface="Open Sans" panose="020B0606030504020204" pitchFamily="34" charset="0"/>
+                <a:cs typeface="Open Sans" panose="020B0606030504020204" pitchFamily="34" charset="0"/>
+              </a:endParaRPr>
+            </a:p>
+          </p:txBody>
+        </p:sp>
+        <p:sp>
+          <p:nvSpPr>
+            <p:cNvPr id="129" name="Rechteck 128"/>
+            <p:cNvSpPr/>
+            <p:nvPr/>
+          </p:nvSpPr>
+          <p:spPr bwMode="auto">
+            <a:xfrm>
+              <a:off x="869811" y="4715757"/>
+              <a:ext cx="227892" cy="101917"/>
+            </a:xfrm>
+            <a:prstGeom prst="rect">
+              <a:avLst/>
+            </a:prstGeom>
+            <a:solidFill>
+              <a:srgbClr val="00B0F0"/>
+            </a:solidFill>
+            <a:ln w="12700" cap="flat" cmpd="sng" algn="ctr">
+              <a:solidFill>
+                <a:schemeClr val="bg1">
+                  <a:lumMod val="50000"/>
+                </a:schemeClr>
+              </a:solidFill>
+              <a:prstDash val="solid"/>
+              <a:round/>
+              <a:headEnd type="none" w="med" len="med"/>
+              <a:tailEnd type="none" w="med" len="med"/>
+            </a:ln>
+            <a:effectLst/>
+          </p:spPr>
+          <p:txBody>
+            <a:bodyPr rot="0" spcFirstLastPara="0" vertOverflow="overflow" horzOverflow="overflow" vert="horz" wrap="square" lIns="91440" tIns="45720" rIns="91440" bIns="45720" numCol="1" spcCol="0" rtlCol="0" fromWordArt="0" anchor="ctr" anchorCtr="0" forceAA="0" compatLnSpc="1">
+              <a:prstTxWarp prst="textNoShape">
+                <a:avLst/>
+              </a:prstTxWarp>
+              <a:noAutofit/>
+            </a:bodyPr>
+            <a:lstStyle/>
+            <a:p>
+              <a:pPr marL="0" marR="0" indent="0" algn="ctr" defTabSz="914400" rtl="0" eaLnBrk="1" fontAlgn="base" latinLnBrk="0" hangingPunct="1">
+                <a:lnSpc>
+                  <a:spcPct val="100000"/>
+                </a:lnSpc>
+                <a:spcBef>
+                  <a:spcPct val="0"/>
+                </a:spcBef>
+                <a:spcAft>
+                  <a:spcPts val="600"/>
+                </a:spcAft>
+                <a:buClrTx/>
+                <a:buSzTx/>
+                <a:buFontTx/>
+                <a:buNone/>
+                <a:tabLst/>
+              </a:pPr>
+              <a:endParaRPr kumimoji="0" lang="de-DE" sz="1200" b="0" i="0" u="none" strike="noStrike" cap="none" normalizeH="0" baseline="0" dirty="0" err="1" smtClean="0">
+                <a:ln>
+                  <a:noFill/>
+                </a:ln>
+                <a:solidFill>
+                  <a:schemeClr val="bg1"/>
+                </a:solidFill>
+                <a:effectLst/>
+                <a:latin typeface="Open Sans" panose="020B0606030504020204" pitchFamily="34" charset="0"/>
+                <a:ea typeface="Open Sans" panose="020B0606030504020204" pitchFamily="34" charset="0"/>
+                <a:cs typeface="Open Sans" panose="020B0606030504020204" pitchFamily="34" charset="0"/>
+              </a:endParaRPr>
+            </a:p>
+          </p:txBody>
+        </p:sp>
+        <p:sp>
+          <p:nvSpPr>
+            <p:cNvPr id="131" name="Rechteck 130"/>
+            <p:cNvSpPr/>
+            <p:nvPr/>
+          </p:nvSpPr>
+          <p:spPr bwMode="auto">
+            <a:xfrm>
+              <a:off x="1022211" y="4868157"/>
+              <a:ext cx="227892" cy="101917"/>
+            </a:xfrm>
+            <a:prstGeom prst="rect">
+              <a:avLst/>
+            </a:prstGeom>
+            <a:solidFill>
+              <a:srgbClr val="00B0F0"/>
+            </a:solidFill>
+            <a:ln w="12700" cap="flat" cmpd="sng" algn="ctr">
+              <a:solidFill>
+                <a:schemeClr val="bg1">
+                  <a:lumMod val="50000"/>
+                </a:schemeClr>
+              </a:solidFill>
+              <a:prstDash val="solid"/>
+              <a:round/>
+              <a:headEnd type="none" w="med" len="med"/>
+              <a:tailEnd type="none" w="med" len="med"/>
+            </a:ln>
+            <a:effectLst/>
+          </p:spPr>
+          <p:txBody>
+            <a:bodyPr rot="0" spcFirstLastPara="0" vertOverflow="overflow" horzOverflow="overflow" vert="horz" wrap="square" lIns="91440" tIns="45720" rIns="91440" bIns="45720" numCol="1" spcCol="0" rtlCol="0" fromWordArt="0" anchor="ctr" anchorCtr="0" forceAA="0" compatLnSpc="1">
+              <a:prstTxWarp prst="textNoShape">
+                <a:avLst/>
+              </a:prstTxWarp>
+              <a:noAutofit/>
+            </a:bodyPr>
+            <a:lstStyle/>
+            <a:p>
+              <a:pPr marL="0" marR="0" indent="0" algn="ctr" defTabSz="914400" rtl="0" eaLnBrk="1" fontAlgn="base" latinLnBrk="0" hangingPunct="1">
+                <a:lnSpc>
+                  <a:spcPct val="100000"/>
+                </a:lnSpc>
+                <a:spcBef>
+                  <a:spcPct val="0"/>
+                </a:spcBef>
+                <a:spcAft>
+                  <a:spcPts val="600"/>
+                </a:spcAft>
+                <a:buClrTx/>
+                <a:buSzTx/>
+                <a:buFontTx/>
+                <a:buNone/>
+                <a:tabLst/>
+              </a:pPr>
+              <a:endParaRPr kumimoji="0" lang="de-DE" sz="1200" b="0" i="0" u="none" strike="noStrike" cap="none" normalizeH="0" baseline="0" dirty="0" err="1" smtClean="0">
+                <a:ln>
+                  <a:noFill/>
+                </a:ln>
+                <a:solidFill>
+                  <a:schemeClr val="bg1"/>
+                </a:solidFill>
+                <a:effectLst/>
+                <a:latin typeface="Open Sans" panose="020B0606030504020204" pitchFamily="34" charset="0"/>
+                <a:ea typeface="Open Sans" panose="020B0606030504020204" pitchFamily="34" charset="0"/>
+                <a:cs typeface="Open Sans" panose="020B0606030504020204" pitchFamily="34" charset="0"/>
+              </a:endParaRPr>
+            </a:p>
+          </p:txBody>
+        </p:sp>
+      </p:grpSp>
+      <p:grpSp>
+        <p:nvGrpSpPr>
+          <p:cNvPr id="132" name="Gruppieren 131"/>
+          <p:cNvGrpSpPr/>
+          <p:nvPr/>
+        </p:nvGrpSpPr>
+        <p:grpSpPr>
+          <a:xfrm>
+            <a:off x="3383826" y="4616384"/>
+            <a:ext cx="1396361" cy="807235"/>
+            <a:chOff x="785758" y="4641536"/>
+            <a:chExt cx="723176" cy="389402"/>
+          </a:xfrm>
+        </p:grpSpPr>
+        <p:sp>
+          <p:nvSpPr>
+            <p:cNvPr id="133" name="Rechteck 132"/>
+            <p:cNvSpPr/>
+            <p:nvPr/>
+          </p:nvSpPr>
+          <p:spPr bwMode="auto">
+            <a:xfrm>
+              <a:off x="785758" y="4641536"/>
+              <a:ext cx="723176" cy="389402"/>
+            </a:xfrm>
+            <a:prstGeom prst="rect">
+              <a:avLst/>
+            </a:prstGeom>
+            <a:noFill/>
+            <a:ln w="12700" cap="flat" cmpd="sng" algn="ctr">
+              <a:solidFill>
+                <a:schemeClr val="bg1">
+                  <a:lumMod val="50000"/>
+                </a:schemeClr>
+              </a:solidFill>
+              <a:prstDash val="solid"/>
+              <a:round/>
+              <a:headEnd type="none" w="med" len="med"/>
+              <a:tailEnd type="none" w="med" len="med"/>
+            </a:ln>
+            <a:effectLst/>
+          </p:spPr>
+          <p:txBody>
+            <a:bodyPr rot="0" spcFirstLastPara="0" vertOverflow="overflow" horzOverflow="overflow" vert="horz" wrap="square" lIns="91440" tIns="45720" rIns="91440" bIns="45720" numCol="1" spcCol="0" rtlCol="0" fromWordArt="0" anchor="ctr" anchorCtr="0" forceAA="0" compatLnSpc="1">
+              <a:prstTxWarp prst="textNoShape">
+                <a:avLst/>
+              </a:prstTxWarp>
+              <a:noAutofit/>
+            </a:bodyPr>
+            <a:lstStyle/>
+            <a:p>
+              <a:pPr marL="0" marR="0" indent="0" algn="ctr" defTabSz="914400" rtl="0" eaLnBrk="1" fontAlgn="base" latinLnBrk="0" hangingPunct="1">
+                <a:lnSpc>
+                  <a:spcPct val="100000"/>
+                </a:lnSpc>
+                <a:spcBef>
+                  <a:spcPct val="0"/>
+                </a:spcBef>
+                <a:spcAft>
+                  <a:spcPts val="600"/>
+                </a:spcAft>
+                <a:buClrTx/>
+                <a:buSzTx/>
+                <a:buFontTx/>
+                <a:buNone/>
+                <a:tabLst/>
+              </a:pPr>
+              <a:endParaRPr kumimoji="0" lang="de-DE" sz="1200" b="0" i="0" u="none" strike="noStrike" cap="none" normalizeH="0" baseline="0" dirty="0" err="1" smtClean="0">
+                <a:ln>
+                  <a:noFill/>
+                </a:ln>
+                <a:solidFill>
+                  <a:schemeClr val="bg1"/>
+                </a:solidFill>
+                <a:effectLst/>
+                <a:latin typeface="Open Sans" panose="020B0606030504020204" pitchFamily="34" charset="0"/>
+                <a:ea typeface="Open Sans" panose="020B0606030504020204" pitchFamily="34" charset="0"/>
+                <a:cs typeface="Open Sans" panose="020B0606030504020204" pitchFamily="34" charset="0"/>
+              </a:endParaRPr>
+            </a:p>
+          </p:txBody>
+        </p:sp>
+        <p:sp>
+          <p:nvSpPr>
+            <p:cNvPr id="134" name="Rechteck 133"/>
+            <p:cNvSpPr/>
+            <p:nvPr/>
+          </p:nvSpPr>
+          <p:spPr bwMode="auto">
+            <a:xfrm>
+              <a:off x="869811" y="4715757"/>
+              <a:ext cx="227892" cy="101917"/>
+            </a:xfrm>
+            <a:prstGeom prst="rect">
+              <a:avLst/>
+            </a:prstGeom>
+            <a:solidFill>
+              <a:srgbClr val="FFC000"/>
+            </a:solidFill>
+            <a:ln w="12700" cap="flat" cmpd="sng" algn="ctr">
+              <a:solidFill>
+                <a:schemeClr val="bg1">
+                  <a:lumMod val="50000"/>
+                </a:schemeClr>
+              </a:solidFill>
+              <a:prstDash val="solid"/>
+              <a:round/>
+              <a:headEnd type="none" w="med" len="med"/>
+              <a:tailEnd type="none" w="med" len="med"/>
+            </a:ln>
+            <a:effectLst/>
+          </p:spPr>
+          <p:txBody>
+            <a:bodyPr rot="0" spcFirstLastPara="0" vertOverflow="overflow" horzOverflow="overflow" vert="horz" wrap="square" lIns="91440" tIns="45720" rIns="91440" bIns="45720" numCol="1" spcCol="0" rtlCol="0" fromWordArt="0" anchor="ctr" anchorCtr="0" forceAA="0" compatLnSpc="1">
+              <a:prstTxWarp prst="textNoShape">
+                <a:avLst/>
+              </a:prstTxWarp>
+              <a:noAutofit/>
+            </a:bodyPr>
+            <a:lstStyle/>
+            <a:p>
+              <a:pPr marL="0" marR="0" indent="0" algn="ctr" defTabSz="914400" rtl="0" eaLnBrk="1" fontAlgn="base" latinLnBrk="0" hangingPunct="1">
+                <a:lnSpc>
+                  <a:spcPct val="100000"/>
+                </a:lnSpc>
+                <a:spcBef>
+                  <a:spcPct val="0"/>
+                </a:spcBef>
+                <a:spcAft>
+                  <a:spcPts val="600"/>
+                </a:spcAft>
+                <a:buClrTx/>
+                <a:buSzTx/>
+                <a:buFontTx/>
+                <a:buNone/>
+                <a:tabLst/>
+              </a:pPr>
+              <a:endParaRPr kumimoji="0" lang="de-DE" sz="1200" b="0" i="0" u="none" strike="noStrike" cap="none" normalizeH="0" baseline="0" dirty="0" err="1" smtClean="0">
+                <a:ln>
+                  <a:noFill/>
+                </a:ln>
+                <a:solidFill>
+                  <a:schemeClr val="bg1"/>
+                </a:solidFill>
+                <a:effectLst/>
+                <a:latin typeface="Open Sans" panose="020B0606030504020204" pitchFamily="34" charset="0"/>
+                <a:ea typeface="Open Sans" panose="020B0606030504020204" pitchFamily="34" charset="0"/>
+                <a:cs typeface="Open Sans" panose="020B0606030504020204" pitchFamily="34" charset="0"/>
+              </a:endParaRPr>
+            </a:p>
+          </p:txBody>
+        </p:sp>
+        <p:sp>
+          <p:nvSpPr>
+            <p:cNvPr id="135" name="Rechteck 134"/>
+            <p:cNvSpPr/>
+            <p:nvPr/>
+          </p:nvSpPr>
+          <p:spPr bwMode="auto">
+            <a:xfrm>
+              <a:off x="1203004" y="4715756"/>
+              <a:ext cx="227892" cy="101917"/>
+            </a:xfrm>
+            <a:prstGeom prst="rect">
+              <a:avLst/>
+            </a:prstGeom>
+            <a:solidFill>
+              <a:srgbClr val="FFC000"/>
+            </a:solidFill>
+            <a:ln w="12700" cap="flat" cmpd="sng" algn="ctr">
+              <a:solidFill>
+                <a:schemeClr val="bg1">
+                  <a:lumMod val="50000"/>
+                </a:schemeClr>
+              </a:solidFill>
+              <a:prstDash val="solid"/>
+              <a:round/>
+              <a:headEnd type="none" w="med" len="med"/>
+              <a:tailEnd type="none" w="med" len="med"/>
+            </a:ln>
+            <a:effectLst/>
+          </p:spPr>
+          <p:txBody>
+            <a:bodyPr rot="0" spcFirstLastPara="0" vertOverflow="overflow" horzOverflow="overflow" vert="horz" wrap="square" lIns="91440" tIns="45720" rIns="91440" bIns="45720" numCol="1" spcCol="0" rtlCol="0" fromWordArt="0" anchor="ctr" anchorCtr="0" forceAA="0" compatLnSpc="1">
+              <a:prstTxWarp prst="textNoShape">
+                <a:avLst/>
+              </a:prstTxWarp>
+              <a:noAutofit/>
+            </a:bodyPr>
+            <a:lstStyle/>
+            <a:p>
+              <a:pPr marL="0" marR="0" indent="0" algn="ctr" defTabSz="914400" rtl="0" eaLnBrk="1" fontAlgn="base" latinLnBrk="0" hangingPunct="1">
+                <a:lnSpc>
+                  <a:spcPct val="100000"/>
+                </a:lnSpc>
+                <a:spcBef>
+                  <a:spcPct val="0"/>
+                </a:spcBef>
+                <a:spcAft>
+                  <a:spcPts val="600"/>
+                </a:spcAft>
+                <a:buClrTx/>
+                <a:buSzTx/>
+                <a:buFontTx/>
+                <a:buNone/>
+                <a:tabLst/>
+              </a:pPr>
+              <a:endParaRPr kumimoji="0" lang="de-DE" sz="1200" b="0" i="0" u="none" strike="noStrike" cap="none" normalizeH="0" baseline="0" dirty="0" err="1" smtClean="0">
+                <a:ln>
+                  <a:noFill/>
+                </a:ln>
+                <a:solidFill>
+                  <a:schemeClr val="bg1"/>
+                </a:solidFill>
+                <a:effectLst/>
+                <a:latin typeface="Open Sans" panose="020B0606030504020204" pitchFamily="34" charset="0"/>
+                <a:ea typeface="Open Sans" panose="020B0606030504020204" pitchFamily="34" charset="0"/>
+                <a:cs typeface="Open Sans" panose="020B0606030504020204" pitchFamily="34" charset="0"/>
+              </a:endParaRPr>
+            </a:p>
+          </p:txBody>
+        </p:sp>
+        <p:sp>
+          <p:nvSpPr>
+            <p:cNvPr id="136" name="Rechteck 135"/>
+            <p:cNvSpPr/>
+            <p:nvPr/>
+          </p:nvSpPr>
+          <p:spPr bwMode="auto">
+            <a:xfrm>
+              <a:off x="1022211" y="4868157"/>
+              <a:ext cx="227892" cy="101917"/>
+            </a:xfrm>
+            <a:prstGeom prst="rect">
+              <a:avLst/>
+            </a:prstGeom>
+            <a:solidFill>
+              <a:srgbClr val="FFC000"/>
+            </a:solidFill>
+            <a:ln w="12700" cap="flat" cmpd="sng" algn="ctr">
+              <a:solidFill>
+                <a:schemeClr val="bg1">
+                  <a:lumMod val="50000"/>
+                </a:schemeClr>
+              </a:solidFill>
+              <a:prstDash val="solid"/>
+              <a:round/>
+              <a:headEnd type="none" w="med" len="med"/>
+              <a:tailEnd type="none" w="med" len="med"/>
+            </a:ln>
+            <a:effectLst/>
+          </p:spPr>
+          <p:txBody>
+            <a:bodyPr rot="0" spcFirstLastPara="0" vertOverflow="overflow" horzOverflow="overflow" vert="horz" wrap="square" lIns="91440" tIns="45720" rIns="91440" bIns="45720" numCol="1" spcCol="0" rtlCol="0" fromWordArt="0" anchor="ctr" anchorCtr="0" forceAA="0" compatLnSpc="1">
+              <a:prstTxWarp prst="textNoShape">
+                <a:avLst/>
+              </a:prstTxWarp>
+              <a:noAutofit/>
+            </a:bodyPr>
+            <a:lstStyle/>
+            <a:p>
+              <a:pPr marL="0" marR="0" indent="0" algn="ctr" defTabSz="914400" rtl="0" eaLnBrk="1" fontAlgn="base" latinLnBrk="0" hangingPunct="1">
+                <a:lnSpc>
+                  <a:spcPct val="100000"/>
+                </a:lnSpc>
+                <a:spcBef>
+                  <a:spcPct val="0"/>
+                </a:spcBef>
+                <a:spcAft>
+                  <a:spcPts val="600"/>
+                </a:spcAft>
+                <a:buClrTx/>
+                <a:buSzTx/>
+                <a:buFontTx/>
+                <a:buNone/>
+                <a:tabLst/>
+              </a:pPr>
+              <a:endParaRPr kumimoji="0" lang="de-DE" sz="1200" b="0" i="0" u="none" strike="noStrike" cap="none" normalizeH="0" baseline="0" dirty="0" err="1" smtClean="0">
+                <a:ln>
+                  <a:noFill/>
+                </a:ln>
+                <a:solidFill>
+                  <a:schemeClr val="bg1"/>
+                </a:solidFill>
+                <a:effectLst/>
+                <a:latin typeface="Open Sans" panose="020B0606030504020204" pitchFamily="34" charset="0"/>
+                <a:ea typeface="Open Sans" panose="020B0606030504020204" pitchFamily="34" charset="0"/>
+                <a:cs typeface="Open Sans" panose="020B0606030504020204" pitchFamily="34" charset="0"/>
+              </a:endParaRPr>
+            </a:p>
+          </p:txBody>
+        </p:sp>
+      </p:grpSp>
     </p:spTree>
     <p:extLst>
       <p:ext uri="{BB962C8B-B14F-4D97-AF65-F5344CB8AC3E}">
@@ -8360,6 +13539,1501 @@
 </file>
 
 <file path=ppt/slides/slide8.xml><?xml version="1.0" encoding="utf-8"?>
+<p:sld xmlns:a="http://schemas.openxmlformats.org/drawingml/2006/main" xmlns:r="http://schemas.openxmlformats.org/officeDocument/2006/relationships" xmlns:p="http://schemas.openxmlformats.org/presentationml/2006/main">
+  <p:cSld>
+    <p:spTree>
+      <p:nvGrpSpPr>
+        <p:cNvPr id="1" name=""/>
+        <p:cNvGrpSpPr/>
+        <p:nvPr/>
+      </p:nvGrpSpPr>
+      <p:grpSpPr>
+        <a:xfrm>
+          <a:off x="0" y="0"/>
+          <a:ext cx="0" cy="0"/>
+          <a:chOff x="0" y="0"/>
+          <a:chExt cx="0" cy="0"/>
+        </a:xfrm>
+      </p:grpSpPr>
+      <p:sp>
+        <p:nvSpPr>
+          <p:cNvPr id="2" name="Titel 1"/>
+          <p:cNvSpPr>
+            <a:spLocks noGrp="1"/>
+          </p:cNvSpPr>
+          <p:nvPr>
+            <p:ph type="title"/>
+          </p:nvPr>
+        </p:nvSpPr>
+        <p:spPr/>
+        <p:txBody>
+          <a:bodyPr/>
+          <a:lstStyle/>
+          <a:p>
+            <a:r>
+              <a:rPr lang="de-DE" dirty="0" smtClean="0"/>
+              <a:t>Anwendung von Spark-Funktionen auf das Marktforschungsbeispiel</a:t>
+            </a:r>
+            <a:endParaRPr lang="de-DE" dirty="0"/>
+          </a:p>
+        </p:txBody>
+      </p:sp>
+      <p:graphicFrame>
+        <p:nvGraphicFramePr>
+          <p:cNvPr id="6" name="Tabelle 5"/>
+          <p:cNvGraphicFramePr>
+            <a:graphicFrameLocks noGrp="1"/>
+          </p:cNvGraphicFramePr>
+          <p:nvPr>
+            <p:extLst>
+              <p:ext uri="{D42A27DB-BD31-4B8C-83A1-F6EECF244321}">
+                <p14:modId xmlns:p14="http://schemas.microsoft.com/office/powerpoint/2010/main" val="2647669271"/>
+              </p:ext>
+            </p:extLst>
+          </p:nvPr>
+        </p:nvGraphicFramePr>
+        <p:xfrm>
+          <a:off x="553224" y="2795753"/>
+          <a:ext cx="2571582" cy="1645920"/>
+        </p:xfrm>
+        <a:graphic>
+          <a:graphicData uri="http://schemas.openxmlformats.org/drawingml/2006/table">
+            <a:tbl>
+              <a:tblPr bandRow="1">
+                <a:tableStyleId>{93296810-A885-4BE3-A3E7-6D5BEEA58F35}</a:tableStyleId>
+              </a:tblPr>
+              <a:tblGrid>
+                <a:gridCol w="1057862"/>
+                <a:gridCol w="420914"/>
+                <a:gridCol w="478971"/>
+                <a:gridCol w="613835"/>
+              </a:tblGrid>
+              <a:tr h="0">
+                <a:tc>
+                  <a:txBody>
+                    <a:bodyPr/>
+                    <a:lstStyle/>
+                    <a:p>
+                      <a:r>
+                        <a:rPr lang="de-DE" sz="1200" dirty="0" smtClean="0"/>
+                        <a:t>Moto G4</a:t>
+                      </a:r>
+                    </a:p>
+                  </a:txBody>
+                  <a:tcPr/>
+                </a:tc>
+                <a:tc>
+                  <a:txBody>
+                    <a:bodyPr/>
+                    <a:lstStyle/>
+                    <a:p>
+                      <a:pPr algn="ctr"/>
+                      <a:r>
+                        <a:rPr lang="de-DE" sz="1200" dirty="0" smtClean="0"/>
+                        <a:t>S</a:t>
+                      </a:r>
+                      <a:endParaRPr lang="de-DE" sz="1200" dirty="0"/>
+                    </a:p>
+                  </a:txBody>
+                  <a:tcPr/>
+                </a:tc>
+                <a:tc>
+                  <a:txBody>
+                    <a:bodyPr/>
+                    <a:lstStyle/>
+                    <a:p>
+                      <a:pPr algn="r"/>
+                      <a:r>
+                        <a:rPr lang="de-DE" sz="1200" dirty="0" smtClean="0"/>
+                        <a:t>7</a:t>
+                      </a:r>
+                      <a:endParaRPr lang="de-DE" sz="1200" dirty="0"/>
+                    </a:p>
+                  </a:txBody>
+                  <a:tcPr/>
+                </a:tc>
+                <a:tc>
+                  <a:txBody>
+                    <a:bodyPr/>
+                    <a:lstStyle/>
+                    <a:p>
+                      <a:pPr algn="r"/>
+                      <a:r>
+                        <a:rPr lang="de-DE" sz="1200" dirty="0" smtClean="0"/>
+                        <a:t>160€</a:t>
+                      </a:r>
+                      <a:endParaRPr lang="de-DE" sz="1200" dirty="0"/>
+                    </a:p>
+                  </a:txBody>
+                  <a:tcPr/>
+                </a:tc>
+              </a:tr>
+              <a:tr h="0">
+                <a:tc>
+                  <a:txBody>
+                    <a:bodyPr/>
+                    <a:lstStyle/>
+                    <a:p>
+                      <a:r>
+                        <a:rPr lang="de-DE" sz="1200" dirty="0" err="1" smtClean="0"/>
+                        <a:t>Xperia</a:t>
+                      </a:r>
+                      <a:r>
+                        <a:rPr lang="de-DE" sz="1200" dirty="0" smtClean="0"/>
+                        <a:t> E5</a:t>
+                      </a:r>
+                      <a:endParaRPr lang="de-DE" sz="1200" dirty="0"/>
+                    </a:p>
+                  </a:txBody>
+                  <a:tcPr/>
+                </a:tc>
+                <a:tc>
+                  <a:txBody>
+                    <a:bodyPr/>
+                    <a:lstStyle/>
+                    <a:p>
+                      <a:pPr algn="ctr"/>
+                      <a:r>
+                        <a:rPr lang="de-DE" sz="1200" dirty="0" smtClean="0"/>
+                        <a:t>S</a:t>
+                      </a:r>
+                      <a:endParaRPr lang="de-DE" sz="1200" dirty="0"/>
+                    </a:p>
+                  </a:txBody>
+                  <a:tcPr/>
+                </a:tc>
+                <a:tc>
+                  <a:txBody>
+                    <a:bodyPr/>
+                    <a:lstStyle/>
+                    <a:p>
+                      <a:pPr algn="r"/>
+                      <a:r>
+                        <a:rPr lang="de-DE" sz="1200" dirty="0" smtClean="0"/>
+                        <a:t>2</a:t>
+                      </a:r>
+                      <a:endParaRPr lang="de-DE" sz="1200" dirty="0"/>
+                    </a:p>
+                  </a:txBody>
+                  <a:tcPr/>
+                </a:tc>
+                <a:tc>
+                  <a:txBody>
+                    <a:bodyPr/>
+                    <a:lstStyle/>
+                    <a:p>
+                      <a:pPr algn="r"/>
+                      <a:r>
+                        <a:rPr lang="de-DE" sz="1200" dirty="0" smtClean="0"/>
+                        <a:t>130€</a:t>
+                      </a:r>
+                      <a:endParaRPr lang="de-DE" sz="1200" dirty="0"/>
+                    </a:p>
+                  </a:txBody>
+                  <a:tcPr/>
+                </a:tc>
+              </a:tr>
+              <a:tr h="148461">
+                <a:tc>
+                  <a:txBody>
+                    <a:bodyPr/>
+                    <a:lstStyle/>
+                    <a:p>
+                      <a:r>
+                        <a:rPr lang="de-DE" sz="1200" dirty="0" smtClean="0"/>
+                        <a:t>LT-40VF43A</a:t>
+                      </a:r>
+                      <a:endParaRPr lang="de-DE" sz="1200" dirty="0"/>
+                    </a:p>
+                  </a:txBody>
+                  <a:tcPr/>
+                </a:tc>
+                <a:tc>
+                  <a:txBody>
+                    <a:bodyPr/>
+                    <a:lstStyle/>
+                    <a:p>
+                      <a:pPr algn="ctr"/>
+                      <a:r>
+                        <a:rPr lang="de-DE" sz="1200" dirty="0" smtClean="0"/>
+                        <a:t>F</a:t>
+                      </a:r>
+                      <a:endParaRPr lang="de-DE" sz="1200" dirty="0"/>
+                    </a:p>
+                  </a:txBody>
+                  <a:tcPr/>
+                </a:tc>
+                <a:tc>
+                  <a:txBody>
+                    <a:bodyPr/>
+                    <a:lstStyle/>
+                    <a:p>
+                      <a:pPr algn="r"/>
+                      <a:r>
+                        <a:rPr lang="de-DE" sz="1200" dirty="0" smtClean="0"/>
+                        <a:t>1</a:t>
+                      </a:r>
+                      <a:endParaRPr lang="de-DE" sz="1200" dirty="0"/>
+                    </a:p>
+                  </a:txBody>
+                  <a:tcPr/>
+                </a:tc>
+                <a:tc>
+                  <a:txBody>
+                    <a:bodyPr/>
+                    <a:lstStyle/>
+                    <a:p>
+                      <a:pPr algn="r"/>
+                      <a:r>
+                        <a:rPr lang="de-DE" sz="1200" dirty="0" smtClean="0"/>
+                        <a:t>320</a:t>
+                      </a:r>
+                      <a:r>
+                        <a:rPr lang="de-DE" sz="1200" dirty="0" smtClean="0"/>
+                        <a:t>€</a:t>
+                      </a:r>
+                      <a:endParaRPr lang="de-DE" sz="1200" dirty="0"/>
+                    </a:p>
+                  </a:txBody>
+                  <a:tcPr/>
+                </a:tc>
+              </a:tr>
+              <a:tr h="0">
+                <a:tc>
+                  <a:txBody>
+                    <a:bodyPr/>
+                    <a:lstStyle/>
+                    <a:p>
+                      <a:r>
+                        <a:rPr lang="de-DE" sz="1200" dirty="0" smtClean="0"/>
+                        <a:t>J6289</a:t>
+                      </a:r>
+                      <a:endParaRPr lang="de-DE" sz="1200" dirty="0"/>
+                    </a:p>
+                  </a:txBody>
+                  <a:tcPr/>
+                </a:tc>
+                <a:tc>
+                  <a:txBody>
+                    <a:bodyPr/>
+                    <a:lstStyle/>
+                    <a:p>
+                      <a:pPr algn="ctr"/>
+                      <a:r>
+                        <a:rPr lang="de-DE" sz="1200" dirty="0" smtClean="0"/>
+                        <a:t>F</a:t>
+                      </a:r>
+                      <a:endParaRPr lang="de-DE" sz="1200" dirty="0"/>
+                    </a:p>
+                  </a:txBody>
+                  <a:tcPr/>
+                </a:tc>
+                <a:tc>
+                  <a:txBody>
+                    <a:bodyPr/>
+                    <a:lstStyle/>
+                    <a:p>
+                      <a:pPr algn="r"/>
+                      <a:r>
+                        <a:rPr lang="de-DE" sz="1200" dirty="0" smtClean="0"/>
+                        <a:t>8</a:t>
+                      </a:r>
+                      <a:endParaRPr lang="de-DE" sz="1200" dirty="0"/>
+                    </a:p>
+                  </a:txBody>
+                  <a:tcPr/>
+                </a:tc>
+                <a:tc>
+                  <a:txBody>
+                    <a:bodyPr/>
+                    <a:lstStyle/>
+                    <a:p>
+                      <a:pPr algn="r"/>
+                      <a:r>
+                        <a:rPr lang="de-DE" sz="1200" dirty="0" smtClean="0"/>
+                        <a:t>400€</a:t>
+                      </a:r>
+                      <a:endParaRPr lang="de-DE" sz="1200" dirty="0"/>
+                    </a:p>
+                  </a:txBody>
+                  <a:tcPr/>
+                </a:tc>
+              </a:tr>
+              <a:tr h="0">
+                <a:tc>
+                  <a:txBody>
+                    <a:bodyPr/>
+                    <a:lstStyle/>
+                    <a:p>
+                      <a:r>
+                        <a:rPr lang="de-DE" sz="1200" dirty="0" smtClean="0"/>
+                        <a:t>USB 1,5m</a:t>
+                      </a:r>
+                      <a:endParaRPr lang="de-DE" sz="1200" dirty="0"/>
+                    </a:p>
+                  </a:txBody>
+                  <a:tcPr/>
+                </a:tc>
+                <a:tc>
+                  <a:txBody>
+                    <a:bodyPr/>
+                    <a:lstStyle/>
+                    <a:p>
+                      <a:pPr algn="ctr"/>
+                      <a:r>
+                        <a:rPr lang="de-DE" sz="1200" dirty="0" smtClean="0"/>
+                        <a:t>K</a:t>
+                      </a:r>
+                      <a:endParaRPr lang="de-DE" sz="1200" dirty="0"/>
+                    </a:p>
+                  </a:txBody>
+                  <a:tcPr/>
+                </a:tc>
+                <a:tc>
+                  <a:txBody>
+                    <a:bodyPr/>
+                    <a:lstStyle/>
+                    <a:p>
+                      <a:pPr algn="r"/>
+                      <a:r>
+                        <a:rPr lang="de-DE" sz="1200" dirty="0" smtClean="0"/>
+                        <a:t>150</a:t>
+                      </a:r>
+                      <a:endParaRPr lang="de-DE" sz="1200" dirty="0"/>
+                    </a:p>
+                  </a:txBody>
+                  <a:tcPr/>
+                </a:tc>
+                <a:tc>
+                  <a:txBody>
+                    <a:bodyPr/>
+                    <a:lstStyle/>
+                    <a:p>
+                      <a:pPr algn="r"/>
+                      <a:r>
+                        <a:rPr lang="de-DE" sz="1200" dirty="0" smtClean="0"/>
+                        <a:t>4€</a:t>
+                      </a:r>
+                      <a:endParaRPr lang="de-DE" sz="1200" dirty="0"/>
+                    </a:p>
+                  </a:txBody>
+                  <a:tcPr/>
+                </a:tc>
+              </a:tr>
+              <a:tr h="0">
+                <a:tc>
+                  <a:txBody>
+                    <a:bodyPr/>
+                    <a:lstStyle/>
+                    <a:p>
+                      <a:r>
+                        <a:rPr lang="de-DE" sz="1200" dirty="0" smtClean="0"/>
+                        <a:t>USB</a:t>
+                      </a:r>
+                      <a:r>
+                        <a:rPr lang="de-DE" sz="1200" baseline="0" dirty="0" smtClean="0"/>
+                        <a:t> 3m</a:t>
+                      </a:r>
+                      <a:endParaRPr lang="de-DE" sz="1200" dirty="0"/>
+                    </a:p>
+                  </a:txBody>
+                  <a:tcPr/>
+                </a:tc>
+                <a:tc>
+                  <a:txBody>
+                    <a:bodyPr/>
+                    <a:lstStyle/>
+                    <a:p>
+                      <a:pPr algn="ctr"/>
+                      <a:r>
+                        <a:rPr lang="de-DE" sz="1200" dirty="0" smtClean="0"/>
+                        <a:t>K</a:t>
+                      </a:r>
+                      <a:endParaRPr lang="de-DE" sz="1200" dirty="0"/>
+                    </a:p>
+                  </a:txBody>
+                  <a:tcPr/>
+                </a:tc>
+                <a:tc>
+                  <a:txBody>
+                    <a:bodyPr/>
+                    <a:lstStyle/>
+                    <a:p>
+                      <a:pPr algn="r"/>
+                      <a:r>
+                        <a:rPr lang="de-DE" sz="1200" dirty="0" smtClean="0"/>
+                        <a:t>35</a:t>
+                      </a:r>
+                      <a:endParaRPr lang="de-DE" sz="1200" dirty="0"/>
+                    </a:p>
+                  </a:txBody>
+                  <a:tcPr/>
+                </a:tc>
+                <a:tc>
+                  <a:txBody>
+                    <a:bodyPr/>
+                    <a:lstStyle/>
+                    <a:p>
+                      <a:pPr algn="r"/>
+                      <a:r>
+                        <a:rPr lang="de-DE" sz="1200" dirty="0" smtClean="0"/>
+                        <a:t>6€</a:t>
+                      </a:r>
+                      <a:endParaRPr lang="de-DE" sz="1200" dirty="0"/>
+                    </a:p>
+                  </a:txBody>
+                  <a:tcPr/>
+                </a:tc>
+              </a:tr>
+            </a:tbl>
+          </a:graphicData>
+        </a:graphic>
+      </p:graphicFrame>
+      <p:sp>
+        <p:nvSpPr>
+          <p:cNvPr id="11" name="Pfeil nach rechts 10"/>
+          <p:cNvSpPr/>
+          <p:nvPr/>
+        </p:nvSpPr>
+        <p:spPr bwMode="auto">
+          <a:xfrm>
+            <a:off x="3269077" y="2307771"/>
+            <a:ext cx="1219200" cy="946936"/>
+          </a:xfrm>
+          <a:prstGeom prst="rightArrow">
+            <a:avLst/>
+          </a:prstGeom>
+          <a:solidFill>
+            <a:srgbClr val="0070C0"/>
+          </a:solidFill>
+          <a:ln w="9525" cap="flat" cmpd="sng" algn="ctr">
+            <a:noFill/>
+            <a:prstDash val="solid"/>
+            <a:round/>
+            <a:headEnd type="none" w="med" len="med"/>
+            <a:tailEnd type="none" w="med" len="med"/>
+          </a:ln>
+          <a:effectLst/>
+        </p:spPr>
+        <p:txBody>
+          <a:bodyPr rot="0" spcFirstLastPara="0" vertOverflow="overflow" horzOverflow="overflow" vert="horz" wrap="square" lIns="91440" tIns="45720" rIns="91440" bIns="45720" numCol="1" spcCol="0" rtlCol="0" fromWordArt="0" anchor="ctr" anchorCtr="0" forceAA="0" compatLnSpc="1">
+            <a:prstTxWarp prst="textNoShape">
+              <a:avLst/>
+            </a:prstTxWarp>
+            <a:noAutofit/>
+          </a:bodyPr>
+          <a:lstStyle/>
+          <a:p>
+            <a:pPr marL="0" marR="0" indent="0" algn="ctr" defTabSz="914400" rtl="0" eaLnBrk="1" fontAlgn="base" latinLnBrk="0" hangingPunct="1">
+              <a:lnSpc>
+                <a:spcPct val="100000"/>
+              </a:lnSpc>
+              <a:spcBef>
+                <a:spcPct val="0"/>
+              </a:spcBef>
+              <a:spcAft>
+                <a:spcPts val="600"/>
+              </a:spcAft>
+              <a:buClrTx/>
+              <a:buSzTx/>
+              <a:buFontTx/>
+              <a:buNone/>
+              <a:tabLst/>
+            </a:pPr>
+            <a:endParaRPr kumimoji="0" lang="de-DE" sz="1200" b="0" i="0" u="none" strike="noStrike" cap="none" normalizeH="0" baseline="0" dirty="0" err="1" smtClean="0">
+              <a:ln>
+                <a:noFill/>
+              </a:ln>
+              <a:solidFill>
+                <a:schemeClr val="bg1"/>
+              </a:solidFill>
+              <a:effectLst/>
+              <a:latin typeface="Open Sans" panose="020B0606030504020204" pitchFamily="34" charset="0"/>
+              <a:ea typeface="Open Sans" panose="020B0606030504020204" pitchFamily="34" charset="0"/>
+              <a:cs typeface="Open Sans" panose="020B0606030504020204" pitchFamily="34" charset="0"/>
+            </a:endParaRPr>
+          </a:p>
+        </p:txBody>
+      </p:sp>
+      <p:graphicFrame>
+        <p:nvGraphicFramePr>
+          <p:cNvPr id="14" name="Tabelle 13"/>
+          <p:cNvGraphicFramePr>
+            <a:graphicFrameLocks noGrp="1"/>
+          </p:cNvGraphicFramePr>
+          <p:nvPr>
+            <p:extLst>
+              <p:ext uri="{D42A27DB-BD31-4B8C-83A1-F6EECF244321}">
+                <p14:modId xmlns:p14="http://schemas.microsoft.com/office/powerpoint/2010/main" val="4183080905"/>
+              </p:ext>
+            </p:extLst>
+          </p:nvPr>
+        </p:nvGraphicFramePr>
+        <p:xfrm>
+          <a:off x="553225" y="1218957"/>
+          <a:ext cx="2571582" cy="1371600"/>
+        </p:xfrm>
+        <a:graphic>
+          <a:graphicData uri="http://schemas.openxmlformats.org/drawingml/2006/table">
+            <a:tbl>
+              <a:tblPr bandRow="1">
+                <a:tableStyleId>{93296810-A885-4BE3-A3E7-6D5BEEA58F35}</a:tableStyleId>
+              </a:tblPr>
+              <a:tblGrid>
+                <a:gridCol w="1057861"/>
+                <a:gridCol w="420914"/>
+                <a:gridCol w="449943"/>
+                <a:gridCol w="642864"/>
+              </a:tblGrid>
+              <a:tr h="0">
+                <a:tc>
+                  <a:txBody>
+                    <a:bodyPr/>
+                    <a:lstStyle/>
+                    <a:p>
+                      <a:r>
+                        <a:rPr lang="de-DE" sz="1200" dirty="0" err="1" smtClean="0"/>
+                        <a:t>Galaxy</a:t>
+                      </a:r>
+                      <a:r>
+                        <a:rPr lang="de-DE" sz="1200" dirty="0" smtClean="0"/>
+                        <a:t> J3</a:t>
+                      </a:r>
+                      <a:endParaRPr lang="de-DE" sz="1200" dirty="0"/>
+                    </a:p>
+                  </a:txBody>
+                  <a:tcPr/>
+                </a:tc>
+                <a:tc>
+                  <a:txBody>
+                    <a:bodyPr/>
+                    <a:lstStyle/>
+                    <a:p>
+                      <a:pPr algn="ctr"/>
+                      <a:r>
+                        <a:rPr lang="de-DE" sz="1200" dirty="0" smtClean="0"/>
+                        <a:t>S</a:t>
+                      </a:r>
+                      <a:endParaRPr lang="de-DE" sz="1200" dirty="0"/>
+                    </a:p>
+                  </a:txBody>
+                  <a:tcPr/>
+                </a:tc>
+                <a:tc>
+                  <a:txBody>
+                    <a:bodyPr/>
+                    <a:lstStyle/>
+                    <a:p>
+                      <a:pPr algn="r"/>
+                      <a:r>
+                        <a:rPr lang="de-DE" sz="1200" dirty="0" smtClean="0"/>
+                        <a:t>5</a:t>
+                      </a:r>
+                      <a:endParaRPr lang="de-DE" sz="1200" dirty="0"/>
+                    </a:p>
+                  </a:txBody>
+                  <a:tcPr/>
+                </a:tc>
+                <a:tc>
+                  <a:txBody>
+                    <a:bodyPr/>
+                    <a:lstStyle/>
+                    <a:p>
+                      <a:pPr algn="r"/>
+                      <a:r>
+                        <a:rPr lang="de-DE" sz="1200" dirty="0" smtClean="0"/>
+                        <a:t>150€</a:t>
+                      </a:r>
+                      <a:endParaRPr lang="de-DE" sz="1200" dirty="0"/>
+                    </a:p>
+                  </a:txBody>
+                  <a:tcPr/>
+                </a:tc>
+              </a:tr>
+              <a:tr h="0">
+                <a:tc>
+                  <a:txBody>
+                    <a:bodyPr/>
+                    <a:lstStyle/>
+                    <a:p>
+                      <a:r>
+                        <a:rPr lang="de-DE" sz="1200" dirty="0" err="1" smtClean="0"/>
+                        <a:t>Xperia</a:t>
+                      </a:r>
+                      <a:r>
+                        <a:rPr lang="de-DE" sz="1200" dirty="0" smtClean="0"/>
+                        <a:t> E5</a:t>
+                      </a:r>
+                      <a:endParaRPr lang="de-DE" sz="1200" dirty="0"/>
+                    </a:p>
+                  </a:txBody>
+                  <a:tcPr/>
+                </a:tc>
+                <a:tc>
+                  <a:txBody>
+                    <a:bodyPr/>
+                    <a:lstStyle/>
+                    <a:p>
+                      <a:pPr algn="ctr"/>
+                      <a:r>
+                        <a:rPr lang="de-DE" sz="1200" dirty="0" smtClean="0"/>
+                        <a:t>S</a:t>
+                      </a:r>
+                      <a:endParaRPr lang="de-DE" sz="1200" dirty="0"/>
+                    </a:p>
+                  </a:txBody>
+                  <a:tcPr/>
+                </a:tc>
+                <a:tc>
+                  <a:txBody>
+                    <a:bodyPr/>
+                    <a:lstStyle/>
+                    <a:p>
+                      <a:pPr algn="r"/>
+                      <a:r>
+                        <a:rPr lang="de-DE" sz="1200" dirty="0" smtClean="0"/>
+                        <a:t>3</a:t>
+                      </a:r>
+                      <a:endParaRPr lang="de-DE" sz="1200" dirty="0"/>
+                    </a:p>
+                  </a:txBody>
+                  <a:tcPr/>
+                </a:tc>
+                <a:tc>
+                  <a:txBody>
+                    <a:bodyPr/>
+                    <a:lstStyle/>
+                    <a:p>
+                      <a:pPr algn="r"/>
+                      <a:r>
+                        <a:rPr lang="de-DE" sz="1200" dirty="0" smtClean="0"/>
+                        <a:t>140€</a:t>
+                      </a:r>
+                      <a:endParaRPr lang="de-DE" sz="1200" dirty="0"/>
+                    </a:p>
+                  </a:txBody>
+                  <a:tcPr/>
+                </a:tc>
+              </a:tr>
+              <a:tr h="0">
+                <a:tc>
+                  <a:txBody>
+                    <a:bodyPr/>
+                    <a:lstStyle/>
+                    <a:p>
+                      <a:r>
+                        <a:rPr lang="de-DE" sz="1200" dirty="0" smtClean="0"/>
+                        <a:t>KU6519</a:t>
+                      </a:r>
+                      <a:endParaRPr lang="de-DE" sz="1200" dirty="0"/>
+                    </a:p>
+                  </a:txBody>
+                  <a:tcPr/>
+                </a:tc>
+                <a:tc>
+                  <a:txBody>
+                    <a:bodyPr/>
+                    <a:lstStyle/>
+                    <a:p>
+                      <a:pPr algn="ctr"/>
+                      <a:r>
+                        <a:rPr lang="de-DE" sz="1200" dirty="0" smtClean="0"/>
+                        <a:t>F</a:t>
+                      </a:r>
+                      <a:endParaRPr lang="de-DE" sz="1200" dirty="0"/>
+                    </a:p>
+                  </a:txBody>
+                  <a:tcPr/>
+                </a:tc>
+                <a:tc>
+                  <a:txBody>
+                    <a:bodyPr/>
+                    <a:lstStyle/>
+                    <a:p>
+                      <a:pPr algn="r"/>
+                      <a:r>
+                        <a:rPr lang="de-DE" sz="1200" dirty="0" smtClean="0"/>
+                        <a:t>12</a:t>
+                      </a:r>
+                      <a:endParaRPr lang="de-DE" sz="1200" dirty="0"/>
+                    </a:p>
+                  </a:txBody>
+                  <a:tcPr/>
+                </a:tc>
+                <a:tc>
+                  <a:txBody>
+                    <a:bodyPr/>
+                    <a:lstStyle/>
+                    <a:p>
+                      <a:pPr algn="r"/>
+                      <a:r>
+                        <a:rPr lang="de-DE" sz="1200" dirty="0" smtClean="0"/>
+                        <a:t>900€</a:t>
+                      </a:r>
+                      <a:endParaRPr lang="de-DE" sz="1200" dirty="0"/>
+                    </a:p>
+                  </a:txBody>
+                  <a:tcPr/>
+                </a:tc>
+              </a:tr>
+              <a:tr h="0">
+                <a:tc>
+                  <a:txBody>
+                    <a:bodyPr/>
+                    <a:lstStyle/>
+                    <a:p>
+                      <a:r>
+                        <a:rPr lang="de-DE" sz="1200" dirty="0" smtClean="0"/>
+                        <a:t>LT-40VF43A</a:t>
+                      </a:r>
+                      <a:endParaRPr lang="de-DE" sz="1200" dirty="0"/>
+                    </a:p>
+                  </a:txBody>
+                  <a:tcPr/>
+                </a:tc>
+                <a:tc>
+                  <a:txBody>
+                    <a:bodyPr/>
+                    <a:lstStyle/>
+                    <a:p>
+                      <a:pPr algn="ctr"/>
+                      <a:r>
+                        <a:rPr lang="de-DE" sz="1200" dirty="0" smtClean="0"/>
+                        <a:t>F</a:t>
+                      </a:r>
+                      <a:endParaRPr lang="de-DE" sz="1200" dirty="0"/>
+                    </a:p>
+                  </a:txBody>
+                  <a:tcPr/>
+                </a:tc>
+                <a:tc>
+                  <a:txBody>
+                    <a:bodyPr/>
+                    <a:lstStyle/>
+                    <a:p>
+                      <a:pPr algn="r"/>
+                      <a:r>
+                        <a:rPr lang="de-DE" sz="1200" dirty="0" smtClean="0"/>
+                        <a:t>4</a:t>
+                      </a:r>
+                      <a:endParaRPr lang="de-DE" sz="1200" dirty="0"/>
+                    </a:p>
+                  </a:txBody>
+                  <a:tcPr/>
+                </a:tc>
+                <a:tc>
+                  <a:txBody>
+                    <a:bodyPr/>
+                    <a:lstStyle/>
+                    <a:p>
+                      <a:pPr algn="r"/>
+                      <a:r>
+                        <a:rPr lang="de-DE" sz="1200" dirty="0" smtClean="0"/>
+                        <a:t>300€</a:t>
+                      </a:r>
+                      <a:endParaRPr lang="de-DE" sz="1200" dirty="0"/>
+                    </a:p>
+                  </a:txBody>
+                  <a:tcPr/>
+                </a:tc>
+              </a:tr>
+              <a:tr h="0">
+                <a:tc>
+                  <a:txBody>
+                    <a:bodyPr/>
+                    <a:lstStyle/>
+                    <a:p>
+                      <a:r>
+                        <a:rPr lang="de-DE" sz="1200" dirty="0" smtClean="0"/>
+                        <a:t>USB</a:t>
+                      </a:r>
+                      <a:r>
+                        <a:rPr lang="de-DE" sz="1200" baseline="0" dirty="0" smtClean="0"/>
+                        <a:t> 1,5m</a:t>
+                      </a:r>
+                      <a:endParaRPr lang="de-DE" sz="1200" dirty="0"/>
+                    </a:p>
+                  </a:txBody>
+                  <a:tcPr/>
+                </a:tc>
+                <a:tc>
+                  <a:txBody>
+                    <a:bodyPr/>
+                    <a:lstStyle/>
+                    <a:p>
+                      <a:pPr algn="ctr"/>
+                      <a:r>
+                        <a:rPr lang="de-DE" sz="1200" dirty="0" smtClean="0"/>
+                        <a:t>K</a:t>
+                      </a:r>
+                      <a:endParaRPr lang="de-DE" sz="1200" dirty="0"/>
+                    </a:p>
+                  </a:txBody>
+                  <a:tcPr/>
+                </a:tc>
+                <a:tc>
+                  <a:txBody>
+                    <a:bodyPr/>
+                    <a:lstStyle/>
+                    <a:p>
+                      <a:pPr algn="r"/>
+                      <a:r>
+                        <a:rPr lang="de-DE" sz="1200" dirty="0" smtClean="0"/>
+                        <a:t>200</a:t>
+                      </a:r>
+                      <a:endParaRPr lang="de-DE" sz="1200" dirty="0"/>
+                    </a:p>
+                  </a:txBody>
+                  <a:tcPr/>
+                </a:tc>
+                <a:tc>
+                  <a:txBody>
+                    <a:bodyPr/>
+                    <a:lstStyle/>
+                    <a:p>
+                      <a:pPr algn="r"/>
+                      <a:r>
+                        <a:rPr lang="de-DE" sz="1200" dirty="0" smtClean="0"/>
+                        <a:t>5€</a:t>
+                      </a:r>
+                      <a:endParaRPr lang="de-DE" sz="1200" dirty="0"/>
+                    </a:p>
+                  </a:txBody>
+                  <a:tcPr/>
+                </a:tc>
+              </a:tr>
+            </a:tbl>
+          </a:graphicData>
+        </a:graphic>
+      </p:graphicFrame>
+      <p:graphicFrame>
+        <p:nvGraphicFramePr>
+          <p:cNvPr id="15" name="Tabelle 14"/>
+          <p:cNvGraphicFramePr>
+            <a:graphicFrameLocks noGrp="1"/>
+          </p:cNvGraphicFramePr>
+          <p:nvPr>
+            <p:extLst>
+              <p:ext uri="{D42A27DB-BD31-4B8C-83A1-F6EECF244321}">
+                <p14:modId xmlns:p14="http://schemas.microsoft.com/office/powerpoint/2010/main" val="739782570"/>
+              </p:ext>
+            </p:extLst>
+          </p:nvPr>
+        </p:nvGraphicFramePr>
+        <p:xfrm>
+          <a:off x="4580938" y="2802767"/>
+          <a:ext cx="2571582" cy="1645920"/>
+        </p:xfrm>
+        <a:graphic>
+          <a:graphicData uri="http://schemas.openxmlformats.org/drawingml/2006/table">
+            <a:tbl>
+              <a:tblPr firstCol="1" bandRow="1">
+                <a:tableStyleId>{93296810-A885-4BE3-A3E7-6D5BEEA58F35}</a:tableStyleId>
+              </a:tblPr>
+              <a:tblGrid>
+                <a:gridCol w="1500548"/>
+                <a:gridCol w="478971"/>
+                <a:gridCol w="592063"/>
+              </a:tblGrid>
+              <a:tr h="0">
+                <a:tc>
+                  <a:txBody>
+                    <a:bodyPr/>
+                    <a:lstStyle/>
+                    <a:p>
+                      <a:r>
+                        <a:rPr lang="de-DE" sz="1200" dirty="0" smtClean="0"/>
+                        <a:t>(„Moto G4“, S)</a:t>
+                      </a:r>
+                    </a:p>
+                  </a:txBody>
+                  <a:tcPr/>
+                </a:tc>
+                <a:tc>
+                  <a:txBody>
+                    <a:bodyPr/>
+                    <a:lstStyle/>
+                    <a:p>
+                      <a:pPr algn="r"/>
+                      <a:r>
+                        <a:rPr lang="de-DE" sz="1200" dirty="0" smtClean="0"/>
+                        <a:t>7</a:t>
+                      </a:r>
+                      <a:endParaRPr lang="de-DE" sz="1200" dirty="0"/>
+                    </a:p>
+                  </a:txBody>
+                  <a:tcPr/>
+                </a:tc>
+                <a:tc>
+                  <a:txBody>
+                    <a:bodyPr/>
+                    <a:lstStyle/>
+                    <a:p>
+                      <a:pPr algn="r"/>
+                      <a:r>
+                        <a:rPr lang="de-DE" sz="1200" dirty="0" smtClean="0"/>
+                        <a:t>160€</a:t>
+                      </a:r>
+                      <a:endParaRPr lang="de-DE" sz="1200" dirty="0"/>
+                    </a:p>
+                  </a:txBody>
+                  <a:tcPr/>
+                </a:tc>
+              </a:tr>
+              <a:tr h="0">
+                <a:tc>
+                  <a:txBody>
+                    <a:bodyPr/>
+                    <a:lstStyle/>
+                    <a:p>
+                      <a:r>
+                        <a:rPr lang="de-DE" sz="1200" dirty="0" smtClean="0"/>
+                        <a:t>(„</a:t>
+                      </a:r>
+                      <a:r>
+                        <a:rPr lang="de-DE" sz="1200" dirty="0" err="1" smtClean="0"/>
+                        <a:t>Xperia</a:t>
+                      </a:r>
+                      <a:r>
+                        <a:rPr lang="de-DE" sz="1200" dirty="0" smtClean="0"/>
+                        <a:t> E5“, S)</a:t>
+                      </a:r>
+                      <a:endParaRPr lang="de-DE" sz="1200" dirty="0"/>
+                    </a:p>
+                  </a:txBody>
+                  <a:tcPr/>
+                </a:tc>
+                <a:tc>
+                  <a:txBody>
+                    <a:bodyPr/>
+                    <a:lstStyle/>
+                    <a:p>
+                      <a:pPr algn="r"/>
+                      <a:r>
+                        <a:rPr lang="de-DE" sz="1200" dirty="0" smtClean="0"/>
+                        <a:t>2</a:t>
+                      </a:r>
+                      <a:endParaRPr lang="de-DE" sz="1200" dirty="0"/>
+                    </a:p>
+                  </a:txBody>
+                  <a:tcPr/>
+                </a:tc>
+                <a:tc>
+                  <a:txBody>
+                    <a:bodyPr/>
+                    <a:lstStyle/>
+                    <a:p>
+                      <a:pPr algn="r"/>
+                      <a:r>
+                        <a:rPr lang="de-DE" sz="1200" dirty="0" smtClean="0"/>
+                        <a:t>130€</a:t>
+                      </a:r>
+                      <a:endParaRPr lang="de-DE" sz="1200" dirty="0"/>
+                    </a:p>
+                  </a:txBody>
+                  <a:tcPr/>
+                </a:tc>
+              </a:tr>
+              <a:tr h="148461">
+                <a:tc>
+                  <a:txBody>
+                    <a:bodyPr/>
+                    <a:lstStyle/>
+                    <a:p>
+                      <a:r>
+                        <a:rPr lang="de-DE" sz="1200" dirty="0" smtClean="0"/>
+                        <a:t>(„LT-40VF43A“, F)</a:t>
+                      </a:r>
+                      <a:endParaRPr lang="de-DE" sz="1200" dirty="0"/>
+                    </a:p>
+                  </a:txBody>
+                  <a:tcPr/>
+                </a:tc>
+                <a:tc>
+                  <a:txBody>
+                    <a:bodyPr/>
+                    <a:lstStyle/>
+                    <a:p>
+                      <a:pPr algn="r"/>
+                      <a:r>
+                        <a:rPr lang="de-DE" sz="1200" dirty="0" smtClean="0"/>
+                        <a:t>1</a:t>
+                      </a:r>
+                      <a:endParaRPr lang="de-DE" sz="1200" dirty="0"/>
+                    </a:p>
+                  </a:txBody>
+                  <a:tcPr/>
+                </a:tc>
+                <a:tc>
+                  <a:txBody>
+                    <a:bodyPr/>
+                    <a:lstStyle/>
+                    <a:p>
+                      <a:pPr algn="r"/>
+                      <a:r>
+                        <a:rPr lang="de-DE" sz="1200" dirty="0" smtClean="0"/>
+                        <a:t>320</a:t>
+                      </a:r>
+                      <a:r>
+                        <a:rPr lang="de-DE" sz="1200" dirty="0" smtClean="0"/>
+                        <a:t>€</a:t>
+                      </a:r>
+                      <a:endParaRPr lang="de-DE" sz="1200" dirty="0"/>
+                    </a:p>
+                  </a:txBody>
+                  <a:tcPr/>
+                </a:tc>
+              </a:tr>
+              <a:tr h="0">
+                <a:tc>
+                  <a:txBody>
+                    <a:bodyPr/>
+                    <a:lstStyle/>
+                    <a:p>
+                      <a:r>
+                        <a:rPr lang="de-DE" sz="1200" dirty="0" smtClean="0"/>
+                        <a:t>(„J6289“, F)</a:t>
+                      </a:r>
+                      <a:endParaRPr lang="de-DE" sz="1200" dirty="0"/>
+                    </a:p>
+                  </a:txBody>
+                  <a:tcPr/>
+                </a:tc>
+                <a:tc>
+                  <a:txBody>
+                    <a:bodyPr/>
+                    <a:lstStyle/>
+                    <a:p>
+                      <a:pPr algn="r"/>
+                      <a:r>
+                        <a:rPr lang="de-DE" sz="1200" dirty="0" smtClean="0"/>
+                        <a:t>8</a:t>
+                      </a:r>
+                      <a:endParaRPr lang="de-DE" sz="1200" dirty="0"/>
+                    </a:p>
+                  </a:txBody>
+                  <a:tcPr/>
+                </a:tc>
+                <a:tc>
+                  <a:txBody>
+                    <a:bodyPr/>
+                    <a:lstStyle/>
+                    <a:p>
+                      <a:pPr algn="r"/>
+                      <a:r>
+                        <a:rPr lang="de-DE" sz="1200" dirty="0" smtClean="0"/>
+                        <a:t>400€</a:t>
+                      </a:r>
+                      <a:endParaRPr lang="de-DE" sz="1200" dirty="0"/>
+                    </a:p>
+                  </a:txBody>
+                  <a:tcPr/>
+                </a:tc>
+              </a:tr>
+              <a:tr h="0">
+                <a:tc>
+                  <a:txBody>
+                    <a:bodyPr/>
+                    <a:lstStyle/>
+                    <a:p>
+                      <a:r>
+                        <a:rPr lang="de-DE" sz="1200" dirty="0" smtClean="0"/>
+                        <a:t>(„USB 1,5m“, K)</a:t>
+                      </a:r>
+                      <a:endParaRPr lang="de-DE" sz="1200" dirty="0"/>
+                    </a:p>
+                  </a:txBody>
+                  <a:tcPr/>
+                </a:tc>
+                <a:tc>
+                  <a:txBody>
+                    <a:bodyPr/>
+                    <a:lstStyle/>
+                    <a:p>
+                      <a:pPr algn="r"/>
+                      <a:r>
+                        <a:rPr lang="de-DE" sz="1200" dirty="0" smtClean="0"/>
+                        <a:t>150</a:t>
+                      </a:r>
+                      <a:endParaRPr lang="de-DE" sz="1200" dirty="0"/>
+                    </a:p>
+                  </a:txBody>
+                  <a:tcPr/>
+                </a:tc>
+                <a:tc>
+                  <a:txBody>
+                    <a:bodyPr/>
+                    <a:lstStyle/>
+                    <a:p>
+                      <a:pPr algn="r"/>
+                      <a:r>
+                        <a:rPr lang="de-DE" sz="1200" dirty="0" smtClean="0"/>
+                        <a:t>4€</a:t>
+                      </a:r>
+                      <a:endParaRPr lang="de-DE" sz="1200" dirty="0"/>
+                    </a:p>
+                  </a:txBody>
+                  <a:tcPr/>
+                </a:tc>
+              </a:tr>
+              <a:tr h="0">
+                <a:tc>
+                  <a:txBody>
+                    <a:bodyPr/>
+                    <a:lstStyle/>
+                    <a:p>
+                      <a:r>
+                        <a:rPr lang="de-DE" sz="1200" dirty="0" smtClean="0"/>
+                        <a:t>(„USB</a:t>
+                      </a:r>
+                      <a:r>
+                        <a:rPr lang="de-DE" sz="1200" baseline="0" dirty="0" smtClean="0"/>
+                        <a:t> 3m“, K)</a:t>
+                      </a:r>
+                      <a:endParaRPr lang="de-DE" sz="1200" dirty="0"/>
+                    </a:p>
+                  </a:txBody>
+                  <a:tcPr/>
+                </a:tc>
+                <a:tc>
+                  <a:txBody>
+                    <a:bodyPr/>
+                    <a:lstStyle/>
+                    <a:p>
+                      <a:pPr algn="r"/>
+                      <a:r>
+                        <a:rPr lang="de-DE" sz="1200" dirty="0" smtClean="0"/>
+                        <a:t>35</a:t>
+                      </a:r>
+                      <a:endParaRPr lang="de-DE" sz="1200" dirty="0"/>
+                    </a:p>
+                  </a:txBody>
+                  <a:tcPr/>
+                </a:tc>
+                <a:tc>
+                  <a:txBody>
+                    <a:bodyPr/>
+                    <a:lstStyle/>
+                    <a:p>
+                      <a:pPr algn="r"/>
+                      <a:r>
+                        <a:rPr lang="de-DE" sz="1200" dirty="0" smtClean="0"/>
+                        <a:t>6€</a:t>
+                      </a:r>
+                      <a:endParaRPr lang="de-DE" sz="1200" dirty="0"/>
+                    </a:p>
+                  </a:txBody>
+                  <a:tcPr/>
+                </a:tc>
+              </a:tr>
+            </a:tbl>
+          </a:graphicData>
+        </a:graphic>
+      </p:graphicFrame>
+      <p:graphicFrame>
+        <p:nvGraphicFramePr>
+          <p:cNvPr id="16" name="Tabelle 15"/>
+          <p:cNvGraphicFramePr>
+            <a:graphicFrameLocks noGrp="1"/>
+          </p:cNvGraphicFramePr>
+          <p:nvPr>
+            <p:extLst>
+              <p:ext uri="{D42A27DB-BD31-4B8C-83A1-F6EECF244321}">
+                <p14:modId xmlns:p14="http://schemas.microsoft.com/office/powerpoint/2010/main" val="1533411962"/>
+              </p:ext>
+            </p:extLst>
+          </p:nvPr>
+        </p:nvGraphicFramePr>
+        <p:xfrm>
+          <a:off x="4580938" y="1218957"/>
+          <a:ext cx="2571582" cy="1371600"/>
+        </p:xfrm>
+        <a:graphic>
+          <a:graphicData uri="http://schemas.openxmlformats.org/drawingml/2006/table">
+            <a:tbl>
+              <a:tblPr firstCol="1" bandRow="1">
+                <a:tableStyleId>{93296810-A885-4BE3-A3E7-6D5BEEA58F35}</a:tableStyleId>
+              </a:tblPr>
+              <a:tblGrid>
+                <a:gridCol w="1500211"/>
+                <a:gridCol w="472265"/>
+                <a:gridCol w="599106"/>
+              </a:tblGrid>
+              <a:tr h="0">
+                <a:tc>
+                  <a:txBody>
+                    <a:bodyPr/>
+                    <a:lstStyle/>
+                    <a:p>
+                      <a:r>
+                        <a:rPr lang="de-DE" sz="1200" dirty="0" smtClean="0"/>
+                        <a:t>(„</a:t>
+                      </a:r>
+                      <a:r>
+                        <a:rPr lang="de-DE" sz="1200" dirty="0" err="1" smtClean="0"/>
+                        <a:t>Galaxy</a:t>
+                      </a:r>
+                      <a:r>
+                        <a:rPr lang="de-DE" sz="1200" dirty="0" smtClean="0"/>
+                        <a:t> J3“, S)</a:t>
+                      </a:r>
+                      <a:endParaRPr lang="de-DE" sz="1200" dirty="0"/>
+                    </a:p>
+                  </a:txBody>
+                  <a:tcPr/>
+                </a:tc>
+                <a:tc>
+                  <a:txBody>
+                    <a:bodyPr/>
+                    <a:lstStyle/>
+                    <a:p>
+                      <a:pPr algn="r"/>
+                      <a:r>
+                        <a:rPr lang="de-DE" sz="1200" dirty="0" smtClean="0"/>
+                        <a:t>5</a:t>
+                      </a:r>
+                      <a:endParaRPr lang="de-DE" sz="1200" dirty="0"/>
+                    </a:p>
+                  </a:txBody>
+                  <a:tcPr/>
+                </a:tc>
+                <a:tc>
+                  <a:txBody>
+                    <a:bodyPr/>
+                    <a:lstStyle/>
+                    <a:p>
+                      <a:pPr algn="r"/>
+                      <a:r>
+                        <a:rPr lang="de-DE" sz="1200" dirty="0" smtClean="0"/>
+                        <a:t>150€</a:t>
+                      </a:r>
+                      <a:endParaRPr lang="de-DE" sz="1200" dirty="0"/>
+                    </a:p>
+                  </a:txBody>
+                  <a:tcPr/>
+                </a:tc>
+              </a:tr>
+              <a:tr h="0">
+                <a:tc>
+                  <a:txBody>
+                    <a:bodyPr/>
+                    <a:lstStyle/>
+                    <a:p>
+                      <a:r>
+                        <a:rPr lang="de-DE" sz="1200" dirty="0" smtClean="0"/>
+                        <a:t>(„</a:t>
+                      </a:r>
+                      <a:r>
+                        <a:rPr lang="de-DE" sz="1200" dirty="0" err="1" smtClean="0"/>
+                        <a:t>Xperia</a:t>
+                      </a:r>
+                      <a:r>
+                        <a:rPr lang="de-DE" sz="1200" dirty="0" smtClean="0"/>
+                        <a:t> E5“, S)</a:t>
+                      </a:r>
+                      <a:endParaRPr lang="de-DE" sz="1200" dirty="0"/>
+                    </a:p>
+                  </a:txBody>
+                  <a:tcPr/>
+                </a:tc>
+                <a:tc>
+                  <a:txBody>
+                    <a:bodyPr/>
+                    <a:lstStyle/>
+                    <a:p>
+                      <a:pPr algn="r"/>
+                      <a:r>
+                        <a:rPr lang="de-DE" sz="1200" dirty="0" smtClean="0"/>
+                        <a:t>3</a:t>
+                      </a:r>
+                      <a:endParaRPr lang="de-DE" sz="1200" dirty="0"/>
+                    </a:p>
+                  </a:txBody>
+                  <a:tcPr/>
+                </a:tc>
+                <a:tc>
+                  <a:txBody>
+                    <a:bodyPr/>
+                    <a:lstStyle/>
+                    <a:p>
+                      <a:pPr algn="r"/>
+                      <a:r>
+                        <a:rPr lang="de-DE" sz="1200" dirty="0" smtClean="0"/>
+                        <a:t>140€</a:t>
+                      </a:r>
+                      <a:endParaRPr lang="de-DE" sz="1200" dirty="0"/>
+                    </a:p>
+                  </a:txBody>
+                  <a:tcPr/>
+                </a:tc>
+              </a:tr>
+              <a:tr h="0">
+                <a:tc>
+                  <a:txBody>
+                    <a:bodyPr/>
+                    <a:lstStyle/>
+                    <a:p>
+                      <a:r>
+                        <a:rPr lang="de-DE" sz="1200" dirty="0" smtClean="0"/>
+                        <a:t>(„KU6519“, F)</a:t>
+                      </a:r>
+                      <a:endParaRPr lang="de-DE" sz="1200" dirty="0"/>
+                    </a:p>
+                  </a:txBody>
+                  <a:tcPr/>
+                </a:tc>
+                <a:tc>
+                  <a:txBody>
+                    <a:bodyPr/>
+                    <a:lstStyle/>
+                    <a:p>
+                      <a:pPr algn="r"/>
+                      <a:r>
+                        <a:rPr lang="de-DE" sz="1200" dirty="0" smtClean="0"/>
+                        <a:t>12</a:t>
+                      </a:r>
+                      <a:endParaRPr lang="de-DE" sz="1200" dirty="0"/>
+                    </a:p>
+                  </a:txBody>
+                  <a:tcPr/>
+                </a:tc>
+                <a:tc>
+                  <a:txBody>
+                    <a:bodyPr/>
+                    <a:lstStyle/>
+                    <a:p>
+                      <a:pPr algn="r"/>
+                      <a:r>
+                        <a:rPr lang="de-DE" sz="1200" dirty="0" smtClean="0"/>
+                        <a:t>900€</a:t>
+                      </a:r>
+                      <a:endParaRPr lang="de-DE" sz="1200" dirty="0"/>
+                    </a:p>
+                  </a:txBody>
+                  <a:tcPr/>
+                </a:tc>
+              </a:tr>
+              <a:tr h="0">
+                <a:tc>
+                  <a:txBody>
+                    <a:bodyPr/>
+                    <a:lstStyle/>
+                    <a:p>
+                      <a:r>
+                        <a:rPr lang="de-DE" sz="1200" dirty="0" smtClean="0"/>
+                        <a:t>(„LT-40VF43A“, F)</a:t>
+                      </a:r>
+                      <a:endParaRPr lang="de-DE" sz="1200" dirty="0"/>
+                    </a:p>
+                  </a:txBody>
+                  <a:tcPr/>
+                </a:tc>
+                <a:tc>
+                  <a:txBody>
+                    <a:bodyPr/>
+                    <a:lstStyle/>
+                    <a:p>
+                      <a:pPr algn="r"/>
+                      <a:r>
+                        <a:rPr lang="de-DE" sz="1200" dirty="0" smtClean="0"/>
+                        <a:t>4</a:t>
+                      </a:r>
+                      <a:endParaRPr lang="de-DE" sz="1200" dirty="0"/>
+                    </a:p>
+                  </a:txBody>
+                  <a:tcPr/>
+                </a:tc>
+                <a:tc>
+                  <a:txBody>
+                    <a:bodyPr/>
+                    <a:lstStyle/>
+                    <a:p>
+                      <a:pPr algn="r"/>
+                      <a:r>
+                        <a:rPr lang="de-DE" sz="1200" dirty="0" smtClean="0"/>
+                        <a:t>300€</a:t>
+                      </a:r>
+                      <a:endParaRPr lang="de-DE" sz="1200" dirty="0"/>
+                    </a:p>
+                  </a:txBody>
+                  <a:tcPr/>
+                </a:tc>
+              </a:tr>
+              <a:tr h="0">
+                <a:tc>
+                  <a:txBody>
+                    <a:bodyPr/>
+                    <a:lstStyle/>
+                    <a:p>
+                      <a:r>
+                        <a:rPr lang="de-DE" sz="1200" dirty="0" smtClean="0"/>
+                        <a:t>(„USB</a:t>
+                      </a:r>
+                      <a:r>
+                        <a:rPr lang="de-DE" sz="1200" baseline="0" dirty="0" smtClean="0"/>
+                        <a:t> 1,5m“, K)</a:t>
+                      </a:r>
+                      <a:endParaRPr lang="de-DE" sz="1200" dirty="0"/>
+                    </a:p>
+                  </a:txBody>
+                  <a:tcPr/>
+                </a:tc>
+                <a:tc>
+                  <a:txBody>
+                    <a:bodyPr/>
+                    <a:lstStyle/>
+                    <a:p>
+                      <a:pPr algn="r"/>
+                      <a:r>
+                        <a:rPr lang="de-DE" sz="1200" dirty="0" smtClean="0"/>
+                        <a:t>200</a:t>
+                      </a:r>
+                      <a:endParaRPr lang="de-DE" sz="1200" dirty="0"/>
+                    </a:p>
+                  </a:txBody>
+                  <a:tcPr/>
+                </a:tc>
+                <a:tc>
+                  <a:txBody>
+                    <a:bodyPr/>
+                    <a:lstStyle/>
+                    <a:p>
+                      <a:pPr algn="r"/>
+                      <a:r>
+                        <a:rPr lang="de-DE" sz="1200" dirty="0" smtClean="0"/>
+                        <a:t>5€</a:t>
+                      </a:r>
+                      <a:endParaRPr lang="de-DE" sz="1200" dirty="0"/>
+                    </a:p>
+                  </a:txBody>
+                  <a:tcPr/>
+                </a:tc>
+              </a:tr>
+            </a:tbl>
+          </a:graphicData>
+        </a:graphic>
+      </p:graphicFrame>
+    </p:spTree>
+    <p:extLst>
+      <p:ext uri="{BB962C8B-B14F-4D97-AF65-F5344CB8AC3E}">
+        <p14:creationId xmlns:p14="http://schemas.microsoft.com/office/powerpoint/2010/main" val="3571742285"/>
+      </p:ext>
+    </p:extLst>
+  </p:cSld>
+  <p:clrMapOvr>
+    <a:masterClrMapping/>
+  </p:clrMapOvr>
+  <p:timing>
+    <p:tnLst>
+      <p:par>
+        <p:cTn id="1" dur="indefinite" restart="never" nodeType="tmRoot"/>
+      </p:par>
+    </p:tnLst>
+  </p:timing>
+</p:sld>
+</file>
+
+<file path=ppt/slides/slide9.xml><?xml version="1.0" encoding="utf-8"?>
 <p:sld xmlns:a="http://schemas.openxmlformats.org/drawingml/2006/main" xmlns:r="http://schemas.openxmlformats.org/officeDocument/2006/relationships" xmlns:p="http://schemas.openxmlformats.org/presentationml/2006/main">
   <p:cSld>
     <p:spTree>
@@ -8432,137 +15106,6 @@
     <p:extLst>
       <p:ext uri="{BB962C8B-B14F-4D97-AF65-F5344CB8AC3E}">
         <p14:creationId xmlns:p14="http://schemas.microsoft.com/office/powerpoint/2010/main" val="1636183931"/>
-      </p:ext>
-    </p:extLst>
-  </p:cSld>
-  <p:clrMapOvr>
-    <a:masterClrMapping/>
-  </p:clrMapOvr>
-  <p:timing>
-    <p:tnLst>
-      <p:par>
-        <p:cTn id="1" dur="indefinite" restart="never" nodeType="tmRoot"/>
-      </p:par>
-    </p:tnLst>
-  </p:timing>
-</p:sld>
-</file>
-
-<file path=ppt/slides/slide9.xml><?xml version="1.0" encoding="utf-8"?>
-<p:sld xmlns:a="http://schemas.openxmlformats.org/drawingml/2006/main" xmlns:r="http://schemas.openxmlformats.org/officeDocument/2006/relationships" xmlns:p="http://schemas.openxmlformats.org/presentationml/2006/main">
-  <p:cSld>
-    <p:spTree>
-      <p:nvGrpSpPr>
-        <p:cNvPr id="1" name=""/>
-        <p:cNvGrpSpPr/>
-        <p:nvPr/>
-      </p:nvGrpSpPr>
-      <p:grpSpPr>
-        <a:xfrm>
-          <a:off x="0" y="0"/>
-          <a:ext cx="0" cy="0"/>
-          <a:chOff x="0" y="0"/>
-          <a:chExt cx="0" cy="0"/>
-        </a:xfrm>
-      </p:grpSpPr>
-      <p:sp>
-        <p:nvSpPr>
-          <p:cNvPr id="2" name="Inhaltsplatzhalter 1"/>
-          <p:cNvSpPr>
-            <a:spLocks noGrp="1"/>
-          </p:cNvSpPr>
-          <p:nvPr>
-            <p:ph idx="1"/>
-          </p:nvPr>
-        </p:nvSpPr>
-        <p:spPr/>
-        <p:txBody>
-          <a:bodyPr/>
-          <a:lstStyle/>
-          <a:p>
-            <a:r>
-              <a:rPr lang="de-DE" dirty="0" smtClean="0"/>
-              <a:t>Stabilität</a:t>
-            </a:r>
-          </a:p>
-          <a:p>
-            <a:r>
-              <a:rPr lang="de-DE" dirty="0" smtClean="0"/>
-              <a:t>Zuverlässigkeit</a:t>
-            </a:r>
-          </a:p>
-          <a:p>
-            <a:r>
-              <a:rPr lang="de-DE" dirty="0" smtClean="0"/>
-              <a:t>Reproduzierbarkeit</a:t>
-            </a:r>
-          </a:p>
-          <a:p>
-            <a:r>
-              <a:rPr lang="de-DE" dirty="0" smtClean="0"/>
-              <a:t>Audit-Fähigkeit</a:t>
-            </a:r>
-          </a:p>
-          <a:p>
-            <a:r>
-              <a:rPr lang="de-DE" dirty="0" smtClean="0"/>
-              <a:t>Professioneller Support</a:t>
-            </a:r>
-          </a:p>
-          <a:p>
-            <a:r>
-              <a:rPr lang="de-DE" dirty="0" smtClean="0"/>
-              <a:t>Einfachheit</a:t>
-            </a:r>
-          </a:p>
-          <a:p>
-            <a:r>
-              <a:rPr lang="de-DE" dirty="0" smtClean="0"/>
-              <a:t>Betreibbarkeit</a:t>
-            </a:r>
-          </a:p>
-          <a:p>
-            <a:r>
-              <a:rPr lang="de-DE" dirty="0" smtClean="0"/>
-              <a:t>Framework</a:t>
-            </a:r>
-          </a:p>
-          <a:p>
-            <a:r>
-              <a:rPr lang="de-DE" dirty="0" smtClean="0"/>
-              <a:t>Modularisierung</a:t>
-            </a:r>
-            <a:endParaRPr lang="en-US" dirty="0"/>
-          </a:p>
-        </p:txBody>
-      </p:sp>
-      <p:sp>
-        <p:nvSpPr>
-          <p:cNvPr id="3" name="Titel 2"/>
-          <p:cNvSpPr>
-            <a:spLocks noGrp="1"/>
-          </p:cNvSpPr>
-          <p:nvPr>
-            <p:ph type="title"/>
-          </p:nvPr>
-        </p:nvSpPr>
-        <p:spPr/>
-        <p:txBody>
-          <a:bodyPr/>
-          <a:lstStyle/>
-          <a:p>
-            <a:r>
-              <a:rPr lang="de-DE" dirty="0" smtClean="0"/>
-              <a:t>Zusammenfassung</a:t>
-            </a:r>
-            <a:endParaRPr lang="en-US" dirty="0"/>
-          </a:p>
-        </p:txBody>
-      </p:sp>
-    </p:spTree>
-    <p:extLst>
-      <p:ext uri="{BB962C8B-B14F-4D97-AF65-F5344CB8AC3E}">
-        <p14:creationId xmlns:p14="http://schemas.microsoft.com/office/powerpoint/2010/main" val="325110386"/>
       </p:ext>
     </p:extLst>
   </p:cSld>

--- a/src/slides/resources/2017-03-31-JUG-Saxony-Workshop-de.pptx
+++ b/src/slides/resources/2017-03-31-JUG-Saxony-Workshop-de.pptx
@@ -5,10 +5,10 @@
     <p:sldMasterId id="2147483648" r:id="rId1"/>
   </p:sldMasterIdLst>
   <p:notesMasterIdLst>
-    <p:notesMasterId r:id="rId16"/>
+    <p:notesMasterId r:id="rId17"/>
   </p:notesMasterIdLst>
   <p:handoutMasterIdLst>
-    <p:handoutMasterId r:id="rId17"/>
+    <p:handoutMasterId r:id="rId18"/>
   </p:handoutMasterIdLst>
   <p:sldIdLst>
     <p:sldId id="668" r:id="rId2"/>
@@ -19,12 +19,13 @@
     <p:sldId id="718" r:id="rId7"/>
     <p:sldId id="716" r:id="rId8"/>
     <p:sldId id="720" r:id="rId9"/>
-    <p:sldId id="710" r:id="rId10"/>
-    <p:sldId id="713" r:id="rId11"/>
-    <p:sldId id="709" r:id="rId12"/>
-    <p:sldId id="686" r:id="rId13"/>
-    <p:sldId id="706" r:id="rId14"/>
-    <p:sldId id="702" r:id="rId15"/>
+    <p:sldId id="721" r:id="rId10"/>
+    <p:sldId id="710" r:id="rId11"/>
+    <p:sldId id="713" r:id="rId12"/>
+    <p:sldId id="709" r:id="rId13"/>
+    <p:sldId id="686" r:id="rId14"/>
+    <p:sldId id="706" r:id="rId15"/>
+    <p:sldId id="702" r:id="rId16"/>
   </p:sldIdLst>
   <p:sldSz cx="12192000" cy="6858000"/>
   <p:notesSz cx="7315200" cy="9601200"/>
@@ -1449,6 +1450,261 @@
 </p:notes>
 </file>
 
+<file path=ppt/notesSlides/notesSlide4.xml><?xml version="1.0" encoding="utf-8"?>
+<p:notes xmlns:a="http://schemas.openxmlformats.org/drawingml/2006/main" xmlns:r="http://schemas.openxmlformats.org/officeDocument/2006/relationships" xmlns:p="http://schemas.openxmlformats.org/presentationml/2006/main">
+  <p:cSld>
+    <p:spTree>
+      <p:nvGrpSpPr>
+        <p:cNvPr id="1" name=""/>
+        <p:cNvGrpSpPr/>
+        <p:nvPr/>
+      </p:nvGrpSpPr>
+      <p:grpSpPr>
+        <a:xfrm>
+          <a:off x="0" y="0"/>
+          <a:ext cx="0" cy="0"/>
+          <a:chOff x="0" y="0"/>
+          <a:chExt cx="0" cy="0"/>
+        </a:xfrm>
+      </p:grpSpPr>
+      <p:sp>
+        <p:nvSpPr>
+          <p:cNvPr id="2" name="Folienbildplatzhalter 1"/>
+          <p:cNvSpPr>
+            <a:spLocks noGrp="1" noRot="1" noChangeAspect="1"/>
+          </p:cNvSpPr>
+          <p:nvPr>
+            <p:ph type="sldImg"/>
+          </p:nvPr>
+        </p:nvSpPr>
+        <p:spPr>
+          <a:xfrm>
+            <a:off x="457200" y="719138"/>
+            <a:ext cx="6402388" cy="3602037"/>
+          </a:xfrm>
+        </p:spPr>
+      </p:sp>
+      <p:sp>
+        <p:nvSpPr>
+          <p:cNvPr id="3" name="Notizenplatzhalter 2"/>
+          <p:cNvSpPr>
+            <a:spLocks noGrp="1"/>
+          </p:cNvSpPr>
+          <p:nvPr>
+            <p:ph type="body" idx="1"/>
+          </p:nvPr>
+        </p:nvSpPr>
+        <p:spPr/>
+        <p:txBody>
+          <a:bodyPr/>
+          <a:lstStyle/>
+          <a:p>
+            <a:pPr marL="171450" indent="-171450">
+              <a:buFont typeface="Arial" panose="020B0604020202020204" pitchFamily="34" charset="0"/>
+              <a:buChar char="•"/>
+            </a:pPr>
+            <a:r>
+              <a:rPr lang="de-DE" dirty="0" smtClean="0"/>
+              <a:t>Im</a:t>
+            </a:r>
+            <a:r>
+              <a:rPr lang="de-DE" baseline="0" dirty="0" smtClean="0"/>
+              <a:t> Beispiel: Lexikographische Partitionierung bei </a:t>
+            </a:r>
+            <a:r>
+              <a:rPr lang="de-DE" baseline="0" dirty="0" err="1" smtClean="0"/>
+              <a:t>aggregateByKey</a:t>
+            </a:r>
+            <a:endParaRPr lang="de-DE" baseline="0" dirty="0" smtClean="0"/>
+          </a:p>
+          <a:p>
+            <a:pPr marL="171450" indent="-171450">
+              <a:buFont typeface="Arial" panose="020B0604020202020204" pitchFamily="34" charset="0"/>
+              <a:buChar char="•"/>
+            </a:pPr>
+            <a:r>
+              <a:rPr lang="de-DE" dirty="0" smtClean="0"/>
+              <a:t>Jeweils</a:t>
+            </a:r>
+            <a:r>
+              <a:rPr lang="de-DE" baseline="0" dirty="0" smtClean="0"/>
+              <a:t> vor und nach einem Pfeil liegt eine RDD in Spark vor</a:t>
+            </a:r>
+          </a:p>
+          <a:p>
+            <a:pPr marL="171450" indent="-171450">
+              <a:buFont typeface="Arial" panose="020B0604020202020204" pitchFamily="34" charset="0"/>
+              <a:buChar char="•"/>
+            </a:pPr>
+            <a:r>
+              <a:rPr lang="de-DE" baseline="0" dirty="0" smtClean="0"/>
+              <a:t>Alle der hier dargestellten Operationen würden </a:t>
+            </a:r>
+            <a:r>
+              <a:rPr lang="de-DE" baseline="0" dirty="0" err="1" smtClean="0"/>
+              <a:t>lazy</a:t>
+            </a:r>
+            <a:r>
+              <a:rPr lang="de-DE" baseline="0" dirty="0" smtClean="0"/>
+              <a:t> (im Sinne von gar nicht) durchgeführt werden</a:t>
+            </a:r>
+            <a:endParaRPr lang="de-DE" dirty="0"/>
+          </a:p>
+        </p:txBody>
+      </p:sp>
+      <p:sp>
+        <p:nvSpPr>
+          <p:cNvPr id="4" name="Foliennummernplatzhalter 3"/>
+          <p:cNvSpPr>
+            <a:spLocks noGrp="1"/>
+          </p:cNvSpPr>
+          <p:nvPr>
+            <p:ph type="sldNum" sz="quarter" idx="10"/>
+          </p:nvPr>
+        </p:nvSpPr>
+        <p:spPr/>
+        <p:txBody>
+          <a:bodyPr/>
+          <a:lstStyle/>
+          <a:p>
+            <a:pPr>
+              <a:defRPr/>
+            </a:pPr>
+            <a:fld id="{A78FF2BC-F68A-4EB6-9E3E-3C5BE7030B7B}" type="slidenum">
+              <a:rPr lang="de-DE" smtClean="0"/>
+              <a:pPr>
+                <a:defRPr/>
+              </a:pPr>
+              <a:t>8</a:t>
+            </a:fld>
+            <a:endParaRPr lang="de-DE"/>
+          </a:p>
+        </p:txBody>
+      </p:sp>
+    </p:spTree>
+    <p:extLst>
+      <p:ext uri="{BB962C8B-B14F-4D97-AF65-F5344CB8AC3E}">
+        <p14:creationId xmlns:p14="http://schemas.microsoft.com/office/powerpoint/2010/main" val="4234656738"/>
+      </p:ext>
+    </p:extLst>
+  </p:cSld>
+  <p:clrMapOvr>
+    <a:masterClrMapping/>
+  </p:clrMapOvr>
+</p:notes>
+</file>
+
+<file path=ppt/notesSlides/notesSlide5.xml><?xml version="1.0" encoding="utf-8"?>
+<p:notes xmlns:a="http://schemas.openxmlformats.org/drawingml/2006/main" xmlns:r="http://schemas.openxmlformats.org/officeDocument/2006/relationships" xmlns:p="http://schemas.openxmlformats.org/presentationml/2006/main">
+  <p:cSld>
+    <p:spTree>
+      <p:nvGrpSpPr>
+        <p:cNvPr id="1" name=""/>
+        <p:cNvGrpSpPr/>
+        <p:nvPr/>
+      </p:nvGrpSpPr>
+      <p:grpSpPr>
+        <a:xfrm>
+          <a:off x="0" y="0"/>
+          <a:ext cx="0" cy="0"/>
+          <a:chOff x="0" y="0"/>
+          <a:chExt cx="0" cy="0"/>
+        </a:xfrm>
+      </p:grpSpPr>
+      <p:sp>
+        <p:nvSpPr>
+          <p:cNvPr id="2" name="Folienbildplatzhalter 1"/>
+          <p:cNvSpPr>
+            <a:spLocks noGrp="1" noRot="1" noChangeAspect="1"/>
+          </p:cNvSpPr>
+          <p:nvPr>
+            <p:ph type="sldImg"/>
+          </p:nvPr>
+        </p:nvSpPr>
+        <p:spPr>
+          <a:xfrm>
+            <a:off x="457200" y="719138"/>
+            <a:ext cx="6402388" cy="3602037"/>
+          </a:xfrm>
+        </p:spPr>
+      </p:sp>
+      <p:sp>
+        <p:nvSpPr>
+          <p:cNvPr id="3" name="Notizenplatzhalter 2"/>
+          <p:cNvSpPr>
+            <a:spLocks noGrp="1"/>
+          </p:cNvSpPr>
+          <p:nvPr>
+            <p:ph type="body" idx="1"/>
+          </p:nvPr>
+        </p:nvSpPr>
+        <p:spPr/>
+        <p:txBody>
+          <a:bodyPr/>
+          <a:lstStyle/>
+          <a:p>
+            <a:pPr marL="171450" indent="-171450">
+              <a:buFont typeface="Arial" panose="020B0604020202020204" pitchFamily="34" charset="0"/>
+              <a:buChar char="•"/>
+            </a:pPr>
+            <a:r>
+              <a:rPr lang="de-DE" dirty="0" smtClean="0"/>
+              <a:t>Im</a:t>
+            </a:r>
+            <a:r>
+              <a:rPr lang="de-DE" baseline="0" dirty="0" smtClean="0"/>
+              <a:t> Beispiel: Lexikographische Partitionierung bei </a:t>
+            </a:r>
+            <a:r>
+              <a:rPr lang="de-DE" baseline="0" dirty="0" err="1" smtClean="0"/>
+              <a:t>aggregateByKey</a:t>
+            </a:r>
+            <a:endParaRPr lang="de-DE" dirty="0"/>
+          </a:p>
+        </p:txBody>
+      </p:sp>
+      <p:sp>
+        <p:nvSpPr>
+          <p:cNvPr id="4" name="Foliennummernplatzhalter 3"/>
+          <p:cNvSpPr>
+            <a:spLocks noGrp="1"/>
+          </p:cNvSpPr>
+          <p:nvPr>
+            <p:ph type="sldNum" sz="quarter" idx="10"/>
+          </p:nvPr>
+        </p:nvSpPr>
+        <p:spPr/>
+        <p:txBody>
+          <a:bodyPr/>
+          <a:lstStyle/>
+          <a:p>
+            <a:pPr>
+              <a:defRPr/>
+            </a:pPr>
+            <a:fld id="{A78FF2BC-F68A-4EB6-9E3E-3C5BE7030B7B}" type="slidenum">
+              <a:rPr lang="de-DE" smtClean="0"/>
+              <a:pPr>
+                <a:defRPr/>
+              </a:pPr>
+              <a:t>9</a:t>
+            </a:fld>
+            <a:endParaRPr lang="de-DE"/>
+          </a:p>
+        </p:txBody>
+      </p:sp>
+    </p:spTree>
+    <p:extLst>
+      <p:ext uri="{BB962C8B-B14F-4D97-AF65-F5344CB8AC3E}">
+        <p14:creationId xmlns:p14="http://schemas.microsoft.com/office/powerpoint/2010/main" val="4234656738"/>
+      </p:ext>
+    </p:extLst>
+  </p:cSld>
+  <p:clrMapOvr>
+    <a:masterClrMapping/>
+  </p:clrMapOvr>
+</p:notes>
+</file>
+
 <file path=ppt/slideLayouts/slideLayout1.xml><?xml version="1.0" encoding="utf-8"?>
 <p:sldLayout xmlns:a="http://schemas.openxmlformats.org/drawingml/2006/main" xmlns:r="http://schemas.openxmlformats.org/officeDocument/2006/relationships" xmlns:p="http://schemas.openxmlformats.org/presentationml/2006/main" showMasterSp="0" preserve="1" userDrawn="1">
   <p:cSld name="Titelfolie">
@@ -3683,6 +3939,95 @@
           <a:chExt cx="0" cy="0"/>
         </a:xfrm>
       </p:grpSpPr>
+      <p:pic>
+        <p:nvPicPr>
+          <p:cNvPr id="4" name="Inhaltsplatzhalter 3"/>
+          <p:cNvPicPr>
+            <a:picLocks noGrp="1" noChangeAspect="1"/>
+          </p:cNvPicPr>
+          <p:nvPr>
+            <p:ph idx="1"/>
+          </p:nvPr>
+        </p:nvPicPr>
+        <p:blipFill>
+          <a:blip r:embed="rId2">
+            <a:extLst>
+              <a:ext uri="{28A0092B-C50C-407E-A947-70E740481C1C}">
+                <a14:useLocalDpi xmlns:a14="http://schemas.microsoft.com/office/drawing/2010/main" val="0"/>
+              </a:ext>
+            </a:extLst>
+          </a:blip>
+          <a:stretch>
+            <a:fillRect/>
+          </a:stretch>
+        </p:blipFill>
+        <p:spPr>
+          <a:xfrm>
+            <a:off x="2663031" y="1947069"/>
+            <a:ext cx="6791325" cy="3333750"/>
+          </a:xfrm>
+        </p:spPr>
+      </p:pic>
+      <p:sp>
+        <p:nvSpPr>
+          <p:cNvPr id="3" name="Titel 2"/>
+          <p:cNvSpPr>
+            <a:spLocks noGrp="1"/>
+          </p:cNvSpPr>
+          <p:nvPr>
+            <p:ph type="title"/>
+          </p:nvPr>
+        </p:nvSpPr>
+        <p:spPr/>
+        <p:txBody>
+          <a:bodyPr/>
+          <a:lstStyle/>
+          <a:p>
+            <a:r>
+              <a:rPr lang="de-DE" dirty="0" smtClean="0"/>
+              <a:t>Enterprise – Was heißt das eigentlich?</a:t>
+            </a:r>
+            <a:endParaRPr lang="en-US" dirty="0"/>
+          </a:p>
+        </p:txBody>
+      </p:sp>
+    </p:spTree>
+    <p:extLst>
+      <p:ext uri="{BB962C8B-B14F-4D97-AF65-F5344CB8AC3E}">
+        <p14:creationId xmlns:p14="http://schemas.microsoft.com/office/powerpoint/2010/main" val="1636183931"/>
+      </p:ext>
+    </p:extLst>
+  </p:cSld>
+  <p:clrMapOvr>
+    <a:masterClrMapping/>
+  </p:clrMapOvr>
+  <p:timing>
+    <p:tnLst>
+      <p:par>
+        <p:cTn id="1" dur="indefinite" restart="never" nodeType="tmRoot"/>
+      </p:par>
+    </p:tnLst>
+  </p:timing>
+</p:sld>
+</file>
+
+<file path=ppt/slides/slide11.xml><?xml version="1.0" encoding="utf-8"?>
+<p:sld xmlns:a="http://schemas.openxmlformats.org/drawingml/2006/main" xmlns:r="http://schemas.openxmlformats.org/officeDocument/2006/relationships" xmlns:p="http://schemas.openxmlformats.org/presentationml/2006/main">
+  <p:cSld>
+    <p:spTree>
+      <p:nvGrpSpPr>
+        <p:cNvPr id="1" name=""/>
+        <p:cNvGrpSpPr/>
+        <p:nvPr/>
+      </p:nvGrpSpPr>
+      <p:grpSpPr>
+        <a:xfrm>
+          <a:off x="0" y="0"/>
+          <a:ext cx="0" cy="0"/>
+          <a:chOff x="0" y="0"/>
+          <a:chExt cx="0" cy="0"/>
+        </a:xfrm>
+      </p:grpSpPr>
       <p:sp>
         <p:nvSpPr>
           <p:cNvPr id="2" name="Inhaltsplatzhalter 1"/>
@@ -3797,7 +4142,7 @@
 </p:sld>
 </file>
 
-<file path=ppt/slides/slide11.xml><?xml version="1.0" encoding="utf-8"?>
+<file path=ppt/slides/slide12.xml><?xml version="1.0" encoding="utf-8"?>
 <p:sld xmlns:a="http://schemas.openxmlformats.org/drawingml/2006/main" xmlns:r="http://schemas.openxmlformats.org/officeDocument/2006/relationships" xmlns:p="http://schemas.openxmlformats.org/presentationml/2006/main">
   <p:cSld>
     <p:spTree>
@@ -4025,7 +4370,7 @@
 </p:sld>
 </file>
 
-<file path=ppt/slides/slide12.xml><?xml version="1.0" encoding="utf-8"?>
+<file path=ppt/slides/slide13.xml><?xml version="1.0" encoding="utf-8"?>
 <p:sld xmlns:a="http://schemas.openxmlformats.org/drawingml/2006/main" xmlns:r="http://schemas.openxmlformats.org/officeDocument/2006/relationships" xmlns:p="http://schemas.openxmlformats.org/presentationml/2006/main">
   <p:cSld>
     <p:spTree>
@@ -4179,7 +4524,7 @@
 </p:sld>
 </file>
 
-<file path=ppt/slides/slide13.xml><?xml version="1.0" encoding="utf-8"?>
+<file path=ppt/slides/slide14.xml><?xml version="1.0" encoding="utf-8"?>
 <p:sld xmlns:a="http://schemas.openxmlformats.org/drawingml/2006/main" xmlns:r="http://schemas.openxmlformats.org/officeDocument/2006/relationships" xmlns:p="http://schemas.openxmlformats.org/presentationml/2006/main">
   <p:cSld>
     <p:spTree>
@@ -5408,7 +5753,7 @@
 </p:sld>
 </file>
 
-<file path=ppt/slides/slide14.xml><?xml version="1.0" encoding="utf-8"?>
+<file path=ppt/slides/slide15.xml><?xml version="1.0" encoding="utf-8"?>
 <p:sld xmlns:a="http://schemas.openxmlformats.org/drawingml/2006/main" xmlns:r="http://schemas.openxmlformats.org/officeDocument/2006/relationships" xmlns:p="http://schemas.openxmlformats.org/presentationml/2006/main">
   <p:cSld>
     <p:spTree>
@@ -13572,7 +13917,7 @@
           <a:p>
             <a:r>
               <a:rPr lang="de-DE" dirty="0" smtClean="0"/>
-              <a:t>Anwendung von Spark-Funktionen auf das Marktforschungsbeispiel</a:t>
+              <a:t>Mithilfe von Spark-Transformationen kann der Umsatz pro Produkt berechnet werden</a:t>
             </a:r>
             <a:endParaRPr lang="de-DE" dirty="0"/>
           </a:p>
@@ -14415,7 +14760,7 @@
           <p:nvPr>
             <p:extLst>
               <p:ext uri="{D42A27DB-BD31-4B8C-83A1-F6EECF244321}">
-                <p14:modId xmlns:p14="http://schemas.microsoft.com/office/powerpoint/2010/main" val="739782570"/>
+                <p14:modId xmlns:p14="http://schemas.microsoft.com/office/powerpoint/2010/main" val="2871065774"/>
               </p:ext>
             </p:extLst>
           </p:nvPr>
@@ -14739,7 +15084,7 @@
           <p:nvPr>
             <p:extLst>
               <p:ext uri="{D42A27DB-BD31-4B8C-83A1-F6EECF244321}">
-                <p14:modId xmlns:p14="http://schemas.microsoft.com/office/powerpoint/2010/main" val="1533411962"/>
+                <p14:modId xmlns:p14="http://schemas.microsoft.com/office/powerpoint/2010/main" val="2943702809"/>
               </p:ext>
             </p:extLst>
           </p:nvPr>
@@ -15013,6 +15358,1817 @@
           </a:graphicData>
         </a:graphic>
       </p:graphicFrame>
+      <p:sp>
+        <p:nvSpPr>
+          <p:cNvPr id="17" name="Pfeil nach rechts 16"/>
+          <p:cNvSpPr/>
+          <p:nvPr/>
+        </p:nvSpPr>
+        <p:spPr bwMode="auto">
+          <a:xfrm>
+            <a:off x="7340334" y="2307771"/>
+            <a:ext cx="1219200" cy="946936"/>
+          </a:xfrm>
+          <a:prstGeom prst="rightArrow">
+            <a:avLst/>
+          </a:prstGeom>
+          <a:solidFill>
+            <a:srgbClr val="0070C0"/>
+          </a:solidFill>
+          <a:ln w="9525" cap="flat" cmpd="sng" algn="ctr">
+            <a:noFill/>
+            <a:prstDash val="solid"/>
+            <a:round/>
+            <a:headEnd type="none" w="med" len="med"/>
+            <a:tailEnd type="none" w="med" len="med"/>
+          </a:ln>
+          <a:effectLst/>
+        </p:spPr>
+        <p:txBody>
+          <a:bodyPr rot="0" spcFirstLastPara="0" vertOverflow="overflow" horzOverflow="overflow" vert="horz" wrap="square" lIns="91440" tIns="45720" rIns="91440" bIns="45720" numCol="1" spcCol="0" rtlCol="0" fromWordArt="0" anchor="ctr" anchorCtr="0" forceAA="0" compatLnSpc="1">
+            <a:prstTxWarp prst="textNoShape">
+              <a:avLst/>
+            </a:prstTxWarp>
+            <a:noAutofit/>
+          </a:bodyPr>
+          <a:lstStyle/>
+          <a:p>
+            <a:pPr marL="0" marR="0" indent="0" algn="ctr" defTabSz="914400" rtl="0" eaLnBrk="1" fontAlgn="base" latinLnBrk="0" hangingPunct="1">
+              <a:lnSpc>
+                <a:spcPct val="100000"/>
+              </a:lnSpc>
+              <a:spcBef>
+                <a:spcPct val="0"/>
+              </a:spcBef>
+              <a:spcAft>
+                <a:spcPts val="600"/>
+              </a:spcAft>
+              <a:buClrTx/>
+              <a:buSzTx/>
+              <a:buFontTx/>
+              <a:buNone/>
+              <a:tabLst/>
+            </a:pPr>
+            <a:endParaRPr kumimoji="0" lang="de-DE" sz="1200" b="0" i="0" u="none" strike="noStrike" cap="none" normalizeH="0" baseline="0" dirty="0" err="1" smtClean="0">
+              <a:ln>
+                <a:noFill/>
+              </a:ln>
+              <a:solidFill>
+                <a:schemeClr val="bg1"/>
+              </a:solidFill>
+              <a:effectLst/>
+              <a:latin typeface="Open Sans" panose="020B0606030504020204" pitchFamily="34" charset="0"/>
+              <a:ea typeface="Open Sans" panose="020B0606030504020204" pitchFamily="34" charset="0"/>
+              <a:cs typeface="Open Sans" panose="020B0606030504020204" pitchFamily="34" charset="0"/>
+            </a:endParaRPr>
+          </a:p>
+        </p:txBody>
+      </p:sp>
+      <p:graphicFrame>
+        <p:nvGraphicFramePr>
+          <p:cNvPr id="18" name="Tabelle 17"/>
+          <p:cNvGraphicFramePr>
+            <a:graphicFrameLocks noGrp="1"/>
+          </p:cNvGraphicFramePr>
+          <p:nvPr>
+            <p:extLst>
+              <p:ext uri="{D42A27DB-BD31-4B8C-83A1-F6EECF244321}">
+                <p14:modId xmlns:p14="http://schemas.microsoft.com/office/powerpoint/2010/main" val="1944737916"/>
+              </p:ext>
+            </p:extLst>
+          </p:nvPr>
+        </p:nvGraphicFramePr>
+        <p:xfrm>
+          <a:off x="8681223" y="1218957"/>
+          <a:ext cx="2756034" cy="1097280"/>
+        </p:xfrm>
+        <a:graphic>
+          <a:graphicData uri="http://schemas.openxmlformats.org/drawingml/2006/table">
+            <a:tbl>
+              <a:tblPr firstCol="1" bandRow="1">
+                <a:tableStyleId>{93296810-A885-4BE3-A3E7-6D5BEEA58F35}</a:tableStyleId>
+              </a:tblPr>
+              <a:tblGrid>
+                <a:gridCol w="1507069"/>
+                <a:gridCol w="440994"/>
+                <a:gridCol w="807971"/>
+              </a:tblGrid>
+              <a:tr h="0">
+                <a:tc>
+                  <a:txBody>
+                    <a:bodyPr/>
+                    <a:lstStyle/>
+                    <a:p>
+                      <a:r>
+                        <a:rPr lang="de-DE" sz="1200" dirty="0" smtClean="0"/>
+                        <a:t>(„</a:t>
+                      </a:r>
+                      <a:r>
+                        <a:rPr lang="de-DE" sz="1200" dirty="0" err="1" smtClean="0"/>
+                        <a:t>Galaxy</a:t>
+                      </a:r>
+                      <a:r>
+                        <a:rPr lang="de-DE" sz="1200" dirty="0" smtClean="0"/>
+                        <a:t> J3“, S)</a:t>
+                      </a:r>
+                      <a:endParaRPr lang="de-DE" sz="1200" dirty="0"/>
+                    </a:p>
+                  </a:txBody>
+                  <a:tcPr/>
+                </a:tc>
+                <a:tc>
+                  <a:txBody>
+                    <a:bodyPr/>
+                    <a:lstStyle/>
+                    <a:p>
+                      <a:pPr algn="r"/>
+                      <a:r>
+                        <a:rPr lang="de-DE" sz="1200" dirty="0" smtClean="0"/>
+                        <a:t>5</a:t>
+                      </a:r>
+                      <a:endParaRPr lang="de-DE" sz="1200" dirty="0"/>
+                    </a:p>
+                  </a:txBody>
+                  <a:tcPr/>
+                </a:tc>
+                <a:tc>
+                  <a:txBody>
+                    <a:bodyPr/>
+                    <a:lstStyle/>
+                    <a:p>
+                      <a:pPr algn="r"/>
+                      <a:r>
+                        <a:rPr lang="de-DE" sz="1200" dirty="0" smtClean="0"/>
+                        <a:t>750€</a:t>
+                      </a:r>
+                      <a:endParaRPr lang="de-DE" sz="1200" dirty="0"/>
+                    </a:p>
+                  </a:txBody>
+                  <a:tcPr/>
+                </a:tc>
+              </a:tr>
+              <a:tr h="0">
+                <a:tc>
+                  <a:txBody>
+                    <a:bodyPr/>
+                    <a:lstStyle/>
+                    <a:p>
+                      <a:pPr marL="0" marR="0" indent="0" algn="l" defTabSz="914400" rtl="0" eaLnBrk="1" fontAlgn="auto" latinLnBrk="0" hangingPunct="1">
+                        <a:lnSpc>
+                          <a:spcPct val="100000"/>
+                        </a:lnSpc>
+                        <a:spcBef>
+                          <a:spcPts val="0"/>
+                        </a:spcBef>
+                        <a:spcAft>
+                          <a:spcPts val="0"/>
+                        </a:spcAft>
+                        <a:buClrTx/>
+                        <a:buSzTx/>
+                        <a:buFontTx/>
+                        <a:buNone/>
+                        <a:tabLst/>
+                        <a:defRPr/>
+                      </a:pPr>
+                      <a:r>
+                        <a:rPr lang="de-DE" sz="1200" dirty="0" smtClean="0"/>
+                        <a:t>(„J6289“, F)</a:t>
+                      </a:r>
+                    </a:p>
+                  </a:txBody>
+                  <a:tcPr/>
+                </a:tc>
+                <a:tc>
+                  <a:txBody>
+                    <a:bodyPr/>
+                    <a:lstStyle/>
+                    <a:p>
+                      <a:pPr algn="r"/>
+                      <a:r>
+                        <a:rPr lang="de-DE" sz="1200" dirty="0" smtClean="0"/>
+                        <a:t>8</a:t>
+                      </a:r>
+                      <a:endParaRPr lang="de-DE" sz="1200" dirty="0"/>
+                    </a:p>
+                  </a:txBody>
+                  <a:tcPr/>
+                </a:tc>
+                <a:tc>
+                  <a:txBody>
+                    <a:bodyPr/>
+                    <a:lstStyle/>
+                    <a:p>
+                      <a:pPr algn="r"/>
+                      <a:r>
+                        <a:rPr lang="de-DE" sz="1200" dirty="0" smtClean="0"/>
+                        <a:t>3.200€</a:t>
+                      </a:r>
+                      <a:endParaRPr lang="de-DE" sz="1200" dirty="0"/>
+                    </a:p>
+                  </a:txBody>
+                  <a:tcPr/>
+                </a:tc>
+              </a:tr>
+              <a:tr h="0">
+                <a:tc>
+                  <a:txBody>
+                    <a:bodyPr/>
+                    <a:lstStyle/>
+                    <a:p>
+                      <a:pPr marL="0" marR="0" indent="0" algn="l" defTabSz="914400" rtl="0" eaLnBrk="1" fontAlgn="auto" latinLnBrk="0" hangingPunct="1">
+                        <a:lnSpc>
+                          <a:spcPct val="100000"/>
+                        </a:lnSpc>
+                        <a:spcBef>
+                          <a:spcPts val="0"/>
+                        </a:spcBef>
+                        <a:spcAft>
+                          <a:spcPts val="0"/>
+                        </a:spcAft>
+                        <a:buClrTx/>
+                        <a:buSzTx/>
+                        <a:buFontTx/>
+                        <a:buNone/>
+                        <a:tabLst/>
+                        <a:defRPr/>
+                      </a:pPr>
+                      <a:r>
+                        <a:rPr lang="de-DE" sz="1200" dirty="0" smtClean="0"/>
+                        <a:t>(„KU6519“, F)</a:t>
+                      </a:r>
+                    </a:p>
+                  </a:txBody>
+                  <a:tcPr/>
+                </a:tc>
+                <a:tc>
+                  <a:txBody>
+                    <a:bodyPr/>
+                    <a:lstStyle/>
+                    <a:p>
+                      <a:pPr algn="r"/>
+                      <a:r>
+                        <a:rPr lang="de-DE" sz="1200" dirty="0" smtClean="0"/>
+                        <a:t>12</a:t>
+                      </a:r>
+                      <a:endParaRPr lang="de-DE" sz="1200" dirty="0"/>
+                    </a:p>
+                  </a:txBody>
+                  <a:tcPr/>
+                </a:tc>
+                <a:tc>
+                  <a:txBody>
+                    <a:bodyPr/>
+                    <a:lstStyle/>
+                    <a:p>
+                      <a:pPr algn="r"/>
+                      <a:r>
+                        <a:rPr lang="de-DE" sz="1200" dirty="0" smtClean="0"/>
+                        <a:t>10.800€</a:t>
+                      </a:r>
+                      <a:endParaRPr lang="de-DE" sz="1200" dirty="0"/>
+                    </a:p>
+                  </a:txBody>
+                  <a:tcPr/>
+                </a:tc>
+              </a:tr>
+              <a:tr h="0">
+                <a:tc>
+                  <a:txBody>
+                    <a:bodyPr/>
+                    <a:lstStyle/>
+                    <a:p>
+                      <a:pPr marL="0" marR="0" indent="0" algn="l" defTabSz="914400" rtl="0" eaLnBrk="1" fontAlgn="auto" latinLnBrk="0" hangingPunct="1">
+                        <a:lnSpc>
+                          <a:spcPct val="100000"/>
+                        </a:lnSpc>
+                        <a:spcBef>
+                          <a:spcPts val="0"/>
+                        </a:spcBef>
+                        <a:spcAft>
+                          <a:spcPts val="0"/>
+                        </a:spcAft>
+                        <a:buClrTx/>
+                        <a:buSzTx/>
+                        <a:buFontTx/>
+                        <a:buNone/>
+                        <a:tabLst/>
+                        <a:defRPr/>
+                      </a:pPr>
+                      <a:r>
+                        <a:rPr lang="de-DE" sz="1200" dirty="0" smtClean="0"/>
+                        <a:t>(„LT-40VF43A“, F)</a:t>
+                      </a:r>
+                    </a:p>
+                  </a:txBody>
+                  <a:tcPr/>
+                </a:tc>
+                <a:tc>
+                  <a:txBody>
+                    <a:bodyPr/>
+                    <a:lstStyle/>
+                    <a:p>
+                      <a:pPr algn="r"/>
+                      <a:r>
+                        <a:rPr lang="de-DE" sz="1200" dirty="0" smtClean="0"/>
+                        <a:t>5</a:t>
+                      </a:r>
+                      <a:endParaRPr lang="de-DE" sz="1200" dirty="0"/>
+                    </a:p>
+                  </a:txBody>
+                  <a:tcPr/>
+                </a:tc>
+                <a:tc>
+                  <a:txBody>
+                    <a:bodyPr/>
+                    <a:lstStyle/>
+                    <a:p>
+                      <a:pPr algn="r"/>
+                      <a:r>
+                        <a:rPr lang="de-DE" sz="1200" dirty="0" smtClean="0"/>
+                        <a:t>1.520€</a:t>
+                      </a:r>
+                      <a:endParaRPr lang="de-DE" sz="1200" dirty="0"/>
+                    </a:p>
+                  </a:txBody>
+                  <a:tcPr/>
+                </a:tc>
+              </a:tr>
+            </a:tbl>
+          </a:graphicData>
+        </a:graphic>
+      </p:graphicFrame>
+      <p:graphicFrame>
+        <p:nvGraphicFramePr>
+          <p:cNvPr id="19" name="Tabelle 18"/>
+          <p:cNvGraphicFramePr>
+            <a:graphicFrameLocks noGrp="1"/>
+          </p:cNvGraphicFramePr>
+          <p:nvPr>
+            <p:extLst>
+              <p:ext uri="{D42A27DB-BD31-4B8C-83A1-F6EECF244321}">
+                <p14:modId xmlns:p14="http://schemas.microsoft.com/office/powerpoint/2010/main" val="2380078897"/>
+              </p:ext>
+            </p:extLst>
+          </p:nvPr>
+        </p:nvGraphicFramePr>
+        <p:xfrm>
+          <a:off x="8681223" y="2819035"/>
+          <a:ext cx="2756034" cy="1097280"/>
+        </p:xfrm>
+        <a:graphic>
+          <a:graphicData uri="http://schemas.openxmlformats.org/drawingml/2006/table">
+            <a:tbl>
+              <a:tblPr firstCol="1" bandRow="1">
+                <a:tableStyleId>{93296810-A885-4BE3-A3E7-6D5BEEA58F35}</a:tableStyleId>
+              </a:tblPr>
+              <a:tblGrid>
+                <a:gridCol w="1507806"/>
+                <a:gridCol w="449942"/>
+                <a:gridCol w="798286"/>
+              </a:tblGrid>
+              <a:tr h="0">
+                <a:tc>
+                  <a:txBody>
+                    <a:bodyPr/>
+                    <a:lstStyle/>
+                    <a:p>
+                      <a:r>
+                        <a:rPr lang="de-DE" sz="1200" dirty="0" smtClean="0"/>
+                        <a:t>(„Moto G4“, S)</a:t>
+                      </a:r>
+                    </a:p>
+                  </a:txBody>
+                  <a:tcPr/>
+                </a:tc>
+                <a:tc>
+                  <a:txBody>
+                    <a:bodyPr/>
+                    <a:lstStyle/>
+                    <a:p>
+                      <a:pPr algn="r"/>
+                      <a:r>
+                        <a:rPr lang="de-DE" sz="1200" dirty="0" smtClean="0"/>
+                        <a:t>7</a:t>
+                      </a:r>
+                      <a:endParaRPr lang="de-DE" sz="1200" dirty="0"/>
+                    </a:p>
+                  </a:txBody>
+                  <a:tcPr/>
+                </a:tc>
+                <a:tc>
+                  <a:txBody>
+                    <a:bodyPr/>
+                    <a:lstStyle/>
+                    <a:p>
+                      <a:pPr algn="r"/>
+                      <a:r>
+                        <a:rPr lang="de-DE" sz="1200" dirty="0" smtClean="0"/>
+                        <a:t>1120€</a:t>
+                      </a:r>
+                      <a:endParaRPr lang="de-DE" sz="1200" dirty="0"/>
+                    </a:p>
+                  </a:txBody>
+                  <a:tcPr/>
+                </a:tc>
+              </a:tr>
+              <a:tr h="0">
+                <a:tc>
+                  <a:txBody>
+                    <a:bodyPr/>
+                    <a:lstStyle/>
+                    <a:p>
+                      <a:pPr marL="0" marR="0" indent="0" algn="l" defTabSz="914400" rtl="0" eaLnBrk="1" fontAlgn="auto" latinLnBrk="0" hangingPunct="1">
+                        <a:lnSpc>
+                          <a:spcPct val="100000"/>
+                        </a:lnSpc>
+                        <a:spcBef>
+                          <a:spcPts val="0"/>
+                        </a:spcBef>
+                        <a:spcAft>
+                          <a:spcPts val="0"/>
+                        </a:spcAft>
+                        <a:buClrTx/>
+                        <a:buSzTx/>
+                        <a:buFontTx/>
+                        <a:buNone/>
+                        <a:tabLst/>
+                        <a:defRPr/>
+                      </a:pPr>
+                      <a:r>
+                        <a:rPr lang="de-DE" sz="1200" dirty="0" smtClean="0"/>
+                        <a:t>(„USB 1,5m“, K)</a:t>
+                      </a:r>
+                    </a:p>
+                  </a:txBody>
+                  <a:tcPr/>
+                </a:tc>
+                <a:tc>
+                  <a:txBody>
+                    <a:bodyPr/>
+                    <a:lstStyle/>
+                    <a:p>
+                      <a:pPr algn="r"/>
+                      <a:r>
+                        <a:rPr lang="de-DE" sz="1200" dirty="0" smtClean="0"/>
+                        <a:t>350</a:t>
+                      </a:r>
+                      <a:endParaRPr lang="de-DE" sz="1200" dirty="0"/>
+                    </a:p>
+                  </a:txBody>
+                  <a:tcPr/>
+                </a:tc>
+                <a:tc>
+                  <a:txBody>
+                    <a:bodyPr/>
+                    <a:lstStyle/>
+                    <a:p>
+                      <a:pPr algn="r"/>
+                      <a:r>
+                        <a:rPr lang="de-DE" sz="1200" dirty="0" smtClean="0"/>
+                        <a:t>1.600€</a:t>
+                      </a:r>
+                      <a:endParaRPr lang="de-DE" sz="1200" dirty="0"/>
+                    </a:p>
+                  </a:txBody>
+                  <a:tcPr/>
+                </a:tc>
+              </a:tr>
+              <a:tr h="0">
+                <a:tc>
+                  <a:txBody>
+                    <a:bodyPr/>
+                    <a:lstStyle/>
+                    <a:p>
+                      <a:pPr marL="0" marR="0" indent="0" algn="l" defTabSz="914400" rtl="0" eaLnBrk="1" fontAlgn="auto" latinLnBrk="0" hangingPunct="1">
+                        <a:lnSpc>
+                          <a:spcPct val="100000"/>
+                        </a:lnSpc>
+                        <a:spcBef>
+                          <a:spcPts val="0"/>
+                        </a:spcBef>
+                        <a:spcAft>
+                          <a:spcPts val="0"/>
+                        </a:spcAft>
+                        <a:buClrTx/>
+                        <a:buSzTx/>
+                        <a:buFontTx/>
+                        <a:buNone/>
+                        <a:tabLst/>
+                        <a:defRPr/>
+                      </a:pPr>
+                      <a:r>
+                        <a:rPr lang="de-DE" sz="1200" dirty="0" smtClean="0"/>
+                        <a:t>(„USB</a:t>
+                      </a:r>
+                      <a:r>
+                        <a:rPr lang="de-DE" sz="1200" baseline="0" dirty="0" smtClean="0"/>
+                        <a:t> 3m“, K)</a:t>
+                      </a:r>
+                      <a:endParaRPr lang="de-DE" sz="1200" dirty="0" smtClean="0"/>
+                    </a:p>
+                  </a:txBody>
+                  <a:tcPr/>
+                </a:tc>
+                <a:tc>
+                  <a:txBody>
+                    <a:bodyPr/>
+                    <a:lstStyle/>
+                    <a:p>
+                      <a:pPr algn="r"/>
+                      <a:r>
+                        <a:rPr lang="de-DE" sz="1200" dirty="0" smtClean="0"/>
+                        <a:t>35</a:t>
+                      </a:r>
+                      <a:endParaRPr lang="de-DE" sz="1200" dirty="0"/>
+                    </a:p>
+                  </a:txBody>
+                  <a:tcPr/>
+                </a:tc>
+                <a:tc>
+                  <a:txBody>
+                    <a:bodyPr/>
+                    <a:lstStyle/>
+                    <a:p>
+                      <a:pPr algn="r"/>
+                      <a:r>
+                        <a:rPr lang="de-DE" sz="1200" dirty="0" smtClean="0"/>
+                        <a:t>210€</a:t>
+                      </a:r>
+                      <a:endParaRPr lang="de-DE" sz="1200" dirty="0"/>
+                    </a:p>
+                  </a:txBody>
+                  <a:tcPr/>
+                </a:tc>
+              </a:tr>
+              <a:tr h="0">
+                <a:tc>
+                  <a:txBody>
+                    <a:bodyPr/>
+                    <a:lstStyle/>
+                    <a:p>
+                      <a:pPr marL="0" marR="0" indent="0" algn="l" defTabSz="914400" rtl="0" eaLnBrk="1" fontAlgn="auto" latinLnBrk="0" hangingPunct="1">
+                        <a:lnSpc>
+                          <a:spcPct val="100000"/>
+                        </a:lnSpc>
+                        <a:spcBef>
+                          <a:spcPts val="0"/>
+                        </a:spcBef>
+                        <a:spcAft>
+                          <a:spcPts val="0"/>
+                        </a:spcAft>
+                        <a:buClrTx/>
+                        <a:buSzTx/>
+                        <a:buFontTx/>
+                        <a:buNone/>
+                        <a:tabLst/>
+                        <a:defRPr/>
+                      </a:pPr>
+                      <a:r>
+                        <a:rPr lang="de-DE" sz="1200" dirty="0" smtClean="0"/>
+                        <a:t>(„</a:t>
+                      </a:r>
+                      <a:r>
+                        <a:rPr lang="de-DE" sz="1200" dirty="0" err="1" smtClean="0"/>
+                        <a:t>Xperia</a:t>
+                      </a:r>
+                      <a:r>
+                        <a:rPr lang="de-DE" sz="1200" dirty="0" smtClean="0"/>
+                        <a:t> E5“, S)</a:t>
+                      </a:r>
+                    </a:p>
+                  </a:txBody>
+                  <a:tcPr/>
+                </a:tc>
+                <a:tc>
+                  <a:txBody>
+                    <a:bodyPr/>
+                    <a:lstStyle/>
+                    <a:p>
+                      <a:pPr algn="r"/>
+                      <a:r>
+                        <a:rPr lang="de-DE" sz="1200" dirty="0" smtClean="0"/>
+                        <a:t>3</a:t>
+                      </a:r>
+                      <a:endParaRPr lang="de-DE" sz="1200" dirty="0"/>
+                    </a:p>
+                  </a:txBody>
+                  <a:tcPr/>
+                </a:tc>
+                <a:tc>
+                  <a:txBody>
+                    <a:bodyPr/>
+                    <a:lstStyle/>
+                    <a:p>
+                      <a:pPr algn="r"/>
+                      <a:r>
+                        <a:rPr lang="de-DE" sz="1200" dirty="0" smtClean="0"/>
+                        <a:t>420€</a:t>
+                      </a:r>
+                      <a:endParaRPr lang="de-DE" sz="1200" dirty="0"/>
+                    </a:p>
+                  </a:txBody>
+                  <a:tcPr/>
+                </a:tc>
+              </a:tr>
+            </a:tbl>
+          </a:graphicData>
+        </a:graphic>
+      </p:graphicFrame>
+      <mc:AlternateContent xmlns:mc="http://schemas.openxmlformats.org/markup-compatibility/2006">
+        <mc:Choice xmlns:a14="http://schemas.microsoft.com/office/drawing/2010/main" Requires="a14">
+          <p:sp>
+            <p:nvSpPr>
+              <p:cNvPr id="20" name="Legende mit Linie 1 19"/>
+              <p:cNvSpPr/>
+              <p:nvPr/>
+            </p:nvSpPr>
+            <p:spPr bwMode="auto">
+              <a:xfrm>
+                <a:off x="769257" y="4746171"/>
+                <a:ext cx="3811681" cy="1277257"/>
+              </a:xfrm>
+              <a:prstGeom prst="borderCallout1">
+                <a:avLst>
+                  <a:gd name="adj1" fmla="val -13068"/>
+                  <a:gd name="adj2" fmla="val 73234"/>
+                  <a:gd name="adj3" fmla="val -125000"/>
+                  <a:gd name="adj4" fmla="val 80848"/>
+                </a:avLst>
+              </a:prstGeom>
+              <a:ln>
+                <a:headEnd type="none" w="med" len="med"/>
+                <a:tailEnd type="none" w="med" len="med"/>
+              </a:ln>
+            </p:spPr>
+            <p:style>
+              <a:lnRef idx="1">
+                <a:schemeClr val="accent5"/>
+              </a:lnRef>
+              <a:fillRef idx="2">
+                <a:schemeClr val="accent5"/>
+              </a:fillRef>
+              <a:effectRef idx="1">
+                <a:schemeClr val="accent5"/>
+              </a:effectRef>
+              <a:fontRef idx="minor">
+                <a:schemeClr val="dk1"/>
+              </a:fontRef>
+            </p:style>
+            <p:txBody>
+              <a:bodyPr rot="0" spcFirstLastPara="0" vertOverflow="overflow" horzOverflow="overflow" vert="horz" wrap="square" lIns="91440" tIns="45720" rIns="91440" bIns="45720" numCol="1" spcCol="0" rtlCol="0" fromWordArt="0" anchor="ctr" anchorCtr="0" forceAA="0" compatLnSpc="1">
+                <a:prstTxWarp prst="textNoShape">
+                  <a:avLst/>
+                </a:prstTxWarp>
+                <a:noAutofit/>
+              </a:bodyPr>
+              <a:lstStyle/>
+              <a:p>
+                <a:pPr marL="0" marR="0" indent="0" algn="ctr" defTabSz="914400" rtl="0" eaLnBrk="1" fontAlgn="base" latinLnBrk="0" hangingPunct="1">
+                  <a:lnSpc>
+                    <a:spcPct val="100000"/>
+                  </a:lnSpc>
+                  <a:spcBef>
+                    <a:spcPct val="0"/>
+                  </a:spcBef>
+                  <a:spcAft>
+                    <a:spcPts val="600"/>
+                  </a:spcAft>
+                  <a:buClrTx/>
+                  <a:buSzTx/>
+                  <a:buFontTx/>
+                  <a:buNone/>
+                  <a:tabLst/>
+                </a:pPr>
+                <a:r>
+                  <a:rPr kumimoji="0" lang="de-DE" b="0" i="0" u="none" strike="noStrike" cap="none" normalizeH="0" baseline="0" dirty="0" smtClean="0">
+                    <a:ln>
+                      <a:noFill/>
+                    </a:ln>
+                    <a:solidFill>
+                      <a:schemeClr val="tx1"/>
+                    </a:solidFill>
+                    <a:effectLst/>
+                    <a:latin typeface="Open Sans" panose="020B0606030504020204" pitchFamily="34" charset="0"/>
+                    <a:ea typeface="Open Sans" panose="020B0606030504020204" pitchFamily="34" charset="0"/>
+                    <a:cs typeface="Open Sans" panose="020B0606030504020204" pitchFamily="34" charset="0"/>
+                  </a:rPr>
+                  <a:t>mapToPair</a:t>
+                </a:r>
+              </a:p>
+              <a:p>
+                <a:pPr marL="0" marR="0" indent="0" algn="ctr" defTabSz="914400" rtl="0" eaLnBrk="1" fontAlgn="base" latinLnBrk="0" hangingPunct="1">
+                  <a:lnSpc>
+                    <a:spcPct val="100000"/>
+                  </a:lnSpc>
+                  <a:spcBef>
+                    <a:spcPct val="0"/>
+                  </a:spcBef>
+                  <a:spcAft>
+                    <a:spcPts val="600"/>
+                  </a:spcAft>
+                  <a:buClrTx/>
+                  <a:buSzTx/>
+                  <a:buFontTx/>
+                  <a:buNone/>
+                  <a:tabLst/>
+                </a:pPr>
+                <a14:m>
+                  <m:oMathPara xmlns:m="http://schemas.openxmlformats.org/officeDocument/2006/math">
+                    <m:oMathParaPr>
+                      <m:jc m:val="centerGroup"/>
+                    </m:oMathParaPr>
+                    <m:oMath xmlns:m="http://schemas.openxmlformats.org/officeDocument/2006/math">
+                      <m:r>
+                        <a:rPr kumimoji="0" lang="de-DE" b="0" i="1" u="none" strike="noStrike" cap="none" normalizeH="0" baseline="0" smtClean="0">
+                          <a:ln>
+                            <a:noFill/>
+                          </a:ln>
+                          <a:solidFill>
+                            <a:schemeClr val="tx1"/>
+                          </a:solidFill>
+                          <a:effectLst/>
+                          <a:latin typeface="Cambria Math"/>
+                          <a:ea typeface="Open Sans" panose="020B0606030504020204" pitchFamily="34" charset="0"/>
+                          <a:cs typeface="Open Sans" panose="020B0606030504020204" pitchFamily="34" charset="0"/>
+                        </a:rPr>
+                        <m:t>𝑓</m:t>
+                      </m:r>
+                      <m:d>
+                        <m:dPr>
+                          <m:ctrlPr>
+                            <a:rPr kumimoji="0" lang="de-DE" b="0" i="1" u="none" strike="noStrike" cap="none" normalizeH="0" baseline="0" smtClean="0">
+                              <a:ln>
+                                <a:noFill/>
+                              </a:ln>
+                              <a:solidFill>
+                                <a:schemeClr val="tx1"/>
+                              </a:solidFill>
+                              <a:effectLst/>
+                              <a:latin typeface="Cambria Math"/>
+                              <a:ea typeface="Open Sans" panose="020B0606030504020204" pitchFamily="34" charset="0"/>
+                              <a:cs typeface="Open Sans" panose="020B0606030504020204" pitchFamily="34" charset="0"/>
+                            </a:rPr>
+                          </m:ctrlPr>
+                        </m:dPr>
+                        <m:e>
+                          <m:r>
+                            <a:rPr kumimoji="0" lang="de-DE" b="0" i="1" u="none" strike="noStrike" cap="none" normalizeH="0" baseline="0" smtClean="0">
+                              <a:ln>
+                                <a:noFill/>
+                              </a:ln>
+                              <a:solidFill>
+                                <a:schemeClr val="tx1"/>
+                              </a:solidFill>
+                              <a:effectLst/>
+                              <a:latin typeface="Cambria Math"/>
+                              <a:ea typeface="Open Sans" panose="020B0606030504020204" pitchFamily="34" charset="0"/>
+                              <a:cs typeface="Open Sans" panose="020B0606030504020204" pitchFamily="34" charset="0"/>
+                            </a:rPr>
+                            <m:t>𝑣</m:t>
+                          </m:r>
+                        </m:e>
+                      </m:d>
+                      <m:r>
+                        <a:rPr kumimoji="0" lang="de-DE" b="0" i="1" u="none" strike="noStrike" cap="none" normalizeH="0" baseline="0" smtClean="0">
+                          <a:ln>
+                            <a:noFill/>
+                          </a:ln>
+                          <a:solidFill>
+                            <a:schemeClr val="tx1"/>
+                          </a:solidFill>
+                          <a:effectLst/>
+                          <a:latin typeface="Cambria Math"/>
+                          <a:ea typeface="Open Sans" panose="020B0606030504020204" pitchFamily="34" charset="0"/>
+                          <a:cs typeface="Open Sans" panose="020B0606030504020204" pitchFamily="34" charset="0"/>
+                        </a:rPr>
+                        <m:t>=</m:t>
+                      </m:r>
+                      <m:d>
+                        <m:dPr>
+                          <m:ctrlPr>
+                            <a:rPr kumimoji="0" lang="de-DE" b="0" i="1" u="none" strike="noStrike" cap="none" normalizeH="0" baseline="0" smtClean="0">
+                              <a:ln>
+                                <a:noFill/>
+                              </a:ln>
+                              <a:solidFill>
+                                <a:schemeClr val="tx1"/>
+                              </a:solidFill>
+                              <a:effectLst/>
+                              <a:latin typeface="Cambria Math"/>
+                              <a:ea typeface="Open Sans" panose="020B0606030504020204" pitchFamily="34" charset="0"/>
+                              <a:cs typeface="Open Sans" panose="020B0606030504020204" pitchFamily="34" charset="0"/>
+                            </a:rPr>
+                          </m:ctrlPr>
+                        </m:dPr>
+                        <m:e>
+                          <m:d>
+                            <m:dPr>
+                              <m:ctrlPr>
+                                <a:rPr kumimoji="0" lang="de-DE" b="0" i="1" u="none" strike="noStrike" cap="none" normalizeH="0" baseline="0" smtClean="0">
+                                  <a:ln>
+                                    <a:noFill/>
+                                  </a:ln>
+                                  <a:solidFill>
+                                    <a:schemeClr val="tx1"/>
+                                  </a:solidFill>
+                                  <a:effectLst/>
+                                  <a:latin typeface="Cambria Math"/>
+                                  <a:ea typeface="Open Sans" panose="020B0606030504020204" pitchFamily="34" charset="0"/>
+                                  <a:cs typeface="Open Sans" panose="020B0606030504020204" pitchFamily="34" charset="0"/>
+                                </a:rPr>
+                              </m:ctrlPr>
+                            </m:dPr>
+                            <m:e>
+                              <m:r>
+                                <a:rPr kumimoji="0" lang="de-DE" b="0" i="1" u="none" strike="noStrike" cap="none" normalizeH="0" baseline="0" smtClean="0">
+                                  <a:ln>
+                                    <a:noFill/>
+                                  </a:ln>
+                                  <a:solidFill>
+                                    <a:schemeClr val="tx1"/>
+                                  </a:solidFill>
+                                  <a:effectLst/>
+                                  <a:latin typeface="Cambria Math"/>
+                                  <a:ea typeface="Open Sans" panose="020B0606030504020204" pitchFamily="34" charset="0"/>
+                                  <a:cs typeface="Open Sans" panose="020B0606030504020204" pitchFamily="34" charset="0"/>
+                                </a:rPr>
+                                <m:t>𝑛</m:t>
+                              </m:r>
+                              <m:d>
+                                <m:dPr>
+                                  <m:ctrlPr>
+                                    <a:rPr kumimoji="0" lang="de-DE" b="0" i="1" u="none" strike="noStrike" cap="none" normalizeH="0" baseline="0" smtClean="0">
+                                      <a:ln>
+                                        <a:noFill/>
+                                      </a:ln>
+                                      <a:solidFill>
+                                        <a:schemeClr val="tx1"/>
+                                      </a:solidFill>
+                                      <a:effectLst/>
+                                      <a:latin typeface="Cambria Math"/>
+                                      <a:ea typeface="Open Sans" panose="020B0606030504020204" pitchFamily="34" charset="0"/>
+                                      <a:cs typeface="Open Sans" panose="020B0606030504020204" pitchFamily="34" charset="0"/>
+                                    </a:rPr>
+                                  </m:ctrlPr>
+                                </m:dPr>
+                                <m:e>
+                                  <m:r>
+                                    <a:rPr kumimoji="0" lang="de-DE" b="0" i="1" u="none" strike="noStrike" cap="none" normalizeH="0" baseline="0" smtClean="0">
+                                      <a:ln>
+                                        <a:noFill/>
+                                      </a:ln>
+                                      <a:solidFill>
+                                        <a:schemeClr val="tx1"/>
+                                      </a:solidFill>
+                                      <a:effectLst/>
+                                      <a:latin typeface="Cambria Math"/>
+                                      <a:ea typeface="Open Sans" panose="020B0606030504020204" pitchFamily="34" charset="0"/>
+                                      <a:cs typeface="Open Sans" panose="020B0606030504020204" pitchFamily="34" charset="0"/>
+                                    </a:rPr>
+                                    <m:t>𝑣</m:t>
+                                  </m:r>
+                                </m:e>
+                              </m:d>
+                              <m:r>
+                                <a:rPr kumimoji="0" lang="de-DE" b="0" i="1" u="none" strike="noStrike" cap="none" normalizeH="0" baseline="0" smtClean="0">
+                                  <a:ln>
+                                    <a:noFill/>
+                                  </a:ln>
+                                  <a:solidFill>
+                                    <a:schemeClr val="tx1"/>
+                                  </a:solidFill>
+                                  <a:effectLst/>
+                                  <a:latin typeface="Cambria Math"/>
+                                  <a:ea typeface="Open Sans" panose="020B0606030504020204" pitchFamily="34" charset="0"/>
+                                  <a:cs typeface="Open Sans" panose="020B0606030504020204" pitchFamily="34" charset="0"/>
+                                </a:rPr>
+                                <m:t>,</m:t>
+                              </m:r>
+                              <m:r>
+                                <a:rPr kumimoji="0" lang="de-DE" b="0" i="1" u="none" strike="noStrike" cap="none" normalizeH="0" baseline="0" smtClean="0">
+                                  <a:ln>
+                                    <a:noFill/>
+                                  </a:ln>
+                                  <a:solidFill>
+                                    <a:schemeClr val="tx1"/>
+                                  </a:solidFill>
+                                  <a:effectLst/>
+                                  <a:latin typeface="Cambria Math"/>
+                                  <a:ea typeface="Open Sans" panose="020B0606030504020204" pitchFamily="34" charset="0"/>
+                                  <a:cs typeface="Open Sans" panose="020B0606030504020204" pitchFamily="34" charset="0"/>
+                                </a:rPr>
+                                <m:t>𝑔</m:t>
+                              </m:r>
+                              <m:d>
+                                <m:dPr>
+                                  <m:ctrlPr>
+                                    <a:rPr kumimoji="0" lang="de-DE" b="0" i="1" u="none" strike="noStrike" cap="none" normalizeH="0" baseline="0" smtClean="0">
+                                      <a:ln>
+                                        <a:noFill/>
+                                      </a:ln>
+                                      <a:solidFill>
+                                        <a:schemeClr val="tx1"/>
+                                      </a:solidFill>
+                                      <a:effectLst/>
+                                      <a:latin typeface="Cambria Math"/>
+                                      <a:ea typeface="Open Sans" panose="020B0606030504020204" pitchFamily="34" charset="0"/>
+                                      <a:cs typeface="Open Sans" panose="020B0606030504020204" pitchFamily="34" charset="0"/>
+                                    </a:rPr>
+                                  </m:ctrlPr>
+                                </m:dPr>
+                                <m:e>
+                                  <m:r>
+                                    <a:rPr kumimoji="0" lang="de-DE" b="0" i="1" u="none" strike="noStrike" cap="none" normalizeH="0" baseline="0" smtClean="0">
+                                      <a:ln>
+                                        <a:noFill/>
+                                      </a:ln>
+                                      <a:solidFill>
+                                        <a:schemeClr val="tx1"/>
+                                      </a:solidFill>
+                                      <a:effectLst/>
+                                      <a:latin typeface="Cambria Math"/>
+                                      <a:ea typeface="Open Sans" panose="020B0606030504020204" pitchFamily="34" charset="0"/>
+                                      <a:cs typeface="Open Sans" panose="020B0606030504020204" pitchFamily="34" charset="0"/>
+                                    </a:rPr>
+                                    <m:t>𝑣</m:t>
+                                  </m:r>
+                                </m:e>
+                              </m:d>
+                            </m:e>
+                          </m:d>
+                          <m:r>
+                            <a:rPr kumimoji="0" lang="de-DE" b="0" i="1" u="none" strike="noStrike" cap="none" normalizeH="0" baseline="0" smtClean="0">
+                              <a:ln>
+                                <a:noFill/>
+                              </a:ln>
+                              <a:solidFill>
+                                <a:schemeClr val="tx1"/>
+                              </a:solidFill>
+                              <a:effectLst/>
+                              <a:latin typeface="Cambria Math"/>
+                              <a:ea typeface="Open Sans" panose="020B0606030504020204" pitchFamily="34" charset="0"/>
+                              <a:cs typeface="Open Sans" panose="020B0606030504020204" pitchFamily="34" charset="0"/>
+                            </a:rPr>
+                            <m:t>,</m:t>
+                          </m:r>
+                          <m:d>
+                            <m:dPr>
+                              <m:ctrlPr>
+                                <a:rPr kumimoji="0" lang="de-DE" b="0" i="1" u="none" strike="noStrike" cap="none" normalizeH="0" baseline="0" smtClean="0">
+                                  <a:ln>
+                                    <a:noFill/>
+                                  </a:ln>
+                                  <a:solidFill>
+                                    <a:schemeClr val="tx1"/>
+                                  </a:solidFill>
+                                  <a:effectLst/>
+                                  <a:latin typeface="Cambria Math"/>
+                                  <a:ea typeface="Open Sans" panose="020B0606030504020204" pitchFamily="34" charset="0"/>
+                                  <a:cs typeface="Open Sans" panose="020B0606030504020204" pitchFamily="34" charset="0"/>
+                                </a:rPr>
+                              </m:ctrlPr>
+                            </m:dPr>
+                            <m:e>
+                              <m:r>
+                                <a:rPr kumimoji="0" lang="de-DE" b="0" i="1" u="none" strike="noStrike" cap="none" normalizeH="0" baseline="0" smtClean="0">
+                                  <a:ln>
+                                    <a:noFill/>
+                                  </a:ln>
+                                  <a:solidFill>
+                                    <a:schemeClr val="tx1"/>
+                                  </a:solidFill>
+                                  <a:effectLst/>
+                                  <a:latin typeface="Cambria Math"/>
+                                  <a:ea typeface="Open Sans" panose="020B0606030504020204" pitchFamily="34" charset="0"/>
+                                  <a:cs typeface="Open Sans" panose="020B0606030504020204" pitchFamily="34" charset="0"/>
+                                </a:rPr>
+                                <m:t>𝑎</m:t>
+                              </m:r>
+                              <m:d>
+                                <m:dPr>
+                                  <m:ctrlPr>
+                                    <a:rPr kumimoji="0" lang="de-DE" b="0" i="1" u="none" strike="noStrike" cap="none" normalizeH="0" baseline="0" smtClean="0">
+                                      <a:ln>
+                                        <a:noFill/>
+                                      </a:ln>
+                                      <a:solidFill>
+                                        <a:schemeClr val="tx1"/>
+                                      </a:solidFill>
+                                      <a:effectLst/>
+                                      <a:latin typeface="Cambria Math"/>
+                                      <a:ea typeface="Open Sans" panose="020B0606030504020204" pitchFamily="34" charset="0"/>
+                                      <a:cs typeface="Open Sans" panose="020B0606030504020204" pitchFamily="34" charset="0"/>
+                                    </a:rPr>
+                                  </m:ctrlPr>
+                                </m:dPr>
+                                <m:e>
+                                  <m:r>
+                                    <a:rPr kumimoji="0" lang="de-DE" b="0" i="1" u="none" strike="noStrike" cap="none" normalizeH="0" baseline="0" smtClean="0">
+                                      <a:ln>
+                                        <a:noFill/>
+                                      </a:ln>
+                                      <a:solidFill>
+                                        <a:schemeClr val="tx1"/>
+                                      </a:solidFill>
+                                      <a:effectLst/>
+                                      <a:latin typeface="Cambria Math"/>
+                                      <a:ea typeface="Open Sans" panose="020B0606030504020204" pitchFamily="34" charset="0"/>
+                                      <a:cs typeface="Open Sans" panose="020B0606030504020204" pitchFamily="34" charset="0"/>
+                                    </a:rPr>
+                                    <m:t>𝑣</m:t>
+                                  </m:r>
+                                </m:e>
+                              </m:d>
+                              <m:r>
+                                <a:rPr kumimoji="0" lang="de-DE" b="0" i="1" u="none" strike="noStrike" cap="none" normalizeH="0" baseline="0" smtClean="0">
+                                  <a:ln>
+                                    <a:noFill/>
+                                  </a:ln>
+                                  <a:solidFill>
+                                    <a:schemeClr val="tx1"/>
+                                  </a:solidFill>
+                                  <a:effectLst/>
+                                  <a:latin typeface="Cambria Math"/>
+                                  <a:ea typeface="Open Sans" panose="020B0606030504020204" pitchFamily="34" charset="0"/>
+                                  <a:cs typeface="Open Sans" panose="020B0606030504020204" pitchFamily="34" charset="0"/>
+                                </a:rPr>
+                                <m:t>,</m:t>
+                              </m:r>
+                              <m:r>
+                                <a:rPr kumimoji="0" lang="de-DE" b="0" i="1" u="none" strike="noStrike" cap="none" normalizeH="0" baseline="0" smtClean="0">
+                                  <a:ln>
+                                    <a:noFill/>
+                                  </a:ln>
+                                  <a:solidFill>
+                                    <a:schemeClr val="tx1"/>
+                                  </a:solidFill>
+                                  <a:effectLst/>
+                                  <a:latin typeface="Cambria Math"/>
+                                  <a:ea typeface="Open Sans" panose="020B0606030504020204" pitchFamily="34" charset="0"/>
+                                  <a:cs typeface="Open Sans" panose="020B0606030504020204" pitchFamily="34" charset="0"/>
+                                </a:rPr>
+                                <m:t>𝑝</m:t>
+                              </m:r>
+                              <m:d>
+                                <m:dPr>
+                                  <m:ctrlPr>
+                                    <a:rPr kumimoji="0" lang="de-DE" b="0" i="1" u="none" strike="noStrike" cap="none" normalizeH="0" baseline="0" smtClean="0">
+                                      <a:ln>
+                                        <a:noFill/>
+                                      </a:ln>
+                                      <a:solidFill>
+                                        <a:schemeClr val="tx1"/>
+                                      </a:solidFill>
+                                      <a:effectLst/>
+                                      <a:latin typeface="Cambria Math"/>
+                                      <a:ea typeface="Open Sans" panose="020B0606030504020204" pitchFamily="34" charset="0"/>
+                                      <a:cs typeface="Open Sans" panose="020B0606030504020204" pitchFamily="34" charset="0"/>
+                                    </a:rPr>
+                                  </m:ctrlPr>
+                                </m:dPr>
+                                <m:e>
+                                  <m:r>
+                                    <a:rPr kumimoji="0" lang="de-DE" b="0" i="1" u="none" strike="noStrike" cap="none" normalizeH="0" baseline="0" smtClean="0">
+                                      <a:ln>
+                                        <a:noFill/>
+                                      </a:ln>
+                                      <a:solidFill>
+                                        <a:schemeClr val="tx1"/>
+                                      </a:solidFill>
+                                      <a:effectLst/>
+                                      <a:latin typeface="Cambria Math"/>
+                                      <a:ea typeface="Open Sans" panose="020B0606030504020204" pitchFamily="34" charset="0"/>
+                                      <a:cs typeface="Open Sans" panose="020B0606030504020204" pitchFamily="34" charset="0"/>
+                                    </a:rPr>
+                                    <m:t>𝑣</m:t>
+                                  </m:r>
+                                </m:e>
+                              </m:d>
+                            </m:e>
+                          </m:d>
+                        </m:e>
+                      </m:d>
+                    </m:oMath>
+                  </m:oMathPara>
+                </a14:m>
+                <a:endParaRPr kumimoji="0" lang="de-DE" b="0" i="0" u="none" strike="noStrike" cap="none" normalizeH="0" baseline="0" dirty="0" smtClean="0">
+                  <a:ln>
+                    <a:noFill/>
+                  </a:ln>
+                  <a:solidFill>
+                    <a:schemeClr val="tx1"/>
+                  </a:solidFill>
+                  <a:effectLst/>
+                  <a:latin typeface="Open Sans" panose="020B0606030504020204" pitchFamily="34" charset="0"/>
+                  <a:ea typeface="Open Sans" panose="020B0606030504020204" pitchFamily="34" charset="0"/>
+                  <a:cs typeface="Open Sans" panose="020B0606030504020204" pitchFamily="34" charset="0"/>
+                </a:endParaRPr>
+              </a:p>
+            </p:txBody>
+          </p:sp>
+        </mc:Choice>
+        <mc:Fallback>
+          <p:sp>
+            <p:nvSpPr>
+              <p:cNvPr id="20" name="Legende mit Linie 1 19"/>
+              <p:cNvSpPr>
+                <a:spLocks noRot="1" noChangeAspect="1" noMove="1" noResize="1" noEditPoints="1" noAdjustHandles="1" noChangeArrowheads="1" noChangeShapeType="1" noTextEdit="1"/>
+              </p:cNvSpPr>
+              <p:nvPr/>
+            </p:nvSpPr>
+            <p:spPr bwMode="auto">
+              <a:xfrm>
+                <a:off x="769257" y="4746171"/>
+                <a:ext cx="3811681" cy="1277257"/>
+              </a:xfrm>
+              <a:prstGeom prst="borderCallout1">
+                <a:avLst>
+                  <a:gd name="adj1" fmla="val -13068"/>
+                  <a:gd name="adj2" fmla="val 73234"/>
+                  <a:gd name="adj3" fmla="val -125000"/>
+                  <a:gd name="adj4" fmla="val 80848"/>
+                </a:avLst>
+              </a:prstGeom>
+              <a:blipFill rotWithShape="1">
+                <a:blip r:embed="rId3"/>
+                <a:stretch>
+                  <a:fillRect/>
+                </a:stretch>
+              </a:blipFill>
+              <a:ln>
+                <a:headEnd type="none" w="med" len="med"/>
+                <a:tailEnd type="none" w="med" len="med"/>
+              </a:ln>
+            </p:spPr>
+            <p:txBody>
+              <a:bodyPr/>
+              <a:lstStyle/>
+              <a:p>
+                <a:r>
+                  <a:rPr lang="de-DE">
+                    <a:noFill/>
+                  </a:rPr>
+                  <a:t> </a:t>
+                </a:r>
+              </a:p>
+            </p:txBody>
+          </p:sp>
+        </mc:Fallback>
+      </mc:AlternateContent>
+      <mc:AlternateContent xmlns:mc="http://schemas.openxmlformats.org/markup-compatibility/2006">
+        <mc:Choice xmlns:a14="http://schemas.microsoft.com/office/drawing/2010/main" Requires="a14">
+          <p:sp>
+            <p:nvSpPr>
+              <p:cNvPr id="21" name="Legende mit Linie 1 20"/>
+              <p:cNvSpPr/>
+              <p:nvPr/>
+            </p:nvSpPr>
+            <p:spPr bwMode="auto">
+              <a:xfrm>
+                <a:off x="4984549" y="4746170"/>
+                <a:ext cx="4232022" cy="1277257"/>
+              </a:xfrm>
+              <a:prstGeom prst="borderCallout1">
+                <a:avLst>
+                  <a:gd name="adj1" fmla="val -13068"/>
+                  <a:gd name="adj2" fmla="val 73234"/>
+                  <a:gd name="adj3" fmla="val -122727"/>
+                  <a:gd name="adj4" fmla="val 63357"/>
+                </a:avLst>
+              </a:prstGeom>
+              <a:ln>
+                <a:headEnd type="none" w="med" len="med"/>
+                <a:tailEnd type="none" w="med" len="med"/>
+              </a:ln>
+            </p:spPr>
+            <p:style>
+              <a:lnRef idx="1">
+                <a:schemeClr val="accent5"/>
+              </a:lnRef>
+              <a:fillRef idx="2">
+                <a:schemeClr val="accent5"/>
+              </a:fillRef>
+              <a:effectRef idx="1">
+                <a:schemeClr val="accent5"/>
+              </a:effectRef>
+              <a:fontRef idx="minor">
+                <a:schemeClr val="dk1"/>
+              </a:fontRef>
+            </p:style>
+            <p:txBody>
+              <a:bodyPr rot="0" spcFirstLastPara="0" vertOverflow="overflow" horzOverflow="overflow" vert="horz" wrap="square" lIns="91440" tIns="45720" rIns="91440" bIns="45720" numCol="1" spcCol="0" rtlCol="0" fromWordArt="0" anchor="ctr" anchorCtr="0" forceAA="0" compatLnSpc="1">
+                <a:prstTxWarp prst="textNoShape">
+                  <a:avLst/>
+                </a:prstTxWarp>
+                <a:noAutofit/>
+              </a:bodyPr>
+              <a:lstStyle/>
+              <a:p>
+                <a:pPr marL="0" marR="0" indent="0" algn="ctr" defTabSz="914400" rtl="0" eaLnBrk="1" fontAlgn="base" latinLnBrk="0" hangingPunct="1">
+                  <a:lnSpc>
+                    <a:spcPct val="100000"/>
+                  </a:lnSpc>
+                  <a:spcBef>
+                    <a:spcPct val="0"/>
+                  </a:spcBef>
+                  <a:spcAft>
+                    <a:spcPts val="600"/>
+                  </a:spcAft>
+                  <a:buClrTx/>
+                  <a:buSzTx/>
+                  <a:buFontTx/>
+                  <a:buNone/>
+                  <a:tabLst/>
+                </a:pPr>
+                <a:r>
+                  <a:rPr kumimoji="0" lang="de-DE" b="0" i="0" u="none" strike="noStrike" cap="none" normalizeH="0" baseline="0" dirty="0" smtClean="0">
+                    <a:ln>
+                      <a:noFill/>
+                    </a:ln>
+                    <a:solidFill>
+                      <a:schemeClr val="tx1"/>
+                    </a:solidFill>
+                    <a:effectLst/>
+                    <a:latin typeface="Open Sans" panose="020B0606030504020204" pitchFamily="34" charset="0"/>
+                    <a:ea typeface="Open Sans" panose="020B0606030504020204" pitchFamily="34" charset="0"/>
+                    <a:cs typeface="Open Sans" panose="020B0606030504020204" pitchFamily="34" charset="0"/>
+                  </a:rPr>
+                  <a:t>aggregateByKey</a:t>
+                </a:r>
+              </a:p>
+              <a:p>
+                <a:pPr>
+                  <a:spcAft>
+                    <a:spcPts val="600"/>
+                  </a:spcAft>
+                </a:pPr>
+                <a14:m>
+                  <m:oMath xmlns:m="http://schemas.openxmlformats.org/officeDocument/2006/math">
+                    <m:r>
+                      <a:rPr kumimoji="0" lang="de-DE" b="0" i="1" u="none" strike="noStrike" cap="none" normalizeH="0" baseline="0" smtClean="0">
+                        <a:ln>
+                          <a:noFill/>
+                        </a:ln>
+                        <a:solidFill>
+                          <a:schemeClr val="tx1"/>
+                        </a:solidFill>
+                        <a:effectLst/>
+                        <a:latin typeface="Cambria Math"/>
+                        <a:ea typeface="Open Sans" panose="020B0606030504020204" pitchFamily="34" charset="0"/>
+                        <a:cs typeface="Open Sans" panose="020B0606030504020204" pitchFamily="34" charset="0"/>
+                      </a:rPr>
+                      <m:t>𝑓</m:t>
+                    </m:r>
+                    <m:d>
+                      <m:dPr>
+                        <m:ctrlPr>
+                          <a:rPr lang="de-DE" i="1">
+                            <a:solidFill>
+                              <a:schemeClr val="tx1"/>
+                            </a:solidFill>
+                            <a:latin typeface="Cambria Math"/>
+                            <a:ea typeface="Open Sans" panose="020B0606030504020204" pitchFamily="34" charset="0"/>
+                            <a:cs typeface="Open Sans" panose="020B0606030504020204" pitchFamily="34" charset="0"/>
+                          </a:rPr>
+                        </m:ctrlPr>
+                      </m:dPr>
+                      <m:e>
+                        <m:r>
+                          <a:rPr lang="de-DE" b="0" i="1" smtClean="0">
+                            <a:solidFill>
+                              <a:schemeClr val="tx1"/>
+                            </a:solidFill>
+                            <a:latin typeface="Cambria Math"/>
+                            <a:ea typeface="Open Sans" panose="020B0606030504020204" pitchFamily="34" charset="0"/>
+                            <a:cs typeface="Open Sans" panose="020B0606030504020204" pitchFamily="34" charset="0"/>
+                          </a:rPr>
+                          <m:t>𝑘</m:t>
+                        </m:r>
+                        <m:r>
+                          <a:rPr lang="de-DE" i="1">
+                            <a:solidFill>
+                              <a:schemeClr val="tx1"/>
+                            </a:solidFill>
+                            <a:latin typeface="Cambria Math"/>
+                            <a:ea typeface="Open Sans" panose="020B0606030504020204" pitchFamily="34" charset="0"/>
+                            <a:cs typeface="Open Sans" panose="020B0606030504020204" pitchFamily="34" charset="0"/>
+                          </a:rPr>
+                          <m:t>,</m:t>
+                        </m:r>
+                        <m:sSub>
+                          <m:sSubPr>
+                            <m:ctrlPr>
+                              <a:rPr lang="de-DE" b="0" i="1" smtClean="0">
+                                <a:solidFill>
+                                  <a:schemeClr val="tx1"/>
+                                </a:solidFill>
+                                <a:latin typeface="Cambria Math"/>
+                                <a:ea typeface="Open Sans" panose="020B0606030504020204" pitchFamily="34" charset="0"/>
+                                <a:cs typeface="Open Sans" panose="020B0606030504020204" pitchFamily="34" charset="0"/>
+                              </a:rPr>
+                            </m:ctrlPr>
+                          </m:sSubPr>
+                          <m:e>
+                            <m:r>
+                              <a:rPr lang="de-DE" b="0" i="1" smtClean="0">
+                                <a:solidFill>
+                                  <a:schemeClr val="tx1"/>
+                                </a:solidFill>
+                                <a:latin typeface="Cambria Math"/>
+                                <a:ea typeface="Open Sans" panose="020B0606030504020204" pitchFamily="34" charset="0"/>
+                                <a:cs typeface="Open Sans" panose="020B0606030504020204" pitchFamily="34" charset="0"/>
+                              </a:rPr>
+                              <m:t>𝑉</m:t>
+                            </m:r>
+                          </m:e>
+                          <m:sub>
+                            <m:r>
+                              <a:rPr lang="de-DE" b="0" i="1" smtClean="0">
+                                <a:solidFill>
+                                  <a:schemeClr val="tx1"/>
+                                </a:solidFill>
+                                <a:latin typeface="Cambria Math"/>
+                                <a:ea typeface="Open Sans" panose="020B0606030504020204" pitchFamily="34" charset="0"/>
+                                <a:cs typeface="Open Sans" panose="020B0606030504020204" pitchFamily="34" charset="0"/>
+                              </a:rPr>
+                              <m:t>𝑘</m:t>
+                            </m:r>
+                          </m:sub>
+                        </m:sSub>
+                      </m:e>
+                    </m:d>
+                    <m:r>
+                      <a:rPr kumimoji="0" lang="de-DE" b="0" i="1" u="none" strike="noStrike" cap="none" normalizeH="0" baseline="0" smtClean="0">
+                        <a:ln>
+                          <a:noFill/>
+                        </a:ln>
+                        <a:solidFill>
+                          <a:schemeClr val="tx1"/>
+                        </a:solidFill>
+                        <a:effectLst/>
+                        <a:latin typeface="Cambria Math"/>
+                        <a:ea typeface="Open Sans" panose="020B0606030504020204" pitchFamily="34" charset="0"/>
+                        <a:cs typeface="Open Sans" panose="020B0606030504020204" pitchFamily="34" charset="0"/>
+                      </a:rPr>
+                      <m:t>=</m:t>
+                    </m:r>
+                    <m:d>
+                      <m:dPr>
+                        <m:ctrlPr>
+                          <a:rPr kumimoji="0" lang="de-DE" b="0" i="1" u="none" strike="noStrike" cap="none" normalizeH="0" baseline="0" smtClean="0">
+                            <a:ln>
+                              <a:noFill/>
+                            </a:ln>
+                            <a:solidFill>
+                              <a:schemeClr val="tx1"/>
+                            </a:solidFill>
+                            <a:effectLst/>
+                            <a:latin typeface="Cambria Math"/>
+                            <a:ea typeface="Open Sans" panose="020B0606030504020204" pitchFamily="34" charset="0"/>
+                            <a:cs typeface="Open Sans" panose="020B0606030504020204" pitchFamily="34" charset="0"/>
+                          </a:rPr>
+                        </m:ctrlPr>
+                      </m:dPr>
+                      <m:e>
+                        <m:r>
+                          <a:rPr kumimoji="0" lang="de-DE" b="0" i="1" u="none" strike="noStrike" cap="none" normalizeH="0" baseline="0" smtClean="0">
+                            <a:ln>
+                              <a:noFill/>
+                            </a:ln>
+                            <a:solidFill>
+                              <a:schemeClr val="tx1"/>
+                            </a:solidFill>
+                            <a:effectLst/>
+                            <a:latin typeface="Cambria Math"/>
+                            <a:ea typeface="Open Sans" panose="020B0606030504020204" pitchFamily="34" charset="0"/>
+                            <a:cs typeface="Open Sans" panose="020B0606030504020204" pitchFamily="34" charset="0"/>
+                          </a:rPr>
+                          <m:t>𝑘</m:t>
+                        </m:r>
+                        <m:r>
+                          <a:rPr kumimoji="0" lang="de-DE" b="0" i="1" u="none" strike="noStrike" cap="none" normalizeH="0" baseline="0" smtClean="0">
+                            <a:ln>
+                              <a:noFill/>
+                            </a:ln>
+                            <a:solidFill>
+                              <a:schemeClr val="tx1"/>
+                            </a:solidFill>
+                            <a:effectLst/>
+                            <a:latin typeface="Cambria Math"/>
+                            <a:ea typeface="Open Sans" panose="020B0606030504020204" pitchFamily="34" charset="0"/>
+                            <a:cs typeface="Open Sans" panose="020B0606030504020204" pitchFamily="34" charset="0"/>
+                          </a:rPr>
+                          <m:t>,</m:t>
+                        </m:r>
+                        <m:d>
+                          <m:dPr>
+                            <m:ctrlPr>
+                              <a:rPr kumimoji="0" lang="de-DE" b="0" i="1" u="none" strike="noStrike" cap="none" normalizeH="0" baseline="0" smtClean="0">
+                                <a:ln>
+                                  <a:noFill/>
+                                </a:ln>
+                                <a:solidFill>
+                                  <a:schemeClr val="tx1"/>
+                                </a:solidFill>
+                                <a:effectLst/>
+                                <a:latin typeface="Cambria Math"/>
+                                <a:ea typeface="Open Sans" panose="020B0606030504020204" pitchFamily="34" charset="0"/>
+                                <a:cs typeface="Open Sans" panose="020B0606030504020204" pitchFamily="34" charset="0"/>
+                              </a:rPr>
+                            </m:ctrlPr>
+                          </m:dPr>
+                          <m:e>
+                            <m:nary>
+                              <m:naryPr>
+                                <m:chr m:val="∑"/>
+                                <m:supHide m:val="on"/>
+                                <m:ctrlPr>
+                                  <a:rPr kumimoji="0" lang="de-DE" b="0" i="1" u="none" strike="noStrike" cap="none" normalizeH="0" baseline="0" smtClean="0">
+                                    <a:ln>
+                                      <a:noFill/>
+                                    </a:ln>
+                                    <a:solidFill>
+                                      <a:schemeClr val="tx1"/>
+                                    </a:solidFill>
+                                    <a:effectLst/>
+                                    <a:latin typeface="Cambria Math"/>
+                                  </a:rPr>
+                                </m:ctrlPr>
+                              </m:naryPr>
+                              <m:sub>
+                                <m:r>
+                                  <m:rPr>
+                                    <m:brk m:alnAt="7"/>
+                                  </m:rPr>
+                                  <a:rPr kumimoji="0" lang="de-DE" b="0" i="1" u="none" strike="noStrike" cap="none" normalizeH="0" baseline="0" smtClean="0">
+                                    <a:ln>
+                                      <a:noFill/>
+                                    </a:ln>
+                                    <a:solidFill>
+                                      <a:schemeClr val="tx1"/>
+                                    </a:solidFill>
+                                    <a:effectLst/>
+                                    <a:latin typeface="Cambria Math"/>
+                                  </a:rPr>
+                                  <m:t>𝑣</m:t>
+                                </m:r>
+                                <m:r>
+                                  <a:rPr kumimoji="0" lang="de-DE" b="0" i="1" u="none" strike="noStrike" cap="none" normalizeH="0" baseline="0" smtClean="0">
+                                    <a:ln>
+                                      <a:noFill/>
+                                    </a:ln>
+                                    <a:solidFill>
+                                      <a:schemeClr val="tx1"/>
+                                    </a:solidFill>
+                                    <a:effectLst/>
+                                    <a:latin typeface="Cambria Math"/>
+                                  </a:rPr>
+                                  <m:t>∈</m:t>
+                                </m:r>
+                                <m:sSub>
+                                  <m:sSubPr>
+                                    <m:ctrlPr>
+                                      <a:rPr kumimoji="0" lang="de-DE" b="0" i="1" u="none" strike="noStrike" cap="none" normalizeH="0" baseline="0" smtClean="0">
+                                        <a:ln>
+                                          <a:noFill/>
+                                        </a:ln>
+                                        <a:solidFill>
+                                          <a:schemeClr val="tx1"/>
+                                        </a:solidFill>
+                                        <a:effectLst/>
+                                        <a:latin typeface="Cambria Math"/>
+                                      </a:rPr>
+                                    </m:ctrlPr>
+                                  </m:sSubPr>
+                                  <m:e>
+                                    <m:r>
+                                      <a:rPr kumimoji="0" lang="de-DE" b="0" i="1" u="none" strike="noStrike" cap="none" normalizeH="0" baseline="0" smtClean="0">
+                                        <a:ln>
+                                          <a:noFill/>
+                                        </a:ln>
+                                        <a:solidFill>
+                                          <a:schemeClr val="tx1"/>
+                                        </a:solidFill>
+                                        <a:effectLst/>
+                                        <a:latin typeface="Cambria Math"/>
+                                      </a:rPr>
+                                      <m:t>𝑉</m:t>
+                                    </m:r>
+                                  </m:e>
+                                  <m:sub>
+                                    <m:r>
+                                      <a:rPr kumimoji="0" lang="de-DE" b="0" i="1" u="none" strike="noStrike" cap="none" normalizeH="0" baseline="0" smtClean="0">
+                                        <a:ln>
+                                          <a:noFill/>
+                                        </a:ln>
+                                        <a:solidFill>
+                                          <a:schemeClr val="tx1"/>
+                                        </a:solidFill>
+                                        <a:effectLst/>
+                                        <a:latin typeface="Cambria Math"/>
+                                      </a:rPr>
+                                      <m:t>𝑘</m:t>
+                                    </m:r>
+                                  </m:sub>
+                                </m:sSub>
+                              </m:sub>
+                              <m:sup/>
+                              <m:e>
+                                <m:r>
+                                  <a:rPr kumimoji="0" lang="de-DE" b="0" i="1" u="none" strike="noStrike" cap="none" normalizeH="0" baseline="0" smtClean="0">
+                                    <a:ln>
+                                      <a:noFill/>
+                                    </a:ln>
+                                    <a:solidFill>
+                                      <a:schemeClr val="tx1"/>
+                                    </a:solidFill>
+                                    <a:effectLst/>
+                                    <a:latin typeface="Cambria Math"/>
+                                  </a:rPr>
+                                  <m:t>𝑎</m:t>
+                                </m:r>
+                                <m:d>
+                                  <m:dPr>
+                                    <m:ctrlPr>
+                                      <a:rPr kumimoji="0" lang="de-DE" b="0" i="1" u="none" strike="noStrike" cap="none" normalizeH="0" baseline="0" smtClean="0">
+                                        <a:ln>
+                                          <a:noFill/>
+                                        </a:ln>
+                                        <a:solidFill>
+                                          <a:schemeClr val="tx1"/>
+                                        </a:solidFill>
+                                        <a:effectLst/>
+                                        <a:latin typeface="Cambria Math"/>
+                                      </a:rPr>
+                                    </m:ctrlPr>
+                                  </m:dPr>
+                                  <m:e>
+                                    <m:r>
+                                      <a:rPr kumimoji="0" lang="de-DE" b="0" i="1" u="none" strike="noStrike" cap="none" normalizeH="0" baseline="0" smtClean="0">
+                                        <a:ln>
+                                          <a:noFill/>
+                                        </a:ln>
+                                        <a:solidFill>
+                                          <a:schemeClr val="tx1"/>
+                                        </a:solidFill>
+                                        <a:effectLst/>
+                                        <a:latin typeface="Cambria Math"/>
+                                      </a:rPr>
+                                      <m:t>𝑣</m:t>
+                                    </m:r>
+                                  </m:e>
+                                </m:d>
+                              </m:e>
+                            </m:nary>
+                            <m:r>
+                              <a:rPr kumimoji="0" lang="de-DE" b="0" i="1" u="none" strike="noStrike" cap="none" normalizeH="0" baseline="0" smtClean="0">
+                                <a:ln>
+                                  <a:noFill/>
+                                </a:ln>
+                                <a:solidFill>
+                                  <a:schemeClr val="tx1"/>
+                                </a:solidFill>
+                                <a:effectLst/>
+                                <a:latin typeface="Cambria Math"/>
+                              </a:rPr>
+                              <m:t>,</m:t>
+                            </m:r>
+                            <m:nary>
+                              <m:naryPr>
+                                <m:chr m:val="∑"/>
+                                <m:supHide m:val="on"/>
+                                <m:ctrlPr>
+                                  <a:rPr lang="de-DE" i="1">
+                                    <a:solidFill>
+                                      <a:schemeClr val="tx1"/>
+                                    </a:solidFill>
+                                    <a:latin typeface="Cambria Math"/>
+                                  </a:rPr>
+                                </m:ctrlPr>
+                              </m:naryPr>
+                              <m:sub>
+                                <m:r>
+                                  <m:rPr>
+                                    <m:brk m:alnAt="7"/>
+                                  </m:rPr>
+                                  <a:rPr lang="de-DE" i="1">
+                                    <a:solidFill>
+                                      <a:schemeClr val="tx1"/>
+                                    </a:solidFill>
+                                    <a:latin typeface="Cambria Math"/>
+                                  </a:rPr>
+                                  <m:t>𝑣</m:t>
+                                </m:r>
+                                <m:r>
+                                  <a:rPr lang="de-DE" i="1">
+                                    <a:solidFill>
+                                      <a:schemeClr val="tx1"/>
+                                    </a:solidFill>
+                                    <a:latin typeface="Cambria Math"/>
+                                  </a:rPr>
+                                  <m:t>∈</m:t>
+                                </m:r>
+                                <m:sSub>
+                                  <m:sSubPr>
+                                    <m:ctrlPr>
+                                      <a:rPr lang="de-DE" i="1">
+                                        <a:solidFill>
+                                          <a:schemeClr val="tx1"/>
+                                        </a:solidFill>
+                                        <a:latin typeface="Cambria Math"/>
+                                      </a:rPr>
+                                    </m:ctrlPr>
+                                  </m:sSubPr>
+                                  <m:e>
+                                    <m:r>
+                                      <a:rPr lang="de-DE" i="1">
+                                        <a:solidFill>
+                                          <a:schemeClr val="tx1"/>
+                                        </a:solidFill>
+                                        <a:latin typeface="Cambria Math"/>
+                                      </a:rPr>
+                                      <m:t>𝑉</m:t>
+                                    </m:r>
+                                  </m:e>
+                                  <m:sub>
+                                    <m:r>
+                                      <a:rPr lang="de-DE" i="1">
+                                        <a:solidFill>
+                                          <a:schemeClr val="tx1"/>
+                                        </a:solidFill>
+                                        <a:latin typeface="Cambria Math"/>
+                                      </a:rPr>
+                                      <m:t>𝑘</m:t>
+                                    </m:r>
+                                  </m:sub>
+                                </m:sSub>
+                              </m:sub>
+                              <m:sup/>
+                              <m:e>
+                                <m:r>
+                                  <a:rPr lang="de-DE" i="1">
+                                    <a:solidFill>
+                                      <a:schemeClr val="tx1"/>
+                                    </a:solidFill>
+                                    <a:latin typeface="Cambria Math"/>
+                                  </a:rPr>
+                                  <m:t>𝑎</m:t>
+                                </m:r>
+                                <m:d>
+                                  <m:dPr>
+                                    <m:ctrlPr>
+                                      <a:rPr lang="de-DE" i="1">
+                                        <a:solidFill>
+                                          <a:schemeClr val="tx1"/>
+                                        </a:solidFill>
+                                        <a:latin typeface="Cambria Math"/>
+                                      </a:rPr>
+                                    </m:ctrlPr>
+                                  </m:dPr>
+                                  <m:e>
+                                    <m:r>
+                                      <a:rPr lang="de-DE" i="1">
+                                        <a:solidFill>
+                                          <a:schemeClr val="tx1"/>
+                                        </a:solidFill>
+                                        <a:latin typeface="Cambria Math"/>
+                                      </a:rPr>
+                                      <m:t>𝑣</m:t>
+                                    </m:r>
+                                  </m:e>
+                                </m:d>
+                                <m:r>
+                                  <a:rPr lang="de-DE" i="1">
+                                    <a:solidFill>
+                                      <a:schemeClr val="tx1"/>
+                                    </a:solidFill>
+                                    <a:latin typeface="Cambria Math"/>
+                                    <a:ea typeface="Cambria Math"/>
+                                  </a:rPr>
+                                  <m:t>∙</m:t>
+                                </m:r>
+                                <m:r>
+                                  <a:rPr lang="de-DE" b="0" i="1" smtClean="0">
+                                    <a:solidFill>
+                                      <a:schemeClr val="tx1"/>
+                                    </a:solidFill>
+                                    <a:latin typeface="Cambria Math"/>
+                                    <a:ea typeface="Cambria Math"/>
+                                  </a:rPr>
+                                  <m:t>𝑝</m:t>
+                                </m:r>
+                                <m:d>
+                                  <m:dPr>
+                                    <m:ctrlPr>
+                                      <a:rPr lang="de-DE" b="0" i="1" smtClean="0">
+                                        <a:solidFill>
+                                          <a:schemeClr val="tx1"/>
+                                        </a:solidFill>
+                                        <a:latin typeface="Cambria Math"/>
+                                        <a:ea typeface="Cambria Math"/>
+                                      </a:rPr>
+                                    </m:ctrlPr>
+                                  </m:dPr>
+                                  <m:e>
+                                    <m:r>
+                                      <a:rPr lang="de-DE" b="0" i="1" smtClean="0">
+                                        <a:solidFill>
+                                          <a:schemeClr val="tx1"/>
+                                        </a:solidFill>
+                                        <a:latin typeface="Cambria Math"/>
+                                        <a:ea typeface="Cambria Math"/>
+                                      </a:rPr>
+                                      <m:t>𝑣</m:t>
+                                    </m:r>
+                                  </m:e>
+                                </m:d>
+                              </m:e>
+                            </m:nary>
+                          </m:e>
+                        </m:d>
+                      </m:e>
+                    </m:d>
+                  </m:oMath>
+                </a14:m>
+                <a:r>
+                  <a:rPr kumimoji="0" lang="de-DE" b="0" i="0" u="none" strike="noStrike" cap="none" normalizeH="0" baseline="0" dirty="0" smtClean="0">
+                    <a:ln>
+                      <a:noFill/>
+                    </a:ln>
+                    <a:solidFill>
+                      <a:schemeClr val="tx1"/>
+                    </a:solidFill>
+                    <a:effectLst/>
+                    <a:latin typeface="Open Sans" panose="020B0606030504020204" pitchFamily="34" charset="0"/>
+                    <a:ea typeface="Open Sans" panose="020B0606030504020204" pitchFamily="34" charset="0"/>
+                    <a:cs typeface="Open Sans" panose="020B0606030504020204" pitchFamily="34" charset="0"/>
+                  </a:rPr>
+                  <a:t>  </a:t>
+                </a:r>
+                <a:endParaRPr kumimoji="0" lang="de-DE" b="0" i="0" u="none" strike="noStrike" cap="none" normalizeH="0" baseline="0" dirty="0" smtClean="0">
+                  <a:ln>
+                    <a:noFill/>
+                  </a:ln>
+                  <a:solidFill>
+                    <a:schemeClr val="tx1"/>
+                  </a:solidFill>
+                  <a:effectLst/>
+                  <a:latin typeface="Open Sans" panose="020B0606030504020204" pitchFamily="34" charset="0"/>
+                  <a:ea typeface="Open Sans" panose="020B0606030504020204" pitchFamily="34" charset="0"/>
+                  <a:cs typeface="Open Sans" panose="020B0606030504020204" pitchFamily="34" charset="0"/>
+                </a:endParaRPr>
+              </a:p>
+            </p:txBody>
+          </p:sp>
+        </mc:Choice>
+        <mc:Fallback>
+          <p:sp>
+            <p:nvSpPr>
+              <p:cNvPr id="21" name="Legende mit Linie 1 20"/>
+              <p:cNvSpPr>
+                <a:spLocks noRot="1" noChangeAspect="1" noMove="1" noResize="1" noEditPoints="1" noAdjustHandles="1" noChangeArrowheads="1" noChangeShapeType="1" noTextEdit="1"/>
+              </p:cNvSpPr>
+              <p:nvPr/>
+            </p:nvSpPr>
+            <p:spPr bwMode="auto">
+              <a:xfrm>
+                <a:off x="4984549" y="4746170"/>
+                <a:ext cx="4232022" cy="1277257"/>
+              </a:xfrm>
+              <a:prstGeom prst="borderCallout1">
+                <a:avLst>
+                  <a:gd name="adj1" fmla="val -13068"/>
+                  <a:gd name="adj2" fmla="val 73234"/>
+                  <a:gd name="adj3" fmla="val -122727"/>
+                  <a:gd name="adj4" fmla="val 63357"/>
+                </a:avLst>
+              </a:prstGeom>
+              <a:blipFill rotWithShape="1">
+                <a:blip r:embed="rId4"/>
+                <a:stretch>
+                  <a:fillRect/>
+                </a:stretch>
+              </a:blipFill>
+              <a:ln>
+                <a:headEnd type="none" w="med" len="med"/>
+                <a:tailEnd type="none" w="med" len="med"/>
+              </a:ln>
+            </p:spPr>
+            <p:txBody>
+              <a:bodyPr/>
+              <a:lstStyle/>
+              <a:p>
+                <a:r>
+                  <a:rPr lang="de-DE">
+                    <a:noFill/>
+                  </a:rPr>
+                  <a:t> </a:t>
+                </a:r>
+              </a:p>
+            </p:txBody>
+          </p:sp>
+        </mc:Fallback>
+      </mc:AlternateContent>
     </p:spTree>
     <p:extLst>
       <p:ext uri="{BB962C8B-B14F-4D97-AF65-F5344CB8AC3E}">
@@ -15050,38 +17206,9 @@
           <a:chExt cx="0" cy="0"/>
         </a:xfrm>
       </p:grpSpPr>
-      <p:pic>
-        <p:nvPicPr>
-          <p:cNvPr id="4" name="Inhaltsplatzhalter 3"/>
-          <p:cNvPicPr>
-            <a:picLocks noGrp="1" noChangeAspect="1"/>
-          </p:cNvPicPr>
-          <p:nvPr>
-            <p:ph idx="1"/>
-          </p:nvPr>
-        </p:nvPicPr>
-        <p:blipFill>
-          <a:blip r:embed="rId2">
-            <a:extLst>
-              <a:ext uri="{28A0092B-C50C-407E-A947-70E740481C1C}">
-                <a14:useLocalDpi xmlns:a14="http://schemas.microsoft.com/office/drawing/2010/main" val="0"/>
-              </a:ext>
-            </a:extLst>
-          </a:blip>
-          <a:stretch>
-            <a:fillRect/>
-          </a:stretch>
-        </p:blipFill>
-        <p:spPr>
-          <a:xfrm>
-            <a:off x="2663031" y="1947069"/>
-            <a:ext cx="6791325" cy="3333750"/>
-          </a:xfrm>
-        </p:spPr>
-      </p:pic>
       <p:sp>
         <p:nvSpPr>
-          <p:cNvPr id="3" name="Titel 2"/>
+          <p:cNvPr id="2" name="Titel 1"/>
           <p:cNvSpPr>
             <a:spLocks noGrp="1"/>
           </p:cNvSpPr>
@@ -15096,16 +17223,1761 @@
           <a:p>
             <a:r>
               <a:rPr lang="de-DE" dirty="0" smtClean="0"/>
-              <a:t>Enterprise – Was heißt das eigentlich?</a:t>
-            </a:r>
-            <a:endParaRPr lang="en-US" dirty="0"/>
+              <a:t>Sobald mithilfe von Transformationen das Ergebnis erzielt ist, kann es persistiert werden</a:t>
+            </a:r>
+            <a:endParaRPr lang="de-DE" dirty="0"/>
           </a:p>
         </p:txBody>
       </p:sp>
+      <p:graphicFrame>
+        <p:nvGraphicFramePr>
+          <p:cNvPr id="18" name="Tabelle 17"/>
+          <p:cNvGraphicFramePr>
+            <a:graphicFrameLocks noGrp="1"/>
+          </p:cNvGraphicFramePr>
+          <p:nvPr>
+            <p:extLst>
+              <p:ext uri="{D42A27DB-BD31-4B8C-83A1-F6EECF244321}">
+                <p14:modId xmlns:p14="http://schemas.microsoft.com/office/powerpoint/2010/main" val="3217539279"/>
+              </p:ext>
+            </p:extLst>
+          </p:nvPr>
+        </p:nvGraphicFramePr>
+        <p:xfrm>
+          <a:off x="580574" y="1218957"/>
+          <a:ext cx="2756034" cy="1097280"/>
+        </p:xfrm>
+        <a:graphic>
+          <a:graphicData uri="http://schemas.openxmlformats.org/drawingml/2006/table">
+            <a:tbl>
+              <a:tblPr firstCol="1" bandRow="1">
+                <a:tableStyleId>{93296810-A885-4BE3-A3E7-6D5BEEA58F35}</a:tableStyleId>
+              </a:tblPr>
+              <a:tblGrid>
+                <a:gridCol w="1507069"/>
+                <a:gridCol w="440994"/>
+                <a:gridCol w="807971"/>
+              </a:tblGrid>
+              <a:tr h="0">
+                <a:tc>
+                  <a:txBody>
+                    <a:bodyPr/>
+                    <a:lstStyle/>
+                    <a:p>
+                      <a:r>
+                        <a:rPr lang="de-DE" sz="1200" dirty="0" smtClean="0"/>
+                        <a:t>(„</a:t>
+                      </a:r>
+                      <a:r>
+                        <a:rPr lang="de-DE" sz="1200" dirty="0" err="1" smtClean="0"/>
+                        <a:t>Galaxy</a:t>
+                      </a:r>
+                      <a:r>
+                        <a:rPr lang="de-DE" sz="1200" dirty="0" smtClean="0"/>
+                        <a:t> J3“, S)</a:t>
+                      </a:r>
+                      <a:endParaRPr lang="de-DE" sz="1200" dirty="0"/>
+                    </a:p>
+                  </a:txBody>
+                  <a:tcPr/>
+                </a:tc>
+                <a:tc>
+                  <a:txBody>
+                    <a:bodyPr/>
+                    <a:lstStyle/>
+                    <a:p>
+                      <a:pPr algn="r"/>
+                      <a:r>
+                        <a:rPr lang="de-DE" sz="1200" dirty="0" smtClean="0"/>
+                        <a:t>5</a:t>
+                      </a:r>
+                      <a:endParaRPr lang="de-DE" sz="1200" dirty="0"/>
+                    </a:p>
+                  </a:txBody>
+                  <a:tcPr/>
+                </a:tc>
+                <a:tc>
+                  <a:txBody>
+                    <a:bodyPr/>
+                    <a:lstStyle/>
+                    <a:p>
+                      <a:pPr algn="r"/>
+                      <a:r>
+                        <a:rPr lang="de-DE" sz="1200" dirty="0" smtClean="0"/>
+                        <a:t>750€</a:t>
+                      </a:r>
+                      <a:endParaRPr lang="de-DE" sz="1200" dirty="0"/>
+                    </a:p>
+                  </a:txBody>
+                  <a:tcPr/>
+                </a:tc>
+              </a:tr>
+              <a:tr h="0">
+                <a:tc>
+                  <a:txBody>
+                    <a:bodyPr/>
+                    <a:lstStyle/>
+                    <a:p>
+                      <a:pPr marL="0" marR="0" indent="0" algn="l" defTabSz="914400" rtl="0" eaLnBrk="1" fontAlgn="auto" latinLnBrk="0" hangingPunct="1">
+                        <a:lnSpc>
+                          <a:spcPct val="100000"/>
+                        </a:lnSpc>
+                        <a:spcBef>
+                          <a:spcPts val="0"/>
+                        </a:spcBef>
+                        <a:spcAft>
+                          <a:spcPts val="0"/>
+                        </a:spcAft>
+                        <a:buClrTx/>
+                        <a:buSzTx/>
+                        <a:buFontTx/>
+                        <a:buNone/>
+                        <a:tabLst/>
+                        <a:defRPr/>
+                      </a:pPr>
+                      <a:r>
+                        <a:rPr lang="de-DE" sz="1200" dirty="0" smtClean="0"/>
+                        <a:t>(„J6289“, F)</a:t>
+                      </a:r>
+                    </a:p>
+                  </a:txBody>
+                  <a:tcPr/>
+                </a:tc>
+                <a:tc>
+                  <a:txBody>
+                    <a:bodyPr/>
+                    <a:lstStyle/>
+                    <a:p>
+                      <a:pPr algn="r"/>
+                      <a:r>
+                        <a:rPr lang="de-DE" sz="1200" dirty="0" smtClean="0"/>
+                        <a:t>8</a:t>
+                      </a:r>
+                      <a:endParaRPr lang="de-DE" sz="1200" dirty="0"/>
+                    </a:p>
+                  </a:txBody>
+                  <a:tcPr/>
+                </a:tc>
+                <a:tc>
+                  <a:txBody>
+                    <a:bodyPr/>
+                    <a:lstStyle/>
+                    <a:p>
+                      <a:pPr algn="r"/>
+                      <a:r>
+                        <a:rPr lang="de-DE" sz="1200" dirty="0" smtClean="0"/>
+                        <a:t>3.200€</a:t>
+                      </a:r>
+                      <a:endParaRPr lang="de-DE" sz="1200" dirty="0"/>
+                    </a:p>
+                  </a:txBody>
+                  <a:tcPr/>
+                </a:tc>
+              </a:tr>
+              <a:tr h="0">
+                <a:tc>
+                  <a:txBody>
+                    <a:bodyPr/>
+                    <a:lstStyle/>
+                    <a:p>
+                      <a:pPr marL="0" marR="0" indent="0" algn="l" defTabSz="914400" rtl="0" eaLnBrk="1" fontAlgn="auto" latinLnBrk="0" hangingPunct="1">
+                        <a:lnSpc>
+                          <a:spcPct val="100000"/>
+                        </a:lnSpc>
+                        <a:spcBef>
+                          <a:spcPts val="0"/>
+                        </a:spcBef>
+                        <a:spcAft>
+                          <a:spcPts val="0"/>
+                        </a:spcAft>
+                        <a:buClrTx/>
+                        <a:buSzTx/>
+                        <a:buFontTx/>
+                        <a:buNone/>
+                        <a:tabLst/>
+                        <a:defRPr/>
+                      </a:pPr>
+                      <a:r>
+                        <a:rPr lang="de-DE" sz="1200" dirty="0" smtClean="0"/>
+                        <a:t>(„KU6519“, F)</a:t>
+                      </a:r>
+                    </a:p>
+                  </a:txBody>
+                  <a:tcPr/>
+                </a:tc>
+                <a:tc>
+                  <a:txBody>
+                    <a:bodyPr/>
+                    <a:lstStyle/>
+                    <a:p>
+                      <a:pPr algn="r"/>
+                      <a:r>
+                        <a:rPr lang="de-DE" sz="1200" dirty="0" smtClean="0"/>
+                        <a:t>12</a:t>
+                      </a:r>
+                      <a:endParaRPr lang="de-DE" sz="1200" dirty="0"/>
+                    </a:p>
+                  </a:txBody>
+                  <a:tcPr/>
+                </a:tc>
+                <a:tc>
+                  <a:txBody>
+                    <a:bodyPr/>
+                    <a:lstStyle/>
+                    <a:p>
+                      <a:pPr algn="r"/>
+                      <a:r>
+                        <a:rPr lang="de-DE" sz="1200" dirty="0" smtClean="0"/>
+                        <a:t>10.800€</a:t>
+                      </a:r>
+                      <a:endParaRPr lang="de-DE" sz="1200" dirty="0"/>
+                    </a:p>
+                  </a:txBody>
+                  <a:tcPr/>
+                </a:tc>
+              </a:tr>
+              <a:tr h="0">
+                <a:tc>
+                  <a:txBody>
+                    <a:bodyPr/>
+                    <a:lstStyle/>
+                    <a:p>
+                      <a:pPr marL="0" marR="0" indent="0" algn="l" defTabSz="914400" rtl="0" eaLnBrk="1" fontAlgn="auto" latinLnBrk="0" hangingPunct="1">
+                        <a:lnSpc>
+                          <a:spcPct val="100000"/>
+                        </a:lnSpc>
+                        <a:spcBef>
+                          <a:spcPts val="0"/>
+                        </a:spcBef>
+                        <a:spcAft>
+                          <a:spcPts val="0"/>
+                        </a:spcAft>
+                        <a:buClrTx/>
+                        <a:buSzTx/>
+                        <a:buFontTx/>
+                        <a:buNone/>
+                        <a:tabLst/>
+                        <a:defRPr/>
+                      </a:pPr>
+                      <a:r>
+                        <a:rPr lang="de-DE" sz="1200" dirty="0" smtClean="0"/>
+                        <a:t>(„LT-40VF43A“, F)</a:t>
+                      </a:r>
+                    </a:p>
+                  </a:txBody>
+                  <a:tcPr/>
+                </a:tc>
+                <a:tc>
+                  <a:txBody>
+                    <a:bodyPr/>
+                    <a:lstStyle/>
+                    <a:p>
+                      <a:pPr algn="r"/>
+                      <a:r>
+                        <a:rPr lang="de-DE" sz="1200" dirty="0" smtClean="0"/>
+                        <a:t>5</a:t>
+                      </a:r>
+                      <a:endParaRPr lang="de-DE" sz="1200" dirty="0"/>
+                    </a:p>
+                  </a:txBody>
+                  <a:tcPr/>
+                </a:tc>
+                <a:tc>
+                  <a:txBody>
+                    <a:bodyPr/>
+                    <a:lstStyle/>
+                    <a:p>
+                      <a:pPr algn="r"/>
+                      <a:r>
+                        <a:rPr lang="de-DE" sz="1200" dirty="0" smtClean="0"/>
+                        <a:t>1.520€</a:t>
+                      </a:r>
+                      <a:endParaRPr lang="de-DE" sz="1200" dirty="0"/>
+                    </a:p>
+                  </a:txBody>
+                  <a:tcPr/>
+                </a:tc>
+              </a:tr>
+            </a:tbl>
+          </a:graphicData>
+        </a:graphic>
+      </p:graphicFrame>
+      <p:graphicFrame>
+        <p:nvGraphicFramePr>
+          <p:cNvPr id="19" name="Tabelle 18"/>
+          <p:cNvGraphicFramePr>
+            <a:graphicFrameLocks noGrp="1"/>
+          </p:cNvGraphicFramePr>
+          <p:nvPr>
+            <p:extLst>
+              <p:ext uri="{D42A27DB-BD31-4B8C-83A1-F6EECF244321}">
+                <p14:modId xmlns:p14="http://schemas.microsoft.com/office/powerpoint/2010/main" val="2148343838"/>
+              </p:ext>
+            </p:extLst>
+          </p:nvPr>
+        </p:nvGraphicFramePr>
+        <p:xfrm>
+          <a:off x="580574" y="2819035"/>
+          <a:ext cx="2756034" cy="1097280"/>
+        </p:xfrm>
+        <a:graphic>
+          <a:graphicData uri="http://schemas.openxmlformats.org/drawingml/2006/table">
+            <a:tbl>
+              <a:tblPr firstCol="1" bandRow="1">
+                <a:tableStyleId>{93296810-A885-4BE3-A3E7-6D5BEEA58F35}</a:tableStyleId>
+              </a:tblPr>
+              <a:tblGrid>
+                <a:gridCol w="1507806"/>
+                <a:gridCol w="449942"/>
+                <a:gridCol w="798286"/>
+              </a:tblGrid>
+              <a:tr h="0">
+                <a:tc>
+                  <a:txBody>
+                    <a:bodyPr/>
+                    <a:lstStyle/>
+                    <a:p>
+                      <a:r>
+                        <a:rPr lang="de-DE" sz="1200" dirty="0" smtClean="0"/>
+                        <a:t>(„Moto G4“, S)</a:t>
+                      </a:r>
+                    </a:p>
+                  </a:txBody>
+                  <a:tcPr/>
+                </a:tc>
+                <a:tc>
+                  <a:txBody>
+                    <a:bodyPr/>
+                    <a:lstStyle/>
+                    <a:p>
+                      <a:pPr algn="r"/>
+                      <a:r>
+                        <a:rPr lang="de-DE" sz="1200" dirty="0" smtClean="0"/>
+                        <a:t>7</a:t>
+                      </a:r>
+                      <a:endParaRPr lang="de-DE" sz="1200" dirty="0"/>
+                    </a:p>
+                  </a:txBody>
+                  <a:tcPr/>
+                </a:tc>
+                <a:tc>
+                  <a:txBody>
+                    <a:bodyPr/>
+                    <a:lstStyle/>
+                    <a:p>
+                      <a:pPr algn="r"/>
+                      <a:r>
+                        <a:rPr lang="de-DE" sz="1200" dirty="0" smtClean="0"/>
+                        <a:t>1120€</a:t>
+                      </a:r>
+                      <a:endParaRPr lang="de-DE" sz="1200" dirty="0"/>
+                    </a:p>
+                  </a:txBody>
+                  <a:tcPr/>
+                </a:tc>
+              </a:tr>
+              <a:tr h="0">
+                <a:tc>
+                  <a:txBody>
+                    <a:bodyPr/>
+                    <a:lstStyle/>
+                    <a:p>
+                      <a:pPr marL="0" marR="0" indent="0" algn="l" defTabSz="914400" rtl="0" eaLnBrk="1" fontAlgn="auto" latinLnBrk="0" hangingPunct="1">
+                        <a:lnSpc>
+                          <a:spcPct val="100000"/>
+                        </a:lnSpc>
+                        <a:spcBef>
+                          <a:spcPts val="0"/>
+                        </a:spcBef>
+                        <a:spcAft>
+                          <a:spcPts val="0"/>
+                        </a:spcAft>
+                        <a:buClrTx/>
+                        <a:buSzTx/>
+                        <a:buFontTx/>
+                        <a:buNone/>
+                        <a:tabLst/>
+                        <a:defRPr/>
+                      </a:pPr>
+                      <a:r>
+                        <a:rPr lang="de-DE" sz="1200" dirty="0" smtClean="0"/>
+                        <a:t>(„USB 1,5m“, K)</a:t>
+                      </a:r>
+                    </a:p>
+                  </a:txBody>
+                  <a:tcPr/>
+                </a:tc>
+                <a:tc>
+                  <a:txBody>
+                    <a:bodyPr/>
+                    <a:lstStyle/>
+                    <a:p>
+                      <a:pPr algn="r"/>
+                      <a:r>
+                        <a:rPr lang="de-DE" sz="1200" dirty="0" smtClean="0"/>
+                        <a:t>350</a:t>
+                      </a:r>
+                      <a:endParaRPr lang="de-DE" sz="1200" dirty="0"/>
+                    </a:p>
+                  </a:txBody>
+                  <a:tcPr/>
+                </a:tc>
+                <a:tc>
+                  <a:txBody>
+                    <a:bodyPr/>
+                    <a:lstStyle/>
+                    <a:p>
+                      <a:pPr algn="r"/>
+                      <a:r>
+                        <a:rPr lang="de-DE" sz="1200" dirty="0" smtClean="0"/>
+                        <a:t>1.600€</a:t>
+                      </a:r>
+                      <a:endParaRPr lang="de-DE" sz="1200" dirty="0"/>
+                    </a:p>
+                  </a:txBody>
+                  <a:tcPr/>
+                </a:tc>
+              </a:tr>
+              <a:tr h="0">
+                <a:tc>
+                  <a:txBody>
+                    <a:bodyPr/>
+                    <a:lstStyle/>
+                    <a:p>
+                      <a:pPr marL="0" marR="0" indent="0" algn="l" defTabSz="914400" rtl="0" eaLnBrk="1" fontAlgn="auto" latinLnBrk="0" hangingPunct="1">
+                        <a:lnSpc>
+                          <a:spcPct val="100000"/>
+                        </a:lnSpc>
+                        <a:spcBef>
+                          <a:spcPts val="0"/>
+                        </a:spcBef>
+                        <a:spcAft>
+                          <a:spcPts val="0"/>
+                        </a:spcAft>
+                        <a:buClrTx/>
+                        <a:buSzTx/>
+                        <a:buFontTx/>
+                        <a:buNone/>
+                        <a:tabLst/>
+                        <a:defRPr/>
+                      </a:pPr>
+                      <a:r>
+                        <a:rPr lang="de-DE" sz="1200" dirty="0" smtClean="0"/>
+                        <a:t>(„USB</a:t>
+                      </a:r>
+                      <a:r>
+                        <a:rPr lang="de-DE" sz="1200" baseline="0" dirty="0" smtClean="0"/>
+                        <a:t> 3m“, K)</a:t>
+                      </a:r>
+                      <a:endParaRPr lang="de-DE" sz="1200" dirty="0" smtClean="0"/>
+                    </a:p>
+                  </a:txBody>
+                  <a:tcPr/>
+                </a:tc>
+                <a:tc>
+                  <a:txBody>
+                    <a:bodyPr/>
+                    <a:lstStyle/>
+                    <a:p>
+                      <a:pPr algn="r"/>
+                      <a:r>
+                        <a:rPr lang="de-DE" sz="1200" dirty="0" smtClean="0"/>
+                        <a:t>35</a:t>
+                      </a:r>
+                      <a:endParaRPr lang="de-DE" sz="1200" dirty="0"/>
+                    </a:p>
+                  </a:txBody>
+                  <a:tcPr/>
+                </a:tc>
+                <a:tc>
+                  <a:txBody>
+                    <a:bodyPr/>
+                    <a:lstStyle/>
+                    <a:p>
+                      <a:pPr algn="r"/>
+                      <a:r>
+                        <a:rPr lang="de-DE" sz="1200" dirty="0" smtClean="0"/>
+                        <a:t>210€</a:t>
+                      </a:r>
+                      <a:endParaRPr lang="de-DE" sz="1200" dirty="0"/>
+                    </a:p>
+                  </a:txBody>
+                  <a:tcPr/>
+                </a:tc>
+              </a:tr>
+              <a:tr h="0">
+                <a:tc>
+                  <a:txBody>
+                    <a:bodyPr/>
+                    <a:lstStyle/>
+                    <a:p>
+                      <a:pPr marL="0" marR="0" indent="0" algn="l" defTabSz="914400" rtl="0" eaLnBrk="1" fontAlgn="auto" latinLnBrk="0" hangingPunct="1">
+                        <a:lnSpc>
+                          <a:spcPct val="100000"/>
+                        </a:lnSpc>
+                        <a:spcBef>
+                          <a:spcPts val="0"/>
+                        </a:spcBef>
+                        <a:spcAft>
+                          <a:spcPts val="0"/>
+                        </a:spcAft>
+                        <a:buClrTx/>
+                        <a:buSzTx/>
+                        <a:buFontTx/>
+                        <a:buNone/>
+                        <a:tabLst/>
+                        <a:defRPr/>
+                      </a:pPr>
+                      <a:r>
+                        <a:rPr lang="de-DE" sz="1200" dirty="0" smtClean="0"/>
+                        <a:t>(„</a:t>
+                      </a:r>
+                      <a:r>
+                        <a:rPr lang="de-DE" sz="1200" dirty="0" err="1" smtClean="0"/>
+                        <a:t>Xperia</a:t>
+                      </a:r>
+                      <a:r>
+                        <a:rPr lang="de-DE" sz="1200" dirty="0" smtClean="0"/>
+                        <a:t> E5“, S)</a:t>
+                      </a:r>
+                    </a:p>
+                  </a:txBody>
+                  <a:tcPr/>
+                </a:tc>
+                <a:tc>
+                  <a:txBody>
+                    <a:bodyPr/>
+                    <a:lstStyle/>
+                    <a:p>
+                      <a:pPr algn="r"/>
+                      <a:r>
+                        <a:rPr lang="de-DE" sz="1200" dirty="0" smtClean="0"/>
+                        <a:t>3</a:t>
+                      </a:r>
+                      <a:endParaRPr lang="de-DE" sz="1200" dirty="0"/>
+                    </a:p>
+                  </a:txBody>
+                  <a:tcPr/>
+                </a:tc>
+                <a:tc>
+                  <a:txBody>
+                    <a:bodyPr/>
+                    <a:lstStyle/>
+                    <a:p>
+                      <a:pPr algn="r"/>
+                      <a:r>
+                        <a:rPr lang="de-DE" sz="1200" dirty="0" smtClean="0"/>
+                        <a:t>420€</a:t>
+                      </a:r>
+                      <a:endParaRPr lang="de-DE" sz="1200" dirty="0"/>
+                    </a:p>
+                  </a:txBody>
+                  <a:tcPr/>
+                </a:tc>
+              </a:tr>
+            </a:tbl>
+          </a:graphicData>
+        </a:graphic>
+      </p:graphicFrame>
+      <mc:AlternateContent xmlns:mc="http://schemas.openxmlformats.org/markup-compatibility/2006">
+        <mc:Choice xmlns:a14="http://schemas.microsoft.com/office/drawing/2010/main" Requires="a14">
+          <p:sp>
+            <p:nvSpPr>
+              <p:cNvPr id="20" name="Legende mit Linie 1 19"/>
+              <p:cNvSpPr/>
+              <p:nvPr/>
+            </p:nvSpPr>
+            <p:spPr bwMode="auto">
+              <a:xfrm>
+                <a:off x="769257" y="4746171"/>
+                <a:ext cx="3811681" cy="1277257"/>
+              </a:xfrm>
+              <a:prstGeom prst="borderCallout1">
+                <a:avLst>
+                  <a:gd name="adj1" fmla="val -13068"/>
+                  <a:gd name="adj2" fmla="val 73234"/>
+                  <a:gd name="adj3" fmla="val -125000"/>
+                  <a:gd name="adj4" fmla="val 80848"/>
+                </a:avLst>
+              </a:prstGeom>
+              <a:ln>
+                <a:headEnd type="none" w="med" len="med"/>
+                <a:tailEnd type="none" w="med" len="med"/>
+              </a:ln>
+            </p:spPr>
+            <p:style>
+              <a:lnRef idx="1">
+                <a:schemeClr val="accent5"/>
+              </a:lnRef>
+              <a:fillRef idx="2">
+                <a:schemeClr val="accent5"/>
+              </a:fillRef>
+              <a:effectRef idx="1">
+                <a:schemeClr val="accent5"/>
+              </a:effectRef>
+              <a:fontRef idx="minor">
+                <a:schemeClr val="dk1"/>
+              </a:fontRef>
+            </p:style>
+            <p:txBody>
+              <a:bodyPr rot="0" spcFirstLastPara="0" vertOverflow="overflow" horzOverflow="overflow" vert="horz" wrap="square" lIns="91440" tIns="45720" rIns="91440" bIns="45720" numCol="1" spcCol="0" rtlCol="0" fromWordArt="0" anchor="ctr" anchorCtr="0" forceAA="0" compatLnSpc="1">
+                <a:prstTxWarp prst="textNoShape">
+                  <a:avLst/>
+                </a:prstTxWarp>
+                <a:noAutofit/>
+              </a:bodyPr>
+              <a:lstStyle/>
+              <a:p>
+                <a:pPr marL="0" marR="0" indent="0" algn="ctr" defTabSz="914400" rtl="0" eaLnBrk="1" fontAlgn="base" latinLnBrk="0" hangingPunct="1">
+                  <a:lnSpc>
+                    <a:spcPct val="100000"/>
+                  </a:lnSpc>
+                  <a:spcBef>
+                    <a:spcPct val="0"/>
+                  </a:spcBef>
+                  <a:spcAft>
+                    <a:spcPts val="600"/>
+                  </a:spcAft>
+                  <a:buClrTx/>
+                  <a:buSzTx/>
+                  <a:buFontTx/>
+                  <a:buNone/>
+                  <a:tabLst/>
+                </a:pPr>
+                <a:r>
+                  <a:rPr kumimoji="0" lang="de-DE" b="0" i="0" u="none" strike="noStrike" cap="none" normalizeH="0" baseline="0" dirty="0" smtClean="0">
+                    <a:ln>
+                      <a:noFill/>
+                    </a:ln>
+                    <a:solidFill>
+                      <a:schemeClr val="tx1"/>
+                    </a:solidFill>
+                    <a:effectLst/>
+                    <a:latin typeface="Open Sans" panose="020B0606030504020204" pitchFamily="34" charset="0"/>
+                    <a:ea typeface="Open Sans" panose="020B0606030504020204" pitchFamily="34" charset="0"/>
+                    <a:cs typeface="Open Sans" panose="020B0606030504020204" pitchFamily="34" charset="0"/>
+                  </a:rPr>
+                  <a:t>mapToPair</a:t>
+                </a:r>
+              </a:p>
+              <a:p>
+                <a:pPr marL="0" marR="0" indent="0" algn="ctr" defTabSz="914400" rtl="0" eaLnBrk="1" fontAlgn="base" latinLnBrk="0" hangingPunct="1">
+                  <a:lnSpc>
+                    <a:spcPct val="100000"/>
+                  </a:lnSpc>
+                  <a:spcBef>
+                    <a:spcPct val="0"/>
+                  </a:spcBef>
+                  <a:spcAft>
+                    <a:spcPts val="600"/>
+                  </a:spcAft>
+                  <a:buClrTx/>
+                  <a:buSzTx/>
+                  <a:buFontTx/>
+                  <a:buNone/>
+                  <a:tabLst/>
+                </a:pPr>
+                <a14:m>
+                  <m:oMathPara xmlns:m="http://schemas.openxmlformats.org/officeDocument/2006/math">
+                    <m:oMathParaPr>
+                      <m:jc m:val="centerGroup"/>
+                    </m:oMathParaPr>
+                    <m:oMath xmlns:m="http://schemas.openxmlformats.org/officeDocument/2006/math">
+                      <m:r>
+                        <a:rPr kumimoji="0" lang="de-DE" b="0" i="1" u="none" strike="noStrike" cap="none" normalizeH="0" baseline="0" smtClean="0">
+                          <a:ln>
+                            <a:noFill/>
+                          </a:ln>
+                          <a:solidFill>
+                            <a:schemeClr val="tx1"/>
+                          </a:solidFill>
+                          <a:effectLst/>
+                          <a:latin typeface="Cambria Math"/>
+                          <a:ea typeface="Open Sans" panose="020B0606030504020204" pitchFamily="34" charset="0"/>
+                          <a:cs typeface="Open Sans" panose="020B0606030504020204" pitchFamily="34" charset="0"/>
+                        </a:rPr>
+                        <m:t>𝑓</m:t>
+                      </m:r>
+                      <m:d>
+                        <m:dPr>
+                          <m:ctrlPr>
+                            <a:rPr kumimoji="0" lang="de-DE" b="0" i="1" u="none" strike="noStrike" cap="none" normalizeH="0" baseline="0" smtClean="0">
+                              <a:ln>
+                                <a:noFill/>
+                              </a:ln>
+                              <a:solidFill>
+                                <a:schemeClr val="tx1"/>
+                              </a:solidFill>
+                              <a:effectLst/>
+                              <a:latin typeface="Cambria Math"/>
+                              <a:ea typeface="Open Sans" panose="020B0606030504020204" pitchFamily="34" charset="0"/>
+                              <a:cs typeface="Open Sans" panose="020B0606030504020204" pitchFamily="34" charset="0"/>
+                            </a:rPr>
+                          </m:ctrlPr>
+                        </m:dPr>
+                        <m:e>
+                          <m:r>
+                            <a:rPr kumimoji="0" lang="de-DE" b="0" i="1" u="none" strike="noStrike" cap="none" normalizeH="0" baseline="0" smtClean="0">
+                              <a:ln>
+                                <a:noFill/>
+                              </a:ln>
+                              <a:solidFill>
+                                <a:schemeClr val="tx1"/>
+                              </a:solidFill>
+                              <a:effectLst/>
+                              <a:latin typeface="Cambria Math"/>
+                              <a:ea typeface="Open Sans" panose="020B0606030504020204" pitchFamily="34" charset="0"/>
+                              <a:cs typeface="Open Sans" panose="020B0606030504020204" pitchFamily="34" charset="0"/>
+                            </a:rPr>
+                            <m:t>𝑣</m:t>
+                          </m:r>
+                        </m:e>
+                      </m:d>
+                      <m:r>
+                        <a:rPr kumimoji="0" lang="de-DE" b="0" i="1" u="none" strike="noStrike" cap="none" normalizeH="0" baseline="0" smtClean="0">
+                          <a:ln>
+                            <a:noFill/>
+                          </a:ln>
+                          <a:solidFill>
+                            <a:schemeClr val="tx1"/>
+                          </a:solidFill>
+                          <a:effectLst/>
+                          <a:latin typeface="Cambria Math"/>
+                          <a:ea typeface="Open Sans" panose="020B0606030504020204" pitchFamily="34" charset="0"/>
+                          <a:cs typeface="Open Sans" panose="020B0606030504020204" pitchFamily="34" charset="0"/>
+                        </a:rPr>
+                        <m:t>=</m:t>
+                      </m:r>
+                      <m:d>
+                        <m:dPr>
+                          <m:ctrlPr>
+                            <a:rPr kumimoji="0" lang="de-DE" b="0" i="1" u="none" strike="noStrike" cap="none" normalizeH="0" baseline="0" smtClean="0">
+                              <a:ln>
+                                <a:noFill/>
+                              </a:ln>
+                              <a:solidFill>
+                                <a:schemeClr val="tx1"/>
+                              </a:solidFill>
+                              <a:effectLst/>
+                              <a:latin typeface="Cambria Math"/>
+                              <a:ea typeface="Open Sans" panose="020B0606030504020204" pitchFamily="34" charset="0"/>
+                              <a:cs typeface="Open Sans" panose="020B0606030504020204" pitchFamily="34" charset="0"/>
+                            </a:rPr>
+                          </m:ctrlPr>
+                        </m:dPr>
+                        <m:e>
+                          <m:d>
+                            <m:dPr>
+                              <m:ctrlPr>
+                                <a:rPr kumimoji="0" lang="de-DE" b="0" i="1" u="none" strike="noStrike" cap="none" normalizeH="0" baseline="0" smtClean="0">
+                                  <a:ln>
+                                    <a:noFill/>
+                                  </a:ln>
+                                  <a:solidFill>
+                                    <a:schemeClr val="tx1"/>
+                                  </a:solidFill>
+                                  <a:effectLst/>
+                                  <a:latin typeface="Cambria Math"/>
+                                  <a:ea typeface="Open Sans" panose="020B0606030504020204" pitchFamily="34" charset="0"/>
+                                  <a:cs typeface="Open Sans" panose="020B0606030504020204" pitchFamily="34" charset="0"/>
+                                </a:rPr>
+                              </m:ctrlPr>
+                            </m:dPr>
+                            <m:e>
+                              <m:r>
+                                <a:rPr kumimoji="0" lang="de-DE" b="0" i="1" u="none" strike="noStrike" cap="none" normalizeH="0" baseline="0" smtClean="0">
+                                  <a:ln>
+                                    <a:noFill/>
+                                  </a:ln>
+                                  <a:solidFill>
+                                    <a:schemeClr val="tx1"/>
+                                  </a:solidFill>
+                                  <a:effectLst/>
+                                  <a:latin typeface="Cambria Math"/>
+                                  <a:ea typeface="Open Sans" panose="020B0606030504020204" pitchFamily="34" charset="0"/>
+                                  <a:cs typeface="Open Sans" panose="020B0606030504020204" pitchFamily="34" charset="0"/>
+                                </a:rPr>
+                                <m:t>𝑛</m:t>
+                              </m:r>
+                              <m:d>
+                                <m:dPr>
+                                  <m:ctrlPr>
+                                    <a:rPr kumimoji="0" lang="de-DE" b="0" i="1" u="none" strike="noStrike" cap="none" normalizeH="0" baseline="0" smtClean="0">
+                                      <a:ln>
+                                        <a:noFill/>
+                                      </a:ln>
+                                      <a:solidFill>
+                                        <a:schemeClr val="tx1"/>
+                                      </a:solidFill>
+                                      <a:effectLst/>
+                                      <a:latin typeface="Cambria Math"/>
+                                      <a:ea typeface="Open Sans" panose="020B0606030504020204" pitchFamily="34" charset="0"/>
+                                      <a:cs typeface="Open Sans" panose="020B0606030504020204" pitchFamily="34" charset="0"/>
+                                    </a:rPr>
+                                  </m:ctrlPr>
+                                </m:dPr>
+                                <m:e>
+                                  <m:r>
+                                    <a:rPr kumimoji="0" lang="de-DE" b="0" i="1" u="none" strike="noStrike" cap="none" normalizeH="0" baseline="0" smtClean="0">
+                                      <a:ln>
+                                        <a:noFill/>
+                                      </a:ln>
+                                      <a:solidFill>
+                                        <a:schemeClr val="tx1"/>
+                                      </a:solidFill>
+                                      <a:effectLst/>
+                                      <a:latin typeface="Cambria Math"/>
+                                      <a:ea typeface="Open Sans" panose="020B0606030504020204" pitchFamily="34" charset="0"/>
+                                      <a:cs typeface="Open Sans" panose="020B0606030504020204" pitchFamily="34" charset="0"/>
+                                    </a:rPr>
+                                    <m:t>𝑣</m:t>
+                                  </m:r>
+                                </m:e>
+                              </m:d>
+                              <m:r>
+                                <a:rPr kumimoji="0" lang="de-DE" b="0" i="1" u="none" strike="noStrike" cap="none" normalizeH="0" baseline="0" smtClean="0">
+                                  <a:ln>
+                                    <a:noFill/>
+                                  </a:ln>
+                                  <a:solidFill>
+                                    <a:schemeClr val="tx1"/>
+                                  </a:solidFill>
+                                  <a:effectLst/>
+                                  <a:latin typeface="Cambria Math"/>
+                                  <a:ea typeface="Open Sans" panose="020B0606030504020204" pitchFamily="34" charset="0"/>
+                                  <a:cs typeface="Open Sans" panose="020B0606030504020204" pitchFamily="34" charset="0"/>
+                                </a:rPr>
+                                <m:t>,</m:t>
+                              </m:r>
+                              <m:r>
+                                <a:rPr kumimoji="0" lang="de-DE" b="0" i="1" u="none" strike="noStrike" cap="none" normalizeH="0" baseline="0" smtClean="0">
+                                  <a:ln>
+                                    <a:noFill/>
+                                  </a:ln>
+                                  <a:solidFill>
+                                    <a:schemeClr val="tx1"/>
+                                  </a:solidFill>
+                                  <a:effectLst/>
+                                  <a:latin typeface="Cambria Math"/>
+                                  <a:ea typeface="Open Sans" panose="020B0606030504020204" pitchFamily="34" charset="0"/>
+                                  <a:cs typeface="Open Sans" panose="020B0606030504020204" pitchFamily="34" charset="0"/>
+                                </a:rPr>
+                                <m:t>𝑔</m:t>
+                              </m:r>
+                              <m:d>
+                                <m:dPr>
+                                  <m:ctrlPr>
+                                    <a:rPr kumimoji="0" lang="de-DE" b="0" i="1" u="none" strike="noStrike" cap="none" normalizeH="0" baseline="0" smtClean="0">
+                                      <a:ln>
+                                        <a:noFill/>
+                                      </a:ln>
+                                      <a:solidFill>
+                                        <a:schemeClr val="tx1"/>
+                                      </a:solidFill>
+                                      <a:effectLst/>
+                                      <a:latin typeface="Cambria Math"/>
+                                      <a:ea typeface="Open Sans" panose="020B0606030504020204" pitchFamily="34" charset="0"/>
+                                      <a:cs typeface="Open Sans" panose="020B0606030504020204" pitchFamily="34" charset="0"/>
+                                    </a:rPr>
+                                  </m:ctrlPr>
+                                </m:dPr>
+                                <m:e>
+                                  <m:r>
+                                    <a:rPr kumimoji="0" lang="de-DE" b="0" i="1" u="none" strike="noStrike" cap="none" normalizeH="0" baseline="0" smtClean="0">
+                                      <a:ln>
+                                        <a:noFill/>
+                                      </a:ln>
+                                      <a:solidFill>
+                                        <a:schemeClr val="tx1"/>
+                                      </a:solidFill>
+                                      <a:effectLst/>
+                                      <a:latin typeface="Cambria Math"/>
+                                      <a:ea typeface="Open Sans" panose="020B0606030504020204" pitchFamily="34" charset="0"/>
+                                      <a:cs typeface="Open Sans" panose="020B0606030504020204" pitchFamily="34" charset="0"/>
+                                    </a:rPr>
+                                    <m:t>𝑣</m:t>
+                                  </m:r>
+                                </m:e>
+                              </m:d>
+                            </m:e>
+                          </m:d>
+                          <m:r>
+                            <a:rPr kumimoji="0" lang="de-DE" b="0" i="1" u="none" strike="noStrike" cap="none" normalizeH="0" baseline="0" smtClean="0">
+                              <a:ln>
+                                <a:noFill/>
+                              </a:ln>
+                              <a:solidFill>
+                                <a:schemeClr val="tx1"/>
+                              </a:solidFill>
+                              <a:effectLst/>
+                              <a:latin typeface="Cambria Math"/>
+                              <a:ea typeface="Open Sans" panose="020B0606030504020204" pitchFamily="34" charset="0"/>
+                              <a:cs typeface="Open Sans" panose="020B0606030504020204" pitchFamily="34" charset="0"/>
+                            </a:rPr>
+                            <m:t>,</m:t>
+                          </m:r>
+                          <m:d>
+                            <m:dPr>
+                              <m:ctrlPr>
+                                <a:rPr kumimoji="0" lang="de-DE" b="0" i="1" u="none" strike="noStrike" cap="none" normalizeH="0" baseline="0" smtClean="0">
+                                  <a:ln>
+                                    <a:noFill/>
+                                  </a:ln>
+                                  <a:solidFill>
+                                    <a:schemeClr val="tx1"/>
+                                  </a:solidFill>
+                                  <a:effectLst/>
+                                  <a:latin typeface="Cambria Math"/>
+                                  <a:ea typeface="Open Sans" panose="020B0606030504020204" pitchFamily="34" charset="0"/>
+                                  <a:cs typeface="Open Sans" panose="020B0606030504020204" pitchFamily="34" charset="0"/>
+                                </a:rPr>
+                              </m:ctrlPr>
+                            </m:dPr>
+                            <m:e>
+                              <m:r>
+                                <a:rPr kumimoji="0" lang="de-DE" b="0" i="1" u="none" strike="noStrike" cap="none" normalizeH="0" baseline="0" smtClean="0">
+                                  <a:ln>
+                                    <a:noFill/>
+                                  </a:ln>
+                                  <a:solidFill>
+                                    <a:schemeClr val="tx1"/>
+                                  </a:solidFill>
+                                  <a:effectLst/>
+                                  <a:latin typeface="Cambria Math"/>
+                                  <a:ea typeface="Open Sans" panose="020B0606030504020204" pitchFamily="34" charset="0"/>
+                                  <a:cs typeface="Open Sans" panose="020B0606030504020204" pitchFamily="34" charset="0"/>
+                                </a:rPr>
+                                <m:t>𝑎</m:t>
+                              </m:r>
+                              <m:d>
+                                <m:dPr>
+                                  <m:ctrlPr>
+                                    <a:rPr kumimoji="0" lang="de-DE" b="0" i="1" u="none" strike="noStrike" cap="none" normalizeH="0" baseline="0" smtClean="0">
+                                      <a:ln>
+                                        <a:noFill/>
+                                      </a:ln>
+                                      <a:solidFill>
+                                        <a:schemeClr val="tx1"/>
+                                      </a:solidFill>
+                                      <a:effectLst/>
+                                      <a:latin typeface="Cambria Math"/>
+                                      <a:ea typeface="Open Sans" panose="020B0606030504020204" pitchFamily="34" charset="0"/>
+                                      <a:cs typeface="Open Sans" panose="020B0606030504020204" pitchFamily="34" charset="0"/>
+                                    </a:rPr>
+                                  </m:ctrlPr>
+                                </m:dPr>
+                                <m:e>
+                                  <m:r>
+                                    <a:rPr kumimoji="0" lang="de-DE" b="0" i="1" u="none" strike="noStrike" cap="none" normalizeH="0" baseline="0" smtClean="0">
+                                      <a:ln>
+                                        <a:noFill/>
+                                      </a:ln>
+                                      <a:solidFill>
+                                        <a:schemeClr val="tx1"/>
+                                      </a:solidFill>
+                                      <a:effectLst/>
+                                      <a:latin typeface="Cambria Math"/>
+                                      <a:ea typeface="Open Sans" panose="020B0606030504020204" pitchFamily="34" charset="0"/>
+                                      <a:cs typeface="Open Sans" panose="020B0606030504020204" pitchFamily="34" charset="0"/>
+                                    </a:rPr>
+                                    <m:t>𝑣</m:t>
+                                  </m:r>
+                                </m:e>
+                              </m:d>
+                              <m:r>
+                                <a:rPr kumimoji="0" lang="de-DE" b="0" i="1" u="none" strike="noStrike" cap="none" normalizeH="0" baseline="0" smtClean="0">
+                                  <a:ln>
+                                    <a:noFill/>
+                                  </a:ln>
+                                  <a:solidFill>
+                                    <a:schemeClr val="tx1"/>
+                                  </a:solidFill>
+                                  <a:effectLst/>
+                                  <a:latin typeface="Cambria Math"/>
+                                  <a:ea typeface="Open Sans" panose="020B0606030504020204" pitchFamily="34" charset="0"/>
+                                  <a:cs typeface="Open Sans" panose="020B0606030504020204" pitchFamily="34" charset="0"/>
+                                </a:rPr>
+                                <m:t>,</m:t>
+                              </m:r>
+                              <m:r>
+                                <a:rPr kumimoji="0" lang="de-DE" b="0" i="1" u="none" strike="noStrike" cap="none" normalizeH="0" baseline="0" smtClean="0">
+                                  <a:ln>
+                                    <a:noFill/>
+                                  </a:ln>
+                                  <a:solidFill>
+                                    <a:schemeClr val="tx1"/>
+                                  </a:solidFill>
+                                  <a:effectLst/>
+                                  <a:latin typeface="Cambria Math"/>
+                                  <a:ea typeface="Open Sans" panose="020B0606030504020204" pitchFamily="34" charset="0"/>
+                                  <a:cs typeface="Open Sans" panose="020B0606030504020204" pitchFamily="34" charset="0"/>
+                                </a:rPr>
+                                <m:t>𝑝</m:t>
+                              </m:r>
+                              <m:d>
+                                <m:dPr>
+                                  <m:ctrlPr>
+                                    <a:rPr kumimoji="0" lang="de-DE" b="0" i="1" u="none" strike="noStrike" cap="none" normalizeH="0" baseline="0" smtClean="0">
+                                      <a:ln>
+                                        <a:noFill/>
+                                      </a:ln>
+                                      <a:solidFill>
+                                        <a:schemeClr val="tx1"/>
+                                      </a:solidFill>
+                                      <a:effectLst/>
+                                      <a:latin typeface="Cambria Math"/>
+                                      <a:ea typeface="Open Sans" panose="020B0606030504020204" pitchFamily="34" charset="0"/>
+                                      <a:cs typeface="Open Sans" panose="020B0606030504020204" pitchFamily="34" charset="0"/>
+                                    </a:rPr>
+                                  </m:ctrlPr>
+                                </m:dPr>
+                                <m:e>
+                                  <m:r>
+                                    <a:rPr kumimoji="0" lang="de-DE" b="0" i="1" u="none" strike="noStrike" cap="none" normalizeH="0" baseline="0" smtClean="0">
+                                      <a:ln>
+                                        <a:noFill/>
+                                      </a:ln>
+                                      <a:solidFill>
+                                        <a:schemeClr val="tx1"/>
+                                      </a:solidFill>
+                                      <a:effectLst/>
+                                      <a:latin typeface="Cambria Math"/>
+                                      <a:ea typeface="Open Sans" panose="020B0606030504020204" pitchFamily="34" charset="0"/>
+                                      <a:cs typeface="Open Sans" panose="020B0606030504020204" pitchFamily="34" charset="0"/>
+                                    </a:rPr>
+                                    <m:t>𝑣</m:t>
+                                  </m:r>
+                                </m:e>
+                              </m:d>
+                            </m:e>
+                          </m:d>
+                        </m:e>
+                      </m:d>
+                    </m:oMath>
+                  </m:oMathPara>
+                </a14:m>
+                <a:endParaRPr kumimoji="0" lang="de-DE" b="0" i="0" u="none" strike="noStrike" cap="none" normalizeH="0" baseline="0" dirty="0" smtClean="0">
+                  <a:ln>
+                    <a:noFill/>
+                  </a:ln>
+                  <a:solidFill>
+                    <a:schemeClr val="tx1"/>
+                  </a:solidFill>
+                  <a:effectLst/>
+                  <a:latin typeface="Open Sans" panose="020B0606030504020204" pitchFamily="34" charset="0"/>
+                  <a:ea typeface="Open Sans" panose="020B0606030504020204" pitchFamily="34" charset="0"/>
+                  <a:cs typeface="Open Sans" panose="020B0606030504020204" pitchFamily="34" charset="0"/>
+                </a:endParaRPr>
+              </a:p>
+            </p:txBody>
+          </p:sp>
+        </mc:Choice>
+        <mc:Fallback>
+          <p:sp>
+            <p:nvSpPr>
+              <p:cNvPr id="20" name="Legende mit Linie 1 19"/>
+              <p:cNvSpPr>
+                <a:spLocks noRot="1" noChangeAspect="1" noMove="1" noResize="1" noEditPoints="1" noAdjustHandles="1" noChangeArrowheads="1" noChangeShapeType="1" noTextEdit="1"/>
+              </p:cNvSpPr>
+              <p:nvPr/>
+            </p:nvSpPr>
+            <p:spPr bwMode="auto">
+              <a:xfrm>
+                <a:off x="769257" y="4746171"/>
+                <a:ext cx="3811681" cy="1277257"/>
+              </a:xfrm>
+              <a:prstGeom prst="borderCallout1">
+                <a:avLst>
+                  <a:gd name="adj1" fmla="val -13068"/>
+                  <a:gd name="adj2" fmla="val 73234"/>
+                  <a:gd name="adj3" fmla="val -125000"/>
+                  <a:gd name="adj4" fmla="val 80848"/>
+                </a:avLst>
+              </a:prstGeom>
+              <a:blipFill rotWithShape="1">
+                <a:blip r:embed="rId3"/>
+                <a:stretch>
+                  <a:fillRect/>
+                </a:stretch>
+              </a:blipFill>
+              <a:ln>
+                <a:headEnd type="none" w="med" len="med"/>
+                <a:tailEnd type="none" w="med" len="med"/>
+              </a:ln>
+            </p:spPr>
+            <p:txBody>
+              <a:bodyPr/>
+              <a:lstStyle/>
+              <a:p>
+                <a:r>
+                  <a:rPr lang="de-DE">
+                    <a:noFill/>
+                  </a:rPr>
+                  <a:t> </a:t>
+                </a:r>
+              </a:p>
+            </p:txBody>
+          </p:sp>
+        </mc:Fallback>
+      </mc:AlternateContent>
+      <mc:AlternateContent xmlns:mc="http://schemas.openxmlformats.org/markup-compatibility/2006">
+        <mc:Choice xmlns:a14="http://schemas.microsoft.com/office/drawing/2010/main" Requires="a14">
+          <p:sp>
+            <p:nvSpPr>
+              <p:cNvPr id="21" name="Legende mit Linie 1 20"/>
+              <p:cNvSpPr/>
+              <p:nvPr/>
+            </p:nvSpPr>
+            <p:spPr bwMode="auto">
+              <a:xfrm>
+                <a:off x="4984549" y="4746170"/>
+                <a:ext cx="4232022" cy="1277257"/>
+              </a:xfrm>
+              <a:prstGeom prst="borderCallout1">
+                <a:avLst>
+                  <a:gd name="adj1" fmla="val -13068"/>
+                  <a:gd name="adj2" fmla="val 73234"/>
+                  <a:gd name="adj3" fmla="val -122727"/>
+                  <a:gd name="adj4" fmla="val 63357"/>
+                </a:avLst>
+              </a:prstGeom>
+              <a:ln>
+                <a:headEnd type="none" w="med" len="med"/>
+                <a:tailEnd type="none" w="med" len="med"/>
+              </a:ln>
+            </p:spPr>
+            <p:style>
+              <a:lnRef idx="1">
+                <a:schemeClr val="accent5"/>
+              </a:lnRef>
+              <a:fillRef idx="2">
+                <a:schemeClr val="accent5"/>
+              </a:fillRef>
+              <a:effectRef idx="1">
+                <a:schemeClr val="accent5"/>
+              </a:effectRef>
+              <a:fontRef idx="minor">
+                <a:schemeClr val="dk1"/>
+              </a:fontRef>
+            </p:style>
+            <p:txBody>
+              <a:bodyPr rot="0" spcFirstLastPara="0" vertOverflow="overflow" horzOverflow="overflow" vert="horz" wrap="square" lIns="91440" tIns="45720" rIns="91440" bIns="45720" numCol="1" spcCol="0" rtlCol="0" fromWordArt="0" anchor="ctr" anchorCtr="0" forceAA="0" compatLnSpc="1">
+                <a:prstTxWarp prst="textNoShape">
+                  <a:avLst/>
+                </a:prstTxWarp>
+                <a:noAutofit/>
+              </a:bodyPr>
+              <a:lstStyle/>
+              <a:p>
+                <a:pPr marL="0" marR="0" indent="0" algn="ctr" defTabSz="914400" rtl="0" eaLnBrk="1" fontAlgn="base" latinLnBrk="0" hangingPunct="1">
+                  <a:lnSpc>
+                    <a:spcPct val="100000"/>
+                  </a:lnSpc>
+                  <a:spcBef>
+                    <a:spcPct val="0"/>
+                  </a:spcBef>
+                  <a:spcAft>
+                    <a:spcPts val="600"/>
+                  </a:spcAft>
+                  <a:buClrTx/>
+                  <a:buSzTx/>
+                  <a:buFontTx/>
+                  <a:buNone/>
+                  <a:tabLst/>
+                </a:pPr>
+                <a:r>
+                  <a:rPr kumimoji="0" lang="de-DE" b="0" i="0" u="none" strike="noStrike" cap="none" normalizeH="0" baseline="0" dirty="0" smtClean="0">
+                    <a:ln>
+                      <a:noFill/>
+                    </a:ln>
+                    <a:solidFill>
+                      <a:schemeClr val="tx1"/>
+                    </a:solidFill>
+                    <a:effectLst/>
+                    <a:latin typeface="Open Sans" panose="020B0606030504020204" pitchFamily="34" charset="0"/>
+                    <a:ea typeface="Open Sans" panose="020B0606030504020204" pitchFamily="34" charset="0"/>
+                    <a:cs typeface="Open Sans" panose="020B0606030504020204" pitchFamily="34" charset="0"/>
+                  </a:rPr>
+                  <a:t>aggregateByKey</a:t>
+                </a:r>
+              </a:p>
+              <a:p>
+                <a:pPr>
+                  <a:spcAft>
+                    <a:spcPts val="600"/>
+                  </a:spcAft>
+                </a:pPr>
+                <a14:m>
+                  <m:oMath xmlns:m="http://schemas.openxmlformats.org/officeDocument/2006/math">
+                    <m:r>
+                      <a:rPr kumimoji="0" lang="de-DE" b="0" i="1" u="none" strike="noStrike" cap="none" normalizeH="0" baseline="0" smtClean="0">
+                        <a:ln>
+                          <a:noFill/>
+                        </a:ln>
+                        <a:solidFill>
+                          <a:schemeClr val="tx1"/>
+                        </a:solidFill>
+                        <a:effectLst/>
+                        <a:latin typeface="Cambria Math"/>
+                        <a:ea typeface="Open Sans" panose="020B0606030504020204" pitchFamily="34" charset="0"/>
+                        <a:cs typeface="Open Sans" panose="020B0606030504020204" pitchFamily="34" charset="0"/>
+                      </a:rPr>
+                      <m:t>𝑓</m:t>
+                    </m:r>
+                    <m:d>
+                      <m:dPr>
+                        <m:ctrlPr>
+                          <a:rPr lang="de-DE" i="1">
+                            <a:solidFill>
+                              <a:schemeClr val="tx1"/>
+                            </a:solidFill>
+                            <a:latin typeface="Cambria Math"/>
+                            <a:ea typeface="Open Sans" panose="020B0606030504020204" pitchFamily="34" charset="0"/>
+                            <a:cs typeface="Open Sans" panose="020B0606030504020204" pitchFamily="34" charset="0"/>
+                          </a:rPr>
+                        </m:ctrlPr>
+                      </m:dPr>
+                      <m:e>
+                        <m:r>
+                          <a:rPr lang="de-DE" b="0" i="1" smtClean="0">
+                            <a:solidFill>
+                              <a:schemeClr val="tx1"/>
+                            </a:solidFill>
+                            <a:latin typeface="Cambria Math"/>
+                            <a:ea typeface="Open Sans" panose="020B0606030504020204" pitchFamily="34" charset="0"/>
+                            <a:cs typeface="Open Sans" panose="020B0606030504020204" pitchFamily="34" charset="0"/>
+                          </a:rPr>
+                          <m:t>𝑘</m:t>
+                        </m:r>
+                        <m:r>
+                          <a:rPr lang="de-DE" i="1">
+                            <a:solidFill>
+                              <a:schemeClr val="tx1"/>
+                            </a:solidFill>
+                            <a:latin typeface="Cambria Math"/>
+                            <a:ea typeface="Open Sans" panose="020B0606030504020204" pitchFamily="34" charset="0"/>
+                            <a:cs typeface="Open Sans" panose="020B0606030504020204" pitchFamily="34" charset="0"/>
+                          </a:rPr>
+                          <m:t>,</m:t>
+                        </m:r>
+                        <m:sSub>
+                          <m:sSubPr>
+                            <m:ctrlPr>
+                              <a:rPr lang="de-DE" b="0" i="1" smtClean="0">
+                                <a:solidFill>
+                                  <a:schemeClr val="tx1"/>
+                                </a:solidFill>
+                                <a:latin typeface="Cambria Math"/>
+                                <a:ea typeface="Open Sans" panose="020B0606030504020204" pitchFamily="34" charset="0"/>
+                                <a:cs typeface="Open Sans" panose="020B0606030504020204" pitchFamily="34" charset="0"/>
+                              </a:rPr>
+                            </m:ctrlPr>
+                          </m:sSubPr>
+                          <m:e>
+                            <m:r>
+                              <a:rPr lang="de-DE" b="0" i="1" smtClean="0">
+                                <a:solidFill>
+                                  <a:schemeClr val="tx1"/>
+                                </a:solidFill>
+                                <a:latin typeface="Cambria Math"/>
+                                <a:ea typeface="Open Sans" panose="020B0606030504020204" pitchFamily="34" charset="0"/>
+                                <a:cs typeface="Open Sans" panose="020B0606030504020204" pitchFamily="34" charset="0"/>
+                              </a:rPr>
+                              <m:t>𝑉</m:t>
+                            </m:r>
+                          </m:e>
+                          <m:sub>
+                            <m:r>
+                              <a:rPr lang="de-DE" b="0" i="1" smtClean="0">
+                                <a:solidFill>
+                                  <a:schemeClr val="tx1"/>
+                                </a:solidFill>
+                                <a:latin typeface="Cambria Math"/>
+                                <a:ea typeface="Open Sans" panose="020B0606030504020204" pitchFamily="34" charset="0"/>
+                                <a:cs typeface="Open Sans" panose="020B0606030504020204" pitchFamily="34" charset="0"/>
+                              </a:rPr>
+                              <m:t>𝑘</m:t>
+                            </m:r>
+                          </m:sub>
+                        </m:sSub>
+                      </m:e>
+                    </m:d>
+                    <m:r>
+                      <a:rPr kumimoji="0" lang="de-DE" b="0" i="1" u="none" strike="noStrike" cap="none" normalizeH="0" baseline="0" smtClean="0">
+                        <a:ln>
+                          <a:noFill/>
+                        </a:ln>
+                        <a:solidFill>
+                          <a:schemeClr val="tx1"/>
+                        </a:solidFill>
+                        <a:effectLst/>
+                        <a:latin typeface="Cambria Math"/>
+                        <a:ea typeface="Open Sans" panose="020B0606030504020204" pitchFamily="34" charset="0"/>
+                        <a:cs typeface="Open Sans" panose="020B0606030504020204" pitchFamily="34" charset="0"/>
+                      </a:rPr>
+                      <m:t>=</m:t>
+                    </m:r>
+                    <m:d>
+                      <m:dPr>
+                        <m:ctrlPr>
+                          <a:rPr kumimoji="0" lang="de-DE" b="0" i="1" u="none" strike="noStrike" cap="none" normalizeH="0" baseline="0" smtClean="0">
+                            <a:ln>
+                              <a:noFill/>
+                            </a:ln>
+                            <a:solidFill>
+                              <a:schemeClr val="tx1"/>
+                            </a:solidFill>
+                            <a:effectLst/>
+                            <a:latin typeface="Cambria Math"/>
+                            <a:ea typeface="Open Sans" panose="020B0606030504020204" pitchFamily="34" charset="0"/>
+                            <a:cs typeface="Open Sans" panose="020B0606030504020204" pitchFamily="34" charset="0"/>
+                          </a:rPr>
+                        </m:ctrlPr>
+                      </m:dPr>
+                      <m:e>
+                        <m:r>
+                          <a:rPr kumimoji="0" lang="de-DE" b="0" i="1" u="none" strike="noStrike" cap="none" normalizeH="0" baseline="0" smtClean="0">
+                            <a:ln>
+                              <a:noFill/>
+                            </a:ln>
+                            <a:solidFill>
+                              <a:schemeClr val="tx1"/>
+                            </a:solidFill>
+                            <a:effectLst/>
+                            <a:latin typeface="Cambria Math"/>
+                            <a:ea typeface="Open Sans" panose="020B0606030504020204" pitchFamily="34" charset="0"/>
+                            <a:cs typeface="Open Sans" panose="020B0606030504020204" pitchFamily="34" charset="0"/>
+                          </a:rPr>
+                          <m:t>𝑘</m:t>
+                        </m:r>
+                        <m:r>
+                          <a:rPr kumimoji="0" lang="de-DE" b="0" i="1" u="none" strike="noStrike" cap="none" normalizeH="0" baseline="0" smtClean="0">
+                            <a:ln>
+                              <a:noFill/>
+                            </a:ln>
+                            <a:solidFill>
+                              <a:schemeClr val="tx1"/>
+                            </a:solidFill>
+                            <a:effectLst/>
+                            <a:latin typeface="Cambria Math"/>
+                            <a:ea typeface="Open Sans" panose="020B0606030504020204" pitchFamily="34" charset="0"/>
+                            <a:cs typeface="Open Sans" panose="020B0606030504020204" pitchFamily="34" charset="0"/>
+                          </a:rPr>
+                          <m:t>,</m:t>
+                        </m:r>
+                        <m:d>
+                          <m:dPr>
+                            <m:ctrlPr>
+                              <a:rPr kumimoji="0" lang="de-DE" b="0" i="1" u="none" strike="noStrike" cap="none" normalizeH="0" baseline="0" smtClean="0">
+                                <a:ln>
+                                  <a:noFill/>
+                                </a:ln>
+                                <a:solidFill>
+                                  <a:schemeClr val="tx1"/>
+                                </a:solidFill>
+                                <a:effectLst/>
+                                <a:latin typeface="Cambria Math"/>
+                                <a:ea typeface="Open Sans" panose="020B0606030504020204" pitchFamily="34" charset="0"/>
+                                <a:cs typeface="Open Sans" panose="020B0606030504020204" pitchFamily="34" charset="0"/>
+                              </a:rPr>
+                            </m:ctrlPr>
+                          </m:dPr>
+                          <m:e>
+                            <m:nary>
+                              <m:naryPr>
+                                <m:chr m:val="∑"/>
+                                <m:supHide m:val="on"/>
+                                <m:ctrlPr>
+                                  <a:rPr kumimoji="0" lang="de-DE" b="0" i="1" u="none" strike="noStrike" cap="none" normalizeH="0" baseline="0" smtClean="0">
+                                    <a:ln>
+                                      <a:noFill/>
+                                    </a:ln>
+                                    <a:solidFill>
+                                      <a:schemeClr val="tx1"/>
+                                    </a:solidFill>
+                                    <a:effectLst/>
+                                    <a:latin typeface="Cambria Math"/>
+                                  </a:rPr>
+                                </m:ctrlPr>
+                              </m:naryPr>
+                              <m:sub>
+                                <m:r>
+                                  <m:rPr>
+                                    <m:brk m:alnAt="7"/>
+                                  </m:rPr>
+                                  <a:rPr kumimoji="0" lang="de-DE" b="0" i="1" u="none" strike="noStrike" cap="none" normalizeH="0" baseline="0" smtClean="0">
+                                    <a:ln>
+                                      <a:noFill/>
+                                    </a:ln>
+                                    <a:solidFill>
+                                      <a:schemeClr val="tx1"/>
+                                    </a:solidFill>
+                                    <a:effectLst/>
+                                    <a:latin typeface="Cambria Math"/>
+                                  </a:rPr>
+                                  <m:t>𝑣</m:t>
+                                </m:r>
+                                <m:r>
+                                  <a:rPr kumimoji="0" lang="de-DE" b="0" i="1" u="none" strike="noStrike" cap="none" normalizeH="0" baseline="0" smtClean="0">
+                                    <a:ln>
+                                      <a:noFill/>
+                                    </a:ln>
+                                    <a:solidFill>
+                                      <a:schemeClr val="tx1"/>
+                                    </a:solidFill>
+                                    <a:effectLst/>
+                                    <a:latin typeface="Cambria Math"/>
+                                  </a:rPr>
+                                  <m:t>∈</m:t>
+                                </m:r>
+                                <m:sSub>
+                                  <m:sSubPr>
+                                    <m:ctrlPr>
+                                      <a:rPr kumimoji="0" lang="de-DE" b="0" i="1" u="none" strike="noStrike" cap="none" normalizeH="0" baseline="0" smtClean="0">
+                                        <a:ln>
+                                          <a:noFill/>
+                                        </a:ln>
+                                        <a:solidFill>
+                                          <a:schemeClr val="tx1"/>
+                                        </a:solidFill>
+                                        <a:effectLst/>
+                                        <a:latin typeface="Cambria Math"/>
+                                      </a:rPr>
+                                    </m:ctrlPr>
+                                  </m:sSubPr>
+                                  <m:e>
+                                    <m:r>
+                                      <a:rPr kumimoji="0" lang="de-DE" b="0" i="1" u="none" strike="noStrike" cap="none" normalizeH="0" baseline="0" smtClean="0">
+                                        <a:ln>
+                                          <a:noFill/>
+                                        </a:ln>
+                                        <a:solidFill>
+                                          <a:schemeClr val="tx1"/>
+                                        </a:solidFill>
+                                        <a:effectLst/>
+                                        <a:latin typeface="Cambria Math"/>
+                                      </a:rPr>
+                                      <m:t>𝑉</m:t>
+                                    </m:r>
+                                  </m:e>
+                                  <m:sub>
+                                    <m:r>
+                                      <a:rPr kumimoji="0" lang="de-DE" b="0" i="1" u="none" strike="noStrike" cap="none" normalizeH="0" baseline="0" smtClean="0">
+                                        <a:ln>
+                                          <a:noFill/>
+                                        </a:ln>
+                                        <a:solidFill>
+                                          <a:schemeClr val="tx1"/>
+                                        </a:solidFill>
+                                        <a:effectLst/>
+                                        <a:latin typeface="Cambria Math"/>
+                                      </a:rPr>
+                                      <m:t>𝑘</m:t>
+                                    </m:r>
+                                  </m:sub>
+                                </m:sSub>
+                              </m:sub>
+                              <m:sup/>
+                              <m:e>
+                                <m:r>
+                                  <a:rPr kumimoji="0" lang="de-DE" b="0" i="1" u="none" strike="noStrike" cap="none" normalizeH="0" baseline="0" smtClean="0">
+                                    <a:ln>
+                                      <a:noFill/>
+                                    </a:ln>
+                                    <a:solidFill>
+                                      <a:schemeClr val="tx1"/>
+                                    </a:solidFill>
+                                    <a:effectLst/>
+                                    <a:latin typeface="Cambria Math"/>
+                                  </a:rPr>
+                                  <m:t>𝑎</m:t>
+                                </m:r>
+                                <m:d>
+                                  <m:dPr>
+                                    <m:ctrlPr>
+                                      <a:rPr kumimoji="0" lang="de-DE" b="0" i="1" u="none" strike="noStrike" cap="none" normalizeH="0" baseline="0" smtClean="0">
+                                        <a:ln>
+                                          <a:noFill/>
+                                        </a:ln>
+                                        <a:solidFill>
+                                          <a:schemeClr val="tx1"/>
+                                        </a:solidFill>
+                                        <a:effectLst/>
+                                        <a:latin typeface="Cambria Math"/>
+                                      </a:rPr>
+                                    </m:ctrlPr>
+                                  </m:dPr>
+                                  <m:e>
+                                    <m:r>
+                                      <a:rPr kumimoji="0" lang="de-DE" b="0" i="1" u="none" strike="noStrike" cap="none" normalizeH="0" baseline="0" smtClean="0">
+                                        <a:ln>
+                                          <a:noFill/>
+                                        </a:ln>
+                                        <a:solidFill>
+                                          <a:schemeClr val="tx1"/>
+                                        </a:solidFill>
+                                        <a:effectLst/>
+                                        <a:latin typeface="Cambria Math"/>
+                                      </a:rPr>
+                                      <m:t>𝑣</m:t>
+                                    </m:r>
+                                  </m:e>
+                                </m:d>
+                              </m:e>
+                            </m:nary>
+                            <m:r>
+                              <a:rPr kumimoji="0" lang="de-DE" b="0" i="1" u="none" strike="noStrike" cap="none" normalizeH="0" baseline="0" smtClean="0">
+                                <a:ln>
+                                  <a:noFill/>
+                                </a:ln>
+                                <a:solidFill>
+                                  <a:schemeClr val="tx1"/>
+                                </a:solidFill>
+                                <a:effectLst/>
+                                <a:latin typeface="Cambria Math"/>
+                              </a:rPr>
+                              <m:t>,</m:t>
+                            </m:r>
+                            <m:nary>
+                              <m:naryPr>
+                                <m:chr m:val="∑"/>
+                                <m:supHide m:val="on"/>
+                                <m:ctrlPr>
+                                  <a:rPr lang="de-DE" i="1">
+                                    <a:solidFill>
+                                      <a:schemeClr val="tx1"/>
+                                    </a:solidFill>
+                                    <a:latin typeface="Cambria Math"/>
+                                  </a:rPr>
+                                </m:ctrlPr>
+                              </m:naryPr>
+                              <m:sub>
+                                <m:r>
+                                  <m:rPr>
+                                    <m:brk m:alnAt="7"/>
+                                  </m:rPr>
+                                  <a:rPr lang="de-DE" i="1">
+                                    <a:solidFill>
+                                      <a:schemeClr val="tx1"/>
+                                    </a:solidFill>
+                                    <a:latin typeface="Cambria Math"/>
+                                  </a:rPr>
+                                  <m:t>𝑣</m:t>
+                                </m:r>
+                                <m:r>
+                                  <a:rPr lang="de-DE" i="1">
+                                    <a:solidFill>
+                                      <a:schemeClr val="tx1"/>
+                                    </a:solidFill>
+                                    <a:latin typeface="Cambria Math"/>
+                                  </a:rPr>
+                                  <m:t>∈</m:t>
+                                </m:r>
+                                <m:sSub>
+                                  <m:sSubPr>
+                                    <m:ctrlPr>
+                                      <a:rPr lang="de-DE" i="1">
+                                        <a:solidFill>
+                                          <a:schemeClr val="tx1"/>
+                                        </a:solidFill>
+                                        <a:latin typeface="Cambria Math"/>
+                                      </a:rPr>
+                                    </m:ctrlPr>
+                                  </m:sSubPr>
+                                  <m:e>
+                                    <m:r>
+                                      <a:rPr lang="de-DE" i="1">
+                                        <a:solidFill>
+                                          <a:schemeClr val="tx1"/>
+                                        </a:solidFill>
+                                        <a:latin typeface="Cambria Math"/>
+                                      </a:rPr>
+                                      <m:t>𝑉</m:t>
+                                    </m:r>
+                                  </m:e>
+                                  <m:sub>
+                                    <m:r>
+                                      <a:rPr lang="de-DE" i="1">
+                                        <a:solidFill>
+                                          <a:schemeClr val="tx1"/>
+                                        </a:solidFill>
+                                        <a:latin typeface="Cambria Math"/>
+                                      </a:rPr>
+                                      <m:t>𝑘</m:t>
+                                    </m:r>
+                                  </m:sub>
+                                </m:sSub>
+                              </m:sub>
+                              <m:sup/>
+                              <m:e>
+                                <m:r>
+                                  <a:rPr lang="de-DE" i="1">
+                                    <a:solidFill>
+                                      <a:schemeClr val="tx1"/>
+                                    </a:solidFill>
+                                    <a:latin typeface="Cambria Math"/>
+                                  </a:rPr>
+                                  <m:t>𝑎</m:t>
+                                </m:r>
+                                <m:d>
+                                  <m:dPr>
+                                    <m:ctrlPr>
+                                      <a:rPr lang="de-DE" i="1">
+                                        <a:solidFill>
+                                          <a:schemeClr val="tx1"/>
+                                        </a:solidFill>
+                                        <a:latin typeface="Cambria Math"/>
+                                      </a:rPr>
+                                    </m:ctrlPr>
+                                  </m:dPr>
+                                  <m:e>
+                                    <m:r>
+                                      <a:rPr lang="de-DE" i="1">
+                                        <a:solidFill>
+                                          <a:schemeClr val="tx1"/>
+                                        </a:solidFill>
+                                        <a:latin typeface="Cambria Math"/>
+                                      </a:rPr>
+                                      <m:t>𝑣</m:t>
+                                    </m:r>
+                                  </m:e>
+                                </m:d>
+                                <m:r>
+                                  <a:rPr lang="de-DE" i="1">
+                                    <a:solidFill>
+                                      <a:schemeClr val="tx1"/>
+                                    </a:solidFill>
+                                    <a:latin typeface="Cambria Math"/>
+                                    <a:ea typeface="Cambria Math"/>
+                                  </a:rPr>
+                                  <m:t>∙</m:t>
+                                </m:r>
+                                <m:r>
+                                  <a:rPr lang="de-DE" b="0" i="1" smtClean="0">
+                                    <a:solidFill>
+                                      <a:schemeClr val="tx1"/>
+                                    </a:solidFill>
+                                    <a:latin typeface="Cambria Math"/>
+                                    <a:ea typeface="Cambria Math"/>
+                                  </a:rPr>
+                                  <m:t>𝑝</m:t>
+                                </m:r>
+                                <m:d>
+                                  <m:dPr>
+                                    <m:ctrlPr>
+                                      <a:rPr lang="de-DE" b="0" i="1" smtClean="0">
+                                        <a:solidFill>
+                                          <a:schemeClr val="tx1"/>
+                                        </a:solidFill>
+                                        <a:latin typeface="Cambria Math"/>
+                                        <a:ea typeface="Cambria Math"/>
+                                      </a:rPr>
+                                    </m:ctrlPr>
+                                  </m:dPr>
+                                  <m:e>
+                                    <m:r>
+                                      <a:rPr lang="de-DE" b="0" i="1" smtClean="0">
+                                        <a:solidFill>
+                                          <a:schemeClr val="tx1"/>
+                                        </a:solidFill>
+                                        <a:latin typeface="Cambria Math"/>
+                                        <a:ea typeface="Cambria Math"/>
+                                      </a:rPr>
+                                      <m:t>𝑣</m:t>
+                                    </m:r>
+                                  </m:e>
+                                </m:d>
+                              </m:e>
+                            </m:nary>
+                          </m:e>
+                        </m:d>
+                      </m:e>
+                    </m:d>
+                  </m:oMath>
+                </a14:m>
+                <a:r>
+                  <a:rPr kumimoji="0" lang="de-DE" b="0" i="0" u="none" strike="noStrike" cap="none" normalizeH="0" baseline="0" dirty="0" smtClean="0">
+                    <a:ln>
+                      <a:noFill/>
+                    </a:ln>
+                    <a:solidFill>
+                      <a:schemeClr val="tx1"/>
+                    </a:solidFill>
+                    <a:effectLst/>
+                    <a:latin typeface="Open Sans" panose="020B0606030504020204" pitchFamily="34" charset="0"/>
+                    <a:ea typeface="Open Sans" panose="020B0606030504020204" pitchFamily="34" charset="0"/>
+                    <a:cs typeface="Open Sans" panose="020B0606030504020204" pitchFamily="34" charset="0"/>
+                  </a:rPr>
+                  <a:t>  </a:t>
+                </a:r>
+                <a:endParaRPr kumimoji="0" lang="de-DE" b="0" i="0" u="none" strike="noStrike" cap="none" normalizeH="0" baseline="0" dirty="0" smtClean="0">
+                  <a:ln>
+                    <a:noFill/>
+                  </a:ln>
+                  <a:solidFill>
+                    <a:schemeClr val="tx1"/>
+                  </a:solidFill>
+                  <a:effectLst/>
+                  <a:latin typeface="Open Sans" panose="020B0606030504020204" pitchFamily="34" charset="0"/>
+                  <a:ea typeface="Open Sans" panose="020B0606030504020204" pitchFamily="34" charset="0"/>
+                  <a:cs typeface="Open Sans" panose="020B0606030504020204" pitchFamily="34" charset="0"/>
+                </a:endParaRPr>
+              </a:p>
+            </p:txBody>
+          </p:sp>
+        </mc:Choice>
+        <mc:Fallback>
+          <p:sp>
+            <p:nvSpPr>
+              <p:cNvPr id="21" name="Legende mit Linie 1 20"/>
+              <p:cNvSpPr>
+                <a:spLocks noRot="1" noChangeAspect="1" noMove="1" noResize="1" noEditPoints="1" noAdjustHandles="1" noChangeArrowheads="1" noChangeShapeType="1" noTextEdit="1"/>
+              </p:cNvSpPr>
+              <p:nvPr/>
+            </p:nvSpPr>
+            <p:spPr bwMode="auto">
+              <a:xfrm>
+                <a:off x="4984549" y="4746170"/>
+                <a:ext cx="4232022" cy="1277257"/>
+              </a:xfrm>
+              <a:prstGeom prst="borderCallout1">
+                <a:avLst>
+                  <a:gd name="adj1" fmla="val -13068"/>
+                  <a:gd name="adj2" fmla="val 73234"/>
+                  <a:gd name="adj3" fmla="val -122727"/>
+                  <a:gd name="adj4" fmla="val 63357"/>
+                </a:avLst>
+              </a:prstGeom>
+              <a:blipFill rotWithShape="1">
+                <a:blip r:embed="rId4"/>
+                <a:stretch>
+                  <a:fillRect/>
+                </a:stretch>
+              </a:blipFill>
+              <a:ln>
+                <a:headEnd type="none" w="med" len="med"/>
+                <a:tailEnd type="none" w="med" len="med"/>
+              </a:ln>
+            </p:spPr>
+            <p:txBody>
+              <a:bodyPr/>
+              <a:lstStyle/>
+              <a:p>
+                <a:r>
+                  <a:rPr lang="de-DE">
+                    <a:noFill/>
+                  </a:rPr>
+                  <a:t> </a:t>
+                </a:r>
+              </a:p>
+            </p:txBody>
+          </p:sp>
+        </mc:Fallback>
+      </mc:AlternateContent>
     </p:spTree>
     <p:extLst>
       <p:ext uri="{BB962C8B-B14F-4D97-AF65-F5344CB8AC3E}">
-        <p14:creationId xmlns:p14="http://schemas.microsoft.com/office/powerpoint/2010/main" val="1636183931"/>
+        <p14:creationId xmlns:p14="http://schemas.microsoft.com/office/powerpoint/2010/main" val="2595277740"/>
       </p:ext>
     </p:extLst>
   </p:cSld>

--- a/src/slides/resources/2017-03-31-JUG-Saxony-Workshop-de.pptx
+++ b/src/slides/resources/2017-03-31-JUG-Saxony-Workshop-de.pptx
@@ -4472,6 +4472,24 @@
                 <a:hlinkClick r:id="rId5"/>
               </a:rPr>
               <a:t>www.iconfinder.com/icons/63466/cloud_computing_data_center_datacenter_hosting_server_servers_icon#size=128</a:t>
+            </a:r>
+            <a:r>
+              <a:rPr lang="en-US" dirty="0" smtClean="0"/>
+              <a:t> </a:t>
+            </a:r>
+          </a:p>
+          <a:p>
+            <a:r>
+              <a:rPr lang="en-US" dirty="0">
+                <a:hlinkClick r:id="rId6"/>
+              </a:rPr>
+              <a:t>https://</a:t>
+            </a:r>
+            <a:r>
+              <a:rPr lang="en-US" dirty="0" smtClean="0">
+                <a:hlinkClick r:id="rId6"/>
+              </a:rPr>
+              <a:t>www.iconfinder.com/icons/290138/document_extension_file_format_paper_icon#size=128</a:t>
             </a:r>
             <a:r>
               <a:rPr lang="en-US" dirty="0" smtClean="0"/>
@@ -16040,7 +16058,7 @@
                   <a:tabLst/>
                 </a:pPr>
                 <a:r>
-                  <a:rPr kumimoji="0" lang="de-DE" b="0" i="0" u="none" strike="noStrike" cap="none" normalizeH="0" baseline="0" dirty="0" smtClean="0">
+                  <a:rPr kumimoji="0" lang="de-DE" b="0" i="0" u="none" strike="noStrike" cap="none" normalizeH="0" baseline="0" dirty="0" err="1" smtClean="0">
                     <a:ln>
                       <a:noFill/>
                     </a:ln>
@@ -16052,8 +16070,20 @@
                     <a:ea typeface="Open Sans" panose="020B0606030504020204" pitchFamily="34" charset="0"/>
                     <a:cs typeface="Open Sans" panose="020B0606030504020204" pitchFamily="34" charset="0"/>
                   </a:rPr>
-                  <a:t>mapToPair</a:t>
+                  <a:t>map</a:t>
                 </a:r>
+                <a:endParaRPr kumimoji="0" lang="de-DE" b="0" i="0" u="none" strike="noStrike" cap="none" normalizeH="0" baseline="0" dirty="0" smtClean="0">
+                  <a:ln>
+                    <a:noFill/>
+                  </a:ln>
+                  <a:solidFill>
+                    <a:schemeClr val="tx1"/>
+                  </a:solidFill>
+                  <a:effectLst/>
+                  <a:latin typeface="Open Sans" panose="020B0606030504020204" pitchFamily="34" charset="0"/>
+                  <a:ea typeface="Open Sans" panose="020B0606030504020204" pitchFamily="34" charset="0"/>
+                  <a:cs typeface="Open Sans" panose="020B0606030504020204" pitchFamily="34" charset="0"/>
+                </a:endParaRPr>
               </a:p>
               <a:p>
                 <a:pPr marL="0" marR="0" indent="0" algn="ctr" defTabSz="914400" rtl="0" eaLnBrk="1" fontAlgn="base" latinLnBrk="0" hangingPunct="1">
@@ -17238,13 +17268,13 @@
           <p:nvPr>
             <p:extLst>
               <p:ext uri="{D42A27DB-BD31-4B8C-83A1-F6EECF244321}">
-                <p14:modId xmlns:p14="http://schemas.microsoft.com/office/powerpoint/2010/main" val="3217539279"/>
+                <p14:modId xmlns:p14="http://schemas.microsoft.com/office/powerpoint/2010/main" val="592638869"/>
               </p:ext>
             </p:extLst>
           </p:nvPr>
         </p:nvGraphicFramePr>
         <p:xfrm>
-          <a:off x="580574" y="1218957"/>
+          <a:off x="566060" y="1291527"/>
           <a:ext cx="2756034" cy="1097280"/>
         </p:xfrm>
         <a:graphic>
@@ -17511,13 +17541,13 @@
           <p:nvPr>
             <p:extLst>
               <p:ext uri="{D42A27DB-BD31-4B8C-83A1-F6EECF244321}">
-                <p14:modId xmlns:p14="http://schemas.microsoft.com/office/powerpoint/2010/main" val="2148343838"/>
+                <p14:modId xmlns:p14="http://schemas.microsoft.com/office/powerpoint/2010/main" val="1053210208"/>
               </p:ext>
             </p:extLst>
           </p:nvPr>
         </p:nvGraphicFramePr>
         <p:xfrm>
-          <a:off x="580574" y="2819035"/>
+          <a:off x="566060" y="2891605"/>
           <a:ext cx="2756034" cy="1097280"/>
         </p:xfrm>
         <a:graphic>
@@ -17857,7 +17887,7 @@
                     <a:ea typeface="Open Sans" panose="020B0606030504020204" pitchFamily="34" charset="0"/>
                     <a:cs typeface="Open Sans" panose="020B0606030504020204" pitchFamily="34" charset="0"/>
                   </a:rPr>
-                  <a:t>mapToPair</a:t>
+                  <a:t>map</a:t>
                 </a:r>
               </a:p>
               <a:p>
@@ -17966,6 +17996,66 @@
                           </m:ctrlPr>
                         </m:dPr>
                         <m:e>
+                          <m:r>
+                            <a:rPr kumimoji="0" lang="de-DE" b="0" i="1" u="none" strike="noStrike" cap="none" normalizeH="0" baseline="0" smtClean="0">
+                              <a:ln>
+                                <a:noFill/>
+                              </a:ln>
+                              <a:solidFill>
+                                <a:schemeClr val="tx1"/>
+                              </a:solidFill>
+                              <a:effectLst/>
+                              <a:latin typeface="Cambria Math"/>
+                              <a:ea typeface="Open Sans" panose="020B0606030504020204" pitchFamily="34" charset="0"/>
+                              <a:cs typeface="Open Sans" panose="020B0606030504020204" pitchFamily="34" charset="0"/>
+                            </a:rPr>
+                            <m:t>𝑔</m:t>
+                          </m:r>
+                          <m:r>
+                            <a:rPr kumimoji="0" lang="de-DE" b="0" i="1" u="none" strike="noStrike" cap="none" normalizeH="0" baseline="0" smtClean="0">
+                              <a:ln>
+                                <a:noFill/>
+                              </a:ln>
+                              <a:solidFill>
+                                <a:schemeClr val="tx1"/>
+                              </a:solidFill>
+                              <a:effectLst/>
+                              <a:latin typeface="Cambria Math"/>
+                              <a:ea typeface="Open Sans" panose="020B0606030504020204" pitchFamily="34" charset="0"/>
+                              <a:cs typeface="Open Sans" panose="020B0606030504020204" pitchFamily="34" charset="0"/>
+                            </a:rPr>
+                            <m:t>(</m:t>
+                          </m:r>
+                          <m:r>
+                            <a:rPr kumimoji="0" lang="de-DE" b="0" i="1" u="none" strike="noStrike" cap="none" normalizeH="0" baseline="0" smtClean="0">
+                              <a:ln>
+                                <a:noFill/>
+                              </a:ln>
+                              <a:solidFill>
+                                <a:schemeClr val="tx1"/>
+                              </a:solidFill>
+                              <a:effectLst/>
+                              <a:latin typeface="Cambria Math"/>
+                              <a:ea typeface="Open Sans" panose="020B0606030504020204" pitchFamily="34" charset="0"/>
+                              <a:cs typeface="Open Sans" panose="020B0606030504020204" pitchFamily="34" charset="0"/>
+                            </a:rPr>
+                            <m:t>𝑣</m:t>
+                          </m:r>
+                          <m:r>
+                            <a:rPr kumimoji="0" lang="de-DE" b="0" i="1" u="none" strike="noStrike" cap="none" normalizeH="0" baseline="0" smtClean="0">
+                              <a:ln>
+                                <a:noFill/>
+                              </a:ln>
+                              <a:solidFill>
+                                <a:schemeClr val="tx1"/>
+                              </a:solidFill>
+                              <a:effectLst/>
+                              <a:latin typeface="Cambria Math"/>
+                              <a:ea typeface="Open Sans" panose="020B0606030504020204" pitchFamily="34" charset="0"/>
+                              <a:cs typeface="Open Sans" panose="020B0606030504020204" pitchFamily="34" charset="0"/>
+                            </a:rPr>
+                            <m:t>),</m:t>
+                          </m:r>
                           <m:d>
                             <m:dPr>
                               <m:ctrlPr>
@@ -18047,93 +18137,8 @@
                                   <a:ea typeface="Open Sans" panose="020B0606030504020204" pitchFamily="34" charset="0"/>
                                   <a:cs typeface="Open Sans" panose="020B0606030504020204" pitchFamily="34" charset="0"/>
                                 </a:rPr>
-                                <m:t>,</m:t>
+                                <m:t>, </m:t>
                               </m:r>
-                              <m:r>
-                                <a:rPr kumimoji="0" lang="de-DE" b="0" i="1" u="none" strike="noStrike" cap="none" normalizeH="0" baseline="0" smtClean="0">
-                                  <a:ln>
-                                    <a:noFill/>
-                                  </a:ln>
-                                  <a:solidFill>
-                                    <a:schemeClr val="tx1"/>
-                                  </a:solidFill>
-                                  <a:effectLst/>
-                                  <a:latin typeface="Cambria Math"/>
-                                  <a:ea typeface="Open Sans" panose="020B0606030504020204" pitchFamily="34" charset="0"/>
-                                  <a:cs typeface="Open Sans" panose="020B0606030504020204" pitchFamily="34" charset="0"/>
-                                </a:rPr>
-                                <m:t>𝑔</m:t>
-                              </m:r>
-                              <m:d>
-                                <m:dPr>
-                                  <m:ctrlPr>
-                                    <a:rPr kumimoji="0" lang="de-DE" b="0" i="1" u="none" strike="noStrike" cap="none" normalizeH="0" baseline="0" smtClean="0">
-                                      <a:ln>
-                                        <a:noFill/>
-                                      </a:ln>
-                                      <a:solidFill>
-                                        <a:schemeClr val="tx1"/>
-                                      </a:solidFill>
-                                      <a:effectLst/>
-                                      <a:latin typeface="Cambria Math"/>
-                                      <a:ea typeface="Open Sans" panose="020B0606030504020204" pitchFamily="34" charset="0"/>
-                                      <a:cs typeface="Open Sans" panose="020B0606030504020204" pitchFamily="34" charset="0"/>
-                                    </a:rPr>
-                                  </m:ctrlPr>
-                                </m:dPr>
-                                <m:e>
-                                  <m:r>
-                                    <a:rPr kumimoji="0" lang="de-DE" b="0" i="1" u="none" strike="noStrike" cap="none" normalizeH="0" baseline="0" smtClean="0">
-                                      <a:ln>
-                                        <a:noFill/>
-                                      </a:ln>
-                                      <a:solidFill>
-                                        <a:schemeClr val="tx1"/>
-                                      </a:solidFill>
-                                      <a:effectLst/>
-                                      <a:latin typeface="Cambria Math"/>
-                                      <a:ea typeface="Open Sans" panose="020B0606030504020204" pitchFamily="34" charset="0"/>
-                                      <a:cs typeface="Open Sans" panose="020B0606030504020204" pitchFamily="34" charset="0"/>
-                                    </a:rPr>
-                                    <m:t>𝑣</m:t>
-                                  </m:r>
-                                </m:e>
-                              </m:d>
-                            </m:e>
-                          </m:d>
-                          <m:r>
-                            <a:rPr kumimoji="0" lang="de-DE" b="0" i="1" u="none" strike="noStrike" cap="none" normalizeH="0" baseline="0" smtClean="0">
-                              <a:ln>
-                                <a:noFill/>
-                              </a:ln>
-                              <a:solidFill>
-                                <a:schemeClr val="tx1"/>
-                              </a:solidFill>
-                              <a:effectLst/>
-                              <a:latin typeface="Cambria Math"/>
-                              <a:ea typeface="Open Sans" panose="020B0606030504020204" pitchFamily="34" charset="0"/>
-                              <a:cs typeface="Open Sans" panose="020B0606030504020204" pitchFamily="34" charset="0"/>
-                            </a:rPr>
-                            <m:t>,</m:t>
-                          </m:r>
-                          <m:d>
-                            <m:dPr>
-                              <m:ctrlPr>
-                                <a:rPr kumimoji="0" lang="de-DE" b="0" i="1" u="none" strike="noStrike" cap="none" normalizeH="0" baseline="0" smtClean="0">
-                                  <a:ln>
-                                    <a:noFill/>
-                                  </a:ln>
-                                  <a:solidFill>
-                                    <a:schemeClr val="tx1"/>
-                                  </a:solidFill>
-                                  <a:effectLst/>
-                                  <a:latin typeface="Cambria Math"/>
-                                  <a:ea typeface="Open Sans" panose="020B0606030504020204" pitchFamily="34" charset="0"/>
-                                  <a:cs typeface="Open Sans" panose="020B0606030504020204" pitchFamily="34" charset="0"/>
-                                </a:rPr>
-                              </m:ctrlPr>
-                            </m:dPr>
-                            <m:e>
                               <m:r>
                                 <a:rPr kumimoji="0" lang="de-DE" b="0" i="1" u="none" strike="noStrike" cap="none" normalizeH="0" baseline="0" smtClean="0">
                                   <a:ln>
@@ -18320,660 +18325,1840 @@
           </p:sp>
         </mc:Fallback>
       </mc:AlternateContent>
-      <mc:AlternateContent xmlns:mc="http://schemas.openxmlformats.org/markup-compatibility/2006">
-        <mc:Choice xmlns:a14="http://schemas.microsoft.com/office/drawing/2010/main" Requires="a14">
-          <p:sp>
-            <p:nvSpPr>
-              <p:cNvPr id="21" name="Legende mit Linie 1 20"/>
-              <p:cNvSpPr/>
-              <p:nvPr/>
-            </p:nvSpPr>
-            <p:spPr bwMode="auto">
-              <a:xfrm>
-                <a:off x="4984549" y="4746170"/>
-                <a:ext cx="4232022" cy="1277257"/>
-              </a:xfrm>
-              <a:prstGeom prst="borderCallout1">
-                <a:avLst>
-                  <a:gd name="adj1" fmla="val -13068"/>
-                  <a:gd name="adj2" fmla="val 73234"/>
-                  <a:gd name="adj3" fmla="val -122727"/>
-                  <a:gd name="adj4" fmla="val 63357"/>
-                </a:avLst>
-              </a:prstGeom>
+      <p:graphicFrame>
+        <p:nvGraphicFramePr>
+          <p:cNvPr id="13" name="Tabelle 12"/>
+          <p:cNvGraphicFramePr>
+            <a:graphicFrameLocks noGrp="1"/>
+          </p:cNvGraphicFramePr>
+          <p:nvPr>
+            <p:extLst>
+              <p:ext uri="{D42A27DB-BD31-4B8C-83A1-F6EECF244321}">
+                <p14:modId xmlns:p14="http://schemas.microsoft.com/office/powerpoint/2010/main" val="3369165931"/>
+              </p:ext>
+            </p:extLst>
+          </p:nvPr>
+        </p:nvGraphicFramePr>
+        <p:xfrm>
+          <a:off x="4576750" y="1291527"/>
+          <a:ext cx="2564273" cy="1097280"/>
+        </p:xfrm>
+        <a:graphic>
+          <a:graphicData uri="http://schemas.openxmlformats.org/drawingml/2006/table">
+            <a:tbl>
+              <a:tblPr firstCol="1" bandRow="1">
+                <a:tableStyleId>{93296810-A885-4BE3-A3E7-6D5BEEA58F35}</a:tableStyleId>
+              </a:tblPr>
+              <a:tblGrid>
+                <a:gridCol w="306178"/>
+                <a:gridCol w="1067925"/>
+                <a:gridCol w="390551"/>
+                <a:gridCol w="799619"/>
+              </a:tblGrid>
+              <a:tr h="0">
+                <a:tc>
+                  <a:txBody>
+                    <a:bodyPr/>
+                    <a:lstStyle/>
+                    <a:p>
+                      <a:r>
+                        <a:rPr lang="de-DE" sz="1200" dirty="0" smtClean="0"/>
+                        <a:t>S</a:t>
+                      </a:r>
+                      <a:endParaRPr lang="de-DE" sz="1200" dirty="0"/>
+                    </a:p>
+                  </a:txBody>
+                  <a:tcPr/>
+                </a:tc>
+                <a:tc>
+                  <a:txBody>
+                    <a:bodyPr/>
+                    <a:lstStyle/>
+                    <a:p>
+                      <a:r>
+                        <a:rPr lang="de-DE" sz="1200" dirty="0" err="1" smtClean="0"/>
+                        <a:t>Galaxy</a:t>
+                      </a:r>
+                      <a:r>
+                        <a:rPr lang="de-DE" sz="1200" dirty="0" smtClean="0"/>
+                        <a:t> J3</a:t>
+                      </a:r>
+                    </a:p>
+                  </a:txBody>
+                  <a:tcPr/>
+                </a:tc>
+                <a:tc>
+                  <a:txBody>
+                    <a:bodyPr/>
+                    <a:lstStyle/>
+                    <a:p>
+                      <a:pPr algn="r"/>
+                      <a:r>
+                        <a:rPr lang="de-DE" sz="1200" dirty="0" smtClean="0"/>
+                        <a:t>5</a:t>
+                      </a:r>
+                      <a:endParaRPr lang="de-DE" sz="1200" dirty="0"/>
+                    </a:p>
+                  </a:txBody>
+                  <a:tcPr/>
+                </a:tc>
+                <a:tc>
+                  <a:txBody>
+                    <a:bodyPr/>
+                    <a:lstStyle/>
+                    <a:p>
+                      <a:pPr algn="r"/>
+                      <a:r>
+                        <a:rPr lang="de-DE" sz="1200" dirty="0" smtClean="0"/>
+                        <a:t>750€</a:t>
+                      </a:r>
+                      <a:endParaRPr lang="de-DE" sz="1200" dirty="0"/>
+                    </a:p>
+                  </a:txBody>
+                  <a:tcPr/>
+                </a:tc>
+              </a:tr>
+              <a:tr h="0">
+                <a:tc>
+                  <a:txBody>
+                    <a:bodyPr/>
+                    <a:lstStyle/>
+                    <a:p>
+                      <a:pPr marL="0" marR="0" indent="0" algn="l" defTabSz="914400" rtl="0" eaLnBrk="1" fontAlgn="auto" latinLnBrk="0" hangingPunct="1">
+                        <a:lnSpc>
+                          <a:spcPct val="100000"/>
+                        </a:lnSpc>
+                        <a:spcBef>
+                          <a:spcPts val="0"/>
+                        </a:spcBef>
+                        <a:spcAft>
+                          <a:spcPts val="0"/>
+                        </a:spcAft>
+                        <a:buClrTx/>
+                        <a:buSzTx/>
+                        <a:buFontTx/>
+                        <a:buNone/>
+                        <a:tabLst/>
+                        <a:defRPr/>
+                      </a:pPr>
+                      <a:r>
+                        <a:rPr lang="de-DE" sz="1200" dirty="0" smtClean="0"/>
+                        <a:t>F</a:t>
+                      </a:r>
+                    </a:p>
+                  </a:txBody>
+                  <a:tcPr/>
+                </a:tc>
+                <a:tc>
+                  <a:txBody>
+                    <a:bodyPr/>
+                    <a:lstStyle/>
+                    <a:p>
+                      <a:pPr marL="0" marR="0" indent="0" algn="l" defTabSz="914400" rtl="0" eaLnBrk="1" fontAlgn="auto" latinLnBrk="0" hangingPunct="1">
+                        <a:lnSpc>
+                          <a:spcPct val="100000"/>
+                        </a:lnSpc>
+                        <a:spcBef>
+                          <a:spcPts val="0"/>
+                        </a:spcBef>
+                        <a:spcAft>
+                          <a:spcPts val="0"/>
+                        </a:spcAft>
+                        <a:buClrTx/>
+                        <a:buSzTx/>
+                        <a:buFontTx/>
+                        <a:buNone/>
+                        <a:tabLst/>
+                        <a:defRPr/>
+                      </a:pPr>
+                      <a:r>
+                        <a:rPr lang="de-DE" sz="1200" dirty="0" smtClean="0"/>
+                        <a:t>J6289</a:t>
+                      </a:r>
+                    </a:p>
+                  </a:txBody>
+                  <a:tcPr/>
+                </a:tc>
+                <a:tc>
+                  <a:txBody>
+                    <a:bodyPr/>
+                    <a:lstStyle/>
+                    <a:p>
+                      <a:pPr algn="r"/>
+                      <a:r>
+                        <a:rPr lang="de-DE" sz="1200" dirty="0" smtClean="0"/>
+                        <a:t>8</a:t>
+                      </a:r>
+                      <a:endParaRPr lang="de-DE" sz="1200" dirty="0"/>
+                    </a:p>
+                  </a:txBody>
+                  <a:tcPr/>
+                </a:tc>
+                <a:tc>
+                  <a:txBody>
+                    <a:bodyPr/>
+                    <a:lstStyle/>
+                    <a:p>
+                      <a:pPr algn="r"/>
+                      <a:r>
+                        <a:rPr lang="de-DE" sz="1200" dirty="0" smtClean="0"/>
+                        <a:t>3.200€</a:t>
+                      </a:r>
+                      <a:endParaRPr lang="de-DE" sz="1200" dirty="0"/>
+                    </a:p>
+                  </a:txBody>
+                  <a:tcPr/>
+                </a:tc>
+              </a:tr>
+              <a:tr h="0">
+                <a:tc>
+                  <a:txBody>
+                    <a:bodyPr/>
+                    <a:lstStyle/>
+                    <a:p>
+                      <a:pPr marL="0" marR="0" indent="0" algn="l" defTabSz="914400" rtl="0" eaLnBrk="1" fontAlgn="auto" latinLnBrk="0" hangingPunct="1">
+                        <a:lnSpc>
+                          <a:spcPct val="100000"/>
+                        </a:lnSpc>
+                        <a:spcBef>
+                          <a:spcPts val="0"/>
+                        </a:spcBef>
+                        <a:spcAft>
+                          <a:spcPts val="0"/>
+                        </a:spcAft>
+                        <a:buClrTx/>
+                        <a:buSzTx/>
+                        <a:buFontTx/>
+                        <a:buNone/>
+                        <a:tabLst/>
+                        <a:defRPr/>
+                      </a:pPr>
+                      <a:r>
+                        <a:rPr lang="de-DE" sz="1200" dirty="0" smtClean="0"/>
+                        <a:t>F</a:t>
+                      </a:r>
+                    </a:p>
+                  </a:txBody>
+                  <a:tcPr/>
+                </a:tc>
+                <a:tc>
+                  <a:txBody>
+                    <a:bodyPr/>
+                    <a:lstStyle/>
+                    <a:p>
+                      <a:pPr marL="0" marR="0" indent="0" algn="l" defTabSz="914400" rtl="0" eaLnBrk="1" fontAlgn="auto" latinLnBrk="0" hangingPunct="1">
+                        <a:lnSpc>
+                          <a:spcPct val="100000"/>
+                        </a:lnSpc>
+                        <a:spcBef>
+                          <a:spcPts val="0"/>
+                        </a:spcBef>
+                        <a:spcAft>
+                          <a:spcPts val="0"/>
+                        </a:spcAft>
+                        <a:buClrTx/>
+                        <a:buSzTx/>
+                        <a:buFontTx/>
+                        <a:buNone/>
+                        <a:tabLst/>
+                        <a:defRPr/>
+                      </a:pPr>
+                      <a:r>
+                        <a:rPr lang="de-DE" sz="1200" dirty="0" smtClean="0"/>
+                        <a:t>KU6519</a:t>
+                      </a:r>
+                    </a:p>
+                  </a:txBody>
+                  <a:tcPr/>
+                </a:tc>
+                <a:tc>
+                  <a:txBody>
+                    <a:bodyPr/>
+                    <a:lstStyle/>
+                    <a:p>
+                      <a:pPr algn="r"/>
+                      <a:r>
+                        <a:rPr lang="de-DE" sz="1200" dirty="0" smtClean="0"/>
+                        <a:t>12</a:t>
+                      </a:r>
+                      <a:endParaRPr lang="de-DE" sz="1200" dirty="0"/>
+                    </a:p>
+                  </a:txBody>
+                  <a:tcPr/>
+                </a:tc>
+                <a:tc>
+                  <a:txBody>
+                    <a:bodyPr/>
+                    <a:lstStyle/>
+                    <a:p>
+                      <a:pPr algn="r"/>
+                      <a:r>
+                        <a:rPr lang="de-DE" sz="1200" dirty="0" smtClean="0"/>
+                        <a:t>10.800€</a:t>
+                      </a:r>
+                      <a:endParaRPr lang="de-DE" sz="1200" dirty="0"/>
+                    </a:p>
+                  </a:txBody>
+                  <a:tcPr/>
+                </a:tc>
+              </a:tr>
+              <a:tr h="0">
+                <a:tc>
+                  <a:txBody>
+                    <a:bodyPr/>
+                    <a:lstStyle/>
+                    <a:p>
+                      <a:pPr marL="0" marR="0" indent="0" algn="l" defTabSz="914400" rtl="0" eaLnBrk="1" fontAlgn="auto" latinLnBrk="0" hangingPunct="1">
+                        <a:lnSpc>
+                          <a:spcPct val="100000"/>
+                        </a:lnSpc>
+                        <a:spcBef>
+                          <a:spcPts val="0"/>
+                        </a:spcBef>
+                        <a:spcAft>
+                          <a:spcPts val="0"/>
+                        </a:spcAft>
+                        <a:buClrTx/>
+                        <a:buSzTx/>
+                        <a:buFontTx/>
+                        <a:buNone/>
+                        <a:tabLst/>
+                        <a:defRPr/>
+                      </a:pPr>
+                      <a:r>
+                        <a:rPr lang="de-DE" sz="1200" dirty="0" smtClean="0"/>
+                        <a:t>F</a:t>
+                      </a:r>
+                    </a:p>
+                  </a:txBody>
+                  <a:tcPr/>
+                </a:tc>
+                <a:tc>
+                  <a:txBody>
+                    <a:bodyPr/>
+                    <a:lstStyle/>
+                    <a:p>
+                      <a:pPr marL="0" marR="0" indent="0" algn="l" defTabSz="914400" rtl="0" eaLnBrk="1" fontAlgn="auto" latinLnBrk="0" hangingPunct="1">
+                        <a:lnSpc>
+                          <a:spcPct val="100000"/>
+                        </a:lnSpc>
+                        <a:spcBef>
+                          <a:spcPts val="0"/>
+                        </a:spcBef>
+                        <a:spcAft>
+                          <a:spcPts val="0"/>
+                        </a:spcAft>
+                        <a:buClrTx/>
+                        <a:buSzTx/>
+                        <a:buFontTx/>
+                        <a:buNone/>
+                        <a:tabLst/>
+                        <a:defRPr/>
+                      </a:pPr>
+                      <a:r>
+                        <a:rPr lang="de-DE" sz="1200" dirty="0" smtClean="0"/>
+                        <a:t>LT-40VF43A</a:t>
+                      </a:r>
+                    </a:p>
+                  </a:txBody>
+                  <a:tcPr/>
+                </a:tc>
+                <a:tc>
+                  <a:txBody>
+                    <a:bodyPr/>
+                    <a:lstStyle/>
+                    <a:p>
+                      <a:pPr algn="r"/>
+                      <a:r>
+                        <a:rPr lang="de-DE" sz="1200" dirty="0" smtClean="0"/>
+                        <a:t>5</a:t>
+                      </a:r>
+                      <a:endParaRPr lang="de-DE" sz="1200" dirty="0"/>
+                    </a:p>
+                  </a:txBody>
+                  <a:tcPr/>
+                </a:tc>
+                <a:tc>
+                  <a:txBody>
+                    <a:bodyPr/>
+                    <a:lstStyle/>
+                    <a:p>
+                      <a:pPr algn="r"/>
+                      <a:r>
+                        <a:rPr lang="de-DE" sz="1200" dirty="0" smtClean="0"/>
+                        <a:t>1.520€</a:t>
+                      </a:r>
+                      <a:endParaRPr lang="de-DE" sz="1200" dirty="0"/>
+                    </a:p>
+                  </a:txBody>
+                  <a:tcPr/>
+                </a:tc>
+              </a:tr>
+            </a:tbl>
+          </a:graphicData>
+        </a:graphic>
+      </p:graphicFrame>
+      <p:graphicFrame>
+        <p:nvGraphicFramePr>
+          <p:cNvPr id="22" name="Tabelle 21"/>
+          <p:cNvGraphicFramePr>
+            <a:graphicFrameLocks noGrp="1"/>
+          </p:cNvGraphicFramePr>
+          <p:nvPr>
+            <p:extLst>
+              <p:ext uri="{D42A27DB-BD31-4B8C-83A1-F6EECF244321}">
+                <p14:modId xmlns:p14="http://schemas.microsoft.com/office/powerpoint/2010/main" val="3266815878"/>
+              </p:ext>
+            </p:extLst>
+          </p:nvPr>
+        </p:nvGraphicFramePr>
+        <p:xfrm>
+          <a:off x="4576750" y="2891605"/>
+          <a:ext cx="2564273" cy="1097280"/>
+        </p:xfrm>
+        <a:graphic>
+          <a:graphicData uri="http://schemas.openxmlformats.org/drawingml/2006/table">
+            <a:tbl>
+              <a:tblPr firstCol="1" bandRow="1">
+                <a:tableStyleId>{93296810-A885-4BE3-A3E7-6D5BEEA58F35}</a:tableStyleId>
+              </a:tblPr>
+              <a:tblGrid>
+                <a:gridCol w="279168"/>
+                <a:gridCol w="1022363"/>
+                <a:gridCol w="449618"/>
+                <a:gridCol w="813124"/>
+              </a:tblGrid>
+              <a:tr h="0">
+                <a:tc>
+                  <a:txBody>
+                    <a:bodyPr/>
+                    <a:lstStyle/>
+                    <a:p>
+                      <a:r>
+                        <a:rPr lang="de-DE" sz="1200" dirty="0" smtClean="0"/>
+                        <a:t>S</a:t>
+                      </a:r>
+                    </a:p>
+                  </a:txBody>
+                  <a:tcPr/>
+                </a:tc>
+                <a:tc>
+                  <a:txBody>
+                    <a:bodyPr/>
+                    <a:lstStyle/>
+                    <a:p>
+                      <a:r>
+                        <a:rPr lang="de-DE" sz="1200" dirty="0" smtClean="0"/>
+                        <a:t>Moto G4</a:t>
+                      </a:r>
+                    </a:p>
+                  </a:txBody>
+                  <a:tcPr/>
+                </a:tc>
+                <a:tc>
+                  <a:txBody>
+                    <a:bodyPr/>
+                    <a:lstStyle/>
+                    <a:p>
+                      <a:pPr algn="r"/>
+                      <a:r>
+                        <a:rPr lang="de-DE" sz="1200" dirty="0" smtClean="0"/>
+                        <a:t>7</a:t>
+                      </a:r>
+                      <a:endParaRPr lang="de-DE" sz="1200" dirty="0"/>
+                    </a:p>
+                  </a:txBody>
+                  <a:tcPr/>
+                </a:tc>
+                <a:tc>
+                  <a:txBody>
+                    <a:bodyPr/>
+                    <a:lstStyle/>
+                    <a:p>
+                      <a:pPr algn="r"/>
+                      <a:r>
+                        <a:rPr lang="de-DE" sz="1200" dirty="0" smtClean="0"/>
+                        <a:t>1120€</a:t>
+                      </a:r>
+                      <a:endParaRPr lang="de-DE" sz="1200" dirty="0"/>
+                    </a:p>
+                  </a:txBody>
+                  <a:tcPr/>
+                </a:tc>
+              </a:tr>
+              <a:tr h="0">
+                <a:tc>
+                  <a:txBody>
+                    <a:bodyPr/>
+                    <a:lstStyle/>
+                    <a:p>
+                      <a:pPr marL="0" marR="0" indent="0" algn="l" defTabSz="914400" rtl="0" eaLnBrk="1" fontAlgn="auto" latinLnBrk="0" hangingPunct="1">
+                        <a:lnSpc>
+                          <a:spcPct val="100000"/>
+                        </a:lnSpc>
+                        <a:spcBef>
+                          <a:spcPts val="0"/>
+                        </a:spcBef>
+                        <a:spcAft>
+                          <a:spcPts val="0"/>
+                        </a:spcAft>
+                        <a:buClrTx/>
+                        <a:buSzTx/>
+                        <a:buFontTx/>
+                        <a:buNone/>
+                        <a:tabLst/>
+                        <a:defRPr/>
+                      </a:pPr>
+                      <a:r>
+                        <a:rPr lang="de-DE" sz="1200" dirty="0" smtClean="0"/>
+                        <a:t>K</a:t>
+                      </a:r>
+                    </a:p>
+                  </a:txBody>
+                  <a:tcPr/>
+                </a:tc>
+                <a:tc>
+                  <a:txBody>
+                    <a:bodyPr/>
+                    <a:lstStyle/>
+                    <a:p>
+                      <a:pPr marL="0" marR="0" indent="0" algn="l" defTabSz="914400" rtl="0" eaLnBrk="1" fontAlgn="auto" latinLnBrk="0" hangingPunct="1">
+                        <a:lnSpc>
+                          <a:spcPct val="100000"/>
+                        </a:lnSpc>
+                        <a:spcBef>
+                          <a:spcPts val="0"/>
+                        </a:spcBef>
+                        <a:spcAft>
+                          <a:spcPts val="0"/>
+                        </a:spcAft>
+                        <a:buClrTx/>
+                        <a:buSzTx/>
+                        <a:buFontTx/>
+                        <a:buNone/>
+                        <a:tabLst/>
+                        <a:defRPr/>
+                      </a:pPr>
+                      <a:r>
+                        <a:rPr lang="de-DE" sz="1200" dirty="0" smtClean="0"/>
+                        <a:t>USB 1,5m</a:t>
+                      </a:r>
+                    </a:p>
+                  </a:txBody>
+                  <a:tcPr/>
+                </a:tc>
+                <a:tc>
+                  <a:txBody>
+                    <a:bodyPr/>
+                    <a:lstStyle/>
+                    <a:p>
+                      <a:pPr algn="r"/>
+                      <a:r>
+                        <a:rPr lang="de-DE" sz="1200" dirty="0" smtClean="0"/>
+                        <a:t>350</a:t>
+                      </a:r>
+                      <a:endParaRPr lang="de-DE" sz="1200" dirty="0"/>
+                    </a:p>
+                  </a:txBody>
+                  <a:tcPr/>
+                </a:tc>
+                <a:tc>
+                  <a:txBody>
+                    <a:bodyPr/>
+                    <a:lstStyle/>
+                    <a:p>
+                      <a:pPr algn="r"/>
+                      <a:r>
+                        <a:rPr lang="de-DE" sz="1200" dirty="0" smtClean="0"/>
+                        <a:t>1.600€</a:t>
+                      </a:r>
+                      <a:endParaRPr lang="de-DE" sz="1200" dirty="0"/>
+                    </a:p>
+                  </a:txBody>
+                  <a:tcPr/>
+                </a:tc>
+              </a:tr>
+              <a:tr h="0">
+                <a:tc>
+                  <a:txBody>
+                    <a:bodyPr/>
+                    <a:lstStyle/>
+                    <a:p>
+                      <a:pPr marL="0" marR="0" indent="0" algn="l" defTabSz="914400" rtl="0" eaLnBrk="1" fontAlgn="auto" latinLnBrk="0" hangingPunct="1">
+                        <a:lnSpc>
+                          <a:spcPct val="100000"/>
+                        </a:lnSpc>
+                        <a:spcBef>
+                          <a:spcPts val="0"/>
+                        </a:spcBef>
+                        <a:spcAft>
+                          <a:spcPts val="0"/>
+                        </a:spcAft>
+                        <a:buClrTx/>
+                        <a:buSzTx/>
+                        <a:buFontTx/>
+                        <a:buNone/>
+                        <a:tabLst/>
+                        <a:defRPr/>
+                      </a:pPr>
+                      <a:r>
+                        <a:rPr lang="de-DE" sz="1200" dirty="0" smtClean="0"/>
+                        <a:t>K</a:t>
+                      </a:r>
+                    </a:p>
+                  </a:txBody>
+                  <a:tcPr/>
+                </a:tc>
+                <a:tc>
+                  <a:txBody>
+                    <a:bodyPr/>
+                    <a:lstStyle/>
+                    <a:p>
+                      <a:pPr marL="0" marR="0" indent="0" algn="l" defTabSz="914400" rtl="0" eaLnBrk="1" fontAlgn="auto" latinLnBrk="0" hangingPunct="1">
+                        <a:lnSpc>
+                          <a:spcPct val="100000"/>
+                        </a:lnSpc>
+                        <a:spcBef>
+                          <a:spcPts val="0"/>
+                        </a:spcBef>
+                        <a:spcAft>
+                          <a:spcPts val="0"/>
+                        </a:spcAft>
+                        <a:buClrTx/>
+                        <a:buSzTx/>
+                        <a:buFontTx/>
+                        <a:buNone/>
+                        <a:tabLst/>
+                        <a:defRPr/>
+                      </a:pPr>
+                      <a:r>
+                        <a:rPr lang="de-DE" sz="1200" dirty="0" smtClean="0"/>
+                        <a:t>USB</a:t>
+                      </a:r>
+                      <a:r>
+                        <a:rPr lang="de-DE" sz="1200" baseline="0" dirty="0" smtClean="0"/>
+                        <a:t> 3m</a:t>
+                      </a:r>
+                      <a:endParaRPr lang="de-DE" sz="1200" dirty="0" smtClean="0"/>
+                    </a:p>
+                  </a:txBody>
+                  <a:tcPr/>
+                </a:tc>
+                <a:tc>
+                  <a:txBody>
+                    <a:bodyPr/>
+                    <a:lstStyle/>
+                    <a:p>
+                      <a:pPr algn="r"/>
+                      <a:r>
+                        <a:rPr lang="de-DE" sz="1200" dirty="0" smtClean="0"/>
+                        <a:t>35</a:t>
+                      </a:r>
+                      <a:endParaRPr lang="de-DE" sz="1200" dirty="0"/>
+                    </a:p>
+                  </a:txBody>
+                  <a:tcPr/>
+                </a:tc>
+                <a:tc>
+                  <a:txBody>
+                    <a:bodyPr/>
+                    <a:lstStyle/>
+                    <a:p>
+                      <a:pPr algn="r"/>
+                      <a:r>
+                        <a:rPr lang="de-DE" sz="1200" dirty="0" smtClean="0"/>
+                        <a:t>210€</a:t>
+                      </a:r>
+                      <a:endParaRPr lang="de-DE" sz="1200" dirty="0"/>
+                    </a:p>
+                  </a:txBody>
+                  <a:tcPr/>
+                </a:tc>
+              </a:tr>
+              <a:tr h="0">
+                <a:tc>
+                  <a:txBody>
+                    <a:bodyPr/>
+                    <a:lstStyle/>
+                    <a:p>
+                      <a:pPr marL="0" marR="0" indent="0" algn="l" defTabSz="914400" rtl="0" eaLnBrk="1" fontAlgn="auto" latinLnBrk="0" hangingPunct="1">
+                        <a:lnSpc>
+                          <a:spcPct val="100000"/>
+                        </a:lnSpc>
+                        <a:spcBef>
+                          <a:spcPts val="0"/>
+                        </a:spcBef>
+                        <a:spcAft>
+                          <a:spcPts val="0"/>
+                        </a:spcAft>
+                        <a:buClrTx/>
+                        <a:buSzTx/>
+                        <a:buFontTx/>
+                        <a:buNone/>
+                        <a:tabLst/>
+                        <a:defRPr/>
+                      </a:pPr>
+                      <a:r>
+                        <a:rPr lang="de-DE" sz="1200" dirty="0" smtClean="0"/>
+                        <a:t>S</a:t>
+                      </a:r>
+                    </a:p>
+                  </a:txBody>
+                  <a:tcPr/>
+                </a:tc>
+                <a:tc>
+                  <a:txBody>
+                    <a:bodyPr/>
+                    <a:lstStyle/>
+                    <a:p>
+                      <a:pPr marL="0" marR="0" indent="0" algn="l" defTabSz="914400" rtl="0" eaLnBrk="1" fontAlgn="auto" latinLnBrk="0" hangingPunct="1">
+                        <a:lnSpc>
+                          <a:spcPct val="100000"/>
+                        </a:lnSpc>
+                        <a:spcBef>
+                          <a:spcPts val="0"/>
+                        </a:spcBef>
+                        <a:spcAft>
+                          <a:spcPts val="0"/>
+                        </a:spcAft>
+                        <a:buClrTx/>
+                        <a:buSzTx/>
+                        <a:buFontTx/>
+                        <a:buNone/>
+                        <a:tabLst/>
+                        <a:defRPr/>
+                      </a:pPr>
+                      <a:r>
+                        <a:rPr lang="de-DE" sz="1200" dirty="0" err="1" smtClean="0"/>
+                        <a:t>Xperia</a:t>
+                      </a:r>
+                      <a:r>
+                        <a:rPr lang="de-DE" sz="1200" dirty="0" smtClean="0"/>
+                        <a:t> E5</a:t>
+                      </a:r>
+                    </a:p>
+                  </a:txBody>
+                  <a:tcPr/>
+                </a:tc>
+                <a:tc>
+                  <a:txBody>
+                    <a:bodyPr/>
+                    <a:lstStyle/>
+                    <a:p>
+                      <a:pPr algn="r"/>
+                      <a:r>
+                        <a:rPr lang="de-DE" sz="1200" dirty="0" smtClean="0"/>
+                        <a:t>3</a:t>
+                      </a:r>
+                      <a:endParaRPr lang="de-DE" sz="1200" dirty="0"/>
+                    </a:p>
+                  </a:txBody>
+                  <a:tcPr/>
+                </a:tc>
+                <a:tc>
+                  <a:txBody>
+                    <a:bodyPr/>
+                    <a:lstStyle/>
+                    <a:p>
+                      <a:pPr algn="r"/>
+                      <a:r>
+                        <a:rPr lang="de-DE" sz="1200" dirty="0" smtClean="0"/>
+                        <a:t>420€</a:t>
+                      </a:r>
+                      <a:endParaRPr lang="de-DE" sz="1200" dirty="0"/>
+                    </a:p>
+                  </a:txBody>
+                  <a:tcPr/>
+                </a:tc>
+              </a:tr>
+            </a:tbl>
+          </a:graphicData>
+        </a:graphic>
+      </p:graphicFrame>
+      <p:sp>
+        <p:nvSpPr>
+          <p:cNvPr id="23" name="Pfeil nach rechts 22"/>
+          <p:cNvSpPr/>
+          <p:nvPr/>
+        </p:nvSpPr>
+        <p:spPr bwMode="auto">
+          <a:xfrm>
+            <a:off x="3439886" y="2206170"/>
+            <a:ext cx="1028304" cy="946936"/>
+          </a:xfrm>
+          <a:prstGeom prst="rightArrow">
+            <a:avLst/>
+          </a:prstGeom>
+          <a:solidFill>
+            <a:srgbClr val="0070C0"/>
+          </a:solidFill>
+          <a:ln w="9525" cap="flat" cmpd="sng" algn="ctr">
+            <a:noFill/>
+            <a:prstDash val="solid"/>
+            <a:round/>
+            <a:headEnd type="none" w="med" len="med"/>
+            <a:tailEnd type="none" w="med" len="med"/>
+          </a:ln>
+          <a:effectLst/>
+        </p:spPr>
+        <p:txBody>
+          <a:bodyPr rot="0" spcFirstLastPara="0" vertOverflow="overflow" horzOverflow="overflow" vert="horz" wrap="square" lIns="91440" tIns="45720" rIns="91440" bIns="45720" numCol="1" spcCol="0" rtlCol="0" fromWordArt="0" anchor="ctr" anchorCtr="0" forceAA="0" compatLnSpc="1">
+            <a:prstTxWarp prst="textNoShape">
+              <a:avLst/>
+            </a:prstTxWarp>
+            <a:noAutofit/>
+          </a:bodyPr>
+          <a:lstStyle/>
+          <a:p>
+            <a:pPr marL="0" marR="0" indent="0" algn="ctr" defTabSz="914400" rtl="0" eaLnBrk="1" fontAlgn="base" latinLnBrk="0" hangingPunct="1">
+              <a:lnSpc>
+                <a:spcPct val="100000"/>
+              </a:lnSpc>
+              <a:spcBef>
+                <a:spcPct val="0"/>
+              </a:spcBef>
+              <a:spcAft>
+                <a:spcPts val="600"/>
+              </a:spcAft>
+              <a:buClrTx/>
+              <a:buSzTx/>
+              <a:buFontTx/>
+              <a:buNone/>
+              <a:tabLst/>
+            </a:pPr>
+            <a:endParaRPr kumimoji="0" lang="de-DE" sz="1200" b="0" i="0" u="none" strike="noStrike" cap="none" normalizeH="0" baseline="0" dirty="0" err="1" smtClean="0">
               <a:ln>
-                <a:headEnd type="none" w="med" len="med"/>
-                <a:tailEnd type="none" w="med" len="med"/>
+                <a:noFill/>
               </a:ln>
-            </p:spPr>
-            <p:style>
-              <a:lnRef idx="1">
-                <a:schemeClr val="accent5"/>
-              </a:lnRef>
-              <a:fillRef idx="2">
-                <a:schemeClr val="accent5"/>
-              </a:fillRef>
-              <a:effectRef idx="1">
-                <a:schemeClr val="accent5"/>
-              </a:effectRef>
-              <a:fontRef idx="minor">
-                <a:schemeClr val="dk1"/>
-              </a:fontRef>
-            </p:style>
-            <p:txBody>
-              <a:bodyPr rot="0" spcFirstLastPara="0" vertOverflow="overflow" horzOverflow="overflow" vert="horz" wrap="square" lIns="91440" tIns="45720" rIns="91440" bIns="45720" numCol="1" spcCol="0" rtlCol="0" fromWordArt="0" anchor="ctr" anchorCtr="0" forceAA="0" compatLnSpc="1">
-                <a:prstTxWarp prst="textNoShape">
-                  <a:avLst/>
-                </a:prstTxWarp>
-                <a:noAutofit/>
-              </a:bodyPr>
-              <a:lstStyle/>
-              <a:p>
-                <a:pPr marL="0" marR="0" indent="0" algn="ctr" defTabSz="914400" rtl="0" eaLnBrk="1" fontAlgn="base" latinLnBrk="0" hangingPunct="1">
-                  <a:lnSpc>
-                    <a:spcPct val="100000"/>
-                  </a:lnSpc>
-                  <a:spcBef>
-                    <a:spcPct val="0"/>
-                  </a:spcBef>
-                  <a:spcAft>
-                    <a:spcPts val="600"/>
-                  </a:spcAft>
-                  <a:buClrTx/>
-                  <a:buSzTx/>
-                  <a:buFontTx/>
-                  <a:buNone/>
-                  <a:tabLst/>
-                </a:pPr>
-                <a:r>
-                  <a:rPr kumimoji="0" lang="de-DE" b="0" i="0" u="none" strike="noStrike" cap="none" normalizeH="0" baseline="0" dirty="0" smtClean="0">
-                    <a:ln>
-                      <a:noFill/>
-                    </a:ln>
-                    <a:solidFill>
-                      <a:schemeClr val="tx1"/>
-                    </a:solidFill>
-                    <a:effectLst/>
-                    <a:latin typeface="Open Sans" panose="020B0606030504020204" pitchFamily="34" charset="0"/>
-                    <a:ea typeface="Open Sans" panose="020B0606030504020204" pitchFamily="34" charset="0"/>
-                    <a:cs typeface="Open Sans" panose="020B0606030504020204" pitchFamily="34" charset="0"/>
-                  </a:rPr>
-                  <a:t>aggregateByKey</a:t>
-                </a:r>
-              </a:p>
-              <a:p>
-                <a:pPr>
-                  <a:spcAft>
-                    <a:spcPts val="600"/>
-                  </a:spcAft>
-                </a:pPr>
-                <a14:m>
-                  <m:oMath xmlns:m="http://schemas.openxmlformats.org/officeDocument/2006/math">
-                    <m:r>
-                      <a:rPr kumimoji="0" lang="de-DE" b="0" i="1" u="none" strike="noStrike" cap="none" normalizeH="0" baseline="0" smtClean="0">
-                        <a:ln>
-                          <a:noFill/>
-                        </a:ln>
-                        <a:solidFill>
-                          <a:schemeClr val="tx1"/>
-                        </a:solidFill>
-                        <a:effectLst/>
-                        <a:latin typeface="Cambria Math"/>
-                        <a:ea typeface="Open Sans" panose="020B0606030504020204" pitchFamily="34" charset="0"/>
-                        <a:cs typeface="Open Sans" panose="020B0606030504020204" pitchFamily="34" charset="0"/>
-                      </a:rPr>
-                      <m:t>𝑓</m:t>
-                    </m:r>
-                    <m:d>
-                      <m:dPr>
-                        <m:ctrlPr>
-                          <a:rPr lang="de-DE" i="1">
-                            <a:solidFill>
-                              <a:schemeClr val="tx1"/>
-                            </a:solidFill>
-                            <a:latin typeface="Cambria Math"/>
-                            <a:ea typeface="Open Sans" panose="020B0606030504020204" pitchFamily="34" charset="0"/>
-                            <a:cs typeface="Open Sans" panose="020B0606030504020204" pitchFamily="34" charset="0"/>
-                          </a:rPr>
-                        </m:ctrlPr>
-                      </m:dPr>
-                      <m:e>
-                        <m:r>
-                          <a:rPr lang="de-DE" b="0" i="1" smtClean="0">
-                            <a:solidFill>
-                              <a:schemeClr val="tx1"/>
-                            </a:solidFill>
-                            <a:latin typeface="Cambria Math"/>
-                            <a:ea typeface="Open Sans" panose="020B0606030504020204" pitchFamily="34" charset="0"/>
-                            <a:cs typeface="Open Sans" panose="020B0606030504020204" pitchFamily="34" charset="0"/>
-                          </a:rPr>
-                          <m:t>𝑘</m:t>
-                        </m:r>
-                        <m:r>
-                          <a:rPr lang="de-DE" i="1">
-                            <a:solidFill>
-                              <a:schemeClr val="tx1"/>
-                            </a:solidFill>
-                            <a:latin typeface="Cambria Math"/>
-                            <a:ea typeface="Open Sans" panose="020B0606030504020204" pitchFamily="34" charset="0"/>
-                            <a:cs typeface="Open Sans" panose="020B0606030504020204" pitchFamily="34" charset="0"/>
-                          </a:rPr>
-                          <m:t>,</m:t>
-                        </m:r>
-                        <m:sSub>
-                          <m:sSubPr>
-                            <m:ctrlPr>
-                              <a:rPr lang="de-DE" b="0" i="1" smtClean="0">
-                                <a:solidFill>
-                                  <a:schemeClr val="tx1"/>
-                                </a:solidFill>
-                                <a:latin typeface="Cambria Math"/>
-                                <a:ea typeface="Open Sans" panose="020B0606030504020204" pitchFamily="34" charset="0"/>
-                                <a:cs typeface="Open Sans" panose="020B0606030504020204" pitchFamily="34" charset="0"/>
-                              </a:rPr>
-                            </m:ctrlPr>
-                          </m:sSubPr>
-                          <m:e>
-                            <m:r>
-                              <a:rPr lang="de-DE" b="0" i="1" smtClean="0">
-                                <a:solidFill>
-                                  <a:schemeClr val="tx1"/>
-                                </a:solidFill>
-                                <a:latin typeface="Cambria Math"/>
-                                <a:ea typeface="Open Sans" panose="020B0606030504020204" pitchFamily="34" charset="0"/>
-                                <a:cs typeface="Open Sans" panose="020B0606030504020204" pitchFamily="34" charset="0"/>
-                              </a:rPr>
-                              <m:t>𝑉</m:t>
-                            </m:r>
-                          </m:e>
-                          <m:sub>
-                            <m:r>
-                              <a:rPr lang="de-DE" b="0" i="1" smtClean="0">
-                                <a:solidFill>
-                                  <a:schemeClr val="tx1"/>
-                                </a:solidFill>
-                                <a:latin typeface="Cambria Math"/>
-                                <a:ea typeface="Open Sans" panose="020B0606030504020204" pitchFamily="34" charset="0"/>
-                                <a:cs typeface="Open Sans" panose="020B0606030504020204" pitchFamily="34" charset="0"/>
-                              </a:rPr>
-                              <m:t>𝑘</m:t>
-                            </m:r>
-                          </m:sub>
-                        </m:sSub>
-                      </m:e>
-                    </m:d>
-                    <m:r>
-                      <a:rPr kumimoji="0" lang="de-DE" b="0" i="1" u="none" strike="noStrike" cap="none" normalizeH="0" baseline="0" smtClean="0">
-                        <a:ln>
-                          <a:noFill/>
-                        </a:ln>
-                        <a:solidFill>
-                          <a:schemeClr val="tx1"/>
-                        </a:solidFill>
-                        <a:effectLst/>
-                        <a:latin typeface="Cambria Math"/>
-                        <a:ea typeface="Open Sans" panose="020B0606030504020204" pitchFamily="34" charset="0"/>
-                        <a:cs typeface="Open Sans" panose="020B0606030504020204" pitchFamily="34" charset="0"/>
-                      </a:rPr>
-                      <m:t>=</m:t>
-                    </m:r>
-                    <m:d>
-                      <m:dPr>
-                        <m:ctrlPr>
-                          <a:rPr kumimoji="0" lang="de-DE" b="0" i="1" u="none" strike="noStrike" cap="none" normalizeH="0" baseline="0" smtClean="0">
-                            <a:ln>
-                              <a:noFill/>
-                            </a:ln>
-                            <a:solidFill>
-                              <a:schemeClr val="tx1"/>
-                            </a:solidFill>
-                            <a:effectLst/>
-                            <a:latin typeface="Cambria Math"/>
-                            <a:ea typeface="Open Sans" panose="020B0606030504020204" pitchFamily="34" charset="0"/>
-                            <a:cs typeface="Open Sans" panose="020B0606030504020204" pitchFamily="34" charset="0"/>
-                          </a:rPr>
-                        </m:ctrlPr>
-                      </m:dPr>
-                      <m:e>
-                        <m:r>
-                          <a:rPr kumimoji="0" lang="de-DE" b="0" i="1" u="none" strike="noStrike" cap="none" normalizeH="0" baseline="0" smtClean="0">
-                            <a:ln>
-                              <a:noFill/>
-                            </a:ln>
-                            <a:solidFill>
-                              <a:schemeClr val="tx1"/>
-                            </a:solidFill>
-                            <a:effectLst/>
-                            <a:latin typeface="Cambria Math"/>
-                            <a:ea typeface="Open Sans" panose="020B0606030504020204" pitchFamily="34" charset="0"/>
-                            <a:cs typeface="Open Sans" panose="020B0606030504020204" pitchFamily="34" charset="0"/>
-                          </a:rPr>
-                          <m:t>𝑘</m:t>
-                        </m:r>
-                        <m:r>
-                          <a:rPr kumimoji="0" lang="de-DE" b="0" i="1" u="none" strike="noStrike" cap="none" normalizeH="0" baseline="0" smtClean="0">
-                            <a:ln>
-                              <a:noFill/>
-                            </a:ln>
-                            <a:solidFill>
-                              <a:schemeClr val="tx1"/>
-                            </a:solidFill>
-                            <a:effectLst/>
-                            <a:latin typeface="Cambria Math"/>
-                            <a:ea typeface="Open Sans" panose="020B0606030504020204" pitchFamily="34" charset="0"/>
-                            <a:cs typeface="Open Sans" panose="020B0606030504020204" pitchFamily="34" charset="0"/>
-                          </a:rPr>
-                          <m:t>,</m:t>
-                        </m:r>
-                        <m:d>
-                          <m:dPr>
-                            <m:ctrlPr>
-                              <a:rPr kumimoji="0" lang="de-DE" b="0" i="1" u="none" strike="noStrike" cap="none" normalizeH="0" baseline="0" smtClean="0">
-                                <a:ln>
-                                  <a:noFill/>
-                                </a:ln>
-                                <a:solidFill>
-                                  <a:schemeClr val="tx1"/>
-                                </a:solidFill>
-                                <a:effectLst/>
-                                <a:latin typeface="Cambria Math"/>
-                                <a:ea typeface="Open Sans" panose="020B0606030504020204" pitchFamily="34" charset="0"/>
-                                <a:cs typeface="Open Sans" panose="020B0606030504020204" pitchFamily="34" charset="0"/>
-                              </a:rPr>
-                            </m:ctrlPr>
-                          </m:dPr>
-                          <m:e>
-                            <m:nary>
-                              <m:naryPr>
-                                <m:chr m:val="∑"/>
-                                <m:supHide m:val="on"/>
-                                <m:ctrlPr>
-                                  <a:rPr kumimoji="0" lang="de-DE" b="0" i="1" u="none" strike="noStrike" cap="none" normalizeH="0" baseline="0" smtClean="0">
-                                    <a:ln>
-                                      <a:noFill/>
-                                    </a:ln>
-                                    <a:solidFill>
-                                      <a:schemeClr val="tx1"/>
-                                    </a:solidFill>
-                                    <a:effectLst/>
-                                    <a:latin typeface="Cambria Math"/>
-                                  </a:rPr>
-                                </m:ctrlPr>
-                              </m:naryPr>
-                              <m:sub>
-                                <m:r>
-                                  <m:rPr>
-                                    <m:brk m:alnAt="7"/>
-                                  </m:rPr>
-                                  <a:rPr kumimoji="0" lang="de-DE" b="0" i="1" u="none" strike="noStrike" cap="none" normalizeH="0" baseline="0" smtClean="0">
-                                    <a:ln>
-                                      <a:noFill/>
-                                    </a:ln>
-                                    <a:solidFill>
-                                      <a:schemeClr val="tx1"/>
-                                    </a:solidFill>
-                                    <a:effectLst/>
-                                    <a:latin typeface="Cambria Math"/>
-                                  </a:rPr>
-                                  <m:t>𝑣</m:t>
-                                </m:r>
-                                <m:r>
-                                  <a:rPr kumimoji="0" lang="de-DE" b="0" i="1" u="none" strike="noStrike" cap="none" normalizeH="0" baseline="0" smtClean="0">
-                                    <a:ln>
-                                      <a:noFill/>
-                                    </a:ln>
-                                    <a:solidFill>
-                                      <a:schemeClr val="tx1"/>
-                                    </a:solidFill>
-                                    <a:effectLst/>
-                                    <a:latin typeface="Cambria Math"/>
-                                  </a:rPr>
-                                  <m:t>∈</m:t>
-                                </m:r>
-                                <m:sSub>
-                                  <m:sSubPr>
-                                    <m:ctrlPr>
-                                      <a:rPr kumimoji="0" lang="de-DE" b="0" i="1" u="none" strike="noStrike" cap="none" normalizeH="0" baseline="0" smtClean="0">
-                                        <a:ln>
-                                          <a:noFill/>
-                                        </a:ln>
-                                        <a:solidFill>
-                                          <a:schemeClr val="tx1"/>
-                                        </a:solidFill>
-                                        <a:effectLst/>
-                                        <a:latin typeface="Cambria Math"/>
-                                      </a:rPr>
-                                    </m:ctrlPr>
-                                  </m:sSubPr>
-                                  <m:e>
-                                    <m:r>
-                                      <a:rPr kumimoji="0" lang="de-DE" b="0" i="1" u="none" strike="noStrike" cap="none" normalizeH="0" baseline="0" smtClean="0">
-                                        <a:ln>
-                                          <a:noFill/>
-                                        </a:ln>
-                                        <a:solidFill>
-                                          <a:schemeClr val="tx1"/>
-                                        </a:solidFill>
-                                        <a:effectLst/>
-                                        <a:latin typeface="Cambria Math"/>
-                                      </a:rPr>
-                                      <m:t>𝑉</m:t>
-                                    </m:r>
-                                  </m:e>
-                                  <m:sub>
-                                    <m:r>
-                                      <a:rPr kumimoji="0" lang="de-DE" b="0" i="1" u="none" strike="noStrike" cap="none" normalizeH="0" baseline="0" smtClean="0">
-                                        <a:ln>
-                                          <a:noFill/>
-                                        </a:ln>
-                                        <a:solidFill>
-                                          <a:schemeClr val="tx1"/>
-                                        </a:solidFill>
-                                        <a:effectLst/>
-                                        <a:latin typeface="Cambria Math"/>
-                                      </a:rPr>
-                                      <m:t>𝑘</m:t>
-                                    </m:r>
-                                  </m:sub>
-                                </m:sSub>
-                              </m:sub>
-                              <m:sup/>
-                              <m:e>
-                                <m:r>
-                                  <a:rPr kumimoji="0" lang="de-DE" b="0" i="1" u="none" strike="noStrike" cap="none" normalizeH="0" baseline="0" smtClean="0">
-                                    <a:ln>
-                                      <a:noFill/>
-                                    </a:ln>
-                                    <a:solidFill>
-                                      <a:schemeClr val="tx1"/>
-                                    </a:solidFill>
-                                    <a:effectLst/>
-                                    <a:latin typeface="Cambria Math"/>
-                                  </a:rPr>
-                                  <m:t>𝑎</m:t>
-                                </m:r>
-                                <m:d>
-                                  <m:dPr>
-                                    <m:ctrlPr>
-                                      <a:rPr kumimoji="0" lang="de-DE" b="0" i="1" u="none" strike="noStrike" cap="none" normalizeH="0" baseline="0" smtClean="0">
-                                        <a:ln>
-                                          <a:noFill/>
-                                        </a:ln>
-                                        <a:solidFill>
-                                          <a:schemeClr val="tx1"/>
-                                        </a:solidFill>
-                                        <a:effectLst/>
-                                        <a:latin typeface="Cambria Math"/>
-                                      </a:rPr>
-                                    </m:ctrlPr>
-                                  </m:dPr>
-                                  <m:e>
-                                    <m:r>
-                                      <a:rPr kumimoji="0" lang="de-DE" b="0" i="1" u="none" strike="noStrike" cap="none" normalizeH="0" baseline="0" smtClean="0">
-                                        <a:ln>
-                                          <a:noFill/>
-                                        </a:ln>
-                                        <a:solidFill>
-                                          <a:schemeClr val="tx1"/>
-                                        </a:solidFill>
-                                        <a:effectLst/>
-                                        <a:latin typeface="Cambria Math"/>
-                                      </a:rPr>
-                                      <m:t>𝑣</m:t>
-                                    </m:r>
-                                  </m:e>
-                                </m:d>
-                              </m:e>
-                            </m:nary>
-                            <m:r>
-                              <a:rPr kumimoji="0" lang="de-DE" b="0" i="1" u="none" strike="noStrike" cap="none" normalizeH="0" baseline="0" smtClean="0">
-                                <a:ln>
-                                  <a:noFill/>
-                                </a:ln>
-                                <a:solidFill>
-                                  <a:schemeClr val="tx1"/>
-                                </a:solidFill>
-                                <a:effectLst/>
-                                <a:latin typeface="Cambria Math"/>
-                              </a:rPr>
-                              <m:t>,</m:t>
-                            </m:r>
-                            <m:nary>
-                              <m:naryPr>
-                                <m:chr m:val="∑"/>
-                                <m:supHide m:val="on"/>
-                                <m:ctrlPr>
-                                  <a:rPr lang="de-DE" i="1">
-                                    <a:solidFill>
-                                      <a:schemeClr val="tx1"/>
-                                    </a:solidFill>
-                                    <a:latin typeface="Cambria Math"/>
-                                  </a:rPr>
-                                </m:ctrlPr>
-                              </m:naryPr>
-                              <m:sub>
-                                <m:r>
-                                  <m:rPr>
-                                    <m:brk m:alnAt="7"/>
-                                  </m:rPr>
-                                  <a:rPr lang="de-DE" i="1">
-                                    <a:solidFill>
-                                      <a:schemeClr val="tx1"/>
-                                    </a:solidFill>
-                                    <a:latin typeface="Cambria Math"/>
-                                  </a:rPr>
-                                  <m:t>𝑣</m:t>
-                                </m:r>
-                                <m:r>
-                                  <a:rPr lang="de-DE" i="1">
-                                    <a:solidFill>
-                                      <a:schemeClr val="tx1"/>
-                                    </a:solidFill>
-                                    <a:latin typeface="Cambria Math"/>
-                                  </a:rPr>
-                                  <m:t>∈</m:t>
-                                </m:r>
-                                <m:sSub>
-                                  <m:sSubPr>
-                                    <m:ctrlPr>
-                                      <a:rPr lang="de-DE" i="1">
-                                        <a:solidFill>
-                                          <a:schemeClr val="tx1"/>
-                                        </a:solidFill>
-                                        <a:latin typeface="Cambria Math"/>
-                                      </a:rPr>
-                                    </m:ctrlPr>
-                                  </m:sSubPr>
-                                  <m:e>
-                                    <m:r>
-                                      <a:rPr lang="de-DE" i="1">
-                                        <a:solidFill>
-                                          <a:schemeClr val="tx1"/>
-                                        </a:solidFill>
-                                        <a:latin typeface="Cambria Math"/>
-                                      </a:rPr>
-                                      <m:t>𝑉</m:t>
-                                    </m:r>
-                                  </m:e>
-                                  <m:sub>
-                                    <m:r>
-                                      <a:rPr lang="de-DE" i="1">
-                                        <a:solidFill>
-                                          <a:schemeClr val="tx1"/>
-                                        </a:solidFill>
-                                        <a:latin typeface="Cambria Math"/>
-                                      </a:rPr>
-                                      <m:t>𝑘</m:t>
-                                    </m:r>
-                                  </m:sub>
-                                </m:sSub>
-                              </m:sub>
-                              <m:sup/>
-                              <m:e>
-                                <m:r>
-                                  <a:rPr lang="de-DE" i="1">
-                                    <a:solidFill>
-                                      <a:schemeClr val="tx1"/>
-                                    </a:solidFill>
-                                    <a:latin typeface="Cambria Math"/>
-                                  </a:rPr>
-                                  <m:t>𝑎</m:t>
-                                </m:r>
-                                <m:d>
-                                  <m:dPr>
-                                    <m:ctrlPr>
-                                      <a:rPr lang="de-DE" i="1">
-                                        <a:solidFill>
-                                          <a:schemeClr val="tx1"/>
-                                        </a:solidFill>
-                                        <a:latin typeface="Cambria Math"/>
-                                      </a:rPr>
-                                    </m:ctrlPr>
-                                  </m:dPr>
-                                  <m:e>
-                                    <m:r>
-                                      <a:rPr lang="de-DE" i="1">
-                                        <a:solidFill>
-                                          <a:schemeClr val="tx1"/>
-                                        </a:solidFill>
-                                        <a:latin typeface="Cambria Math"/>
-                                      </a:rPr>
-                                      <m:t>𝑣</m:t>
-                                    </m:r>
-                                  </m:e>
-                                </m:d>
-                                <m:r>
-                                  <a:rPr lang="de-DE" i="1">
-                                    <a:solidFill>
-                                      <a:schemeClr val="tx1"/>
-                                    </a:solidFill>
-                                    <a:latin typeface="Cambria Math"/>
-                                    <a:ea typeface="Cambria Math"/>
-                                  </a:rPr>
-                                  <m:t>∙</m:t>
-                                </m:r>
-                                <m:r>
-                                  <a:rPr lang="de-DE" b="0" i="1" smtClean="0">
-                                    <a:solidFill>
-                                      <a:schemeClr val="tx1"/>
-                                    </a:solidFill>
-                                    <a:latin typeface="Cambria Math"/>
-                                    <a:ea typeface="Cambria Math"/>
-                                  </a:rPr>
-                                  <m:t>𝑝</m:t>
-                                </m:r>
-                                <m:d>
-                                  <m:dPr>
-                                    <m:ctrlPr>
-                                      <a:rPr lang="de-DE" b="0" i="1" smtClean="0">
-                                        <a:solidFill>
-                                          <a:schemeClr val="tx1"/>
-                                        </a:solidFill>
-                                        <a:latin typeface="Cambria Math"/>
-                                        <a:ea typeface="Cambria Math"/>
-                                      </a:rPr>
-                                    </m:ctrlPr>
-                                  </m:dPr>
-                                  <m:e>
-                                    <m:r>
-                                      <a:rPr lang="de-DE" b="0" i="1" smtClean="0">
-                                        <a:solidFill>
-                                          <a:schemeClr val="tx1"/>
-                                        </a:solidFill>
-                                        <a:latin typeface="Cambria Math"/>
-                                        <a:ea typeface="Cambria Math"/>
-                                      </a:rPr>
-                                      <m:t>𝑣</m:t>
-                                    </m:r>
-                                  </m:e>
-                                </m:d>
-                              </m:e>
-                            </m:nary>
-                          </m:e>
-                        </m:d>
-                      </m:e>
-                    </m:d>
-                  </m:oMath>
-                </a14:m>
-                <a:r>
-                  <a:rPr kumimoji="0" lang="de-DE" b="0" i="0" u="none" strike="noStrike" cap="none" normalizeH="0" baseline="0" dirty="0" smtClean="0">
-                    <a:ln>
-                      <a:noFill/>
-                    </a:ln>
-                    <a:solidFill>
-                      <a:schemeClr val="tx1"/>
-                    </a:solidFill>
-                    <a:effectLst/>
-                    <a:latin typeface="Open Sans" panose="020B0606030504020204" pitchFamily="34" charset="0"/>
-                    <a:ea typeface="Open Sans" panose="020B0606030504020204" pitchFamily="34" charset="0"/>
-                    <a:cs typeface="Open Sans" panose="020B0606030504020204" pitchFamily="34" charset="0"/>
-                  </a:rPr>
-                  <a:t>  </a:t>
-                </a:r>
-                <a:endParaRPr kumimoji="0" lang="de-DE" b="0" i="0" u="none" strike="noStrike" cap="none" normalizeH="0" baseline="0" dirty="0" smtClean="0">
-                  <a:ln>
-                    <a:noFill/>
-                  </a:ln>
-                  <a:solidFill>
-                    <a:schemeClr val="tx1"/>
-                  </a:solidFill>
-                  <a:effectLst/>
-                  <a:latin typeface="Open Sans" panose="020B0606030504020204" pitchFamily="34" charset="0"/>
-                  <a:ea typeface="Open Sans" panose="020B0606030504020204" pitchFamily="34" charset="0"/>
-                  <a:cs typeface="Open Sans" panose="020B0606030504020204" pitchFamily="34" charset="0"/>
-                </a:endParaRPr>
-              </a:p>
-            </p:txBody>
-          </p:sp>
-        </mc:Choice>
-        <mc:Fallback>
-          <p:sp>
-            <p:nvSpPr>
-              <p:cNvPr id="21" name="Legende mit Linie 1 20"/>
-              <p:cNvSpPr>
-                <a:spLocks noRot="1" noChangeAspect="1" noMove="1" noResize="1" noEditPoints="1" noAdjustHandles="1" noChangeArrowheads="1" noChangeShapeType="1" noTextEdit="1"/>
-              </p:cNvSpPr>
-              <p:nvPr/>
-            </p:nvSpPr>
-            <p:spPr bwMode="auto">
-              <a:xfrm>
-                <a:off x="4984549" y="4746170"/>
-                <a:ext cx="4232022" cy="1277257"/>
-              </a:xfrm>
-              <a:prstGeom prst="borderCallout1">
-                <a:avLst>
-                  <a:gd name="adj1" fmla="val -13068"/>
-                  <a:gd name="adj2" fmla="val 73234"/>
-                  <a:gd name="adj3" fmla="val -122727"/>
-                  <a:gd name="adj4" fmla="val 63357"/>
-                </a:avLst>
-              </a:prstGeom>
-              <a:blipFill rotWithShape="1">
-                <a:blip r:embed="rId4"/>
-                <a:stretch>
-                  <a:fillRect/>
-                </a:stretch>
-              </a:blipFill>
+              <a:solidFill>
+                <a:schemeClr val="bg1"/>
+              </a:solidFill>
+              <a:effectLst/>
+              <a:latin typeface="Open Sans" panose="020B0606030504020204" pitchFamily="34" charset="0"/>
+              <a:ea typeface="Open Sans" panose="020B0606030504020204" pitchFamily="34" charset="0"/>
+              <a:cs typeface="Open Sans" panose="020B0606030504020204" pitchFamily="34" charset="0"/>
+            </a:endParaRPr>
+          </a:p>
+        </p:txBody>
+      </p:sp>
+      <p:sp>
+        <p:nvSpPr>
+          <p:cNvPr id="25" name="Pfeil nach rechts 24"/>
+          <p:cNvSpPr/>
+          <p:nvPr/>
+        </p:nvSpPr>
+        <p:spPr bwMode="auto">
+          <a:xfrm>
+            <a:off x="7278915" y="2206170"/>
+            <a:ext cx="2721428" cy="946936"/>
+          </a:xfrm>
+          <a:prstGeom prst="rightArrow">
+            <a:avLst/>
+          </a:prstGeom>
+          <a:solidFill>
+            <a:srgbClr val="0070C0"/>
+          </a:solidFill>
+          <a:ln w="9525" cap="flat" cmpd="sng" algn="ctr">
+            <a:noFill/>
+            <a:prstDash val="solid"/>
+            <a:round/>
+            <a:headEnd type="none" w="med" len="med"/>
+            <a:tailEnd type="none" w="med" len="med"/>
+          </a:ln>
+          <a:effectLst/>
+        </p:spPr>
+        <p:txBody>
+          <a:bodyPr rot="0" spcFirstLastPara="0" vertOverflow="overflow" horzOverflow="overflow" vert="horz" wrap="square" lIns="91440" tIns="45720" rIns="91440" bIns="45720" numCol="1" spcCol="0" rtlCol="0" fromWordArt="0" anchor="ctr" anchorCtr="0" forceAA="0" compatLnSpc="1">
+            <a:prstTxWarp prst="textNoShape">
+              <a:avLst/>
+            </a:prstTxWarp>
+            <a:noAutofit/>
+          </a:bodyPr>
+          <a:lstStyle/>
+          <a:p>
+            <a:pPr marL="0" marR="0" indent="0" algn="ctr" defTabSz="914400" rtl="0" eaLnBrk="1" fontAlgn="base" latinLnBrk="0" hangingPunct="1">
+              <a:lnSpc>
+                <a:spcPct val="100000"/>
+              </a:lnSpc>
+              <a:spcBef>
+                <a:spcPct val="0"/>
+              </a:spcBef>
+              <a:spcAft>
+                <a:spcPts val="600"/>
+              </a:spcAft>
+              <a:buClrTx/>
+              <a:buSzTx/>
+              <a:buFontTx/>
+              <a:buNone/>
+              <a:tabLst/>
+            </a:pPr>
+            <a:endParaRPr kumimoji="0" lang="de-DE" sz="1200" b="0" i="0" u="none" strike="noStrike" cap="none" normalizeH="0" baseline="0" dirty="0" err="1" smtClean="0">
               <a:ln>
-                <a:headEnd type="none" w="med" len="med"/>
-                <a:tailEnd type="none" w="med" len="med"/>
+                <a:noFill/>
               </a:ln>
-            </p:spPr>
-            <p:txBody>
-              <a:bodyPr/>
-              <a:lstStyle/>
-              <a:p>
-                <a:r>
-                  <a:rPr lang="de-DE">
-                    <a:noFill/>
-                  </a:rPr>
-                  <a:t> </a:t>
-                </a:r>
-              </a:p>
-            </p:txBody>
-          </p:sp>
-        </mc:Fallback>
-      </mc:AlternateContent>
+              <a:solidFill>
+                <a:schemeClr val="bg1"/>
+              </a:solidFill>
+              <a:effectLst/>
+              <a:latin typeface="Open Sans" panose="020B0606030504020204" pitchFamily="34" charset="0"/>
+              <a:ea typeface="Open Sans" panose="020B0606030504020204" pitchFamily="34" charset="0"/>
+              <a:cs typeface="Open Sans" panose="020B0606030504020204" pitchFamily="34" charset="0"/>
+            </a:endParaRPr>
+          </a:p>
+        </p:txBody>
+      </p:sp>
+      <p:graphicFrame>
+        <p:nvGraphicFramePr>
+          <p:cNvPr id="26" name="Tabelle 25"/>
+          <p:cNvGraphicFramePr>
+            <a:graphicFrameLocks noGrp="1"/>
+          </p:cNvGraphicFramePr>
+          <p:nvPr>
+            <p:extLst>
+              <p:ext uri="{D42A27DB-BD31-4B8C-83A1-F6EECF244321}">
+                <p14:modId xmlns:p14="http://schemas.microsoft.com/office/powerpoint/2010/main" val="2220148164"/>
+              </p:ext>
+            </p:extLst>
+          </p:nvPr>
+        </p:nvGraphicFramePr>
+        <p:xfrm>
+          <a:off x="7357492" y="3420767"/>
+          <a:ext cx="2564273" cy="822960"/>
+        </p:xfrm>
+        <a:graphic>
+          <a:graphicData uri="http://schemas.openxmlformats.org/drawingml/2006/table">
+            <a:tbl>
+              <a:tblPr firstCol="1" bandRow="1">
+                <a:tableStyleId>{93296810-A885-4BE3-A3E7-6D5BEEA58F35}</a:tableStyleId>
+              </a:tblPr>
+              <a:tblGrid>
+                <a:gridCol w="306178"/>
+                <a:gridCol w="1067925"/>
+                <a:gridCol w="390551"/>
+                <a:gridCol w="799619"/>
+              </a:tblGrid>
+              <a:tr h="0">
+                <a:tc rowSpan="3">
+                  <a:txBody>
+                    <a:bodyPr/>
+                    <a:lstStyle/>
+                    <a:p>
+                      <a:pPr marL="0" marR="0" indent="0" algn="ctr" defTabSz="914400" rtl="0" eaLnBrk="1" fontAlgn="auto" latinLnBrk="0" hangingPunct="1">
+                        <a:lnSpc>
+                          <a:spcPct val="100000"/>
+                        </a:lnSpc>
+                        <a:spcBef>
+                          <a:spcPts val="0"/>
+                        </a:spcBef>
+                        <a:spcAft>
+                          <a:spcPts val="0"/>
+                        </a:spcAft>
+                        <a:buClrTx/>
+                        <a:buSzTx/>
+                        <a:buFontTx/>
+                        <a:buNone/>
+                        <a:tabLst/>
+                        <a:defRPr/>
+                      </a:pPr>
+                      <a:r>
+                        <a:rPr lang="de-DE" sz="1200" dirty="0" smtClean="0"/>
+                        <a:t>F</a:t>
+                      </a:r>
+                    </a:p>
+                  </a:txBody>
+                  <a:tcPr anchor="ctr"/>
+                </a:tc>
+                <a:tc>
+                  <a:txBody>
+                    <a:bodyPr/>
+                    <a:lstStyle/>
+                    <a:p>
+                      <a:pPr marL="0" marR="0" indent="0" algn="l" defTabSz="914400" rtl="0" eaLnBrk="1" fontAlgn="auto" latinLnBrk="0" hangingPunct="1">
+                        <a:lnSpc>
+                          <a:spcPct val="100000"/>
+                        </a:lnSpc>
+                        <a:spcBef>
+                          <a:spcPts val="0"/>
+                        </a:spcBef>
+                        <a:spcAft>
+                          <a:spcPts val="0"/>
+                        </a:spcAft>
+                        <a:buClrTx/>
+                        <a:buSzTx/>
+                        <a:buFontTx/>
+                        <a:buNone/>
+                        <a:tabLst/>
+                        <a:defRPr/>
+                      </a:pPr>
+                      <a:r>
+                        <a:rPr lang="de-DE" sz="1200" dirty="0" smtClean="0"/>
+                        <a:t>KU6519</a:t>
+                      </a:r>
+                    </a:p>
+                  </a:txBody>
+                  <a:tcPr/>
+                </a:tc>
+                <a:tc>
+                  <a:txBody>
+                    <a:bodyPr/>
+                    <a:lstStyle/>
+                    <a:p>
+                      <a:pPr algn="r"/>
+                      <a:r>
+                        <a:rPr lang="de-DE" sz="1200" dirty="0" smtClean="0"/>
+                        <a:t>12</a:t>
+                      </a:r>
+                      <a:endParaRPr lang="de-DE" sz="1200" dirty="0"/>
+                    </a:p>
+                  </a:txBody>
+                  <a:tcPr/>
+                </a:tc>
+                <a:tc>
+                  <a:txBody>
+                    <a:bodyPr/>
+                    <a:lstStyle/>
+                    <a:p>
+                      <a:pPr algn="r"/>
+                      <a:r>
+                        <a:rPr lang="de-DE" sz="1200" dirty="0" smtClean="0"/>
+                        <a:t>10.800€</a:t>
+                      </a:r>
+                      <a:endParaRPr lang="de-DE" sz="1200" dirty="0"/>
+                    </a:p>
+                  </a:txBody>
+                  <a:tcPr/>
+                </a:tc>
+              </a:tr>
+              <a:tr h="0">
+                <a:tc vMerge="1">
+                  <a:txBody>
+                    <a:bodyPr/>
+                    <a:lstStyle/>
+                    <a:p>
+                      <a:pPr marL="0" marR="0" indent="0" algn="l" defTabSz="914400" rtl="0" eaLnBrk="1" fontAlgn="auto" latinLnBrk="0" hangingPunct="1">
+                        <a:lnSpc>
+                          <a:spcPct val="100000"/>
+                        </a:lnSpc>
+                        <a:spcBef>
+                          <a:spcPts val="0"/>
+                        </a:spcBef>
+                        <a:spcAft>
+                          <a:spcPts val="0"/>
+                        </a:spcAft>
+                        <a:buClrTx/>
+                        <a:buSzTx/>
+                        <a:buFontTx/>
+                        <a:buNone/>
+                        <a:tabLst/>
+                        <a:defRPr/>
+                      </a:pPr>
+                      <a:endParaRPr lang="de-DE" sz="1200" dirty="0" smtClean="0"/>
+                    </a:p>
+                  </a:txBody>
+                  <a:tcPr/>
+                </a:tc>
+                <a:tc>
+                  <a:txBody>
+                    <a:bodyPr/>
+                    <a:lstStyle/>
+                    <a:p>
+                      <a:pPr marL="0" marR="0" indent="0" algn="l" defTabSz="914400" rtl="0" eaLnBrk="1" fontAlgn="auto" latinLnBrk="0" hangingPunct="1">
+                        <a:lnSpc>
+                          <a:spcPct val="100000"/>
+                        </a:lnSpc>
+                        <a:spcBef>
+                          <a:spcPts val="0"/>
+                        </a:spcBef>
+                        <a:spcAft>
+                          <a:spcPts val="0"/>
+                        </a:spcAft>
+                        <a:buClrTx/>
+                        <a:buSzTx/>
+                        <a:buFontTx/>
+                        <a:buNone/>
+                        <a:tabLst/>
+                        <a:defRPr/>
+                      </a:pPr>
+                      <a:r>
+                        <a:rPr lang="de-DE" sz="1200" dirty="0" smtClean="0"/>
+                        <a:t>LT-40VF43A</a:t>
+                      </a:r>
+                    </a:p>
+                  </a:txBody>
+                  <a:tcPr/>
+                </a:tc>
+                <a:tc>
+                  <a:txBody>
+                    <a:bodyPr/>
+                    <a:lstStyle/>
+                    <a:p>
+                      <a:pPr algn="r"/>
+                      <a:r>
+                        <a:rPr lang="de-DE" sz="1200" dirty="0" smtClean="0"/>
+                        <a:t>5</a:t>
+                      </a:r>
+                      <a:endParaRPr lang="de-DE" sz="1200" dirty="0"/>
+                    </a:p>
+                  </a:txBody>
+                  <a:tcPr/>
+                </a:tc>
+                <a:tc>
+                  <a:txBody>
+                    <a:bodyPr/>
+                    <a:lstStyle/>
+                    <a:p>
+                      <a:pPr algn="r"/>
+                      <a:r>
+                        <a:rPr lang="de-DE" sz="1200" dirty="0" smtClean="0"/>
+                        <a:t>1.520€</a:t>
+                      </a:r>
+                      <a:endParaRPr lang="de-DE" sz="1200" dirty="0"/>
+                    </a:p>
+                  </a:txBody>
+                  <a:tcPr/>
+                </a:tc>
+              </a:tr>
+              <a:tr h="0">
+                <a:tc vMerge="1">
+                  <a:txBody>
+                    <a:bodyPr/>
+                    <a:lstStyle/>
+                    <a:p>
+                      <a:pPr marL="0" marR="0" indent="0" algn="ctr" defTabSz="914400" rtl="0" eaLnBrk="1" fontAlgn="auto" latinLnBrk="0" hangingPunct="1">
+                        <a:lnSpc>
+                          <a:spcPct val="100000"/>
+                        </a:lnSpc>
+                        <a:spcBef>
+                          <a:spcPts val="0"/>
+                        </a:spcBef>
+                        <a:spcAft>
+                          <a:spcPts val="0"/>
+                        </a:spcAft>
+                        <a:buClrTx/>
+                        <a:buSzTx/>
+                        <a:buFontTx/>
+                        <a:buNone/>
+                        <a:tabLst/>
+                        <a:defRPr/>
+                      </a:pPr>
+                      <a:endParaRPr lang="de-DE" sz="1200" dirty="0" smtClean="0"/>
+                    </a:p>
+                  </a:txBody>
+                  <a:tcPr anchor="ctr"/>
+                </a:tc>
+                <a:tc>
+                  <a:txBody>
+                    <a:bodyPr/>
+                    <a:lstStyle/>
+                    <a:p>
+                      <a:pPr marL="0" marR="0" indent="0" algn="l" defTabSz="914400" rtl="0" eaLnBrk="1" fontAlgn="auto" latinLnBrk="0" hangingPunct="1">
+                        <a:lnSpc>
+                          <a:spcPct val="100000"/>
+                        </a:lnSpc>
+                        <a:spcBef>
+                          <a:spcPts val="0"/>
+                        </a:spcBef>
+                        <a:spcAft>
+                          <a:spcPts val="0"/>
+                        </a:spcAft>
+                        <a:buClrTx/>
+                        <a:buSzTx/>
+                        <a:buFontTx/>
+                        <a:buNone/>
+                        <a:tabLst/>
+                        <a:defRPr/>
+                      </a:pPr>
+                      <a:r>
+                        <a:rPr lang="de-DE" sz="1200" dirty="0" smtClean="0"/>
+                        <a:t>J6289</a:t>
+                      </a:r>
+                    </a:p>
+                  </a:txBody>
+                  <a:tcPr/>
+                </a:tc>
+                <a:tc>
+                  <a:txBody>
+                    <a:bodyPr/>
+                    <a:lstStyle/>
+                    <a:p>
+                      <a:pPr algn="r"/>
+                      <a:r>
+                        <a:rPr lang="de-DE" sz="1200" dirty="0" smtClean="0"/>
+                        <a:t>8</a:t>
+                      </a:r>
+                      <a:endParaRPr lang="de-DE" sz="1200" dirty="0"/>
+                    </a:p>
+                  </a:txBody>
+                  <a:tcPr/>
+                </a:tc>
+                <a:tc>
+                  <a:txBody>
+                    <a:bodyPr/>
+                    <a:lstStyle/>
+                    <a:p>
+                      <a:pPr algn="r"/>
+                      <a:r>
+                        <a:rPr lang="de-DE" sz="1200" dirty="0" smtClean="0"/>
+                        <a:t>3.200€</a:t>
+                      </a:r>
+                      <a:endParaRPr lang="de-DE" sz="1200" dirty="0"/>
+                    </a:p>
+                  </a:txBody>
+                  <a:tcPr/>
+                </a:tc>
+              </a:tr>
+            </a:tbl>
+          </a:graphicData>
+        </a:graphic>
+      </p:graphicFrame>
+      <p:graphicFrame>
+        <p:nvGraphicFramePr>
+          <p:cNvPr id="27" name="Tabelle 26"/>
+          <p:cNvGraphicFramePr>
+            <a:graphicFrameLocks noGrp="1"/>
+          </p:cNvGraphicFramePr>
+          <p:nvPr>
+            <p:extLst>
+              <p:ext uri="{D42A27DB-BD31-4B8C-83A1-F6EECF244321}">
+                <p14:modId xmlns:p14="http://schemas.microsoft.com/office/powerpoint/2010/main" val="242188576"/>
+              </p:ext>
+            </p:extLst>
+          </p:nvPr>
+        </p:nvGraphicFramePr>
+        <p:xfrm>
+          <a:off x="7357492" y="4451869"/>
+          <a:ext cx="2564273" cy="1371600"/>
+        </p:xfrm>
+        <a:graphic>
+          <a:graphicData uri="http://schemas.openxmlformats.org/drawingml/2006/table">
+            <a:tbl>
+              <a:tblPr firstCol="1" bandRow="1">
+                <a:tableStyleId>{93296810-A885-4BE3-A3E7-6D5BEEA58F35}</a:tableStyleId>
+              </a:tblPr>
+              <a:tblGrid>
+                <a:gridCol w="277022"/>
+                <a:gridCol w="1024509"/>
+                <a:gridCol w="449618"/>
+                <a:gridCol w="813124"/>
+              </a:tblGrid>
+              <a:tr h="0">
+                <a:tc rowSpan="3">
+                  <a:txBody>
+                    <a:bodyPr/>
+                    <a:lstStyle/>
+                    <a:p>
+                      <a:pPr algn="ctr"/>
+                      <a:r>
+                        <a:rPr lang="de-DE" sz="1200" dirty="0" smtClean="0"/>
+                        <a:t>S</a:t>
+                      </a:r>
+                      <a:endParaRPr lang="de-DE" sz="1200" dirty="0" smtClean="0"/>
+                    </a:p>
+                  </a:txBody>
+                  <a:tcPr anchor="ctr"/>
+                </a:tc>
+                <a:tc>
+                  <a:txBody>
+                    <a:bodyPr/>
+                    <a:lstStyle/>
+                    <a:p>
+                      <a:r>
+                        <a:rPr lang="de-DE" sz="1200" dirty="0" err="1" smtClean="0"/>
+                        <a:t>Galaxy</a:t>
+                      </a:r>
+                      <a:r>
+                        <a:rPr lang="de-DE" sz="1200" dirty="0" smtClean="0"/>
+                        <a:t> J3</a:t>
+                      </a:r>
+                    </a:p>
+                  </a:txBody>
+                  <a:tcPr/>
+                </a:tc>
+                <a:tc>
+                  <a:txBody>
+                    <a:bodyPr/>
+                    <a:lstStyle/>
+                    <a:p>
+                      <a:pPr algn="r"/>
+                      <a:r>
+                        <a:rPr lang="de-DE" sz="1200" dirty="0" smtClean="0"/>
+                        <a:t>5</a:t>
+                      </a:r>
+                      <a:endParaRPr lang="de-DE" sz="1200" dirty="0"/>
+                    </a:p>
+                  </a:txBody>
+                  <a:tcPr/>
+                </a:tc>
+                <a:tc>
+                  <a:txBody>
+                    <a:bodyPr/>
+                    <a:lstStyle/>
+                    <a:p>
+                      <a:pPr algn="r"/>
+                      <a:r>
+                        <a:rPr lang="de-DE" sz="1200" dirty="0" smtClean="0"/>
+                        <a:t>750€</a:t>
+                      </a:r>
+                      <a:endParaRPr lang="de-DE" sz="1200" dirty="0"/>
+                    </a:p>
+                  </a:txBody>
+                  <a:tcPr/>
+                </a:tc>
+              </a:tr>
+              <a:tr h="0">
+                <a:tc vMerge="1">
+                  <a:txBody>
+                    <a:bodyPr/>
+                    <a:lstStyle/>
+                    <a:p>
+                      <a:pPr marL="0" marR="0" indent="0" algn="l" defTabSz="914400" rtl="0" eaLnBrk="1" fontAlgn="auto" latinLnBrk="0" hangingPunct="1">
+                        <a:lnSpc>
+                          <a:spcPct val="100000"/>
+                        </a:lnSpc>
+                        <a:spcBef>
+                          <a:spcPts val="0"/>
+                        </a:spcBef>
+                        <a:spcAft>
+                          <a:spcPts val="0"/>
+                        </a:spcAft>
+                        <a:buClrTx/>
+                        <a:buSzTx/>
+                        <a:buFontTx/>
+                        <a:buNone/>
+                        <a:tabLst/>
+                        <a:defRPr/>
+                      </a:pPr>
+                      <a:endParaRPr lang="de-DE" sz="1200" dirty="0" smtClean="0"/>
+                    </a:p>
+                  </a:txBody>
+                  <a:tcPr/>
+                </a:tc>
+                <a:tc>
+                  <a:txBody>
+                    <a:bodyPr/>
+                    <a:lstStyle/>
+                    <a:p>
+                      <a:pPr marL="0" marR="0" indent="0" algn="l" defTabSz="914400" rtl="0" eaLnBrk="1" fontAlgn="auto" latinLnBrk="0" hangingPunct="1">
+                        <a:lnSpc>
+                          <a:spcPct val="100000"/>
+                        </a:lnSpc>
+                        <a:spcBef>
+                          <a:spcPts val="0"/>
+                        </a:spcBef>
+                        <a:spcAft>
+                          <a:spcPts val="0"/>
+                        </a:spcAft>
+                        <a:buClrTx/>
+                        <a:buSzTx/>
+                        <a:buFontTx/>
+                        <a:buNone/>
+                        <a:tabLst/>
+                        <a:defRPr/>
+                      </a:pPr>
+                      <a:r>
+                        <a:rPr lang="de-DE" sz="1200" dirty="0" err="1" smtClean="0"/>
+                        <a:t>Xperia</a:t>
+                      </a:r>
+                      <a:r>
+                        <a:rPr lang="de-DE" sz="1200" dirty="0" smtClean="0"/>
+                        <a:t> E5</a:t>
+                      </a:r>
+                    </a:p>
+                  </a:txBody>
+                  <a:tcPr/>
+                </a:tc>
+                <a:tc>
+                  <a:txBody>
+                    <a:bodyPr/>
+                    <a:lstStyle/>
+                    <a:p>
+                      <a:pPr algn="r"/>
+                      <a:r>
+                        <a:rPr lang="de-DE" sz="1200" dirty="0" smtClean="0"/>
+                        <a:t>3</a:t>
+                      </a:r>
+                      <a:endParaRPr lang="de-DE" sz="1200" dirty="0"/>
+                    </a:p>
+                  </a:txBody>
+                  <a:tcPr/>
+                </a:tc>
+                <a:tc>
+                  <a:txBody>
+                    <a:bodyPr/>
+                    <a:lstStyle/>
+                    <a:p>
+                      <a:pPr algn="r"/>
+                      <a:r>
+                        <a:rPr lang="de-DE" sz="1200" dirty="0" smtClean="0"/>
+                        <a:t>420€</a:t>
+                      </a:r>
+                      <a:endParaRPr lang="de-DE" sz="1200" dirty="0"/>
+                    </a:p>
+                  </a:txBody>
+                  <a:tcPr/>
+                </a:tc>
+              </a:tr>
+              <a:tr h="0">
+                <a:tc vMerge="1">
+                  <a:txBody>
+                    <a:bodyPr/>
+                    <a:lstStyle/>
+                    <a:p>
+                      <a:endParaRPr lang="de-DE" sz="1200" dirty="0" smtClean="0"/>
+                    </a:p>
+                  </a:txBody>
+                  <a:tcPr/>
+                </a:tc>
+                <a:tc>
+                  <a:txBody>
+                    <a:bodyPr/>
+                    <a:lstStyle/>
+                    <a:p>
+                      <a:r>
+                        <a:rPr lang="de-DE" sz="1200" dirty="0" smtClean="0"/>
+                        <a:t>Moto G4</a:t>
+                      </a:r>
+                    </a:p>
+                  </a:txBody>
+                  <a:tcPr/>
+                </a:tc>
+                <a:tc>
+                  <a:txBody>
+                    <a:bodyPr/>
+                    <a:lstStyle/>
+                    <a:p>
+                      <a:pPr algn="r"/>
+                      <a:r>
+                        <a:rPr lang="de-DE" sz="1200" dirty="0" smtClean="0"/>
+                        <a:t>7</a:t>
+                      </a:r>
+                      <a:endParaRPr lang="de-DE" sz="1200" dirty="0"/>
+                    </a:p>
+                  </a:txBody>
+                  <a:tcPr/>
+                </a:tc>
+                <a:tc>
+                  <a:txBody>
+                    <a:bodyPr/>
+                    <a:lstStyle/>
+                    <a:p>
+                      <a:pPr algn="r"/>
+                      <a:r>
+                        <a:rPr lang="de-DE" sz="1200" dirty="0" smtClean="0"/>
+                        <a:t>1120€</a:t>
+                      </a:r>
+                      <a:endParaRPr lang="de-DE" sz="1200" dirty="0"/>
+                    </a:p>
+                  </a:txBody>
+                  <a:tcPr/>
+                </a:tc>
+              </a:tr>
+              <a:tr h="0">
+                <a:tc rowSpan="2">
+                  <a:txBody>
+                    <a:bodyPr/>
+                    <a:lstStyle/>
+                    <a:p>
+                      <a:pPr marL="0" marR="0" indent="0" algn="ctr" defTabSz="914400" rtl="0" eaLnBrk="1" fontAlgn="auto" latinLnBrk="0" hangingPunct="1">
+                        <a:lnSpc>
+                          <a:spcPct val="100000"/>
+                        </a:lnSpc>
+                        <a:spcBef>
+                          <a:spcPts val="0"/>
+                        </a:spcBef>
+                        <a:spcAft>
+                          <a:spcPts val="0"/>
+                        </a:spcAft>
+                        <a:buClrTx/>
+                        <a:buSzTx/>
+                        <a:buFontTx/>
+                        <a:buNone/>
+                        <a:tabLst/>
+                        <a:defRPr/>
+                      </a:pPr>
+                      <a:r>
+                        <a:rPr lang="de-DE" sz="1200" dirty="0" smtClean="0"/>
+                        <a:t>K</a:t>
+                      </a:r>
+                    </a:p>
+                  </a:txBody>
+                  <a:tcPr anchor="ctr"/>
+                </a:tc>
+                <a:tc>
+                  <a:txBody>
+                    <a:bodyPr/>
+                    <a:lstStyle/>
+                    <a:p>
+                      <a:pPr marL="0" marR="0" indent="0" algn="l" defTabSz="914400" rtl="0" eaLnBrk="1" fontAlgn="auto" latinLnBrk="0" hangingPunct="1">
+                        <a:lnSpc>
+                          <a:spcPct val="100000"/>
+                        </a:lnSpc>
+                        <a:spcBef>
+                          <a:spcPts val="0"/>
+                        </a:spcBef>
+                        <a:spcAft>
+                          <a:spcPts val="0"/>
+                        </a:spcAft>
+                        <a:buClrTx/>
+                        <a:buSzTx/>
+                        <a:buFontTx/>
+                        <a:buNone/>
+                        <a:tabLst/>
+                        <a:defRPr/>
+                      </a:pPr>
+                      <a:r>
+                        <a:rPr lang="de-DE" sz="1200" dirty="0" smtClean="0"/>
+                        <a:t>USB 1,5m</a:t>
+                      </a:r>
+                    </a:p>
+                  </a:txBody>
+                  <a:tcPr/>
+                </a:tc>
+                <a:tc>
+                  <a:txBody>
+                    <a:bodyPr/>
+                    <a:lstStyle/>
+                    <a:p>
+                      <a:pPr algn="r"/>
+                      <a:r>
+                        <a:rPr lang="de-DE" sz="1200" dirty="0" smtClean="0"/>
+                        <a:t>350</a:t>
+                      </a:r>
+                      <a:endParaRPr lang="de-DE" sz="1200" dirty="0"/>
+                    </a:p>
+                  </a:txBody>
+                  <a:tcPr/>
+                </a:tc>
+                <a:tc>
+                  <a:txBody>
+                    <a:bodyPr/>
+                    <a:lstStyle/>
+                    <a:p>
+                      <a:pPr algn="r"/>
+                      <a:r>
+                        <a:rPr lang="de-DE" sz="1200" dirty="0" smtClean="0"/>
+                        <a:t>1.600€</a:t>
+                      </a:r>
+                      <a:endParaRPr lang="de-DE" sz="1200" dirty="0"/>
+                    </a:p>
+                  </a:txBody>
+                  <a:tcPr/>
+                </a:tc>
+              </a:tr>
+              <a:tr h="0">
+                <a:tc vMerge="1">
+                  <a:txBody>
+                    <a:bodyPr/>
+                    <a:lstStyle/>
+                    <a:p>
+                      <a:pPr marL="0" marR="0" indent="0" algn="l" defTabSz="914400" rtl="0" eaLnBrk="1" fontAlgn="auto" latinLnBrk="0" hangingPunct="1">
+                        <a:lnSpc>
+                          <a:spcPct val="100000"/>
+                        </a:lnSpc>
+                        <a:spcBef>
+                          <a:spcPts val="0"/>
+                        </a:spcBef>
+                        <a:spcAft>
+                          <a:spcPts val="0"/>
+                        </a:spcAft>
+                        <a:buClrTx/>
+                        <a:buSzTx/>
+                        <a:buFontTx/>
+                        <a:buNone/>
+                        <a:tabLst/>
+                        <a:defRPr/>
+                      </a:pPr>
+                      <a:endParaRPr lang="de-DE" sz="1200" dirty="0" smtClean="0"/>
+                    </a:p>
+                  </a:txBody>
+                  <a:tcPr/>
+                </a:tc>
+                <a:tc>
+                  <a:txBody>
+                    <a:bodyPr/>
+                    <a:lstStyle/>
+                    <a:p>
+                      <a:pPr marL="0" marR="0" indent="0" algn="l" defTabSz="914400" rtl="0" eaLnBrk="1" fontAlgn="auto" latinLnBrk="0" hangingPunct="1">
+                        <a:lnSpc>
+                          <a:spcPct val="100000"/>
+                        </a:lnSpc>
+                        <a:spcBef>
+                          <a:spcPts val="0"/>
+                        </a:spcBef>
+                        <a:spcAft>
+                          <a:spcPts val="0"/>
+                        </a:spcAft>
+                        <a:buClrTx/>
+                        <a:buSzTx/>
+                        <a:buFontTx/>
+                        <a:buNone/>
+                        <a:tabLst/>
+                        <a:defRPr/>
+                      </a:pPr>
+                      <a:r>
+                        <a:rPr lang="de-DE" sz="1200" dirty="0" smtClean="0"/>
+                        <a:t>USB</a:t>
+                      </a:r>
+                      <a:r>
+                        <a:rPr lang="de-DE" sz="1200" baseline="0" dirty="0" smtClean="0"/>
+                        <a:t> 3m</a:t>
+                      </a:r>
+                      <a:endParaRPr lang="de-DE" sz="1200" dirty="0" smtClean="0"/>
+                    </a:p>
+                  </a:txBody>
+                  <a:tcPr/>
+                </a:tc>
+                <a:tc>
+                  <a:txBody>
+                    <a:bodyPr/>
+                    <a:lstStyle/>
+                    <a:p>
+                      <a:pPr algn="r"/>
+                      <a:r>
+                        <a:rPr lang="de-DE" sz="1200" dirty="0" smtClean="0"/>
+                        <a:t>35</a:t>
+                      </a:r>
+                      <a:endParaRPr lang="de-DE" sz="1200" dirty="0"/>
+                    </a:p>
+                  </a:txBody>
+                  <a:tcPr/>
+                </a:tc>
+                <a:tc>
+                  <a:txBody>
+                    <a:bodyPr/>
+                    <a:lstStyle/>
+                    <a:p>
+                      <a:pPr algn="r"/>
+                      <a:r>
+                        <a:rPr lang="de-DE" sz="1200" dirty="0" smtClean="0"/>
+                        <a:t>210€</a:t>
+                      </a:r>
+                      <a:endParaRPr lang="de-DE" sz="1200" dirty="0"/>
+                    </a:p>
+                  </a:txBody>
+                  <a:tcPr/>
+                </a:tc>
+              </a:tr>
+            </a:tbl>
+          </a:graphicData>
+        </a:graphic>
+      </p:graphicFrame>
+      <p:sp>
+        <p:nvSpPr>
+          <p:cNvPr id="28" name="Legende mit Linie 1 27"/>
+          <p:cNvSpPr/>
+          <p:nvPr/>
+        </p:nvSpPr>
+        <p:spPr bwMode="auto">
+          <a:xfrm>
+            <a:off x="7540172" y="1291528"/>
+            <a:ext cx="2024742" cy="551786"/>
+          </a:xfrm>
+          <a:prstGeom prst="borderCallout1">
+            <a:avLst>
+              <a:gd name="adj1" fmla="val 121083"/>
+              <a:gd name="adj2" fmla="val 68216"/>
+              <a:gd name="adj3" fmla="val 182759"/>
+              <a:gd name="adj4" fmla="val 76547"/>
+            </a:avLst>
+          </a:prstGeom>
+          <a:ln>
+            <a:headEnd type="none" w="med" len="med"/>
+            <a:tailEnd type="none" w="med" len="med"/>
+          </a:ln>
+        </p:spPr>
+        <p:style>
+          <a:lnRef idx="1">
+            <a:schemeClr val="accent5"/>
+          </a:lnRef>
+          <a:fillRef idx="2">
+            <a:schemeClr val="accent5"/>
+          </a:fillRef>
+          <a:effectRef idx="1">
+            <a:schemeClr val="accent5"/>
+          </a:effectRef>
+          <a:fontRef idx="minor">
+            <a:schemeClr val="dk1"/>
+          </a:fontRef>
+        </p:style>
+        <p:txBody>
+          <a:bodyPr rot="0" spcFirstLastPara="0" vertOverflow="overflow" horzOverflow="overflow" vert="horz" wrap="square" lIns="91440" tIns="45720" rIns="91440" bIns="45720" numCol="1" spcCol="0" rtlCol="0" fromWordArt="0" anchor="ctr" anchorCtr="0" forceAA="0" compatLnSpc="1">
+            <a:prstTxWarp prst="textNoShape">
+              <a:avLst/>
+            </a:prstTxWarp>
+            <a:noAutofit/>
+          </a:bodyPr>
+          <a:lstStyle/>
+          <a:p>
+            <a:pPr marL="0" marR="0" indent="0" algn="ctr" defTabSz="914400" rtl="0" eaLnBrk="1" fontAlgn="base" latinLnBrk="0" hangingPunct="1">
+              <a:lnSpc>
+                <a:spcPct val="100000"/>
+              </a:lnSpc>
+              <a:spcBef>
+                <a:spcPct val="0"/>
+              </a:spcBef>
+              <a:spcAft>
+                <a:spcPts val="600"/>
+              </a:spcAft>
+              <a:buClrTx/>
+              <a:buSzTx/>
+              <a:buFontTx/>
+              <a:buNone/>
+              <a:tabLst/>
+            </a:pPr>
+            <a:r>
+              <a:rPr kumimoji="0" lang="de-DE" b="0" i="0" u="none" strike="noStrike" cap="none" normalizeH="0" baseline="0" dirty="0" err="1" smtClean="0">
+                <a:ln>
+                  <a:noFill/>
+                </a:ln>
+                <a:solidFill>
+                  <a:schemeClr val="tx1"/>
+                </a:solidFill>
+                <a:effectLst/>
+                <a:latin typeface="Open Sans" panose="020B0606030504020204" pitchFamily="34" charset="0"/>
+                <a:ea typeface="Open Sans" panose="020B0606030504020204" pitchFamily="34" charset="0"/>
+                <a:cs typeface="Open Sans" panose="020B0606030504020204" pitchFamily="34" charset="0"/>
+              </a:rPr>
+              <a:t>saveAsHadoopFile</a:t>
+            </a:r>
+            <a:endParaRPr kumimoji="0" lang="de-DE" b="0" i="0" u="none" strike="noStrike" cap="none" normalizeH="0" baseline="0" dirty="0" smtClean="0">
+              <a:ln>
+                <a:noFill/>
+              </a:ln>
+              <a:solidFill>
+                <a:schemeClr val="tx1"/>
+              </a:solidFill>
+              <a:effectLst/>
+              <a:latin typeface="Open Sans" panose="020B0606030504020204" pitchFamily="34" charset="0"/>
+              <a:ea typeface="Open Sans" panose="020B0606030504020204" pitchFamily="34" charset="0"/>
+              <a:cs typeface="Open Sans" panose="020B0606030504020204" pitchFamily="34" charset="0"/>
+            </a:endParaRPr>
+          </a:p>
+        </p:txBody>
+      </p:sp>
+      <p:pic>
+        <p:nvPicPr>
+          <p:cNvPr id="2050" name="Picture 2" descr="D:\projects\mgm\jug-saxony-workshop\src\slides\resources\images\1490827978_12.File.png"/>
+          <p:cNvPicPr>
+            <a:picLocks noChangeAspect="1" noChangeArrowheads="1"/>
+          </p:cNvPicPr>
+          <p:nvPr/>
+        </p:nvPicPr>
+        <p:blipFill>
+          <a:blip r:embed="rId4">
+            <a:extLst>
+              <a:ext uri="{28A0092B-C50C-407E-A947-70E740481C1C}">
+                <a14:useLocalDpi xmlns:a14="http://schemas.microsoft.com/office/drawing/2010/main" val="0"/>
+              </a:ext>
+            </a:extLst>
+          </a:blip>
+          <a:srcRect/>
+          <a:stretch>
+            <a:fillRect/>
+          </a:stretch>
+        </p:blipFill>
+        <p:spPr bwMode="auto">
+          <a:xfrm>
+            <a:off x="10479316" y="3532527"/>
+            <a:ext cx="711200" cy="711200"/>
+          </a:xfrm>
+          <a:prstGeom prst="rect">
+            <a:avLst/>
+          </a:prstGeom>
+          <a:noFill/>
+          <a:extLst>
+            <a:ext uri="{909E8E84-426E-40DD-AFC4-6F175D3DCCD1}">
+              <a14:hiddenFill xmlns:a14="http://schemas.microsoft.com/office/drawing/2010/main">
+                <a:solidFill>
+                  <a:srgbClr val="FFFFFF"/>
+                </a:solidFill>
+              </a14:hiddenFill>
+            </a:ext>
+          </a:extLst>
+        </p:spPr>
+      </p:pic>
+      <p:pic>
+        <p:nvPicPr>
+          <p:cNvPr id="29" name="Picture 2" descr="D:\projects\mgm\jug-saxony-workshop\src\slides\resources\images\1490827978_12.File.png"/>
+          <p:cNvPicPr>
+            <a:picLocks noChangeAspect="1" noChangeArrowheads="1"/>
+          </p:cNvPicPr>
+          <p:nvPr/>
+        </p:nvPicPr>
+        <p:blipFill>
+          <a:blip r:embed="rId4">
+            <a:extLst>
+              <a:ext uri="{28A0092B-C50C-407E-A947-70E740481C1C}">
+                <a14:useLocalDpi xmlns:a14="http://schemas.microsoft.com/office/drawing/2010/main" val="0"/>
+              </a:ext>
+            </a:extLst>
+          </a:blip>
+          <a:srcRect/>
+          <a:stretch>
+            <a:fillRect/>
+          </a:stretch>
+        </p:blipFill>
+        <p:spPr bwMode="auto">
+          <a:xfrm>
+            <a:off x="10479316" y="4410641"/>
+            <a:ext cx="711200" cy="711200"/>
+          </a:xfrm>
+          <a:prstGeom prst="rect">
+            <a:avLst/>
+          </a:prstGeom>
+          <a:noFill/>
+          <a:extLst>
+            <a:ext uri="{909E8E84-426E-40DD-AFC4-6F175D3DCCD1}">
+              <a14:hiddenFill xmlns:a14="http://schemas.microsoft.com/office/drawing/2010/main">
+                <a:solidFill>
+                  <a:srgbClr val="FFFFFF"/>
+                </a:solidFill>
+              </a14:hiddenFill>
+            </a:ext>
+          </a:extLst>
+        </p:spPr>
+      </p:pic>
+      <p:pic>
+        <p:nvPicPr>
+          <p:cNvPr id="30" name="Picture 2" descr="D:\projects\mgm\jug-saxony-workshop\src\slides\resources\images\1490827978_12.File.png"/>
+          <p:cNvPicPr>
+            <a:picLocks noChangeAspect="1" noChangeArrowheads="1"/>
+          </p:cNvPicPr>
+          <p:nvPr/>
+        </p:nvPicPr>
+        <p:blipFill>
+          <a:blip r:embed="rId4">
+            <a:extLst>
+              <a:ext uri="{28A0092B-C50C-407E-A947-70E740481C1C}">
+                <a14:useLocalDpi xmlns:a14="http://schemas.microsoft.com/office/drawing/2010/main" val="0"/>
+              </a:ext>
+            </a:extLst>
+          </a:blip>
+          <a:srcRect/>
+          <a:stretch>
+            <a:fillRect/>
+          </a:stretch>
+        </p:blipFill>
+        <p:spPr bwMode="auto">
+          <a:xfrm>
+            <a:off x="10479316" y="5288755"/>
+            <a:ext cx="711200" cy="711200"/>
+          </a:xfrm>
+          <a:prstGeom prst="rect">
+            <a:avLst/>
+          </a:prstGeom>
+          <a:noFill/>
+          <a:extLst>
+            <a:ext uri="{909E8E84-426E-40DD-AFC4-6F175D3DCCD1}">
+              <a14:hiddenFill xmlns:a14="http://schemas.microsoft.com/office/drawing/2010/main">
+                <a:solidFill>
+                  <a:srgbClr val="FFFFFF"/>
+                </a:solidFill>
+              </a14:hiddenFill>
+            </a:ext>
+          </a:extLst>
+        </p:spPr>
+      </p:pic>
     </p:spTree>
     <p:extLst>
       <p:ext uri="{BB962C8B-B14F-4D97-AF65-F5344CB8AC3E}">

--- a/src/slides/resources/2017-03-31-JUG-Saxony-Workshop-de.pptx
+++ b/src/slides/resources/2017-03-31-JUG-Saxony-Workshop-de.pptx
@@ -20,7 +20,7 @@
     <p:sldId id="716" r:id="rId8"/>
     <p:sldId id="720" r:id="rId9"/>
     <p:sldId id="721" r:id="rId10"/>
-    <p:sldId id="710" r:id="rId11"/>
+    <p:sldId id="722" r:id="rId11"/>
     <p:sldId id="713" r:id="rId12"/>
     <p:sldId id="709" r:id="rId13"/>
     <p:sldId id="686" r:id="rId14"/>
@@ -1705,6 +1705,150 @@
 </p:notes>
 </file>
 
+<file path=ppt/notesSlides/notesSlide6.xml><?xml version="1.0" encoding="utf-8"?>
+<p:notes xmlns:a="http://schemas.openxmlformats.org/drawingml/2006/main" xmlns:r="http://schemas.openxmlformats.org/officeDocument/2006/relationships" xmlns:p="http://schemas.openxmlformats.org/presentationml/2006/main">
+  <p:cSld>
+    <p:spTree>
+      <p:nvGrpSpPr>
+        <p:cNvPr id="1" name=""/>
+        <p:cNvGrpSpPr/>
+        <p:nvPr/>
+      </p:nvGrpSpPr>
+      <p:grpSpPr>
+        <a:xfrm>
+          <a:off x="0" y="0"/>
+          <a:ext cx="0" cy="0"/>
+          <a:chOff x="0" y="0"/>
+          <a:chExt cx="0" cy="0"/>
+        </a:xfrm>
+      </p:grpSpPr>
+      <p:sp>
+        <p:nvSpPr>
+          <p:cNvPr id="2" name="Folienbildplatzhalter 1"/>
+          <p:cNvSpPr>
+            <a:spLocks noGrp="1" noRot="1" noChangeAspect="1"/>
+          </p:cNvSpPr>
+          <p:nvPr>
+            <p:ph type="sldImg"/>
+          </p:nvPr>
+        </p:nvSpPr>
+        <p:spPr>
+          <a:xfrm>
+            <a:off x="457200" y="719138"/>
+            <a:ext cx="6402388" cy="3602037"/>
+          </a:xfrm>
+        </p:spPr>
+      </p:sp>
+      <p:sp>
+        <p:nvSpPr>
+          <p:cNvPr id="3" name="Notizenplatzhalter 2"/>
+          <p:cNvSpPr>
+            <a:spLocks noGrp="1"/>
+          </p:cNvSpPr>
+          <p:nvPr>
+            <p:ph type="body" idx="1"/>
+          </p:nvPr>
+        </p:nvSpPr>
+        <p:spPr/>
+        <p:txBody>
+          <a:bodyPr/>
+          <a:lstStyle/>
+          <a:p>
+            <a:pPr marL="171450" indent="-171450">
+              <a:buFont typeface="Arial" panose="020B0604020202020204" pitchFamily="34" charset="0"/>
+              <a:buChar char="•"/>
+            </a:pPr>
+            <a:r>
+              <a:rPr lang="de-DE" dirty="0" smtClean="0"/>
+              <a:t>Im</a:t>
+            </a:r>
+            <a:r>
+              <a:rPr lang="de-DE" baseline="0" dirty="0" smtClean="0"/>
+              <a:t> Beispiel: Lexikographische Partitionierung bei </a:t>
+            </a:r>
+            <a:r>
+              <a:rPr lang="de-DE" baseline="0" dirty="0" err="1" smtClean="0"/>
+              <a:t>aggregateByKey</a:t>
+            </a:r>
+            <a:endParaRPr lang="de-DE" baseline="0" dirty="0" smtClean="0"/>
+          </a:p>
+          <a:p>
+            <a:pPr marL="171450" indent="-171450">
+              <a:buFont typeface="Arial" panose="020B0604020202020204" pitchFamily="34" charset="0"/>
+              <a:buChar char="•"/>
+            </a:pPr>
+            <a:r>
+              <a:rPr lang="de-DE" dirty="0" smtClean="0"/>
+              <a:t>Jeweils</a:t>
+            </a:r>
+            <a:r>
+              <a:rPr lang="de-DE" baseline="0" dirty="0" smtClean="0"/>
+              <a:t> vor und nach einem Pfeil liegt eine RDD in Spark vor</a:t>
+            </a:r>
+          </a:p>
+          <a:p>
+            <a:pPr marL="171450" indent="-171450">
+              <a:buFont typeface="Arial" panose="020B0604020202020204" pitchFamily="34" charset="0"/>
+              <a:buChar char="•"/>
+            </a:pPr>
+            <a:r>
+              <a:rPr lang="de-DE" baseline="0" dirty="0" smtClean="0"/>
+              <a:t>Alle der hier dargestellten Operationen würden </a:t>
+            </a:r>
+            <a:r>
+              <a:rPr lang="de-DE" baseline="0" dirty="0" err="1" smtClean="0"/>
+              <a:t>lazy</a:t>
+            </a:r>
+            <a:r>
+              <a:rPr lang="de-DE" baseline="0" dirty="0" smtClean="0"/>
+              <a:t> (im Sinne von gar nicht) durchgeführt werden</a:t>
+            </a:r>
+            <a:endParaRPr lang="de-DE" dirty="0"/>
+          </a:p>
+        </p:txBody>
+      </p:sp>
+      <p:sp>
+        <p:nvSpPr>
+          <p:cNvPr id="4" name="Foliennummernplatzhalter 3"/>
+          <p:cNvSpPr>
+            <a:spLocks noGrp="1"/>
+          </p:cNvSpPr>
+          <p:nvPr>
+            <p:ph type="sldNum" sz="quarter" idx="10"/>
+          </p:nvPr>
+        </p:nvSpPr>
+        <p:spPr/>
+        <p:txBody>
+          <a:bodyPr/>
+          <a:lstStyle/>
+          <a:p>
+            <a:pPr>
+              <a:defRPr/>
+            </a:pPr>
+            <a:fld id="{A78FF2BC-F68A-4EB6-9E3E-3C5BE7030B7B}" type="slidenum">
+              <a:rPr lang="de-DE" smtClean="0"/>
+              <a:pPr>
+                <a:defRPr/>
+              </a:pPr>
+              <a:t>10</a:t>
+            </a:fld>
+            <a:endParaRPr lang="de-DE"/>
+          </a:p>
+        </p:txBody>
+      </p:sp>
+    </p:spTree>
+    <p:extLst>
+      <p:ext uri="{BB962C8B-B14F-4D97-AF65-F5344CB8AC3E}">
+        <p14:creationId xmlns:p14="http://schemas.microsoft.com/office/powerpoint/2010/main" val="4234656738"/>
+      </p:ext>
+    </p:extLst>
+  </p:cSld>
+  <p:clrMapOvr>
+    <a:masterClrMapping/>
+  </p:clrMapOvr>
+</p:notes>
+</file>
+
 <file path=ppt/slideLayouts/slideLayout1.xml><?xml version="1.0" encoding="utf-8"?>
 <p:sldLayout xmlns:a="http://schemas.openxmlformats.org/drawingml/2006/main" xmlns:r="http://schemas.openxmlformats.org/officeDocument/2006/relationships" xmlns:p="http://schemas.openxmlformats.org/presentationml/2006/main" showMasterSp="0" preserve="1" userDrawn="1">
   <p:cSld name="Titelfolie">
@@ -3939,38 +4083,9 @@
           <a:chExt cx="0" cy="0"/>
         </a:xfrm>
       </p:grpSpPr>
-      <p:pic>
-        <p:nvPicPr>
-          <p:cNvPr id="4" name="Inhaltsplatzhalter 3"/>
-          <p:cNvPicPr>
-            <a:picLocks noGrp="1" noChangeAspect="1"/>
-          </p:cNvPicPr>
-          <p:nvPr>
-            <p:ph idx="1"/>
-          </p:nvPr>
-        </p:nvPicPr>
-        <p:blipFill>
-          <a:blip r:embed="rId2">
-            <a:extLst>
-              <a:ext uri="{28A0092B-C50C-407E-A947-70E740481C1C}">
-                <a14:useLocalDpi xmlns:a14="http://schemas.microsoft.com/office/drawing/2010/main" val="0"/>
-              </a:ext>
-            </a:extLst>
-          </a:blip>
-          <a:stretch>
-            <a:fillRect/>
-          </a:stretch>
-        </p:blipFill>
-        <p:spPr>
-          <a:xfrm>
-            <a:off x="2663031" y="1947069"/>
-            <a:ext cx="6791325" cy="3333750"/>
-          </a:xfrm>
-        </p:spPr>
-      </p:pic>
       <p:sp>
         <p:nvSpPr>
-          <p:cNvPr id="3" name="Titel 2"/>
+          <p:cNvPr id="2" name="Titel 1"/>
           <p:cNvSpPr>
             <a:spLocks noGrp="1"/>
           </p:cNvSpPr>
@@ -3985,16 +4100,4534 @@
           <a:p>
             <a:r>
               <a:rPr lang="de-DE" dirty="0" smtClean="0"/>
-              <a:t>Enterprise – Was heißt das eigentlich?</a:t>
-            </a:r>
-            <a:endParaRPr lang="en-US" dirty="0"/>
+              <a:t>Es kann hilfreich sein, zusätzliche Informationen während der Verarbeitung zu erheben, z.B. Zähler</a:t>
+            </a:r>
+            <a:endParaRPr lang="de-DE" dirty="0"/>
+          </a:p>
+        </p:txBody>
+      </p:sp>
+      <p:graphicFrame>
+        <p:nvGraphicFramePr>
+          <p:cNvPr id="6" name="Tabelle 5"/>
+          <p:cNvGraphicFramePr>
+            <a:graphicFrameLocks noGrp="1"/>
+          </p:cNvGraphicFramePr>
+          <p:nvPr>
+            <p:extLst>
+              <p:ext uri="{D42A27DB-BD31-4B8C-83A1-F6EECF244321}">
+                <p14:modId xmlns:p14="http://schemas.microsoft.com/office/powerpoint/2010/main" val="1850839086"/>
+              </p:ext>
+            </p:extLst>
+          </p:nvPr>
+        </p:nvGraphicFramePr>
+        <p:xfrm>
+          <a:off x="553224" y="2795753"/>
+          <a:ext cx="2571582" cy="1645920"/>
+        </p:xfrm>
+        <a:graphic>
+          <a:graphicData uri="http://schemas.openxmlformats.org/drawingml/2006/table">
+            <a:tbl>
+              <a:tblPr bandRow="1">
+                <a:tableStyleId>{93296810-A885-4BE3-A3E7-6D5BEEA58F35}</a:tableStyleId>
+              </a:tblPr>
+              <a:tblGrid>
+                <a:gridCol w="1057862"/>
+                <a:gridCol w="420914"/>
+                <a:gridCol w="478971"/>
+                <a:gridCol w="613835"/>
+              </a:tblGrid>
+              <a:tr h="0">
+                <a:tc>
+                  <a:txBody>
+                    <a:bodyPr/>
+                    <a:lstStyle/>
+                    <a:p>
+                      <a:r>
+                        <a:rPr lang="de-DE" sz="1200" dirty="0" smtClean="0"/>
+                        <a:t>Moto G4</a:t>
+                      </a:r>
+                    </a:p>
+                  </a:txBody>
+                  <a:tcPr/>
+                </a:tc>
+                <a:tc>
+                  <a:txBody>
+                    <a:bodyPr/>
+                    <a:lstStyle/>
+                    <a:p>
+                      <a:pPr algn="ctr"/>
+                      <a:r>
+                        <a:rPr lang="de-DE" sz="1200" dirty="0" smtClean="0"/>
+                        <a:t>S</a:t>
+                      </a:r>
+                      <a:endParaRPr lang="de-DE" sz="1200" dirty="0"/>
+                    </a:p>
+                  </a:txBody>
+                  <a:tcPr/>
+                </a:tc>
+                <a:tc>
+                  <a:txBody>
+                    <a:bodyPr/>
+                    <a:lstStyle/>
+                    <a:p>
+                      <a:pPr algn="r"/>
+                      <a:r>
+                        <a:rPr lang="de-DE" sz="1200" dirty="0" smtClean="0"/>
+                        <a:t>7</a:t>
+                      </a:r>
+                      <a:endParaRPr lang="de-DE" sz="1200" dirty="0"/>
+                    </a:p>
+                  </a:txBody>
+                  <a:tcPr/>
+                </a:tc>
+                <a:tc>
+                  <a:txBody>
+                    <a:bodyPr/>
+                    <a:lstStyle/>
+                    <a:p>
+                      <a:pPr algn="r"/>
+                      <a:r>
+                        <a:rPr lang="de-DE" sz="1200" dirty="0" smtClean="0"/>
+                        <a:t>160€</a:t>
+                      </a:r>
+                      <a:endParaRPr lang="de-DE" sz="1200" dirty="0"/>
+                    </a:p>
+                  </a:txBody>
+                  <a:tcPr/>
+                </a:tc>
+              </a:tr>
+              <a:tr h="0">
+                <a:tc>
+                  <a:txBody>
+                    <a:bodyPr/>
+                    <a:lstStyle/>
+                    <a:p>
+                      <a:r>
+                        <a:rPr lang="de-DE" sz="1200" dirty="0" err="1" smtClean="0"/>
+                        <a:t>Xperia</a:t>
+                      </a:r>
+                      <a:r>
+                        <a:rPr lang="de-DE" sz="1200" dirty="0" smtClean="0"/>
+                        <a:t> E5</a:t>
+                      </a:r>
+                      <a:endParaRPr lang="de-DE" sz="1200" dirty="0"/>
+                    </a:p>
+                  </a:txBody>
+                  <a:tcPr/>
+                </a:tc>
+                <a:tc>
+                  <a:txBody>
+                    <a:bodyPr/>
+                    <a:lstStyle/>
+                    <a:p>
+                      <a:pPr algn="ctr"/>
+                      <a:r>
+                        <a:rPr lang="de-DE" sz="1200" dirty="0" smtClean="0"/>
+                        <a:t>S</a:t>
+                      </a:r>
+                      <a:endParaRPr lang="de-DE" sz="1200" dirty="0"/>
+                    </a:p>
+                  </a:txBody>
+                  <a:tcPr/>
+                </a:tc>
+                <a:tc>
+                  <a:txBody>
+                    <a:bodyPr/>
+                    <a:lstStyle/>
+                    <a:p>
+                      <a:pPr algn="r"/>
+                      <a:r>
+                        <a:rPr lang="de-DE" sz="1200" dirty="0" smtClean="0"/>
+                        <a:t>2</a:t>
+                      </a:r>
+                      <a:endParaRPr lang="de-DE" sz="1200" dirty="0"/>
+                    </a:p>
+                  </a:txBody>
+                  <a:tcPr/>
+                </a:tc>
+                <a:tc>
+                  <a:txBody>
+                    <a:bodyPr/>
+                    <a:lstStyle/>
+                    <a:p>
+                      <a:pPr algn="r"/>
+                      <a:r>
+                        <a:rPr lang="de-DE" sz="1200" dirty="0" smtClean="0"/>
+                        <a:t>130€</a:t>
+                      </a:r>
+                      <a:endParaRPr lang="de-DE" sz="1200" dirty="0"/>
+                    </a:p>
+                  </a:txBody>
+                  <a:tcPr/>
+                </a:tc>
+              </a:tr>
+              <a:tr h="148461">
+                <a:tc>
+                  <a:txBody>
+                    <a:bodyPr/>
+                    <a:lstStyle/>
+                    <a:p>
+                      <a:r>
+                        <a:rPr lang="de-DE" sz="1200" dirty="0" smtClean="0"/>
+                        <a:t>LT-40VF43A</a:t>
+                      </a:r>
+                      <a:endParaRPr lang="de-DE" sz="1200" dirty="0"/>
+                    </a:p>
+                  </a:txBody>
+                  <a:tcPr/>
+                </a:tc>
+                <a:tc>
+                  <a:txBody>
+                    <a:bodyPr/>
+                    <a:lstStyle/>
+                    <a:p>
+                      <a:pPr algn="ctr"/>
+                      <a:r>
+                        <a:rPr lang="de-DE" sz="1200" dirty="0" smtClean="0"/>
+                        <a:t>F</a:t>
+                      </a:r>
+                      <a:endParaRPr lang="de-DE" sz="1200" dirty="0"/>
+                    </a:p>
+                  </a:txBody>
+                  <a:tcPr/>
+                </a:tc>
+                <a:tc>
+                  <a:txBody>
+                    <a:bodyPr/>
+                    <a:lstStyle/>
+                    <a:p>
+                      <a:pPr algn="r"/>
+                      <a:r>
+                        <a:rPr lang="de-DE" sz="1200" dirty="0" smtClean="0"/>
+                        <a:t>1</a:t>
+                      </a:r>
+                      <a:endParaRPr lang="de-DE" sz="1200" dirty="0"/>
+                    </a:p>
+                  </a:txBody>
+                  <a:tcPr/>
+                </a:tc>
+                <a:tc>
+                  <a:txBody>
+                    <a:bodyPr/>
+                    <a:lstStyle/>
+                    <a:p>
+                      <a:pPr algn="r"/>
+                      <a:r>
+                        <a:rPr lang="de-DE" sz="1200" dirty="0" smtClean="0"/>
+                        <a:t>320</a:t>
+                      </a:r>
+                      <a:r>
+                        <a:rPr lang="de-DE" sz="1200" dirty="0" smtClean="0"/>
+                        <a:t>€</a:t>
+                      </a:r>
+                      <a:endParaRPr lang="de-DE" sz="1200" dirty="0"/>
+                    </a:p>
+                  </a:txBody>
+                  <a:tcPr/>
+                </a:tc>
+              </a:tr>
+              <a:tr h="0">
+                <a:tc>
+                  <a:txBody>
+                    <a:bodyPr/>
+                    <a:lstStyle/>
+                    <a:p>
+                      <a:r>
+                        <a:rPr lang="de-DE" sz="1200" dirty="0" smtClean="0"/>
+                        <a:t>J6289</a:t>
+                      </a:r>
+                      <a:endParaRPr lang="de-DE" sz="1200" dirty="0"/>
+                    </a:p>
+                  </a:txBody>
+                  <a:tcPr/>
+                </a:tc>
+                <a:tc>
+                  <a:txBody>
+                    <a:bodyPr/>
+                    <a:lstStyle/>
+                    <a:p>
+                      <a:pPr algn="ctr"/>
+                      <a:r>
+                        <a:rPr lang="de-DE" sz="1200" dirty="0" smtClean="0"/>
+                        <a:t>F</a:t>
+                      </a:r>
+                      <a:endParaRPr lang="de-DE" sz="1200" dirty="0"/>
+                    </a:p>
+                  </a:txBody>
+                  <a:tcPr/>
+                </a:tc>
+                <a:tc>
+                  <a:txBody>
+                    <a:bodyPr/>
+                    <a:lstStyle/>
+                    <a:p>
+                      <a:pPr algn="r"/>
+                      <a:r>
+                        <a:rPr lang="de-DE" sz="1200" dirty="0" smtClean="0"/>
+                        <a:t>8</a:t>
+                      </a:r>
+                      <a:endParaRPr lang="de-DE" sz="1200" dirty="0"/>
+                    </a:p>
+                  </a:txBody>
+                  <a:tcPr/>
+                </a:tc>
+                <a:tc>
+                  <a:txBody>
+                    <a:bodyPr/>
+                    <a:lstStyle/>
+                    <a:p>
+                      <a:pPr algn="r"/>
+                      <a:r>
+                        <a:rPr lang="de-DE" sz="1200" dirty="0" smtClean="0"/>
+                        <a:t>400€</a:t>
+                      </a:r>
+                      <a:endParaRPr lang="de-DE" sz="1200" dirty="0"/>
+                    </a:p>
+                  </a:txBody>
+                  <a:tcPr/>
+                </a:tc>
+              </a:tr>
+              <a:tr h="0">
+                <a:tc>
+                  <a:txBody>
+                    <a:bodyPr/>
+                    <a:lstStyle/>
+                    <a:p>
+                      <a:r>
+                        <a:rPr lang="de-DE" sz="1200" dirty="0" smtClean="0"/>
+                        <a:t>USB 1,5m</a:t>
+                      </a:r>
+                      <a:endParaRPr lang="de-DE" sz="1200" dirty="0"/>
+                    </a:p>
+                  </a:txBody>
+                  <a:tcPr/>
+                </a:tc>
+                <a:tc>
+                  <a:txBody>
+                    <a:bodyPr/>
+                    <a:lstStyle/>
+                    <a:p>
+                      <a:pPr algn="ctr"/>
+                      <a:r>
+                        <a:rPr lang="de-DE" sz="1200" dirty="0" smtClean="0"/>
+                        <a:t>K</a:t>
+                      </a:r>
+                      <a:endParaRPr lang="de-DE" sz="1200" dirty="0"/>
+                    </a:p>
+                  </a:txBody>
+                  <a:tcPr/>
+                </a:tc>
+                <a:tc>
+                  <a:txBody>
+                    <a:bodyPr/>
+                    <a:lstStyle/>
+                    <a:p>
+                      <a:pPr algn="r"/>
+                      <a:r>
+                        <a:rPr lang="de-DE" sz="1200" dirty="0" smtClean="0"/>
+                        <a:t>150</a:t>
+                      </a:r>
+                      <a:endParaRPr lang="de-DE" sz="1200" dirty="0"/>
+                    </a:p>
+                  </a:txBody>
+                  <a:tcPr/>
+                </a:tc>
+                <a:tc>
+                  <a:txBody>
+                    <a:bodyPr/>
+                    <a:lstStyle/>
+                    <a:p>
+                      <a:pPr algn="r"/>
+                      <a:r>
+                        <a:rPr lang="de-DE" sz="1200" dirty="0" smtClean="0"/>
+                        <a:t>4€</a:t>
+                      </a:r>
+                      <a:endParaRPr lang="de-DE" sz="1200" dirty="0"/>
+                    </a:p>
+                  </a:txBody>
+                  <a:tcPr/>
+                </a:tc>
+              </a:tr>
+              <a:tr h="0">
+                <a:tc>
+                  <a:txBody>
+                    <a:bodyPr/>
+                    <a:lstStyle/>
+                    <a:p>
+                      <a:r>
+                        <a:rPr lang="de-DE" sz="1200" dirty="0" smtClean="0"/>
+                        <a:t>USB</a:t>
+                      </a:r>
+                      <a:r>
+                        <a:rPr lang="de-DE" sz="1200" baseline="0" dirty="0" smtClean="0"/>
+                        <a:t> 3m</a:t>
+                      </a:r>
+                      <a:endParaRPr lang="de-DE" sz="1200" dirty="0"/>
+                    </a:p>
+                  </a:txBody>
+                  <a:tcPr/>
+                </a:tc>
+                <a:tc>
+                  <a:txBody>
+                    <a:bodyPr/>
+                    <a:lstStyle/>
+                    <a:p>
+                      <a:pPr algn="ctr"/>
+                      <a:r>
+                        <a:rPr lang="de-DE" sz="1200" dirty="0" smtClean="0"/>
+                        <a:t>K</a:t>
+                      </a:r>
+                      <a:endParaRPr lang="de-DE" sz="1200" dirty="0"/>
+                    </a:p>
+                  </a:txBody>
+                  <a:tcPr/>
+                </a:tc>
+                <a:tc>
+                  <a:txBody>
+                    <a:bodyPr/>
+                    <a:lstStyle/>
+                    <a:p>
+                      <a:pPr algn="r"/>
+                      <a:r>
+                        <a:rPr lang="de-DE" sz="1200" dirty="0" smtClean="0"/>
+                        <a:t>35</a:t>
+                      </a:r>
+                      <a:endParaRPr lang="de-DE" sz="1200" dirty="0"/>
+                    </a:p>
+                  </a:txBody>
+                  <a:tcPr/>
+                </a:tc>
+                <a:tc>
+                  <a:txBody>
+                    <a:bodyPr/>
+                    <a:lstStyle/>
+                    <a:p>
+                      <a:pPr algn="r"/>
+                      <a:r>
+                        <a:rPr lang="de-DE" sz="1200" dirty="0" smtClean="0"/>
+                        <a:t>6€</a:t>
+                      </a:r>
+                      <a:endParaRPr lang="de-DE" sz="1200" dirty="0"/>
+                    </a:p>
+                  </a:txBody>
+                  <a:tcPr/>
+                </a:tc>
+              </a:tr>
+            </a:tbl>
+          </a:graphicData>
+        </a:graphic>
+      </p:graphicFrame>
+      <p:sp>
+        <p:nvSpPr>
+          <p:cNvPr id="11" name="Pfeil nach rechts 10"/>
+          <p:cNvSpPr/>
+          <p:nvPr/>
+        </p:nvSpPr>
+        <p:spPr bwMode="auto">
+          <a:xfrm>
+            <a:off x="3269077" y="2307771"/>
+            <a:ext cx="1219200" cy="946936"/>
+          </a:xfrm>
+          <a:prstGeom prst="rightArrow">
+            <a:avLst/>
+          </a:prstGeom>
+          <a:solidFill>
+            <a:srgbClr val="0070C0"/>
+          </a:solidFill>
+          <a:ln w="9525" cap="flat" cmpd="sng" algn="ctr">
+            <a:noFill/>
+            <a:prstDash val="solid"/>
+            <a:round/>
+            <a:headEnd type="none" w="med" len="med"/>
+            <a:tailEnd type="none" w="med" len="med"/>
+          </a:ln>
+          <a:effectLst/>
+        </p:spPr>
+        <p:txBody>
+          <a:bodyPr rot="0" spcFirstLastPara="0" vertOverflow="overflow" horzOverflow="overflow" vert="horz" wrap="square" lIns="91440" tIns="45720" rIns="91440" bIns="45720" numCol="1" spcCol="0" rtlCol="0" fromWordArt="0" anchor="ctr" anchorCtr="0" forceAA="0" compatLnSpc="1">
+            <a:prstTxWarp prst="textNoShape">
+              <a:avLst/>
+            </a:prstTxWarp>
+            <a:noAutofit/>
+          </a:bodyPr>
+          <a:lstStyle/>
+          <a:p>
+            <a:pPr marL="0" marR="0" indent="0" algn="ctr" defTabSz="914400" rtl="0" eaLnBrk="1" fontAlgn="base" latinLnBrk="0" hangingPunct="1">
+              <a:lnSpc>
+                <a:spcPct val="100000"/>
+              </a:lnSpc>
+              <a:spcBef>
+                <a:spcPct val="0"/>
+              </a:spcBef>
+              <a:spcAft>
+                <a:spcPts val="600"/>
+              </a:spcAft>
+              <a:buClrTx/>
+              <a:buSzTx/>
+              <a:buFontTx/>
+              <a:buNone/>
+              <a:tabLst/>
+            </a:pPr>
+            <a:endParaRPr kumimoji="0" lang="de-DE" sz="1200" b="0" i="0" u="none" strike="noStrike" cap="none" normalizeH="0" baseline="0" dirty="0" err="1" smtClean="0">
+              <a:ln>
+                <a:noFill/>
+              </a:ln>
+              <a:solidFill>
+                <a:schemeClr val="bg1"/>
+              </a:solidFill>
+              <a:effectLst/>
+              <a:latin typeface="Open Sans" panose="020B0606030504020204" pitchFamily="34" charset="0"/>
+              <a:ea typeface="Open Sans" panose="020B0606030504020204" pitchFamily="34" charset="0"/>
+              <a:cs typeface="Open Sans" panose="020B0606030504020204" pitchFamily="34" charset="0"/>
+            </a:endParaRPr>
+          </a:p>
+        </p:txBody>
+      </p:sp>
+      <p:graphicFrame>
+        <p:nvGraphicFramePr>
+          <p:cNvPr id="14" name="Tabelle 13"/>
+          <p:cNvGraphicFramePr>
+            <a:graphicFrameLocks noGrp="1"/>
+          </p:cNvGraphicFramePr>
+          <p:nvPr>
+            <p:extLst>
+              <p:ext uri="{D42A27DB-BD31-4B8C-83A1-F6EECF244321}">
+                <p14:modId xmlns:p14="http://schemas.microsoft.com/office/powerpoint/2010/main" val="2581659999"/>
+              </p:ext>
+            </p:extLst>
+          </p:nvPr>
+        </p:nvGraphicFramePr>
+        <p:xfrm>
+          <a:off x="553225" y="1218957"/>
+          <a:ext cx="2571582" cy="1371600"/>
+        </p:xfrm>
+        <a:graphic>
+          <a:graphicData uri="http://schemas.openxmlformats.org/drawingml/2006/table">
+            <a:tbl>
+              <a:tblPr bandRow="1">
+                <a:tableStyleId>{93296810-A885-4BE3-A3E7-6D5BEEA58F35}</a:tableStyleId>
+              </a:tblPr>
+              <a:tblGrid>
+                <a:gridCol w="1057861"/>
+                <a:gridCol w="420914"/>
+                <a:gridCol w="449943"/>
+                <a:gridCol w="642864"/>
+              </a:tblGrid>
+              <a:tr h="0">
+                <a:tc>
+                  <a:txBody>
+                    <a:bodyPr/>
+                    <a:lstStyle/>
+                    <a:p>
+                      <a:r>
+                        <a:rPr lang="de-DE" sz="1200" dirty="0" err="1" smtClean="0"/>
+                        <a:t>Galaxy</a:t>
+                      </a:r>
+                      <a:r>
+                        <a:rPr lang="de-DE" sz="1200" dirty="0" smtClean="0"/>
+                        <a:t> J3</a:t>
+                      </a:r>
+                      <a:endParaRPr lang="de-DE" sz="1200" dirty="0"/>
+                    </a:p>
+                  </a:txBody>
+                  <a:tcPr/>
+                </a:tc>
+                <a:tc>
+                  <a:txBody>
+                    <a:bodyPr/>
+                    <a:lstStyle/>
+                    <a:p>
+                      <a:pPr algn="ctr"/>
+                      <a:r>
+                        <a:rPr lang="de-DE" sz="1200" dirty="0" smtClean="0"/>
+                        <a:t>S</a:t>
+                      </a:r>
+                      <a:endParaRPr lang="de-DE" sz="1200" dirty="0"/>
+                    </a:p>
+                  </a:txBody>
+                  <a:tcPr/>
+                </a:tc>
+                <a:tc>
+                  <a:txBody>
+                    <a:bodyPr/>
+                    <a:lstStyle/>
+                    <a:p>
+                      <a:pPr algn="r"/>
+                      <a:r>
+                        <a:rPr lang="de-DE" sz="1200" dirty="0" smtClean="0"/>
+                        <a:t>5</a:t>
+                      </a:r>
+                      <a:endParaRPr lang="de-DE" sz="1200" dirty="0"/>
+                    </a:p>
+                  </a:txBody>
+                  <a:tcPr/>
+                </a:tc>
+                <a:tc>
+                  <a:txBody>
+                    <a:bodyPr/>
+                    <a:lstStyle/>
+                    <a:p>
+                      <a:pPr algn="r"/>
+                      <a:r>
+                        <a:rPr lang="de-DE" sz="1200" dirty="0" smtClean="0"/>
+                        <a:t>150€</a:t>
+                      </a:r>
+                      <a:endParaRPr lang="de-DE" sz="1200" dirty="0"/>
+                    </a:p>
+                  </a:txBody>
+                  <a:tcPr/>
+                </a:tc>
+              </a:tr>
+              <a:tr h="0">
+                <a:tc>
+                  <a:txBody>
+                    <a:bodyPr/>
+                    <a:lstStyle/>
+                    <a:p>
+                      <a:r>
+                        <a:rPr lang="de-DE" sz="1200" dirty="0" err="1" smtClean="0"/>
+                        <a:t>Xperia</a:t>
+                      </a:r>
+                      <a:r>
+                        <a:rPr lang="de-DE" sz="1200" dirty="0" smtClean="0"/>
+                        <a:t> E5</a:t>
+                      </a:r>
+                      <a:endParaRPr lang="de-DE" sz="1200" dirty="0"/>
+                    </a:p>
+                  </a:txBody>
+                  <a:tcPr/>
+                </a:tc>
+                <a:tc>
+                  <a:txBody>
+                    <a:bodyPr/>
+                    <a:lstStyle/>
+                    <a:p>
+                      <a:pPr algn="ctr"/>
+                      <a:r>
+                        <a:rPr lang="de-DE" sz="1200" dirty="0" smtClean="0"/>
+                        <a:t>S</a:t>
+                      </a:r>
+                      <a:endParaRPr lang="de-DE" sz="1200" dirty="0"/>
+                    </a:p>
+                  </a:txBody>
+                  <a:tcPr/>
+                </a:tc>
+                <a:tc>
+                  <a:txBody>
+                    <a:bodyPr/>
+                    <a:lstStyle/>
+                    <a:p>
+                      <a:pPr algn="r"/>
+                      <a:r>
+                        <a:rPr lang="de-DE" sz="1200" dirty="0" smtClean="0"/>
+                        <a:t>3</a:t>
+                      </a:r>
+                      <a:endParaRPr lang="de-DE" sz="1200" dirty="0"/>
+                    </a:p>
+                  </a:txBody>
+                  <a:tcPr/>
+                </a:tc>
+                <a:tc>
+                  <a:txBody>
+                    <a:bodyPr/>
+                    <a:lstStyle/>
+                    <a:p>
+                      <a:pPr algn="r"/>
+                      <a:r>
+                        <a:rPr lang="de-DE" sz="1200" dirty="0" smtClean="0"/>
+                        <a:t>140€</a:t>
+                      </a:r>
+                      <a:endParaRPr lang="de-DE" sz="1200" dirty="0"/>
+                    </a:p>
+                  </a:txBody>
+                  <a:tcPr/>
+                </a:tc>
+              </a:tr>
+              <a:tr h="0">
+                <a:tc>
+                  <a:txBody>
+                    <a:bodyPr/>
+                    <a:lstStyle/>
+                    <a:p>
+                      <a:r>
+                        <a:rPr lang="de-DE" sz="1200" dirty="0" smtClean="0"/>
+                        <a:t>KU6519</a:t>
+                      </a:r>
+                      <a:endParaRPr lang="de-DE" sz="1200" dirty="0"/>
+                    </a:p>
+                  </a:txBody>
+                  <a:tcPr/>
+                </a:tc>
+                <a:tc>
+                  <a:txBody>
+                    <a:bodyPr/>
+                    <a:lstStyle/>
+                    <a:p>
+                      <a:pPr algn="ctr"/>
+                      <a:r>
+                        <a:rPr lang="de-DE" sz="1200" dirty="0" smtClean="0"/>
+                        <a:t>F</a:t>
+                      </a:r>
+                      <a:endParaRPr lang="de-DE" sz="1200" dirty="0"/>
+                    </a:p>
+                  </a:txBody>
+                  <a:tcPr/>
+                </a:tc>
+                <a:tc>
+                  <a:txBody>
+                    <a:bodyPr/>
+                    <a:lstStyle/>
+                    <a:p>
+                      <a:pPr algn="r"/>
+                      <a:r>
+                        <a:rPr lang="de-DE" sz="1200" dirty="0" smtClean="0"/>
+                        <a:t>12</a:t>
+                      </a:r>
+                      <a:endParaRPr lang="de-DE" sz="1200" dirty="0"/>
+                    </a:p>
+                  </a:txBody>
+                  <a:tcPr/>
+                </a:tc>
+                <a:tc>
+                  <a:txBody>
+                    <a:bodyPr/>
+                    <a:lstStyle/>
+                    <a:p>
+                      <a:pPr algn="r"/>
+                      <a:r>
+                        <a:rPr lang="de-DE" sz="1200" dirty="0" smtClean="0"/>
+                        <a:t>900€</a:t>
+                      </a:r>
+                      <a:endParaRPr lang="de-DE" sz="1200" dirty="0"/>
+                    </a:p>
+                  </a:txBody>
+                  <a:tcPr/>
+                </a:tc>
+              </a:tr>
+              <a:tr h="0">
+                <a:tc>
+                  <a:txBody>
+                    <a:bodyPr/>
+                    <a:lstStyle/>
+                    <a:p>
+                      <a:r>
+                        <a:rPr lang="de-DE" sz="1200" dirty="0" smtClean="0"/>
+                        <a:t>LT-40VF43A</a:t>
+                      </a:r>
+                      <a:endParaRPr lang="de-DE" sz="1200" dirty="0"/>
+                    </a:p>
+                  </a:txBody>
+                  <a:tcPr/>
+                </a:tc>
+                <a:tc>
+                  <a:txBody>
+                    <a:bodyPr/>
+                    <a:lstStyle/>
+                    <a:p>
+                      <a:pPr algn="ctr"/>
+                      <a:r>
+                        <a:rPr lang="de-DE" sz="1200" dirty="0" smtClean="0"/>
+                        <a:t>F</a:t>
+                      </a:r>
+                      <a:endParaRPr lang="de-DE" sz="1200" dirty="0"/>
+                    </a:p>
+                  </a:txBody>
+                  <a:tcPr/>
+                </a:tc>
+                <a:tc>
+                  <a:txBody>
+                    <a:bodyPr/>
+                    <a:lstStyle/>
+                    <a:p>
+                      <a:pPr algn="r"/>
+                      <a:r>
+                        <a:rPr lang="de-DE" sz="1200" dirty="0" smtClean="0"/>
+                        <a:t>4</a:t>
+                      </a:r>
+                      <a:endParaRPr lang="de-DE" sz="1200" dirty="0"/>
+                    </a:p>
+                  </a:txBody>
+                  <a:tcPr/>
+                </a:tc>
+                <a:tc>
+                  <a:txBody>
+                    <a:bodyPr/>
+                    <a:lstStyle/>
+                    <a:p>
+                      <a:pPr algn="r"/>
+                      <a:r>
+                        <a:rPr lang="de-DE" sz="1200" dirty="0" smtClean="0"/>
+                        <a:t>300€</a:t>
+                      </a:r>
+                      <a:endParaRPr lang="de-DE" sz="1200" dirty="0"/>
+                    </a:p>
+                  </a:txBody>
+                  <a:tcPr/>
+                </a:tc>
+              </a:tr>
+              <a:tr h="0">
+                <a:tc>
+                  <a:txBody>
+                    <a:bodyPr/>
+                    <a:lstStyle/>
+                    <a:p>
+                      <a:r>
+                        <a:rPr lang="de-DE" sz="1200" dirty="0" smtClean="0"/>
+                        <a:t>USB</a:t>
+                      </a:r>
+                      <a:r>
+                        <a:rPr lang="de-DE" sz="1200" baseline="0" dirty="0" smtClean="0"/>
+                        <a:t> 1,5m</a:t>
+                      </a:r>
+                      <a:endParaRPr lang="de-DE" sz="1200" dirty="0"/>
+                    </a:p>
+                  </a:txBody>
+                  <a:tcPr/>
+                </a:tc>
+                <a:tc>
+                  <a:txBody>
+                    <a:bodyPr/>
+                    <a:lstStyle/>
+                    <a:p>
+                      <a:pPr algn="ctr"/>
+                      <a:r>
+                        <a:rPr lang="de-DE" sz="1200" dirty="0" smtClean="0"/>
+                        <a:t>K</a:t>
+                      </a:r>
+                      <a:endParaRPr lang="de-DE" sz="1200" dirty="0"/>
+                    </a:p>
+                  </a:txBody>
+                  <a:tcPr/>
+                </a:tc>
+                <a:tc>
+                  <a:txBody>
+                    <a:bodyPr/>
+                    <a:lstStyle/>
+                    <a:p>
+                      <a:pPr algn="r"/>
+                      <a:r>
+                        <a:rPr lang="de-DE" sz="1200" dirty="0" smtClean="0"/>
+                        <a:t>200</a:t>
+                      </a:r>
+                      <a:endParaRPr lang="de-DE" sz="1200" dirty="0"/>
+                    </a:p>
+                  </a:txBody>
+                  <a:tcPr/>
+                </a:tc>
+                <a:tc>
+                  <a:txBody>
+                    <a:bodyPr/>
+                    <a:lstStyle/>
+                    <a:p>
+                      <a:pPr algn="r"/>
+                      <a:r>
+                        <a:rPr lang="de-DE" sz="1200" dirty="0" smtClean="0"/>
+                        <a:t>5€</a:t>
+                      </a:r>
+                      <a:endParaRPr lang="de-DE" sz="1200" dirty="0"/>
+                    </a:p>
+                  </a:txBody>
+                  <a:tcPr/>
+                </a:tc>
+              </a:tr>
+            </a:tbl>
+          </a:graphicData>
+        </a:graphic>
+      </p:graphicFrame>
+      <p:graphicFrame>
+        <p:nvGraphicFramePr>
+          <p:cNvPr id="15" name="Tabelle 14"/>
+          <p:cNvGraphicFramePr>
+            <a:graphicFrameLocks noGrp="1"/>
+          </p:cNvGraphicFramePr>
+          <p:nvPr>
+            <p:extLst>
+              <p:ext uri="{D42A27DB-BD31-4B8C-83A1-F6EECF244321}">
+                <p14:modId xmlns:p14="http://schemas.microsoft.com/office/powerpoint/2010/main" val="2376618354"/>
+              </p:ext>
+            </p:extLst>
+          </p:nvPr>
+        </p:nvGraphicFramePr>
+        <p:xfrm>
+          <a:off x="4580938" y="2802767"/>
+          <a:ext cx="2571582" cy="1645920"/>
+        </p:xfrm>
+        <a:graphic>
+          <a:graphicData uri="http://schemas.openxmlformats.org/drawingml/2006/table">
+            <a:tbl>
+              <a:tblPr firstCol="1" bandRow="1">
+                <a:tableStyleId>{93296810-A885-4BE3-A3E7-6D5BEEA58F35}</a:tableStyleId>
+              </a:tblPr>
+              <a:tblGrid>
+                <a:gridCol w="1500548"/>
+                <a:gridCol w="478971"/>
+                <a:gridCol w="592063"/>
+              </a:tblGrid>
+              <a:tr h="0">
+                <a:tc>
+                  <a:txBody>
+                    <a:bodyPr/>
+                    <a:lstStyle/>
+                    <a:p>
+                      <a:r>
+                        <a:rPr lang="de-DE" sz="1200" dirty="0" smtClean="0"/>
+                        <a:t>(„Moto G4“, S)</a:t>
+                      </a:r>
+                    </a:p>
+                  </a:txBody>
+                  <a:tcPr/>
+                </a:tc>
+                <a:tc>
+                  <a:txBody>
+                    <a:bodyPr/>
+                    <a:lstStyle/>
+                    <a:p>
+                      <a:pPr algn="r"/>
+                      <a:r>
+                        <a:rPr lang="de-DE" sz="1200" dirty="0" smtClean="0"/>
+                        <a:t>7</a:t>
+                      </a:r>
+                      <a:endParaRPr lang="de-DE" sz="1200" dirty="0"/>
+                    </a:p>
+                  </a:txBody>
+                  <a:tcPr/>
+                </a:tc>
+                <a:tc>
+                  <a:txBody>
+                    <a:bodyPr/>
+                    <a:lstStyle/>
+                    <a:p>
+                      <a:pPr algn="r"/>
+                      <a:r>
+                        <a:rPr lang="de-DE" sz="1200" dirty="0" smtClean="0"/>
+                        <a:t>160€</a:t>
+                      </a:r>
+                      <a:endParaRPr lang="de-DE" sz="1200" dirty="0"/>
+                    </a:p>
+                  </a:txBody>
+                  <a:tcPr/>
+                </a:tc>
+              </a:tr>
+              <a:tr h="0">
+                <a:tc>
+                  <a:txBody>
+                    <a:bodyPr/>
+                    <a:lstStyle/>
+                    <a:p>
+                      <a:r>
+                        <a:rPr lang="de-DE" sz="1200" dirty="0" smtClean="0"/>
+                        <a:t>(„</a:t>
+                      </a:r>
+                      <a:r>
+                        <a:rPr lang="de-DE" sz="1200" dirty="0" err="1" smtClean="0"/>
+                        <a:t>Xperia</a:t>
+                      </a:r>
+                      <a:r>
+                        <a:rPr lang="de-DE" sz="1200" dirty="0" smtClean="0"/>
+                        <a:t> E5“, S)</a:t>
+                      </a:r>
+                      <a:endParaRPr lang="de-DE" sz="1200" dirty="0"/>
+                    </a:p>
+                  </a:txBody>
+                  <a:tcPr/>
+                </a:tc>
+                <a:tc>
+                  <a:txBody>
+                    <a:bodyPr/>
+                    <a:lstStyle/>
+                    <a:p>
+                      <a:pPr algn="r"/>
+                      <a:r>
+                        <a:rPr lang="de-DE" sz="1200" dirty="0" smtClean="0"/>
+                        <a:t>2</a:t>
+                      </a:r>
+                      <a:endParaRPr lang="de-DE" sz="1200" dirty="0"/>
+                    </a:p>
+                  </a:txBody>
+                  <a:tcPr/>
+                </a:tc>
+                <a:tc>
+                  <a:txBody>
+                    <a:bodyPr/>
+                    <a:lstStyle/>
+                    <a:p>
+                      <a:pPr algn="r"/>
+                      <a:r>
+                        <a:rPr lang="de-DE" sz="1200" dirty="0" smtClean="0"/>
+                        <a:t>130€</a:t>
+                      </a:r>
+                      <a:endParaRPr lang="de-DE" sz="1200" dirty="0"/>
+                    </a:p>
+                  </a:txBody>
+                  <a:tcPr/>
+                </a:tc>
+              </a:tr>
+              <a:tr h="148461">
+                <a:tc>
+                  <a:txBody>
+                    <a:bodyPr/>
+                    <a:lstStyle/>
+                    <a:p>
+                      <a:r>
+                        <a:rPr lang="de-DE" sz="1200" dirty="0" smtClean="0"/>
+                        <a:t>(„LT-40VF43A“, F)</a:t>
+                      </a:r>
+                      <a:endParaRPr lang="de-DE" sz="1200" dirty="0"/>
+                    </a:p>
+                  </a:txBody>
+                  <a:tcPr/>
+                </a:tc>
+                <a:tc>
+                  <a:txBody>
+                    <a:bodyPr/>
+                    <a:lstStyle/>
+                    <a:p>
+                      <a:pPr algn="r"/>
+                      <a:r>
+                        <a:rPr lang="de-DE" sz="1200" dirty="0" smtClean="0"/>
+                        <a:t>1</a:t>
+                      </a:r>
+                      <a:endParaRPr lang="de-DE" sz="1200" dirty="0"/>
+                    </a:p>
+                  </a:txBody>
+                  <a:tcPr/>
+                </a:tc>
+                <a:tc>
+                  <a:txBody>
+                    <a:bodyPr/>
+                    <a:lstStyle/>
+                    <a:p>
+                      <a:pPr algn="r"/>
+                      <a:r>
+                        <a:rPr lang="de-DE" sz="1200" dirty="0" smtClean="0"/>
+                        <a:t>320</a:t>
+                      </a:r>
+                      <a:r>
+                        <a:rPr lang="de-DE" sz="1200" dirty="0" smtClean="0"/>
+                        <a:t>€</a:t>
+                      </a:r>
+                      <a:endParaRPr lang="de-DE" sz="1200" dirty="0"/>
+                    </a:p>
+                  </a:txBody>
+                  <a:tcPr/>
+                </a:tc>
+              </a:tr>
+              <a:tr h="0">
+                <a:tc>
+                  <a:txBody>
+                    <a:bodyPr/>
+                    <a:lstStyle/>
+                    <a:p>
+                      <a:r>
+                        <a:rPr lang="de-DE" sz="1200" dirty="0" smtClean="0"/>
+                        <a:t>(„J6289“, F)</a:t>
+                      </a:r>
+                      <a:endParaRPr lang="de-DE" sz="1200" dirty="0"/>
+                    </a:p>
+                  </a:txBody>
+                  <a:tcPr/>
+                </a:tc>
+                <a:tc>
+                  <a:txBody>
+                    <a:bodyPr/>
+                    <a:lstStyle/>
+                    <a:p>
+                      <a:pPr algn="r"/>
+                      <a:r>
+                        <a:rPr lang="de-DE" sz="1200" dirty="0" smtClean="0"/>
+                        <a:t>8</a:t>
+                      </a:r>
+                      <a:endParaRPr lang="de-DE" sz="1200" dirty="0"/>
+                    </a:p>
+                  </a:txBody>
+                  <a:tcPr/>
+                </a:tc>
+                <a:tc>
+                  <a:txBody>
+                    <a:bodyPr/>
+                    <a:lstStyle/>
+                    <a:p>
+                      <a:pPr algn="r"/>
+                      <a:r>
+                        <a:rPr lang="de-DE" sz="1200" dirty="0" smtClean="0"/>
+                        <a:t>400€</a:t>
+                      </a:r>
+                      <a:endParaRPr lang="de-DE" sz="1200" dirty="0"/>
+                    </a:p>
+                  </a:txBody>
+                  <a:tcPr/>
+                </a:tc>
+              </a:tr>
+              <a:tr h="0">
+                <a:tc>
+                  <a:txBody>
+                    <a:bodyPr/>
+                    <a:lstStyle/>
+                    <a:p>
+                      <a:r>
+                        <a:rPr lang="de-DE" sz="1200" dirty="0" smtClean="0"/>
+                        <a:t>(„USB 1,5m“, K)</a:t>
+                      </a:r>
+                      <a:endParaRPr lang="de-DE" sz="1200" dirty="0"/>
+                    </a:p>
+                  </a:txBody>
+                  <a:tcPr/>
+                </a:tc>
+                <a:tc>
+                  <a:txBody>
+                    <a:bodyPr/>
+                    <a:lstStyle/>
+                    <a:p>
+                      <a:pPr algn="r"/>
+                      <a:r>
+                        <a:rPr lang="de-DE" sz="1200" dirty="0" smtClean="0"/>
+                        <a:t>150</a:t>
+                      </a:r>
+                      <a:endParaRPr lang="de-DE" sz="1200" dirty="0"/>
+                    </a:p>
+                  </a:txBody>
+                  <a:tcPr/>
+                </a:tc>
+                <a:tc>
+                  <a:txBody>
+                    <a:bodyPr/>
+                    <a:lstStyle/>
+                    <a:p>
+                      <a:pPr algn="r"/>
+                      <a:r>
+                        <a:rPr lang="de-DE" sz="1200" dirty="0" smtClean="0"/>
+                        <a:t>4€</a:t>
+                      </a:r>
+                      <a:endParaRPr lang="de-DE" sz="1200" dirty="0"/>
+                    </a:p>
+                  </a:txBody>
+                  <a:tcPr/>
+                </a:tc>
+              </a:tr>
+              <a:tr h="0">
+                <a:tc>
+                  <a:txBody>
+                    <a:bodyPr/>
+                    <a:lstStyle/>
+                    <a:p>
+                      <a:r>
+                        <a:rPr lang="de-DE" sz="1200" dirty="0" smtClean="0"/>
+                        <a:t>(„USB</a:t>
+                      </a:r>
+                      <a:r>
+                        <a:rPr lang="de-DE" sz="1200" baseline="0" dirty="0" smtClean="0"/>
+                        <a:t> 3m“, K)</a:t>
+                      </a:r>
+                      <a:endParaRPr lang="de-DE" sz="1200" dirty="0"/>
+                    </a:p>
+                  </a:txBody>
+                  <a:tcPr/>
+                </a:tc>
+                <a:tc>
+                  <a:txBody>
+                    <a:bodyPr/>
+                    <a:lstStyle/>
+                    <a:p>
+                      <a:pPr algn="r"/>
+                      <a:r>
+                        <a:rPr lang="de-DE" sz="1200" dirty="0" smtClean="0"/>
+                        <a:t>35</a:t>
+                      </a:r>
+                      <a:endParaRPr lang="de-DE" sz="1200" dirty="0"/>
+                    </a:p>
+                  </a:txBody>
+                  <a:tcPr/>
+                </a:tc>
+                <a:tc>
+                  <a:txBody>
+                    <a:bodyPr/>
+                    <a:lstStyle/>
+                    <a:p>
+                      <a:pPr algn="r"/>
+                      <a:r>
+                        <a:rPr lang="de-DE" sz="1200" dirty="0" smtClean="0"/>
+                        <a:t>6€</a:t>
+                      </a:r>
+                      <a:endParaRPr lang="de-DE" sz="1200" dirty="0"/>
+                    </a:p>
+                  </a:txBody>
+                  <a:tcPr/>
+                </a:tc>
+              </a:tr>
+            </a:tbl>
+          </a:graphicData>
+        </a:graphic>
+      </p:graphicFrame>
+      <p:graphicFrame>
+        <p:nvGraphicFramePr>
+          <p:cNvPr id="16" name="Tabelle 15"/>
+          <p:cNvGraphicFramePr>
+            <a:graphicFrameLocks noGrp="1"/>
+          </p:cNvGraphicFramePr>
+          <p:nvPr>
+            <p:extLst>
+              <p:ext uri="{D42A27DB-BD31-4B8C-83A1-F6EECF244321}">
+                <p14:modId xmlns:p14="http://schemas.microsoft.com/office/powerpoint/2010/main" val="2601583419"/>
+              </p:ext>
+            </p:extLst>
+          </p:nvPr>
+        </p:nvGraphicFramePr>
+        <p:xfrm>
+          <a:off x="4580938" y="1218957"/>
+          <a:ext cx="2571582" cy="1371600"/>
+        </p:xfrm>
+        <a:graphic>
+          <a:graphicData uri="http://schemas.openxmlformats.org/drawingml/2006/table">
+            <a:tbl>
+              <a:tblPr firstCol="1" bandRow="1">
+                <a:tableStyleId>{93296810-A885-4BE3-A3E7-6D5BEEA58F35}</a:tableStyleId>
+              </a:tblPr>
+              <a:tblGrid>
+                <a:gridCol w="1500211"/>
+                <a:gridCol w="472265"/>
+                <a:gridCol w="599106"/>
+              </a:tblGrid>
+              <a:tr h="0">
+                <a:tc>
+                  <a:txBody>
+                    <a:bodyPr/>
+                    <a:lstStyle/>
+                    <a:p>
+                      <a:r>
+                        <a:rPr lang="de-DE" sz="1200" dirty="0" smtClean="0"/>
+                        <a:t>(„</a:t>
+                      </a:r>
+                      <a:r>
+                        <a:rPr lang="de-DE" sz="1200" dirty="0" err="1" smtClean="0"/>
+                        <a:t>Galaxy</a:t>
+                      </a:r>
+                      <a:r>
+                        <a:rPr lang="de-DE" sz="1200" dirty="0" smtClean="0"/>
+                        <a:t> J3“, S)</a:t>
+                      </a:r>
+                      <a:endParaRPr lang="de-DE" sz="1200" dirty="0"/>
+                    </a:p>
+                  </a:txBody>
+                  <a:tcPr/>
+                </a:tc>
+                <a:tc>
+                  <a:txBody>
+                    <a:bodyPr/>
+                    <a:lstStyle/>
+                    <a:p>
+                      <a:pPr algn="r"/>
+                      <a:r>
+                        <a:rPr lang="de-DE" sz="1200" dirty="0" smtClean="0"/>
+                        <a:t>5</a:t>
+                      </a:r>
+                      <a:endParaRPr lang="de-DE" sz="1200" dirty="0"/>
+                    </a:p>
+                  </a:txBody>
+                  <a:tcPr/>
+                </a:tc>
+                <a:tc>
+                  <a:txBody>
+                    <a:bodyPr/>
+                    <a:lstStyle/>
+                    <a:p>
+                      <a:pPr algn="r"/>
+                      <a:r>
+                        <a:rPr lang="de-DE" sz="1200" dirty="0" smtClean="0"/>
+                        <a:t>150€</a:t>
+                      </a:r>
+                      <a:endParaRPr lang="de-DE" sz="1200" dirty="0"/>
+                    </a:p>
+                  </a:txBody>
+                  <a:tcPr/>
+                </a:tc>
+              </a:tr>
+              <a:tr h="0">
+                <a:tc>
+                  <a:txBody>
+                    <a:bodyPr/>
+                    <a:lstStyle/>
+                    <a:p>
+                      <a:r>
+                        <a:rPr lang="de-DE" sz="1200" dirty="0" smtClean="0"/>
+                        <a:t>(„</a:t>
+                      </a:r>
+                      <a:r>
+                        <a:rPr lang="de-DE" sz="1200" dirty="0" err="1" smtClean="0"/>
+                        <a:t>Xperia</a:t>
+                      </a:r>
+                      <a:r>
+                        <a:rPr lang="de-DE" sz="1200" dirty="0" smtClean="0"/>
+                        <a:t> E5“, S)</a:t>
+                      </a:r>
+                      <a:endParaRPr lang="de-DE" sz="1200" dirty="0"/>
+                    </a:p>
+                  </a:txBody>
+                  <a:tcPr/>
+                </a:tc>
+                <a:tc>
+                  <a:txBody>
+                    <a:bodyPr/>
+                    <a:lstStyle/>
+                    <a:p>
+                      <a:pPr algn="r"/>
+                      <a:r>
+                        <a:rPr lang="de-DE" sz="1200" dirty="0" smtClean="0"/>
+                        <a:t>3</a:t>
+                      </a:r>
+                      <a:endParaRPr lang="de-DE" sz="1200" dirty="0"/>
+                    </a:p>
+                  </a:txBody>
+                  <a:tcPr/>
+                </a:tc>
+                <a:tc>
+                  <a:txBody>
+                    <a:bodyPr/>
+                    <a:lstStyle/>
+                    <a:p>
+                      <a:pPr algn="r"/>
+                      <a:r>
+                        <a:rPr lang="de-DE" sz="1200" dirty="0" smtClean="0"/>
+                        <a:t>140€</a:t>
+                      </a:r>
+                      <a:endParaRPr lang="de-DE" sz="1200" dirty="0"/>
+                    </a:p>
+                  </a:txBody>
+                  <a:tcPr/>
+                </a:tc>
+              </a:tr>
+              <a:tr h="0">
+                <a:tc>
+                  <a:txBody>
+                    <a:bodyPr/>
+                    <a:lstStyle/>
+                    <a:p>
+                      <a:r>
+                        <a:rPr lang="de-DE" sz="1200" dirty="0" smtClean="0"/>
+                        <a:t>(„KU6519“, F)</a:t>
+                      </a:r>
+                      <a:endParaRPr lang="de-DE" sz="1200" dirty="0"/>
+                    </a:p>
+                  </a:txBody>
+                  <a:tcPr/>
+                </a:tc>
+                <a:tc>
+                  <a:txBody>
+                    <a:bodyPr/>
+                    <a:lstStyle/>
+                    <a:p>
+                      <a:pPr algn="r"/>
+                      <a:r>
+                        <a:rPr lang="de-DE" sz="1200" dirty="0" smtClean="0"/>
+                        <a:t>12</a:t>
+                      </a:r>
+                      <a:endParaRPr lang="de-DE" sz="1200" dirty="0"/>
+                    </a:p>
+                  </a:txBody>
+                  <a:tcPr/>
+                </a:tc>
+                <a:tc>
+                  <a:txBody>
+                    <a:bodyPr/>
+                    <a:lstStyle/>
+                    <a:p>
+                      <a:pPr algn="r"/>
+                      <a:r>
+                        <a:rPr lang="de-DE" sz="1200" dirty="0" smtClean="0"/>
+                        <a:t>900€</a:t>
+                      </a:r>
+                      <a:endParaRPr lang="de-DE" sz="1200" dirty="0"/>
+                    </a:p>
+                  </a:txBody>
+                  <a:tcPr/>
+                </a:tc>
+              </a:tr>
+              <a:tr h="0">
+                <a:tc>
+                  <a:txBody>
+                    <a:bodyPr/>
+                    <a:lstStyle/>
+                    <a:p>
+                      <a:r>
+                        <a:rPr lang="de-DE" sz="1200" dirty="0" smtClean="0"/>
+                        <a:t>(„LT-40VF43A“, F)</a:t>
+                      </a:r>
+                      <a:endParaRPr lang="de-DE" sz="1200" dirty="0"/>
+                    </a:p>
+                  </a:txBody>
+                  <a:tcPr/>
+                </a:tc>
+                <a:tc>
+                  <a:txBody>
+                    <a:bodyPr/>
+                    <a:lstStyle/>
+                    <a:p>
+                      <a:pPr algn="r"/>
+                      <a:r>
+                        <a:rPr lang="de-DE" sz="1200" dirty="0" smtClean="0"/>
+                        <a:t>4</a:t>
+                      </a:r>
+                      <a:endParaRPr lang="de-DE" sz="1200" dirty="0"/>
+                    </a:p>
+                  </a:txBody>
+                  <a:tcPr/>
+                </a:tc>
+                <a:tc>
+                  <a:txBody>
+                    <a:bodyPr/>
+                    <a:lstStyle/>
+                    <a:p>
+                      <a:pPr algn="r"/>
+                      <a:r>
+                        <a:rPr lang="de-DE" sz="1200" dirty="0" smtClean="0"/>
+                        <a:t>300€</a:t>
+                      </a:r>
+                      <a:endParaRPr lang="de-DE" sz="1200" dirty="0"/>
+                    </a:p>
+                  </a:txBody>
+                  <a:tcPr/>
+                </a:tc>
+              </a:tr>
+              <a:tr h="0">
+                <a:tc>
+                  <a:txBody>
+                    <a:bodyPr/>
+                    <a:lstStyle/>
+                    <a:p>
+                      <a:r>
+                        <a:rPr lang="de-DE" sz="1200" dirty="0" smtClean="0"/>
+                        <a:t>(„USB</a:t>
+                      </a:r>
+                      <a:r>
+                        <a:rPr lang="de-DE" sz="1200" baseline="0" dirty="0" smtClean="0"/>
+                        <a:t> 1,5m“, K)</a:t>
+                      </a:r>
+                      <a:endParaRPr lang="de-DE" sz="1200" dirty="0"/>
+                    </a:p>
+                  </a:txBody>
+                  <a:tcPr/>
+                </a:tc>
+                <a:tc>
+                  <a:txBody>
+                    <a:bodyPr/>
+                    <a:lstStyle/>
+                    <a:p>
+                      <a:pPr algn="r"/>
+                      <a:r>
+                        <a:rPr lang="de-DE" sz="1200" dirty="0" smtClean="0"/>
+                        <a:t>200</a:t>
+                      </a:r>
+                      <a:endParaRPr lang="de-DE" sz="1200" dirty="0"/>
+                    </a:p>
+                  </a:txBody>
+                  <a:tcPr/>
+                </a:tc>
+                <a:tc>
+                  <a:txBody>
+                    <a:bodyPr/>
+                    <a:lstStyle/>
+                    <a:p>
+                      <a:pPr algn="r"/>
+                      <a:r>
+                        <a:rPr lang="de-DE" sz="1200" dirty="0" smtClean="0"/>
+                        <a:t>5€</a:t>
+                      </a:r>
+                      <a:endParaRPr lang="de-DE" sz="1200" dirty="0"/>
+                    </a:p>
+                  </a:txBody>
+                  <a:tcPr/>
+                </a:tc>
+              </a:tr>
+            </a:tbl>
+          </a:graphicData>
+        </a:graphic>
+      </p:graphicFrame>
+      <p:sp>
+        <p:nvSpPr>
+          <p:cNvPr id="17" name="Pfeil nach rechts 16"/>
+          <p:cNvSpPr/>
+          <p:nvPr/>
+        </p:nvSpPr>
+        <p:spPr bwMode="auto">
+          <a:xfrm>
+            <a:off x="7340334" y="2307771"/>
+            <a:ext cx="1219200" cy="946936"/>
+          </a:xfrm>
+          <a:prstGeom prst="rightArrow">
+            <a:avLst/>
+          </a:prstGeom>
+          <a:solidFill>
+            <a:srgbClr val="0070C0"/>
+          </a:solidFill>
+          <a:ln w="9525" cap="flat" cmpd="sng" algn="ctr">
+            <a:noFill/>
+            <a:prstDash val="solid"/>
+            <a:round/>
+            <a:headEnd type="none" w="med" len="med"/>
+            <a:tailEnd type="none" w="med" len="med"/>
+          </a:ln>
+          <a:effectLst/>
+        </p:spPr>
+        <p:txBody>
+          <a:bodyPr rot="0" spcFirstLastPara="0" vertOverflow="overflow" horzOverflow="overflow" vert="horz" wrap="square" lIns="91440" tIns="45720" rIns="91440" bIns="45720" numCol="1" spcCol="0" rtlCol="0" fromWordArt="0" anchor="ctr" anchorCtr="0" forceAA="0" compatLnSpc="1">
+            <a:prstTxWarp prst="textNoShape">
+              <a:avLst/>
+            </a:prstTxWarp>
+            <a:noAutofit/>
+          </a:bodyPr>
+          <a:lstStyle/>
+          <a:p>
+            <a:pPr marL="0" marR="0" indent="0" algn="ctr" defTabSz="914400" rtl="0" eaLnBrk="1" fontAlgn="base" latinLnBrk="0" hangingPunct="1">
+              <a:lnSpc>
+                <a:spcPct val="100000"/>
+              </a:lnSpc>
+              <a:spcBef>
+                <a:spcPct val="0"/>
+              </a:spcBef>
+              <a:spcAft>
+                <a:spcPts val="600"/>
+              </a:spcAft>
+              <a:buClrTx/>
+              <a:buSzTx/>
+              <a:buFontTx/>
+              <a:buNone/>
+              <a:tabLst/>
+            </a:pPr>
+            <a:endParaRPr kumimoji="0" lang="de-DE" sz="1200" b="0" i="0" u="none" strike="noStrike" cap="none" normalizeH="0" baseline="0" dirty="0" err="1" smtClean="0">
+              <a:ln>
+                <a:noFill/>
+              </a:ln>
+              <a:solidFill>
+                <a:schemeClr val="bg1"/>
+              </a:solidFill>
+              <a:effectLst/>
+              <a:latin typeface="Open Sans" panose="020B0606030504020204" pitchFamily="34" charset="0"/>
+              <a:ea typeface="Open Sans" panose="020B0606030504020204" pitchFamily="34" charset="0"/>
+              <a:cs typeface="Open Sans" panose="020B0606030504020204" pitchFamily="34" charset="0"/>
+            </a:endParaRPr>
+          </a:p>
+        </p:txBody>
+      </p:sp>
+      <p:graphicFrame>
+        <p:nvGraphicFramePr>
+          <p:cNvPr id="18" name="Tabelle 17"/>
+          <p:cNvGraphicFramePr>
+            <a:graphicFrameLocks noGrp="1"/>
+          </p:cNvGraphicFramePr>
+          <p:nvPr>
+            <p:extLst>
+              <p:ext uri="{D42A27DB-BD31-4B8C-83A1-F6EECF244321}">
+                <p14:modId xmlns:p14="http://schemas.microsoft.com/office/powerpoint/2010/main" val="4069375967"/>
+              </p:ext>
+            </p:extLst>
+          </p:nvPr>
+        </p:nvGraphicFramePr>
+        <p:xfrm>
+          <a:off x="8681223" y="1218957"/>
+          <a:ext cx="2756034" cy="1097280"/>
+        </p:xfrm>
+        <a:graphic>
+          <a:graphicData uri="http://schemas.openxmlformats.org/drawingml/2006/table">
+            <a:tbl>
+              <a:tblPr firstCol="1" bandRow="1">
+                <a:tableStyleId>{93296810-A885-4BE3-A3E7-6D5BEEA58F35}</a:tableStyleId>
+              </a:tblPr>
+              <a:tblGrid>
+                <a:gridCol w="1507069"/>
+                <a:gridCol w="440994"/>
+                <a:gridCol w="807971"/>
+              </a:tblGrid>
+              <a:tr h="0">
+                <a:tc>
+                  <a:txBody>
+                    <a:bodyPr/>
+                    <a:lstStyle/>
+                    <a:p>
+                      <a:r>
+                        <a:rPr lang="de-DE" sz="1200" dirty="0" smtClean="0"/>
+                        <a:t>(„</a:t>
+                      </a:r>
+                      <a:r>
+                        <a:rPr lang="de-DE" sz="1200" dirty="0" err="1" smtClean="0"/>
+                        <a:t>Galaxy</a:t>
+                      </a:r>
+                      <a:r>
+                        <a:rPr lang="de-DE" sz="1200" dirty="0" smtClean="0"/>
+                        <a:t> J3“, S)</a:t>
+                      </a:r>
+                      <a:endParaRPr lang="de-DE" sz="1200" dirty="0"/>
+                    </a:p>
+                  </a:txBody>
+                  <a:tcPr/>
+                </a:tc>
+                <a:tc>
+                  <a:txBody>
+                    <a:bodyPr/>
+                    <a:lstStyle/>
+                    <a:p>
+                      <a:pPr algn="r"/>
+                      <a:r>
+                        <a:rPr lang="de-DE" sz="1200" dirty="0" smtClean="0"/>
+                        <a:t>5</a:t>
+                      </a:r>
+                      <a:endParaRPr lang="de-DE" sz="1200" dirty="0"/>
+                    </a:p>
+                  </a:txBody>
+                  <a:tcPr/>
+                </a:tc>
+                <a:tc>
+                  <a:txBody>
+                    <a:bodyPr/>
+                    <a:lstStyle/>
+                    <a:p>
+                      <a:pPr algn="r"/>
+                      <a:r>
+                        <a:rPr lang="de-DE" sz="1200" dirty="0" smtClean="0"/>
+                        <a:t>750€</a:t>
+                      </a:r>
+                      <a:endParaRPr lang="de-DE" sz="1200" dirty="0"/>
+                    </a:p>
+                  </a:txBody>
+                  <a:tcPr/>
+                </a:tc>
+              </a:tr>
+              <a:tr h="0">
+                <a:tc>
+                  <a:txBody>
+                    <a:bodyPr/>
+                    <a:lstStyle/>
+                    <a:p>
+                      <a:pPr marL="0" marR="0" indent="0" algn="l" defTabSz="914400" rtl="0" eaLnBrk="1" fontAlgn="auto" latinLnBrk="0" hangingPunct="1">
+                        <a:lnSpc>
+                          <a:spcPct val="100000"/>
+                        </a:lnSpc>
+                        <a:spcBef>
+                          <a:spcPts val="0"/>
+                        </a:spcBef>
+                        <a:spcAft>
+                          <a:spcPts val="0"/>
+                        </a:spcAft>
+                        <a:buClrTx/>
+                        <a:buSzTx/>
+                        <a:buFontTx/>
+                        <a:buNone/>
+                        <a:tabLst/>
+                        <a:defRPr/>
+                      </a:pPr>
+                      <a:r>
+                        <a:rPr lang="de-DE" sz="1200" dirty="0" smtClean="0"/>
+                        <a:t>(„J6289“, F)</a:t>
+                      </a:r>
+                    </a:p>
+                  </a:txBody>
+                  <a:tcPr/>
+                </a:tc>
+                <a:tc>
+                  <a:txBody>
+                    <a:bodyPr/>
+                    <a:lstStyle/>
+                    <a:p>
+                      <a:pPr algn="r"/>
+                      <a:r>
+                        <a:rPr lang="de-DE" sz="1200" dirty="0" smtClean="0"/>
+                        <a:t>8</a:t>
+                      </a:r>
+                      <a:endParaRPr lang="de-DE" sz="1200" dirty="0"/>
+                    </a:p>
+                  </a:txBody>
+                  <a:tcPr/>
+                </a:tc>
+                <a:tc>
+                  <a:txBody>
+                    <a:bodyPr/>
+                    <a:lstStyle/>
+                    <a:p>
+                      <a:pPr algn="r"/>
+                      <a:r>
+                        <a:rPr lang="de-DE" sz="1200" dirty="0" smtClean="0"/>
+                        <a:t>3.200€</a:t>
+                      </a:r>
+                      <a:endParaRPr lang="de-DE" sz="1200" dirty="0"/>
+                    </a:p>
+                  </a:txBody>
+                  <a:tcPr/>
+                </a:tc>
+              </a:tr>
+              <a:tr h="0">
+                <a:tc>
+                  <a:txBody>
+                    <a:bodyPr/>
+                    <a:lstStyle/>
+                    <a:p>
+                      <a:pPr marL="0" marR="0" indent="0" algn="l" defTabSz="914400" rtl="0" eaLnBrk="1" fontAlgn="auto" latinLnBrk="0" hangingPunct="1">
+                        <a:lnSpc>
+                          <a:spcPct val="100000"/>
+                        </a:lnSpc>
+                        <a:spcBef>
+                          <a:spcPts val="0"/>
+                        </a:spcBef>
+                        <a:spcAft>
+                          <a:spcPts val="0"/>
+                        </a:spcAft>
+                        <a:buClrTx/>
+                        <a:buSzTx/>
+                        <a:buFontTx/>
+                        <a:buNone/>
+                        <a:tabLst/>
+                        <a:defRPr/>
+                      </a:pPr>
+                      <a:r>
+                        <a:rPr lang="de-DE" sz="1200" dirty="0" smtClean="0"/>
+                        <a:t>(„KU6519“, F)</a:t>
+                      </a:r>
+                    </a:p>
+                  </a:txBody>
+                  <a:tcPr/>
+                </a:tc>
+                <a:tc>
+                  <a:txBody>
+                    <a:bodyPr/>
+                    <a:lstStyle/>
+                    <a:p>
+                      <a:pPr algn="r"/>
+                      <a:r>
+                        <a:rPr lang="de-DE" sz="1200" dirty="0" smtClean="0"/>
+                        <a:t>12</a:t>
+                      </a:r>
+                      <a:endParaRPr lang="de-DE" sz="1200" dirty="0"/>
+                    </a:p>
+                  </a:txBody>
+                  <a:tcPr/>
+                </a:tc>
+                <a:tc>
+                  <a:txBody>
+                    <a:bodyPr/>
+                    <a:lstStyle/>
+                    <a:p>
+                      <a:pPr algn="r"/>
+                      <a:r>
+                        <a:rPr lang="de-DE" sz="1200" dirty="0" smtClean="0"/>
+                        <a:t>10.800€</a:t>
+                      </a:r>
+                      <a:endParaRPr lang="de-DE" sz="1200" dirty="0"/>
+                    </a:p>
+                  </a:txBody>
+                  <a:tcPr/>
+                </a:tc>
+              </a:tr>
+              <a:tr h="0">
+                <a:tc>
+                  <a:txBody>
+                    <a:bodyPr/>
+                    <a:lstStyle/>
+                    <a:p>
+                      <a:pPr marL="0" marR="0" indent="0" algn="l" defTabSz="914400" rtl="0" eaLnBrk="1" fontAlgn="auto" latinLnBrk="0" hangingPunct="1">
+                        <a:lnSpc>
+                          <a:spcPct val="100000"/>
+                        </a:lnSpc>
+                        <a:spcBef>
+                          <a:spcPts val="0"/>
+                        </a:spcBef>
+                        <a:spcAft>
+                          <a:spcPts val="0"/>
+                        </a:spcAft>
+                        <a:buClrTx/>
+                        <a:buSzTx/>
+                        <a:buFontTx/>
+                        <a:buNone/>
+                        <a:tabLst/>
+                        <a:defRPr/>
+                      </a:pPr>
+                      <a:r>
+                        <a:rPr lang="de-DE" sz="1200" dirty="0" smtClean="0"/>
+                        <a:t>(„LT-40VF43A“, F)</a:t>
+                      </a:r>
+                    </a:p>
+                  </a:txBody>
+                  <a:tcPr/>
+                </a:tc>
+                <a:tc>
+                  <a:txBody>
+                    <a:bodyPr/>
+                    <a:lstStyle/>
+                    <a:p>
+                      <a:pPr algn="r"/>
+                      <a:r>
+                        <a:rPr lang="de-DE" sz="1200" dirty="0" smtClean="0"/>
+                        <a:t>5</a:t>
+                      </a:r>
+                      <a:endParaRPr lang="de-DE" sz="1200" dirty="0"/>
+                    </a:p>
+                  </a:txBody>
+                  <a:tcPr/>
+                </a:tc>
+                <a:tc>
+                  <a:txBody>
+                    <a:bodyPr/>
+                    <a:lstStyle/>
+                    <a:p>
+                      <a:pPr algn="r"/>
+                      <a:r>
+                        <a:rPr lang="de-DE" sz="1200" dirty="0" smtClean="0"/>
+                        <a:t>1.520€</a:t>
+                      </a:r>
+                      <a:endParaRPr lang="de-DE" sz="1200" dirty="0"/>
+                    </a:p>
+                  </a:txBody>
+                  <a:tcPr/>
+                </a:tc>
+              </a:tr>
+            </a:tbl>
+          </a:graphicData>
+        </a:graphic>
+      </p:graphicFrame>
+      <p:graphicFrame>
+        <p:nvGraphicFramePr>
+          <p:cNvPr id="19" name="Tabelle 18"/>
+          <p:cNvGraphicFramePr>
+            <a:graphicFrameLocks noGrp="1"/>
+          </p:cNvGraphicFramePr>
+          <p:nvPr>
+            <p:extLst>
+              <p:ext uri="{D42A27DB-BD31-4B8C-83A1-F6EECF244321}">
+                <p14:modId xmlns:p14="http://schemas.microsoft.com/office/powerpoint/2010/main" val="2094608029"/>
+              </p:ext>
+            </p:extLst>
+          </p:nvPr>
+        </p:nvGraphicFramePr>
+        <p:xfrm>
+          <a:off x="8681223" y="2819035"/>
+          <a:ext cx="2756034" cy="1097280"/>
+        </p:xfrm>
+        <a:graphic>
+          <a:graphicData uri="http://schemas.openxmlformats.org/drawingml/2006/table">
+            <a:tbl>
+              <a:tblPr firstCol="1" bandRow="1">
+                <a:tableStyleId>{93296810-A885-4BE3-A3E7-6D5BEEA58F35}</a:tableStyleId>
+              </a:tblPr>
+              <a:tblGrid>
+                <a:gridCol w="1507806"/>
+                <a:gridCol w="449942"/>
+                <a:gridCol w="798286"/>
+              </a:tblGrid>
+              <a:tr h="0">
+                <a:tc>
+                  <a:txBody>
+                    <a:bodyPr/>
+                    <a:lstStyle/>
+                    <a:p>
+                      <a:r>
+                        <a:rPr lang="de-DE" sz="1200" dirty="0" smtClean="0"/>
+                        <a:t>(„Moto G4“, S)</a:t>
+                      </a:r>
+                    </a:p>
+                  </a:txBody>
+                  <a:tcPr/>
+                </a:tc>
+                <a:tc>
+                  <a:txBody>
+                    <a:bodyPr/>
+                    <a:lstStyle/>
+                    <a:p>
+                      <a:pPr algn="r"/>
+                      <a:r>
+                        <a:rPr lang="de-DE" sz="1200" dirty="0" smtClean="0"/>
+                        <a:t>7</a:t>
+                      </a:r>
+                      <a:endParaRPr lang="de-DE" sz="1200" dirty="0"/>
+                    </a:p>
+                  </a:txBody>
+                  <a:tcPr/>
+                </a:tc>
+                <a:tc>
+                  <a:txBody>
+                    <a:bodyPr/>
+                    <a:lstStyle/>
+                    <a:p>
+                      <a:pPr algn="r"/>
+                      <a:r>
+                        <a:rPr lang="de-DE" sz="1200" dirty="0" smtClean="0"/>
+                        <a:t>1120€</a:t>
+                      </a:r>
+                      <a:endParaRPr lang="de-DE" sz="1200" dirty="0"/>
+                    </a:p>
+                  </a:txBody>
+                  <a:tcPr/>
+                </a:tc>
+              </a:tr>
+              <a:tr h="0">
+                <a:tc>
+                  <a:txBody>
+                    <a:bodyPr/>
+                    <a:lstStyle/>
+                    <a:p>
+                      <a:pPr marL="0" marR="0" indent="0" algn="l" defTabSz="914400" rtl="0" eaLnBrk="1" fontAlgn="auto" latinLnBrk="0" hangingPunct="1">
+                        <a:lnSpc>
+                          <a:spcPct val="100000"/>
+                        </a:lnSpc>
+                        <a:spcBef>
+                          <a:spcPts val="0"/>
+                        </a:spcBef>
+                        <a:spcAft>
+                          <a:spcPts val="0"/>
+                        </a:spcAft>
+                        <a:buClrTx/>
+                        <a:buSzTx/>
+                        <a:buFontTx/>
+                        <a:buNone/>
+                        <a:tabLst/>
+                        <a:defRPr/>
+                      </a:pPr>
+                      <a:r>
+                        <a:rPr lang="de-DE" sz="1200" dirty="0" smtClean="0"/>
+                        <a:t>(„USB 1,5m“, K)</a:t>
+                      </a:r>
+                    </a:p>
+                  </a:txBody>
+                  <a:tcPr/>
+                </a:tc>
+                <a:tc>
+                  <a:txBody>
+                    <a:bodyPr/>
+                    <a:lstStyle/>
+                    <a:p>
+                      <a:pPr algn="r"/>
+                      <a:r>
+                        <a:rPr lang="de-DE" sz="1200" dirty="0" smtClean="0"/>
+                        <a:t>350</a:t>
+                      </a:r>
+                      <a:endParaRPr lang="de-DE" sz="1200" dirty="0"/>
+                    </a:p>
+                  </a:txBody>
+                  <a:tcPr/>
+                </a:tc>
+                <a:tc>
+                  <a:txBody>
+                    <a:bodyPr/>
+                    <a:lstStyle/>
+                    <a:p>
+                      <a:pPr algn="r"/>
+                      <a:r>
+                        <a:rPr lang="de-DE" sz="1200" dirty="0" smtClean="0"/>
+                        <a:t>1.600€</a:t>
+                      </a:r>
+                      <a:endParaRPr lang="de-DE" sz="1200" dirty="0"/>
+                    </a:p>
+                  </a:txBody>
+                  <a:tcPr/>
+                </a:tc>
+              </a:tr>
+              <a:tr h="0">
+                <a:tc>
+                  <a:txBody>
+                    <a:bodyPr/>
+                    <a:lstStyle/>
+                    <a:p>
+                      <a:pPr marL="0" marR="0" indent="0" algn="l" defTabSz="914400" rtl="0" eaLnBrk="1" fontAlgn="auto" latinLnBrk="0" hangingPunct="1">
+                        <a:lnSpc>
+                          <a:spcPct val="100000"/>
+                        </a:lnSpc>
+                        <a:spcBef>
+                          <a:spcPts val="0"/>
+                        </a:spcBef>
+                        <a:spcAft>
+                          <a:spcPts val="0"/>
+                        </a:spcAft>
+                        <a:buClrTx/>
+                        <a:buSzTx/>
+                        <a:buFontTx/>
+                        <a:buNone/>
+                        <a:tabLst/>
+                        <a:defRPr/>
+                      </a:pPr>
+                      <a:r>
+                        <a:rPr lang="de-DE" sz="1200" dirty="0" smtClean="0"/>
+                        <a:t>(„USB</a:t>
+                      </a:r>
+                      <a:r>
+                        <a:rPr lang="de-DE" sz="1200" baseline="0" dirty="0" smtClean="0"/>
+                        <a:t> 3m“, K)</a:t>
+                      </a:r>
+                      <a:endParaRPr lang="de-DE" sz="1200" dirty="0" smtClean="0"/>
+                    </a:p>
+                  </a:txBody>
+                  <a:tcPr/>
+                </a:tc>
+                <a:tc>
+                  <a:txBody>
+                    <a:bodyPr/>
+                    <a:lstStyle/>
+                    <a:p>
+                      <a:pPr algn="r"/>
+                      <a:r>
+                        <a:rPr lang="de-DE" sz="1200" dirty="0" smtClean="0"/>
+                        <a:t>35</a:t>
+                      </a:r>
+                      <a:endParaRPr lang="de-DE" sz="1200" dirty="0"/>
+                    </a:p>
+                  </a:txBody>
+                  <a:tcPr/>
+                </a:tc>
+                <a:tc>
+                  <a:txBody>
+                    <a:bodyPr/>
+                    <a:lstStyle/>
+                    <a:p>
+                      <a:pPr algn="r"/>
+                      <a:r>
+                        <a:rPr lang="de-DE" sz="1200" dirty="0" smtClean="0"/>
+                        <a:t>210€</a:t>
+                      </a:r>
+                      <a:endParaRPr lang="de-DE" sz="1200" dirty="0"/>
+                    </a:p>
+                  </a:txBody>
+                  <a:tcPr/>
+                </a:tc>
+              </a:tr>
+              <a:tr h="0">
+                <a:tc>
+                  <a:txBody>
+                    <a:bodyPr/>
+                    <a:lstStyle/>
+                    <a:p>
+                      <a:pPr marL="0" marR="0" indent="0" algn="l" defTabSz="914400" rtl="0" eaLnBrk="1" fontAlgn="auto" latinLnBrk="0" hangingPunct="1">
+                        <a:lnSpc>
+                          <a:spcPct val="100000"/>
+                        </a:lnSpc>
+                        <a:spcBef>
+                          <a:spcPts val="0"/>
+                        </a:spcBef>
+                        <a:spcAft>
+                          <a:spcPts val="0"/>
+                        </a:spcAft>
+                        <a:buClrTx/>
+                        <a:buSzTx/>
+                        <a:buFontTx/>
+                        <a:buNone/>
+                        <a:tabLst/>
+                        <a:defRPr/>
+                      </a:pPr>
+                      <a:r>
+                        <a:rPr lang="de-DE" sz="1200" dirty="0" smtClean="0"/>
+                        <a:t>(„</a:t>
+                      </a:r>
+                      <a:r>
+                        <a:rPr lang="de-DE" sz="1200" dirty="0" err="1" smtClean="0"/>
+                        <a:t>Xperia</a:t>
+                      </a:r>
+                      <a:r>
+                        <a:rPr lang="de-DE" sz="1200" dirty="0" smtClean="0"/>
+                        <a:t> E5“, S)</a:t>
+                      </a:r>
+                    </a:p>
+                  </a:txBody>
+                  <a:tcPr/>
+                </a:tc>
+                <a:tc>
+                  <a:txBody>
+                    <a:bodyPr/>
+                    <a:lstStyle/>
+                    <a:p>
+                      <a:pPr algn="r"/>
+                      <a:r>
+                        <a:rPr lang="de-DE" sz="1200" dirty="0" smtClean="0"/>
+                        <a:t>3</a:t>
+                      </a:r>
+                      <a:endParaRPr lang="de-DE" sz="1200" dirty="0"/>
+                    </a:p>
+                  </a:txBody>
+                  <a:tcPr/>
+                </a:tc>
+                <a:tc>
+                  <a:txBody>
+                    <a:bodyPr/>
+                    <a:lstStyle/>
+                    <a:p>
+                      <a:pPr algn="r"/>
+                      <a:r>
+                        <a:rPr lang="de-DE" sz="1200" dirty="0" smtClean="0"/>
+                        <a:t>420€</a:t>
+                      </a:r>
+                      <a:endParaRPr lang="de-DE" sz="1200" dirty="0"/>
+                    </a:p>
+                  </a:txBody>
+                  <a:tcPr/>
+                </a:tc>
+              </a:tr>
+            </a:tbl>
+          </a:graphicData>
+        </a:graphic>
+      </p:graphicFrame>
+      <mc:AlternateContent xmlns:mc="http://schemas.openxmlformats.org/markup-compatibility/2006">
+        <mc:Choice xmlns:a14="http://schemas.microsoft.com/office/drawing/2010/main" Requires="a14">
+          <p:sp>
+            <p:nvSpPr>
+              <p:cNvPr id="20" name="Legende mit Linie 1 19"/>
+              <p:cNvSpPr/>
+              <p:nvPr/>
+            </p:nvSpPr>
+            <p:spPr bwMode="auto">
+              <a:xfrm>
+                <a:off x="769257" y="4746171"/>
+                <a:ext cx="3811681" cy="1277257"/>
+              </a:xfrm>
+              <a:prstGeom prst="borderCallout1">
+                <a:avLst>
+                  <a:gd name="adj1" fmla="val -13068"/>
+                  <a:gd name="adj2" fmla="val 73234"/>
+                  <a:gd name="adj3" fmla="val -125000"/>
+                  <a:gd name="adj4" fmla="val 80848"/>
+                </a:avLst>
+              </a:prstGeom>
+              <a:ln>
+                <a:headEnd type="none" w="med" len="med"/>
+                <a:tailEnd type="none" w="med" len="med"/>
+              </a:ln>
+            </p:spPr>
+            <p:style>
+              <a:lnRef idx="1">
+                <a:schemeClr val="accent5"/>
+              </a:lnRef>
+              <a:fillRef idx="2">
+                <a:schemeClr val="accent5"/>
+              </a:fillRef>
+              <a:effectRef idx="1">
+                <a:schemeClr val="accent5"/>
+              </a:effectRef>
+              <a:fontRef idx="minor">
+                <a:schemeClr val="dk1"/>
+              </a:fontRef>
+            </p:style>
+            <p:txBody>
+              <a:bodyPr rot="0" spcFirstLastPara="0" vertOverflow="overflow" horzOverflow="overflow" vert="horz" wrap="square" lIns="91440" tIns="45720" rIns="91440" bIns="45720" numCol="1" spcCol="0" rtlCol="0" fromWordArt="0" anchor="ctr" anchorCtr="0" forceAA="0" compatLnSpc="1">
+                <a:prstTxWarp prst="textNoShape">
+                  <a:avLst/>
+                </a:prstTxWarp>
+                <a:noAutofit/>
+              </a:bodyPr>
+              <a:lstStyle/>
+              <a:p>
+                <a:pPr marL="0" marR="0" indent="0" algn="ctr" defTabSz="914400" rtl="0" eaLnBrk="1" fontAlgn="base" latinLnBrk="0" hangingPunct="1">
+                  <a:lnSpc>
+                    <a:spcPct val="100000"/>
+                  </a:lnSpc>
+                  <a:spcBef>
+                    <a:spcPct val="0"/>
+                  </a:spcBef>
+                  <a:spcAft>
+                    <a:spcPts val="600"/>
+                  </a:spcAft>
+                  <a:buClrTx/>
+                  <a:buSzTx/>
+                  <a:buFontTx/>
+                  <a:buNone/>
+                  <a:tabLst/>
+                </a:pPr>
+                <a:r>
+                  <a:rPr kumimoji="0" lang="de-DE" b="0" i="0" u="none" strike="noStrike" cap="none" normalizeH="0" baseline="0" dirty="0" err="1" smtClean="0">
+                    <a:ln>
+                      <a:noFill/>
+                    </a:ln>
+                    <a:solidFill>
+                      <a:schemeClr val="tx1"/>
+                    </a:solidFill>
+                    <a:effectLst/>
+                    <a:latin typeface="Open Sans" panose="020B0606030504020204" pitchFamily="34" charset="0"/>
+                    <a:ea typeface="Open Sans" panose="020B0606030504020204" pitchFamily="34" charset="0"/>
+                    <a:cs typeface="Open Sans" panose="020B0606030504020204" pitchFamily="34" charset="0"/>
+                  </a:rPr>
+                  <a:t>map</a:t>
+                </a:r>
+                <a:endParaRPr kumimoji="0" lang="de-DE" b="0" i="0" u="none" strike="noStrike" cap="none" normalizeH="0" baseline="0" dirty="0" smtClean="0">
+                  <a:ln>
+                    <a:noFill/>
+                  </a:ln>
+                  <a:solidFill>
+                    <a:schemeClr val="tx1"/>
+                  </a:solidFill>
+                  <a:effectLst/>
+                  <a:latin typeface="Open Sans" panose="020B0606030504020204" pitchFamily="34" charset="0"/>
+                  <a:ea typeface="Open Sans" panose="020B0606030504020204" pitchFamily="34" charset="0"/>
+                  <a:cs typeface="Open Sans" panose="020B0606030504020204" pitchFamily="34" charset="0"/>
+                </a:endParaRPr>
+              </a:p>
+              <a:p>
+                <a:pPr marL="0" marR="0" indent="0" algn="ctr" defTabSz="914400" rtl="0" eaLnBrk="1" fontAlgn="base" latinLnBrk="0" hangingPunct="1">
+                  <a:lnSpc>
+                    <a:spcPct val="100000"/>
+                  </a:lnSpc>
+                  <a:spcBef>
+                    <a:spcPct val="0"/>
+                  </a:spcBef>
+                  <a:spcAft>
+                    <a:spcPts val="600"/>
+                  </a:spcAft>
+                  <a:buClrTx/>
+                  <a:buSzTx/>
+                  <a:buFontTx/>
+                  <a:buNone/>
+                  <a:tabLst/>
+                </a:pPr>
+                <a14:m>
+                  <m:oMathPara xmlns:m="http://schemas.openxmlformats.org/officeDocument/2006/math">
+                    <m:oMathParaPr>
+                      <m:jc m:val="centerGroup"/>
+                    </m:oMathParaPr>
+                    <m:oMath xmlns:m="http://schemas.openxmlformats.org/officeDocument/2006/math">
+                      <m:r>
+                        <a:rPr kumimoji="0" lang="de-DE" b="0" i="1" u="none" strike="noStrike" cap="none" normalizeH="0" baseline="0" smtClean="0">
+                          <a:ln>
+                            <a:noFill/>
+                          </a:ln>
+                          <a:solidFill>
+                            <a:schemeClr val="tx1"/>
+                          </a:solidFill>
+                          <a:effectLst/>
+                          <a:latin typeface="Cambria Math"/>
+                          <a:ea typeface="Open Sans" panose="020B0606030504020204" pitchFamily="34" charset="0"/>
+                          <a:cs typeface="Open Sans" panose="020B0606030504020204" pitchFamily="34" charset="0"/>
+                        </a:rPr>
+                        <m:t>𝑓</m:t>
+                      </m:r>
+                      <m:d>
+                        <m:dPr>
+                          <m:ctrlPr>
+                            <a:rPr kumimoji="0" lang="de-DE" b="0" i="1" u="none" strike="noStrike" cap="none" normalizeH="0" baseline="0" smtClean="0">
+                              <a:ln>
+                                <a:noFill/>
+                              </a:ln>
+                              <a:solidFill>
+                                <a:schemeClr val="tx1"/>
+                              </a:solidFill>
+                              <a:effectLst/>
+                              <a:latin typeface="Cambria Math"/>
+                              <a:ea typeface="Open Sans" panose="020B0606030504020204" pitchFamily="34" charset="0"/>
+                              <a:cs typeface="Open Sans" panose="020B0606030504020204" pitchFamily="34" charset="0"/>
+                            </a:rPr>
+                          </m:ctrlPr>
+                        </m:dPr>
+                        <m:e>
+                          <m:r>
+                            <a:rPr kumimoji="0" lang="de-DE" b="0" i="1" u="none" strike="noStrike" cap="none" normalizeH="0" baseline="0" smtClean="0">
+                              <a:ln>
+                                <a:noFill/>
+                              </a:ln>
+                              <a:solidFill>
+                                <a:schemeClr val="tx1"/>
+                              </a:solidFill>
+                              <a:effectLst/>
+                              <a:latin typeface="Cambria Math"/>
+                              <a:ea typeface="Open Sans" panose="020B0606030504020204" pitchFamily="34" charset="0"/>
+                              <a:cs typeface="Open Sans" panose="020B0606030504020204" pitchFamily="34" charset="0"/>
+                            </a:rPr>
+                            <m:t>𝑣</m:t>
+                          </m:r>
+                        </m:e>
+                      </m:d>
+                      <m:r>
+                        <a:rPr kumimoji="0" lang="de-DE" b="0" i="1" u="none" strike="noStrike" cap="none" normalizeH="0" baseline="0" smtClean="0">
+                          <a:ln>
+                            <a:noFill/>
+                          </a:ln>
+                          <a:solidFill>
+                            <a:schemeClr val="tx1"/>
+                          </a:solidFill>
+                          <a:effectLst/>
+                          <a:latin typeface="Cambria Math"/>
+                          <a:ea typeface="Open Sans" panose="020B0606030504020204" pitchFamily="34" charset="0"/>
+                          <a:cs typeface="Open Sans" panose="020B0606030504020204" pitchFamily="34" charset="0"/>
+                        </a:rPr>
+                        <m:t>=</m:t>
+                      </m:r>
+                      <m:d>
+                        <m:dPr>
+                          <m:ctrlPr>
+                            <a:rPr kumimoji="0" lang="de-DE" b="0" i="1" u="none" strike="noStrike" cap="none" normalizeH="0" baseline="0" smtClean="0">
+                              <a:ln>
+                                <a:noFill/>
+                              </a:ln>
+                              <a:solidFill>
+                                <a:schemeClr val="tx1"/>
+                              </a:solidFill>
+                              <a:effectLst/>
+                              <a:latin typeface="Cambria Math"/>
+                              <a:ea typeface="Open Sans" panose="020B0606030504020204" pitchFamily="34" charset="0"/>
+                              <a:cs typeface="Open Sans" panose="020B0606030504020204" pitchFamily="34" charset="0"/>
+                            </a:rPr>
+                          </m:ctrlPr>
+                        </m:dPr>
+                        <m:e>
+                          <m:d>
+                            <m:dPr>
+                              <m:ctrlPr>
+                                <a:rPr kumimoji="0" lang="de-DE" b="0" i="1" u="none" strike="noStrike" cap="none" normalizeH="0" baseline="0" smtClean="0">
+                                  <a:ln>
+                                    <a:noFill/>
+                                  </a:ln>
+                                  <a:solidFill>
+                                    <a:schemeClr val="tx1"/>
+                                  </a:solidFill>
+                                  <a:effectLst/>
+                                  <a:latin typeface="Cambria Math"/>
+                                  <a:ea typeface="Open Sans" panose="020B0606030504020204" pitchFamily="34" charset="0"/>
+                                  <a:cs typeface="Open Sans" panose="020B0606030504020204" pitchFamily="34" charset="0"/>
+                                </a:rPr>
+                              </m:ctrlPr>
+                            </m:dPr>
+                            <m:e>
+                              <m:r>
+                                <a:rPr kumimoji="0" lang="de-DE" b="0" i="1" u="none" strike="noStrike" cap="none" normalizeH="0" baseline="0" smtClean="0">
+                                  <a:ln>
+                                    <a:noFill/>
+                                  </a:ln>
+                                  <a:solidFill>
+                                    <a:schemeClr val="tx1"/>
+                                  </a:solidFill>
+                                  <a:effectLst/>
+                                  <a:latin typeface="Cambria Math"/>
+                                  <a:ea typeface="Open Sans" panose="020B0606030504020204" pitchFamily="34" charset="0"/>
+                                  <a:cs typeface="Open Sans" panose="020B0606030504020204" pitchFamily="34" charset="0"/>
+                                </a:rPr>
+                                <m:t>𝑛</m:t>
+                              </m:r>
+                              <m:d>
+                                <m:dPr>
+                                  <m:ctrlPr>
+                                    <a:rPr kumimoji="0" lang="de-DE" b="0" i="1" u="none" strike="noStrike" cap="none" normalizeH="0" baseline="0" smtClean="0">
+                                      <a:ln>
+                                        <a:noFill/>
+                                      </a:ln>
+                                      <a:solidFill>
+                                        <a:schemeClr val="tx1"/>
+                                      </a:solidFill>
+                                      <a:effectLst/>
+                                      <a:latin typeface="Cambria Math"/>
+                                      <a:ea typeface="Open Sans" panose="020B0606030504020204" pitchFamily="34" charset="0"/>
+                                      <a:cs typeface="Open Sans" panose="020B0606030504020204" pitchFamily="34" charset="0"/>
+                                    </a:rPr>
+                                  </m:ctrlPr>
+                                </m:dPr>
+                                <m:e>
+                                  <m:r>
+                                    <a:rPr kumimoji="0" lang="de-DE" b="0" i="1" u="none" strike="noStrike" cap="none" normalizeH="0" baseline="0" smtClean="0">
+                                      <a:ln>
+                                        <a:noFill/>
+                                      </a:ln>
+                                      <a:solidFill>
+                                        <a:schemeClr val="tx1"/>
+                                      </a:solidFill>
+                                      <a:effectLst/>
+                                      <a:latin typeface="Cambria Math"/>
+                                      <a:ea typeface="Open Sans" panose="020B0606030504020204" pitchFamily="34" charset="0"/>
+                                      <a:cs typeface="Open Sans" panose="020B0606030504020204" pitchFamily="34" charset="0"/>
+                                    </a:rPr>
+                                    <m:t>𝑣</m:t>
+                                  </m:r>
+                                </m:e>
+                              </m:d>
+                              <m:r>
+                                <a:rPr kumimoji="0" lang="de-DE" b="0" i="1" u="none" strike="noStrike" cap="none" normalizeH="0" baseline="0" smtClean="0">
+                                  <a:ln>
+                                    <a:noFill/>
+                                  </a:ln>
+                                  <a:solidFill>
+                                    <a:schemeClr val="tx1"/>
+                                  </a:solidFill>
+                                  <a:effectLst/>
+                                  <a:latin typeface="Cambria Math"/>
+                                  <a:ea typeface="Open Sans" panose="020B0606030504020204" pitchFamily="34" charset="0"/>
+                                  <a:cs typeface="Open Sans" panose="020B0606030504020204" pitchFamily="34" charset="0"/>
+                                </a:rPr>
+                                <m:t>,</m:t>
+                              </m:r>
+                              <m:r>
+                                <a:rPr kumimoji="0" lang="de-DE" b="0" i="1" u="none" strike="noStrike" cap="none" normalizeH="0" baseline="0" smtClean="0">
+                                  <a:ln>
+                                    <a:noFill/>
+                                  </a:ln>
+                                  <a:solidFill>
+                                    <a:schemeClr val="tx1"/>
+                                  </a:solidFill>
+                                  <a:effectLst/>
+                                  <a:latin typeface="Cambria Math"/>
+                                  <a:ea typeface="Open Sans" panose="020B0606030504020204" pitchFamily="34" charset="0"/>
+                                  <a:cs typeface="Open Sans" panose="020B0606030504020204" pitchFamily="34" charset="0"/>
+                                </a:rPr>
+                                <m:t>𝑔</m:t>
+                              </m:r>
+                              <m:d>
+                                <m:dPr>
+                                  <m:ctrlPr>
+                                    <a:rPr kumimoji="0" lang="de-DE" b="0" i="1" u="none" strike="noStrike" cap="none" normalizeH="0" baseline="0" smtClean="0">
+                                      <a:ln>
+                                        <a:noFill/>
+                                      </a:ln>
+                                      <a:solidFill>
+                                        <a:schemeClr val="tx1"/>
+                                      </a:solidFill>
+                                      <a:effectLst/>
+                                      <a:latin typeface="Cambria Math"/>
+                                      <a:ea typeface="Open Sans" panose="020B0606030504020204" pitchFamily="34" charset="0"/>
+                                      <a:cs typeface="Open Sans" panose="020B0606030504020204" pitchFamily="34" charset="0"/>
+                                    </a:rPr>
+                                  </m:ctrlPr>
+                                </m:dPr>
+                                <m:e>
+                                  <m:r>
+                                    <a:rPr kumimoji="0" lang="de-DE" b="0" i="1" u="none" strike="noStrike" cap="none" normalizeH="0" baseline="0" smtClean="0">
+                                      <a:ln>
+                                        <a:noFill/>
+                                      </a:ln>
+                                      <a:solidFill>
+                                        <a:schemeClr val="tx1"/>
+                                      </a:solidFill>
+                                      <a:effectLst/>
+                                      <a:latin typeface="Cambria Math"/>
+                                      <a:ea typeface="Open Sans" panose="020B0606030504020204" pitchFamily="34" charset="0"/>
+                                      <a:cs typeface="Open Sans" panose="020B0606030504020204" pitchFamily="34" charset="0"/>
+                                    </a:rPr>
+                                    <m:t>𝑣</m:t>
+                                  </m:r>
+                                </m:e>
+                              </m:d>
+                            </m:e>
+                          </m:d>
+                          <m:r>
+                            <a:rPr kumimoji="0" lang="de-DE" b="0" i="1" u="none" strike="noStrike" cap="none" normalizeH="0" baseline="0" smtClean="0">
+                              <a:ln>
+                                <a:noFill/>
+                              </a:ln>
+                              <a:solidFill>
+                                <a:schemeClr val="tx1"/>
+                              </a:solidFill>
+                              <a:effectLst/>
+                              <a:latin typeface="Cambria Math"/>
+                              <a:ea typeface="Open Sans" panose="020B0606030504020204" pitchFamily="34" charset="0"/>
+                              <a:cs typeface="Open Sans" panose="020B0606030504020204" pitchFamily="34" charset="0"/>
+                            </a:rPr>
+                            <m:t>,</m:t>
+                          </m:r>
+                          <m:d>
+                            <m:dPr>
+                              <m:ctrlPr>
+                                <a:rPr kumimoji="0" lang="de-DE" b="0" i="1" u="none" strike="noStrike" cap="none" normalizeH="0" baseline="0" smtClean="0">
+                                  <a:ln>
+                                    <a:noFill/>
+                                  </a:ln>
+                                  <a:solidFill>
+                                    <a:schemeClr val="tx1"/>
+                                  </a:solidFill>
+                                  <a:effectLst/>
+                                  <a:latin typeface="Cambria Math"/>
+                                  <a:ea typeface="Open Sans" panose="020B0606030504020204" pitchFamily="34" charset="0"/>
+                                  <a:cs typeface="Open Sans" panose="020B0606030504020204" pitchFamily="34" charset="0"/>
+                                </a:rPr>
+                              </m:ctrlPr>
+                            </m:dPr>
+                            <m:e>
+                              <m:r>
+                                <a:rPr kumimoji="0" lang="de-DE" b="0" i="1" u="none" strike="noStrike" cap="none" normalizeH="0" baseline="0" smtClean="0">
+                                  <a:ln>
+                                    <a:noFill/>
+                                  </a:ln>
+                                  <a:solidFill>
+                                    <a:schemeClr val="tx1"/>
+                                  </a:solidFill>
+                                  <a:effectLst/>
+                                  <a:latin typeface="Cambria Math"/>
+                                  <a:ea typeface="Open Sans" panose="020B0606030504020204" pitchFamily="34" charset="0"/>
+                                  <a:cs typeface="Open Sans" panose="020B0606030504020204" pitchFamily="34" charset="0"/>
+                                </a:rPr>
+                                <m:t>𝑎</m:t>
+                              </m:r>
+                              <m:d>
+                                <m:dPr>
+                                  <m:ctrlPr>
+                                    <a:rPr kumimoji="0" lang="de-DE" b="0" i="1" u="none" strike="noStrike" cap="none" normalizeH="0" baseline="0" smtClean="0">
+                                      <a:ln>
+                                        <a:noFill/>
+                                      </a:ln>
+                                      <a:solidFill>
+                                        <a:schemeClr val="tx1"/>
+                                      </a:solidFill>
+                                      <a:effectLst/>
+                                      <a:latin typeface="Cambria Math"/>
+                                      <a:ea typeface="Open Sans" panose="020B0606030504020204" pitchFamily="34" charset="0"/>
+                                      <a:cs typeface="Open Sans" panose="020B0606030504020204" pitchFamily="34" charset="0"/>
+                                    </a:rPr>
+                                  </m:ctrlPr>
+                                </m:dPr>
+                                <m:e>
+                                  <m:r>
+                                    <a:rPr kumimoji="0" lang="de-DE" b="0" i="1" u="none" strike="noStrike" cap="none" normalizeH="0" baseline="0" smtClean="0">
+                                      <a:ln>
+                                        <a:noFill/>
+                                      </a:ln>
+                                      <a:solidFill>
+                                        <a:schemeClr val="tx1"/>
+                                      </a:solidFill>
+                                      <a:effectLst/>
+                                      <a:latin typeface="Cambria Math"/>
+                                      <a:ea typeface="Open Sans" panose="020B0606030504020204" pitchFamily="34" charset="0"/>
+                                      <a:cs typeface="Open Sans" panose="020B0606030504020204" pitchFamily="34" charset="0"/>
+                                    </a:rPr>
+                                    <m:t>𝑣</m:t>
+                                  </m:r>
+                                </m:e>
+                              </m:d>
+                              <m:r>
+                                <a:rPr kumimoji="0" lang="de-DE" b="0" i="1" u="none" strike="noStrike" cap="none" normalizeH="0" baseline="0" smtClean="0">
+                                  <a:ln>
+                                    <a:noFill/>
+                                  </a:ln>
+                                  <a:solidFill>
+                                    <a:schemeClr val="tx1"/>
+                                  </a:solidFill>
+                                  <a:effectLst/>
+                                  <a:latin typeface="Cambria Math"/>
+                                  <a:ea typeface="Open Sans" panose="020B0606030504020204" pitchFamily="34" charset="0"/>
+                                  <a:cs typeface="Open Sans" panose="020B0606030504020204" pitchFamily="34" charset="0"/>
+                                </a:rPr>
+                                <m:t>,</m:t>
+                              </m:r>
+                              <m:r>
+                                <a:rPr kumimoji="0" lang="de-DE" b="0" i="1" u="none" strike="noStrike" cap="none" normalizeH="0" baseline="0" smtClean="0">
+                                  <a:ln>
+                                    <a:noFill/>
+                                  </a:ln>
+                                  <a:solidFill>
+                                    <a:schemeClr val="tx1"/>
+                                  </a:solidFill>
+                                  <a:effectLst/>
+                                  <a:latin typeface="Cambria Math"/>
+                                  <a:ea typeface="Open Sans" panose="020B0606030504020204" pitchFamily="34" charset="0"/>
+                                  <a:cs typeface="Open Sans" panose="020B0606030504020204" pitchFamily="34" charset="0"/>
+                                </a:rPr>
+                                <m:t>𝑝</m:t>
+                              </m:r>
+                              <m:d>
+                                <m:dPr>
+                                  <m:ctrlPr>
+                                    <a:rPr kumimoji="0" lang="de-DE" b="0" i="1" u="none" strike="noStrike" cap="none" normalizeH="0" baseline="0" smtClean="0">
+                                      <a:ln>
+                                        <a:noFill/>
+                                      </a:ln>
+                                      <a:solidFill>
+                                        <a:schemeClr val="tx1"/>
+                                      </a:solidFill>
+                                      <a:effectLst/>
+                                      <a:latin typeface="Cambria Math"/>
+                                      <a:ea typeface="Open Sans" panose="020B0606030504020204" pitchFamily="34" charset="0"/>
+                                      <a:cs typeface="Open Sans" panose="020B0606030504020204" pitchFamily="34" charset="0"/>
+                                    </a:rPr>
+                                  </m:ctrlPr>
+                                </m:dPr>
+                                <m:e>
+                                  <m:r>
+                                    <a:rPr kumimoji="0" lang="de-DE" b="0" i="1" u="none" strike="noStrike" cap="none" normalizeH="0" baseline="0" smtClean="0">
+                                      <a:ln>
+                                        <a:noFill/>
+                                      </a:ln>
+                                      <a:solidFill>
+                                        <a:schemeClr val="tx1"/>
+                                      </a:solidFill>
+                                      <a:effectLst/>
+                                      <a:latin typeface="Cambria Math"/>
+                                      <a:ea typeface="Open Sans" panose="020B0606030504020204" pitchFamily="34" charset="0"/>
+                                      <a:cs typeface="Open Sans" panose="020B0606030504020204" pitchFamily="34" charset="0"/>
+                                    </a:rPr>
+                                    <m:t>𝑣</m:t>
+                                  </m:r>
+                                </m:e>
+                              </m:d>
+                            </m:e>
+                          </m:d>
+                        </m:e>
+                      </m:d>
+                    </m:oMath>
+                  </m:oMathPara>
+                </a14:m>
+                <a:endParaRPr kumimoji="0" lang="de-DE" b="0" i="0" u="none" strike="noStrike" cap="none" normalizeH="0" baseline="0" dirty="0" smtClean="0">
+                  <a:ln>
+                    <a:noFill/>
+                  </a:ln>
+                  <a:solidFill>
+                    <a:schemeClr val="tx1"/>
+                  </a:solidFill>
+                  <a:effectLst/>
+                  <a:latin typeface="Open Sans" panose="020B0606030504020204" pitchFamily="34" charset="0"/>
+                  <a:ea typeface="Open Sans" panose="020B0606030504020204" pitchFamily="34" charset="0"/>
+                  <a:cs typeface="Open Sans" panose="020B0606030504020204" pitchFamily="34" charset="0"/>
+                </a:endParaRPr>
+              </a:p>
+            </p:txBody>
+          </p:sp>
+        </mc:Choice>
+        <mc:Fallback>
+          <p:sp>
+            <p:nvSpPr>
+              <p:cNvPr id="20" name="Legende mit Linie 1 19"/>
+              <p:cNvSpPr>
+                <a:spLocks noRot="1" noChangeAspect="1" noMove="1" noResize="1" noEditPoints="1" noAdjustHandles="1" noChangeArrowheads="1" noChangeShapeType="1" noTextEdit="1"/>
+              </p:cNvSpPr>
+              <p:nvPr/>
+            </p:nvSpPr>
+            <p:spPr bwMode="auto">
+              <a:xfrm>
+                <a:off x="769257" y="4746171"/>
+                <a:ext cx="3811681" cy="1277257"/>
+              </a:xfrm>
+              <a:prstGeom prst="borderCallout1">
+                <a:avLst>
+                  <a:gd name="adj1" fmla="val -13068"/>
+                  <a:gd name="adj2" fmla="val 73234"/>
+                  <a:gd name="adj3" fmla="val -125000"/>
+                  <a:gd name="adj4" fmla="val 80848"/>
+                </a:avLst>
+              </a:prstGeom>
+              <a:blipFill rotWithShape="1">
+                <a:blip r:embed="rId3"/>
+                <a:stretch>
+                  <a:fillRect/>
+                </a:stretch>
+              </a:blipFill>
+              <a:ln>
+                <a:headEnd type="none" w="med" len="med"/>
+                <a:tailEnd type="none" w="med" len="med"/>
+              </a:ln>
+            </p:spPr>
+            <p:txBody>
+              <a:bodyPr/>
+              <a:lstStyle/>
+              <a:p>
+                <a:r>
+                  <a:rPr lang="de-DE">
+                    <a:noFill/>
+                  </a:rPr>
+                  <a:t> </a:t>
+                </a:r>
+              </a:p>
+            </p:txBody>
+          </p:sp>
+        </mc:Fallback>
+      </mc:AlternateContent>
+      <mc:AlternateContent xmlns:mc="http://schemas.openxmlformats.org/markup-compatibility/2006">
+        <mc:Choice xmlns:a14="http://schemas.microsoft.com/office/drawing/2010/main" Requires="a14">
+          <p:sp>
+            <p:nvSpPr>
+              <p:cNvPr id="21" name="Legende mit Linie 1 20"/>
+              <p:cNvSpPr/>
+              <p:nvPr/>
+            </p:nvSpPr>
+            <p:spPr bwMode="auto">
+              <a:xfrm>
+                <a:off x="4984549" y="4746170"/>
+                <a:ext cx="4232022" cy="1277257"/>
+              </a:xfrm>
+              <a:prstGeom prst="borderCallout1">
+                <a:avLst>
+                  <a:gd name="adj1" fmla="val -13068"/>
+                  <a:gd name="adj2" fmla="val 73234"/>
+                  <a:gd name="adj3" fmla="val -122727"/>
+                  <a:gd name="adj4" fmla="val 63357"/>
+                </a:avLst>
+              </a:prstGeom>
+              <a:ln>
+                <a:headEnd type="none" w="med" len="med"/>
+                <a:tailEnd type="none" w="med" len="med"/>
+              </a:ln>
+            </p:spPr>
+            <p:style>
+              <a:lnRef idx="1">
+                <a:schemeClr val="accent5"/>
+              </a:lnRef>
+              <a:fillRef idx="2">
+                <a:schemeClr val="accent5"/>
+              </a:fillRef>
+              <a:effectRef idx="1">
+                <a:schemeClr val="accent5"/>
+              </a:effectRef>
+              <a:fontRef idx="minor">
+                <a:schemeClr val="dk1"/>
+              </a:fontRef>
+            </p:style>
+            <p:txBody>
+              <a:bodyPr rot="0" spcFirstLastPara="0" vertOverflow="overflow" horzOverflow="overflow" vert="horz" wrap="square" lIns="91440" tIns="45720" rIns="91440" bIns="45720" numCol="1" spcCol="0" rtlCol="0" fromWordArt="0" anchor="ctr" anchorCtr="0" forceAA="0" compatLnSpc="1">
+                <a:prstTxWarp prst="textNoShape">
+                  <a:avLst/>
+                </a:prstTxWarp>
+                <a:noAutofit/>
+              </a:bodyPr>
+              <a:lstStyle/>
+              <a:p>
+                <a:pPr marL="0" marR="0" indent="0" algn="ctr" defTabSz="914400" rtl="0" eaLnBrk="1" fontAlgn="base" latinLnBrk="0" hangingPunct="1">
+                  <a:lnSpc>
+                    <a:spcPct val="100000"/>
+                  </a:lnSpc>
+                  <a:spcBef>
+                    <a:spcPct val="0"/>
+                  </a:spcBef>
+                  <a:spcAft>
+                    <a:spcPts val="600"/>
+                  </a:spcAft>
+                  <a:buClrTx/>
+                  <a:buSzTx/>
+                  <a:buFontTx/>
+                  <a:buNone/>
+                  <a:tabLst/>
+                </a:pPr>
+                <a:r>
+                  <a:rPr kumimoji="0" lang="de-DE" b="0" i="0" u="none" strike="noStrike" cap="none" normalizeH="0" baseline="0" dirty="0" smtClean="0">
+                    <a:ln>
+                      <a:noFill/>
+                    </a:ln>
+                    <a:solidFill>
+                      <a:schemeClr val="tx1"/>
+                    </a:solidFill>
+                    <a:effectLst/>
+                    <a:latin typeface="Open Sans" panose="020B0606030504020204" pitchFamily="34" charset="0"/>
+                    <a:ea typeface="Open Sans" panose="020B0606030504020204" pitchFamily="34" charset="0"/>
+                    <a:cs typeface="Open Sans" panose="020B0606030504020204" pitchFamily="34" charset="0"/>
+                  </a:rPr>
+                  <a:t>aggregateByKey</a:t>
+                </a:r>
+              </a:p>
+              <a:p>
+                <a:pPr>
+                  <a:spcAft>
+                    <a:spcPts val="600"/>
+                  </a:spcAft>
+                </a:pPr>
+                <a14:m>
+                  <m:oMath xmlns:m="http://schemas.openxmlformats.org/officeDocument/2006/math">
+                    <m:r>
+                      <a:rPr kumimoji="0" lang="de-DE" b="0" i="1" u="none" strike="noStrike" cap="none" normalizeH="0" baseline="0" smtClean="0">
+                        <a:ln>
+                          <a:noFill/>
+                        </a:ln>
+                        <a:solidFill>
+                          <a:schemeClr val="tx1"/>
+                        </a:solidFill>
+                        <a:effectLst/>
+                        <a:latin typeface="Cambria Math"/>
+                        <a:ea typeface="Open Sans" panose="020B0606030504020204" pitchFamily="34" charset="0"/>
+                        <a:cs typeface="Open Sans" panose="020B0606030504020204" pitchFamily="34" charset="0"/>
+                      </a:rPr>
+                      <m:t>𝑓</m:t>
+                    </m:r>
+                    <m:d>
+                      <m:dPr>
+                        <m:ctrlPr>
+                          <a:rPr lang="de-DE" i="1">
+                            <a:solidFill>
+                              <a:schemeClr val="tx1"/>
+                            </a:solidFill>
+                            <a:latin typeface="Cambria Math"/>
+                            <a:ea typeface="Open Sans" panose="020B0606030504020204" pitchFamily="34" charset="0"/>
+                            <a:cs typeface="Open Sans" panose="020B0606030504020204" pitchFamily="34" charset="0"/>
+                          </a:rPr>
+                        </m:ctrlPr>
+                      </m:dPr>
+                      <m:e>
+                        <m:r>
+                          <a:rPr lang="de-DE" b="0" i="1" smtClean="0">
+                            <a:solidFill>
+                              <a:schemeClr val="tx1"/>
+                            </a:solidFill>
+                            <a:latin typeface="Cambria Math"/>
+                            <a:ea typeface="Open Sans" panose="020B0606030504020204" pitchFamily="34" charset="0"/>
+                            <a:cs typeface="Open Sans" panose="020B0606030504020204" pitchFamily="34" charset="0"/>
+                          </a:rPr>
+                          <m:t>𝑘</m:t>
+                        </m:r>
+                        <m:r>
+                          <a:rPr lang="de-DE" i="1">
+                            <a:solidFill>
+                              <a:schemeClr val="tx1"/>
+                            </a:solidFill>
+                            <a:latin typeface="Cambria Math"/>
+                            <a:ea typeface="Open Sans" panose="020B0606030504020204" pitchFamily="34" charset="0"/>
+                            <a:cs typeface="Open Sans" panose="020B0606030504020204" pitchFamily="34" charset="0"/>
+                          </a:rPr>
+                          <m:t>,</m:t>
+                        </m:r>
+                        <m:sSub>
+                          <m:sSubPr>
+                            <m:ctrlPr>
+                              <a:rPr lang="de-DE" b="0" i="1" smtClean="0">
+                                <a:solidFill>
+                                  <a:schemeClr val="tx1"/>
+                                </a:solidFill>
+                                <a:latin typeface="Cambria Math"/>
+                                <a:ea typeface="Open Sans" panose="020B0606030504020204" pitchFamily="34" charset="0"/>
+                                <a:cs typeface="Open Sans" panose="020B0606030504020204" pitchFamily="34" charset="0"/>
+                              </a:rPr>
+                            </m:ctrlPr>
+                          </m:sSubPr>
+                          <m:e>
+                            <m:r>
+                              <a:rPr lang="de-DE" b="0" i="1" smtClean="0">
+                                <a:solidFill>
+                                  <a:schemeClr val="tx1"/>
+                                </a:solidFill>
+                                <a:latin typeface="Cambria Math"/>
+                                <a:ea typeface="Open Sans" panose="020B0606030504020204" pitchFamily="34" charset="0"/>
+                                <a:cs typeface="Open Sans" panose="020B0606030504020204" pitchFamily="34" charset="0"/>
+                              </a:rPr>
+                              <m:t>𝑉</m:t>
+                            </m:r>
+                          </m:e>
+                          <m:sub>
+                            <m:r>
+                              <a:rPr lang="de-DE" b="0" i="1" smtClean="0">
+                                <a:solidFill>
+                                  <a:schemeClr val="tx1"/>
+                                </a:solidFill>
+                                <a:latin typeface="Cambria Math"/>
+                                <a:ea typeface="Open Sans" panose="020B0606030504020204" pitchFamily="34" charset="0"/>
+                                <a:cs typeface="Open Sans" panose="020B0606030504020204" pitchFamily="34" charset="0"/>
+                              </a:rPr>
+                              <m:t>𝑘</m:t>
+                            </m:r>
+                          </m:sub>
+                        </m:sSub>
+                      </m:e>
+                    </m:d>
+                    <m:r>
+                      <a:rPr kumimoji="0" lang="de-DE" b="0" i="1" u="none" strike="noStrike" cap="none" normalizeH="0" baseline="0" smtClean="0">
+                        <a:ln>
+                          <a:noFill/>
+                        </a:ln>
+                        <a:solidFill>
+                          <a:schemeClr val="tx1"/>
+                        </a:solidFill>
+                        <a:effectLst/>
+                        <a:latin typeface="Cambria Math"/>
+                        <a:ea typeface="Open Sans" panose="020B0606030504020204" pitchFamily="34" charset="0"/>
+                        <a:cs typeface="Open Sans" panose="020B0606030504020204" pitchFamily="34" charset="0"/>
+                      </a:rPr>
+                      <m:t>=</m:t>
+                    </m:r>
+                    <m:d>
+                      <m:dPr>
+                        <m:ctrlPr>
+                          <a:rPr kumimoji="0" lang="de-DE" b="0" i="1" u="none" strike="noStrike" cap="none" normalizeH="0" baseline="0" smtClean="0">
+                            <a:ln>
+                              <a:noFill/>
+                            </a:ln>
+                            <a:solidFill>
+                              <a:schemeClr val="tx1"/>
+                            </a:solidFill>
+                            <a:effectLst/>
+                            <a:latin typeface="Cambria Math"/>
+                            <a:ea typeface="Open Sans" panose="020B0606030504020204" pitchFamily="34" charset="0"/>
+                            <a:cs typeface="Open Sans" panose="020B0606030504020204" pitchFamily="34" charset="0"/>
+                          </a:rPr>
+                        </m:ctrlPr>
+                      </m:dPr>
+                      <m:e>
+                        <m:r>
+                          <a:rPr kumimoji="0" lang="de-DE" b="0" i="1" u="none" strike="noStrike" cap="none" normalizeH="0" baseline="0" smtClean="0">
+                            <a:ln>
+                              <a:noFill/>
+                            </a:ln>
+                            <a:solidFill>
+                              <a:schemeClr val="tx1"/>
+                            </a:solidFill>
+                            <a:effectLst/>
+                            <a:latin typeface="Cambria Math"/>
+                            <a:ea typeface="Open Sans" panose="020B0606030504020204" pitchFamily="34" charset="0"/>
+                            <a:cs typeface="Open Sans" panose="020B0606030504020204" pitchFamily="34" charset="0"/>
+                          </a:rPr>
+                          <m:t>𝑘</m:t>
+                        </m:r>
+                        <m:r>
+                          <a:rPr kumimoji="0" lang="de-DE" b="0" i="1" u="none" strike="noStrike" cap="none" normalizeH="0" baseline="0" smtClean="0">
+                            <a:ln>
+                              <a:noFill/>
+                            </a:ln>
+                            <a:solidFill>
+                              <a:schemeClr val="tx1"/>
+                            </a:solidFill>
+                            <a:effectLst/>
+                            <a:latin typeface="Cambria Math"/>
+                            <a:ea typeface="Open Sans" panose="020B0606030504020204" pitchFamily="34" charset="0"/>
+                            <a:cs typeface="Open Sans" panose="020B0606030504020204" pitchFamily="34" charset="0"/>
+                          </a:rPr>
+                          <m:t>,</m:t>
+                        </m:r>
+                        <m:d>
+                          <m:dPr>
+                            <m:ctrlPr>
+                              <a:rPr kumimoji="0" lang="de-DE" b="0" i="1" u="none" strike="noStrike" cap="none" normalizeH="0" baseline="0" smtClean="0">
+                                <a:ln>
+                                  <a:noFill/>
+                                </a:ln>
+                                <a:solidFill>
+                                  <a:schemeClr val="tx1"/>
+                                </a:solidFill>
+                                <a:effectLst/>
+                                <a:latin typeface="Cambria Math"/>
+                                <a:ea typeface="Open Sans" panose="020B0606030504020204" pitchFamily="34" charset="0"/>
+                                <a:cs typeface="Open Sans" panose="020B0606030504020204" pitchFamily="34" charset="0"/>
+                              </a:rPr>
+                            </m:ctrlPr>
+                          </m:dPr>
+                          <m:e>
+                            <m:nary>
+                              <m:naryPr>
+                                <m:chr m:val="∑"/>
+                                <m:supHide m:val="on"/>
+                                <m:ctrlPr>
+                                  <a:rPr kumimoji="0" lang="de-DE" b="0" i="1" u="none" strike="noStrike" cap="none" normalizeH="0" baseline="0" smtClean="0">
+                                    <a:ln>
+                                      <a:noFill/>
+                                    </a:ln>
+                                    <a:solidFill>
+                                      <a:schemeClr val="tx1"/>
+                                    </a:solidFill>
+                                    <a:effectLst/>
+                                    <a:latin typeface="Cambria Math"/>
+                                  </a:rPr>
+                                </m:ctrlPr>
+                              </m:naryPr>
+                              <m:sub>
+                                <m:r>
+                                  <m:rPr>
+                                    <m:brk m:alnAt="7"/>
+                                  </m:rPr>
+                                  <a:rPr kumimoji="0" lang="de-DE" b="0" i="1" u="none" strike="noStrike" cap="none" normalizeH="0" baseline="0" smtClean="0">
+                                    <a:ln>
+                                      <a:noFill/>
+                                    </a:ln>
+                                    <a:solidFill>
+                                      <a:schemeClr val="tx1"/>
+                                    </a:solidFill>
+                                    <a:effectLst/>
+                                    <a:latin typeface="Cambria Math"/>
+                                  </a:rPr>
+                                  <m:t>𝑣</m:t>
+                                </m:r>
+                                <m:r>
+                                  <a:rPr kumimoji="0" lang="de-DE" b="0" i="1" u="none" strike="noStrike" cap="none" normalizeH="0" baseline="0" smtClean="0">
+                                    <a:ln>
+                                      <a:noFill/>
+                                    </a:ln>
+                                    <a:solidFill>
+                                      <a:schemeClr val="tx1"/>
+                                    </a:solidFill>
+                                    <a:effectLst/>
+                                    <a:latin typeface="Cambria Math"/>
+                                  </a:rPr>
+                                  <m:t>∈</m:t>
+                                </m:r>
+                                <m:sSub>
+                                  <m:sSubPr>
+                                    <m:ctrlPr>
+                                      <a:rPr kumimoji="0" lang="de-DE" b="0" i="1" u="none" strike="noStrike" cap="none" normalizeH="0" baseline="0" smtClean="0">
+                                        <a:ln>
+                                          <a:noFill/>
+                                        </a:ln>
+                                        <a:solidFill>
+                                          <a:schemeClr val="tx1"/>
+                                        </a:solidFill>
+                                        <a:effectLst/>
+                                        <a:latin typeface="Cambria Math"/>
+                                      </a:rPr>
+                                    </m:ctrlPr>
+                                  </m:sSubPr>
+                                  <m:e>
+                                    <m:r>
+                                      <a:rPr kumimoji="0" lang="de-DE" b="0" i="1" u="none" strike="noStrike" cap="none" normalizeH="0" baseline="0" smtClean="0">
+                                        <a:ln>
+                                          <a:noFill/>
+                                        </a:ln>
+                                        <a:solidFill>
+                                          <a:schemeClr val="tx1"/>
+                                        </a:solidFill>
+                                        <a:effectLst/>
+                                        <a:latin typeface="Cambria Math"/>
+                                      </a:rPr>
+                                      <m:t>𝑉</m:t>
+                                    </m:r>
+                                  </m:e>
+                                  <m:sub>
+                                    <m:r>
+                                      <a:rPr kumimoji="0" lang="de-DE" b="0" i="1" u="none" strike="noStrike" cap="none" normalizeH="0" baseline="0" smtClean="0">
+                                        <a:ln>
+                                          <a:noFill/>
+                                        </a:ln>
+                                        <a:solidFill>
+                                          <a:schemeClr val="tx1"/>
+                                        </a:solidFill>
+                                        <a:effectLst/>
+                                        <a:latin typeface="Cambria Math"/>
+                                      </a:rPr>
+                                      <m:t>𝑘</m:t>
+                                    </m:r>
+                                  </m:sub>
+                                </m:sSub>
+                              </m:sub>
+                              <m:sup/>
+                              <m:e>
+                                <m:r>
+                                  <a:rPr kumimoji="0" lang="de-DE" b="0" i="1" u="none" strike="noStrike" cap="none" normalizeH="0" baseline="0" smtClean="0">
+                                    <a:ln>
+                                      <a:noFill/>
+                                    </a:ln>
+                                    <a:solidFill>
+                                      <a:schemeClr val="tx1"/>
+                                    </a:solidFill>
+                                    <a:effectLst/>
+                                    <a:latin typeface="Cambria Math"/>
+                                  </a:rPr>
+                                  <m:t>𝑎</m:t>
+                                </m:r>
+                                <m:d>
+                                  <m:dPr>
+                                    <m:ctrlPr>
+                                      <a:rPr kumimoji="0" lang="de-DE" b="0" i="1" u="none" strike="noStrike" cap="none" normalizeH="0" baseline="0" smtClean="0">
+                                        <a:ln>
+                                          <a:noFill/>
+                                        </a:ln>
+                                        <a:solidFill>
+                                          <a:schemeClr val="tx1"/>
+                                        </a:solidFill>
+                                        <a:effectLst/>
+                                        <a:latin typeface="Cambria Math"/>
+                                      </a:rPr>
+                                    </m:ctrlPr>
+                                  </m:dPr>
+                                  <m:e>
+                                    <m:r>
+                                      <a:rPr kumimoji="0" lang="de-DE" b="0" i="1" u="none" strike="noStrike" cap="none" normalizeH="0" baseline="0" smtClean="0">
+                                        <a:ln>
+                                          <a:noFill/>
+                                        </a:ln>
+                                        <a:solidFill>
+                                          <a:schemeClr val="tx1"/>
+                                        </a:solidFill>
+                                        <a:effectLst/>
+                                        <a:latin typeface="Cambria Math"/>
+                                      </a:rPr>
+                                      <m:t>𝑣</m:t>
+                                    </m:r>
+                                  </m:e>
+                                </m:d>
+                              </m:e>
+                            </m:nary>
+                            <m:r>
+                              <a:rPr kumimoji="0" lang="de-DE" b="0" i="1" u="none" strike="noStrike" cap="none" normalizeH="0" baseline="0" smtClean="0">
+                                <a:ln>
+                                  <a:noFill/>
+                                </a:ln>
+                                <a:solidFill>
+                                  <a:schemeClr val="tx1"/>
+                                </a:solidFill>
+                                <a:effectLst/>
+                                <a:latin typeface="Cambria Math"/>
+                              </a:rPr>
+                              <m:t>,</m:t>
+                            </m:r>
+                            <m:nary>
+                              <m:naryPr>
+                                <m:chr m:val="∑"/>
+                                <m:supHide m:val="on"/>
+                                <m:ctrlPr>
+                                  <a:rPr lang="de-DE" i="1">
+                                    <a:solidFill>
+                                      <a:schemeClr val="tx1"/>
+                                    </a:solidFill>
+                                    <a:latin typeface="Cambria Math"/>
+                                  </a:rPr>
+                                </m:ctrlPr>
+                              </m:naryPr>
+                              <m:sub>
+                                <m:r>
+                                  <m:rPr>
+                                    <m:brk m:alnAt="7"/>
+                                  </m:rPr>
+                                  <a:rPr lang="de-DE" i="1">
+                                    <a:solidFill>
+                                      <a:schemeClr val="tx1"/>
+                                    </a:solidFill>
+                                    <a:latin typeface="Cambria Math"/>
+                                  </a:rPr>
+                                  <m:t>𝑣</m:t>
+                                </m:r>
+                                <m:r>
+                                  <a:rPr lang="de-DE" i="1">
+                                    <a:solidFill>
+                                      <a:schemeClr val="tx1"/>
+                                    </a:solidFill>
+                                    <a:latin typeface="Cambria Math"/>
+                                  </a:rPr>
+                                  <m:t>∈</m:t>
+                                </m:r>
+                                <m:sSub>
+                                  <m:sSubPr>
+                                    <m:ctrlPr>
+                                      <a:rPr lang="de-DE" i="1">
+                                        <a:solidFill>
+                                          <a:schemeClr val="tx1"/>
+                                        </a:solidFill>
+                                        <a:latin typeface="Cambria Math"/>
+                                      </a:rPr>
+                                    </m:ctrlPr>
+                                  </m:sSubPr>
+                                  <m:e>
+                                    <m:r>
+                                      <a:rPr lang="de-DE" i="1">
+                                        <a:solidFill>
+                                          <a:schemeClr val="tx1"/>
+                                        </a:solidFill>
+                                        <a:latin typeface="Cambria Math"/>
+                                      </a:rPr>
+                                      <m:t>𝑉</m:t>
+                                    </m:r>
+                                  </m:e>
+                                  <m:sub>
+                                    <m:r>
+                                      <a:rPr lang="de-DE" i="1">
+                                        <a:solidFill>
+                                          <a:schemeClr val="tx1"/>
+                                        </a:solidFill>
+                                        <a:latin typeface="Cambria Math"/>
+                                      </a:rPr>
+                                      <m:t>𝑘</m:t>
+                                    </m:r>
+                                  </m:sub>
+                                </m:sSub>
+                              </m:sub>
+                              <m:sup/>
+                              <m:e>
+                                <m:r>
+                                  <a:rPr lang="de-DE" i="1">
+                                    <a:solidFill>
+                                      <a:schemeClr val="tx1"/>
+                                    </a:solidFill>
+                                    <a:latin typeface="Cambria Math"/>
+                                  </a:rPr>
+                                  <m:t>𝑎</m:t>
+                                </m:r>
+                                <m:d>
+                                  <m:dPr>
+                                    <m:ctrlPr>
+                                      <a:rPr lang="de-DE" i="1">
+                                        <a:solidFill>
+                                          <a:schemeClr val="tx1"/>
+                                        </a:solidFill>
+                                        <a:latin typeface="Cambria Math"/>
+                                      </a:rPr>
+                                    </m:ctrlPr>
+                                  </m:dPr>
+                                  <m:e>
+                                    <m:r>
+                                      <a:rPr lang="de-DE" i="1">
+                                        <a:solidFill>
+                                          <a:schemeClr val="tx1"/>
+                                        </a:solidFill>
+                                        <a:latin typeface="Cambria Math"/>
+                                      </a:rPr>
+                                      <m:t>𝑣</m:t>
+                                    </m:r>
+                                  </m:e>
+                                </m:d>
+                                <m:r>
+                                  <a:rPr lang="de-DE" i="1">
+                                    <a:solidFill>
+                                      <a:schemeClr val="tx1"/>
+                                    </a:solidFill>
+                                    <a:latin typeface="Cambria Math"/>
+                                    <a:ea typeface="Cambria Math"/>
+                                  </a:rPr>
+                                  <m:t>∙</m:t>
+                                </m:r>
+                                <m:r>
+                                  <a:rPr lang="de-DE" b="0" i="1" smtClean="0">
+                                    <a:solidFill>
+                                      <a:schemeClr val="tx1"/>
+                                    </a:solidFill>
+                                    <a:latin typeface="Cambria Math"/>
+                                    <a:ea typeface="Cambria Math"/>
+                                  </a:rPr>
+                                  <m:t>𝑝</m:t>
+                                </m:r>
+                                <m:d>
+                                  <m:dPr>
+                                    <m:ctrlPr>
+                                      <a:rPr lang="de-DE" b="0" i="1" smtClean="0">
+                                        <a:solidFill>
+                                          <a:schemeClr val="tx1"/>
+                                        </a:solidFill>
+                                        <a:latin typeface="Cambria Math"/>
+                                        <a:ea typeface="Cambria Math"/>
+                                      </a:rPr>
+                                    </m:ctrlPr>
+                                  </m:dPr>
+                                  <m:e>
+                                    <m:r>
+                                      <a:rPr lang="de-DE" b="0" i="1" smtClean="0">
+                                        <a:solidFill>
+                                          <a:schemeClr val="tx1"/>
+                                        </a:solidFill>
+                                        <a:latin typeface="Cambria Math"/>
+                                        <a:ea typeface="Cambria Math"/>
+                                      </a:rPr>
+                                      <m:t>𝑣</m:t>
+                                    </m:r>
+                                  </m:e>
+                                </m:d>
+                              </m:e>
+                            </m:nary>
+                          </m:e>
+                        </m:d>
+                      </m:e>
+                    </m:d>
+                  </m:oMath>
+                </a14:m>
+                <a:r>
+                  <a:rPr kumimoji="0" lang="de-DE" b="0" i="0" u="none" strike="noStrike" cap="none" normalizeH="0" baseline="0" dirty="0" smtClean="0">
+                    <a:ln>
+                      <a:noFill/>
+                    </a:ln>
+                    <a:solidFill>
+                      <a:schemeClr val="tx1"/>
+                    </a:solidFill>
+                    <a:effectLst/>
+                    <a:latin typeface="Open Sans" panose="020B0606030504020204" pitchFamily="34" charset="0"/>
+                    <a:ea typeface="Open Sans" panose="020B0606030504020204" pitchFamily="34" charset="0"/>
+                    <a:cs typeface="Open Sans" panose="020B0606030504020204" pitchFamily="34" charset="0"/>
+                  </a:rPr>
+                  <a:t>  </a:t>
+                </a:r>
+                <a:endParaRPr kumimoji="0" lang="de-DE" b="0" i="0" u="none" strike="noStrike" cap="none" normalizeH="0" baseline="0" dirty="0" smtClean="0">
+                  <a:ln>
+                    <a:noFill/>
+                  </a:ln>
+                  <a:solidFill>
+                    <a:schemeClr val="tx1"/>
+                  </a:solidFill>
+                  <a:effectLst/>
+                  <a:latin typeface="Open Sans" panose="020B0606030504020204" pitchFamily="34" charset="0"/>
+                  <a:ea typeface="Open Sans" panose="020B0606030504020204" pitchFamily="34" charset="0"/>
+                  <a:cs typeface="Open Sans" panose="020B0606030504020204" pitchFamily="34" charset="0"/>
+                </a:endParaRPr>
+              </a:p>
+            </p:txBody>
+          </p:sp>
+        </mc:Choice>
+        <mc:Fallback>
+          <p:sp>
+            <p:nvSpPr>
+              <p:cNvPr id="21" name="Legende mit Linie 1 20"/>
+              <p:cNvSpPr>
+                <a:spLocks noRot="1" noChangeAspect="1" noMove="1" noResize="1" noEditPoints="1" noAdjustHandles="1" noChangeArrowheads="1" noChangeShapeType="1" noTextEdit="1"/>
+              </p:cNvSpPr>
+              <p:nvPr/>
+            </p:nvSpPr>
+            <p:spPr bwMode="auto">
+              <a:xfrm>
+                <a:off x="4984549" y="4746170"/>
+                <a:ext cx="4232022" cy="1277257"/>
+              </a:xfrm>
+              <a:prstGeom prst="borderCallout1">
+                <a:avLst>
+                  <a:gd name="adj1" fmla="val -13068"/>
+                  <a:gd name="adj2" fmla="val 73234"/>
+                  <a:gd name="adj3" fmla="val -122727"/>
+                  <a:gd name="adj4" fmla="val 63357"/>
+                </a:avLst>
+              </a:prstGeom>
+              <a:blipFill rotWithShape="1">
+                <a:blip r:embed="rId4"/>
+                <a:stretch>
+                  <a:fillRect/>
+                </a:stretch>
+              </a:blipFill>
+              <a:ln>
+                <a:headEnd type="none" w="med" len="med"/>
+                <a:tailEnd type="none" w="med" len="med"/>
+              </a:ln>
+            </p:spPr>
+            <p:txBody>
+              <a:bodyPr/>
+              <a:lstStyle/>
+              <a:p>
+                <a:r>
+                  <a:rPr lang="de-DE">
+                    <a:noFill/>
+                  </a:rPr>
+                  <a:t> </a:t>
+                </a:r>
+              </a:p>
+            </p:txBody>
+          </p:sp>
+        </mc:Fallback>
+      </mc:AlternateContent>
+      <p:sp>
+        <p:nvSpPr>
+          <p:cNvPr id="3" name="Rechteck 2"/>
+          <p:cNvSpPr/>
+          <p:nvPr/>
+        </p:nvSpPr>
+        <p:spPr bwMode="auto">
+          <a:xfrm>
+            <a:off x="451623" y="1059543"/>
+            <a:ext cx="4036654" cy="3686627"/>
+          </a:xfrm>
+          <a:prstGeom prst="rect">
+            <a:avLst/>
+          </a:prstGeom>
+          <a:solidFill>
+            <a:srgbClr val="FFFFFF">
+              <a:alpha val="80000"/>
+            </a:srgbClr>
+          </a:solidFill>
+          <a:ln w="9525" cap="flat" cmpd="sng" algn="ctr">
+            <a:noFill/>
+            <a:prstDash val="solid"/>
+            <a:round/>
+            <a:headEnd type="none" w="med" len="med"/>
+            <a:tailEnd type="none" w="med" len="med"/>
+          </a:ln>
+          <a:effectLst/>
+        </p:spPr>
+        <p:txBody>
+          <a:bodyPr rot="0" spcFirstLastPara="0" vertOverflow="overflow" horzOverflow="overflow" vert="horz" wrap="square" lIns="91440" tIns="45720" rIns="91440" bIns="45720" numCol="1" spcCol="0" rtlCol="0" fromWordArt="0" anchor="ctr" anchorCtr="0" forceAA="0" compatLnSpc="1">
+            <a:prstTxWarp prst="textNoShape">
+              <a:avLst/>
+            </a:prstTxWarp>
+            <a:noAutofit/>
+          </a:bodyPr>
+          <a:lstStyle/>
+          <a:p>
+            <a:pPr marL="0" marR="0" indent="0" algn="ctr" defTabSz="914400" rtl="0" eaLnBrk="1" fontAlgn="base" latinLnBrk="0" hangingPunct="1">
+              <a:lnSpc>
+                <a:spcPct val="100000"/>
+              </a:lnSpc>
+              <a:spcBef>
+                <a:spcPct val="0"/>
+              </a:spcBef>
+              <a:spcAft>
+                <a:spcPts val="600"/>
+              </a:spcAft>
+              <a:buClrTx/>
+              <a:buSzTx/>
+              <a:buFontTx/>
+              <a:buNone/>
+              <a:tabLst/>
+            </a:pPr>
+            <a:endParaRPr kumimoji="0" lang="de-DE" sz="1200" b="0" i="0" u="none" strike="noStrike" cap="none" normalizeH="0" baseline="0" dirty="0" err="1" smtClean="0">
+              <a:ln>
+                <a:noFill/>
+              </a:ln>
+              <a:solidFill>
+                <a:schemeClr val="bg1"/>
+              </a:solidFill>
+              <a:effectLst/>
+              <a:latin typeface="Open Sans" panose="020B0606030504020204" pitchFamily="34" charset="0"/>
+              <a:ea typeface="Open Sans" panose="020B0606030504020204" pitchFamily="34" charset="0"/>
+              <a:cs typeface="Open Sans" panose="020B0606030504020204" pitchFamily="34" charset="0"/>
+            </a:endParaRPr>
+          </a:p>
+        </p:txBody>
+      </p:sp>
+      <p:sp>
+        <p:nvSpPr>
+          <p:cNvPr id="22" name="Rechteck 21"/>
+          <p:cNvSpPr/>
+          <p:nvPr/>
+        </p:nvSpPr>
+        <p:spPr bwMode="auto">
+          <a:xfrm>
+            <a:off x="7198244" y="1059542"/>
+            <a:ext cx="4468226" cy="3686629"/>
+          </a:xfrm>
+          <a:prstGeom prst="rect">
+            <a:avLst/>
+          </a:prstGeom>
+          <a:solidFill>
+            <a:srgbClr val="FFFFFF">
+              <a:alpha val="80000"/>
+            </a:srgbClr>
+          </a:solidFill>
+          <a:ln w="9525" cap="flat" cmpd="sng" algn="ctr">
+            <a:noFill/>
+            <a:prstDash val="solid"/>
+            <a:round/>
+            <a:headEnd type="none" w="med" len="med"/>
+            <a:tailEnd type="none" w="med" len="med"/>
+          </a:ln>
+          <a:effectLst/>
+        </p:spPr>
+        <p:txBody>
+          <a:bodyPr rot="0" spcFirstLastPara="0" vertOverflow="overflow" horzOverflow="overflow" vert="horz" wrap="square" lIns="91440" tIns="45720" rIns="91440" bIns="45720" numCol="1" spcCol="0" rtlCol="0" fromWordArt="0" anchor="ctr" anchorCtr="0" forceAA="0" compatLnSpc="1">
+            <a:prstTxWarp prst="textNoShape">
+              <a:avLst/>
+            </a:prstTxWarp>
+            <a:noAutofit/>
+          </a:bodyPr>
+          <a:lstStyle/>
+          <a:p>
+            <a:pPr marL="0" marR="0" indent="0" algn="ctr" defTabSz="914400" rtl="0" eaLnBrk="1" fontAlgn="base" latinLnBrk="0" hangingPunct="1">
+              <a:lnSpc>
+                <a:spcPct val="100000"/>
+              </a:lnSpc>
+              <a:spcBef>
+                <a:spcPct val="0"/>
+              </a:spcBef>
+              <a:spcAft>
+                <a:spcPts val="600"/>
+              </a:spcAft>
+              <a:buClrTx/>
+              <a:buSzTx/>
+              <a:buFontTx/>
+              <a:buNone/>
+              <a:tabLst/>
+            </a:pPr>
+            <a:endParaRPr kumimoji="0" lang="de-DE" sz="1200" b="0" i="0" u="none" strike="noStrike" cap="none" normalizeH="0" baseline="0" dirty="0" err="1" smtClean="0">
+              <a:ln>
+                <a:noFill/>
+              </a:ln>
+              <a:solidFill>
+                <a:schemeClr val="bg1"/>
+              </a:solidFill>
+              <a:effectLst/>
+              <a:latin typeface="Open Sans" panose="020B0606030504020204" pitchFamily="34" charset="0"/>
+              <a:ea typeface="Open Sans" panose="020B0606030504020204" pitchFamily="34" charset="0"/>
+              <a:cs typeface="Open Sans" panose="020B0606030504020204" pitchFamily="34" charset="0"/>
+            </a:endParaRPr>
+          </a:p>
+        </p:txBody>
+      </p:sp>
+      <p:sp>
+        <p:nvSpPr>
+          <p:cNvPr id="23" name="Rechteck 22"/>
+          <p:cNvSpPr/>
+          <p:nvPr/>
+        </p:nvSpPr>
+        <p:spPr bwMode="auto">
+          <a:xfrm>
+            <a:off x="451622" y="4746171"/>
+            <a:ext cx="11214847" cy="1463401"/>
+          </a:xfrm>
+          <a:prstGeom prst="rect">
+            <a:avLst/>
+          </a:prstGeom>
+          <a:solidFill>
+            <a:srgbClr val="FFFFFF">
+              <a:alpha val="80000"/>
+            </a:srgbClr>
+          </a:solidFill>
+          <a:ln w="9525" cap="flat" cmpd="sng" algn="ctr">
+            <a:noFill/>
+            <a:prstDash val="solid"/>
+            <a:round/>
+            <a:headEnd type="none" w="med" len="med"/>
+            <a:tailEnd type="none" w="med" len="med"/>
+          </a:ln>
+          <a:effectLst/>
+        </p:spPr>
+        <p:txBody>
+          <a:bodyPr rot="0" spcFirstLastPara="0" vertOverflow="overflow" horzOverflow="overflow" vert="horz" wrap="square" lIns="91440" tIns="45720" rIns="91440" bIns="45720" numCol="1" spcCol="0" rtlCol="0" fromWordArt="0" anchor="ctr" anchorCtr="0" forceAA="0" compatLnSpc="1">
+            <a:prstTxWarp prst="textNoShape">
+              <a:avLst/>
+            </a:prstTxWarp>
+            <a:noAutofit/>
+          </a:bodyPr>
+          <a:lstStyle/>
+          <a:p>
+            <a:pPr marL="0" marR="0" indent="0" algn="ctr" defTabSz="914400" rtl="0" eaLnBrk="1" fontAlgn="base" latinLnBrk="0" hangingPunct="1">
+              <a:lnSpc>
+                <a:spcPct val="100000"/>
+              </a:lnSpc>
+              <a:spcBef>
+                <a:spcPct val="0"/>
+              </a:spcBef>
+              <a:spcAft>
+                <a:spcPts val="600"/>
+              </a:spcAft>
+              <a:buClrTx/>
+              <a:buSzTx/>
+              <a:buFontTx/>
+              <a:buNone/>
+              <a:tabLst/>
+            </a:pPr>
+            <a:endParaRPr kumimoji="0" lang="de-DE" sz="1200" b="0" i="0" u="none" strike="noStrike" cap="none" normalizeH="0" baseline="0" dirty="0" err="1" smtClean="0">
+              <a:ln>
+                <a:noFill/>
+              </a:ln>
+              <a:solidFill>
+                <a:schemeClr val="bg1"/>
+              </a:solidFill>
+              <a:effectLst/>
+              <a:latin typeface="Open Sans" panose="020B0606030504020204" pitchFamily="34" charset="0"/>
+              <a:ea typeface="Open Sans" panose="020B0606030504020204" pitchFamily="34" charset="0"/>
+              <a:cs typeface="Open Sans" panose="020B0606030504020204" pitchFamily="34" charset="0"/>
+            </a:endParaRPr>
+          </a:p>
+        </p:txBody>
+      </p:sp>
+      <p:sp>
+        <p:nvSpPr>
+          <p:cNvPr id="4" name="Ellipse 3"/>
+          <p:cNvSpPr/>
+          <p:nvPr/>
+        </p:nvSpPr>
+        <p:spPr bwMode="auto">
+          <a:xfrm>
+            <a:off x="7202956" y="1248936"/>
+            <a:ext cx="236036" cy="219661"/>
+          </a:xfrm>
+          <a:prstGeom prst="ellipse">
+            <a:avLst/>
+          </a:prstGeom>
+          <a:ln>
+            <a:headEnd type="none" w="med" len="med"/>
+            <a:tailEnd type="none" w="med" len="med"/>
+          </a:ln>
+        </p:spPr>
+        <p:style>
+          <a:lnRef idx="2">
+            <a:schemeClr val="accent3"/>
+          </a:lnRef>
+          <a:fillRef idx="1">
+            <a:schemeClr val="lt1"/>
+          </a:fillRef>
+          <a:effectRef idx="0">
+            <a:schemeClr val="accent3"/>
+          </a:effectRef>
+          <a:fontRef idx="minor">
+            <a:schemeClr val="dk1"/>
+          </a:fontRef>
+        </p:style>
+        <p:txBody>
+          <a:bodyPr rot="0" spcFirstLastPara="0" vertOverflow="overflow" horzOverflow="overflow" vert="horz" wrap="square" lIns="91440" tIns="45720" rIns="91440" bIns="45720" numCol="1" spcCol="0" rtlCol="0" fromWordArt="0" anchor="ctr" anchorCtr="0" forceAA="0" compatLnSpc="1">
+            <a:prstTxWarp prst="textNoShape">
+              <a:avLst/>
+            </a:prstTxWarp>
+            <a:noAutofit/>
+          </a:bodyPr>
+          <a:lstStyle/>
+          <a:p>
+            <a:pPr marL="0" marR="0" indent="0" algn="ctr" defTabSz="914400" rtl="0" eaLnBrk="1" fontAlgn="base" latinLnBrk="0" hangingPunct="1">
+              <a:lnSpc>
+                <a:spcPct val="100000"/>
+              </a:lnSpc>
+              <a:spcBef>
+                <a:spcPct val="0"/>
+              </a:spcBef>
+              <a:spcAft>
+                <a:spcPts val="600"/>
+              </a:spcAft>
+              <a:buClrTx/>
+              <a:buSzTx/>
+              <a:buFontTx/>
+              <a:buNone/>
+              <a:tabLst/>
+            </a:pPr>
+            <a:r>
+              <a:rPr kumimoji="0" lang="de-DE" sz="1200" b="0" i="0" u="none" strike="noStrike" cap="none" normalizeH="0" baseline="0" dirty="0" smtClean="0">
+                <a:ln>
+                  <a:noFill/>
+                </a:ln>
+                <a:solidFill>
+                  <a:schemeClr val="tx1"/>
+                </a:solidFill>
+                <a:effectLst/>
+                <a:latin typeface="Open Sans" panose="020B0606030504020204" pitchFamily="34" charset="0"/>
+                <a:ea typeface="Open Sans" panose="020B0606030504020204" pitchFamily="34" charset="0"/>
+                <a:cs typeface="Open Sans" panose="020B0606030504020204" pitchFamily="34" charset="0"/>
+              </a:rPr>
+              <a:t>1</a:t>
+            </a:r>
+            <a:endParaRPr kumimoji="0" lang="de-DE" sz="1200" b="0" i="0" u="none" strike="noStrike" cap="none" normalizeH="0" baseline="0" dirty="0" smtClean="0">
+              <a:ln>
+                <a:noFill/>
+              </a:ln>
+              <a:solidFill>
+                <a:schemeClr val="tx1"/>
+              </a:solidFill>
+              <a:effectLst/>
+              <a:latin typeface="Open Sans" panose="020B0606030504020204" pitchFamily="34" charset="0"/>
+              <a:ea typeface="Open Sans" panose="020B0606030504020204" pitchFamily="34" charset="0"/>
+              <a:cs typeface="Open Sans" panose="020B0606030504020204" pitchFamily="34" charset="0"/>
+            </a:endParaRPr>
+          </a:p>
+        </p:txBody>
+      </p:sp>
+      <p:sp>
+        <p:nvSpPr>
+          <p:cNvPr id="24" name="Ellipse 23"/>
+          <p:cNvSpPr/>
+          <p:nvPr/>
+        </p:nvSpPr>
+        <p:spPr bwMode="auto">
+          <a:xfrm>
+            <a:off x="7202956" y="1524287"/>
+            <a:ext cx="236036" cy="219661"/>
+          </a:xfrm>
+          <a:prstGeom prst="ellipse">
+            <a:avLst/>
+          </a:prstGeom>
+          <a:ln>
+            <a:headEnd type="none" w="med" len="med"/>
+            <a:tailEnd type="none" w="med" len="med"/>
+          </a:ln>
+        </p:spPr>
+        <p:style>
+          <a:lnRef idx="2">
+            <a:schemeClr val="accent3"/>
+          </a:lnRef>
+          <a:fillRef idx="1">
+            <a:schemeClr val="lt1"/>
+          </a:fillRef>
+          <a:effectRef idx="0">
+            <a:schemeClr val="accent3"/>
+          </a:effectRef>
+          <a:fontRef idx="minor">
+            <a:schemeClr val="dk1"/>
+          </a:fontRef>
+        </p:style>
+        <p:txBody>
+          <a:bodyPr rot="0" spcFirstLastPara="0" vertOverflow="overflow" horzOverflow="overflow" vert="horz" wrap="square" lIns="91440" tIns="45720" rIns="91440" bIns="45720" numCol="1" spcCol="0" rtlCol="0" fromWordArt="0" anchor="ctr" anchorCtr="0" forceAA="0" compatLnSpc="1">
+            <a:prstTxWarp prst="textNoShape">
+              <a:avLst/>
+            </a:prstTxWarp>
+            <a:noAutofit/>
+          </a:bodyPr>
+          <a:lstStyle/>
+          <a:p>
+            <a:pPr marL="0" marR="0" indent="0" algn="ctr" defTabSz="914400" rtl="0" eaLnBrk="1" fontAlgn="base" latinLnBrk="0" hangingPunct="1">
+              <a:lnSpc>
+                <a:spcPct val="100000"/>
+              </a:lnSpc>
+              <a:spcBef>
+                <a:spcPct val="0"/>
+              </a:spcBef>
+              <a:spcAft>
+                <a:spcPts val="600"/>
+              </a:spcAft>
+              <a:buClrTx/>
+              <a:buSzTx/>
+              <a:buFontTx/>
+              <a:buNone/>
+              <a:tabLst/>
+            </a:pPr>
+            <a:r>
+              <a:rPr kumimoji="0" lang="de-DE" sz="1200" b="0" i="0" u="none" strike="noStrike" cap="none" normalizeH="0" baseline="0" dirty="0" smtClean="0">
+                <a:ln>
+                  <a:noFill/>
+                </a:ln>
+                <a:solidFill>
+                  <a:schemeClr val="tx1"/>
+                </a:solidFill>
+                <a:effectLst/>
+                <a:latin typeface="Open Sans" panose="020B0606030504020204" pitchFamily="34" charset="0"/>
+                <a:ea typeface="Open Sans" panose="020B0606030504020204" pitchFamily="34" charset="0"/>
+                <a:cs typeface="Open Sans" panose="020B0606030504020204" pitchFamily="34" charset="0"/>
+              </a:rPr>
+              <a:t>2</a:t>
+            </a:r>
+            <a:endParaRPr kumimoji="0" lang="de-DE" sz="1200" b="0" i="0" u="none" strike="noStrike" cap="none" normalizeH="0" baseline="0" dirty="0" smtClean="0">
+              <a:ln>
+                <a:noFill/>
+              </a:ln>
+              <a:solidFill>
+                <a:schemeClr val="tx1"/>
+              </a:solidFill>
+              <a:effectLst/>
+              <a:latin typeface="Open Sans" panose="020B0606030504020204" pitchFamily="34" charset="0"/>
+              <a:ea typeface="Open Sans" panose="020B0606030504020204" pitchFamily="34" charset="0"/>
+              <a:cs typeface="Open Sans" panose="020B0606030504020204" pitchFamily="34" charset="0"/>
+            </a:endParaRPr>
+          </a:p>
+        </p:txBody>
+      </p:sp>
+      <p:sp>
+        <p:nvSpPr>
+          <p:cNvPr id="25" name="Ellipse 24"/>
+          <p:cNvSpPr/>
+          <p:nvPr/>
+        </p:nvSpPr>
+        <p:spPr bwMode="auto">
+          <a:xfrm>
+            <a:off x="7202956" y="1799638"/>
+            <a:ext cx="236036" cy="219661"/>
+          </a:xfrm>
+          <a:prstGeom prst="ellipse">
+            <a:avLst/>
+          </a:prstGeom>
+          <a:ln>
+            <a:headEnd type="none" w="med" len="med"/>
+            <a:tailEnd type="none" w="med" len="med"/>
+          </a:ln>
+        </p:spPr>
+        <p:style>
+          <a:lnRef idx="2">
+            <a:schemeClr val="accent3"/>
+          </a:lnRef>
+          <a:fillRef idx="1">
+            <a:schemeClr val="lt1"/>
+          </a:fillRef>
+          <a:effectRef idx="0">
+            <a:schemeClr val="accent3"/>
+          </a:effectRef>
+          <a:fontRef idx="minor">
+            <a:schemeClr val="dk1"/>
+          </a:fontRef>
+        </p:style>
+        <p:txBody>
+          <a:bodyPr rot="0" spcFirstLastPara="0" vertOverflow="overflow" horzOverflow="overflow" vert="horz" wrap="square" lIns="91440" tIns="45720" rIns="91440" bIns="45720" numCol="1" spcCol="0" rtlCol="0" fromWordArt="0" anchor="ctr" anchorCtr="0" forceAA="0" compatLnSpc="1">
+            <a:prstTxWarp prst="textNoShape">
+              <a:avLst/>
+            </a:prstTxWarp>
+            <a:noAutofit/>
+          </a:bodyPr>
+          <a:lstStyle/>
+          <a:p>
+            <a:pPr marL="0" marR="0" indent="0" algn="ctr" defTabSz="914400" rtl="0" eaLnBrk="1" fontAlgn="base" latinLnBrk="0" hangingPunct="1">
+              <a:lnSpc>
+                <a:spcPct val="100000"/>
+              </a:lnSpc>
+              <a:spcBef>
+                <a:spcPct val="0"/>
+              </a:spcBef>
+              <a:spcAft>
+                <a:spcPts val="600"/>
+              </a:spcAft>
+              <a:buClrTx/>
+              <a:buSzTx/>
+              <a:buFontTx/>
+              <a:buNone/>
+              <a:tabLst/>
+            </a:pPr>
+            <a:r>
+              <a:rPr kumimoji="0" lang="de-DE" sz="1200" b="0" i="0" u="none" strike="noStrike" cap="none" normalizeH="0" baseline="0" dirty="0" smtClean="0">
+                <a:ln>
+                  <a:noFill/>
+                </a:ln>
+                <a:solidFill>
+                  <a:schemeClr val="tx1"/>
+                </a:solidFill>
+                <a:effectLst/>
+                <a:latin typeface="Open Sans" panose="020B0606030504020204" pitchFamily="34" charset="0"/>
+                <a:ea typeface="Open Sans" panose="020B0606030504020204" pitchFamily="34" charset="0"/>
+                <a:cs typeface="Open Sans" panose="020B0606030504020204" pitchFamily="34" charset="0"/>
+              </a:rPr>
+              <a:t>3</a:t>
+            </a:r>
+            <a:endParaRPr kumimoji="0" lang="de-DE" sz="1200" b="0" i="0" u="none" strike="noStrike" cap="none" normalizeH="0" baseline="0" dirty="0" smtClean="0">
+              <a:ln>
+                <a:noFill/>
+              </a:ln>
+              <a:solidFill>
+                <a:schemeClr val="tx1"/>
+              </a:solidFill>
+              <a:effectLst/>
+              <a:latin typeface="Open Sans" panose="020B0606030504020204" pitchFamily="34" charset="0"/>
+              <a:ea typeface="Open Sans" panose="020B0606030504020204" pitchFamily="34" charset="0"/>
+              <a:cs typeface="Open Sans" panose="020B0606030504020204" pitchFamily="34" charset="0"/>
+            </a:endParaRPr>
+          </a:p>
+        </p:txBody>
+      </p:sp>
+      <p:sp>
+        <p:nvSpPr>
+          <p:cNvPr id="26" name="Ellipse 25"/>
+          <p:cNvSpPr/>
+          <p:nvPr/>
+        </p:nvSpPr>
+        <p:spPr bwMode="auto">
+          <a:xfrm>
+            <a:off x="7202956" y="2074989"/>
+            <a:ext cx="236036" cy="219661"/>
+          </a:xfrm>
+          <a:prstGeom prst="ellipse">
+            <a:avLst/>
+          </a:prstGeom>
+          <a:ln>
+            <a:headEnd type="none" w="med" len="med"/>
+            <a:tailEnd type="none" w="med" len="med"/>
+          </a:ln>
+        </p:spPr>
+        <p:style>
+          <a:lnRef idx="2">
+            <a:schemeClr val="accent3"/>
+          </a:lnRef>
+          <a:fillRef idx="1">
+            <a:schemeClr val="lt1"/>
+          </a:fillRef>
+          <a:effectRef idx="0">
+            <a:schemeClr val="accent3"/>
+          </a:effectRef>
+          <a:fontRef idx="minor">
+            <a:schemeClr val="dk1"/>
+          </a:fontRef>
+        </p:style>
+        <p:txBody>
+          <a:bodyPr rot="0" spcFirstLastPara="0" vertOverflow="overflow" horzOverflow="overflow" vert="horz" wrap="square" lIns="91440" tIns="45720" rIns="91440" bIns="45720" numCol="1" spcCol="0" rtlCol="0" fromWordArt="0" anchor="ctr" anchorCtr="0" forceAA="0" compatLnSpc="1">
+            <a:prstTxWarp prst="textNoShape">
+              <a:avLst/>
+            </a:prstTxWarp>
+            <a:noAutofit/>
+          </a:bodyPr>
+          <a:lstStyle/>
+          <a:p>
+            <a:pPr marL="0" marR="0" indent="0" algn="ctr" defTabSz="914400" rtl="0" eaLnBrk="1" fontAlgn="base" latinLnBrk="0" hangingPunct="1">
+              <a:lnSpc>
+                <a:spcPct val="100000"/>
+              </a:lnSpc>
+              <a:spcBef>
+                <a:spcPct val="0"/>
+              </a:spcBef>
+              <a:spcAft>
+                <a:spcPts val="600"/>
+              </a:spcAft>
+              <a:buClrTx/>
+              <a:buSzTx/>
+              <a:buFontTx/>
+              <a:buNone/>
+              <a:tabLst/>
+            </a:pPr>
+            <a:r>
+              <a:rPr kumimoji="0" lang="de-DE" sz="1200" b="0" i="0" u="none" strike="noStrike" cap="none" normalizeH="0" baseline="0" dirty="0" smtClean="0">
+                <a:ln>
+                  <a:noFill/>
+                </a:ln>
+                <a:solidFill>
+                  <a:schemeClr val="tx1"/>
+                </a:solidFill>
+                <a:effectLst/>
+                <a:latin typeface="Open Sans" panose="020B0606030504020204" pitchFamily="34" charset="0"/>
+                <a:ea typeface="Open Sans" panose="020B0606030504020204" pitchFamily="34" charset="0"/>
+                <a:cs typeface="Open Sans" panose="020B0606030504020204" pitchFamily="34" charset="0"/>
+              </a:rPr>
+              <a:t>4</a:t>
+            </a:r>
+            <a:endParaRPr kumimoji="0" lang="de-DE" sz="1200" b="0" i="0" u="none" strike="noStrike" cap="none" normalizeH="0" baseline="0" dirty="0" smtClean="0">
+              <a:ln>
+                <a:noFill/>
+              </a:ln>
+              <a:solidFill>
+                <a:schemeClr val="tx1"/>
+              </a:solidFill>
+              <a:effectLst/>
+              <a:latin typeface="Open Sans" panose="020B0606030504020204" pitchFamily="34" charset="0"/>
+              <a:ea typeface="Open Sans" panose="020B0606030504020204" pitchFamily="34" charset="0"/>
+              <a:cs typeface="Open Sans" panose="020B0606030504020204" pitchFamily="34" charset="0"/>
+            </a:endParaRPr>
+          </a:p>
+        </p:txBody>
+      </p:sp>
+      <p:sp>
+        <p:nvSpPr>
+          <p:cNvPr id="27" name="Ellipse 26"/>
+          <p:cNvSpPr/>
+          <p:nvPr/>
+        </p:nvSpPr>
+        <p:spPr bwMode="auto">
+          <a:xfrm>
+            <a:off x="7202956" y="2350340"/>
+            <a:ext cx="236036" cy="219661"/>
+          </a:xfrm>
+          <a:prstGeom prst="ellipse">
+            <a:avLst/>
+          </a:prstGeom>
+          <a:ln>
+            <a:headEnd type="none" w="med" len="med"/>
+            <a:tailEnd type="none" w="med" len="med"/>
+          </a:ln>
+        </p:spPr>
+        <p:style>
+          <a:lnRef idx="2">
+            <a:schemeClr val="accent3"/>
+          </a:lnRef>
+          <a:fillRef idx="1">
+            <a:schemeClr val="lt1"/>
+          </a:fillRef>
+          <a:effectRef idx="0">
+            <a:schemeClr val="accent3"/>
+          </a:effectRef>
+          <a:fontRef idx="minor">
+            <a:schemeClr val="dk1"/>
+          </a:fontRef>
+        </p:style>
+        <p:txBody>
+          <a:bodyPr rot="0" spcFirstLastPara="0" vertOverflow="overflow" horzOverflow="overflow" vert="horz" wrap="square" lIns="91440" tIns="45720" rIns="91440" bIns="45720" numCol="1" spcCol="0" rtlCol="0" fromWordArt="0" anchor="ctr" anchorCtr="0" forceAA="0" compatLnSpc="1">
+            <a:prstTxWarp prst="textNoShape">
+              <a:avLst/>
+            </a:prstTxWarp>
+            <a:noAutofit/>
+          </a:bodyPr>
+          <a:lstStyle/>
+          <a:p>
+            <a:pPr marL="0" marR="0" indent="0" algn="ctr" defTabSz="914400" rtl="0" eaLnBrk="1" fontAlgn="base" latinLnBrk="0" hangingPunct="1">
+              <a:lnSpc>
+                <a:spcPct val="100000"/>
+              </a:lnSpc>
+              <a:spcBef>
+                <a:spcPct val="0"/>
+              </a:spcBef>
+              <a:spcAft>
+                <a:spcPts val="600"/>
+              </a:spcAft>
+              <a:buClrTx/>
+              <a:buSzTx/>
+              <a:buFontTx/>
+              <a:buNone/>
+              <a:tabLst/>
+            </a:pPr>
+            <a:r>
+              <a:rPr kumimoji="0" lang="de-DE" sz="1200" b="0" i="0" u="none" strike="noStrike" cap="none" normalizeH="0" baseline="0" dirty="0" smtClean="0">
+                <a:ln>
+                  <a:noFill/>
+                </a:ln>
+                <a:solidFill>
+                  <a:schemeClr val="tx1"/>
+                </a:solidFill>
+                <a:effectLst/>
+                <a:latin typeface="Open Sans" panose="020B0606030504020204" pitchFamily="34" charset="0"/>
+                <a:ea typeface="Open Sans" panose="020B0606030504020204" pitchFamily="34" charset="0"/>
+                <a:cs typeface="Open Sans" panose="020B0606030504020204" pitchFamily="34" charset="0"/>
+              </a:rPr>
+              <a:t>5</a:t>
+            </a:r>
+            <a:endParaRPr kumimoji="0" lang="de-DE" sz="1200" b="0" i="0" u="none" strike="noStrike" cap="none" normalizeH="0" baseline="0" dirty="0" smtClean="0">
+              <a:ln>
+                <a:noFill/>
+              </a:ln>
+              <a:solidFill>
+                <a:schemeClr val="tx1"/>
+              </a:solidFill>
+              <a:effectLst/>
+              <a:latin typeface="Open Sans" panose="020B0606030504020204" pitchFamily="34" charset="0"/>
+              <a:ea typeface="Open Sans" panose="020B0606030504020204" pitchFamily="34" charset="0"/>
+              <a:cs typeface="Open Sans" panose="020B0606030504020204" pitchFamily="34" charset="0"/>
+            </a:endParaRPr>
+          </a:p>
+        </p:txBody>
+      </p:sp>
+      <p:sp>
+        <p:nvSpPr>
+          <p:cNvPr id="28" name="Ellipse 27"/>
+          <p:cNvSpPr/>
+          <p:nvPr/>
+        </p:nvSpPr>
+        <p:spPr bwMode="auto">
+          <a:xfrm>
+            <a:off x="7198244" y="2829779"/>
+            <a:ext cx="236036" cy="219661"/>
+          </a:xfrm>
+          <a:prstGeom prst="ellipse">
+            <a:avLst/>
+          </a:prstGeom>
+          <a:ln>
+            <a:headEnd type="none" w="med" len="med"/>
+            <a:tailEnd type="none" w="med" len="med"/>
+          </a:ln>
+        </p:spPr>
+        <p:style>
+          <a:lnRef idx="2">
+            <a:schemeClr val="accent3"/>
+          </a:lnRef>
+          <a:fillRef idx="1">
+            <a:schemeClr val="lt1"/>
+          </a:fillRef>
+          <a:effectRef idx="0">
+            <a:schemeClr val="accent3"/>
+          </a:effectRef>
+          <a:fontRef idx="minor">
+            <a:schemeClr val="dk1"/>
+          </a:fontRef>
+        </p:style>
+        <p:txBody>
+          <a:bodyPr rot="0" spcFirstLastPara="0" vertOverflow="overflow" horzOverflow="overflow" vert="horz" wrap="square" lIns="91440" tIns="45720" rIns="91440" bIns="45720" numCol="1" spcCol="0" rtlCol="0" fromWordArt="0" anchor="ctr" anchorCtr="0" forceAA="0" compatLnSpc="1">
+            <a:prstTxWarp prst="textNoShape">
+              <a:avLst/>
+            </a:prstTxWarp>
+            <a:noAutofit/>
+          </a:bodyPr>
+          <a:lstStyle/>
+          <a:p>
+            <a:pPr marL="0" marR="0" indent="0" algn="ctr" defTabSz="914400" rtl="0" eaLnBrk="1" fontAlgn="base" latinLnBrk="0" hangingPunct="1">
+              <a:lnSpc>
+                <a:spcPct val="100000"/>
+              </a:lnSpc>
+              <a:spcBef>
+                <a:spcPct val="0"/>
+              </a:spcBef>
+              <a:spcAft>
+                <a:spcPts val="600"/>
+              </a:spcAft>
+              <a:buClrTx/>
+              <a:buSzTx/>
+              <a:buFontTx/>
+              <a:buNone/>
+              <a:tabLst/>
+            </a:pPr>
+            <a:r>
+              <a:rPr kumimoji="0" lang="de-DE" sz="1200" b="0" i="0" u="none" strike="noStrike" cap="none" normalizeH="0" baseline="0" dirty="0" smtClean="0">
+                <a:ln>
+                  <a:noFill/>
+                </a:ln>
+                <a:solidFill>
+                  <a:schemeClr val="tx1"/>
+                </a:solidFill>
+                <a:effectLst/>
+                <a:latin typeface="Open Sans" panose="020B0606030504020204" pitchFamily="34" charset="0"/>
+                <a:ea typeface="Open Sans" panose="020B0606030504020204" pitchFamily="34" charset="0"/>
+                <a:cs typeface="Open Sans" panose="020B0606030504020204" pitchFamily="34" charset="0"/>
+              </a:rPr>
+              <a:t>1</a:t>
+            </a:r>
+            <a:endParaRPr kumimoji="0" lang="de-DE" sz="1200" b="0" i="0" u="none" strike="noStrike" cap="none" normalizeH="0" baseline="0" dirty="0" smtClean="0">
+              <a:ln>
+                <a:noFill/>
+              </a:ln>
+              <a:solidFill>
+                <a:schemeClr val="tx1"/>
+              </a:solidFill>
+              <a:effectLst/>
+              <a:latin typeface="Open Sans" panose="020B0606030504020204" pitchFamily="34" charset="0"/>
+              <a:ea typeface="Open Sans" panose="020B0606030504020204" pitchFamily="34" charset="0"/>
+              <a:cs typeface="Open Sans" panose="020B0606030504020204" pitchFamily="34" charset="0"/>
+            </a:endParaRPr>
+          </a:p>
+        </p:txBody>
+      </p:sp>
+      <p:sp>
+        <p:nvSpPr>
+          <p:cNvPr id="29" name="Ellipse 28"/>
+          <p:cNvSpPr/>
+          <p:nvPr/>
+        </p:nvSpPr>
+        <p:spPr bwMode="auto">
+          <a:xfrm>
+            <a:off x="7198244" y="3105130"/>
+            <a:ext cx="236036" cy="219661"/>
+          </a:xfrm>
+          <a:prstGeom prst="ellipse">
+            <a:avLst/>
+          </a:prstGeom>
+          <a:ln>
+            <a:headEnd type="none" w="med" len="med"/>
+            <a:tailEnd type="none" w="med" len="med"/>
+          </a:ln>
+        </p:spPr>
+        <p:style>
+          <a:lnRef idx="2">
+            <a:schemeClr val="accent3"/>
+          </a:lnRef>
+          <a:fillRef idx="1">
+            <a:schemeClr val="lt1"/>
+          </a:fillRef>
+          <a:effectRef idx="0">
+            <a:schemeClr val="accent3"/>
+          </a:effectRef>
+          <a:fontRef idx="minor">
+            <a:schemeClr val="dk1"/>
+          </a:fontRef>
+        </p:style>
+        <p:txBody>
+          <a:bodyPr rot="0" spcFirstLastPara="0" vertOverflow="overflow" horzOverflow="overflow" vert="horz" wrap="square" lIns="91440" tIns="45720" rIns="91440" bIns="45720" numCol="1" spcCol="0" rtlCol="0" fromWordArt="0" anchor="ctr" anchorCtr="0" forceAA="0" compatLnSpc="1">
+            <a:prstTxWarp prst="textNoShape">
+              <a:avLst/>
+            </a:prstTxWarp>
+            <a:noAutofit/>
+          </a:bodyPr>
+          <a:lstStyle/>
+          <a:p>
+            <a:pPr marL="0" marR="0" indent="0" algn="ctr" defTabSz="914400" rtl="0" eaLnBrk="1" fontAlgn="base" latinLnBrk="0" hangingPunct="1">
+              <a:lnSpc>
+                <a:spcPct val="100000"/>
+              </a:lnSpc>
+              <a:spcBef>
+                <a:spcPct val="0"/>
+              </a:spcBef>
+              <a:spcAft>
+                <a:spcPts val="600"/>
+              </a:spcAft>
+              <a:buClrTx/>
+              <a:buSzTx/>
+              <a:buFontTx/>
+              <a:buNone/>
+              <a:tabLst/>
+            </a:pPr>
+            <a:r>
+              <a:rPr kumimoji="0" lang="de-DE" sz="1200" b="0" i="0" u="none" strike="noStrike" cap="none" normalizeH="0" baseline="0" dirty="0" smtClean="0">
+                <a:ln>
+                  <a:noFill/>
+                </a:ln>
+                <a:solidFill>
+                  <a:schemeClr val="tx1"/>
+                </a:solidFill>
+                <a:effectLst/>
+                <a:latin typeface="Open Sans" panose="020B0606030504020204" pitchFamily="34" charset="0"/>
+                <a:ea typeface="Open Sans" panose="020B0606030504020204" pitchFamily="34" charset="0"/>
+                <a:cs typeface="Open Sans" panose="020B0606030504020204" pitchFamily="34" charset="0"/>
+              </a:rPr>
+              <a:t>2</a:t>
+            </a:r>
+            <a:endParaRPr kumimoji="0" lang="de-DE" sz="1200" b="0" i="0" u="none" strike="noStrike" cap="none" normalizeH="0" baseline="0" dirty="0" smtClean="0">
+              <a:ln>
+                <a:noFill/>
+              </a:ln>
+              <a:solidFill>
+                <a:schemeClr val="tx1"/>
+              </a:solidFill>
+              <a:effectLst/>
+              <a:latin typeface="Open Sans" panose="020B0606030504020204" pitchFamily="34" charset="0"/>
+              <a:ea typeface="Open Sans" panose="020B0606030504020204" pitchFamily="34" charset="0"/>
+              <a:cs typeface="Open Sans" panose="020B0606030504020204" pitchFamily="34" charset="0"/>
+            </a:endParaRPr>
+          </a:p>
+        </p:txBody>
+      </p:sp>
+      <p:sp>
+        <p:nvSpPr>
+          <p:cNvPr id="30" name="Ellipse 29"/>
+          <p:cNvSpPr/>
+          <p:nvPr/>
+        </p:nvSpPr>
+        <p:spPr bwMode="auto">
+          <a:xfrm>
+            <a:off x="7198244" y="3380481"/>
+            <a:ext cx="236036" cy="219661"/>
+          </a:xfrm>
+          <a:prstGeom prst="ellipse">
+            <a:avLst/>
+          </a:prstGeom>
+          <a:ln>
+            <a:headEnd type="none" w="med" len="med"/>
+            <a:tailEnd type="none" w="med" len="med"/>
+          </a:ln>
+        </p:spPr>
+        <p:style>
+          <a:lnRef idx="2">
+            <a:schemeClr val="accent3"/>
+          </a:lnRef>
+          <a:fillRef idx="1">
+            <a:schemeClr val="lt1"/>
+          </a:fillRef>
+          <a:effectRef idx="0">
+            <a:schemeClr val="accent3"/>
+          </a:effectRef>
+          <a:fontRef idx="minor">
+            <a:schemeClr val="dk1"/>
+          </a:fontRef>
+        </p:style>
+        <p:txBody>
+          <a:bodyPr rot="0" spcFirstLastPara="0" vertOverflow="overflow" horzOverflow="overflow" vert="horz" wrap="square" lIns="91440" tIns="45720" rIns="91440" bIns="45720" numCol="1" spcCol="0" rtlCol="0" fromWordArt="0" anchor="ctr" anchorCtr="0" forceAA="0" compatLnSpc="1">
+            <a:prstTxWarp prst="textNoShape">
+              <a:avLst/>
+            </a:prstTxWarp>
+            <a:noAutofit/>
+          </a:bodyPr>
+          <a:lstStyle/>
+          <a:p>
+            <a:pPr marL="0" marR="0" indent="0" algn="ctr" defTabSz="914400" rtl="0" eaLnBrk="1" fontAlgn="base" latinLnBrk="0" hangingPunct="1">
+              <a:lnSpc>
+                <a:spcPct val="100000"/>
+              </a:lnSpc>
+              <a:spcBef>
+                <a:spcPct val="0"/>
+              </a:spcBef>
+              <a:spcAft>
+                <a:spcPts val="600"/>
+              </a:spcAft>
+              <a:buClrTx/>
+              <a:buSzTx/>
+              <a:buFontTx/>
+              <a:buNone/>
+              <a:tabLst/>
+            </a:pPr>
+            <a:r>
+              <a:rPr kumimoji="0" lang="de-DE" sz="1200" b="0" i="0" u="none" strike="noStrike" cap="none" normalizeH="0" baseline="0" dirty="0" smtClean="0">
+                <a:ln>
+                  <a:noFill/>
+                </a:ln>
+                <a:solidFill>
+                  <a:schemeClr val="tx1"/>
+                </a:solidFill>
+                <a:effectLst/>
+                <a:latin typeface="Open Sans" panose="020B0606030504020204" pitchFamily="34" charset="0"/>
+                <a:ea typeface="Open Sans" panose="020B0606030504020204" pitchFamily="34" charset="0"/>
+                <a:cs typeface="Open Sans" panose="020B0606030504020204" pitchFamily="34" charset="0"/>
+              </a:rPr>
+              <a:t>3</a:t>
+            </a:r>
+            <a:endParaRPr kumimoji="0" lang="de-DE" sz="1200" b="0" i="0" u="none" strike="noStrike" cap="none" normalizeH="0" baseline="0" dirty="0" smtClean="0">
+              <a:ln>
+                <a:noFill/>
+              </a:ln>
+              <a:solidFill>
+                <a:schemeClr val="tx1"/>
+              </a:solidFill>
+              <a:effectLst/>
+              <a:latin typeface="Open Sans" panose="020B0606030504020204" pitchFamily="34" charset="0"/>
+              <a:ea typeface="Open Sans" panose="020B0606030504020204" pitchFamily="34" charset="0"/>
+              <a:cs typeface="Open Sans" panose="020B0606030504020204" pitchFamily="34" charset="0"/>
+            </a:endParaRPr>
+          </a:p>
+        </p:txBody>
+      </p:sp>
+      <p:sp>
+        <p:nvSpPr>
+          <p:cNvPr id="31" name="Ellipse 30"/>
+          <p:cNvSpPr/>
+          <p:nvPr/>
+        </p:nvSpPr>
+        <p:spPr bwMode="auto">
+          <a:xfrm>
+            <a:off x="7198244" y="3655832"/>
+            <a:ext cx="236036" cy="219661"/>
+          </a:xfrm>
+          <a:prstGeom prst="ellipse">
+            <a:avLst/>
+          </a:prstGeom>
+          <a:ln>
+            <a:headEnd type="none" w="med" len="med"/>
+            <a:tailEnd type="none" w="med" len="med"/>
+          </a:ln>
+        </p:spPr>
+        <p:style>
+          <a:lnRef idx="2">
+            <a:schemeClr val="accent3"/>
+          </a:lnRef>
+          <a:fillRef idx="1">
+            <a:schemeClr val="lt1"/>
+          </a:fillRef>
+          <a:effectRef idx="0">
+            <a:schemeClr val="accent3"/>
+          </a:effectRef>
+          <a:fontRef idx="minor">
+            <a:schemeClr val="dk1"/>
+          </a:fontRef>
+        </p:style>
+        <p:txBody>
+          <a:bodyPr rot="0" spcFirstLastPara="0" vertOverflow="overflow" horzOverflow="overflow" vert="horz" wrap="square" lIns="91440" tIns="45720" rIns="91440" bIns="45720" numCol="1" spcCol="0" rtlCol="0" fromWordArt="0" anchor="ctr" anchorCtr="0" forceAA="0" compatLnSpc="1">
+            <a:prstTxWarp prst="textNoShape">
+              <a:avLst/>
+            </a:prstTxWarp>
+            <a:noAutofit/>
+          </a:bodyPr>
+          <a:lstStyle/>
+          <a:p>
+            <a:pPr marL="0" marR="0" indent="0" algn="ctr" defTabSz="914400" rtl="0" eaLnBrk="1" fontAlgn="base" latinLnBrk="0" hangingPunct="1">
+              <a:lnSpc>
+                <a:spcPct val="100000"/>
+              </a:lnSpc>
+              <a:spcBef>
+                <a:spcPct val="0"/>
+              </a:spcBef>
+              <a:spcAft>
+                <a:spcPts val="600"/>
+              </a:spcAft>
+              <a:buClrTx/>
+              <a:buSzTx/>
+              <a:buFontTx/>
+              <a:buNone/>
+              <a:tabLst/>
+            </a:pPr>
+            <a:r>
+              <a:rPr kumimoji="0" lang="de-DE" sz="1200" b="0" i="0" u="none" strike="noStrike" cap="none" normalizeH="0" baseline="0" dirty="0" smtClean="0">
+                <a:ln>
+                  <a:noFill/>
+                </a:ln>
+                <a:solidFill>
+                  <a:schemeClr val="tx1"/>
+                </a:solidFill>
+                <a:effectLst/>
+                <a:latin typeface="Open Sans" panose="020B0606030504020204" pitchFamily="34" charset="0"/>
+                <a:ea typeface="Open Sans" panose="020B0606030504020204" pitchFamily="34" charset="0"/>
+                <a:cs typeface="Open Sans" panose="020B0606030504020204" pitchFamily="34" charset="0"/>
+              </a:rPr>
+              <a:t>4</a:t>
+            </a:r>
+            <a:endParaRPr kumimoji="0" lang="de-DE" sz="1200" b="0" i="0" u="none" strike="noStrike" cap="none" normalizeH="0" baseline="0" dirty="0" smtClean="0">
+              <a:ln>
+                <a:noFill/>
+              </a:ln>
+              <a:solidFill>
+                <a:schemeClr val="tx1"/>
+              </a:solidFill>
+              <a:effectLst/>
+              <a:latin typeface="Open Sans" panose="020B0606030504020204" pitchFamily="34" charset="0"/>
+              <a:ea typeface="Open Sans" panose="020B0606030504020204" pitchFamily="34" charset="0"/>
+              <a:cs typeface="Open Sans" panose="020B0606030504020204" pitchFamily="34" charset="0"/>
+            </a:endParaRPr>
+          </a:p>
+        </p:txBody>
+      </p:sp>
+      <p:sp>
+        <p:nvSpPr>
+          <p:cNvPr id="32" name="Ellipse 31"/>
+          <p:cNvSpPr/>
+          <p:nvPr/>
+        </p:nvSpPr>
+        <p:spPr bwMode="auto">
+          <a:xfrm>
+            <a:off x="7198244" y="3931183"/>
+            <a:ext cx="236036" cy="219661"/>
+          </a:xfrm>
+          <a:prstGeom prst="ellipse">
+            <a:avLst/>
+          </a:prstGeom>
+          <a:ln>
+            <a:headEnd type="none" w="med" len="med"/>
+            <a:tailEnd type="none" w="med" len="med"/>
+          </a:ln>
+        </p:spPr>
+        <p:style>
+          <a:lnRef idx="2">
+            <a:schemeClr val="accent3"/>
+          </a:lnRef>
+          <a:fillRef idx="1">
+            <a:schemeClr val="lt1"/>
+          </a:fillRef>
+          <a:effectRef idx="0">
+            <a:schemeClr val="accent3"/>
+          </a:effectRef>
+          <a:fontRef idx="minor">
+            <a:schemeClr val="dk1"/>
+          </a:fontRef>
+        </p:style>
+        <p:txBody>
+          <a:bodyPr rot="0" spcFirstLastPara="0" vertOverflow="overflow" horzOverflow="overflow" vert="horz" wrap="square" lIns="91440" tIns="45720" rIns="91440" bIns="45720" numCol="1" spcCol="0" rtlCol="0" fromWordArt="0" anchor="ctr" anchorCtr="0" forceAA="0" compatLnSpc="1">
+            <a:prstTxWarp prst="textNoShape">
+              <a:avLst/>
+            </a:prstTxWarp>
+            <a:noAutofit/>
+          </a:bodyPr>
+          <a:lstStyle/>
+          <a:p>
+            <a:pPr marL="0" marR="0" indent="0" algn="ctr" defTabSz="914400" rtl="0" eaLnBrk="1" fontAlgn="base" latinLnBrk="0" hangingPunct="1">
+              <a:lnSpc>
+                <a:spcPct val="100000"/>
+              </a:lnSpc>
+              <a:spcBef>
+                <a:spcPct val="0"/>
+              </a:spcBef>
+              <a:spcAft>
+                <a:spcPts val="600"/>
+              </a:spcAft>
+              <a:buClrTx/>
+              <a:buSzTx/>
+              <a:buFontTx/>
+              <a:buNone/>
+              <a:tabLst/>
+            </a:pPr>
+            <a:r>
+              <a:rPr kumimoji="0" lang="de-DE" sz="1200" b="0" i="0" u="none" strike="noStrike" cap="none" normalizeH="0" baseline="0" dirty="0" smtClean="0">
+                <a:ln>
+                  <a:noFill/>
+                </a:ln>
+                <a:solidFill>
+                  <a:schemeClr val="tx1"/>
+                </a:solidFill>
+                <a:effectLst/>
+                <a:latin typeface="Open Sans" panose="020B0606030504020204" pitchFamily="34" charset="0"/>
+                <a:ea typeface="Open Sans" panose="020B0606030504020204" pitchFamily="34" charset="0"/>
+                <a:cs typeface="Open Sans" panose="020B0606030504020204" pitchFamily="34" charset="0"/>
+              </a:rPr>
+              <a:t>5</a:t>
+            </a:r>
+            <a:endParaRPr kumimoji="0" lang="de-DE" sz="1200" b="0" i="0" u="none" strike="noStrike" cap="none" normalizeH="0" baseline="0" dirty="0" smtClean="0">
+              <a:ln>
+                <a:noFill/>
+              </a:ln>
+              <a:solidFill>
+                <a:schemeClr val="tx1"/>
+              </a:solidFill>
+              <a:effectLst/>
+              <a:latin typeface="Open Sans" panose="020B0606030504020204" pitchFamily="34" charset="0"/>
+              <a:ea typeface="Open Sans" panose="020B0606030504020204" pitchFamily="34" charset="0"/>
+              <a:cs typeface="Open Sans" panose="020B0606030504020204" pitchFamily="34" charset="0"/>
+            </a:endParaRPr>
+          </a:p>
+        </p:txBody>
+      </p:sp>
+      <p:sp>
+        <p:nvSpPr>
+          <p:cNvPr id="33" name="Ellipse 32"/>
+          <p:cNvSpPr/>
+          <p:nvPr/>
+        </p:nvSpPr>
+        <p:spPr bwMode="auto">
+          <a:xfrm>
+            <a:off x="7198244" y="4210861"/>
+            <a:ext cx="236036" cy="219661"/>
+          </a:xfrm>
+          <a:prstGeom prst="ellipse">
+            <a:avLst/>
+          </a:prstGeom>
+          <a:ln>
+            <a:headEnd type="none" w="med" len="med"/>
+            <a:tailEnd type="none" w="med" len="med"/>
+          </a:ln>
+        </p:spPr>
+        <p:style>
+          <a:lnRef idx="2">
+            <a:schemeClr val="accent3"/>
+          </a:lnRef>
+          <a:fillRef idx="1">
+            <a:schemeClr val="lt1"/>
+          </a:fillRef>
+          <a:effectRef idx="0">
+            <a:schemeClr val="accent3"/>
+          </a:effectRef>
+          <a:fontRef idx="minor">
+            <a:schemeClr val="dk1"/>
+          </a:fontRef>
+        </p:style>
+        <p:txBody>
+          <a:bodyPr rot="0" spcFirstLastPara="0" vertOverflow="overflow" horzOverflow="overflow" vert="horz" wrap="square" lIns="91440" tIns="45720" rIns="91440" bIns="45720" numCol="1" spcCol="0" rtlCol="0" fromWordArt="0" anchor="ctr" anchorCtr="0" forceAA="0" compatLnSpc="1">
+            <a:prstTxWarp prst="textNoShape">
+              <a:avLst/>
+            </a:prstTxWarp>
+            <a:noAutofit/>
+          </a:bodyPr>
+          <a:lstStyle/>
+          <a:p>
+            <a:pPr marL="0" marR="0" indent="0" algn="ctr" defTabSz="914400" rtl="0" eaLnBrk="1" fontAlgn="base" latinLnBrk="0" hangingPunct="1">
+              <a:lnSpc>
+                <a:spcPct val="100000"/>
+              </a:lnSpc>
+              <a:spcBef>
+                <a:spcPct val="0"/>
+              </a:spcBef>
+              <a:spcAft>
+                <a:spcPts val="600"/>
+              </a:spcAft>
+              <a:buClrTx/>
+              <a:buSzTx/>
+              <a:buFontTx/>
+              <a:buNone/>
+              <a:tabLst/>
+            </a:pPr>
+            <a:r>
+              <a:rPr kumimoji="0" lang="de-DE" sz="1200" b="0" i="0" u="none" strike="noStrike" cap="none" normalizeH="0" baseline="0" dirty="0" smtClean="0">
+                <a:ln>
+                  <a:noFill/>
+                </a:ln>
+                <a:solidFill>
+                  <a:schemeClr val="tx1"/>
+                </a:solidFill>
+                <a:effectLst/>
+                <a:latin typeface="Open Sans" panose="020B0606030504020204" pitchFamily="34" charset="0"/>
+                <a:ea typeface="Open Sans" panose="020B0606030504020204" pitchFamily="34" charset="0"/>
+                <a:cs typeface="Open Sans" panose="020B0606030504020204" pitchFamily="34" charset="0"/>
+              </a:rPr>
+              <a:t>6</a:t>
+            </a:r>
+            <a:endParaRPr kumimoji="0" lang="de-DE" sz="1200" b="0" i="0" u="none" strike="noStrike" cap="none" normalizeH="0" baseline="0" dirty="0" smtClean="0">
+              <a:ln>
+                <a:noFill/>
+              </a:ln>
+              <a:solidFill>
+                <a:schemeClr val="tx1"/>
+              </a:solidFill>
+              <a:effectLst/>
+              <a:latin typeface="Open Sans" panose="020B0606030504020204" pitchFamily="34" charset="0"/>
+              <a:ea typeface="Open Sans" panose="020B0606030504020204" pitchFamily="34" charset="0"/>
+              <a:cs typeface="Open Sans" panose="020B0606030504020204" pitchFamily="34" charset="0"/>
+            </a:endParaRPr>
+          </a:p>
+        </p:txBody>
+      </p:sp>
+      <p:sp>
+        <p:nvSpPr>
+          <p:cNvPr id="34" name="Ellipse 33"/>
+          <p:cNvSpPr/>
+          <p:nvPr/>
+        </p:nvSpPr>
+        <p:spPr bwMode="auto">
+          <a:xfrm>
+            <a:off x="9921721" y="4954932"/>
+            <a:ext cx="620773" cy="617529"/>
+          </a:xfrm>
+          <a:prstGeom prst="ellipse">
+            <a:avLst/>
+          </a:prstGeom>
+          <a:ln>
+            <a:headEnd type="none" w="med" len="med"/>
+            <a:tailEnd type="none" w="med" len="med"/>
+          </a:ln>
+        </p:spPr>
+        <p:style>
+          <a:lnRef idx="2">
+            <a:schemeClr val="accent3"/>
+          </a:lnRef>
+          <a:fillRef idx="1">
+            <a:schemeClr val="lt1"/>
+          </a:fillRef>
+          <a:effectRef idx="0">
+            <a:schemeClr val="accent3"/>
+          </a:effectRef>
+          <a:fontRef idx="minor">
+            <a:schemeClr val="dk1"/>
+          </a:fontRef>
+        </p:style>
+        <p:txBody>
+          <a:bodyPr rot="0" spcFirstLastPara="0" vertOverflow="overflow" horzOverflow="overflow" vert="horz" wrap="square" lIns="91440" tIns="45720" rIns="91440" bIns="45720" numCol="1" spcCol="0" rtlCol="0" fromWordArt="0" anchor="ctr" anchorCtr="0" forceAA="0" compatLnSpc="1">
+            <a:prstTxWarp prst="textNoShape">
+              <a:avLst/>
+            </a:prstTxWarp>
+            <a:noAutofit/>
+          </a:bodyPr>
+          <a:lstStyle/>
+          <a:p>
+            <a:pPr marL="0" marR="0" indent="0" algn="ctr" defTabSz="914400" rtl="0" eaLnBrk="1" fontAlgn="base" latinLnBrk="0" hangingPunct="1">
+              <a:lnSpc>
+                <a:spcPct val="100000"/>
+              </a:lnSpc>
+              <a:spcBef>
+                <a:spcPct val="0"/>
+              </a:spcBef>
+              <a:spcAft>
+                <a:spcPts val="600"/>
+              </a:spcAft>
+              <a:buClrTx/>
+              <a:buSzTx/>
+              <a:buFontTx/>
+              <a:buNone/>
+              <a:tabLst/>
+            </a:pPr>
+            <a:r>
+              <a:rPr kumimoji="0" lang="de-DE" b="1" i="0" u="none" strike="noStrike" cap="none" normalizeH="0" baseline="0" dirty="0" smtClean="0">
+                <a:ln>
+                  <a:noFill/>
+                </a:ln>
+                <a:solidFill>
+                  <a:schemeClr val="tx1"/>
+                </a:solidFill>
+                <a:effectLst/>
+                <a:latin typeface="Open Sans" panose="020B0606030504020204" pitchFamily="34" charset="0"/>
+                <a:ea typeface="Open Sans" panose="020B0606030504020204" pitchFamily="34" charset="0"/>
+                <a:cs typeface="Open Sans" panose="020B0606030504020204" pitchFamily="34" charset="0"/>
+              </a:rPr>
+              <a:t>11</a:t>
+            </a:r>
+            <a:endParaRPr kumimoji="0" lang="de-DE" b="1" i="0" u="none" strike="noStrike" cap="none" normalizeH="0" baseline="0" dirty="0" smtClean="0">
+              <a:ln>
+                <a:noFill/>
+              </a:ln>
+              <a:solidFill>
+                <a:schemeClr val="tx1"/>
+              </a:solidFill>
+              <a:effectLst/>
+              <a:latin typeface="Open Sans" panose="020B0606030504020204" pitchFamily="34" charset="0"/>
+              <a:ea typeface="Open Sans" panose="020B0606030504020204" pitchFamily="34" charset="0"/>
+              <a:cs typeface="Open Sans" panose="020B0606030504020204" pitchFamily="34" charset="0"/>
+            </a:endParaRPr>
           </a:p>
         </p:txBody>
       </p:sp>
     </p:spTree>
     <p:extLst>
       <p:ext uri="{BB962C8B-B14F-4D97-AF65-F5344CB8AC3E}">
-        <p14:creationId xmlns:p14="http://schemas.microsoft.com/office/powerpoint/2010/main" val="1636183931"/>
+        <p14:creationId xmlns:p14="http://schemas.microsoft.com/office/powerpoint/2010/main" val="2366035712"/>
       </p:ext>
     </p:extLst>
   </p:cSld>
@@ -4175,9 +8808,102 @@
           <a:lstStyle/>
           <a:p>
             <a:r>
-              <a:rPr lang="en-US" dirty="0"/>
-              <a:t>Summary</a:t>
-            </a:r>
+              <a:rPr lang="en-US" dirty="0" err="1" smtClean="0"/>
+              <a:t>mgm</a:t>
+            </a:r>
+            <a:r>
+              <a:rPr lang="en-US" dirty="0" smtClean="0"/>
+              <a:t> </a:t>
+            </a:r>
+            <a:r>
+              <a:rPr lang="en-US" dirty="0" err="1" smtClean="0"/>
+              <a:t>freut</a:t>
+            </a:r>
+            <a:r>
+              <a:rPr lang="en-US" dirty="0" smtClean="0"/>
+              <a:t> </a:t>
+            </a:r>
+            <a:r>
+              <a:rPr lang="en-US" dirty="0" err="1" smtClean="0"/>
+              <a:t>sich</a:t>
+            </a:r>
+            <a:r>
+              <a:rPr lang="en-US" dirty="0" smtClean="0"/>
+              <a:t> </a:t>
+            </a:r>
+            <a:r>
+              <a:rPr lang="en-US" dirty="0" err="1" smtClean="0"/>
+              <a:t>über</a:t>
+            </a:r>
+            <a:r>
+              <a:rPr lang="en-US" dirty="0" smtClean="0"/>
+              <a:t> </a:t>
+            </a:r>
+            <a:r>
+              <a:rPr lang="en-US" dirty="0" err="1" smtClean="0"/>
+              <a:t>Bewerbungen</a:t>
+            </a:r>
+            <a:r>
+              <a:rPr lang="en-US" dirty="0" smtClean="0"/>
+              <a:t> </a:t>
+            </a:r>
+            <a:r>
+              <a:rPr lang="en-US" dirty="0" err="1" smtClean="0"/>
+              <a:t>als</a:t>
+            </a:r>
+            <a:r>
+              <a:rPr lang="en-US" dirty="0" smtClean="0"/>
+              <a:t> </a:t>
+            </a:r>
+            <a:r>
+              <a:rPr lang="en-US" dirty="0" err="1" smtClean="0"/>
+              <a:t>Werkstudent</a:t>
+            </a:r>
+            <a:r>
+              <a:rPr lang="en-US" dirty="0" smtClean="0"/>
+              <a:t>, </a:t>
+            </a:r>
+            <a:r>
+              <a:rPr lang="en-US" dirty="0" err="1" smtClean="0"/>
+              <a:t>für</a:t>
+            </a:r>
+            <a:r>
+              <a:rPr lang="en-US" dirty="0" smtClean="0"/>
+              <a:t> </a:t>
+            </a:r>
+            <a:r>
+              <a:rPr lang="en-US" dirty="0" err="1" smtClean="0"/>
+              <a:t>eine</a:t>
+            </a:r>
+            <a:r>
+              <a:rPr lang="en-US" dirty="0" smtClean="0"/>
+              <a:t> </a:t>
+            </a:r>
+            <a:r>
+              <a:rPr lang="en-US" dirty="0" err="1" smtClean="0"/>
+              <a:t>Masterarbeit</a:t>
+            </a:r>
+            <a:r>
+              <a:rPr lang="en-US" dirty="0" smtClean="0"/>
+              <a:t> </a:t>
+            </a:r>
+            <a:r>
+              <a:rPr lang="en-US" dirty="0" err="1" smtClean="0"/>
+              <a:t>oder</a:t>
+            </a:r>
+            <a:r>
+              <a:rPr lang="en-US" dirty="0" smtClean="0"/>
+              <a:t> </a:t>
+            </a:r>
+            <a:r>
+              <a:rPr lang="en-US" dirty="0" err="1" smtClean="0"/>
+              <a:t>Vollzeitjobs</a:t>
+            </a:r>
+            <a:r>
+              <a:rPr lang="en-US" dirty="0" smtClean="0"/>
+              <a:t>!</a:t>
+            </a:r>
+            <a:endParaRPr lang="en-US" dirty="0"/>
           </a:p>
         </p:txBody>
       </p:sp>
@@ -4196,16 +8922,6 @@
           <a:bodyPr/>
           <a:lstStyle/>
           <a:p>
-            <a:r>
-              <a:rPr lang="en-US" dirty="0" smtClean="0"/>
-              <a:t>Foo</a:t>
-            </a:r>
-          </a:p>
-          <a:p>
-            <a:r>
-              <a:rPr lang="de-DE" dirty="0" smtClean="0"/>
-              <a:t>Bar</a:t>
-            </a:r>
             <a:endParaRPr lang="en-US" dirty="0"/>
           </a:p>
         </p:txBody>
@@ -4219,14 +8935,14 @@
           <p:nvPr>
             <p:extLst>
               <p:ext uri="{D42A27DB-BD31-4B8C-83A1-F6EECF244321}">
-                <p14:modId xmlns:p14="http://schemas.microsoft.com/office/powerpoint/2010/main" val="1907337939"/>
+                <p14:modId xmlns:p14="http://schemas.microsoft.com/office/powerpoint/2010/main" val="2302282936"/>
               </p:ext>
             </p:extLst>
           </p:nvPr>
         </p:nvGraphicFramePr>
         <p:xfrm>
-          <a:off x="6147925" y="1350964"/>
-          <a:ext cx="4988162" cy="1616529"/>
+          <a:off x="6147925" y="4799240"/>
+          <a:ext cx="4988162" cy="1077685"/>
         </p:xfrm>
         <a:graphic>
           <a:graphicData uri="http://schemas.openxmlformats.org/drawingml/2006/table">
@@ -4250,7 +8966,7 @@
                   </a:extLst>
                 </a:gridCol>
               </a:tblGrid>
-              <a:tr h="1616529">
+              <a:tr h="1077685">
                 <a:tc>
                   <a:txBody>
                     <a:bodyPr/>
@@ -4332,8 +9048,172 @@
         </p:blipFill>
         <p:spPr bwMode="auto">
           <a:xfrm>
-            <a:off x="6147925" y="1350963"/>
+            <a:off x="6147925" y="4799239"/>
             <a:ext cx="1077686" cy="1077686"/>
+          </a:xfrm>
+          <a:prstGeom prst="rect">
+            <a:avLst/>
+          </a:prstGeom>
+          <a:noFill/>
+          <a:extLst>
+            <a:ext uri="{909E8E84-426E-40DD-AFC4-6F175D3DCCD1}">
+              <a14:hiddenFill xmlns:a14="http://schemas.microsoft.com/office/drawing/2010/main">
+                <a:solidFill>
+                  <a:srgbClr val="FFFFFF"/>
+                </a:solidFill>
+              </a14:hiddenFill>
+            </a:ext>
+          </a:extLst>
+        </p:spPr>
+      </p:pic>
+      <p:pic>
+        <p:nvPicPr>
+          <p:cNvPr id="3074" name="Picture 2" descr="D:\projects\mgm\jug-saxony-workshop\src\slides\resources\images\220px-Git-logo.svg.png"/>
+          <p:cNvPicPr>
+            <a:picLocks noChangeAspect="1" noChangeArrowheads="1"/>
+          </p:cNvPicPr>
+          <p:nvPr/>
+        </p:nvPicPr>
+        <p:blipFill>
+          <a:blip r:embed="rId4">
+            <a:extLst>
+              <a:ext uri="{28A0092B-C50C-407E-A947-70E740481C1C}">
+                <a14:useLocalDpi xmlns:a14="http://schemas.microsoft.com/office/drawing/2010/main" val="0"/>
+              </a:ext>
+            </a:extLst>
+          </a:blip>
+          <a:srcRect/>
+          <a:stretch>
+            <a:fillRect/>
+          </a:stretch>
+        </p:blipFill>
+        <p:spPr bwMode="auto">
+          <a:xfrm>
+            <a:off x="9040587" y="1971664"/>
+            <a:ext cx="2095500" cy="876300"/>
+          </a:xfrm>
+          <a:prstGeom prst="rect">
+            <a:avLst/>
+          </a:prstGeom>
+          <a:noFill/>
+          <a:extLst>
+            <a:ext uri="{909E8E84-426E-40DD-AFC4-6F175D3DCCD1}">
+              <a14:hiddenFill xmlns:a14="http://schemas.microsoft.com/office/drawing/2010/main">
+                <a:solidFill>
+                  <a:srgbClr val="FFFFFF"/>
+                </a:solidFill>
+              </a14:hiddenFill>
+            </a:ext>
+          </a:extLst>
+        </p:spPr>
+      </p:pic>
+      <p:pic>
+        <p:nvPicPr>
+          <p:cNvPr id="3075" name="Picture 3" descr="D:\projects\mgm\jug-saxony-workshop\src\slides\resources\images\jira_rbg_blue.png"/>
+          <p:cNvPicPr>
+            <a:picLocks noChangeAspect="1" noChangeArrowheads="1"/>
+          </p:cNvPicPr>
+          <p:nvPr/>
+        </p:nvPicPr>
+        <p:blipFill>
+          <a:blip r:embed="rId5">
+            <a:extLst>
+              <a:ext uri="{28A0092B-C50C-407E-A947-70E740481C1C}">
+                <a14:useLocalDpi xmlns:a14="http://schemas.microsoft.com/office/drawing/2010/main" val="0"/>
+              </a:ext>
+            </a:extLst>
+          </a:blip>
+          <a:srcRect/>
+          <a:stretch>
+            <a:fillRect/>
+          </a:stretch>
+        </p:blipFill>
+        <p:spPr bwMode="auto">
+          <a:xfrm>
+            <a:off x="6403947" y="2986697"/>
+            <a:ext cx="2348603" cy="1007246"/>
+          </a:xfrm>
+          <a:prstGeom prst="rect">
+            <a:avLst/>
+          </a:prstGeom>
+          <a:noFill/>
+          <a:extLst>
+            <a:ext uri="{909E8E84-426E-40DD-AFC4-6F175D3DCCD1}">
+              <a14:hiddenFill xmlns:a14="http://schemas.microsoft.com/office/drawing/2010/main">
+                <a:solidFill>
+                  <a:srgbClr val="FFFFFF"/>
+                </a:solidFill>
+              </a14:hiddenFill>
+            </a:ext>
+          </a:extLst>
+        </p:spPr>
+      </p:pic>
+      <p:pic>
+        <p:nvPicPr>
+          <p:cNvPr id="3076" name="Picture 4" descr="D:\projects\mgm\jug-saxony-workshop\src\slides\resources\images\1490828991_1416364765_java_coffee_x_cup_application.png"/>
+          <p:cNvPicPr>
+            <a:picLocks noChangeAspect="1" noChangeArrowheads="1"/>
+          </p:cNvPicPr>
+          <p:nvPr/>
+        </p:nvPicPr>
+        <p:blipFill>
+          <a:blip r:embed="rId6">
+            <a:extLst>
+              <a:ext uri="{28A0092B-C50C-407E-A947-70E740481C1C}">
+                <a14:useLocalDpi xmlns:a14="http://schemas.microsoft.com/office/drawing/2010/main" val="0"/>
+              </a:ext>
+            </a:extLst>
+          </a:blip>
+          <a:srcRect/>
+          <a:stretch>
+            <a:fillRect/>
+          </a:stretch>
+        </p:blipFill>
+        <p:spPr bwMode="auto">
+          <a:xfrm>
+            <a:off x="7119695" y="1295395"/>
+            <a:ext cx="1352539" cy="1352539"/>
+          </a:xfrm>
+          <a:prstGeom prst="rect">
+            <a:avLst/>
+          </a:prstGeom>
+          <a:noFill/>
+          <a:extLst>
+            <a:ext uri="{909E8E84-426E-40DD-AFC4-6F175D3DCCD1}">
+              <a14:hiddenFill xmlns:a14="http://schemas.microsoft.com/office/drawing/2010/main">
+                <a:solidFill>
+                  <a:srgbClr val="FFFFFF"/>
+                </a:solidFill>
+              </a14:hiddenFill>
+            </a:ext>
+          </a:extLst>
+        </p:spPr>
+      </p:pic>
+      <p:pic>
+        <p:nvPicPr>
+          <p:cNvPr id="3078" name="Picture 6" descr="D:\projects\mgm\jug-saxony-workshop\src\slides\resources\images\EC-Gerrit.png"/>
+          <p:cNvPicPr>
+            <a:picLocks noChangeAspect="1" noChangeArrowheads="1"/>
+          </p:cNvPicPr>
+          <p:nvPr/>
+        </p:nvPicPr>
+        <p:blipFill>
+          <a:blip r:embed="rId7">
+            <a:extLst>
+              <a:ext uri="{28A0092B-C50C-407E-A947-70E740481C1C}">
+                <a14:useLocalDpi xmlns:a14="http://schemas.microsoft.com/office/drawing/2010/main" val="0"/>
+              </a:ext>
+            </a:extLst>
+          </a:blip>
+          <a:srcRect/>
+          <a:stretch>
+            <a:fillRect/>
+          </a:stretch>
+        </p:blipFill>
+        <p:spPr bwMode="auto">
+          <a:xfrm>
+            <a:off x="9373962" y="3139621"/>
+            <a:ext cx="1428750" cy="1333500"/>
           </a:xfrm>
           <a:prstGeom prst="rect">
             <a:avLst/>
@@ -4495,7 +9375,81 @@
               <a:rPr lang="en-US" dirty="0" smtClean="0"/>
               <a:t> </a:t>
             </a:r>
-            <a:endParaRPr lang="en-US" dirty="0"/>
+          </a:p>
+          <a:p>
+            <a:r>
+              <a:rPr lang="en-US" dirty="0">
+                <a:hlinkClick r:id="rId7"/>
+              </a:rPr>
+              <a:t>https://de.wikipedia.org/wiki/Git#/</a:t>
+            </a:r>
+            <a:r>
+              <a:rPr lang="en-US" dirty="0" smtClean="0">
+                <a:hlinkClick r:id="rId7"/>
+              </a:rPr>
+              <a:t>media/File:Git-logo.svg</a:t>
+            </a:r>
+            <a:r>
+              <a:rPr lang="en-US" dirty="0" smtClean="0"/>
+              <a:t> </a:t>
+            </a:r>
+          </a:p>
+          <a:p>
+            <a:r>
+              <a:rPr lang="en-US" dirty="0">
+                <a:hlinkClick r:id="rId8"/>
+              </a:rPr>
+              <a:t>https://design.atlassian.com/how-we-design/resources</a:t>
+            </a:r>
+            <a:r>
+              <a:rPr lang="en-US" dirty="0" smtClean="0">
+                <a:hlinkClick r:id="rId8"/>
+              </a:rPr>
+              <a:t>/</a:t>
+            </a:r>
+            <a:r>
+              <a:rPr lang="en-US" dirty="0" smtClean="0"/>
+              <a:t> </a:t>
+            </a:r>
+          </a:p>
+          <a:p>
+            <a:r>
+              <a:rPr lang="en-US" dirty="0">
+                <a:hlinkClick r:id="rId9"/>
+              </a:rPr>
+              <a:t>https://</a:t>
+            </a:r>
+            <a:r>
+              <a:rPr lang="en-US" dirty="0" smtClean="0">
+                <a:hlinkClick r:id="rId9"/>
+              </a:rPr>
+              <a:t>www.iconfinder.com/icons/369797/application_coffee_cup_java_x_icon#size=128</a:t>
+            </a:r>
+            <a:r>
+              <a:rPr lang="en-US" dirty="0" smtClean="0"/>
+              <a:t> </a:t>
+            </a:r>
+          </a:p>
+          <a:p>
+            <a:r>
+              <a:rPr lang="en-US" dirty="0">
+                <a:hlinkClick r:id="rId10"/>
+              </a:rPr>
+              <a:t>http://</a:t>
+            </a:r>
+            <a:r>
+              <a:rPr lang="en-US" dirty="0" smtClean="0">
+                <a:hlinkClick r:id="rId10"/>
+              </a:rPr>
+              <a:t>electric-cloud.com/wp-content/uploads/2014/09/EC-Gerrit.png</a:t>
+            </a:r>
+            <a:r>
+              <a:rPr lang="en-US" dirty="0" smtClean="0"/>
+              <a:t> </a:t>
+            </a:r>
+          </a:p>
+          <a:p>
+            <a:endParaRPr lang="en-US" dirty="0" smtClean="0"/>
           </a:p>
         </p:txBody>
       </p:sp>
@@ -4515,8 +9469,8 @@
           <a:lstStyle/>
           <a:p>
             <a:r>
-              <a:rPr lang="de-DE" dirty="0" err="1"/>
-              <a:t>Sources</a:t>
+              <a:rPr lang="de-DE" dirty="0" smtClean="0"/>
+              <a:t>Quellen von Bildern</a:t>
             </a:r>
             <a:endParaRPr lang="en-US" dirty="0"/>
           </a:p>
@@ -19951,15 +24905,15 @@
         </p:nvSpPr>
         <p:spPr bwMode="auto">
           <a:xfrm>
-            <a:off x="7540172" y="1291528"/>
-            <a:ext cx="2024742" cy="551786"/>
+            <a:off x="7540172" y="1059543"/>
+            <a:ext cx="3098799" cy="783771"/>
           </a:xfrm>
           <a:prstGeom prst="borderCallout1">
             <a:avLst>
-              <a:gd name="adj1" fmla="val 121083"/>
-              <a:gd name="adj2" fmla="val 68216"/>
-              <a:gd name="adj3" fmla="val 182759"/>
-              <a:gd name="adj4" fmla="val 76547"/>
+              <a:gd name="adj1" fmla="val 111824"/>
+              <a:gd name="adj2" fmla="val 52357"/>
+              <a:gd name="adj3" fmla="val 164240"/>
+              <a:gd name="adj4" fmla="val 32054"/>
             </a:avLst>
           </a:prstGeom>
           <a:ln>
@@ -19990,6 +24944,32 @@
           </a:bodyPr>
           <a:lstStyle/>
           <a:p>
+            <a:pPr>
+              <a:spcAft>
+                <a:spcPts val="600"/>
+              </a:spcAft>
+            </a:pPr>
+            <a:r>
+              <a:rPr lang="de-DE" dirty="0" err="1">
+                <a:solidFill>
+                  <a:schemeClr val="tx1"/>
+                </a:solidFill>
+                <a:latin typeface="Open Sans" panose="020B0606030504020204" pitchFamily="34" charset="0"/>
+                <a:ea typeface="Open Sans" panose="020B0606030504020204" pitchFamily="34" charset="0"/>
+                <a:cs typeface="Open Sans" panose="020B0606030504020204" pitchFamily="34" charset="0"/>
+              </a:rPr>
+              <a:t>repartitionAndSortWithinPartitions</a:t>
+            </a:r>
+            <a:endParaRPr lang="de-DE" dirty="0">
+              <a:solidFill>
+                <a:schemeClr val="tx1"/>
+              </a:solidFill>
+              <a:latin typeface="Open Sans" panose="020B0606030504020204" pitchFamily="34" charset="0"/>
+              <a:ea typeface="Open Sans" panose="020B0606030504020204" pitchFamily="34" charset="0"/>
+              <a:cs typeface="Open Sans" panose="020B0606030504020204" pitchFamily="34" charset="0"/>
+            </a:endParaRPr>
+          </a:p>
+          <a:p>
             <a:pPr marL="0" marR="0" indent="0" algn="ctr" defTabSz="914400" rtl="0" eaLnBrk="1" fontAlgn="base" latinLnBrk="0" hangingPunct="1">
               <a:lnSpc>
                 <a:spcPct val="100000"/>
@@ -20006,6 +24986,21 @@
               <a:buNone/>
               <a:tabLst/>
             </a:pPr>
+            <a:r>
+              <a:rPr kumimoji="0" lang="de-DE" b="0" i="0" u="none" strike="noStrike" cap="none" normalizeH="0" baseline="0" dirty="0" smtClean="0">
+                <a:ln>
+                  <a:noFill/>
+                </a:ln>
+                <a:solidFill>
+                  <a:schemeClr val="tx1"/>
+                </a:solidFill>
+                <a:effectLst/>
+                <a:latin typeface="Open Sans" panose="020B0606030504020204" pitchFamily="34" charset="0"/>
+                <a:ea typeface="Open Sans" panose="020B0606030504020204" pitchFamily="34" charset="0"/>
+                <a:cs typeface="Open Sans" panose="020B0606030504020204" pitchFamily="34" charset="0"/>
+              </a:rPr>
+              <a:t>+ </a:t>
+            </a:r>
             <a:r>
               <a:rPr kumimoji="0" lang="de-DE" b="0" i="0" u="none" strike="noStrike" cap="none" normalizeH="0" baseline="0" dirty="0" err="1" smtClean="0">
                 <a:ln>

--- a/src/slides/resources/2017-03-31-JUG-Saxony-Workshop-de.pptx
+++ b/src/slides/resources/2017-03-31-JUG-Saxony-Workshop-de.pptx
@@ -7815,7 +7815,7 @@
                 <a:ea typeface="Open Sans" panose="020B0606030504020204" pitchFamily="34" charset="0"/>
                 <a:cs typeface="Open Sans" panose="020B0606030504020204" pitchFamily="34" charset="0"/>
               </a:rPr>
-              <a:t>3</a:t>
+              <a:t>2</a:t>
             </a:r>
             <a:endParaRPr kumimoji="0" lang="de-DE" sz="1200" b="0" i="0" u="none" strike="noStrike" cap="none" normalizeH="0" baseline="0" dirty="0" smtClean="0">
               <a:ln>
@@ -7903,7 +7903,7 @@
                 <a:ea typeface="Open Sans" panose="020B0606030504020204" pitchFamily="34" charset="0"/>
                 <a:cs typeface="Open Sans" panose="020B0606030504020204" pitchFamily="34" charset="0"/>
               </a:rPr>
-              <a:t>4</a:t>
+              <a:t>2</a:t>
             </a:r>
             <a:endParaRPr kumimoji="0" lang="de-DE" sz="1200" b="0" i="0" u="none" strike="noStrike" cap="none" normalizeH="0" baseline="0" dirty="0" smtClean="0">
               <a:ln>
@@ -7991,7 +7991,7 @@
                 <a:ea typeface="Open Sans" panose="020B0606030504020204" pitchFamily="34" charset="0"/>
                 <a:cs typeface="Open Sans" panose="020B0606030504020204" pitchFamily="34" charset="0"/>
               </a:rPr>
-              <a:t>5</a:t>
+              <a:t>3</a:t>
             </a:r>
             <a:endParaRPr kumimoji="0" lang="de-DE" sz="1200" b="0" i="0" u="none" strike="noStrike" cap="none" normalizeH="0" baseline="0" dirty="0" smtClean="0">
               <a:ln>
@@ -8255,7 +8255,7 @@
                 <a:ea typeface="Open Sans" panose="020B0606030504020204" pitchFamily="34" charset="0"/>
                 <a:cs typeface="Open Sans" panose="020B0606030504020204" pitchFamily="34" charset="0"/>
               </a:rPr>
-              <a:t>3</a:t>
+              <a:t>2</a:t>
             </a:r>
             <a:endParaRPr kumimoji="0" lang="de-DE" sz="1200" b="0" i="0" u="none" strike="noStrike" cap="none" normalizeH="0" baseline="0" dirty="0" smtClean="0">
               <a:ln>
@@ -8343,7 +8343,7 @@
                 <a:ea typeface="Open Sans" panose="020B0606030504020204" pitchFamily="34" charset="0"/>
                 <a:cs typeface="Open Sans" panose="020B0606030504020204" pitchFamily="34" charset="0"/>
               </a:rPr>
-              <a:t>4</a:t>
+              <a:t>2</a:t>
             </a:r>
             <a:endParaRPr kumimoji="0" lang="de-DE" sz="1200" b="0" i="0" u="none" strike="noStrike" cap="none" normalizeH="0" baseline="0" dirty="0" smtClean="0">
               <a:ln>
@@ -8431,7 +8431,7 @@
                 <a:ea typeface="Open Sans" panose="020B0606030504020204" pitchFamily="34" charset="0"/>
                 <a:cs typeface="Open Sans" panose="020B0606030504020204" pitchFamily="34" charset="0"/>
               </a:rPr>
-              <a:t>5</a:t>
+              <a:t>3</a:t>
             </a:r>
             <a:endParaRPr kumimoji="0" lang="de-DE" sz="1200" b="0" i="0" u="none" strike="noStrike" cap="none" normalizeH="0" baseline="0" dirty="0" smtClean="0">
               <a:ln>
@@ -8519,7 +8519,7 @@
                 <a:ea typeface="Open Sans" panose="020B0606030504020204" pitchFamily="34" charset="0"/>
                 <a:cs typeface="Open Sans" panose="020B0606030504020204" pitchFamily="34" charset="0"/>
               </a:rPr>
-              <a:t>6</a:t>
+              <a:t>4</a:t>
             </a:r>
             <a:endParaRPr kumimoji="0" lang="de-DE" sz="1200" b="0" i="0" u="none" strike="noStrike" cap="none" normalizeH="0" baseline="0" dirty="0" smtClean="0">
               <a:ln>
@@ -8607,7 +8607,7 @@
                 <a:ea typeface="Open Sans" panose="020B0606030504020204" pitchFamily="34" charset="0"/>
                 <a:cs typeface="Open Sans" panose="020B0606030504020204" pitchFamily="34" charset="0"/>
               </a:rPr>
-              <a:t>11</a:t>
+              <a:t>7</a:t>
             </a:r>
             <a:endParaRPr kumimoji="0" lang="de-DE" b="1" i="0" u="none" strike="noStrike" cap="none" normalizeH="0" baseline="0" dirty="0" smtClean="0">
               <a:ln>
@@ -8637,9 +8637,586 @@
   <p:timing>
     <p:tnLst>
       <p:par>
-        <p:cTn id="1" dur="indefinite" restart="never" nodeType="tmRoot"/>
+        <p:cTn id="1" dur="indefinite" restart="never" nodeType="tmRoot">
+          <p:childTnLst>
+            <p:seq concurrent="1" nextAc="seek">
+              <p:cTn id="2" dur="indefinite" nodeType="mainSeq">
+                <p:childTnLst>
+                  <p:par>
+                    <p:cTn id="3" fill="hold">
+                      <p:stCondLst>
+                        <p:cond delay="indefinite"/>
+                      </p:stCondLst>
+                      <p:childTnLst>
+                        <p:par>
+                          <p:cTn id="4" fill="hold">
+                            <p:stCondLst>
+                              <p:cond delay="0"/>
+                            </p:stCondLst>
+                            <p:childTnLst>
+                              <p:par>
+                                <p:cTn id="5" presetID="1" presetClass="entr" presetSubtype="0" fill="hold" grpId="0" nodeType="clickEffect">
+                                  <p:stCondLst>
+                                    <p:cond delay="0"/>
+                                  </p:stCondLst>
+                                  <p:childTnLst>
+                                    <p:set>
+                                      <p:cBhvr>
+                                        <p:cTn id="6" dur="1" fill="hold">
+                                          <p:stCondLst>
+                                            <p:cond delay="0"/>
+                                          </p:stCondLst>
+                                        </p:cTn>
+                                        <p:tgtEl>
+                                          <p:spTgt spid="4"/>
+                                        </p:tgtEl>
+                                        <p:attrNameLst>
+                                          <p:attrName>style.visibility</p:attrName>
+                                        </p:attrNameLst>
+                                      </p:cBhvr>
+                                      <p:to>
+                                        <p:strVal val="visible"/>
+                                      </p:to>
+                                    </p:set>
+                                  </p:childTnLst>
+                                </p:cTn>
+                              </p:par>
+                            </p:childTnLst>
+                          </p:cTn>
+                        </p:par>
+                      </p:childTnLst>
+                    </p:cTn>
+                  </p:par>
+                  <p:par>
+                    <p:cTn id="7" fill="hold">
+                      <p:stCondLst>
+                        <p:cond delay="indefinite"/>
+                      </p:stCondLst>
+                      <p:childTnLst>
+                        <p:par>
+                          <p:cTn id="8" fill="hold">
+                            <p:stCondLst>
+                              <p:cond delay="0"/>
+                            </p:stCondLst>
+                            <p:childTnLst>
+                              <p:par>
+                                <p:cTn id="9" presetID="1" presetClass="entr" presetSubtype="0" fill="hold" grpId="0" nodeType="clickEffect">
+                                  <p:stCondLst>
+                                    <p:cond delay="0"/>
+                                  </p:stCondLst>
+                                  <p:childTnLst>
+                                    <p:set>
+                                      <p:cBhvr>
+                                        <p:cTn id="10" dur="1" fill="hold">
+                                          <p:stCondLst>
+                                            <p:cond delay="0"/>
+                                          </p:stCondLst>
+                                        </p:cTn>
+                                        <p:tgtEl>
+                                          <p:spTgt spid="24"/>
+                                        </p:tgtEl>
+                                        <p:attrNameLst>
+                                          <p:attrName>style.visibility</p:attrName>
+                                        </p:attrNameLst>
+                                      </p:cBhvr>
+                                      <p:to>
+                                        <p:strVal val="visible"/>
+                                      </p:to>
+                                    </p:set>
+                                  </p:childTnLst>
+                                </p:cTn>
+                              </p:par>
+                            </p:childTnLst>
+                          </p:cTn>
+                        </p:par>
+                      </p:childTnLst>
+                    </p:cTn>
+                  </p:par>
+                  <p:par>
+                    <p:cTn id="11" fill="hold">
+                      <p:stCondLst>
+                        <p:cond delay="indefinite"/>
+                      </p:stCondLst>
+                      <p:childTnLst>
+                        <p:par>
+                          <p:cTn id="12" fill="hold">
+                            <p:stCondLst>
+                              <p:cond delay="0"/>
+                            </p:stCondLst>
+                            <p:childTnLst>
+                              <p:par>
+                                <p:cTn id="13" presetID="1" presetClass="entr" presetSubtype="0" fill="hold" grpId="0" nodeType="clickEffect">
+                                  <p:stCondLst>
+                                    <p:cond delay="0"/>
+                                  </p:stCondLst>
+                                  <p:childTnLst>
+                                    <p:set>
+                                      <p:cBhvr>
+                                        <p:cTn id="14" dur="1" fill="hold">
+                                          <p:stCondLst>
+                                            <p:cond delay="0"/>
+                                          </p:stCondLst>
+                                        </p:cTn>
+                                        <p:tgtEl>
+                                          <p:spTgt spid="25"/>
+                                        </p:tgtEl>
+                                        <p:attrNameLst>
+                                          <p:attrName>style.visibility</p:attrName>
+                                        </p:attrNameLst>
+                                      </p:cBhvr>
+                                      <p:to>
+                                        <p:strVal val="visible"/>
+                                      </p:to>
+                                    </p:set>
+                                  </p:childTnLst>
+                                </p:cTn>
+                              </p:par>
+                            </p:childTnLst>
+                          </p:cTn>
+                        </p:par>
+                      </p:childTnLst>
+                    </p:cTn>
+                  </p:par>
+                  <p:par>
+                    <p:cTn id="15" fill="hold">
+                      <p:stCondLst>
+                        <p:cond delay="indefinite"/>
+                      </p:stCondLst>
+                      <p:childTnLst>
+                        <p:par>
+                          <p:cTn id="16" fill="hold">
+                            <p:stCondLst>
+                              <p:cond delay="0"/>
+                            </p:stCondLst>
+                            <p:childTnLst>
+                              <p:par>
+                                <p:cTn id="17" presetID="1" presetClass="entr" presetSubtype="0" fill="hold" grpId="0" nodeType="clickEffect">
+                                  <p:stCondLst>
+                                    <p:cond delay="0"/>
+                                  </p:stCondLst>
+                                  <p:childTnLst>
+                                    <p:set>
+                                      <p:cBhvr>
+                                        <p:cTn id="18" dur="1" fill="hold">
+                                          <p:stCondLst>
+                                            <p:cond delay="0"/>
+                                          </p:stCondLst>
+                                        </p:cTn>
+                                        <p:tgtEl>
+                                          <p:spTgt spid="26"/>
+                                        </p:tgtEl>
+                                        <p:attrNameLst>
+                                          <p:attrName>style.visibility</p:attrName>
+                                        </p:attrNameLst>
+                                      </p:cBhvr>
+                                      <p:to>
+                                        <p:strVal val="visible"/>
+                                      </p:to>
+                                    </p:set>
+                                  </p:childTnLst>
+                                </p:cTn>
+                              </p:par>
+                            </p:childTnLst>
+                          </p:cTn>
+                        </p:par>
+                      </p:childTnLst>
+                    </p:cTn>
+                  </p:par>
+                  <p:par>
+                    <p:cTn id="19" fill="hold">
+                      <p:stCondLst>
+                        <p:cond delay="indefinite"/>
+                      </p:stCondLst>
+                      <p:childTnLst>
+                        <p:par>
+                          <p:cTn id="20" fill="hold">
+                            <p:stCondLst>
+                              <p:cond delay="0"/>
+                            </p:stCondLst>
+                            <p:childTnLst>
+                              <p:par>
+                                <p:cTn id="21" presetID="1" presetClass="entr" presetSubtype="0" fill="hold" grpId="0" nodeType="clickEffect">
+                                  <p:stCondLst>
+                                    <p:cond delay="0"/>
+                                  </p:stCondLst>
+                                  <p:childTnLst>
+                                    <p:set>
+                                      <p:cBhvr>
+                                        <p:cTn id="22" dur="1" fill="hold">
+                                          <p:stCondLst>
+                                            <p:cond delay="0"/>
+                                          </p:stCondLst>
+                                        </p:cTn>
+                                        <p:tgtEl>
+                                          <p:spTgt spid="27"/>
+                                        </p:tgtEl>
+                                        <p:attrNameLst>
+                                          <p:attrName>style.visibility</p:attrName>
+                                        </p:attrNameLst>
+                                      </p:cBhvr>
+                                      <p:to>
+                                        <p:strVal val="visible"/>
+                                      </p:to>
+                                    </p:set>
+                                  </p:childTnLst>
+                                </p:cTn>
+                              </p:par>
+                            </p:childTnLst>
+                          </p:cTn>
+                        </p:par>
+                      </p:childTnLst>
+                    </p:cTn>
+                  </p:par>
+                  <p:par>
+                    <p:cTn id="23" fill="hold">
+                      <p:stCondLst>
+                        <p:cond delay="indefinite"/>
+                      </p:stCondLst>
+                      <p:childTnLst>
+                        <p:par>
+                          <p:cTn id="24" fill="hold">
+                            <p:stCondLst>
+                              <p:cond delay="0"/>
+                            </p:stCondLst>
+                            <p:childTnLst>
+                              <p:par>
+                                <p:cTn id="25" presetID="1" presetClass="entr" presetSubtype="0" fill="hold" grpId="0" nodeType="clickEffect">
+                                  <p:stCondLst>
+                                    <p:cond delay="0"/>
+                                  </p:stCondLst>
+                                  <p:childTnLst>
+                                    <p:set>
+                                      <p:cBhvr>
+                                        <p:cTn id="26" dur="1" fill="hold">
+                                          <p:stCondLst>
+                                            <p:cond delay="0"/>
+                                          </p:stCondLst>
+                                        </p:cTn>
+                                        <p:tgtEl>
+                                          <p:spTgt spid="28"/>
+                                        </p:tgtEl>
+                                        <p:attrNameLst>
+                                          <p:attrName>style.visibility</p:attrName>
+                                        </p:attrNameLst>
+                                      </p:cBhvr>
+                                      <p:to>
+                                        <p:strVal val="visible"/>
+                                      </p:to>
+                                    </p:set>
+                                  </p:childTnLst>
+                                </p:cTn>
+                              </p:par>
+                            </p:childTnLst>
+                          </p:cTn>
+                        </p:par>
+                      </p:childTnLst>
+                    </p:cTn>
+                  </p:par>
+                  <p:par>
+                    <p:cTn id="27" fill="hold">
+                      <p:stCondLst>
+                        <p:cond delay="indefinite"/>
+                      </p:stCondLst>
+                      <p:childTnLst>
+                        <p:par>
+                          <p:cTn id="28" fill="hold">
+                            <p:stCondLst>
+                              <p:cond delay="0"/>
+                            </p:stCondLst>
+                            <p:childTnLst>
+                              <p:par>
+                                <p:cTn id="29" presetID="1" presetClass="entr" presetSubtype="0" fill="hold" grpId="0" nodeType="clickEffect">
+                                  <p:stCondLst>
+                                    <p:cond delay="0"/>
+                                  </p:stCondLst>
+                                  <p:childTnLst>
+                                    <p:set>
+                                      <p:cBhvr>
+                                        <p:cTn id="30" dur="1" fill="hold">
+                                          <p:stCondLst>
+                                            <p:cond delay="0"/>
+                                          </p:stCondLst>
+                                        </p:cTn>
+                                        <p:tgtEl>
+                                          <p:spTgt spid="29"/>
+                                        </p:tgtEl>
+                                        <p:attrNameLst>
+                                          <p:attrName>style.visibility</p:attrName>
+                                        </p:attrNameLst>
+                                      </p:cBhvr>
+                                      <p:to>
+                                        <p:strVal val="visible"/>
+                                      </p:to>
+                                    </p:set>
+                                  </p:childTnLst>
+                                </p:cTn>
+                              </p:par>
+                            </p:childTnLst>
+                          </p:cTn>
+                        </p:par>
+                      </p:childTnLst>
+                    </p:cTn>
+                  </p:par>
+                  <p:par>
+                    <p:cTn id="31" fill="hold">
+                      <p:stCondLst>
+                        <p:cond delay="indefinite"/>
+                      </p:stCondLst>
+                      <p:childTnLst>
+                        <p:par>
+                          <p:cTn id="32" fill="hold">
+                            <p:stCondLst>
+                              <p:cond delay="0"/>
+                            </p:stCondLst>
+                            <p:childTnLst>
+                              <p:par>
+                                <p:cTn id="33" presetID="1" presetClass="entr" presetSubtype="0" fill="hold" grpId="0" nodeType="clickEffect">
+                                  <p:stCondLst>
+                                    <p:cond delay="0"/>
+                                  </p:stCondLst>
+                                  <p:childTnLst>
+                                    <p:set>
+                                      <p:cBhvr>
+                                        <p:cTn id="34" dur="1" fill="hold">
+                                          <p:stCondLst>
+                                            <p:cond delay="0"/>
+                                          </p:stCondLst>
+                                        </p:cTn>
+                                        <p:tgtEl>
+                                          <p:spTgt spid="30"/>
+                                        </p:tgtEl>
+                                        <p:attrNameLst>
+                                          <p:attrName>style.visibility</p:attrName>
+                                        </p:attrNameLst>
+                                      </p:cBhvr>
+                                      <p:to>
+                                        <p:strVal val="visible"/>
+                                      </p:to>
+                                    </p:set>
+                                  </p:childTnLst>
+                                </p:cTn>
+                              </p:par>
+                            </p:childTnLst>
+                          </p:cTn>
+                        </p:par>
+                      </p:childTnLst>
+                    </p:cTn>
+                  </p:par>
+                  <p:par>
+                    <p:cTn id="35" fill="hold">
+                      <p:stCondLst>
+                        <p:cond delay="indefinite"/>
+                      </p:stCondLst>
+                      <p:childTnLst>
+                        <p:par>
+                          <p:cTn id="36" fill="hold">
+                            <p:stCondLst>
+                              <p:cond delay="0"/>
+                            </p:stCondLst>
+                            <p:childTnLst>
+                              <p:par>
+                                <p:cTn id="37" presetID="1" presetClass="entr" presetSubtype="0" fill="hold" grpId="0" nodeType="clickEffect">
+                                  <p:stCondLst>
+                                    <p:cond delay="0"/>
+                                  </p:stCondLst>
+                                  <p:childTnLst>
+                                    <p:set>
+                                      <p:cBhvr>
+                                        <p:cTn id="38" dur="1" fill="hold">
+                                          <p:stCondLst>
+                                            <p:cond delay="0"/>
+                                          </p:stCondLst>
+                                        </p:cTn>
+                                        <p:tgtEl>
+                                          <p:spTgt spid="31"/>
+                                        </p:tgtEl>
+                                        <p:attrNameLst>
+                                          <p:attrName>style.visibility</p:attrName>
+                                        </p:attrNameLst>
+                                      </p:cBhvr>
+                                      <p:to>
+                                        <p:strVal val="visible"/>
+                                      </p:to>
+                                    </p:set>
+                                  </p:childTnLst>
+                                </p:cTn>
+                              </p:par>
+                            </p:childTnLst>
+                          </p:cTn>
+                        </p:par>
+                      </p:childTnLst>
+                    </p:cTn>
+                  </p:par>
+                  <p:par>
+                    <p:cTn id="39" fill="hold">
+                      <p:stCondLst>
+                        <p:cond delay="indefinite"/>
+                      </p:stCondLst>
+                      <p:childTnLst>
+                        <p:par>
+                          <p:cTn id="40" fill="hold">
+                            <p:stCondLst>
+                              <p:cond delay="0"/>
+                            </p:stCondLst>
+                            <p:childTnLst>
+                              <p:par>
+                                <p:cTn id="41" presetID="1" presetClass="entr" presetSubtype="0" fill="hold" grpId="0" nodeType="clickEffect">
+                                  <p:stCondLst>
+                                    <p:cond delay="0"/>
+                                  </p:stCondLst>
+                                  <p:childTnLst>
+                                    <p:set>
+                                      <p:cBhvr>
+                                        <p:cTn id="42" dur="1" fill="hold">
+                                          <p:stCondLst>
+                                            <p:cond delay="0"/>
+                                          </p:stCondLst>
+                                        </p:cTn>
+                                        <p:tgtEl>
+                                          <p:spTgt spid="32"/>
+                                        </p:tgtEl>
+                                        <p:attrNameLst>
+                                          <p:attrName>style.visibility</p:attrName>
+                                        </p:attrNameLst>
+                                      </p:cBhvr>
+                                      <p:to>
+                                        <p:strVal val="visible"/>
+                                      </p:to>
+                                    </p:set>
+                                  </p:childTnLst>
+                                </p:cTn>
+                              </p:par>
+                            </p:childTnLst>
+                          </p:cTn>
+                        </p:par>
+                      </p:childTnLst>
+                    </p:cTn>
+                  </p:par>
+                  <p:par>
+                    <p:cTn id="43" fill="hold">
+                      <p:stCondLst>
+                        <p:cond delay="indefinite"/>
+                      </p:stCondLst>
+                      <p:childTnLst>
+                        <p:par>
+                          <p:cTn id="44" fill="hold">
+                            <p:stCondLst>
+                              <p:cond delay="0"/>
+                            </p:stCondLst>
+                            <p:childTnLst>
+                              <p:par>
+                                <p:cTn id="45" presetID="1" presetClass="entr" presetSubtype="0" fill="hold" grpId="0" nodeType="clickEffect">
+                                  <p:stCondLst>
+                                    <p:cond delay="0"/>
+                                  </p:stCondLst>
+                                  <p:childTnLst>
+                                    <p:set>
+                                      <p:cBhvr>
+                                        <p:cTn id="46" dur="1" fill="hold">
+                                          <p:stCondLst>
+                                            <p:cond delay="0"/>
+                                          </p:stCondLst>
+                                        </p:cTn>
+                                        <p:tgtEl>
+                                          <p:spTgt spid="33"/>
+                                        </p:tgtEl>
+                                        <p:attrNameLst>
+                                          <p:attrName>style.visibility</p:attrName>
+                                        </p:attrNameLst>
+                                      </p:cBhvr>
+                                      <p:to>
+                                        <p:strVal val="visible"/>
+                                      </p:to>
+                                    </p:set>
+                                  </p:childTnLst>
+                                </p:cTn>
+                              </p:par>
+                            </p:childTnLst>
+                          </p:cTn>
+                        </p:par>
+                      </p:childTnLst>
+                    </p:cTn>
+                  </p:par>
+                  <p:par>
+                    <p:cTn id="47" fill="hold">
+                      <p:stCondLst>
+                        <p:cond delay="indefinite"/>
+                      </p:stCondLst>
+                      <p:childTnLst>
+                        <p:par>
+                          <p:cTn id="48" fill="hold">
+                            <p:stCondLst>
+                              <p:cond delay="0"/>
+                            </p:stCondLst>
+                            <p:childTnLst>
+                              <p:par>
+                                <p:cTn id="49" presetID="1" presetClass="entr" presetSubtype="0" fill="hold" grpId="0" nodeType="clickEffect">
+                                  <p:stCondLst>
+                                    <p:cond delay="0"/>
+                                  </p:stCondLst>
+                                  <p:childTnLst>
+                                    <p:set>
+                                      <p:cBhvr>
+                                        <p:cTn id="50" dur="1" fill="hold">
+                                          <p:stCondLst>
+                                            <p:cond delay="0"/>
+                                          </p:stCondLst>
+                                        </p:cTn>
+                                        <p:tgtEl>
+                                          <p:spTgt spid="34"/>
+                                        </p:tgtEl>
+                                        <p:attrNameLst>
+                                          <p:attrName>style.visibility</p:attrName>
+                                        </p:attrNameLst>
+                                      </p:cBhvr>
+                                      <p:to>
+                                        <p:strVal val="visible"/>
+                                      </p:to>
+                                    </p:set>
+                                  </p:childTnLst>
+                                </p:cTn>
+                              </p:par>
+                            </p:childTnLst>
+                          </p:cTn>
+                        </p:par>
+                      </p:childTnLst>
+                    </p:cTn>
+                  </p:par>
+                </p:childTnLst>
+              </p:cTn>
+              <p:prevCondLst>
+                <p:cond evt="onPrev" delay="0">
+                  <p:tgtEl>
+                    <p:sldTgt/>
+                  </p:tgtEl>
+                </p:cond>
+              </p:prevCondLst>
+              <p:nextCondLst>
+                <p:cond evt="onNext" delay="0">
+                  <p:tgtEl>
+                    <p:sldTgt/>
+                  </p:tgtEl>
+                </p:cond>
+              </p:nextCondLst>
+            </p:seq>
+          </p:childTnLst>
+        </p:cTn>
       </p:par>
     </p:tnLst>
+    <p:bldLst>
+      <p:bldP spid="4" grpId="0" animBg="1"/>
+      <p:bldP spid="24" grpId="0" animBg="1"/>
+      <p:bldP spid="25" grpId="0" animBg="1"/>
+      <p:bldP spid="26" grpId="0" animBg="1"/>
+      <p:bldP spid="27" grpId="0" animBg="1"/>
+      <p:bldP spid="28" grpId="0" animBg="1"/>
+      <p:bldP spid="29" grpId="0" animBg="1"/>
+      <p:bldP spid="30" grpId="0" animBg="1"/>
+      <p:bldP spid="31" grpId="0" animBg="1"/>
+      <p:bldP spid="32" grpId="0" animBg="1"/>
+      <p:bldP spid="33" grpId="0" animBg="1"/>
+      <p:bldP spid="34" grpId="0" animBg="1"/>
+    </p:bldLst>
   </p:timing>
 </p:sld>
 </file>

--- a/src/slides/resources/2017-03-31-JUG-Saxony-Workshop-de.pptx
+++ b/src/slides/resources/2017-03-31-JUG-Saxony-Workshop-de.pptx
@@ -5,10 +5,10 @@
     <p:sldMasterId id="2147483648" r:id="rId1"/>
   </p:sldMasterIdLst>
   <p:notesMasterIdLst>
-    <p:notesMasterId r:id="rId17"/>
+    <p:notesMasterId r:id="rId19"/>
   </p:notesMasterIdLst>
   <p:handoutMasterIdLst>
-    <p:handoutMasterId r:id="rId18"/>
+    <p:handoutMasterId r:id="rId20"/>
   </p:handoutMasterIdLst>
   <p:sldIdLst>
     <p:sldId id="668" r:id="rId2"/>
@@ -21,11 +21,13 @@
     <p:sldId id="720" r:id="rId9"/>
     <p:sldId id="721" r:id="rId10"/>
     <p:sldId id="722" r:id="rId11"/>
-    <p:sldId id="713" r:id="rId12"/>
-    <p:sldId id="709" r:id="rId13"/>
-    <p:sldId id="686" r:id="rId14"/>
-    <p:sldId id="706" r:id="rId15"/>
-    <p:sldId id="702" r:id="rId16"/>
+    <p:sldId id="723" r:id="rId12"/>
+    <p:sldId id="724" r:id="rId13"/>
+    <p:sldId id="725" r:id="rId14"/>
+    <p:sldId id="713" r:id="rId15"/>
+    <p:sldId id="709" r:id="rId16"/>
+    <p:sldId id="686" r:id="rId17"/>
+    <p:sldId id="706" r:id="rId18"/>
   </p:sldIdLst>
   <p:sldSz cx="12192000" cy="6858000"/>
   <p:notesSz cx="7315200" cy="9601200"/>
@@ -1831,6 +1833,150 @@
                 <a:defRPr/>
               </a:pPr>
               <a:t>10</a:t>
+            </a:fld>
+            <a:endParaRPr lang="de-DE"/>
+          </a:p>
+        </p:txBody>
+      </p:sp>
+    </p:spTree>
+    <p:extLst>
+      <p:ext uri="{BB962C8B-B14F-4D97-AF65-F5344CB8AC3E}">
+        <p14:creationId xmlns:p14="http://schemas.microsoft.com/office/powerpoint/2010/main" val="4234656738"/>
+      </p:ext>
+    </p:extLst>
+  </p:cSld>
+  <p:clrMapOvr>
+    <a:masterClrMapping/>
+  </p:clrMapOvr>
+</p:notes>
+</file>
+
+<file path=ppt/notesSlides/notesSlide7.xml><?xml version="1.0" encoding="utf-8"?>
+<p:notes xmlns:a="http://schemas.openxmlformats.org/drawingml/2006/main" xmlns:r="http://schemas.openxmlformats.org/officeDocument/2006/relationships" xmlns:p="http://schemas.openxmlformats.org/presentationml/2006/main">
+  <p:cSld>
+    <p:spTree>
+      <p:nvGrpSpPr>
+        <p:cNvPr id="1" name=""/>
+        <p:cNvGrpSpPr/>
+        <p:nvPr/>
+      </p:nvGrpSpPr>
+      <p:grpSpPr>
+        <a:xfrm>
+          <a:off x="0" y="0"/>
+          <a:ext cx="0" cy="0"/>
+          <a:chOff x="0" y="0"/>
+          <a:chExt cx="0" cy="0"/>
+        </a:xfrm>
+      </p:grpSpPr>
+      <p:sp>
+        <p:nvSpPr>
+          <p:cNvPr id="2" name="Folienbildplatzhalter 1"/>
+          <p:cNvSpPr>
+            <a:spLocks noGrp="1" noRot="1" noChangeAspect="1"/>
+          </p:cNvSpPr>
+          <p:nvPr>
+            <p:ph type="sldImg"/>
+          </p:nvPr>
+        </p:nvSpPr>
+        <p:spPr>
+          <a:xfrm>
+            <a:off x="457200" y="719138"/>
+            <a:ext cx="6402388" cy="3602037"/>
+          </a:xfrm>
+        </p:spPr>
+      </p:sp>
+      <p:sp>
+        <p:nvSpPr>
+          <p:cNvPr id="3" name="Notizenplatzhalter 2"/>
+          <p:cNvSpPr>
+            <a:spLocks noGrp="1"/>
+          </p:cNvSpPr>
+          <p:nvPr>
+            <p:ph type="body" idx="1"/>
+          </p:nvPr>
+        </p:nvSpPr>
+        <p:spPr/>
+        <p:txBody>
+          <a:bodyPr/>
+          <a:lstStyle/>
+          <a:p>
+            <a:pPr marL="171450" indent="-171450">
+              <a:buFont typeface="Arial" panose="020B0604020202020204" pitchFamily="34" charset="0"/>
+              <a:buChar char="•"/>
+            </a:pPr>
+            <a:r>
+              <a:rPr lang="de-DE" dirty="0" smtClean="0"/>
+              <a:t>Im</a:t>
+            </a:r>
+            <a:r>
+              <a:rPr lang="de-DE" baseline="0" dirty="0" smtClean="0"/>
+              <a:t> Beispiel: Lexikographische Partitionierung bei </a:t>
+            </a:r>
+            <a:r>
+              <a:rPr lang="de-DE" baseline="0" dirty="0" err="1" smtClean="0"/>
+              <a:t>aggregateByKey</a:t>
+            </a:r>
+            <a:endParaRPr lang="de-DE" baseline="0" dirty="0" smtClean="0"/>
+          </a:p>
+          <a:p>
+            <a:pPr marL="171450" indent="-171450">
+              <a:buFont typeface="Arial" panose="020B0604020202020204" pitchFamily="34" charset="0"/>
+              <a:buChar char="•"/>
+            </a:pPr>
+            <a:r>
+              <a:rPr lang="de-DE" dirty="0" smtClean="0"/>
+              <a:t>Jeweils</a:t>
+            </a:r>
+            <a:r>
+              <a:rPr lang="de-DE" baseline="0" dirty="0" smtClean="0"/>
+              <a:t> vor und nach einem Pfeil liegt eine RDD in Spark vor</a:t>
+            </a:r>
+          </a:p>
+          <a:p>
+            <a:pPr marL="171450" indent="-171450">
+              <a:buFont typeface="Arial" panose="020B0604020202020204" pitchFamily="34" charset="0"/>
+              <a:buChar char="•"/>
+            </a:pPr>
+            <a:r>
+              <a:rPr lang="de-DE" baseline="0" dirty="0" smtClean="0"/>
+              <a:t>Alle der hier dargestellten Operationen würden </a:t>
+            </a:r>
+            <a:r>
+              <a:rPr lang="de-DE" baseline="0" dirty="0" err="1" smtClean="0"/>
+              <a:t>lazy</a:t>
+            </a:r>
+            <a:r>
+              <a:rPr lang="de-DE" baseline="0" dirty="0" smtClean="0"/>
+              <a:t> (im Sinne von gar nicht) durchgeführt werden</a:t>
+            </a:r>
+            <a:endParaRPr lang="de-DE" dirty="0"/>
+          </a:p>
+        </p:txBody>
+      </p:sp>
+      <p:sp>
+        <p:nvSpPr>
+          <p:cNvPr id="4" name="Foliennummernplatzhalter 3"/>
+          <p:cNvSpPr>
+            <a:spLocks noGrp="1"/>
+          </p:cNvSpPr>
+          <p:nvPr>
+            <p:ph type="sldNum" sz="quarter" idx="10"/>
+          </p:nvPr>
+        </p:nvSpPr>
+        <p:spPr/>
+        <p:txBody>
+          <a:bodyPr/>
+          <a:lstStyle/>
+          <a:p>
+            <a:pPr>
+              <a:defRPr/>
+            </a:pPr>
+            <a:fld id="{A78FF2BC-F68A-4EB6-9E3E-3C5BE7030B7B}" type="slidenum">
+              <a:rPr lang="de-DE" smtClean="0"/>
+              <a:pPr>
+                <a:defRPr/>
+              </a:pPr>
+              <a:t>11</a:t>
             </a:fld>
             <a:endParaRPr lang="de-DE"/>
           </a:p>
@@ -9240,6 +9386,4805 @@
       </p:grpSpPr>
       <p:sp>
         <p:nvSpPr>
+          <p:cNvPr id="2" name="Titel 1"/>
+          <p:cNvSpPr>
+            <a:spLocks noGrp="1"/>
+          </p:cNvSpPr>
+          <p:nvPr>
+            <p:ph type="title"/>
+          </p:nvPr>
+        </p:nvSpPr>
+        <p:spPr/>
+        <p:txBody>
+          <a:bodyPr/>
+          <a:lstStyle/>
+          <a:p>
+            <a:r>
+              <a:rPr lang="de-DE" dirty="0" smtClean="0"/>
+              <a:t>Mögliche Lösung: Die Zähler als Teil der Daten ansehen und mitführen</a:t>
+            </a:r>
+            <a:endParaRPr lang="de-DE" dirty="0"/>
+          </a:p>
+        </p:txBody>
+      </p:sp>
+      <p:graphicFrame>
+        <p:nvGraphicFramePr>
+          <p:cNvPr id="6" name="Tabelle 5"/>
+          <p:cNvGraphicFramePr>
+            <a:graphicFrameLocks noGrp="1"/>
+          </p:cNvGraphicFramePr>
+          <p:nvPr>
+            <p:extLst>
+              <p:ext uri="{D42A27DB-BD31-4B8C-83A1-F6EECF244321}">
+                <p14:modId xmlns:p14="http://schemas.microsoft.com/office/powerpoint/2010/main" val="878119738"/>
+              </p:ext>
+            </p:extLst>
+          </p:nvPr>
+        </p:nvGraphicFramePr>
+        <p:xfrm>
+          <a:off x="553224" y="2795753"/>
+          <a:ext cx="2571582" cy="1645920"/>
+        </p:xfrm>
+        <a:graphic>
+          <a:graphicData uri="http://schemas.openxmlformats.org/drawingml/2006/table">
+            <a:tbl>
+              <a:tblPr bandRow="1">
+                <a:tableStyleId>{93296810-A885-4BE3-A3E7-6D5BEEA58F35}</a:tableStyleId>
+              </a:tblPr>
+              <a:tblGrid>
+                <a:gridCol w="1057862"/>
+                <a:gridCol w="420914"/>
+                <a:gridCol w="478971"/>
+                <a:gridCol w="613835"/>
+              </a:tblGrid>
+              <a:tr h="0">
+                <a:tc>
+                  <a:txBody>
+                    <a:bodyPr/>
+                    <a:lstStyle/>
+                    <a:p>
+                      <a:r>
+                        <a:rPr lang="de-DE" sz="1200" dirty="0" smtClean="0"/>
+                        <a:t>Moto G4</a:t>
+                      </a:r>
+                    </a:p>
+                  </a:txBody>
+                  <a:tcPr/>
+                </a:tc>
+                <a:tc>
+                  <a:txBody>
+                    <a:bodyPr/>
+                    <a:lstStyle/>
+                    <a:p>
+                      <a:pPr algn="ctr"/>
+                      <a:r>
+                        <a:rPr lang="de-DE" sz="1200" dirty="0" smtClean="0"/>
+                        <a:t>S</a:t>
+                      </a:r>
+                      <a:endParaRPr lang="de-DE" sz="1200" dirty="0"/>
+                    </a:p>
+                  </a:txBody>
+                  <a:tcPr/>
+                </a:tc>
+                <a:tc>
+                  <a:txBody>
+                    <a:bodyPr/>
+                    <a:lstStyle/>
+                    <a:p>
+                      <a:pPr algn="r"/>
+                      <a:r>
+                        <a:rPr lang="de-DE" sz="1200" dirty="0" smtClean="0"/>
+                        <a:t>7</a:t>
+                      </a:r>
+                      <a:endParaRPr lang="de-DE" sz="1200" dirty="0"/>
+                    </a:p>
+                  </a:txBody>
+                  <a:tcPr/>
+                </a:tc>
+                <a:tc>
+                  <a:txBody>
+                    <a:bodyPr/>
+                    <a:lstStyle/>
+                    <a:p>
+                      <a:pPr algn="r"/>
+                      <a:r>
+                        <a:rPr lang="de-DE" sz="1200" dirty="0" smtClean="0"/>
+                        <a:t>160€</a:t>
+                      </a:r>
+                      <a:endParaRPr lang="de-DE" sz="1200" dirty="0"/>
+                    </a:p>
+                  </a:txBody>
+                  <a:tcPr/>
+                </a:tc>
+              </a:tr>
+              <a:tr h="0">
+                <a:tc>
+                  <a:txBody>
+                    <a:bodyPr/>
+                    <a:lstStyle/>
+                    <a:p>
+                      <a:r>
+                        <a:rPr lang="de-DE" sz="1200" dirty="0" err="1" smtClean="0"/>
+                        <a:t>Xperia</a:t>
+                      </a:r>
+                      <a:r>
+                        <a:rPr lang="de-DE" sz="1200" dirty="0" smtClean="0"/>
+                        <a:t> E5</a:t>
+                      </a:r>
+                      <a:endParaRPr lang="de-DE" sz="1200" dirty="0"/>
+                    </a:p>
+                  </a:txBody>
+                  <a:tcPr/>
+                </a:tc>
+                <a:tc>
+                  <a:txBody>
+                    <a:bodyPr/>
+                    <a:lstStyle/>
+                    <a:p>
+                      <a:pPr algn="ctr"/>
+                      <a:r>
+                        <a:rPr lang="de-DE" sz="1200" dirty="0" smtClean="0"/>
+                        <a:t>S</a:t>
+                      </a:r>
+                      <a:endParaRPr lang="de-DE" sz="1200" dirty="0"/>
+                    </a:p>
+                  </a:txBody>
+                  <a:tcPr/>
+                </a:tc>
+                <a:tc>
+                  <a:txBody>
+                    <a:bodyPr/>
+                    <a:lstStyle/>
+                    <a:p>
+                      <a:pPr algn="r"/>
+                      <a:r>
+                        <a:rPr lang="de-DE" sz="1200" dirty="0" smtClean="0"/>
+                        <a:t>2</a:t>
+                      </a:r>
+                      <a:endParaRPr lang="de-DE" sz="1200" dirty="0"/>
+                    </a:p>
+                  </a:txBody>
+                  <a:tcPr/>
+                </a:tc>
+                <a:tc>
+                  <a:txBody>
+                    <a:bodyPr/>
+                    <a:lstStyle/>
+                    <a:p>
+                      <a:pPr algn="r"/>
+                      <a:r>
+                        <a:rPr lang="de-DE" sz="1200" dirty="0" smtClean="0"/>
+                        <a:t>130€</a:t>
+                      </a:r>
+                      <a:endParaRPr lang="de-DE" sz="1200" dirty="0"/>
+                    </a:p>
+                  </a:txBody>
+                  <a:tcPr/>
+                </a:tc>
+              </a:tr>
+              <a:tr h="148461">
+                <a:tc>
+                  <a:txBody>
+                    <a:bodyPr/>
+                    <a:lstStyle/>
+                    <a:p>
+                      <a:r>
+                        <a:rPr lang="de-DE" sz="1200" dirty="0" smtClean="0"/>
+                        <a:t>LT-40VF43A</a:t>
+                      </a:r>
+                      <a:endParaRPr lang="de-DE" sz="1200" dirty="0"/>
+                    </a:p>
+                  </a:txBody>
+                  <a:tcPr/>
+                </a:tc>
+                <a:tc>
+                  <a:txBody>
+                    <a:bodyPr/>
+                    <a:lstStyle/>
+                    <a:p>
+                      <a:pPr algn="ctr"/>
+                      <a:r>
+                        <a:rPr lang="de-DE" sz="1200" dirty="0" smtClean="0"/>
+                        <a:t>F</a:t>
+                      </a:r>
+                      <a:endParaRPr lang="de-DE" sz="1200" dirty="0"/>
+                    </a:p>
+                  </a:txBody>
+                  <a:tcPr/>
+                </a:tc>
+                <a:tc>
+                  <a:txBody>
+                    <a:bodyPr/>
+                    <a:lstStyle/>
+                    <a:p>
+                      <a:pPr algn="r"/>
+                      <a:r>
+                        <a:rPr lang="de-DE" sz="1200" dirty="0" smtClean="0"/>
+                        <a:t>1</a:t>
+                      </a:r>
+                      <a:endParaRPr lang="de-DE" sz="1200" dirty="0"/>
+                    </a:p>
+                  </a:txBody>
+                  <a:tcPr/>
+                </a:tc>
+                <a:tc>
+                  <a:txBody>
+                    <a:bodyPr/>
+                    <a:lstStyle/>
+                    <a:p>
+                      <a:pPr algn="r"/>
+                      <a:r>
+                        <a:rPr lang="de-DE" sz="1200" dirty="0" smtClean="0"/>
+                        <a:t>320</a:t>
+                      </a:r>
+                      <a:r>
+                        <a:rPr lang="de-DE" sz="1200" dirty="0" smtClean="0"/>
+                        <a:t>€</a:t>
+                      </a:r>
+                      <a:endParaRPr lang="de-DE" sz="1200" dirty="0"/>
+                    </a:p>
+                  </a:txBody>
+                  <a:tcPr/>
+                </a:tc>
+              </a:tr>
+              <a:tr h="0">
+                <a:tc>
+                  <a:txBody>
+                    <a:bodyPr/>
+                    <a:lstStyle/>
+                    <a:p>
+                      <a:r>
+                        <a:rPr lang="de-DE" sz="1200" dirty="0" smtClean="0"/>
+                        <a:t>J6289</a:t>
+                      </a:r>
+                      <a:endParaRPr lang="de-DE" sz="1200" dirty="0"/>
+                    </a:p>
+                  </a:txBody>
+                  <a:tcPr/>
+                </a:tc>
+                <a:tc>
+                  <a:txBody>
+                    <a:bodyPr/>
+                    <a:lstStyle/>
+                    <a:p>
+                      <a:pPr algn="ctr"/>
+                      <a:r>
+                        <a:rPr lang="de-DE" sz="1200" dirty="0" smtClean="0"/>
+                        <a:t>F</a:t>
+                      </a:r>
+                      <a:endParaRPr lang="de-DE" sz="1200" dirty="0"/>
+                    </a:p>
+                  </a:txBody>
+                  <a:tcPr/>
+                </a:tc>
+                <a:tc>
+                  <a:txBody>
+                    <a:bodyPr/>
+                    <a:lstStyle/>
+                    <a:p>
+                      <a:pPr algn="r"/>
+                      <a:r>
+                        <a:rPr lang="de-DE" sz="1200" dirty="0" smtClean="0"/>
+                        <a:t>8</a:t>
+                      </a:r>
+                      <a:endParaRPr lang="de-DE" sz="1200" dirty="0"/>
+                    </a:p>
+                  </a:txBody>
+                  <a:tcPr/>
+                </a:tc>
+                <a:tc>
+                  <a:txBody>
+                    <a:bodyPr/>
+                    <a:lstStyle/>
+                    <a:p>
+                      <a:pPr algn="r"/>
+                      <a:r>
+                        <a:rPr lang="de-DE" sz="1200" dirty="0" smtClean="0"/>
+                        <a:t>400€</a:t>
+                      </a:r>
+                      <a:endParaRPr lang="de-DE" sz="1200" dirty="0"/>
+                    </a:p>
+                  </a:txBody>
+                  <a:tcPr/>
+                </a:tc>
+              </a:tr>
+              <a:tr h="0">
+                <a:tc>
+                  <a:txBody>
+                    <a:bodyPr/>
+                    <a:lstStyle/>
+                    <a:p>
+                      <a:r>
+                        <a:rPr lang="de-DE" sz="1200" dirty="0" smtClean="0"/>
+                        <a:t>USB 1,5m</a:t>
+                      </a:r>
+                      <a:endParaRPr lang="de-DE" sz="1200" dirty="0"/>
+                    </a:p>
+                  </a:txBody>
+                  <a:tcPr/>
+                </a:tc>
+                <a:tc>
+                  <a:txBody>
+                    <a:bodyPr/>
+                    <a:lstStyle/>
+                    <a:p>
+                      <a:pPr algn="ctr"/>
+                      <a:r>
+                        <a:rPr lang="de-DE" sz="1200" dirty="0" smtClean="0"/>
+                        <a:t>K</a:t>
+                      </a:r>
+                      <a:endParaRPr lang="de-DE" sz="1200" dirty="0"/>
+                    </a:p>
+                  </a:txBody>
+                  <a:tcPr/>
+                </a:tc>
+                <a:tc>
+                  <a:txBody>
+                    <a:bodyPr/>
+                    <a:lstStyle/>
+                    <a:p>
+                      <a:pPr algn="r"/>
+                      <a:r>
+                        <a:rPr lang="de-DE" sz="1200" dirty="0" smtClean="0"/>
+                        <a:t>150</a:t>
+                      </a:r>
+                      <a:endParaRPr lang="de-DE" sz="1200" dirty="0"/>
+                    </a:p>
+                  </a:txBody>
+                  <a:tcPr/>
+                </a:tc>
+                <a:tc>
+                  <a:txBody>
+                    <a:bodyPr/>
+                    <a:lstStyle/>
+                    <a:p>
+                      <a:pPr algn="r"/>
+                      <a:r>
+                        <a:rPr lang="de-DE" sz="1200" dirty="0" smtClean="0"/>
+                        <a:t>4€</a:t>
+                      </a:r>
+                      <a:endParaRPr lang="de-DE" sz="1200" dirty="0"/>
+                    </a:p>
+                  </a:txBody>
+                  <a:tcPr/>
+                </a:tc>
+              </a:tr>
+              <a:tr h="0">
+                <a:tc>
+                  <a:txBody>
+                    <a:bodyPr/>
+                    <a:lstStyle/>
+                    <a:p>
+                      <a:r>
+                        <a:rPr lang="de-DE" sz="1200" dirty="0" smtClean="0"/>
+                        <a:t>USB</a:t>
+                      </a:r>
+                      <a:r>
+                        <a:rPr lang="de-DE" sz="1200" baseline="0" dirty="0" smtClean="0"/>
+                        <a:t> 3m</a:t>
+                      </a:r>
+                      <a:endParaRPr lang="de-DE" sz="1200" dirty="0"/>
+                    </a:p>
+                  </a:txBody>
+                  <a:tcPr/>
+                </a:tc>
+                <a:tc>
+                  <a:txBody>
+                    <a:bodyPr/>
+                    <a:lstStyle/>
+                    <a:p>
+                      <a:pPr algn="ctr"/>
+                      <a:r>
+                        <a:rPr lang="de-DE" sz="1200" dirty="0" smtClean="0"/>
+                        <a:t>K</a:t>
+                      </a:r>
+                      <a:endParaRPr lang="de-DE" sz="1200" dirty="0"/>
+                    </a:p>
+                  </a:txBody>
+                  <a:tcPr/>
+                </a:tc>
+                <a:tc>
+                  <a:txBody>
+                    <a:bodyPr/>
+                    <a:lstStyle/>
+                    <a:p>
+                      <a:pPr algn="r"/>
+                      <a:r>
+                        <a:rPr lang="de-DE" sz="1200" dirty="0" smtClean="0"/>
+                        <a:t>35</a:t>
+                      </a:r>
+                      <a:endParaRPr lang="de-DE" sz="1200" dirty="0"/>
+                    </a:p>
+                  </a:txBody>
+                  <a:tcPr/>
+                </a:tc>
+                <a:tc>
+                  <a:txBody>
+                    <a:bodyPr/>
+                    <a:lstStyle/>
+                    <a:p>
+                      <a:pPr algn="r"/>
+                      <a:r>
+                        <a:rPr lang="de-DE" sz="1200" dirty="0" smtClean="0"/>
+                        <a:t>6€</a:t>
+                      </a:r>
+                      <a:endParaRPr lang="de-DE" sz="1200" dirty="0"/>
+                    </a:p>
+                  </a:txBody>
+                  <a:tcPr/>
+                </a:tc>
+              </a:tr>
+            </a:tbl>
+          </a:graphicData>
+        </a:graphic>
+      </p:graphicFrame>
+      <p:sp>
+        <p:nvSpPr>
+          <p:cNvPr id="11" name="Pfeil nach rechts 10"/>
+          <p:cNvSpPr/>
+          <p:nvPr/>
+        </p:nvSpPr>
+        <p:spPr bwMode="auto">
+          <a:xfrm>
+            <a:off x="3269077" y="2307771"/>
+            <a:ext cx="1219200" cy="946936"/>
+          </a:xfrm>
+          <a:prstGeom prst="rightArrow">
+            <a:avLst/>
+          </a:prstGeom>
+          <a:solidFill>
+            <a:srgbClr val="0070C0"/>
+          </a:solidFill>
+          <a:ln w="9525" cap="flat" cmpd="sng" algn="ctr">
+            <a:noFill/>
+            <a:prstDash val="solid"/>
+            <a:round/>
+            <a:headEnd type="none" w="med" len="med"/>
+            <a:tailEnd type="none" w="med" len="med"/>
+          </a:ln>
+          <a:effectLst/>
+        </p:spPr>
+        <p:txBody>
+          <a:bodyPr rot="0" spcFirstLastPara="0" vertOverflow="overflow" horzOverflow="overflow" vert="horz" wrap="square" lIns="91440" tIns="45720" rIns="91440" bIns="45720" numCol="1" spcCol="0" rtlCol="0" fromWordArt="0" anchor="ctr" anchorCtr="0" forceAA="0" compatLnSpc="1">
+            <a:prstTxWarp prst="textNoShape">
+              <a:avLst/>
+            </a:prstTxWarp>
+            <a:noAutofit/>
+          </a:bodyPr>
+          <a:lstStyle/>
+          <a:p>
+            <a:pPr marL="0" marR="0" indent="0" algn="ctr" defTabSz="914400" rtl="0" eaLnBrk="1" fontAlgn="base" latinLnBrk="0" hangingPunct="1">
+              <a:lnSpc>
+                <a:spcPct val="100000"/>
+              </a:lnSpc>
+              <a:spcBef>
+                <a:spcPct val="0"/>
+              </a:spcBef>
+              <a:spcAft>
+                <a:spcPts val="600"/>
+              </a:spcAft>
+              <a:buClrTx/>
+              <a:buSzTx/>
+              <a:buFontTx/>
+              <a:buNone/>
+              <a:tabLst/>
+            </a:pPr>
+            <a:endParaRPr kumimoji="0" lang="de-DE" sz="1200" b="0" i="0" u="none" strike="noStrike" cap="none" normalizeH="0" baseline="0" dirty="0" err="1" smtClean="0">
+              <a:ln>
+                <a:noFill/>
+              </a:ln>
+              <a:solidFill>
+                <a:schemeClr val="bg1"/>
+              </a:solidFill>
+              <a:effectLst/>
+              <a:latin typeface="Open Sans" panose="020B0606030504020204" pitchFamily="34" charset="0"/>
+              <a:ea typeface="Open Sans" panose="020B0606030504020204" pitchFamily="34" charset="0"/>
+              <a:cs typeface="Open Sans" panose="020B0606030504020204" pitchFamily="34" charset="0"/>
+            </a:endParaRPr>
+          </a:p>
+        </p:txBody>
+      </p:sp>
+      <p:graphicFrame>
+        <p:nvGraphicFramePr>
+          <p:cNvPr id="14" name="Tabelle 13"/>
+          <p:cNvGraphicFramePr>
+            <a:graphicFrameLocks noGrp="1"/>
+          </p:cNvGraphicFramePr>
+          <p:nvPr>
+            <p:extLst>
+              <p:ext uri="{D42A27DB-BD31-4B8C-83A1-F6EECF244321}">
+                <p14:modId xmlns:p14="http://schemas.microsoft.com/office/powerpoint/2010/main" val="2042762513"/>
+              </p:ext>
+            </p:extLst>
+          </p:nvPr>
+        </p:nvGraphicFramePr>
+        <p:xfrm>
+          <a:off x="553225" y="1218957"/>
+          <a:ext cx="2571582" cy="1371600"/>
+        </p:xfrm>
+        <a:graphic>
+          <a:graphicData uri="http://schemas.openxmlformats.org/drawingml/2006/table">
+            <a:tbl>
+              <a:tblPr bandRow="1">
+                <a:tableStyleId>{93296810-A885-4BE3-A3E7-6D5BEEA58F35}</a:tableStyleId>
+              </a:tblPr>
+              <a:tblGrid>
+                <a:gridCol w="1057861"/>
+                <a:gridCol w="420914"/>
+                <a:gridCol w="449943"/>
+                <a:gridCol w="642864"/>
+              </a:tblGrid>
+              <a:tr h="0">
+                <a:tc>
+                  <a:txBody>
+                    <a:bodyPr/>
+                    <a:lstStyle/>
+                    <a:p>
+                      <a:r>
+                        <a:rPr lang="de-DE" sz="1200" dirty="0" err="1" smtClean="0"/>
+                        <a:t>Galaxy</a:t>
+                      </a:r>
+                      <a:r>
+                        <a:rPr lang="de-DE" sz="1200" dirty="0" smtClean="0"/>
+                        <a:t> J3</a:t>
+                      </a:r>
+                      <a:endParaRPr lang="de-DE" sz="1200" dirty="0"/>
+                    </a:p>
+                  </a:txBody>
+                  <a:tcPr/>
+                </a:tc>
+                <a:tc>
+                  <a:txBody>
+                    <a:bodyPr/>
+                    <a:lstStyle/>
+                    <a:p>
+                      <a:pPr algn="ctr"/>
+                      <a:r>
+                        <a:rPr lang="de-DE" sz="1200" dirty="0" smtClean="0"/>
+                        <a:t>S</a:t>
+                      </a:r>
+                      <a:endParaRPr lang="de-DE" sz="1200" dirty="0"/>
+                    </a:p>
+                  </a:txBody>
+                  <a:tcPr/>
+                </a:tc>
+                <a:tc>
+                  <a:txBody>
+                    <a:bodyPr/>
+                    <a:lstStyle/>
+                    <a:p>
+                      <a:pPr algn="r"/>
+                      <a:r>
+                        <a:rPr lang="de-DE" sz="1200" dirty="0" smtClean="0"/>
+                        <a:t>5</a:t>
+                      </a:r>
+                      <a:endParaRPr lang="de-DE" sz="1200" dirty="0"/>
+                    </a:p>
+                  </a:txBody>
+                  <a:tcPr/>
+                </a:tc>
+                <a:tc>
+                  <a:txBody>
+                    <a:bodyPr/>
+                    <a:lstStyle/>
+                    <a:p>
+                      <a:pPr algn="r"/>
+                      <a:r>
+                        <a:rPr lang="de-DE" sz="1200" dirty="0" smtClean="0"/>
+                        <a:t>150€</a:t>
+                      </a:r>
+                      <a:endParaRPr lang="de-DE" sz="1200" dirty="0"/>
+                    </a:p>
+                  </a:txBody>
+                  <a:tcPr/>
+                </a:tc>
+              </a:tr>
+              <a:tr h="0">
+                <a:tc>
+                  <a:txBody>
+                    <a:bodyPr/>
+                    <a:lstStyle/>
+                    <a:p>
+                      <a:r>
+                        <a:rPr lang="de-DE" sz="1200" dirty="0" err="1" smtClean="0"/>
+                        <a:t>Xperia</a:t>
+                      </a:r>
+                      <a:r>
+                        <a:rPr lang="de-DE" sz="1200" dirty="0" smtClean="0"/>
+                        <a:t> E5</a:t>
+                      </a:r>
+                      <a:endParaRPr lang="de-DE" sz="1200" dirty="0"/>
+                    </a:p>
+                  </a:txBody>
+                  <a:tcPr/>
+                </a:tc>
+                <a:tc>
+                  <a:txBody>
+                    <a:bodyPr/>
+                    <a:lstStyle/>
+                    <a:p>
+                      <a:pPr algn="ctr"/>
+                      <a:r>
+                        <a:rPr lang="de-DE" sz="1200" dirty="0" smtClean="0"/>
+                        <a:t>S</a:t>
+                      </a:r>
+                      <a:endParaRPr lang="de-DE" sz="1200" dirty="0"/>
+                    </a:p>
+                  </a:txBody>
+                  <a:tcPr/>
+                </a:tc>
+                <a:tc>
+                  <a:txBody>
+                    <a:bodyPr/>
+                    <a:lstStyle/>
+                    <a:p>
+                      <a:pPr algn="r"/>
+                      <a:r>
+                        <a:rPr lang="de-DE" sz="1200" dirty="0" smtClean="0"/>
+                        <a:t>3</a:t>
+                      </a:r>
+                      <a:endParaRPr lang="de-DE" sz="1200" dirty="0"/>
+                    </a:p>
+                  </a:txBody>
+                  <a:tcPr/>
+                </a:tc>
+                <a:tc>
+                  <a:txBody>
+                    <a:bodyPr/>
+                    <a:lstStyle/>
+                    <a:p>
+                      <a:pPr algn="r"/>
+                      <a:r>
+                        <a:rPr lang="de-DE" sz="1200" dirty="0" smtClean="0"/>
+                        <a:t>140€</a:t>
+                      </a:r>
+                      <a:endParaRPr lang="de-DE" sz="1200" dirty="0"/>
+                    </a:p>
+                  </a:txBody>
+                  <a:tcPr/>
+                </a:tc>
+              </a:tr>
+              <a:tr h="0">
+                <a:tc>
+                  <a:txBody>
+                    <a:bodyPr/>
+                    <a:lstStyle/>
+                    <a:p>
+                      <a:r>
+                        <a:rPr lang="de-DE" sz="1200" dirty="0" smtClean="0"/>
+                        <a:t>KU6519</a:t>
+                      </a:r>
+                      <a:endParaRPr lang="de-DE" sz="1200" dirty="0"/>
+                    </a:p>
+                  </a:txBody>
+                  <a:tcPr/>
+                </a:tc>
+                <a:tc>
+                  <a:txBody>
+                    <a:bodyPr/>
+                    <a:lstStyle/>
+                    <a:p>
+                      <a:pPr algn="ctr"/>
+                      <a:r>
+                        <a:rPr lang="de-DE" sz="1200" dirty="0" smtClean="0"/>
+                        <a:t>F</a:t>
+                      </a:r>
+                      <a:endParaRPr lang="de-DE" sz="1200" dirty="0"/>
+                    </a:p>
+                  </a:txBody>
+                  <a:tcPr/>
+                </a:tc>
+                <a:tc>
+                  <a:txBody>
+                    <a:bodyPr/>
+                    <a:lstStyle/>
+                    <a:p>
+                      <a:pPr algn="r"/>
+                      <a:r>
+                        <a:rPr lang="de-DE" sz="1200" dirty="0" smtClean="0"/>
+                        <a:t>12</a:t>
+                      </a:r>
+                      <a:endParaRPr lang="de-DE" sz="1200" dirty="0"/>
+                    </a:p>
+                  </a:txBody>
+                  <a:tcPr/>
+                </a:tc>
+                <a:tc>
+                  <a:txBody>
+                    <a:bodyPr/>
+                    <a:lstStyle/>
+                    <a:p>
+                      <a:pPr algn="r"/>
+                      <a:r>
+                        <a:rPr lang="de-DE" sz="1200" dirty="0" smtClean="0"/>
+                        <a:t>900€</a:t>
+                      </a:r>
+                      <a:endParaRPr lang="de-DE" sz="1200" dirty="0"/>
+                    </a:p>
+                  </a:txBody>
+                  <a:tcPr/>
+                </a:tc>
+              </a:tr>
+              <a:tr h="0">
+                <a:tc>
+                  <a:txBody>
+                    <a:bodyPr/>
+                    <a:lstStyle/>
+                    <a:p>
+                      <a:r>
+                        <a:rPr lang="de-DE" sz="1200" dirty="0" smtClean="0"/>
+                        <a:t>LT-40VF43A</a:t>
+                      </a:r>
+                      <a:endParaRPr lang="de-DE" sz="1200" dirty="0"/>
+                    </a:p>
+                  </a:txBody>
+                  <a:tcPr/>
+                </a:tc>
+                <a:tc>
+                  <a:txBody>
+                    <a:bodyPr/>
+                    <a:lstStyle/>
+                    <a:p>
+                      <a:pPr algn="ctr"/>
+                      <a:r>
+                        <a:rPr lang="de-DE" sz="1200" dirty="0" smtClean="0"/>
+                        <a:t>F</a:t>
+                      </a:r>
+                      <a:endParaRPr lang="de-DE" sz="1200" dirty="0"/>
+                    </a:p>
+                  </a:txBody>
+                  <a:tcPr/>
+                </a:tc>
+                <a:tc>
+                  <a:txBody>
+                    <a:bodyPr/>
+                    <a:lstStyle/>
+                    <a:p>
+                      <a:pPr algn="r"/>
+                      <a:r>
+                        <a:rPr lang="de-DE" sz="1200" dirty="0" smtClean="0"/>
+                        <a:t>4</a:t>
+                      </a:r>
+                      <a:endParaRPr lang="de-DE" sz="1200" dirty="0"/>
+                    </a:p>
+                  </a:txBody>
+                  <a:tcPr/>
+                </a:tc>
+                <a:tc>
+                  <a:txBody>
+                    <a:bodyPr/>
+                    <a:lstStyle/>
+                    <a:p>
+                      <a:pPr algn="r"/>
+                      <a:r>
+                        <a:rPr lang="de-DE" sz="1200" dirty="0" smtClean="0"/>
+                        <a:t>300€</a:t>
+                      </a:r>
+                      <a:endParaRPr lang="de-DE" sz="1200" dirty="0"/>
+                    </a:p>
+                  </a:txBody>
+                  <a:tcPr/>
+                </a:tc>
+              </a:tr>
+              <a:tr h="0">
+                <a:tc>
+                  <a:txBody>
+                    <a:bodyPr/>
+                    <a:lstStyle/>
+                    <a:p>
+                      <a:r>
+                        <a:rPr lang="de-DE" sz="1200" dirty="0" smtClean="0"/>
+                        <a:t>USB</a:t>
+                      </a:r>
+                      <a:r>
+                        <a:rPr lang="de-DE" sz="1200" baseline="0" dirty="0" smtClean="0"/>
+                        <a:t> 1,5m</a:t>
+                      </a:r>
+                      <a:endParaRPr lang="de-DE" sz="1200" dirty="0"/>
+                    </a:p>
+                  </a:txBody>
+                  <a:tcPr/>
+                </a:tc>
+                <a:tc>
+                  <a:txBody>
+                    <a:bodyPr/>
+                    <a:lstStyle/>
+                    <a:p>
+                      <a:pPr algn="ctr"/>
+                      <a:r>
+                        <a:rPr lang="de-DE" sz="1200" dirty="0" smtClean="0"/>
+                        <a:t>K</a:t>
+                      </a:r>
+                      <a:endParaRPr lang="de-DE" sz="1200" dirty="0"/>
+                    </a:p>
+                  </a:txBody>
+                  <a:tcPr/>
+                </a:tc>
+                <a:tc>
+                  <a:txBody>
+                    <a:bodyPr/>
+                    <a:lstStyle/>
+                    <a:p>
+                      <a:pPr algn="r"/>
+                      <a:r>
+                        <a:rPr lang="de-DE" sz="1200" dirty="0" smtClean="0"/>
+                        <a:t>200</a:t>
+                      </a:r>
+                      <a:endParaRPr lang="de-DE" sz="1200" dirty="0"/>
+                    </a:p>
+                  </a:txBody>
+                  <a:tcPr/>
+                </a:tc>
+                <a:tc>
+                  <a:txBody>
+                    <a:bodyPr/>
+                    <a:lstStyle/>
+                    <a:p>
+                      <a:pPr algn="r"/>
+                      <a:r>
+                        <a:rPr lang="de-DE" sz="1200" dirty="0" smtClean="0"/>
+                        <a:t>5€</a:t>
+                      </a:r>
+                      <a:endParaRPr lang="de-DE" sz="1200" dirty="0"/>
+                    </a:p>
+                  </a:txBody>
+                  <a:tcPr/>
+                </a:tc>
+              </a:tr>
+            </a:tbl>
+          </a:graphicData>
+        </a:graphic>
+      </p:graphicFrame>
+      <p:graphicFrame>
+        <p:nvGraphicFramePr>
+          <p:cNvPr id="15" name="Tabelle 14"/>
+          <p:cNvGraphicFramePr>
+            <a:graphicFrameLocks noGrp="1"/>
+          </p:cNvGraphicFramePr>
+          <p:nvPr>
+            <p:extLst>
+              <p:ext uri="{D42A27DB-BD31-4B8C-83A1-F6EECF244321}">
+                <p14:modId xmlns:p14="http://schemas.microsoft.com/office/powerpoint/2010/main" val="760749539"/>
+              </p:ext>
+            </p:extLst>
+          </p:nvPr>
+        </p:nvGraphicFramePr>
+        <p:xfrm>
+          <a:off x="4580938" y="2802767"/>
+          <a:ext cx="2858054" cy="1645920"/>
+        </p:xfrm>
+        <a:graphic>
+          <a:graphicData uri="http://schemas.openxmlformats.org/drawingml/2006/table">
+            <a:tbl>
+              <a:tblPr firstCol="1" bandRow="1">
+                <a:tableStyleId>{93296810-A885-4BE3-A3E7-6D5BEEA58F35}</a:tableStyleId>
+              </a:tblPr>
+              <a:tblGrid>
+                <a:gridCol w="1506097"/>
+                <a:gridCol w="457200"/>
+                <a:gridCol w="591671"/>
+                <a:gridCol w="303086"/>
+              </a:tblGrid>
+              <a:tr h="0">
+                <a:tc>
+                  <a:txBody>
+                    <a:bodyPr/>
+                    <a:lstStyle/>
+                    <a:p>
+                      <a:r>
+                        <a:rPr lang="de-DE" sz="1200" dirty="0" smtClean="0"/>
+                        <a:t>(„Moto G4“, S)</a:t>
+                      </a:r>
+                    </a:p>
+                  </a:txBody>
+                  <a:tcPr/>
+                </a:tc>
+                <a:tc>
+                  <a:txBody>
+                    <a:bodyPr/>
+                    <a:lstStyle/>
+                    <a:p>
+                      <a:pPr algn="r"/>
+                      <a:r>
+                        <a:rPr lang="de-DE" sz="1200" dirty="0" smtClean="0"/>
+                        <a:t>7</a:t>
+                      </a:r>
+                      <a:endParaRPr lang="de-DE" sz="1200" dirty="0"/>
+                    </a:p>
+                  </a:txBody>
+                  <a:tcPr/>
+                </a:tc>
+                <a:tc>
+                  <a:txBody>
+                    <a:bodyPr/>
+                    <a:lstStyle/>
+                    <a:p>
+                      <a:pPr algn="r"/>
+                      <a:r>
+                        <a:rPr lang="de-DE" sz="1200" dirty="0" smtClean="0"/>
+                        <a:t>160€</a:t>
+                      </a:r>
+                      <a:endParaRPr lang="de-DE" sz="1200" dirty="0"/>
+                    </a:p>
+                  </a:txBody>
+                  <a:tcPr/>
+                </a:tc>
+                <a:tc>
+                  <a:txBody>
+                    <a:bodyPr/>
+                    <a:lstStyle/>
+                    <a:p>
+                      <a:pPr algn="r"/>
+                      <a:r>
+                        <a:rPr lang="de-DE" sz="1200" dirty="0" smtClean="0"/>
+                        <a:t>1</a:t>
+                      </a:r>
+                      <a:endParaRPr lang="de-DE" sz="1200" dirty="0"/>
+                    </a:p>
+                  </a:txBody>
+                  <a:tcPr/>
+                </a:tc>
+              </a:tr>
+              <a:tr h="0">
+                <a:tc>
+                  <a:txBody>
+                    <a:bodyPr/>
+                    <a:lstStyle/>
+                    <a:p>
+                      <a:r>
+                        <a:rPr lang="de-DE" sz="1200" dirty="0" smtClean="0"/>
+                        <a:t>(„</a:t>
+                      </a:r>
+                      <a:r>
+                        <a:rPr lang="de-DE" sz="1200" dirty="0" err="1" smtClean="0"/>
+                        <a:t>Xperia</a:t>
+                      </a:r>
+                      <a:r>
+                        <a:rPr lang="de-DE" sz="1200" dirty="0" smtClean="0"/>
+                        <a:t> E5“, S)</a:t>
+                      </a:r>
+                      <a:endParaRPr lang="de-DE" sz="1200" dirty="0"/>
+                    </a:p>
+                  </a:txBody>
+                  <a:tcPr/>
+                </a:tc>
+                <a:tc>
+                  <a:txBody>
+                    <a:bodyPr/>
+                    <a:lstStyle/>
+                    <a:p>
+                      <a:pPr algn="r"/>
+                      <a:r>
+                        <a:rPr lang="de-DE" sz="1200" dirty="0" smtClean="0"/>
+                        <a:t>2</a:t>
+                      </a:r>
+                      <a:endParaRPr lang="de-DE" sz="1200" dirty="0"/>
+                    </a:p>
+                  </a:txBody>
+                  <a:tcPr/>
+                </a:tc>
+                <a:tc>
+                  <a:txBody>
+                    <a:bodyPr/>
+                    <a:lstStyle/>
+                    <a:p>
+                      <a:pPr algn="r"/>
+                      <a:r>
+                        <a:rPr lang="de-DE" sz="1200" dirty="0" smtClean="0"/>
+                        <a:t>130€</a:t>
+                      </a:r>
+                      <a:endParaRPr lang="de-DE" sz="1200" dirty="0"/>
+                    </a:p>
+                  </a:txBody>
+                  <a:tcPr/>
+                </a:tc>
+                <a:tc>
+                  <a:txBody>
+                    <a:bodyPr/>
+                    <a:lstStyle/>
+                    <a:p>
+                      <a:pPr algn="r"/>
+                      <a:r>
+                        <a:rPr lang="de-DE" sz="1200" dirty="0" smtClean="0"/>
+                        <a:t>1</a:t>
+                      </a:r>
+                      <a:endParaRPr lang="de-DE" sz="1200" dirty="0"/>
+                    </a:p>
+                  </a:txBody>
+                  <a:tcPr/>
+                </a:tc>
+              </a:tr>
+              <a:tr h="148461">
+                <a:tc>
+                  <a:txBody>
+                    <a:bodyPr/>
+                    <a:lstStyle/>
+                    <a:p>
+                      <a:r>
+                        <a:rPr lang="de-DE" sz="1200" dirty="0" smtClean="0"/>
+                        <a:t>(„LT-40VF43A“, F)</a:t>
+                      </a:r>
+                      <a:endParaRPr lang="de-DE" sz="1200" dirty="0"/>
+                    </a:p>
+                  </a:txBody>
+                  <a:tcPr/>
+                </a:tc>
+                <a:tc>
+                  <a:txBody>
+                    <a:bodyPr/>
+                    <a:lstStyle/>
+                    <a:p>
+                      <a:pPr algn="r"/>
+                      <a:r>
+                        <a:rPr lang="de-DE" sz="1200" dirty="0" smtClean="0"/>
+                        <a:t>1</a:t>
+                      </a:r>
+                      <a:endParaRPr lang="de-DE" sz="1200" dirty="0"/>
+                    </a:p>
+                  </a:txBody>
+                  <a:tcPr/>
+                </a:tc>
+                <a:tc>
+                  <a:txBody>
+                    <a:bodyPr/>
+                    <a:lstStyle/>
+                    <a:p>
+                      <a:pPr algn="r"/>
+                      <a:r>
+                        <a:rPr lang="de-DE" sz="1200" dirty="0" smtClean="0"/>
+                        <a:t>320</a:t>
+                      </a:r>
+                      <a:r>
+                        <a:rPr lang="de-DE" sz="1200" dirty="0" smtClean="0"/>
+                        <a:t>€</a:t>
+                      </a:r>
+                      <a:endParaRPr lang="de-DE" sz="1200" dirty="0"/>
+                    </a:p>
+                  </a:txBody>
+                  <a:tcPr/>
+                </a:tc>
+                <a:tc>
+                  <a:txBody>
+                    <a:bodyPr/>
+                    <a:lstStyle/>
+                    <a:p>
+                      <a:pPr algn="r"/>
+                      <a:r>
+                        <a:rPr lang="de-DE" sz="1200" dirty="0" smtClean="0"/>
+                        <a:t>0</a:t>
+                      </a:r>
+                      <a:endParaRPr lang="de-DE" sz="1200" dirty="0"/>
+                    </a:p>
+                  </a:txBody>
+                  <a:tcPr/>
+                </a:tc>
+              </a:tr>
+              <a:tr h="0">
+                <a:tc>
+                  <a:txBody>
+                    <a:bodyPr/>
+                    <a:lstStyle/>
+                    <a:p>
+                      <a:r>
+                        <a:rPr lang="de-DE" sz="1200" dirty="0" smtClean="0"/>
+                        <a:t>(„J6289“, F)</a:t>
+                      </a:r>
+                      <a:endParaRPr lang="de-DE" sz="1200" dirty="0"/>
+                    </a:p>
+                  </a:txBody>
+                  <a:tcPr/>
+                </a:tc>
+                <a:tc>
+                  <a:txBody>
+                    <a:bodyPr/>
+                    <a:lstStyle/>
+                    <a:p>
+                      <a:pPr algn="r"/>
+                      <a:r>
+                        <a:rPr lang="de-DE" sz="1200" dirty="0" smtClean="0"/>
+                        <a:t>8</a:t>
+                      </a:r>
+                      <a:endParaRPr lang="de-DE" sz="1200" dirty="0"/>
+                    </a:p>
+                  </a:txBody>
+                  <a:tcPr/>
+                </a:tc>
+                <a:tc>
+                  <a:txBody>
+                    <a:bodyPr/>
+                    <a:lstStyle/>
+                    <a:p>
+                      <a:pPr algn="r"/>
+                      <a:r>
+                        <a:rPr lang="de-DE" sz="1200" dirty="0" smtClean="0"/>
+                        <a:t>400€</a:t>
+                      </a:r>
+                      <a:endParaRPr lang="de-DE" sz="1200" dirty="0"/>
+                    </a:p>
+                  </a:txBody>
+                  <a:tcPr/>
+                </a:tc>
+                <a:tc>
+                  <a:txBody>
+                    <a:bodyPr/>
+                    <a:lstStyle/>
+                    <a:p>
+                      <a:pPr algn="r"/>
+                      <a:r>
+                        <a:rPr lang="de-DE" sz="1200" dirty="0" smtClean="0"/>
+                        <a:t>0</a:t>
+                      </a:r>
+                      <a:endParaRPr lang="de-DE" sz="1200" dirty="0"/>
+                    </a:p>
+                  </a:txBody>
+                  <a:tcPr/>
+                </a:tc>
+              </a:tr>
+              <a:tr h="0">
+                <a:tc>
+                  <a:txBody>
+                    <a:bodyPr/>
+                    <a:lstStyle/>
+                    <a:p>
+                      <a:r>
+                        <a:rPr lang="de-DE" sz="1200" dirty="0" smtClean="0"/>
+                        <a:t>(„USB 1,5m“, K)</a:t>
+                      </a:r>
+                      <a:endParaRPr lang="de-DE" sz="1200" dirty="0"/>
+                    </a:p>
+                  </a:txBody>
+                  <a:tcPr/>
+                </a:tc>
+                <a:tc>
+                  <a:txBody>
+                    <a:bodyPr/>
+                    <a:lstStyle/>
+                    <a:p>
+                      <a:pPr algn="r"/>
+                      <a:r>
+                        <a:rPr lang="de-DE" sz="1200" dirty="0" smtClean="0"/>
+                        <a:t>150</a:t>
+                      </a:r>
+                      <a:endParaRPr lang="de-DE" sz="1200" dirty="0"/>
+                    </a:p>
+                  </a:txBody>
+                  <a:tcPr/>
+                </a:tc>
+                <a:tc>
+                  <a:txBody>
+                    <a:bodyPr/>
+                    <a:lstStyle/>
+                    <a:p>
+                      <a:pPr algn="r"/>
+                      <a:r>
+                        <a:rPr lang="de-DE" sz="1200" dirty="0" smtClean="0"/>
+                        <a:t>4€</a:t>
+                      </a:r>
+                      <a:endParaRPr lang="de-DE" sz="1200" dirty="0"/>
+                    </a:p>
+                  </a:txBody>
+                  <a:tcPr/>
+                </a:tc>
+                <a:tc>
+                  <a:txBody>
+                    <a:bodyPr/>
+                    <a:lstStyle/>
+                    <a:p>
+                      <a:pPr algn="r"/>
+                      <a:r>
+                        <a:rPr lang="de-DE" sz="1200" dirty="0" smtClean="0"/>
+                        <a:t>1</a:t>
+                      </a:r>
+                      <a:endParaRPr lang="de-DE" sz="1200" dirty="0"/>
+                    </a:p>
+                  </a:txBody>
+                  <a:tcPr/>
+                </a:tc>
+              </a:tr>
+              <a:tr h="0">
+                <a:tc>
+                  <a:txBody>
+                    <a:bodyPr/>
+                    <a:lstStyle/>
+                    <a:p>
+                      <a:r>
+                        <a:rPr lang="de-DE" sz="1200" dirty="0" smtClean="0"/>
+                        <a:t>(„USB</a:t>
+                      </a:r>
+                      <a:r>
+                        <a:rPr lang="de-DE" sz="1200" baseline="0" dirty="0" smtClean="0"/>
+                        <a:t> 3m“, K)</a:t>
+                      </a:r>
+                      <a:endParaRPr lang="de-DE" sz="1200" dirty="0"/>
+                    </a:p>
+                  </a:txBody>
+                  <a:tcPr/>
+                </a:tc>
+                <a:tc>
+                  <a:txBody>
+                    <a:bodyPr/>
+                    <a:lstStyle/>
+                    <a:p>
+                      <a:pPr algn="r"/>
+                      <a:r>
+                        <a:rPr lang="de-DE" sz="1200" dirty="0" smtClean="0"/>
+                        <a:t>35</a:t>
+                      </a:r>
+                      <a:endParaRPr lang="de-DE" sz="1200" dirty="0"/>
+                    </a:p>
+                  </a:txBody>
+                  <a:tcPr/>
+                </a:tc>
+                <a:tc>
+                  <a:txBody>
+                    <a:bodyPr/>
+                    <a:lstStyle/>
+                    <a:p>
+                      <a:pPr algn="r"/>
+                      <a:r>
+                        <a:rPr lang="de-DE" sz="1200" dirty="0" smtClean="0"/>
+                        <a:t>6€</a:t>
+                      </a:r>
+                      <a:endParaRPr lang="de-DE" sz="1200" dirty="0"/>
+                    </a:p>
+                  </a:txBody>
+                  <a:tcPr/>
+                </a:tc>
+                <a:tc>
+                  <a:txBody>
+                    <a:bodyPr/>
+                    <a:lstStyle/>
+                    <a:p>
+                      <a:pPr algn="r"/>
+                      <a:r>
+                        <a:rPr lang="de-DE" sz="1200" dirty="0" smtClean="0"/>
+                        <a:t>1</a:t>
+                      </a:r>
+                      <a:endParaRPr lang="de-DE" sz="1200" dirty="0"/>
+                    </a:p>
+                  </a:txBody>
+                  <a:tcPr/>
+                </a:tc>
+              </a:tr>
+            </a:tbl>
+          </a:graphicData>
+        </a:graphic>
+      </p:graphicFrame>
+      <p:graphicFrame>
+        <p:nvGraphicFramePr>
+          <p:cNvPr id="16" name="Tabelle 15"/>
+          <p:cNvGraphicFramePr>
+            <a:graphicFrameLocks noGrp="1"/>
+          </p:cNvGraphicFramePr>
+          <p:nvPr>
+            <p:extLst>
+              <p:ext uri="{D42A27DB-BD31-4B8C-83A1-F6EECF244321}">
+                <p14:modId xmlns:p14="http://schemas.microsoft.com/office/powerpoint/2010/main" val="1129899840"/>
+              </p:ext>
+            </p:extLst>
+          </p:nvPr>
+        </p:nvGraphicFramePr>
+        <p:xfrm>
+          <a:off x="4580938" y="1218957"/>
+          <a:ext cx="2858053" cy="1371600"/>
+        </p:xfrm>
+        <a:graphic>
+          <a:graphicData uri="http://schemas.openxmlformats.org/drawingml/2006/table">
+            <a:tbl>
+              <a:tblPr firstCol="1" bandRow="1">
+                <a:tableStyleId>{93296810-A885-4BE3-A3E7-6D5BEEA58F35}</a:tableStyleId>
+              </a:tblPr>
+              <a:tblGrid>
+                <a:gridCol w="1497133"/>
+                <a:gridCol w="475129"/>
+                <a:gridCol w="582706"/>
+                <a:gridCol w="303085"/>
+              </a:tblGrid>
+              <a:tr h="0">
+                <a:tc>
+                  <a:txBody>
+                    <a:bodyPr/>
+                    <a:lstStyle/>
+                    <a:p>
+                      <a:r>
+                        <a:rPr lang="de-DE" sz="1200" dirty="0" smtClean="0"/>
+                        <a:t>(„</a:t>
+                      </a:r>
+                      <a:r>
+                        <a:rPr lang="de-DE" sz="1200" dirty="0" err="1" smtClean="0"/>
+                        <a:t>Galaxy</a:t>
+                      </a:r>
+                      <a:r>
+                        <a:rPr lang="de-DE" sz="1200" dirty="0" smtClean="0"/>
+                        <a:t> J3“, S)</a:t>
+                      </a:r>
+                      <a:endParaRPr lang="de-DE" sz="1200" dirty="0"/>
+                    </a:p>
+                  </a:txBody>
+                  <a:tcPr/>
+                </a:tc>
+                <a:tc>
+                  <a:txBody>
+                    <a:bodyPr/>
+                    <a:lstStyle/>
+                    <a:p>
+                      <a:pPr algn="r"/>
+                      <a:r>
+                        <a:rPr lang="de-DE" sz="1200" dirty="0" smtClean="0"/>
+                        <a:t>5</a:t>
+                      </a:r>
+                      <a:endParaRPr lang="de-DE" sz="1200" dirty="0"/>
+                    </a:p>
+                  </a:txBody>
+                  <a:tcPr/>
+                </a:tc>
+                <a:tc>
+                  <a:txBody>
+                    <a:bodyPr/>
+                    <a:lstStyle/>
+                    <a:p>
+                      <a:pPr algn="r"/>
+                      <a:r>
+                        <a:rPr lang="de-DE" sz="1200" dirty="0" smtClean="0"/>
+                        <a:t>150€</a:t>
+                      </a:r>
+                      <a:endParaRPr lang="de-DE" sz="1200" dirty="0"/>
+                    </a:p>
+                  </a:txBody>
+                  <a:tcPr/>
+                </a:tc>
+                <a:tc>
+                  <a:txBody>
+                    <a:bodyPr/>
+                    <a:lstStyle/>
+                    <a:p>
+                      <a:pPr algn="r"/>
+                      <a:r>
+                        <a:rPr lang="de-DE" sz="1200" dirty="0" smtClean="0"/>
+                        <a:t>1</a:t>
+                      </a:r>
+                      <a:endParaRPr lang="de-DE" sz="1200" dirty="0"/>
+                    </a:p>
+                  </a:txBody>
+                  <a:tcPr/>
+                </a:tc>
+              </a:tr>
+              <a:tr h="0">
+                <a:tc>
+                  <a:txBody>
+                    <a:bodyPr/>
+                    <a:lstStyle/>
+                    <a:p>
+                      <a:r>
+                        <a:rPr lang="de-DE" sz="1200" dirty="0" smtClean="0"/>
+                        <a:t>(„</a:t>
+                      </a:r>
+                      <a:r>
+                        <a:rPr lang="de-DE" sz="1200" dirty="0" err="1" smtClean="0"/>
+                        <a:t>Xperia</a:t>
+                      </a:r>
+                      <a:r>
+                        <a:rPr lang="de-DE" sz="1200" dirty="0" smtClean="0"/>
+                        <a:t> E5“, S)</a:t>
+                      </a:r>
+                      <a:endParaRPr lang="de-DE" sz="1200" dirty="0"/>
+                    </a:p>
+                  </a:txBody>
+                  <a:tcPr/>
+                </a:tc>
+                <a:tc>
+                  <a:txBody>
+                    <a:bodyPr/>
+                    <a:lstStyle/>
+                    <a:p>
+                      <a:pPr algn="r"/>
+                      <a:r>
+                        <a:rPr lang="de-DE" sz="1200" dirty="0" smtClean="0"/>
+                        <a:t>3</a:t>
+                      </a:r>
+                      <a:endParaRPr lang="de-DE" sz="1200" dirty="0"/>
+                    </a:p>
+                  </a:txBody>
+                  <a:tcPr/>
+                </a:tc>
+                <a:tc>
+                  <a:txBody>
+                    <a:bodyPr/>
+                    <a:lstStyle/>
+                    <a:p>
+                      <a:pPr algn="r"/>
+                      <a:r>
+                        <a:rPr lang="de-DE" sz="1200" dirty="0" smtClean="0"/>
+                        <a:t>140€</a:t>
+                      </a:r>
+                      <a:endParaRPr lang="de-DE" sz="1200" dirty="0"/>
+                    </a:p>
+                  </a:txBody>
+                  <a:tcPr/>
+                </a:tc>
+                <a:tc>
+                  <a:txBody>
+                    <a:bodyPr/>
+                    <a:lstStyle/>
+                    <a:p>
+                      <a:pPr algn="r"/>
+                      <a:r>
+                        <a:rPr lang="de-DE" sz="1200" dirty="0" smtClean="0"/>
+                        <a:t>1</a:t>
+                      </a:r>
+                      <a:endParaRPr lang="de-DE" sz="1200" dirty="0"/>
+                    </a:p>
+                  </a:txBody>
+                  <a:tcPr/>
+                </a:tc>
+              </a:tr>
+              <a:tr h="0">
+                <a:tc>
+                  <a:txBody>
+                    <a:bodyPr/>
+                    <a:lstStyle/>
+                    <a:p>
+                      <a:r>
+                        <a:rPr lang="de-DE" sz="1200" dirty="0" smtClean="0"/>
+                        <a:t>(„KU6519“, F)</a:t>
+                      </a:r>
+                      <a:endParaRPr lang="de-DE" sz="1200" dirty="0"/>
+                    </a:p>
+                  </a:txBody>
+                  <a:tcPr/>
+                </a:tc>
+                <a:tc>
+                  <a:txBody>
+                    <a:bodyPr/>
+                    <a:lstStyle/>
+                    <a:p>
+                      <a:pPr algn="r"/>
+                      <a:r>
+                        <a:rPr lang="de-DE" sz="1200" dirty="0" smtClean="0"/>
+                        <a:t>12</a:t>
+                      </a:r>
+                      <a:endParaRPr lang="de-DE" sz="1200" dirty="0"/>
+                    </a:p>
+                  </a:txBody>
+                  <a:tcPr/>
+                </a:tc>
+                <a:tc>
+                  <a:txBody>
+                    <a:bodyPr/>
+                    <a:lstStyle/>
+                    <a:p>
+                      <a:pPr algn="r"/>
+                      <a:r>
+                        <a:rPr lang="de-DE" sz="1200" dirty="0" smtClean="0"/>
+                        <a:t>900€</a:t>
+                      </a:r>
+                      <a:endParaRPr lang="de-DE" sz="1200" dirty="0"/>
+                    </a:p>
+                  </a:txBody>
+                  <a:tcPr/>
+                </a:tc>
+                <a:tc>
+                  <a:txBody>
+                    <a:bodyPr/>
+                    <a:lstStyle/>
+                    <a:p>
+                      <a:pPr algn="r"/>
+                      <a:r>
+                        <a:rPr lang="de-DE" sz="1200" dirty="0" smtClean="0"/>
+                        <a:t>0</a:t>
+                      </a:r>
+                      <a:endParaRPr lang="de-DE" sz="1200" dirty="0"/>
+                    </a:p>
+                  </a:txBody>
+                  <a:tcPr/>
+                </a:tc>
+              </a:tr>
+              <a:tr h="0">
+                <a:tc>
+                  <a:txBody>
+                    <a:bodyPr/>
+                    <a:lstStyle/>
+                    <a:p>
+                      <a:r>
+                        <a:rPr lang="de-DE" sz="1200" dirty="0" smtClean="0"/>
+                        <a:t>(„LT-40VF43A“, F)</a:t>
+                      </a:r>
+                      <a:endParaRPr lang="de-DE" sz="1200" dirty="0"/>
+                    </a:p>
+                  </a:txBody>
+                  <a:tcPr/>
+                </a:tc>
+                <a:tc>
+                  <a:txBody>
+                    <a:bodyPr/>
+                    <a:lstStyle/>
+                    <a:p>
+                      <a:pPr algn="r"/>
+                      <a:r>
+                        <a:rPr lang="de-DE" sz="1200" dirty="0" smtClean="0"/>
+                        <a:t>4</a:t>
+                      </a:r>
+                      <a:endParaRPr lang="de-DE" sz="1200" dirty="0"/>
+                    </a:p>
+                  </a:txBody>
+                  <a:tcPr/>
+                </a:tc>
+                <a:tc>
+                  <a:txBody>
+                    <a:bodyPr/>
+                    <a:lstStyle/>
+                    <a:p>
+                      <a:pPr algn="r"/>
+                      <a:r>
+                        <a:rPr lang="de-DE" sz="1200" dirty="0" smtClean="0"/>
+                        <a:t>300€</a:t>
+                      </a:r>
+                      <a:endParaRPr lang="de-DE" sz="1200" dirty="0"/>
+                    </a:p>
+                  </a:txBody>
+                  <a:tcPr/>
+                </a:tc>
+                <a:tc>
+                  <a:txBody>
+                    <a:bodyPr/>
+                    <a:lstStyle/>
+                    <a:p>
+                      <a:pPr algn="r"/>
+                      <a:r>
+                        <a:rPr lang="de-DE" sz="1200" dirty="0" smtClean="0"/>
+                        <a:t>0</a:t>
+                      </a:r>
+                      <a:endParaRPr lang="de-DE" sz="1200" dirty="0"/>
+                    </a:p>
+                  </a:txBody>
+                  <a:tcPr/>
+                </a:tc>
+              </a:tr>
+              <a:tr h="0">
+                <a:tc>
+                  <a:txBody>
+                    <a:bodyPr/>
+                    <a:lstStyle/>
+                    <a:p>
+                      <a:r>
+                        <a:rPr lang="de-DE" sz="1200" dirty="0" smtClean="0"/>
+                        <a:t>(„USB</a:t>
+                      </a:r>
+                      <a:r>
+                        <a:rPr lang="de-DE" sz="1200" baseline="0" dirty="0" smtClean="0"/>
+                        <a:t> 1,5m“, K)</a:t>
+                      </a:r>
+                      <a:endParaRPr lang="de-DE" sz="1200" dirty="0"/>
+                    </a:p>
+                  </a:txBody>
+                  <a:tcPr/>
+                </a:tc>
+                <a:tc>
+                  <a:txBody>
+                    <a:bodyPr/>
+                    <a:lstStyle/>
+                    <a:p>
+                      <a:pPr algn="r"/>
+                      <a:r>
+                        <a:rPr lang="de-DE" sz="1200" dirty="0" smtClean="0"/>
+                        <a:t>200</a:t>
+                      </a:r>
+                      <a:endParaRPr lang="de-DE" sz="1200" dirty="0"/>
+                    </a:p>
+                  </a:txBody>
+                  <a:tcPr/>
+                </a:tc>
+                <a:tc>
+                  <a:txBody>
+                    <a:bodyPr/>
+                    <a:lstStyle/>
+                    <a:p>
+                      <a:pPr algn="r"/>
+                      <a:r>
+                        <a:rPr lang="de-DE" sz="1200" dirty="0" smtClean="0"/>
+                        <a:t>5€</a:t>
+                      </a:r>
+                      <a:endParaRPr lang="de-DE" sz="1200" dirty="0"/>
+                    </a:p>
+                  </a:txBody>
+                  <a:tcPr/>
+                </a:tc>
+                <a:tc>
+                  <a:txBody>
+                    <a:bodyPr/>
+                    <a:lstStyle/>
+                    <a:p>
+                      <a:pPr algn="r"/>
+                      <a:r>
+                        <a:rPr lang="de-DE" sz="1200" dirty="0" smtClean="0"/>
+                        <a:t>1</a:t>
+                      </a:r>
+                      <a:endParaRPr lang="de-DE" sz="1200" dirty="0"/>
+                    </a:p>
+                  </a:txBody>
+                  <a:tcPr/>
+                </a:tc>
+              </a:tr>
+            </a:tbl>
+          </a:graphicData>
+        </a:graphic>
+      </p:graphicFrame>
+      <p:sp>
+        <p:nvSpPr>
+          <p:cNvPr id="17" name="Pfeil nach rechts 16"/>
+          <p:cNvSpPr/>
+          <p:nvPr/>
+        </p:nvSpPr>
+        <p:spPr bwMode="auto">
+          <a:xfrm>
+            <a:off x="7611034" y="2307771"/>
+            <a:ext cx="948499" cy="946936"/>
+          </a:xfrm>
+          <a:prstGeom prst="rightArrow">
+            <a:avLst/>
+          </a:prstGeom>
+          <a:solidFill>
+            <a:srgbClr val="0070C0"/>
+          </a:solidFill>
+          <a:ln w="9525" cap="flat" cmpd="sng" algn="ctr">
+            <a:noFill/>
+            <a:prstDash val="solid"/>
+            <a:round/>
+            <a:headEnd type="none" w="med" len="med"/>
+            <a:tailEnd type="none" w="med" len="med"/>
+          </a:ln>
+          <a:effectLst/>
+        </p:spPr>
+        <p:txBody>
+          <a:bodyPr rot="0" spcFirstLastPara="0" vertOverflow="overflow" horzOverflow="overflow" vert="horz" wrap="square" lIns="91440" tIns="45720" rIns="91440" bIns="45720" numCol="1" spcCol="0" rtlCol="0" fromWordArt="0" anchor="ctr" anchorCtr="0" forceAA="0" compatLnSpc="1">
+            <a:prstTxWarp prst="textNoShape">
+              <a:avLst/>
+            </a:prstTxWarp>
+            <a:noAutofit/>
+          </a:bodyPr>
+          <a:lstStyle/>
+          <a:p>
+            <a:pPr marL="0" marR="0" indent="0" algn="ctr" defTabSz="914400" rtl="0" eaLnBrk="1" fontAlgn="base" latinLnBrk="0" hangingPunct="1">
+              <a:lnSpc>
+                <a:spcPct val="100000"/>
+              </a:lnSpc>
+              <a:spcBef>
+                <a:spcPct val="0"/>
+              </a:spcBef>
+              <a:spcAft>
+                <a:spcPts val="600"/>
+              </a:spcAft>
+              <a:buClrTx/>
+              <a:buSzTx/>
+              <a:buFontTx/>
+              <a:buNone/>
+              <a:tabLst/>
+            </a:pPr>
+            <a:endParaRPr kumimoji="0" lang="de-DE" sz="1200" b="0" i="0" u="none" strike="noStrike" cap="none" normalizeH="0" baseline="0" dirty="0" err="1" smtClean="0">
+              <a:ln>
+                <a:noFill/>
+              </a:ln>
+              <a:solidFill>
+                <a:schemeClr val="bg1"/>
+              </a:solidFill>
+              <a:effectLst/>
+              <a:latin typeface="Open Sans" panose="020B0606030504020204" pitchFamily="34" charset="0"/>
+              <a:ea typeface="Open Sans" panose="020B0606030504020204" pitchFamily="34" charset="0"/>
+              <a:cs typeface="Open Sans" panose="020B0606030504020204" pitchFamily="34" charset="0"/>
+            </a:endParaRPr>
+          </a:p>
+        </p:txBody>
+      </p:sp>
+      <p:graphicFrame>
+        <p:nvGraphicFramePr>
+          <p:cNvPr id="18" name="Tabelle 17"/>
+          <p:cNvGraphicFramePr>
+            <a:graphicFrameLocks noGrp="1"/>
+          </p:cNvGraphicFramePr>
+          <p:nvPr>
+            <p:extLst>
+              <p:ext uri="{D42A27DB-BD31-4B8C-83A1-F6EECF244321}">
+                <p14:modId xmlns:p14="http://schemas.microsoft.com/office/powerpoint/2010/main" val="1548215528"/>
+              </p:ext>
+            </p:extLst>
+          </p:nvPr>
+        </p:nvGraphicFramePr>
+        <p:xfrm>
+          <a:off x="8681223" y="1218957"/>
+          <a:ext cx="3062543" cy="1097280"/>
+        </p:xfrm>
+        <a:graphic>
+          <a:graphicData uri="http://schemas.openxmlformats.org/drawingml/2006/table">
+            <a:tbl>
+              <a:tblPr firstCol="1" bandRow="1">
+                <a:tableStyleId>{93296810-A885-4BE3-A3E7-6D5BEEA58F35}</a:tableStyleId>
+              </a:tblPr>
+              <a:tblGrid>
+                <a:gridCol w="1493718"/>
+                <a:gridCol w="457200"/>
+                <a:gridCol w="806824"/>
+                <a:gridCol w="304801"/>
+              </a:tblGrid>
+              <a:tr h="0">
+                <a:tc>
+                  <a:txBody>
+                    <a:bodyPr/>
+                    <a:lstStyle/>
+                    <a:p>
+                      <a:r>
+                        <a:rPr lang="de-DE" sz="1200" dirty="0" smtClean="0"/>
+                        <a:t>(„</a:t>
+                      </a:r>
+                      <a:r>
+                        <a:rPr lang="de-DE" sz="1200" dirty="0" err="1" smtClean="0"/>
+                        <a:t>Galaxy</a:t>
+                      </a:r>
+                      <a:r>
+                        <a:rPr lang="de-DE" sz="1200" dirty="0" smtClean="0"/>
+                        <a:t> J3“, S)</a:t>
+                      </a:r>
+                      <a:endParaRPr lang="de-DE" sz="1200" dirty="0"/>
+                    </a:p>
+                  </a:txBody>
+                  <a:tcPr/>
+                </a:tc>
+                <a:tc>
+                  <a:txBody>
+                    <a:bodyPr/>
+                    <a:lstStyle/>
+                    <a:p>
+                      <a:pPr algn="r"/>
+                      <a:r>
+                        <a:rPr lang="de-DE" sz="1200" dirty="0" smtClean="0"/>
+                        <a:t>5</a:t>
+                      </a:r>
+                      <a:endParaRPr lang="de-DE" sz="1200" dirty="0"/>
+                    </a:p>
+                  </a:txBody>
+                  <a:tcPr/>
+                </a:tc>
+                <a:tc>
+                  <a:txBody>
+                    <a:bodyPr/>
+                    <a:lstStyle/>
+                    <a:p>
+                      <a:pPr algn="r"/>
+                      <a:r>
+                        <a:rPr lang="de-DE" sz="1200" dirty="0" smtClean="0"/>
+                        <a:t>750€</a:t>
+                      </a:r>
+                      <a:endParaRPr lang="de-DE" sz="1200" dirty="0"/>
+                    </a:p>
+                  </a:txBody>
+                  <a:tcPr/>
+                </a:tc>
+                <a:tc>
+                  <a:txBody>
+                    <a:bodyPr/>
+                    <a:lstStyle/>
+                    <a:p>
+                      <a:pPr algn="r"/>
+                      <a:r>
+                        <a:rPr lang="de-DE" sz="1200" dirty="0" smtClean="0"/>
+                        <a:t>1</a:t>
+                      </a:r>
+                      <a:endParaRPr lang="de-DE" sz="1200" dirty="0"/>
+                    </a:p>
+                  </a:txBody>
+                  <a:tcPr/>
+                </a:tc>
+              </a:tr>
+              <a:tr h="0">
+                <a:tc>
+                  <a:txBody>
+                    <a:bodyPr/>
+                    <a:lstStyle/>
+                    <a:p>
+                      <a:pPr marL="0" marR="0" indent="0" algn="l" defTabSz="914400" rtl="0" eaLnBrk="1" fontAlgn="auto" latinLnBrk="0" hangingPunct="1">
+                        <a:lnSpc>
+                          <a:spcPct val="100000"/>
+                        </a:lnSpc>
+                        <a:spcBef>
+                          <a:spcPts val="0"/>
+                        </a:spcBef>
+                        <a:spcAft>
+                          <a:spcPts val="0"/>
+                        </a:spcAft>
+                        <a:buClrTx/>
+                        <a:buSzTx/>
+                        <a:buFontTx/>
+                        <a:buNone/>
+                        <a:tabLst/>
+                        <a:defRPr/>
+                      </a:pPr>
+                      <a:r>
+                        <a:rPr lang="de-DE" sz="1200" dirty="0" smtClean="0"/>
+                        <a:t>(„J6289“, F)</a:t>
+                      </a:r>
+                    </a:p>
+                  </a:txBody>
+                  <a:tcPr/>
+                </a:tc>
+                <a:tc>
+                  <a:txBody>
+                    <a:bodyPr/>
+                    <a:lstStyle/>
+                    <a:p>
+                      <a:pPr algn="r"/>
+                      <a:r>
+                        <a:rPr lang="de-DE" sz="1200" dirty="0" smtClean="0"/>
+                        <a:t>8</a:t>
+                      </a:r>
+                      <a:endParaRPr lang="de-DE" sz="1200" dirty="0"/>
+                    </a:p>
+                  </a:txBody>
+                  <a:tcPr/>
+                </a:tc>
+                <a:tc>
+                  <a:txBody>
+                    <a:bodyPr/>
+                    <a:lstStyle/>
+                    <a:p>
+                      <a:pPr algn="r"/>
+                      <a:r>
+                        <a:rPr lang="de-DE" sz="1200" dirty="0" smtClean="0"/>
+                        <a:t>3.200€</a:t>
+                      </a:r>
+                      <a:endParaRPr lang="de-DE" sz="1200" dirty="0"/>
+                    </a:p>
+                  </a:txBody>
+                  <a:tcPr/>
+                </a:tc>
+                <a:tc>
+                  <a:txBody>
+                    <a:bodyPr/>
+                    <a:lstStyle/>
+                    <a:p>
+                      <a:pPr algn="r"/>
+                      <a:r>
+                        <a:rPr lang="de-DE" sz="1200" dirty="0" smtClean="0"/>
+                        <a:t>0</a:t>
+                      </a:r>
+                      <a:endParaRPr lang="de-DE" sz="1200" dirty="0"/>
+                    </a:p>
+                  </a:txBody>
+                  <a:tcPr/>
+                </a:tc>
+              </a:tr>
+              <a:tr h="0">
+                <a:tc>
+                  <a:txBody>
+                    <a:bodyPr/>
+                    <a:lstStyle/>
+                    <a:p>
+                      <a:pPr marL="0" marR="0" indent="0" algn="l" defTabSz="914400" rtl="0" eaLnBrk="1" fontAlgn="auto" latinLnBrk="0" hangingPunct="1">
+                        <a:lnSpc>
+                          <a:spcPct val="100000"/>
+                        </a:lnSpc>
+                        <a:spcBef>
+                          <a:spcPts val="0"/>
+                        </a:spcBef>
+                        <a:spcAft>
+                          <a:spcPts val="0"/>
+                        </a:spcAft>
+                        <a:buClrTx/>
+                        <a:buSzTx/>
+                        <a:buFontTx/>
+                        <a:buNone/>
+                        <a:tabLst/>
+                        <a:defRPr/>
+                      </a:pPr>
+                      <a:r>
+                        <a:rPr lang="de-DE" sz="1200" dirty="0" smtClean="0"/>
+                        <a:t>(„KU6519“, F)</a:t>
+                      </a:r>
+                    </a:p>
+                  </a:txBody>
+                  <a:tcPr/>
+                </a:tc>
+                <a:tc>
+                  <a:txBody>
+                    <a:bodyPr/>
+                    <a:lstStyle/>
+                    <a:p>
+                      <a:pPr algn="r"/>
+                      <a:r>
+                        <a:rPr lang="de-DE" sz="1200" dirty="0" smtClean="0"/>
+                        <a:t>12</a:t>
+                      </a:r>
+                      <a:endParaRPr lang="de-DE" sz="1200" dirty="0"/>
+                    </a:p>
+                  </a:txBody>
+                  <a:tcPr/>
+                </a:tc>
+                <a:tc>
+                  <a:txBody>
+                    <a:bodyPr/>
+                    <a:lstStyle/>
+                    <a:p>
+                      <a:pPr algn="r"/>
+                      <a:r>
+                        <a:rPr lang="de-DE" sz="1200" dirty="0" smtClean="0"/>
+                        <a:t>10.800€</a:t>
+                      </a:r>
+                      <a:endParaRPr lang="de-DE" sz="1200" dirty="0"/>
+                    </a:p>
+                  </a:txBody>
+                  <a:tcPr/>
+                </a:tc>
+                <a:tc>
+                  <a:txBody>
+                    <a:bodyPr/>
+                    <a:lstStyle/>
+                    <a:p>
+                      <a:pPr algn="r"/>
+                      <a:r>
+                        <a:rPr lang="de-DE" sz="1200" dirty="0" smtClean="0"/>
+                        <a:t>0</a:t>
+                      </a:r>
+                      <a:endParaRPr lang="de-DE" sz="1200" dirty="0"/>
+                    </a:p>
+                  </a:txBody>
+                  <a:tcPr/>
+                </a:tc>
+              </a:tr>
+              <a:tr h="0">
+                <a:tc>
+                  <a:txBody>
+                    <a:bodyPr/>
+                    <a:lstStyle/>
+                    <a:p>
+                      <a:pPr marL="0" marR="0" indent="0" algn="l" defTabSz="914400" rtl="0" eaLnBrk="1" fontAlgn="auto" latinLnBrk="0" hangingPunct="1">
+                        <a:lnSpc>
+                          <a:spcPct val="100000"/>
+                        </a:lnSpc>
+                        <a:spcBef>
+                          <a:spcPts val="0"/>
+                        </a:spcBef>
+                        <a:spcAft>
+                          <a:spcPts val="0"/>
+                        </a:spcAft>
+                        <a:buClrTx/>
+                        <a:buSzTx/>
+                        <a:buFontTx/>
+                        <a:buNone/>
+                        <a:tabLst/>
+                        <a:defRPr/>
+                      </a:pPr>
+                      <a:r>
+                        <a:rPr lang="de-DE" sz="1200" dirty="0" smtClean="0"/>
+                        <a:t>(„LT-40VF43A“, F)</a:t>
+                      </a:r>
+                    </a:p>
+                  </a:txBody>
+                  <a:tcPr/>
+                </a:tc>
+                <a:tc>
+                  <a:txBody>
+                    <a:bodyPr/>
+                    <a:lstStyle/>
+                    <a:p>
+                      <a:pPr algn="r"/>
+                      <a:r>
+                        <a:rPr lang="de-DE" sz="1200" dirty="0" smtClean="0"/>
+                        <a:t>5</a:t>
+                      </a:r>
+                      <a:endParaRPr lang="de-DE" sz="1200" dirty="0"/>
+                    </a:p>
+                  </a:txBody>
+                  <a:tcPr/>
+                </a:tc>
+                <a:tc>
+                  <a:txBody>
+                    <a:bodyPr/>
+                    <a:lstStyle/>
+                    <a:p>
+                      <a:pPr algn="r"/>
+                      <a:r>
+                        <a:rPr lang="de-DE" sz="1200" dirty="0" smtClean="0"/>
+                        <a:t>1.520€</a:t>
+                      </a:r>
+                      <a:endParaRPr lang="de-DE" sz="1200" dirty="0"/>
+                    </a:p>
+                  </a:txBody>
+                  <a:tcPr/>
+                </a:tc>
+                <a:tc>
+                  <a:txBody>
+                    <a:bodyPr/>
+                    <a:lstStyle/>
+                    <a:p>
+                      <a:pPr algn="r"/>
+                      <a:r>
+                        <a:rPr lang="de-DE" sz="1200" dirty="0" smtClean="0"/>
+                        <a:t>0</a:t>
+                      </a:r>
+                      <a:endParaRPr lang="de-DE" sz="1200" dirty="0"/>
+                    </a:p>
+                  </a:txBody>
+                  <a:tcPr/>
+                </a:tc>
+              </a:tr>
+            </a:tbl>
+          </a:graphicData>
+        </a:graphic>
+      </p:graphicFrame>
+      <p:graphicFrame>
+        <p:nvGraphicFramePr>
+          <p:cNvPr id="19" name="Tabelle 18"/>
+          <p:cNvGraphicFramePr>
+            <a:graphicFrameLocks noGrp="1"/>
+          </p:cNvGraphicFramePr>
+          <p:nvPr>
+            <p:extLst>
+              <p:ext uri="{D42A27DB-BD31-4B8C-83A1-F6EECF244321}">
+                <p14:modId xmlns:p14="http://schemas.microsoft.com/office/powerpoint/2010/main" val="3935132001"/>
+              </p:ext>
+            </p:extLst>
+          </p:nvPr>
+        </p:nvGraphicFramePr>
+        <p:xfrm>
+          <a:off x="8681221" y="2819035"/>
+          <a:ext cx="3062544" cy="1097280"/>
+        </p:xfrm>
+        <a:graphic>
+          <a:graphicData uri="http://schemas.openxmlformats.org/drawingml/2006/table">
+            <a:tbl>
+              <a:tblPr firstCol="1" bandRow="1">
+                <a:tableStyleId>{93296810-A885-4BE3-A3E7-6D5BEEA58F35}</a:tableStyleId>
+              </a:tblPr>
+              <a:tblGrid>
+                <a:gridCol w="1484755"/>
+                <a:gridCol w="457200"/>
+                <a:gridCol w="815789"/>
+                <a:gridCol w="304800"/>
+              </a:tblGrid>
+              <a:tr h="0">
+                <a:tc>
+                  <a:txBody>
+                    <a:bodyPr/>
+                    <a:lstStyle/>
+                    <a:p>
+                      <a:r>
+                        <a:rPr lang="de-DE" sz="1200" dirty="0" smtClean="0"/>
+                        <a:t>(„Moto G4“, S)</a:t>
+                      </a:r>
+                    </a:p>
+                  </a:txBody>
+                  <a:tcPr/>
+                </a:tc>
+                <a:tc>
+                  <a:txBody>
+                    <a:bodyPr/>
+                    <a:lstStyle/>
+                    <a:p>
+                      <a:pPr algn="r"/>
+                      <a:r>
+                        <a:rPr lang="de-DE" sz="1200" dirty="0" smtClean="0"/>
+                        <a:t>7</a:t>
+                      </a:r>
+                      <a:endParaRPr lang="de-DE" sz="1200" dirty="0"/>
+                    </a:p>
+                  </a:txBody>
+                  <a:tcPr/>
+                </a:tc>
+                <a:tc>
+                  <a:txBody>
+                    <a:bodyPr/>
+                    <a:lstStyle/>
+                    <a:p>
+                      <a:pPr algn="r"/>
+                      <a:r>
+                        <a:rPr lang="de-DE" sz="1200" dirty="0" smtClean="0"/>
+                        <a:t>1120€</a:t>
+                      </a:r>
+                      <a:endParaRPr lang="de-DE" sz="1200" dirty="0"/>
+                    </a:p>
+                  </a:txBody>
+                  <a:tcPr/>
+                </a:tc>
+                <a:tc>
+                  <a:txBody>
+                    <a:bodyPr/>
+                    <a:lstStyle/>
+                    <a:p>
+                      <a:pPr algn="r"/>
+                      <a:r>
+                        <a:rPr lang="de-DE" sz="1200" dirty="0" smtClean="0"/>
+                        <a:t>1</a:t>
+                      </a:r>
+                      <a:endParaRPr lang="de-DE" sz="1200" dirty="0"/>
+                    </a:p>
+                  </a:txBody>
+                  <a:tcPr/>
+                </a:tc>
+              </a:tr>
+              <a:tr h="0">
+                <a:tc>
+                  <a:txBody>
+                    <a:bodyPr/>
+                    <a:lstStyle/>
+                    <a:p>
+                      <a:pPr marL="0" marR="0" indent="0" algn="l" defTabSz="914400" rtl="0" eaLnBrk="1" fontAlgn="auto" latinLnBrk="0" hangingPunct="1">
+                        <a:lnSpc>
+                          <a:spcPct val="100000"/>
+                        </a:lnSpc>
+                        <a:spcBef>
+                          <a:spcPts val="0"/>
+                        </a:spcBef>
+                        <a:spcAft>
+                          <a:spcPts val="0"/>
+                        </a:spcAft>
+                        <a:buClrTx/>
+                        <a:buSzTx/>
+                        <a:buFontTx/>
+                        <a:buNone/>
+                        <a:tabLst/>
+                        <a:defRPr/>
+                      </a:pPr>
+                      <a:r>
+                        <a:rPr lang="de-DE" sz="1200" dirty="0" smtClean="0"/>
+                        <a:t>(„USB 1,5m“, K)</a:t>
+                      </a:r>
+                    </a:p>
+                  </a:txBody>
+                  <a:tcPr/>
+                </a:tc>
+                <a:tc>
+                  <a:txBody>
+                    <a:bodyPr/>
+                    <a:lstStyle/>
+                    <a:p>
+                      <a:pPr algn="r"/>
+                      <a:r>
+                        <a:rPr lang="de-DE" sz="1200" dirty="0" smtClean="0"/>
+                        <a:t>350</a:t>
+                      </a:r>
+                      <a:endParaRPr lang="de-DE" sz="1200" dirty="0"/>
+                    </a:p>
+                  </a:txBody>
+                  <a:tcPr/>
+                </a:tc>
+                <a:tc>
+                  <a:txBody>
+                    <a:bodyPr/>
+                    <a:lstStyle/>
+                    <a:p>
+                      <a:pPr algn="r"/>
+                      <a:r>
+                        <a:rPr lang="de-DE" sz="1200" dirty="0" smtClean="0"/>
+                        <a:t>1.600€</a:t>
+                      </a:r>
+                      <a:endParaRPr lang="de-DE" sz="1200" dirty="0"/>
+                    </a:p>
+                  </a:txBody>
+                  <a:tcPr/>
+                </a:tc>
+                <a:tc>
+                  <a:txBody>
+                    <a:bodyPr/>
+                    <a:lstStyle/>
+                    <a:p>
+                      <a:pPr algn="r"/>
+                      <a:r>
+                        <a:rPr lang="de-DE" sz="1200" dirty="0" smtClean="0"/>
+                        <a:t>2</a:t>
+                      </a:r>
+                      <a:endParaRPr lang="de-DE" sz="1200" dirty="0"/>
+                    </a:p>
+                  </a:txBody>
+                  <a:tcPr/>
+                </a:tc>
+              </a:tr>
+              <a:tr h="0">
+                <a:tc>
+                  <a:txBody>
+                    <a:bodyPr/>
+                    <a:lstStyle/>
+                    <a:p>
+                      <a:pPr marL="0" marR="0" indent="0" algn="l" defTabSz="914400" rtl="0" eaLnBrk="1" fontAlgn="auto" latinLnBrk="0" hangingPunct="1">
+                        <a:lnSpc>
+                          <a:spcPct val="100000"/>
+                        </a:lnSpc>
+                        <a:spcBef>
+                          <a:spcPts val="0"/>
+                        </a:spcBef>
+                        <a:spcAft>
+                          <a:spcPts val="0"/>
+                        </a:spcAft>
+                        <a:buClrTx/>
+                        <a:buSzTx/>
+                        <a:buFontTx/>
+                        <a:buNone/>
+                        <a:tabLst/>
+                        <a:defRPr/>
+                      </a:pPr>
+                      <a:r>
+                        <a:rPr lang="de-DE" sz="1200" dirty="0" smtClean="0"/>
+                        <a:t>(„USB</a:t>
+                      </a:r>
+                      <a:r>
+                        <a:rPr lang="de-DE" sz="1200" baseline="0" dirty="0" smtClean="0"/>
+                        <a:t> 3m“, K)</a:t>
+                      </a:r>
+                      <a:endParaRPr lang="de-DE" sz="1200" dirty="0" smtClean="0"/>
+                    </a:p>
+                  </a:txBody>
+                  <a:tcPr/>
+                </a:tc>
+                <a:tc>
+                  <a:txBody>
+                    <a:bodyPr/>
+                    <a:lstStyle/>
+                    <a:p>
+                      <a:pPr algn="r"/>
+                      <a:r>
+                        <a:rPr lang="de-DE" sz="1200" dirty="0" smtClean="0"/>
+                        <a:t>35</a:t>
+                      </a:r>
+                      <a:endParaRPr lang="de-DE" sz="1200" dirty="0"/>
+                    </a:p>
+                  </a:txBody>
+                  <a:tcPr/>
+                </a:tc>
+                <a:tc>
+                  <a:txBody>
+                    <a:bodyPr/>
+                    <a:lstStyle/>
+                    <a:p>
+                      <a:pPr algn="r"/>
+                      <a:r>
+                        <a:rPr lang="de-DE" sz="1200" dirty="0" smtClean="0"/>
+                        <a:t>210€</a:t>
+                      </a:r>
+                      <a:endParaRPr lang="de-DE" sz="1200" dirty="0"/>
+                    </a:p>
+                  </a:txBody>
+                  <a:tcPr/>
+                </a:tc>
+                <a:tc>
+                  <a:txBody>
+                    <a:bodyPr/>
+                    <a:lstStyle/>
+                    <a:p>
+                      <a:pPr algn="r"/>
+                      <a:r>
+                        <a:rPr lang="de-DE" sz="1200" dirty="0" smtClean="0"/>
+                        <a:t>1</a:t>
+                      </a:r>
+                      <a:endParaRPr lang="de-DE" sz="1200" dirty="0"/>
+                    </a:p>
+                  </a:txBody>
+                  <a:tcPr/>
+                </a:tc>
+              </a:tr>
+              <a:tr h="0">
+                <a:tc>
+                  <a:txBody>
+                    <a:bodyPr/>
+                    <a:lstStyle/>
+                    <a:p>
+                      <a:pPr marL="0" marR="0" indent="0" algn="l" defTabSz="914400" rtl="0" eaLnBrk="1" fontAlgn="auto" latinLnBrk="0" hangingPunct="1">
+                        <a:lnSpc>
+                          <a:spcPct val="100000"/>
+                        </a:lnSpc>
+                        <a:spcBef>
+                          <a:spcPts val="0"/>
+                        </a:spcBef>
+                        <a:spcAft>
+                          <a:spcPts val="0"/>
+                        </a:spcAft>
+                        <a:buClrTx/>
+                        <a:buSzTx/>
+                        <a:buFontTx/>
+                        <a:buNone/>
+                        <a:tabLst/>
+                        <a:defRPr/>
+                      </a:pPr>
+                      <a:r>
+                        <a:rPr lang="de-DE" sz="1200" dirty="0" smtClean="0"/>
+                        <a:t>(„</a:t>
+                      </a:r>
+                      <a:r>
+                        <a:rPr lang="de-DE" sz="1200" dirty="0" err="1" smtClean="0"/>
+                        <a:t>Xperia</a:t>
+                      </a:r>
+                      <a:r>
+                        <a:rPr lang="de-DE" sz="1200" dirty="0" smtClean="0"/>
+                        <a:t> E5“, S)</a:t>
+                      </a:r>
+                    </a:p>
+                  </a:txBody>
+                  <a:tcPr/>
+                </a:tc>
+                <a:tc>
+                  <a:txBody>
+                    <a:bodyPr/>
+                    <a:lstStyle/>
+                    <a:p>
+                      <a:pPr algn="r"/>
+                      <a:r>
+                        <a:rPr lang="de-DE" sz="1200" dirty="0" smtClean="0"/>
+                        <a:t>3</a:t>
+                      </a:r>
+                      <a:endParaRPr lang="de-DE" sz="1200" dirty="0"/>
+                    </a:p>
+                  </a:txBody>
+                  <a:tcPr/>
+                </a:tc>
+                <a:tc>
+                  <a:txBody>
+                    <a:bodyPr/>
+                    <a:lstStyle/>
+                    <a:p>
+                      <a:pPr algn="r"/>
+                      <a:r>
+                        <a:rPr lang="de-DE" sz="1200" dirty="0" smtClean="0"/>
+                        <a:t>420€</a:t>
+                      </a:r>
+                      <a:endParaRPr lang="de-DE" sz="1200" dirty="0"/>
+                    </a:p>
+                  </a:txBody>
+                  <a:tcPr/>
+                </a:tc>
+                <a:tc>
+                  <a:txBody>
+                    <a:bodyPr/>
+                    <a:lstStyle/>
+                    <a:p>
+                      <a:pPr algn="r"/>
+                      <a:r>
+                        <a:rPr lang="de-DE" sz="1200" dirty="0" smtClean="0"/>
+                        <a:t>2</a:t>
+                      </a:r>
+                      <a:endParaRPr lang="de-DE" sz="1200" dirty="0"/>
+                    </a:p>
+                  </a:txBody>
+                  <a:tcPr/>
+                </a:tc>
+              </a:tr>
+            </a:tbl>
+          </a:graphicData>
+        </a:graphic>
+      </p:graphicFrame>
+      <mc:AlternateContent xmlns:mc="http://schemas.openxmlformats.org/markup-compatibility/2006">
+        <mc:Choice xmlns:a14="http://schemas.microsoft.com/office/drawing/2010/main" Requires="a14">
+          <p:sp>
+            <p:nvSpPr>
+              <p:cNvPr id="20" name="Legende mit Linie 1 19"/>
+              <p:cNvSpPr/>
+              <p:nvPr/>
+            </p:nvSpPr>
+            <p:spPr bwMode="auto">
+              <a:xfrm>
+                <a:off x="769257" y="4746171"/>
+                <a:ext cx="3811681" cy="1277257"/>
+              </a:xfrm>
+              <a:prstGeom prst="borderCallout1">
+                <a:avLst>
+                  <a:gd name="adj1" fmla="val -13068"/>
+                  <a:gd name="adj2" fmla="val 73234"/>
+                  <a:gd name="adj3" fmla="val -125000"/>
+                  <a:gd name="adj4" fmla="val 80848"/>
+                </a:avLst>
+              </a:prstGeom>
+              <a:ln>
+                <a:headEnd type="none" w="med" len="med"/>
+                <a:tailEnd type="none" w="med" len="med"/>
+              </a:ln>
+            </p:spPr>
+            <p:style>
+              <a:lnRef idx="1">
+                <a:schemeClr val="accent5"/>
+              </a:lnRef>
+              <a:fillRef idx="2">
+                <a:schemeClr val="accent5"/>
+              </a:fillRef>
+              <a:effectRef idx="1">
+                <a:schemeClr val="accent5"/>
+              </a:effectRef>
+              <a:fontRef idx="minor">
+                <a:schemeClr val="dk1"/>
+              </a:fontRef>
+            </p:style>
+            <p:txBody>
+              <a:bodyPr rot="0" spcFirstLastPara="0" vertOverflow="overflow" horzOverflow="overflow" vert="horz" wrap="square" lIns="91440" tIns="45720" rIns="91440" bIns="45720" numCol="1" spcCol="0" rtlCol="0" fromWordArt="0" anchor="ctr" anchorCtr="0" forceAA="0" compatLnSpc="1">
+                <a:prstTxWarp prst="textNoShape">
+                  <a:avLst/>
+                </a:prstTxWarp>
+                <a:noAutofit/>
+              </a:bodyPr>
+              <a:lstStyle/>
+              <a:p>
+                <a:pPr marL="0" marR="0" indent="0" algn="ctr" defTabSz="914400" rtl="0" eaLnBrk="1" fontAlgn="base" latinLnBrk="0" hangingPunct="1">
+                  <a:lnSpc>
+                    <a:spcPct val="100000"/>
+                  </a:lnSpc>
+                  <a:spcBef>
+                    <a:spcPct val="0"/>
+                  </a:spcBef>
+                  <a:spcAft>
+                    <a:spcPts val="600"/>
+                  </a:spcAft>
+                  <a:buClrTx/>
+                  <a:buSzTx/>
+                  <a:buFontTx/>
+                  <a:buNone/>
+                  <a:tabLst/>
+                </a:pPr>
+                <a:r>
+                  <a:rPr kumimoji="0" lang="de-DE" b="0" i="0" u="none" strike="noStrike" cap="none" normalizeH="0" baseline="0" dirty="0" err="1" smtClean="0">
+                    <a:ln>
+                      <a:noFill/>
+                    </a:ln>
+                    <a:solidFill>
+                      <a:schemeClr val="tx1"/>
+                    </a:solidFill>
+                    <a:effectLst/>
+                    <a:latin typeface="Open Sans" panose="020B0606030504020204" pitchFamily="34" charset="0"/>
+                    <a:ea typeface="Open Sans" panose="020B0606030504020204" pitchFamily="34" charset="0"/>
+                    <a:cs typeface="Open Sans" panose="020B0606030504020204" pitchFamily="34" charset="0"/>
+                  </a:rPr>
+                  <a:t>map</a:t>
+                </a:r>
+                <a:endParaRPr kumimoji="0" lang="de-DE" b="0" i="0" u="none" strike="noStrike" cap="none" normalizeH="0" baseline="0" dirty="0" smtClean="0">
+                  <a:ln>
+                    <a:noFill/>
+                  </a:ln>
+                  <a:solidFill>
+                    <a:schemeClr val="tx1"/>
+                  </a:solidFill>
+                  <a:effectLst/>
+                  <a:latin typeface="Open Sans" panose="020B0606030504020204" pitchFamily="34" charset="0"/>
+                  <a:ea typeface="Open Sans" panose="020B0606030504020204" pitchFamily="34" charset="0"/>
+                  <a:cs typeface="Open Sans" panose="020B0606030504020204" pitchFamily="34" charset="0"/>
+                </a:endParaRPr>
+              </a:p>
+              <a:p>
+                <a:pPr marL="0" marR="0" indent="0" algn="ctr" defTabSz="914400" rtl="0" eaLnBrk="1" fontAlgn="base" latinLnBrk="0" hangingPunct="1">
+                  <a:lnSpc>
+                    <a:spcPct val="100000"/>
+                  </a:lnSpc>
+                  <a:spcBef>
+                    <a:spcPct val="0"/>
+                  </a:spcBef>
+                  <a:spcAft>
+                    <a:spcPts val="600"/>
+                  </a:spcAft>
+                  <a:buClrTx/>
+                  <a:buSzTx/>
+                  <a:buFontTx/>
+                  <a:buNone/>
+                  <a:tabLst/>
+                </a:pPr>
+                <a14:m>
+                  <m:oMathPara xmlns:m="http://schemas.openxmlformats.org/officeDocument/2006/math">
+                    <m:oMathParaPr>
+                      <m:jc m:val="centerGroup"/>
+                    </m:oMathParaPr>
+                    <m:oMath xmlns:m="http://schemas.openxmlformats.org/officeDocument/2006/math">
+                      <m:r>
+                        <a:rPr kumimoji="0" lang="de-DE" b="0" i="1" u="none" strike="noStrike" cap="none" normalizeH="0" baseline="0" smtClean="0">
+                          <a:ln>
+                            <a:noFill/>
+                          </a:ln>
+                          <a:solidFill>
+                            <a:schemeClr val="tx1"/>
+                          </a:solidFill>
+                          <a:effectLst/>
+                          <a:latin typeface="Cambria Math"/>
+                          <a:ea typeface="Open Sans" panose="020B0606030504020204" pitchFamily="34" charset="0"/>
+                          <a:cs typeface="Open Sans" panose="020B0606030504020204" pitchFamily="34" charset="0"/>
+                        </a:rPr>
+                        <m:t>𝑓</m:t>
+                      </m:r>
+                      <m:d>
+                        <m:dPr>
+                          <m:ctrlPr>
+                            <a:rPr kumimoji="0" lang="de-DE" b="0" i="1" u="none" strike="noStrike" cap="none" normalizeH="0" baseline="0" smtClean="0">
+                              <a:ln>
+                                <a:noFill/>
+                              </a:ln>
+                              <a:solidFill>
+                                <a:schemeClr val="tx1"/>
+                              </a:solidFill>
+                              <a:effectLst/>
+                              <a:latin typeface="Cambria Math"/>
+                              <a:ea typeface="Open Sans" panose="020B0606030504020204" pitchFamily="34" charset="0"/>
+                              <a:cs typeface="Open Sans" panose="020B0606030504020204" pitchFamily="34" charset="0"/>
+                            </a:rPr>
+                          </m:ctrlPr>
+                        </m:dPr>
+                        <m:e>
+                          <m:r>
+                            <a:rPr kumimoji="0" lang="de-DE" b="0" i="1" u="none" strike="noStrike" cap="none" normalizeH="0" baseline="0" smtClean="0">
+                              <a:ln>
+                                <a:noFill/>
+                              </a:ln>
+                              <a:solidFill>
+                                <a:schemeClr val="tx1"/>
+                              </a:solidFill>
+                              <a:effectLst/>
+                              <a:latin typeface="Cambria Math"/>
+                              <a:ea typeface="Open Sans" panose="020B0606030504020204" pitchFamily="34" charset="0"/>
+                              <a:cs typeface="Open Sans" panose="020B0606030504020204" pitchFamily="34" charset="0"/>
+                            </a:rPr>
+                            <m:t>𝑣</m:t>
+                          </m:r>
+                        </m:e>
+                      </m:d>
+                      <m:r>
+                        <a:rPr kumimoji="0" lang="de-DE" b="0" i="1" u="none" strike="noStrike" cap="none" normalizeH="0" baseline="0" smtClean="0">
+                          <a:ln>
+                            <a:noFill/>
+                          </a:ln>
+                          <a:solidFill>
+                            <a:schemeClr val="tx1"/>
+                          </a:solidFill>
+                          <a:effectLst/>
+                          <a:latin typeface="Cambria Math"/>
+                          <a:ea typeface="Open Sans" panose="020B0606030504020204" pitchFamily="34" charset="0"/>
+                          <a:cs typeface="Open Sans" panose="020B0606030504020204" pitchFamily="34" charset="0"/>
+                        </a:rPr>
+                        <m:t>=</m:t>
+                      </m:r>
+                      <m:d>
+                        <m:dPr>
+                          <m:ctrlPr>
+                            <a:rPr kumimoji="0" lang="de-DE" b="0" i="1" u="none" strike="noStrike" cap="none" normalizeH="0" baseline="0" smtClean="0">
+                              <a:ln>
+                                <a:noFill/>
+                              </a:ln>
+                              <a:solidFill>
+                                <a:schemeClr val="tx1"/>
+                              </a:solidFill>
+                              <a:effectLst/>
+                              <a:latin typeface="Cambria Math"/>
+                              <a:ea typeface="Open Sans" panose="020B0606030504020204" pitchFamily="34" charset="0"/>
+                              <a:cs typeface="Open Sans" panose="020B0606030504020204" pitchFamily="34" charset="0"/>
+                            </a:rPr>
+                          </m:ctrlPr>
+                        </m:dPr>
+                        <m:e>
+                          <m:d>
+                            <m:dPr>
+                              <m:ctrlPr>
+                                <a:rPr kumimoji="0" lang="de-DE" b="0" i="1" u="none" strike="noStrike" cap="none" normalizeH="0" baseline="0" smtClean="0">
+                                  <a:ln>
+                                    <a:noFill/>
+                                  </a:ln>
+                                  <a:solidFill>
+                                    <a:schemeClr val="tx1"/>
+                                  </a:solidFill>
+                                  <a:effectLst/>
+                                  <a:latin typeface="Cambria Math"/>
+                                  <a:ea typeface="Open Sans" panose="020B0606030504020204" pitchFamily="34" charset="0"/>
+                                  <a:cs typeface="Open Sans" panose="020B0606030504020204" pitchFamily="34" charset="0"/>
+                                </a:rPr>
+                              </m:ctrlPr>
+                            </m:dPr>
+                            <m:e>
+                              <m:r>
+                                <a:rPr kumimoji="0" lang="de-DE" b="0" i="1" u="none" strike="noStrike" cap="none" normalizeH="0" baseline="0" smtClean="0">
+                                  <a:ln>
+                                    <a:noFill/>
+                                  </a:ln>
+                                  <a:solidFill>
+                                    <a:schemeClr val="tx1"/>
+                                  </a:solidFill>
+                                  <a:effectLst/>
+                                  <a:latin typeface="Cambria Math"/>
+                                  <a:ea typeface="Open Sans" panose="020B0606030504020204" pitchFamily="34" charset="0"/>
+                                  <a:cs typeface="Open Sans" panose="020B0606030504020204" pitchFamily="34" charset="0"/>
+                                </a:rPr>
+                                <m:t>𝑛</m:t>
+                              </m:r>
+                              <m:d>
+                                <m:dPr>
+                                  <m:ctrlPr>
+                                    <a:rPr kumimoji="0" lang="de-DE" b="0" i="1" u="none" strike="noStrike" cap="none" normalizeH="0" baseline="0" smtClean="0">
+                                      <a:ln>
+                                        <a:noFill/>
+                                      </a:ln>
+                                      <a:solidFill>
+                                        <a:schemeClr val="tx1"/>
+                                      </a:solidFill>
+                                      <a:effectLst/>
+                                      <a:latin typeface="Cambria Math"/>
+                                      <a:ea typeface="Open Sans" panose="020B0606030504020204" pitchFamily="34" charset="0"/>
+                                      <a:cs typeface="Open Sans" panose="020B0606030504020204" pitchFamily="34" charset="0"/>
+                                    </a:rPr>
+                                  </m:ctrlPr>
+                                </m:dPr>
+                                <m:e>
+                                  <m:r>
+                                    <a:rPr kumimoji="0" lang="de-DE" b="0" i="1" u="none" strike="noStrike" cap="none" normalizeH="0" baseline="0" smtClean="0">
+                                      <a:ln>
+                                        <a:noFill/>
+                                      </a:ln>
+                                      <a:solidFill>
+                                        <a:schemeClr val="tx1"/>
+                                      </a:solidFill>
+                                      <a:effectLst/>
+                                      <a:latin typeface="Cambria Math"/>
+                                      <a:ea typeface="Open Sans" panose="020B0606030504020204" pitchFamily="34" charset="0"/>
+                                      <a:cs typeface="Open Sans" panose="020B0606030504020204" pitchFamily="34" charset="0"/>
+                                    </a:rPr>
+                                    <m:t>𝑣</m:t>
+                                  </m:r>
+                                </m:e>
+                              </m:d>
+                              <m:r>
+                                <a:rPr kumimoji="0" lang="de-DE" b="0" i="1" u="none" strike="noStrike" cap="none" normalizeH="0" baseline="0" smtClean="0">
+                                  <a:ln>
+                                    <a:noFill/>
+                                  </a:ln>
+                                  <a:solidFill>
+                                    <a:schemeClr val="tx1"/>
+                                  </a:solidFill>
+                                  <a:effectLst/>
+                                  <a:latin typeface="Cambria Math"/>
+                                  <a:ea typeface="Open Sans" panose="020B0606030504020204" pitchFamily="34" charset="0"/>
+                                  <a:cs typeface="Open Sans" panose="020B0606030504020204" pitchFamily="34" charset="0"/>
+                                </a:rPr>
+                                <m:t>,</m:t>
+                              </m:r>
+                              <m:r>
+                                <a:rPr kumimoji="0" lang="de-DE" b="0" i="1" u="none" strike="noStrike" cap="none" normalizeH="0" baseline="0" smtClean="0">
+                                  <a:ln>
+                                    <a:noFill/>
+                                  </a:ln>
+                                  <a:solidFill>
+                                    <a:schemeClr val="tx1"/>
+                                  </a:solidFill>
+                                  <a:effectLst/>
+                                  <a:latin typeface="Cambria Math"/>
+                                  <a:ea typeface="Open Sans" panose="020B0606030504020204" pitchFamily="34" charset="0"/>
+                                  <a:cs typeface="Open Sans" panose="020B0606030504020204" pitchFamily="34" charset="0"/>
+                                </a:rPr>
+                                <m:t>𝑔</m:t>
+                              </m:r>
+                              <m:d>
+                                <m:dPr>
+                                  <m:ctrlPr>
+                                    <a:rPr kumimoji="0" lang="de-DE" b="0" i="1" u="none" strike="noStrike" cap="none" normalizeH="0" baseline="0" smtClean="0">
+                                      <a:ln>
+                                        <a:noFill/>
+                                      </a:ln>
+                                      <a:solidFill>
+                                        <a:schemeClr val="tx1"/>
+                                      </a:solidFill>
+                                      <a:effectLst/>
+                                      <a:latin typeface="Cambria Math"/>
+                                      <a:ea typeface="Open Sans" panose="020B0606030504020204" pitchFamily="34" charset="0"/>
+                                      <a:cs typeface="Open Sans" panose="020B0606030504020204" pitchFamily="34" charset="0"/>
+                                    </a:rPr>
+                                  </m:ctrlPr>
+                                </m:dPr>
+                                <m:e>
+                                  <m:r>
+                                    <a:rPr kumimoji="0" lang="de-DE" b="0" i="1" u="none" strike="noStrike" cap="none" normalizeH="0" baseline="0" smtClean="0">
+                                      <a:ln>
+                                        <a:noFill/>
+                                      </a:ln>
+                                      <a:solidFill>
+                                        <a:schemeClr val="tx1"/>
+                                      </a:solidFill>
+                                      <a:effectLst/>
+                                      <a:latin typeface="Cambria Math"/>
+                                      <a:ea typeface="Open Sans" panose="020B0606030504020204" pitchFamily="34" charset="0"/>
+                                      <a:cs typeface="Open Sans" panose="020B0606030504020204" pitchFamily="34" charset="0"/>
+                                    </a:rPr>
+                                    <m:t>𝑣</m:t>
+                                  </m:r>
+                                </m:e>
+                              </m:d>
+                            </m:e>
+                          </m:d>
+                          <m:r>
+                            <a:rPr kumimoji="0" lang="de-DE" b="0" i="1" u="none" strike="noStrike" cap="none" normalizeH="0" baseline="0" smtClean="0">
+                              <a:ln>
+                                <a:noFill/>
+                              </a:ln>
+                              <a:solidFill>
+                                <a:schemeClr val="tx1"/>
+                              </a:solidFill>
+                              <a:effectLst/>
+                              <a:latin typeface="Cambria Math"/>
+                              <a:ea typeface="Open Sans" panose="020B0606030504020204" pitchFamily="34" charset="0"/>
+                              <a:cs typeface="Open Sans" panose="020B0606030504020204" pitchFamily="34" charset="0"/>
+                            </a:rPr>
+                            <m:t>,</m:t>
+                          </m:r>
+                          <m:d>
+                            <m:dPr>
+                              <m:ctrlPr>
+                                <a:rPr kumimoji="0" lang="de-DE" b="0" i="1" u="none" strike="noStrike" cap="none" normalizeH="0" baseline="0" smtClean="0">
+                                  <a:ln>
+                                    <a:noFill/>
+                                  </a:ln>
+                                  <a:solidFill>
+                                    <a:schemeClr val="tx1"/>
+                                  </a:solidFill>
+                                  <a:effectLst/>
+                                  <a:latin typeface="Cambria Math"/>
+                                  <a:ea typeface="Open Sans" panose="020B0606030504020204" pitchFamily="34" charset="0"/>
+                                  <a:cs typeface="Open Sans" panose="020B0606030504020204" pitchFamily="34" charset="0"/>
+                                </a:rPr>
+                              </m:ctrlPr>
+                            </m:dPr>
+                            <m:e>
+                              <m:r>
+                                <a:rPr kumimoji="0" lang="de-DE" b="0" i="1" u="none" strike="noStrike" cap="none" normalizeH="0" baseline="0" smtClean="0">
+                                  <a:ln>
+                                    <a:noFill/>
+                                  </a:ln>
+                                  <a:solidFill>
+                                    <a:schemeClr val="tx1"/>
+                                  </a:solidFill>
+                                  <a:effectLst/>
+                                  <a:latin typeface="Cambria Math"/>
+                                  <a:ea typeface="Open Sans" panose="020B0606030504020204" pitchFamily="34" charset="0"/>
+                                  <a:cs typeface="Open Sans" panose="020B0606030504020204" pitchFamily="34" charset="0"/>
+                                </a:rPr>
+                                <m:t>𝑎</m:t>
+                              </m:r>
+                              <m:d>
+                                <m:dPr>
+                                  <m:ctrlPr>
+                                    <a:rPr kumimoji="0" lang="de-DE" b="0" i="1" u="none" strike="noStrike" cap="none" normalizeH="0" baseline="0" smtClean="0">
+                                      <a:ln>
+                                        <a:noFill/>
+                                      </a:ln>
+                                      <a:solidFill>
+                                        <a:schemeClr val="tx1"/>
+                                      </a:solidFill>
+                                      <a:effectLst/>
+                                      <a:latin typeface="Cambria Math"/>
+                                      <a:ea typeface="Open Sans" panose="020B0606030504020204" pitchFamily="34" charset="0"/>
+                                      <a:cs typeface="Open Sans" panose="020B0606030504020204" pitchFamily="34" charset="0"/>
+                                    </a:rPr>
+                                  </m:ctrlPr>
+                                </m:dPr>
+                                <m:e>
+                                  <m:r>
+                                    <a:rPr kumimoji="0" lang="de-DE" b="0" i="1" u="none" strike="noStrike" cap="none" normalizeH="0" baseline="0" smtClean="0">
+                                      <a:ln>
+                                        <a:noFill/>
+                                      </a:ln>
+                                      <a:solidFill>
+                                        <a:schemeClr val="tx1"/>
+                                      </a:solidFill>
+                                      <a:effectLst/>
+                                      <a:latin typeface="Cambria Math"/>
+                                      <a:ea typeface="Open Sans" panose="020B0606030504020204" pitchFamily="34" charset="0"/>
+                                      <a:cs typeface="Open Sans" panose="020B0606030504020204" pitchFamily="34" charset="0"/>
+                                    </a:rPr>
+                                    <m:t>𝑣</m:t>
+                                  </m:r>
+                                </m:e>
+                              </m:d>
+                              <m:r>
+                                <a:rPr kumimoji="0" lang="de-DE" b="0" i="1" u="none" strike="noStrike" cap="none" normalizeH="0" baseline="0" smtClean="0">
+                                  <a:ln>
+                                    <a:noFill/>
+                                  </a:ln>
+                                  <a:solidFill>
+                                    <a:schemeClr val="tx1"/>
+                                  </a:solidFill>
+                                  <a:effectLst/>
+                                  <a:latin typeface="Cambria Math"/>
+                                  <a:ea typeface="Open Sans" panose="020B0606030504020204" pitchFamily="34" charset="0"/>
+                                  <a:cs typeface="Open Sans" panose="020B0606030504020204" pitchFamily="34" charset="0"/>
+                                </a:rPr>
+                                <m:t>,</m:t>
+                              </m:r>
+                              <m:r>
+                                <a:rPr kumimoji="0" lang="de-DE" b="0" i="1" u="none" strike="noStrike" cap="none" normalizeH="0" baseline="0" smtClean="0">
+                                  <a:ln>
+                                    <a:noFill/>
+                                  </a:ln>
+                                  <a:solidFill>
+                                    <a:schemeClr val="tx1"/>
+                                  </a:solidFill>
+                                  <a:effectLst/>
+                                  <a:latin typeface="Cambria Math"/>
+                                  <a:ea typeface="Open Sans" panose="020B0606030504020204" pitchFamily="34" charset="0"/>
+                                  <a:cs typeface="Open Sans" panose="020B0606030504020204" pitchFamily="34" charset="0"/>
+                                </a:rPr>
+                                <m:t>𝑝</m:t>
+                              </m:r>
+                              <m:d>
+                                <m:dPr>
+                                  <m:ctrlPr>
+                                    <a:rPr kumimoji="0" lang="de-DE" b="0" i="1" u="none" strike="noStrike" cap="none" normalizeH="0" baseline="0" smtClean="0">
+                                      <a:ln>
+                                        <a:noFill/>
+                                      </a:ln>
+                                      <a:solidFill>
+                                        <a:schemeClr val="tx1"/>
+                                      </a:solidFill>
+                                      <a:effectLst/>
+                                      <a:latin typeface="Cambria Math"/>
+                                      <a:ea typeface="Open Sans" panose="020B0606030504020204" pitchFamily="34" charset="0"/>
+                                      <a:cs typeface="Open Sans" panose="020B0606030504020204" pitchFamily="34" charset="0"/>
+                                    </a:rPr>
+                                  </m:ctrlPr>
+                                </m:dPr>
+                                <m:e>
+                                  <m:r>
+                                    <a:rPr kumimoji="0" lang="de-DE" b="0" i="1" u="none" strike="noStrike" cap="none" normalizeH="0" baseline="0" smtClean="0">
+                                      <a:ln>
+                                        <a:noFill/>
+                                      </a:ln>
+                                      <a:solidFill>
+                                        <a:schemeClr val="tx1"/>
+                                      </a:solidFill>
+                                      <a:effectLst/>
+                                      <a:latin typeface="Cambria Math"/>
+                                      <a:ea typeface="Open Sans" panose="020B0606030504020204" pitchFamily="34" charset="0"/>
+                                      <a:cs typeface="Open Sans" panose="020B0606030504020204" pitchFamily="34" charset="0"/>
+                                    </a:rPr>
+                                    <m:t>𝑣</m:t>
+                                  </m:r>
+                                </m:e>
+                              </m:d>
+                            </m:e>
+                          </m:d>
+                        </m:e>
+                      </m:d>
+                    </m:oMath>
+                  </m:oMathPara>
+                </a14:m>
+                <a:endParaRPr kumimoji="0" lang="de-DE" b="0" i="0" u="none" strike="noStrike" cap="none" normalizeH="0" baseline="0" dirty="0" smtClean="0">
+                  <a:ln>
+                    <a:noFill/>
+                  </a:ln>
+                  <a:solidFill>
+                    <a:schemeClr val="tx1"/>
+                  </a:solidFill>
+                  <a:effectLst/>
+                  <a:latin typeface="Open Sans" panose="020B0606030504020204" pitchFamily="34" charset="0"/>
+                  <a:ea typeface="Open Sans" panose="020B0606030504020204" pitchFamily="34" charset="0"/>
+                  <a:cs typeface="Open Sans" panose="020B0606030504020204" pitchFamily="34" charset="0"/>
+                </a:endParaRPr>
+              </a:p>
+            </p:txBody>
+          </p:sp>
+        </mc:Choice>
+        <mc:Fallback>
+          <p:sp>
+            <p:nvSpPr>
+              <p:cNvPr id="20" name="Legende mit Linie 1 19"/>
+              <p:cNvSpPr>
+                <a:spLocks noRot="1" noChangeAspect="1" noMove="1" noResize="1" noEditPoints="1" noAdjustHandles="1" noChangeArrowheads="1" noChangeShapeType="1" noTextEdit="1"/>
+              </p:cNvSpPr>
+              <p:nvPr/>
+            </p:nvSpPr>
+            <p:spPr bwMode="auto">
+              <a:xfrm>
+                <a:off x="769257" y="4746171"/>
+                <a:ext cx="3811681" cy="1277257"/>
+              </a:xfrm>
+              <a:prstGeom prst="borderCallout1">
+                <a:avLst>
+                  <a:gd name="adj1" fmla="val -13068"/>
+                  <a:gd name="adj2" fmla="val 73234"/>
+                  <a:gd name="adj3" fmla="val -125000"/>
+                  <a:gd name="adj4" fmla="val 80848"/>
+                </a:avLst>
+              </a:prstGeom>
+              <a:blipFill rotWithShape="1">
+                <a:blip r:embed="rId3"/>
+                <a:stretch>
+                  <a:fillRect/>
+                </a:stretch>
+              </a:blipFill>
+              <a:ln>
+                <a:headEnd type="none" w="med" len="med"/>
+                <a:tailEnd type="none" w="med" len="med"/>
+              </a:ln>
+            </p:spPr>
+            <p:txBody>
+              <a:bodyPr/>
+              <a:lstStyle/>
+              <a:p>
+                <a:r>
+                  <a:rPr lang="de-DE">
+                    <a:noFill/>
+                  </a:rPr>
+                  <a:t> </a:t>
+                </a:r>
+              </a:p>
+            </p:txBody>
+          </p:sp>
+        </mc:Fallback>
+      </mc:AlternateContent>
+      <mc:AlternateContent xmlns:mc="http://schemas.openxmlformats.org/markup-compatibility/2006">
+        <mc:Choice xmlns:a14="http://schemas.microsoft.com/office/drawing/2010/main" Requires="a14">
+          <p:sp>
+            <p:nvSpPr>
+              <p:cNvPr id="21" name="Legende mit Linie 1 20"/>
+              <p:cNvSpPr/>
+              <p:nvPr/>
+            </p:nvSpPr>
+            <p:spPr bwMode="auto">
+              <a:xfrm>
+                <a:off x="4984549" y="4746170"/>
+                <a:ext cx="4232022" cy="1277257"/>
+              </a:xfrm>
+              <a:prstGeom prst="borderCallout1">
+                <a:avLst>
+                  <a:gd name="adj1" fmla="val -13068"/>
+                  <a:gd name="adj2" fmla="val 73234"/>
+                  <a:gd name="adj3" fmla="val -119218"/>
+                  <a:gd name="adj4" fmla="val 70771"/>
+                </a:avLst>
+              </a:prstGeom>
+              <a:ln>
+                <a:headEnd type="none" w="med" len="med"/>
+                <a:tailEnd type="none" w="med" len="med"/>
+              </a:ln>
+            </p:spPr>
+            <p:style>
+              <a:lnRef idx="1">
+                <a:schemeClr val="accent5"/>
+              </a:lnRef>
+              <a:fillRef idx="2">
+                <a:schemeClr val="accent5"/>
+              </a:fillRef>
+              <a:effectRef idx="1">
+                <a:schemeClr val="accent5"/>
+              </a:effectRef>
+              <a:fontRef idx="minor">
+                <a:schemeClr val="dk1"/>
+              </a:fontRef>
+            </p:style>
+            <p:txBody>
+              <a:bodyPr rot="0" spcFirstLastPara="0" vertOverflow="overflow" horzOverflow="overflow" vert="horz" wrap="square" lIns="91440" tIns="45720" rIns="91440" bIns="45720" numCol="1" spcCol="0" rtlCol="0" fromWordArt="0" anchor="ctr" anchorCtr="0" forceAA="0" compatLnSpc="1">
+                <a:prstTxWarp prst="textNoShape">
+                  <a:avLst/>
+                </a:prstTxWarp>
+                <a:noAutofit/>
+              </a:bodyPr>
+              <a:lstStyle/>
+              <a:p>
+                <a:pPr marL="0" marR="0" indent="0" algn="ctr" defTabSz="914400" rtl="0" eaLnBrk="1" fontAlgn="base" latinLnBrk="0" hangingPunct="1">
+                  <a:lnSpc>
+                    <a:spcPct val="100000"/>
+                  </a:lnSpc>
+                  <a:spcBef>
+                    <a:spcPct val="0"/>
+                  </a:spcBef>
+                  <a:spcAft>
+                    <a:spcPts val="600"/>
+                  </a:spcAft>
+                  <a:buClrTx/>
+                  <a:buSzTx/>
+                  <a:buFontTx/>
+                  <a:buNone/>
+                  <a:tabLst/>
+                </a:pPr>
+                <a:r>
+                  <a:rPr kumimoji="0" lang="de-DE" b="0" i="0" u="none" strike="noStrike" cap="none" normalizeH="0" baseline="0" dirty="0" smtClean="0">
+                    <a:ln>
+                      <a:noFill/>
+                    </a:ln>
+                    <a:solidFill>
+                      <a:schemeClr val="tx1"/>
+                    </a:solidFill>
+                    <a:effectLst/>
+                    <a:latin typeface="Open Sans" panose="020B0606030504020204" pitchFamily="34" charset="0"/>
+                    <a:ea typeface="Open Sans" panose="020B0606030504020204" pitchFamily="34" charset="0"/>
+                    <a:cs typeface="Open Sans" panose="020B0606030504020204" pitchFamily="34" charset="0"/>
+                  </a:rPr>
+                  <a:t>aggregateByKey</a:t>
+                </a:r>
+              </a:p>
+              <a:p>
+                <a:pPr>
+                  <a:spcAft>
+                    <a:spcPts val="600"/>
+                  </a:spcAft>
+                </a:pPr>
+                <a14:m>
+                  <m:oMath xmlns:m="http://schemas.openxmlformats.org/officeDocument/2006/math">
+                    <m:r>
+                      <a:rPr kumimoji="0" lang="de-DE" b="0" i="1" u="none" strike="noStrike" cap="none" normalizeH="0" baseline="0" smtClean="0">
+                        <a:ln>
+                          <a:noFill/>
+                        </a:ln>
+                        <a:solidFill>
+                          <a:schemeClr val="tx1"/>
+                        </a:solidFill>
+                        <a:effectLst/>
+                        <a:latin typeface="Cambria Math"/>
+                        <a:ea typeface="Open Sans" panose="020B0606030504020204" pitchFamily="34" charset="0"/>
+                        <a:cs typeface="Open Sans" panose="020B0606030504020204" pitchFamily="34" charset="0"/>
+                      </a:rPr>
+                      <m:t>𝑓</m:t>
+                    </m:r>
+                    <m:d>
+                      <m:dPr>
+                        <m:ctrlPr>
+                          <a:rPr lang="de-DE" i="1">
+                            <a:solidFill>
+                              <a:schemeClr val="tx1"/>
+                            </a:solidFill>
+                            <a:latin typeface="Cambria Math"/>
+                            <a:ea typeface="Open Sans" panose="020B0606030504020204" pitchFamily="34" charset="0"/>
+                            <a:cs typeface="Open Sans" panose="020B0606030504020204" pitchFamily="34" charset="0"/>
+                          </a:rPr>
+                        </m:ctrlPr>
+                      </m:dPr>
+                      <m:e>
+                        <m:r>
+                          <a:rPr lang="de-DE" b="0" i="1" smtClean="0">
+                            <a:solidFill>
+                              <a:schemeClr val="tx1"/>
+                            </a:solidFill>
+                            <a:latin typeface="Cambria Math"/>
+                            <a:ea typeface="Open Sans" panose="020B0606030504020204" pitchFamily="34" charset="0"/>
+                            <a:cs typeface="Open Sans" panose="020B0606030504020204" pitchFamily="34" charset="0"/>
+                          </a:rPr>
+                          <m:t>𝑘</m:t>
+                        </m:r>
+                        <m:r>
+                          <a:rPr lang="de-DE" i="1">
+                            <a:solidFill>
+                              <a:schemeClr val="tx1"/>
+                            </a:solidFill>
+                            <a:latin typeface="Cambria Math"/>
+                            <a:ea typeface="Open Sans" panose="020B0606030504020204" pitchFamily="34" charset="0"/>
+                            <a:cs typeface="Open Sans" panose="020B0606030504020204" pitchFamily="34" charset="0"/>
+                          </a:rPr>
+                          <m:t>,</m:t>
+                        </m:r>
+                        <m:sSub>
+                          <m:sSubPr>
+                            <m:ctrlPr>
+                              <a:rPr lang="de-DE" b="0" i="1" smtClean="0">
+                                <a:solidFill>
+                                  <a:schemeClr val="tx1"/>
+                                </a:solidFill>
+                                <a:latin typeface="Cambria Math"/>
+                                <a:ea typeface="Open Sans" panose="020B0606030504020204" pitchFamily="34" charset="0"/>
+                                <a:cs typeface="Open Sans" panose="020B0606030504020204" pitchFamily="34" charset="0"/>
+                              </a:rPr>
+                            </m:ctrlPr>
+                          </m:sSubPr>
+                          <m:e>
+                            <m:r>
+                              <a:rPr lang="de-DE" b="0" i="1" smtClean="0">
+                                <a:solidFill>
+                                  <a:schemeClr val="tx1"/>
+                                </a:solidFill>
+                                <a:latin typeface="Cambria Math"/>
+                                <a:ea typeface="Open Sans" panose="020B0606030504020204" pitchFamily="34" charset="0"/>
+                                <a:cs typeface="Open Sans" panose="020B0606030504020204" pitchFamily="34" charset="0"/>
+                              </a:rPr>
+                              <m:t>𝑉</m:t>
+                            </m:r>
+                          </m:e>
+                          <m:sub>
+                            <m:r>
+                              <a:rPr lang="de-DE" b="0" i="1" smtClean="0">
+                                <a:solidFill>
+                                  <a:schemeClr val="tx1"/>
+                                </a:solidFill>
+                                <a:latin typeface="Cambria Math"/>
+                                <a:ea typeface="Open Sans" panose="020B0606030504020204" pitchFamily="34" charset="0"/>
+                                <a:cs typeface="Open Sans" panose="020B0606030504020204" pitchFamily="34" charset="0"/>
+                              </a:rPr>
+                              <m:t>𝑘</m:t>
+                            </m:r>
+                          </m:sub>
+                        </m:sSub>
+                      </m:e>
+                    </m:d>
+                    <m:r>
+                      <a:rPr kumimoji="0" lang="de-DE" b="0" i="1" u="none" strike="noStrike" cap="none" normalizeH="0" baseline="0" smtClean="0">
+                        <a:ln>
+                          <a:noFill/>
+                        </a:ln>
+                        <a:solidFill>
+                          <a:schemeClr val="tx1"/>
+                        </a:solidFill>
+                        <a:effectLst/>
+                        <a:latin typeface="Cambria Math"/>
+                        <a:ea typeface="Open Sans" panose="020B0606030504020204" pitchFamily="34" charset="0"/>
+                        <a:cs typeface="Open Sans" panose="020B0606030504020204" pitchFamily="34" charset="0"/>
+                      </a:rPr>
+                      <m:t>=</m:t>
+                    </m:r>
+                    <m:d>
+                      <m:dPr>
+                        <m:ctrlPr>
+                          <a:rPr kumimoji="0" lang="de-DE" b="0" i="1" u="none" strike="noStrike" cap="none" normalizeH="0" baseline="0" smtClean="0">
+                            <a:ln>
+                              <a:noFill/>
+                            </a:ln>
+                            <a:solidFill>
+                              <a:schemeClr val="tx1"/>
+                            </a:solidFill>
+                            <a:effectLst/>
+                            <a:latin typeface="Cambria Math"/>
+                            <a:ea typeface="Open Sans" panose="020B0606030504020204" pitchFamily="34" charset="0"/>
+                            <a:cs typeface="Open Sans" panose="020B0606030504020204" pitchFamily="34" charset="0"/>
+                          </a:rPr>
+                        </m:ctrlPr>
+                      </m:dPr>
+                      <m:e>
+                        <m:r>
+                          <a:rPr kumimoji="0" lang="de-DE" b="0" i="1" u="none" strike="noStrike" cap="none" normalizeH="0" baseline="0" smtClean="0">
+                            <a:ln>
+                              <a:noFill/>
+                            </a:ln>
+                            <a:solidFill>
+                              <a:schemeClr val="tx1"/>
+                            </a:solidFill>
+                            <a:effectLst/>
+                            <a:latin typeface="Cambria Math"/>
+                            <a:ea typeface="Open Sans" panose="020B0606030504020204" pitchFamily="34" charset="0"/>
+                            <a:cs typeface="Open Sans" panose="020B0606030504020204" pitchFamily="34" charset="0"/>
+                          </a:rPr>
+                          <m:t>𝑘</m:t>
+                        </m:r>
+                        <m:r>
+                          <a:rPr kumimoji="0" lang="de-DE" b="0" i="1" u="none" strike="noStrike" cap="none" normalizeH="0" baseline="0" smtClean="0">
+                            <a:ln>
+                              <a:noFill/>
+                            </a:ln>
+                            <a:solidFill>
+                              <a:schemeClr val="tx1"/>
+                            </a:solidFill>
+                            <a:effectLst/>
+                            <a:latin typeface="Cambria Math"/>
+                            <a:ea typeface="Open Sans" panose="020B0606030504020204" pitchFamily="34" charset="0"/>
+                            <a:cs typeface="Open Sans" panose="020B0606030504020204" pitchFamily="34" charset="0"/>
+                          </a:rPr>
+                          <m:t>,</m:t>
+                        </m:r>
+                        <m:d>
+                          <m:dPr>
+                            <m:ctrlPr>
+                              <a:rPr kumimoji="0" lang="de-DE" b="0" i="1" u="none" strike="noStrike" cap="none" normalizeH="0" baseline="0" smtClean="0">
+                                <a:ln>
+                                  <a:noFill/>
+                                </a:ln>
+                                <a:solidFill>
+                                  <a:schemeClr val="tx1"/>
+                                </a:solidFill>
+                                <a:effectLst/>
+                                <a:latin typeface="Cambria Math"/>
+                                <a:ea typeface="Open Sans" panose="020B0606030504020204" pitchFamily="34" charset="0"/>
+                                <a:cs typeface="Open Sans" panose="020B0606030504020204" pitchFamily="34" charset="0"/>
+                              </a:rPr>
+                            </m:ctrlPr>
+                          </m:dPr>
+                          <m:e>
+                            <m:nary>
+                              <m:naryPr>
+                                <m:chr m:val="∑"/>
+                                <m:supHide m:val="on"/>
+                                <m:ctrlPr>
+                                  <a:rPr kumimoji="0" lang="de-DE" b="0" i="1" u="none" strike="noStrike" cap="none" normalizeH="0" baseline="0" smtClean="0">
+                                    <a:ln>
+                                      <a:noFill/>
+                                    </a:ln>
+                                    <a:solidFill>
+                                      <a:schemeClr val="tx1"/>
+                                    </a:solidFill>
+                                    <a:effectLst/>
+                                    <a:latin typeface="Cambria Math"/>
+                                  </a:rPr>
+                                </m:ctrlPr>
+                              </m:naryPr>
+                              <m:sub>
+                                <m:r>
+                                  <m:rPr>
+                                    <m:brk m:alnAt="7"/>
+                                  </m:rPr>
+                                  <a:rPr kumimoji="0" lang="de-DE" b="0" i="1" u="none" strike="noStrike" cap="none" normalizeH="0" baseline="0" smtClean="0">
+                                    <a:ln>
+                                      <a:noFill/>
+                                    </a:ln>
+                                    <a:solidFill>
+                                      <a:schemeClr val="tx1"/>
+                                    </a:solidFill>
+                                    <a:effectLst/>
+                                    <a:latin typeface="Cambria Math"/>
+                                  </a:rPr>
+                                  <m:t>𝑣</m:t>
+                                </m:r>
+                                <m:r>
+                                  <a:rPr kumimoji="0" lang="de-DE" b="0" i="1" u="none" strike="noStrike" cap="none" normalizeH="0" baseline="0" smtClean="0">
+                                    <a:ln>
+                                      <a:noFill/>
+                                    </a:ln>
+                                    <a:solidFill>
+                                      <a:schemeClr val="tx1"/>
+                                    </a:solidFill>
+                                    <a:effectLst/>
+                                    <a:latin typeface="Cambria Math"/>
+                                  </a:rPr>
+                                  <m:t>∈</m:t>
+                                </m:r>
+                                <m:sSub>
+                                  <m:sSubPr>
+                                    <m:ctrlPr>
+                                      <a:rPr kumimoji="0" lang="de-DE" b="0" i="1" u="none" strike="noStrike" cap="none" normalizeH="0" baseline="0" smtClean="0">
+                                        <a:ln>
+                                          <a:noFill/>
+                                        </a:ln>
+                                        <a:solidFill>
+                                          <a:schemeClr val="tx1"/>
+                                        </a:solidFill>
+                                        <a:effectLst/>
+                                        <a:latin typeface="Cambria Math"/>
+                                      </a:rPr>
+                                    </m:ctrlPr>
+                                  </m:sSubPr>
+                                  <m:e>
+                                    <m:r>
+                                      <a:rPr kumimoji="0" lang="de-DE" b="0" i="1" u="none" strike="noStrike" cap="none" normalizeH="0" baseline="0" smtClean="0">
+                                        <a:ln>
+                                          <a:noFill/>
+                                        </a:ln>
+                                        <a:solidFill>
+                                          <a:schemeClr val="tx1"/>
+                                        </a:solidFill>
+                                        <a:effectLst/>
+                                        <a:latin typeface="Cambria Math"/>
+                                      </a:rPr>
+                                      <m:t>𝑉</m:t>
+                                    </m:r>
+                                  </m:e>
+                                  <m:sub>
+                                    <m:r>
+                                      <a:rPr kumimoji="0" lang="de-DE" b="0" i="1" u="none" strike="noStrike" cap="none" normalizeH="0" baseline="0" smtClean="0">
+                                        <a:ln>
+                                          <a:noFill/>
+                                        </a:ln>
+                                        <a:solidFill>
+                                          <a:schemeClr val="tx1"/>
+                                        </a:solidFill>
+                                        <a:effectLst/>
+                                        <a:latin typeface="Cambria Math"/>
+                                      </a:rPr>
+                                      <m:t>𝑘</m:t>
+                                    </m:r>
+                                  </m:sub>
+                                </m:sSub>
+                              </m:sub>
+                              <m:sup/>
+                              <m:e>
+                                <m:r>
+                                  <a:rPr kumimoji="0" lang="de-DE" b="0" i="1" u="none" strike="noStrike" cap="none" normalizeH="0" baseline="0" smtClean="0">
+                                    <a:ln>
+                                      <a:noFill/>
+                                    </a:ln>
+                                    <a:solidFill>
+                                      <a:schemeClr val="tx1"/>
+                                    </a:solidFill>
+                                    <a:effectLst/>
+                                    <a:latin typeface="Cambria Math"/>
+                                  </a:rPr>
+                                  <m:t>𝑎</m:t>
+                                </m:r>
+                                <m:d>
+                                  <m:dPr>
+                                    <m:ctrlPr>
+                                      <a:rPr kumimoji="0" lang="de-DE" b="0" i="1" u="none" strike="noStrike" cap="none" normalizeH="0" baseline="0" smtClean="0">
+                                        <a:ln>
+                                          <a:noFill/>
+                                        </a:ln>
+                                        <a:solidFill>
+                                          <a:schemeClr val="tx1"/>
+                                        </a:solidFill>
+                                        <a:effectLst/>
+                                        <a:latin typeface="Cambria Math"/>
+                                      </a:rPr>
+                                    </m:ctrlPr>
+                                  </m:dPr>
+                                  <m:e>
+                                    <m:r>
+                                      <a:rPr kumimoji="0" lang="de-DE" b="0" i="1" u="none" strike="noStrike" cap="none" normalizeH="0" baseline="0" smtClean="0">
+                                        <a:ln>
+                                          <a:noFill/>
+                                        </a:ln>
+                                        <a:solidFill>
+                                          <a:schemeClr val="tx1"/>
+                                        </a:solidFill>
+                                        <a:effectLst/>
+                                        <a:latin typeface="Cambria Math"/>
+                                      </a:rPr>
+                                      <m:t>𝑣</m:t>
+                                    </m:r>
+                                  </m:e>
+                                </m:d>
+                              </m:e>
+                            </m:nary>
+                            <m:r>
+                              <a:rPr kumimoji="0" lang="de-DE" b="0" i="1" u="none" strike="noStrike" cap="none" normalizeH="0" baseline="0" smtClean="0">
+                                <a:ln>
+                                  <a:noFill/>
+                                </a:ln>
+                                <a:solidFill>
+                                  <a:schemeClr val="tx1"/>
+                                </a:solidFill>
+                                <a:effectLst/>
+                                <a:latin typeface="Cambria Math"/>
+                              </a:rPr>
+                              <m:t>,</m:t>
+                            </m:r>
+                            <m:nary>
+                              <m:naryPr>
+                                <m:chr m:val="∑"/>
+                                <m:supHide m:val="on"/>
+                                <m:ctrlPr>
+                                  <a:rPr lang="de-DE" i="1">
+                                    <a:solidFill>
+                                      <a:schemeClr val="tx1"/>
+                                    </a:solidFill>
+                                    <a:latin typeface="Cambria Math"/>
+                                  </a:rPr>
+                                </m:ctrlPr>
+                              </m:naryPr>
+                              <m:sub>
+                                <m:r>
+                                  <m:rPr>
+                                    <m:brk m:alnAt="7"/>
+                                  </m:rPr>
+                                  <a:rPr lang="de-DE" i="1">
+                                    <a:solidFill>
+                                      <a:schemeClr val="tx1"/>
+                                    </a:solidFill>
+                                    <a:latin typeface="Cambria Math"/>
+                                  </a:rPr>
+                                  <m:t>𝑣</m:t>
+                                </m:r>
+                                <m:r>
+                                  <a:rPr lang="de-DE" i="1">
+                                    <a:solidFill>
+                                      <a:schemeClr val="tx1"/>
+                                    </a:solidFill>
+                                    <a:latin typeface="Cambria Math"/>
+                                  </a:rPr>
+                                  <m:t>∈</m:t>
+                                </m:r>
+                                <m:sSub>
+                                  <m:sSubPr>
+                                    <m:ctrlPr>
+                                      <a:rPr lang="de-DE" i="1">
+                                        <a:solidFill>
+                                          <a:schemeClr val="tx1"/>
+                                        </a:solidFill>
+                                        <a:latin typeface="Cambria Math"/>
+                                      </a:rPr>
+                                    </m:ctrlPr>
+                                  </m:sSubPr>
+                                  <m:e>
+                                    <m:r>
+                                      <a:rPr lang="de-DE" i="1">
+                                        <a:solidFill>
+                                          <a:schemeClr val="tx1"/>
+                                        </a:solidFill>
+                                        <a:latin typeface="Cambria Math"/>
+                                      </a:rPr>
+                                      <m:t>𝑉</m:t>
+                                    </m:r>
+                                  </m:e>
+                                  <m:sub>
+                                    <m:r>
+                                      <a:rPr lang="de-DE" i="1">
+                                        <a:solidFill>
+                                          <a:schemeClr val="tx1"/>
+                                        </a:solidFill>
+                                        <a:latin typeface="Cambria Math"/>
+                                      </a:rPr>
+                                      <m:t>𝑘</m:t>
+                                    </m:r>
+                                  </m:sub>
+                                </m:sSub>
+                              </m:sub>
+                              <m:sup/>
+                              <m:e>
+                                <m:r>
+                                  <a:rPr lang="de-DE" i="1">
+                                    <a:solidFill>
+                                      <a:schemeClr val="tx1"/>
+                                    </a:solidFill>
+                                    <a:latin typeface="Cambria Math"/>
+                                  </a:rPr>
+                                  <m:t>𝑎</m:t>
+                                </m:r>
+                                <m:d>
+                                  <m:dPr>
+                                    <m:ctrlPr>
+                                      <a:rPr lang="de-DE" i="1">
+                                        <a:solidFill>
+                                          <a:schemeClr val="tx1"/>
+                                        </a:solidFill>
+                                        <a:latin typeface="Cambria Math"/>
+                                      </a:rPr>
+                                    </m:ctrlPr>
+                                  </m:dPr>
+                                  <m:e>
+                                    <m:r>
+                                      <a:rPr lang="de-DE" i="1">
+                                        <a:solidFill>
+                                          <a:schemeClr val="tx1"/>
+                                        </a:solidFill>
+                                        <a:latin typeface="Cambria Math"/>
+                                      </a:rPr>
+                                      <m:t>𝑣</m:t>
+                                    </m:r>
+                                  </m:e>
+                                </m:d>
+                                <m:r>
+                                  <a:rPr lang="de-DE" i="1">
+                                    <a:solidFill>
+                                      <a:schemeClr val="tx1"/>
+                                    </a:solidFill>
+                                    <a:latin typeface="Cambria Math"/>
+                                    <a:ea typeface="Cambria Math"/>
+                                  </a:rPr>
+                                  <m:t>∙</m:t>
+                                </m:r>
+                                <m:r>
+                                  <a:rPr lang="de-DE" b="0" i="1" smtClean="0">
+                                    <a:solidFill>
+                                      <a:schemeClr val="tx1"/>
+                                    </a:solidFill>
+                                    <a:latin typeface="Cambria Math"/>
+                                    <a:ea typeface="Cambria Math"/>
+                                  </a:rPr>
+                                  <m:t>𝑝</m:t>
+                                </m:r>
+                                <m:d>
+                                  <m:dPr>
+                                    <m:ctrlPr>
+                                      <a:rPr lang="de-DE" b="0" i="1" smtClean="0">
+                                        <a:solidFill>
+                                          <a:schemeClr val="tx1"/>
+                                        </a:solidFill>
+                                        <a:latin typeface="Cambria Math"/>
+                                        <a:ea typeface="Cambria Math"/>
+                                      </a:rPr>
+                                    </m:ctrlPr>
+                                  </m:dPr>
+                                  <m:e>
+                                    <m:r>
+                                      <a:rPr lang="de-DE" b="0" i="1" smtClean="0">
+                                        <a:solidFill>
+                                          <a:schemeClr val="tx1"/>
+                                        </a:solidFill>
+                                        <a:latin typeface="Cambria Math"/>
+                                        <a:ea typeface="Cambria Math"/>
+                                      </a:rPr>
+                                      <m:t>𝑣</m:t>
+                                    </m:r>
+                                  </m:e>
+                                </m:d>
+                              </m:e>
+                            </m:nary>
+                          </m:e>
+                        </m:d>
+                      </m:e>
+                    </m:d>
+                  </m:oMath>
+                </a14:m>
+                <a:r>
+                  <a:rPr kumimoji="0" lang="de-DE" b="0" i="0" u="none" strike="noStrike" cap="none" normalizeH="0" baseline="0" dirty="0" smtClean="0">
+                    <a:ln>
+                      <a:noFill/>
+                    </a:ln>
+                    <a:solidFill>
+                      <a:schemeClr val="tx1"/>
+                    </a:solidFill>
+                    <a:effectLst/>
+                    <a:latin typeface="Open Sans" panose="020B0606030504020204" pitchFamily="34" charset="0"/>
+                    <a:ea typeface="Open Sans" panose="020B0606030504020204" pitchFamily="34" charset="0"/>
+                    <a:cs typeface="Open Sans" panose="020B0606030504020204" pitchFamily="34" charset="0"/>
+                  </a:rPr>
+                  <a:t>  </a:t>
+                </a:r>
+                <a:endParaRPr kumimoji="0" lang="de-DE" b="0" i="0" u="none" strike="noStrike" cap="none" normalizeH="0" baseline="0" dirty="0" smtClean="0">
+                  <a:ln>
+                    <a:noFill/>
+                  </a:ln>
+                  <a:solidFill>
+                    <a:schemeClr val="tx1"/>
+                  </a:solidFill>
+                  <a:effectLst/>
+                  <a:latin typeface="Open Sans" panose="020B0606030504020204" pitchFamily="34" charset="0"/>
+                  <a:ea typeface="Open Sans" panose="020B0606030504020204" pitchFamily="34" charset="0"/>
+                  <a:cs typeface="Open Sans" panose="020B0606030504020204" pitchFamily="34" charset="0"/>
+                </a:endParaRPr>
+              </a:p>
+            </p:txBody>
+          </p:sp>
+        </mc:Choice>
+        <mc:Fallback>
+          <p:sp>
+            <p:nvSpPr>
+              <p:cNvPr id="21" name="Legende mit Linie 1 20"/>
+              <p:cNvSpPr>
+                <a:spLocks noRot="1" noChangeAspect="1" noMove="1" noResize="1" noEditPoints="1" noAdjustHandles="1" noChangeArrowheads="1" noChangeShapeType="1" noTextEdit="1"/>
+              </p:cNvSpPr>
+              <p:nvPr/>
+            </p:nvSpPr>
+            <p:spPr bwMode="auto">
+              <a:xfrm>
+                <a:off x="4984549" y="4746170"/>
+                <a:ext cx="4232022" cy="1277257"/>
+              </a:xfrm>
+              <a:prstGeom prst="borderCallout1">
+                <a:avLst>
+                  <a:gd name="adj1" fmla="val -13068"/>
+                  <a:gd name="adj2" fmla="val 73234"/>
+                  <a:gd name="adj3" fmla="val -119218"/>
+                  <a:gd name="adj4" fmla="val 70771"/>
+                </a:avLst>
+              </a:prstGeom>
+              <a:blipFill rotWithShape="1">
+                <a:blip r:embed="rId4"/>
+                <a:stretch>
+                  <a:fillRect/>
+                </a:stretch>
+              </a:blipFill>
+              <a:ln>
+                <a:headEnd type="none" w="med" len="med"/>
+                <a:tailEnd type="none" w="med" len="med"/>
+              </a:ln>
+            </p:spPr>
+            <p:txBody>
+              <a:bodyPr/>
+              <a:lstStyle/>
+              <a:p>
+                <a:r>
+                  <a:rPr lang="de-DE">
+                    <a:noFill/>
+                  </a:rPr>
+                  <a:t> </a:t>
+                </a:r>
+              </a:p>
+            </p:txBody>
+          </p:sp>
+        </mc:Fallback>
+      </mc:AlternateContent>
+      <p:sp>
+        <p:nvSpPr>
+          <p:cNvPr id="3" name="Rechteck 2"/>
+          <p:cNvSpPr/>
+          <p:nvPr/>
+        </p:nvSpPr>
+        <p:spPr bwMode="auto">
+          <a:xfrm>
+            <a:off x="451623" y="1059543"/>
+            <a:ext cx="4036654" cy="3686627"/>
+          </a:xfrm>
+          <a:prstGeom prst="rect">
+            <a:avLst/>
+          </a:prstGeom>
+          <a:solidFill>
+            <a:srgbClr val="FFFFFF">
+              <a:alpha val="80000"/>
+            </a:srgbClr>
+          </a:solidFill>
+          <a:ln w="9525" cap="flat" cmpd="sng" algn="ctr">
+            <a:noFill/>
+            <a:prstDash val="solid"/>
+            <a:round/>
+            <a:headEnd type="none" w="med" len="med"/>
+            <a:tailEnd type="none" w="med" len="med"/>
+          </a:ln>
+          <a:effectLst/>
+        </p:spPr>
+        <p:txBody>
+          <a:bodyPr rot="0" spcFirstLastPara="0" vertOverflow="overflow" horzOverflow="overflow" vert="horz" wrap="square" lIns="91440" tIns="45720" rIns="91440" bIns="45720" numCol="1" spcCol="0" rtlCol="0" fromWordArt="0" anchor="ctr" anchorCtr="0" forceAA="0" compatLnSpc="1">
+            <a:prstTxWarp prst="textNoShape">
+              <a:avLst/>
+            </a:prstTxWarp>
+            <a:noAutofit/>
+          </a:bodyPr>
+          <a:lstStyle/>
+          <a:p>
+            <a:pPr marL="0" marR="0" indent="0" algn="ctr" defTabSz="914400" rtl="0" eaLnBrk="1" fontAlgn="base" latinLnBrk="0" hangingPunct="1">
+              <a:lnSpc>
+                <a:spcPct val="100000"/>
+              </a:lnSpc>
+              <a:spcBef>
+                <a:spcPct val="0"/>
+              </a:spcBef>
+              <a:spcAft>
+                <a:spcPts val="600"/>
+              </a:spcAft>
+              <a:buClrTx/>
+              <a:buSzTx/>
+              <a:buFontTx/>
+              <a:buNone/>
+              <a:tabLst/>
+            </a:pPr>
+            <a:endParaRPr kumimoji="0" lang="de-DE" sz="1200" b="0" i="0" u="none" strike="noStrike" cap="none" normalizeH="0" baseline="0" dirty="0" err="1" smtClean="0">
+              <a:ln>
+                <a:noFill/>
+              </a:ln>
+              <a:solidFill>
+                <a:schemeClr val="bg1"/>
+              </a:solidFill>
+              <a:effectLst/>
+              <a:latin typeface="Open Sans" panose="020B0606030504020204" pitchFamily="34" charset="0"/>
+              <a:ea typeface="Open Sans" panose="020B0606030504020204" pitchFamily="34" charset="0"/>
+              <a:cs typeface="Open Sans" panose="020B0606030504020204" pitchFamily="34" charset="0"/>
+            </a:endParaRPr>
+          </a:p>
+        </p:txBody>
+      </p:sp>
+      <p:sp>
+        <p:nvSpPr>
+          <p:cNvPr id="23" name="Rechteck 22"/>
+          <p:cNvSpPr/>
+          <p:nvPr/>
+        </p:nvSpPr>
+        <p:spPr bwMode="auto">
+          <a:xfrm>
+            <a:off x="451622" y="4746171"/>
+            <a:ext cx="11214847" cy="1463401"/>
+          </a:xfrm>
+          <a:prstGeom prst="rect">
+            <a:avLst/>
+          </a:prstGeom>
+          <a:solidFill>
+            <a:srgbClr val="FFFFFF">
+              <a:alpha val="80000"/>
+            </a:srgbClr>
+          </a:solidFill>
+          <a:ln w="9525" cap="flat" cmpd="sng" algn="ctr">
+            <a:noFill/>
+            <a:prstDash val="solid"/>
+            <a:round/>
+            <a:headEnd type="none" w="med" len="med"/>
+            <a:tailEnd type="none" w="med" len="med"/>
+          </a:ln>
+          <a:effectLst/>
+        </p:spPr>
+        <p:txBody>
+          <a:bodyPr rot="0" spcFirstLastPara="0" vertOverflow="overflow" horzOverflow="overflow" vert="horz" wrap="square" lIns="91440" tIns="45720" rIns="91440" bIns="45720" numCol="1" spcCol="0" rtlCol="0" fromWordArt="0" anchor="ctr" anchorCtr="0" forceAA="0" compatLnSpc="1">
+            <a:prstTxWarp prst="textNoShape">
+              <a:avLst/>
+            </a:prstTxWarp>
+            <a:noAutofit/>
+          </a:bodyPr>
+          <a:lstStyle/>
+          <a:p>
+            <a:pPr marL="0" marR="0" indent="0" algn="ctr" defTabSz="914400" rtl="0" eaLnBrk="1" fontAlgn="base" latinLnBrk="0" hangingPunct="1">
+              <a:lnSpc>
+                <a:spcPct val="100000"/>
+              </a:lnSpc>
+              <a:spcBef>
+                <a:spcPct val="0"/>
+              </a:spcBef>
+              <a:spcAft>
+                <a:spcPts val="600"/>
+              </a:spcAft>
+              <a:buClrTx/>
+              <a:buSzTx/>
+              <a:buFontTx/>
+              <a:buNone/>
+              <a:tabLst/>
+            </a:pPr>
+            <a:endParaRPr kumimoji="0" lang="de-DE" sz="1200" b="0" i="0" u="none" strike="noStrike" cap="none" normalizeH="0" baseline="0" dirty="0" err="1" smtClean="0">
+              <a:ln>
+                <a:noFill/>
+              </a:ln>
+              <a:solidFill>
+                <a:schemeClr val="bg1"/>
+              </a:solidFill>
+              <a:effectLst/>
+              <a:latin typeface="Open Sans" panose="020B0606030504020204" pitchFamily="34" charset="0"/>
+              <a:ea typeface="Open Sans" panose="020B0606030504020204" pitchFamily="34" charset="0"/>
+              <a:cs typeface="Open Sans" panose="020B0606030504020204" pitchFamily="34" charset="0"/>
+            </a:endParaRPr>
+          </a:p>
+        </p:txBody>
+      </p:sp>
+    </p:spTree>
+    <p:extLst>
+      <p:ext uri="{BB962C8B-B14F-4D97-AF65-F5344CB8AC3E}">
+        <p14:creationId xmlns:p14="http://schemas.microsoft.com/office/powerpoint/2010/main" val="1626998960"/>
+      </p:ext>
+    </p:extLst>
+  </p:cSld>
+  <p:clrMapOvr>
+    <a:masterClrMapping/>
+  </p:clrMapOvr>
+  <p:timing>
+    <p:tnLst>
+      <p:par>
+        <p:cTn id="1" dur="indefinite" restart="never" nodeType="tmRoot"/>
+      </p:par>
+    </p:tnLst>
+  </p:timing>
+</p:sld>
+</file>
+
+<file path=ppt/slides/slide12.xml><?xml version="1.0" encoding="utf-8"?>
+<p:sld xmlns:a="http://schemas.openxmlformats.org/drawingml/2006/main" xmlns:r="http://schemas.openxmlformats.org/officeDocument/2006/relationships" xmlns:p="http://schemas.openxmlformats.org/presentationml/2006/main">
+  <p:cSld>
+    <p:spTree>
+      <p:nvGrpSpPr>
+        <p:cNvPr id="1" name=""/>
+        <p:cNvGrpSpPr/>
+        <p:nvPr/>
+      </p:nvGrpSpPr>
+      <p:grpSpPr>
+        <a:xfrm>
+          <a:off x="0" y="0"/>
+          <a:ext cx="0" cy="0"/>
+          <a:chOff x="0" y="0"/>
+          <a:chExt cx="0" cy="0"/>
+        </a:xfrm>
+      </p:grpSpPr>
+      <p:sp>
+        <p:nvSpPr>
+          <p:cNvPr id="2" name="Titel 1"/>
+          <p:cNvSpPr>
+            <a:spLocks noGrp="1"/>
+          </p:cNvSpPr>
+          <p:nvPr>
+            <p:ph type="title"/>
+          </p:nvPr>
+        </p:nvSpPr>
+        <p:spPr/>
+        <p:txBody>
+          <a:bodyPr/>
+          <a:lstStyle/>
+          <a:p>
+            <a:r>
+              <a:rPr lang="de-DE" dirty="0" smtClean="0"/>
+              <a:t>Die Metriken müssen bis zur Orchestrierungsschicht gelangen und dort richtig behandelt werden</a:t>
+            </a:r>
+            <a:endParaRPr lang="de-DE" dirty="0"/>
+          </a:p>
+        </p:txBody>
+      </p:sp>
+      <p:pic>
+        <p:nvPicPr>
+          <p:cNvPr id="5" name="Inhaltsplatzhalter 4"/>
+          <p:cNvPicPr>
+            <a:picLocks noGrp="1" noChangeAspect="1"/>
+          </p:cNvPicPr>
+          <p:nvPr>
+            <p:ph sz="half" idx="1"/>
+          </p:nvPr>
+        </p:nvPicPr>
+        <p:blipFill>
+          <a:blip r:embed="rId2">
+            <a:extLst>
+              <a:ext uri="{28A0092B-C50C-407E-A947-70E740481C1C}">
+                <a14:useLocalDpi xmlns:a14="http://schemas.microsoft.com/office/drawing/2010/main" val="0"/>
+              </a:ext>
+            </a:extLst>
+          </a:blip>
+          <a:stretch>
+            <a:fillRect/>
+          </a:stretch>
+        </p:blipFill>
+        <p:spPr>
+          <a:xfrm>
+            <a:off x="1306512" y="1708944"/>
+            <a:ext cx="3810000" cy="3810000"/>
+          </a:xfrm>
+        </p:spPr>
+      </p:pic>
+      <p:sp>
+        <p:nvSpPr>
+          <p:cNvPr id="18" name="Inhaltsplatzhalter 17"/>
+          <p:cNvSpPr>
+            <a:spLocks noGrp="1"/>
+          </p:cNvSpPr>
+          <p:nvPr>
+            <p:ph sz="half" idx="2"/>
+          </p:nvPr>
+        </p:nvSpPr>
+        <p:spPr>
+          <a:xfrm>
+            <a:off x="9167751" y="1350963"/>
+            <a:ext cx="2488173" cy="4525962"/>
+          </a:xfrm>
+        </p:spPr>
+        <p:txBody>
+          <a:bodyPr/>
+          <a:lstStyle/>
+          <a:p>
+            <a:pPr marL="0" indent="0">
+              <a:buNone/>
+            </a:pPr>
+            <a:r>
+              <a:rPr lang="de-DE" b="1" dirty="0" smtClean="0"/>
+              <a:t>Wünschenswert:</a:t>
+            </a:r>
+          </a:p>
+          <a:p>
+            <a:r>
+              <a:rPr lang="de-DE" sz="1600" dirty="0" smtClean="0"/>
+              <a:t>Orchestrierung arbeitet nur mit den Nutzdaten und muss von den Zählern nichts wissen</a:t>
+            </a:r>
+          </a:p>
+          <a:p>
+            <a:endParaRPr lang="de-DE" sz="1600" dirty="0" smtClean="0"/>
+          </a:p>
+          <a:p>
+            <a:r>
+              <a:rPr lang="de-DE" sz="1600" dirty="0" smtClean="0"/>
+              <a:t>Geschäftslogik kann ohne große Umstände einfach zählen, das Framework kümmert sich um den Rest</a:t>
+            </a:r>
+            <a:endParaRPr lang="de-DE" sz="1600" dirty="0"/>
+          </a:p>
+        </p:txBody>
+      </p:sp>
+      <p:sp>
+        <p:nvSpPr>
+          <p:cNvPr id="6" name="Rechteck 5"/>
+          <p:cNvSpPr/>
+          <p:nvPr/>
+        </p:nvSpPr>
+        <p:spPr bwMode="auto">
+          <a:xfrm>
+            <a:off x="5540188" y="1708944"/>
+            <a:ext cx="3449433" cy="935644"/>
+          </a:xfrm>
+          <a:prstGeom prst="rect">
+            <a:avLst/>
+          </a:prstGeom>
+          <a:ln>
+            <a:headEnd type="none" w="med" len="med"/>
+            <a:tailEnd type="none" w="med" len="med"/>
+          </a:ln>
+        </p:spPr>
+        <p:style>
+          <a:lnRef idx="1">
+            <a:schemeClr val="accent5"/>
+          </a:lnRef>
+          <a:fillRef idx="3">
+            <a:schemeClr val="accent5"/>
+          </a:fillRef>
+          <a:effectRef idx="2">
+            <a:schemeClr val="accent5"/>
+          </a:effectRef>
+          <a:fontRef idx="minor">
+            <a:schemeClr val="lt1"/>
+          </a:fontRef>
+        </p:style>
+        <p:txBody>
+          <a:bodyPr rot="0" spcFirstLastPara="0" vertOverflow="overflow" horzOverflow="overflow" vert="horz" wrap="square" lIns="91440" tIns="45720" rIns="91440" bIns="45720" numCol="1" spcCol="0" rtlCol="0" fromWordArt="0" anchor="t" anchorCtr="0" forceAA="0" compatLnSpc="1">
+            <a:prstTxWarp prst="textNoShape">
+              <a:avLst/>
+            </a:prstTxWarp>
+            <a:noAutofit/>
+          </a:bodyPr>
+          <a:lstStyle/>
+          <a:p>
+            <a:pPr marL="0" marR="0" indent="0" algn="l" defTabSz="914400" rtl="0" eaLnBrk="1" fontAlgn="base" latinLnBrk="0" hangingPunct="1">
+              <a:lnSpc>
+                <a:spcPct val="100000"/>
+              </a:lnSpc>
+              <a:spcBef>
+                <a:spcPct val="0"/>
+              </a:spcBef>
+              <a:spcAft>
+                <a:spcPts val="600"/>
+              </a:spcAft>
+              <a:buClrTx/>
+              <a:buSzTx/>
+              <a:buFontTx/>
+              <a:buNone/>
+              <a:tabLst/>
+            </a:pPr>
+            <a:r>
+              <a:rPr kumimoji="0" lang="de-DE" sz="1600" b="1" i="0" u="none" strike="noStrike" cap="none" normalizeH="0" baseline="0" dirty="0" smtClean="0">
+                <a:ln>
+                  <a:noFill/>
+                </a:ln>
+                <a:solidFill>
+                  <a:schemeClr val="bg1"/>
+                </a:solidFill>
+                <a:effectLst/>
+                <a:latin typeface="Open Sans" panose="020B0606030504020204" pitchFamily="34" charset="0"/>
+                <a:ea typeface="Open Sans" panose="020B0606030504020204" pitchFamily="34" charset="0"/>
+                <a:cs typeface="Open Sans" panose="020B0606030504020204" pitchFamily="34" charset="0"/>
+              </a:rPr>
+              <a:t>Orchestration</a:t>
+            </a:r>
+            <a:endParaRPr kumimoji="0" lang="de-DE" sz="1600" b="1" i="0" u="none" strike="noStrike" cap="none" normalizeH="0" baseline="0" dirty="0" smtClean="0">
+              <a:ln>
+                <a:noFill/>
+              </a:ln>
+              <a:solidFill>
+                <a:schemeClr val="bg1"/>
+              </a:solidFill>
+              <a:effectLst/>
+              <a:latin typeface="Open Sans" panose="020B0606030504020204" pitchFamily="34" charset="0"/>
+              <a:ea typeface="Open Sans" panose="020B0606030504020204" pitchFamily="34" charset="0"/>
+              <a:cs typeface="Open Sans" panose="020B0606030504020204" pitchFamily="34" charset="0"/>
+            </a:endParaRPr>
+          </a:p>
+        </p:txBody>
+      </p:sp>
+      <p:sp>
+        <p:nvSpPr>
+          <p:cNvPr id="7" name="Rechteck 6"/>
+          <p:cNvSpPr/>
+          <p:nvPr/>
+        </p:nvSpPr>
+        <p:spPr bwMode="auto">
+          <a:xfrm>
+            <a:off x="5540188" y="3030070"/>
+            <a:ext cx="3449433" cy="1063485"/>
+          </a:xfrm>
+          <a:prstGeom prst="rect">
+            <a:avLst/>
+          </a:prstGeom>
+          <a:ln>
+            <a:headEnd type="none" w="med" len="med"/>
+            <a:tailEnd type="none" w="med" len="med"/>
+          </a:ln>
+        </p:spPr>
+        <p:style>
+          <a:lnRef idx="1">
+            <a:schemeClr val="accent6"/>
+          </a:lnRef>
+          <a:fillRef idx="3">
+            <a:schemeClr val="accent6"/>
+          </a:fillRef>
+          <a:effectRef idx="2">
+            <a:schemeClr val="accent6"/>
+          </a:effectRef>
+          <a:fontRef idx="minor">
+            <a:schemeClr val="lt1"/>
+          </a:fontRef>
+        </p:style>
+        <p:txBody>
+          <a:bodyPr rot="0" spcFirstLastPara="0" vertOverflow="overflow" horzOverflow="overflow" vert="horz" wrap="square" lIns="91440" tIns="45720" rIns="91440" bIns="45720" numCol="1" spcCol="0" rtlCol="0" fromWordArt="0" anchor="t" anchorCtr="0" forceAA="0" compatLnSpc="1">
+            <a:prstTxWarp prst="textNoShape">
+              <a:avLst/>
+            </a:prstTxWarp>
+            <a:noAutofit/>
+          </a:bodyPr>
+          <a:lstStyle/>
+          <a:p>
+            <a:pPr marL="0" marR="0" indent="0" algn="l" defTabSz="914400" rtl="0" eaLnBrk="1" fontAlgn="base" latinLnBrk="0" hangingPunct="1">
+              <a:lnSpc>
+                <a:spcPct val="100000"/>
+              </a:lnSpc>
+              <a:spcBef>
+                <a:spcPct val="0"/>
+              </a:spcBef>
+              <a:spcAft>
+                <a:spcPts val="600"/>
+              </a:spcAft>
+              <a:buClrTx/>
+              <a:buSzTx/>
+              <a:buFontTx/>
+              <a:buNone/>
+              <a:tabLst/>
+            </a:pPr>
+            <a:r>
+              <a:rPr kumimoji="0" lang="de-DE" sz="1600" b="1" i="0" u="none" strike="noStrike" cap="none" normalizeH="0" baseline="0" dirty="0" smtClean="0">
+                <a:ln>
+                  <a:noFill/>
+                </a:ln>
+                <a:solidFill>
+                  <a:schemeClr val="bg1"/>
+                </a:solidFill>
+                <a:effectLst/>
+                <a:latin typeface="Open Sans" panose="020B0606030504020204" pitchFamily="34" charset="0"/>
+                <a:ea typeface="Open Sans" panose="020B0606030504020204" pitchFamily="34" charset="0"/>
+                <a:cs typeface="Open Sans" panose="020B0606030504020204" pitchFamily="34" charset="0"/>
+              </a:rPr>
+              <a:t>Spark-aware Business</a:t>
+            </a:r>
+            <a:r>
+              <a:rPr kumimoji="0" lang="de-DE" sz="1600" b="1" i="0" u="none" strike="noStrike" cap="none" normalizeH="0" dirty="0" smtClean="0">
+                <a:ln>
+                  <a:noFill/>
+                </a:ln>
+                <a:solidFill>
+                  <a:schemeClr val="bg1"/>
+                </a:solidFill>
+                <a:effectLst/>
+                <a:latin typeface="Open Sans" panose="020B0606030504020204" pitchFamily="34" charset="0"/>
+                <a:ea typeface="Open Sans" panose="020B0606030504020204" pitchFamily="34" charset="0"/>
+                <a:cs typeface="Open Sans" panose="020B0606030504020204" pitchFamily="34" charset="0"/>
+              </a:rPr>
+              <a:t> </a:t>
+            </a:r>
+            <a:r>
+              <a:rPr kumimoji="0" lang="de-DE" sz="1600" b="1" i="0" u="none" strike="noStrike" cap="none" normalizeH="0" dirty="0" err="1" smtClean="0">
+                <a:ln>
+                  <a:noFill/>
+                </a:ln>
+                <a:solidFill>
+                  <a:schemeClr val="bg1"/>
+                </a:solidFill>
+                <a:effectLst/>
+                <a:latin typeface="Open Sans" panose="020B0606030504020204" pitchFamily="34" charset="0"/>
+                <a:ea typeface="Open Sans" panose="020B0606030504020204" pitchFamily="34" charset="0"/>
+                <a:cs typeface="Open Sans" panose="020B0606030504020204" pitchFamily="34" charset="0"/>
+              </a:rPr>
+              <a:t>Logic</a:t>
+            </a:r>
+            <a:endParaRPr kumimoji="0" lang="de-DE" sz="1600" b="1" i="0" u="none" strike="noStrike" cap="none" normalizeH="0" baseline="0" dirty="0" smtClean="0">
+              <a:ln>
+                <a:noFill/>
+              </a:ln>
+              <a:solidFill>
+                <a:schemeClr val="bg1"/>
+              </a:solidFill>
+              <a:effectLst/>
+              <a:latin typeface="Open Sans" panose="020B0606030504020204" pitchFamily="34" charset="0"/>
+              <a:ea typeface="Open Sans" panose="020B0606030504020204" pitchFamily="34" charset="0"/>
+              <a:cs typeface="Open Sans" panose="020B0606030504020204" pitchFamily="34" charset="0"/>
+            </a:endParaRPr>
+          </a:p>
+        </p:txBody>
+      </p:sp>
+      <p:sp>
+        <p:nvSpPr>
+          <p:cNvPr id="8" name="Rechteck 7"/>
+          <p:cNvSpPr/>
+          <p:nvPr/>
+        </p:nvSpPr>
+        <p:spPr bwMode="auto">
+          <a:xfrm>
+            <a:off x="5540188" y="4455459"/>
+            <a:ext cx="3449433" cy="1063485"/>
+          </a:xfrm>
+          <a:prstGeom prst="rect">
+            <a:avLst/>
+          </a:prstGeom>
+          <a:ln>
+            <a:headEnd type="none" w="med" len="med"/>
+            <a:tailEnd type="none" w="med" len="med"/>
+          </a:ln>
+        </p:spPr>
+        <p:style>
+          <a:lnRef idx="1">
+            <a:schemeClr val="accent6"/>
+          </a:lnRef>
+          <a:fillRef idx="2">
+            <a:schemeClr val="accent6"/>
+          </a:fillRef>
+          <a:effectRef idx="1">
+            <a:schemeClr val="accent6"/>
+          </a:effectRef>
+          <a:fontRef idx="minor">
+            <a:schemeClr val="dk1"/>
+          </a:fontRef>
+        </p:style>
+        <p:txBody>
+          <a:bodyPr rot="0" spcFirstLastPara="0" vertOverflow="overflow" horzOverflow="overflow" vert="horz" wrap="square" lIns="91440" tIns="45720" rIns="91440" bIns="45720" numCol="1" spcCol="0" rtlCol="0" fromWordArt="0" anchor="t" anchorCtr="0" forceAA="0" compatLnSpc="1">
+            <a:prstTxWarp prst="textNoShape">
+              <a:avLst/>
+            </a:prstTxWarp>
+            <a:noAutofit/>
+          </a:bodyPr>
+          <a:lstStyle/>
+          <a:p>
+            <a:pPr marL="0" marR="0" indent="0" algn="l" defTabSz="914400" rtl="0" eaLnBrk="1" fontAlgn="base" latinLnBrk="0" hangingPunct="1">
+              <a:lnSpc>
+                <a:spcPct val="100000"/>
+              </a:lnSpc>
+              <a:spcBef>
+                <a:spcPct val="0"/>
+              </a:spcBef>
+              <a:spcAft>
+                <a:spcPts val="600"/>
+              </a:spcAft>
+              <a:buClrTx/>
+              <a:buSzTx/>
+              <a:buFontTx/>
+              <a:buNone/>
+              <a:tabLst/>
+            </a:pPr>
+            <a:r>
+              <a:rPr kumimoji="0" lang="de-DE" sz="1600" b="1" i="0" u="none" strike="noStrike" cap="none" normalizeH="0" baseline="0" dirty="0" smtClean="0">
+                <a:ln>
+                  <a:noFill/>
+                </a:ln>
+                <a:solidFill>
+                  <a:schemeClr val="tx1"/>
+                </a:solidFill>
+                <a:effectLst/>
+                <a:latin typeface="Open Sans" panose="020B0606030504020204" pitchFamily="34" charset="0"/>
+                <a:ea typeface="Open Sans" panose="020B0606030504020204" pitchFamily="34" charset="0"/>
+                <a:cs typeface="Open Sans" panose="020B0606030504020204" pitchFamily="34" charset="0"/>
+              </a:rPr>
+              <a:t>Spark-</a:t>
+            </a:r>
+            <a:r>
+              <a:rPr kumimoji="0" lang="de-DE" sz="1600" b="1" i="0" u="none" strike="noStrike" cap="none" normalizeH="0" baseline="0" dirty="0" err="1" smtClean="0">
+                <a:ln>
+                  <a:noFill/>
+                </a:ln>
+                <a:solidFill>
+                  <a:schemeClr val="tx1"/>
+                </a:solidFill>
+                <a:effectLst/>
+                <a:latin typeface="Open Sans" panose="020B0606030504020204" pitchFamily="34" charset="0"/>
+                <a:ea typeface="Open Sans" panose="020B0606030504020204" pitchFamily="34" charset="0"/>
+                <a:cs typeface="Open Sans" panose="020B0606030504020204" pitchFamily="34" charset="0"/>
+              </a:rPr>
+              <a:t>unaware</a:t>
+            </a:r>
+            <a:r>
+              <a:rPr kumimoji="0" lang="de-DE" sz="1600" b="1" i="0" u="none" strike="noStrike" cap="none" normalizeH="0" baseline="0" dirty="0" smtClean="0">
+                <a:ln>
+                  <a:noFill/>
+                </a:ln>
+                <a:solidFill>
+                  <a:schemeClr val="tx1"/>
+                </a:solidFill>
+                <a:effectLst/>
+                <a:latin typeface="Open Sans" panose="020B0606030504020204" pitchFamily="34" charset="0"/>
+                <a:ea typeface="Open Sans" panose="020B0606030504020204" pitchFamily="34" charset="0"/>
+                <a:cs typeface="Open Sans" panose="020B0606030504020204" pitchFamily="34" charset="0"/>
+              </a:rPr>
+              <a:t> Business</a:t>
+            </a:r>
+            <a:r>
+              <a:rPr kumimoji="0" lang="de-DE" sz="1600" b="1" i="0" u="none" strike="noStrike" cap="none" normalizeH="0" dirty="0" smtClean="0">
+                <a:ln>
+                  <a:noFill/>
+                </a:ln>
+                <a:solidFill>
+                  <a:schemeClr val="tx1"/>
+                </a:solidFill>
+                <a:effectLst/>
+                <a:latin typeface="Open Sans" panose="020B0606030504020204" pitchFamily="34" charset="0"/>
+                <a:ea typeface="Open Sans" panose="020B0606030504020204" pitchFamily="34" charset="0"/>
+                <a:cs typeface="Open Sans" panose="020B0606030504020204" pitchFamily="34" charset="0"/>
+              </a:rPr>
+              <a:t> </a:t>
+            </a:r>
+            <a:r>
+              <a:rPr kumimoji="0" lang="de-DE" sz="1600" b="1" i="0" u="none" strike="noStrike" cap="none" normalizeH="0" dirty="0" err="1" smtClean="0">
+                <a:ln>
+                  <a:noFill/>
+                </a:ln>
+                <a:solidFill>
+                  <a:schemeClr val="tx1"/>
+                </a:solidFill>
+                <a:effectLst/>
+                <a:latin typeface="Open Sans" panose="020B0606030504020204" pitchFamily="34" charset="0"/>
+                <a:ea typeface="Open Sans" panose="020B0606030504020204" pitchFamily="34" charset="0"/>
+                <a:cs typeface="Open Sans" panose="020B0606030504020204" pitchFamily="34" charset="0"/>
+              </a:rPr>
+              <a:t>Logic</a:t>
+            </a:r>
+            <a:endParaRPr kumimoji="0" lang="de-DE" sz="1600" b="1" i="0" u="none" strike="noStrike" cap="none" normalizeH="0" baseline="0" dirty="0" smtClean="0">
+              <a:ln>
+                <a:noFill/>
+              </a:ln>
+              <a:solidFill>
+                <a:schemeClr val="tx1"/>
+              </a:solidFill>
+              <a:effectLst/>
+              <a:latin typeface="Open Sans" panose="020B0606030504020204" pitchFamily="34" charset="0"/>
+              <a:ea typeface="Open Sans" panose="020B0606030504020204" pitchFamily="34" charset="0"/>
+              <a:cs typeface="Open Sans" panose="020B0606030504020204" pitchFamily="34" charset="0"/>
+            </a:endParaRPr>
+          </a:p>
+        </p:txBody>
+      </p:sp>
+      <p:cxnSp>
+        <p:nvCxnSpPr>
+          <p:cNvPr id="10" name="Gerade Verbindung mit Pfeil 9"/>
+          <p:cNvCxnSpPr>
+            <a:stCxn id="6" idx="2"/>
+            <a:endCxn id="7" idx="0"/>
+          </p:cNvCxnSpPr>
+          <p:nvPr/>
+        </p:nvCxnSpPr>
+        <p:spPr bwMode="auto">
+          <a:xfrm>
+            <a:off x="7264905" y="2644588"/>
+            <a:ext cx="0" cy="385482"/>
+          </a:xfrm>
+          <a:prstGeom prst="straightConnector1">
+            <a:avLst/>
+          </a:prstGeom>
+          <a:solidFill>
+            <a:schemeClr val="accent1"/>
+          </a:solidFill>
+          <a:ln w="57150" cap="flat" cmpd="sng" algn="ctr">
+            <a:solidFill>
+              <a:schemeClr val="tx1"/>
+            </a:solidFill>
+            <a:prstDash val="solid"/>
+            <a:round/>
+            <a:headEnd type="none" w="med" len="med"/>
+            <a:tailEnd type="triangle" w="med" len="med"/>
+          </a:ln>
+          <a:effectLst/>
+        </p:spPr>
+      </p:cxnSp>
+      <p:cxnSp>
+        <p:nvCxnSpPr>
+          <p:cNvPr id="11" name="Gerade Verbindung mit Pfeil 10"/>
+          <p:cNvCxnSpPr>
+            <a:stCxn id="7" idx="2"/>
+            <a:endCxn id="8" idx="0"/>
+          </p:cNvCxnSpPr>
+          <p:nvPr/>
+        </p:nvCxnSpPr>
+        <p:spPr bwMode="auto">
+          <a:xfrm>
+            <a:off x="7264905" y="4093555"/>
+            <a:ext cx="0" cy="361904"/>
+          </a:xfrm>
+          <a:prstGeom prst="straightConnector1">
+            <a:avLst/>
+          </a:prstGeom>
+          <a:solidFill>
+            <a:schemeClr val="accent1"/>
+          </a:solidFill>
+          <a:ln w="57150" cap="flat" cmpd="sng" algn="ctr">
+            <a:solidFill>
+              <a:schemeClr val="tx1"/>
+            </a:solidFill>
+            <a:prstDash val="solid"/>
+            <a:round/>
+            <a:headEnd type="none" w="med" len="med"/>
+            <a:tailEnd type="triangle" w="med" len="med"/>
+          </a:ln>
+          <a:effectLst/>
+        </p:spPr>
+      </p:cxnSp>
+      <p:pic>
+        <p:nvPicPr>
+          <p:cNvPr id="5122" name="Picture 2" descr="D:\projects\mgm\jug-saxony-workshop\src\slides\resources\images\1490832347_user 4.png"/>
+          <p:cNvPicPr>
+            <a:picLocks noChangeAspect="1" noChangeArrowheads="1"/>
+          </p:cNvPicPr>
+          <p:nvPr/>
+        </p:nvPicPr>
+        <p:blipFill>
+          <a:blip r:embed="rId3">
+            <a:extLst>
+              <a:ext uri="{28A0092B-C50C-407E-A947-70E740481C1C}">
+                <a14:useLocalDpi xmlns:a14="http://schemas.microsoft.com/office/drawing/2010/main" val="0"/>
+              </a:ext>
+            </a:extLst>
+          </a:blip>
+          <a:srcRect/>
+          <a:stretch>
+            <a:fillRect/>
+          </a:stretch>
+        </p:blipFill>
+        <p:spPr bwMode="auto">
+          <a:xfrm>
+            <a:off x="8063479" y="3182619"/>
+            <a:ext cx="758385" cy="758385"/>
+          </a:xfrm>
+          <a:prstGeom prst="rect">
+            <a:avLst/>
+          </a:prstGeom>
+          <a:noFill/>
+          <a:extLst>
+            <a:ext uri="{909E8E84-426E-40DD-AFC4-6F175D3DCCD1}">
+              <a14:hiddenFill xmlns:a14="http://schemas.microsoft.com/office/drawing/2010/main">
+                <a:solidFill>
+                  <a:srgbClr val="FFFFFF"/>
+                </a:solidFill>
+              </a14:hiddenFill>
+            </a:ext>
+          </a:extLst>
+        </p:spPr>
+      </p:pic>
+      <p:pic>
+        <p:nvPicPr>
+          <p:cNvPr id="5123" name="Picture 3" descr="D:\projects\mgm\jug-saxony-workshop\src\slides\resources\images\1490832386_user 3.png"/>
+          <p:cNvPicPr>
+            <a:picLocks noChangeAspect="1" noChangeArrowheads="1"/>
+          </p:cNvPicPr>
+          <p:nvPr/>
+        </p:nvPicPr>
+        <p:blipFill>
+          <a:blip r:embed="rId4">
+            <a:extLst>
+              <a:ext uri="{28A0092B-C50C-407E-A947-70E740481C1C}">
+                <a14:useLocalDpi xmlns:a14="http://schemas.microsoft.com/office/drawing/2010/main" val="0"/>
+              </a:ext>
+            </a:extLst>
+          </a:blip>
+          <a:srcRect/>
+          <a:stretch>
+            <a:fillRect/>
+          </a:stretch>
+        </p:blipFill>
+        <p:spPr bwMode="auto">
+          <a:xfrm>
+            <a:off x="8081636" y="4608008"/>
+            <a:ext cx="758385" cy="758385"/>
+          </a:xfrm>
+          <a:prstGeom prst="rect">
+            <a:avLst/>
+          </a:prstGeom>
+          <a:noFill/>
+          <a:extLst>
+            <a:ext uri="{909E8E84-426E-40DD-AFC4-6F175D3DCCD1}">
+              <a14:hiddenFill xmlns:a14="http://schemas.microsoft.com/office/drawing/2010/main">
+                <a:solidFill>
+                  <a:srgbClr val="FFFFFF"/>
+                </a:solidFill>
+              </a14:hiddenFill>
+            </a:ext>
+          </a:extLst>
+        </p:spPr>
+      </p:pic>
+      <p:pic>
+        <p:nvPicPr>
+          <p:cNvPr id="5124" name="Picture 4" descr="D:\projects\mgm\jug-saxony-workshop\src\slides\resources\images\1490832417_user 2.png"/>
+          <p:cNvPicPr>
+            <a:picLocks noChangeAspect="1" noChangeArrowheads="1"/>
+          </p:cNvPicPr>
+          <p:nvPr/>
+        </p:nvPicPr>
+        <p:blipFill>
+          <a:blip r:embed="rId5">
+            <a:extLst>
+              <a:ext uri="{28A0092B-C50C-407E-A947-70E740481C1C}">
+                <a14:useLocalDpi xmlns:a14="http://schemas.microsoft.com/office/drawing/2010/main" val="0"/>
+              </a:ext>
+            </a:extLst>
+          </a:blip>
+          <a:srcRect/>
+          <a:stretch>
+            <a:fillRect/>
+          </a:stretch>
+        </p:blipFill>
+        <p:spPr bwMode="auto">
+          <a:xfrm>
+            <a:off x="8081635" y="1797573"/>
+            <a:ext cx="758385" cy="758385"/>
+          </a:xfrm>
+          <a:prstGeom prst="rect">
+            <a:avLst/>
+          </a:prstGeom>
+          <a:noFill/>
+          <a:extLst>
+            <a:ext uri="{909E8E84-426E-40DD-AFC4-6F175D3DCCD1}">
+              <a14:hiddenFill xmlns:a14="http://schemas.microsoft.com/office/drawing/2010/main">
+                <a:solidFill>
+                  <a:srgbClr val="FFFFFF"/>
+                </a:solidFill>
+              </a14:hiddenFill>
+            </a:ext>
+          </a:extLst>
+        </p:spPr>
+      </p:pic>
+    </p:spTree>
+    <p:extLst>
+      <p:ext uri="{BB962C8B-B14F-4D97-AF65-F5344CB8AC3E}">
+        <p14:creationId xmlns:p14="http://schemas.microsoft.com/office/powerpoint/2010/main" val="2204222147"/>
+      </p:ext>
+    </p:extLst>
+  </p:cSld>
+  <p:clrMapOvr>
+    <a:masterClrMapping/>
+  </p:clrMapOvr>
+  <p:timing>
+    <p:tnLst>
+      <p:par>
+        <p:cTn id="1" dur="indefinite" restart="never" nodeType="tmRoot"/>
+      </p:par>
+    </p:tnLst>
+  </p:timing>
+</p:sld>
+</file>
+
+<file path=ppt/slides/slide13.xml><?xml version="1.0" encoding="utf-8"?>
+<p:sld xmlns:a="http://schemas.openxmlformats.org/drawingml/2006/main" xmlns:r="http://schemas.openxmlformats.org/officeDocument/2006/relationships" xmlns:p="http://schemas.openxmlformats.org/presentationml/2006/main">
+  <p:cSld>
+    <p:spTree>
+      <p:nvGrpSpPr>
+        <p:cNvPr id="1" name=""/>
+        <p:cNvGrpSpPr/>
+        <p:nvPr/>
+      </p:nvGrpSpPr>
+      <p:grpSpPr>
+        <a:xfrm>
+          <a:off x="0" y="0"/>
+          <a:ext cx="0" cy="0"/>
+          <a:chOff x="0" y="0"/>
+          <a:chExt cx="0" cy="0"/>
+        </a:xfrm>
+      </p:grpSpPr>
+      <p:sp>
+        <p:nvSpPr>
+          <p:cNvPr id="2" name="Titel 1"/>
+          <p:cNvSpPr>
+            <a:spLocks noGrp="1"/>
+          </p:cNvSpPr>
+          <p:nvPr>
+            <p:ph type="title"/>
+          </p:nvPr>
+        </p:nvSpPr>
+        <p:spPr/>
+        <p:txBody>
+          <a:bodyPr/>
+          <a:lstStyle/>
+          <a:p>
+            <a:r>
+              <a:rPr lang="de-DE" dirty="0" smtClean="0"/>
+              <a:t>Die Metriken müssen bis zur Orchestrierungsschicht gelangen und dort richtig behandelt werden</a:t>
+            </a:r>
+            <a:endParaRPr lang="de-DE" dirty="0"/>
+          </a:p>
+        </p:txBody>
+      </p:sp>
+      <p:sp>
+        <p:nvSpPr>
+          <p:cNvPr id="6" name="Rechteck 5"/>
+          <p:cNvSpPr/>
+          <p:nvPr/>
+        </p:nvSpPr>
+        <p:spPr bwMode="auto">
+          <a:xfrm>
+            <a:off x="5540188" y="1708944"/>
+            <a:ext cx="3449433" cy="935644"/>
+          </a:xfrm>
+          <a:prstGeom prst="rect">
+            <a:avLst/>
+          </a:prstGeom>
+          <a:ln>
+            <a:headEnd type="none" w="med" len="med"/>
+            <a:tailEnd type="none" w="med" len="med"/>
+          </a:ln>
+        </p:spPr>
+        <p:style>
+          <a:lnRef idx="1">
+            <a:schemeClr val="accent5"/>
+          </a:lnRef>
+          <a:fillRef idx="3">
+            <a:schemeClr val="accent5"/>
+          </a:fillRef>
+          <a:effectRef idx="2">
+            <a:schemeClr val="accent5"/>
+          </a:effectRef>
+          <a:fontRef idx="minor">
+            <a:schemeClr val="lt1"/>
+          </a:fontRef>
+        </p:style>
+        <p:txBody>
+          <a:bodyPr rot="0" spcFirstLastPara="0" vertOverflow="overflow" horzOverflow="overflow" vert="horz" wrap="square" lIns="91440" tIns="45720" rIns="91440" bIns="45720" numCol="1" spcCol="0" rtlCol="0" fromWordArt="0" anchor="t" anchorCtr="0" forceAA="0" compatLnSpc="1">
+            <a:prstTxWarp prst="textNoShape">
+              <a:avLst/>
+            </a:prstTxWarp>
+            <a:noAutofit/>
+          </a:bodyPr>
+          <a:lstStyle/>
+          <a:p>
+            <a:pPr marL="0" marR="0" indent="0" algn="l" defTabSz="914400" rtl="0" eaLnBrk="1" fontAlgn="base" latinLnBrk="0" hangingPunct="1">
+              <a:lnSpc>
+                <a:spcPct val="100000"/>
+              </a:lnSpc>
+              <a:spcBef>
+                <a:spcPct val="0"/>
+              </a:spcBef>
+              <a:spcAft>
+                <a:spcPts val="600"/>
+              </a:spcAft>
+              <a:buClrTx/>
+              <a:buSzTx/>
+              <a:buFontTx/>
+              <a:buNone/>
+              <a:tabLst/>
+            </a:pPr>
+            <a:r>
+              <a:rPr kumimoji="0" lang="de-DE" sz="1600" b="1" i="0" u="none" strike="noStrike" cap="none" normalizeH="0" baseline="0" dirty="0" smtClean="0">
+                <a:ln>
+                  <a:noFill/>
+                </a:ln>
+                <a:solidFill>
+                  <a:schemeClr val="bg1"/>
+                </a:solidFill>
+                <a:effectLst/>
+                <a:latin typeface="Open Sans" panose="020B0606030504020204" pitchFamily="34" charset="0"/>
+                <a:ea typeface="Open Sans" panose="020B0606030504020204" pitchFamily="34" charset="0"/>
+                <a:cs typeface="Open Sans" panose="020B0606030504020204" pitchFamily="34" charset="0"/>
+              </a:rPr>
+              <a:t>Orchestration</a:t>
+            </a:r>
+            <a:endParaRPr kumimoji="0" lang="de-DE" sz="1600" b="1" i="0" u="none" strike="noStrike" cap="none" normalizeH="0" baseline="0" dirty="0" smtClean="0">
+              <a:ln>
+                <a:noFill/>
+              </a:ln>
+              <a:solidFill>
+                <a:schemeClr val="bg1"/>
+              </a:solidFill>
+              <a:effectLst/>
+              <a:latin typeface="Open Sans" panose="020B0606030504020204" pitchFamily="34" charset="0"/>
+              <a:ea typeface="Open Sans" panose="020B0606030504020204" pitchFamily="34" charset="0"/>
+              <a:cs typeface="Open Sans" panose="020B0606030504020204" pitchFamily="34" charset="0"/>
+            </a:endParaRPr>
+          </a:p>
+        </p:txBody>
+      </p:sp>
+      <p:sp>
+        <p:nvSpPr>
+          <p:cNvPr id="7" name="Rechteck 6"/>
+          <p:cNvSpPr/>
+          <p:nvPr/>
+        </p:nvSpPr>
+        <p:spPr bwMode="auto">
+          <a:xfrm>
+            <a:off x="5540188" y="3030070"/>
+            <a:ext cx="3449433" cy="1063485"/>
+          </a:xfrm>
+          <a:prstGeom prst="rect">
+            <a:avLst/>
+          </a:prstGeom>
+          <a:ln>
+            <a:headEnd type="none" w="med" len="med"/>
+            <a:tailEnd type="none" w="med" len="med"/>
+          </a:ln>
+        </p:spPr>
+        <p:style>
+          <a:lnRef idx="1">
+            <a:schemeClr val="accent6"/>
+          </a:lnRef>
+          <a:fillRef idx="3">
+            <a:schemeClr val="accent6"/>
+          </a:fillRef>
+          <a:effectRef idx="2">
+            <a:schemeClr val="accent6"/>
+          </a:effectRef>
+          <a:fontRef idx="minor">
+            <a:schemeClr val="lt1"/>
+          </a:fontRef>
+        </p:style>
+        <p:txBody>
+          <a:bodyPr rot="0" spcFirstLastPara="0" vertOverflow="overflow" horzOverflow="overflow" vert="horz" wrap="square" lIns="91440" tIns="45720" rIns="91440" bIns="45720" numCol="1" spcCol="0" rtlCol="0" fromWordArt="0" anchor="t" anchorCtr="0" forceAA="0" compatLnSpc="1">
+            <a:prstTxWarp prst="textNoShape">
+              <a:avLst/>
+            </a:prstTxWarp>
+            <a:noAutofit/>
+          </a:bodyPr>
+          <a:lstStyle/>
+          <a:p>
+            <a:pPr marL="0" marR="0" indent="0" algn="l" defTabSz="914400" rtl="0" eaLnBrk="1" fontAlgn="base" latinLnBrk="0" hangingPunct="1">
+              <a:lnSpc>
+                <a:spcPct val="100000"/>
+              </a:lnSpc>
+              <a:spcBef>
+                <a:spcPct val="0"/>
+              </a:spcBef>
+              <a:spcAft>
+                <a:spcPts val="600"/>
+              </a:spcAft>
+              <a:buClrTx/>
+              <a:buSzTx/>
+              <a:buFontTx/>
+              <a:buNone/>
+              <a:tabLst/>
+            </a:pPr>
+            <a:r>
+              <a:rPr kumimoji="0" lang="de-DE" sz="1600" b="1" i="0" u="none" strike="noStrike" cap="none" normalizeH="0" baseline="0" dirty="0" smtClean="0">
+                <a:ln>
+                  <a:noFill/>
+                </a:ln>
+                <a:solidFill>
+                  <a:schemeClr val="bg1"/>
+                </a:solidFill>
+                <a:effectLst/>
+                <a:latin typeface="Open Sans" panose="020B0606030504020204" pitchFamily="34" charset="0"/>
+                <a:ea typeface="Open Sans" panose="020B0606030504020204" pitchFamily="34" charset="0"/>
+                <a:cs typeface="Open Sans" panose="020B0606030504020204" pitchFamily="34" charset="0"/>
+              </a:rPr>
+              <a:t>Spark-aware Business</a:t>
+            </a:r>
+            <a:r>
+              <a:rPr kumimoji="0" lang="de-DE" sz="1600" b="1" i="0" u="none" strike="noStrike" cap="none" normalizeH="0" dirty="0" smtClean="0">
+                <a:ln>
+                  <a:noFill/>
+                </a:ln>
+                <a:solidFill>
+                  <a:schemeClr val="bg1"/>
+                </a:solidFill>
+                <a:effectLst/>
+                <a:latin typeface="Open Sans" panose="020B0606030504020204" pitchFamily="34" charset="0"/>
+                <a:ea typeface="Open Sans" panose="020B0606030504020204" pitchFamily="34" charset="0"/>
+                <a:cs typeface="Open Sans" panose="020B0606030504020204" pitchFamily="34" charset="0"/>
+              </a:rPr>
+              <a:t> </a:t>
+            </a:r>
+            <a:r>
+              <a:rPr kumimoji="0" lang="de-DE" sz="1600" b="1" i="0" u="none" strike="noStrike" cap="none" normalizeH="0" dirty="0" err="1" smtClean="0">
+                <a:ln>
+                  <a:noFill/>
+                </a:ln>
+                <a:solidFill>
+                  <a:schemeClr val="bg1"/>
+                </a:solidFill>
+                <a:effectLst/>
+                <a:latin typeface="Open Sans" panose="020B0606030504020204" pitchFamily="34" charset="0"/>
+                <a:ea typeface="Open Sans" panose="020B0606030504020204" pitchFamily="34" charset="0"/>
+                <a:cs typeface="Open Sans" panose="020B0606030504020204" pitchFamily="34" charset="0"/>
+              </a:rPr>
+              <a:t>Logic</a:t>
+            </a:r>
+            <a:endParaRPr kumimoji="0" lang="de-DE" sz="1600" b="1" i="0" u="none" strike="noStrike" cap="none" normalizeH="0" baseline="0" dirty="0" smtClean="0">
+              <a:ln>
+                <a:noFill/>
+              </a:ln>
+              <a:solidFill>
+                <a:schemeClr val="bg1"/>
+              </a:solidFill>
+              <a:effectLst/>
+              <a:latin typeface="Open Sans" panose="020B0606030504020204" pitchFamily="34" charset="0"/>
+              <a:ea typeface="Open Sans" panose="020B0606030504020204" pitchFamily="34" charset="0"/>
+              <a:cs typeface="Open Sans" panose="020B0606030504020204" pitchFamily="34" charset="0"/>
+            </a:endParaRPr>
+          </a:p>
+        </p:txBody>
+      </p:sp>
+      <p:cxnSp>
+        <p:nvCxnSpPr>
+          <p:cNvPr id="10" name="Gerade Verbindung mit Pfeil 9"/>
+          <p:cNvCxnSpPr>
+            <a:stCxn id="6" idx="2"/>
+            <a:endCxn id="7" idx="0"/>
+          </p:cNvCxnSpPr>
+          <p:nvPr/>
+        </p:nvCxnSpPr>
+        <p:spPr bwMode="auto">
+          <a:xfrm>
+            <a:off x="7264905" y="2644588"/>
+            <a:ext cx="0" cy="385482"/>
+          </a:xfrm>
+          <a:prstGeom prst="straightConnector1">
+            <a:avLst/>
+          </a:prstGeom>
+          <a:solidFill>
+            <a:schemeClr val="accent1"/>
+          </a:solidFill>
+          <a:ln w="57150" cap="flat" cmpd="sng" algn="ctr">
+            <a:solidFill>
+              <a:schemeClr val="tx1"/>
+            </a:solidFill>
+            <a:prstDash val="solid"/>
+            <a:round/>
+            <a:headEnd type="none" w="med" len="med"/>
+            <a:tailEnd type="triangle" w="med" len="med"/>
+          </a:ln>
+          <a:effectLst/>
+        </p:spPr>
+      </p:cxnSp>
+      <p:pic>
+        <p:nvPicPr>
+          <p:cNvPr id="5122" name="Picture 2" descr="D:\projects\mgm\jug-saxony-workshop\src\slides\resources\images\1490832347_user 4.png"/>
+          <p:cNvPicPr>
+            <a:picLocks noChangeAspect="1" noChangeArrowheads="1"/>
+          </p:cNvPicPr>
+          <p:nvPr/>
+        </p:nvPicPr>
+        <p:blipFill>
+          <a:blip r:embed="rId2">
+            <a:extLst>
+              <a:ext uri="{28A0092B-C50C-407E-A947-70E740481C1C}">
+                <a14:useLocalDpi xmlns:a14="http://schemas.microsoft.com/office/drawing/2010/main" val="0"/>
+              </a:ext>
+            </a:extLst>
+          </a:blip>
+          <a:srcRect/>
+          <a:stretch>
+            <a:fillRect/>
+          </a:stretch>
+        </p:blipFill>
+        <p:spPr bwMode="auto">
+          <a:xfrm>
+            <a:off x="8063479" y="3182619"/>
+            <a:ext cx="758385" cy="758385"/>
+          </a:xfrm>
+          <a:prstGeom prst="rect">
+            <a:avLst/>
+          </a:prstGeom>
+          <a:noFill/>
+          <a:extLst>
+            <a:ext uri="{909E8E84-426E-40DD-AFC4-6F175D3DCCD1}">
+              <a14:hiddenFill xmlns:a14="http://schemas.microsoft.com/office/drawing/2010/main">
+                <a:solidFill>
+                  <a:srgbClr val="FFFFFF"/>
+                </a:solidFill>
+              </a14:hiddenFill>
+            </a:ext>
+          </a:extLst>
+        </p:spPr>
+      </p:pic>
+      <p:pic>
+        <p:nvPicPr>
+          <p:cNvPr id="5124" name="Picture 4" descr="D:\projects\mgm\jug-saxony-workshop\src\slides\resources\images\1490832417_user 2.png"/>
+          <p:cNvPicPr>
+            <a:picLocks noChangeAspect="1" noChangeArrowheads="1"/>
+          </p:cNvPicPr>
+          <p:nvPr/>
+        </p:nvPicPr>
+        <p:blipFill>
+          <a:blip r:embed="rId3">
+            <a:extLst>
+              <a:ext uri="{28A0092B-C50C-407E-A947-70E740481C1C}">
+                <a14:useLocalDpi xmlns:a14="http://schemas.microsoft.com/office/drawing/2010/main" val="0"/>
+              </a:ext>
+            </a:extLst>
+          </a:blip>
+          <a:srcRect/>
+          <a:stretch>
+            <a:fillRect/>
+          </a:stretch>
+        </p:blipFill>
+        <p:spPr bwMode="auto">
+          <a:xfrm>
+            <a:off x="8081635" y="1797573"/>
+            <a:ext cx="758385" cy="758385"/>
+          </a:xfrm>
+          <a:prstGeom prst="rect">
+            <a:avLst/>
+          </a:prstGeom>
+          <a:noFill/>
+          <a:extLst>
+            <a:ext uri="{909E8E84-426E-40DD-AFC4-6F175D3DCCD1}">
+              <a14:hiddenFill xmlns:a14="http://schemas.microsoft.com/office/drawing/2010/main">
+                <a:solidFill>
+                  <a:srgbClr val="FFFFFF"/>
+                </a:solidFill>
+              </a14:hiddenFill>
+            </a:ext>
+          </a:extLst>
+        </p:spPr>
+      </p:pic>
+    </p:spTree>
+    <p:extLst>
+      <p:ext uri="{BB962C8B-B14F-4D97-AF65-F5344CB8AC3E}">
+        <p14:creationId xmlns:p14="http://schemas.microsoft.com/office/powerpoint/2010/main" val="1262960851"/>
+      </p:ext>
+    </p:extLst>
+  </p:cSld>
+  <p:clrMapOvr>
+    <a:masterClrMapping/>
+  </p:clrMapOvr>
+  <p:timing>
+    <p:tnLst>
+      <p:par>
+        <p:cTn id="1" dur="indefinite" restart="never" nodeType="tmRoot"/>
+      </p:par>
+    </p:tnLst>
+  </p:timing>
+</p:sld>
+</file>
+
+<file path=ppt/slides/slide14.xml><?xml version="1.0" encoding="utf-8"?>
+<p:sld xmlns:a="http://schemas.openxmlformats.org/drawingml/2006/main" xmlns:r="http://schemas.openxmlformats.org/officeDocument/2006/relationships" xmlns:p="http://schemas.openxmlformats.org/presentationml/2006/main">
+  <p:cSld>
+    <p:spTree>
+      <p:nvGrpSpPr>
+        <p:cNvPr id="1" name=""/>
+        <p:cNvGrpSpPr/>
+        <p:nvPr/>
+      </p:nvGrpSpPr>
+      <p:grpSpPr>
+        <a:xfrm>
+          <a:off x="0" y="0"/>
+          <a:ext cx="0" cy="0"/>
+          <a:chOff x="0" y="0"/>
+          <a:chExt cx="0" cy="0"/>
+        </a:xfrm>
+      </p:grpSpPr>
+      <p:sp>
+        <p:nvSpPr>
           <p:cNvPr id="2" name="Inhaltsplatzhalter 1"/>
           <p:cNvSpPr>
             <a:spLocks noGrp="1"/>
@@ -9352,7 +14297,7 @@
 </p:sld>
 </file>
 
-<file path=ppt/slides/slide12.xml><?xml version="1.0" encoding="utf-8"?>
+<file path=ppt/slides/slide15.xml><?xml version="1.0" encoding="utf-8"?>
 <p:sld xmlns:a="http://schemas.openxmlformats.org/drawingml/2006/main" xmlns:r="http://schemas.openxmlformats.org/officeDocument/2006/relationships" xmlns:p="http://schemas.openxmlformats.org/presentationml/2006/main">
   <p:cSld>
     <p:spTree>
@@ -9827,7 +14772,7 @@
 </p:sld>
 </file>
 
-<file path=ppt/slides/slide13.xml><?xml version="1.0" encoding="utf-8"?>
+<file path=ppt/slides/slide16.xml><?xml version="1.0" encoding="utf-8"?>
 <p:sld xmlns:a="http://schemas.openxmlformats.org/drawingml/2006/main" xmlns:r="http://schemas.openxmlformats.org/officeDocument/2006/relationships" xmlns:p="http://schemas.openxmlformats.org/presentationml/2006/main">
   <p:cSld>
     <p:spTree>
@@ -9868,165 +14813,219 @@
           <a:lstStyle/>
           <a:p>
             <a:r>
-              <a:rPr lang="en-US" dirty="0">
+              <a:rPr lang="en-US" sz="1400" dirty="0">
                 <a:hlinkClick r:id="rId2"/>
               </a:rPr>
               <a:t>https://</a:t>
             </a:r>
             <a:r>
-              <a:rPr lang="en-US" dirty="0" smtClean="0">
+              <a:rPr lang="en-US" sz="1400" dirty="0" smtClean="0">
                 <a:hlinkClick r:id="rId2"/>
               </a:rPr>
               <a:t>www.iconfinder.com/icons/1886978/commerce_market_open_shop_shopping_store_icon#size=256</a:t>
             </a:r>
-            <a:endParaRPr lang="en-US" dirty="0" smtClean="0"/>
+            <a:endParaRPr lang="en-US" sz="1400" dirty="0" smtClean="0"/>
           </a:p>
           <a:p>
             <a:r>
-              <a:rPr lang="en-US" dirty="0">
+              <a:rPr lang="en-US" sz="1400" dirty="0">
                 <a:hlinkClick r:id="rId3"/>
               </a:rPr>
               <a:t>https://</a:t>
             </a:r>
             <a:r>
-              <a:rPr lang="en-US" dirty="0" smtClean="0">
+              <a:rPr lang="en-US" sz="1400" dirty="0" smtClean="0">
                 <a:hlinkClick r:id="rId3"/>
               </a:rPr>
               <a:t>www.iconfinder.com/icons/1872628/analysis_data_laptop_pie_tab_icon#size=128</a:t>
             </a:r>
             <a:r>
-              <a:rPr lang="en-US" dirty="0" smtClean="0"/>
+              <a:rPr lang="en-US" sz="1400" dirty="0" smtClean="0"/>
               <a:t> </a:t>
             </a:r>
           </a:p>
           <a:p>
             <a:r>
-              <a:rPr lang="en-US" dirty="0">
+              <a:rPr lang="en-US" sz="1400" dirty="0">
                 <a:hlinkClick r:id="rId4"/>
               </a:rPr>
               <a:t>https://</a:t>
             </a:r>
             <a:r>
-              <a:rPr lang="en-US" dirty="0" smtClean="0">
+              <a:rPr lang="en-US" sz="1400" dirty="0" smtClean="0">
                 <a:hlinkClick r:id="rId4"/>
               </a:rPr>
               <a:t>www.iconfinder.com/icons/1872631/communication_email_envelope_letter_mail_message_send_icon#size=128</a:t>
             </a:r>
             <a:r>
-              <a:rPr lang="en-US" dirty="0" smtClean="0"/>
+              <a:rPr lang="en-US" sz="1400" dirty="0" smtClean="0"/>
               <a:t> </a:t>
             </a:r>
           </a:p>
           <a:p>
             <a:r>
-              <a:rPr lang="en-US" dirty="0">
+              <a:rPr lang="en-US" sz="1400" dirty="0">
                 <a:hlinkClick r:id="rId5"/>
               </a:rPr>
               <a:t>https://</a:t>
             </a:r>
             <a:r>
-              <a:rPr lang="en-US" dirty="0" smtClean="0">
+              <a:rPr lang="en-US" sz="1400" dirty="0" smtClean="0">
                 <a:hlinkClick r:id="rId5"/>
               </a:rPr>
               <a:t>www.iconfinder.com/icons/63466/cloud_computing_data_center_datacenter_hosting_server_servers_icon#size=128</a:t>
             </a:r>
             <a:r>
-              <a:rPr lang="en-US" dirty="0" smtClean="0"/>
+              <a:rPr lang="en-US" sz="1400" dirty="0" smtClean="0"/>
               <a:t> </a:t>
             </a:r>
           </a:p>
           <a:p>
             <a:r>
-              <a:rPr lang="en-US" dirty="0">
+              <a:rPr lang="en-US" sz="1400" dirty="0">
                 <a:hlinkClick r:id="rId6"/>
               </a:rPr>
               <a:t>https://</a:t>
             </a:r>
             <a:r>
-              <a:rPr lang="en-US" dirty="0" smtClean="0">
+              <a:rPr lang="en-US" sz="1400" dirty="0" smtClean="0">
                 <a:hlinkClick r:id="rId6"/>
               </a:rPr>
               <a:t>www.iconfinder.com/icons/290138/document_extension_file_format_paper_icon#size=128</a:t>
             </a:r>
             <a:r>
-              <a:rPr lang="en-US" dirty="0" smtClean="0"/>
+              <a:rPr lang="en-US" sz="1400" dirty="0" smtClean="0"/>
               <a:t> </a:t>
             </a:r>
           </a:p>
           <a:p>
             <a:r>
-              <a:rPr lang="en-US" dirty="0">
+              <a:rPr lang="en-US" sz="1400" dirty="0">
                 <a:hlinkClick r:id="rId7"/>
               </a:rPr>
               <a:t>https://de.wikipedia.org/wiki/Git#/</a:t>
             </a:r>
             <a:r>
-              <a:rPr lang="en-US" dirty="0" smtClean="0">
+              <a:rPr lang="en-US" sz="1400" dirty="0" smtClean="0">
                 <a:hlinkClick r:id="rId7"/>
               </a:rPr>
               <a:t>media/File:Git-logo.svg</a:t>
             </a:r>
             <a:r>
-              <a:rPr lang="en-US" dirty="0" smtClean="0"/>
+              <a:rPr lang="en-US" sz="1400" dirty="0" smtClean="0"/>
               <a:t> </a:t>
             </a:r>
           </a:p>
           <a:p>
             <a:r>
-              <a:rPr lang="en-US" dirty="0">
+              <a:rPr lang="en-US" sz="1400" dirty="0">
                 <a:hlinkClick r:id="rId8"/>
               </a:rPr>
               <a:t>https://design.atlassian.com/how-we-design/resources</a:t>
             </a:r>
             <a:r>
-              <a:rPr lang="en-US" dirty="0" smtClean="0">
+              <a:rPr lang="en-US" sz="1400" dirty="0" smtClean="0">
                 <a:hlinkClick r:id="rId8"/>
               </a:rPr>
               <a:t>/</a:t>
             </a:r>
             <a:r>
-              <a:rPr lang="en-US" dirty="0" smtClean="0"/>
+              <a:rPr lang="en-US" sz="1400" dirty="0" smtClean="0"/>
               <a:t> </a:t>
             </a:r>
           </a:p>
           <a:p>
             <a:r>
-              <a:rPr lang="en-US" dirty="0">
+              <a:rPr lang="en-US" sz="1400" dirty="0">
                 <a:hlinkClick r:id="rId9"/>
               </a:rPr>
               <a:t>https://</a:t>
             </a:r>
             <a:r>
-              <a:rPr lang="en-US" dirty="0" smtClean="0">
+              <a:rPr lang="en-US" sz="1400" dirty="0" smtClean="0">
                 <a:hlinkClick r:id="rId9"/>
               </a:rPr>
               <a:t>www.iconfinder.com/icons/369797/application_coffee_cup_java_x_icon#size=128</a:t>
             </a:r>
             <a:r>
-              <a:rPr lang="en-US" dirty="0" smtClean="0"/>
+              <a:rPr lang="en-US" sz="1400" dirty="0" smtClean="0"/>
               <a:t> </a:t>
             </a:r>
           </a:p>
           <a:p>
             <a:r>
-              <a:rPr lang="en-US" dirty="0">
+              <a:rPr lang="en-US" sz="1400" dirty="0">
                 <a:hlinkClick r:id="rId10"/>
               </a:rPr>
               <a:t>http://</a:t>
             </a:r>
             <a:r>
-              <a:rPr lang="en-US" dirty="0" smtClean="0">
+              <a:rPr lang="en-US" sz="1400" dirty="0" smtClean="0">
                 <a:hlinkClick r:id="rId10"/>
               </a:rPr>
               <a:t>electric-cloud.com/wp-content/uploads/2014/09/EC-Gerrit.png</a:t>
             </a:r>
             <a:r>
-              <a:rPr lang="en-US" dirty="0" smtClean="0"/>
+              <a:rPr lang="en-US" sz="1400" dirty="0" smtClean="0"/>
               <a:t> </a:t>
             </a:r>
           </a:p>
           <a:p>
-            <a:endParaRPr lang="en-US" dirty="0" smtClean="0"/>
+            <a:r>
+              <a:rPr lang="en-US" sz="1400" dirty="0">
+                <a:hlinkClick r:id="rId11"/>
+              </a:rPr>
+              <a:t>https://</a:t>
+            </a:r>
+            <a:r>
+              <a:rPr lang="en-US" sz="1400" dirty="0" smtClean="0">
+                <a:hlinkClick r:id="rId11"/>
+              </a:rPr>
+              <a:t>www.iconfinder.com/icons/6711/pink_user_icon#size=128</a:t>
+            </a:r>
+            <a:r>
+              <a:rPr lang="en-US" sz="1400" dirty="0" smtClean="0"/>
+              <a:t> </a:t>
+            </a:r>
+          </a:p>
+          <a:p>
+            <a:r>
+              <a:rPr lang="en-US" sz="1400" dirty="0">
+                <a:hlinkClick r:id="rId12"/>
+              </a:rPr>
+              <a:t>https://</a:t>
+            </a:r>
+            <a:r>
+              <a:rPr lang="en-US" sz="1400" dirty="0" smtClean="0">
+                <a:hlinkClick r:id="rId12"/>
+              </a:rPr>
+              <a:t>www.iconfinder.com/icons/6710/guy_red_user_icon#size=128</a:t>
+            </a:r>
+            <a:r>
+              <a:rPr lang="en-US" sz="1400" dirty="0" smtClean="0"/>
+              <a:t> </a:t>
+            </a:r>
+          </a:p>
+          <a:p>
+            <a:r>
+              <a:rPr lang="en-US" sz="1400" dirty="0">
+                <a:hlinkClick r:id="rId13"/>
+              </a:rPr>
+              <a:t>https://</a:t>
+            </a:r>
+            <a:r>
+              <a:rPr lang="en-US" sz="1400" dirty="0" smtClean="0">
+                <a:hlinkClick r:id="rId13"/>
+              </a:rPr>
+              <a:t>www.iconfinder.com/icons/6709/green_user_icon#size=128</a:t>
+            </a:r>
+            <a:r>
+              <a:rPr lang="en-US" sz="1400" dirty="0" smtClean="0"/>
+              <a:t> </a:t>
+            </a:r>
+          </a:p>
+          <a:p>
+            <a:endParaRPr lang="en-US" sz="1400" dirty="0" smtClean="0"/>
           </a:p>
         </p:txBody>
       </p:sp>
@@ -10073,7 +15072,7 @@
 </p:sld>
 </file>
 
-<file path=ppt/slides/slide14.xml><?xml version="1.0" encoding="utf-8"?>
+<file path=ppt/slides/slide17.xml><?xml version="1.0" encoding="utf-8"?>
 <p:sld xmlns:a="http://schemas.openxmlformats.org/drawingml/2006/main" xmlns:r="http://schemas.openxmlformats.org/officeDocument/2006/relationships" xmlns:p="http://schemas.openxmlformats.org/presentationml/2006/main">
   <p:cSld>
     <p:spTree>
@@ -11288,60 +16287,6 @@
         <p14:creationId xmlns:p14="http://schemas.microsoft.com/office/powerpoint/2010/main" val="3125879362"/>
       </p:ext>
     </p:extLst>
-  </p:cSld>
-  <p:clrMapOvr>
-    <a:masterClrMapping/>
-  </p:clrMapOvr>
-  <p:timing>
-    <p:tnLst>
-      <p:par>
-        <p:cTn id="1" dur="indefinite" restart="never" nodeType="tmRoot"/>
-      </p:par>
-    </p:tnLst>
-  </p:timing>
-</p:sld>
-</file>
-
-<file path=ppt/slides/slide15.xml><?xml version="1.0" encoding="utf-8"?>
-<p:sld xmlns:a="http://schemas.openxmlformats.org/drawingml/2006/main" xmlns:r="http://schemas.openxmlformats.org/officeDocument/2006/relationships" xmlns:p="http://schemas.openxmlformats.org/presentationml/2006/main">
-  <p:cSld>
-    <p:spTree>
-      <p:nvGrpSpPr>
-        <p:cNvPr id="1" name=""/>
-        <p:cNvGrpSpPr/>
-        <p:nvPr/>
-      </p:nvGrpSpPr>
-      <p:grpSpPr>
-        <a:xfrm>
-          <a:off x="0" y="0"/>
-          <a:ext cx="0" cy="0"/>
-          <a:chOff x="0" y="0"/>
-          <a:chExt cx="0" cy="0"/>
-        </a:xfrm>
-      </p:grpSpPr>
-      <p:sp>
-        <p:nvSpPr>
-          <p:cNvPr id="4" name="Textplatzhalter 3"/>
-          <p:cNvSpPr>
-            <a:spLocks noGrp="1"/>
-          </p:cNvSpPr>
-          <p:nvPr>
-            <p:ph type="body" sz="quarter" idx="13"/>
-          </p:nvPr>
-        </p:nvSpPr>
-        <p:spPr/>
-        <p:txBody>
-          <a:bodyPr/>
-          <a:lstStyle/>
-          <a:p>
-            <a:r>
-              <a:rPr lang="de-DE" dirty="0"/>
-              <a:t>Backup</a:t>
-            </a:r>
-          </a:p>
-        </p:txBody>
-      </p:sp>
-    </p:spTree>
   </p:cSld>
   <p:clrMapOvr>
     <a:masterClrMapping/>

--- a/src/slides/resources/2017-03-31-JUG-Saxony-Workshop-de.pptx
+++ b/src/slides/resources/2017-03-31-JUG-Saxony-Workshop-de.pptx
@@ -158,7 +158,7 @@
   </p:defaultTextStyle>
   <p:extLst>
     <p:ext uri="{EFAFB233-063F-42B5-8137-9DF3F51BA10A}">
-      <p15:sldGuideLst xmlns:p15="http://schemas.microsoft.com/office/powerpoint/2012/main" xmlns="">
+      <p15:sldGuideLst xmlns="" xmlns:p15="http://schemas.microsoft.com/office/powerpoint/2012/main">
         <p15:guide id="1" orient="horz" pos="2084">
           <p15:clr>
             <a:srgbClr val="A4A3A4"/>
@@ -172,7 +172,7 @@
       </p15:sldGuideLst>
     </p:ext>
     <p:ext uri="{2D200454-40CA-4A62-9FC3-DE9A4176ACB9}">
-      <p15:notesGuideLst xmlns:p15="http://schemas.microsoft.com/office/powerpoint/2012/main" xmlns="">
+      <p15:notesGuideLst xmlns="" xmlns:p15="http://schemas.microsoft.com/office/powerpoint/2012/main">
         <p15:guide id="1" orient="horz" pos="3024">
           <p15:clr>
             <a:srgbClr val="A4A3A4"/>
@@ -4460,11 +4460,7 @@
                       <a:pPr algn="r"/>
                       <a:r>
                         <a:rPr lang="de-DE" sz="1200" dirty="0" smtClean="0"/>
-                        <a:t>320</a:t>
-                      </a:r>
-                      <a:r>
-                        <a:rPr lang="de-DE" sz="1200" dirty="0" smtClean="0"/>
-                        <a:t>€</a:t>
+                        <a:t>320€</a:t>
                       </a:r>
                       <a:endParaRPr lang="de-DE" sz="1200" dirty="0"/>
                     </a:p>
@@ -5246,11 +5242,7 @@
                       <a:pPr algn="r"/>
                       <a:r>
                         <a:rPr lang="de-DE" sz="1200" dirty="0" smtClean="0"/>
-                        <a:t>320</a:t>
-                      </a:r>
-                      <a:r>
-                        <a:rPr lang="de-DE" sz="1200" dirty="0" smtClean="0"/>
-                        <a:t>€</a:t>
+                        <a:t>320€</a:t>
                       </a:r>
                       <a:endParaRPr lang="de-DE" sz="1200" dirty="0"/>
                     </a:p>
@@ -6303,8 +6295,8 @@
           </a:graphicData>
         </a:graphic>
       </p:graphicFrame>
-      <mc:AlternateContent xmlns:mc="http://schemas.openxmlformats.org/markup-compatibility/2006">
-        <mc:Choice xmlns:a14="http://schemas.microsoft.com/office/drawing/2010/main" Requires="a14">
+      <mc:AlternateContent xmlns:mc="http://schemas.openxmlformats.org/markup-compatibility/2006" xmlns:a14="http://schemas.microsoft.com/office/drawing/2010/main">
+        <mc:Choice Requires="a14">
           <p:sp>
             <p:nvSpPr>
               <p:cNvPr id="20" name="Legende mit Linie 1 19"/>
@@ -6808,7 +6800,7 @@
             </p:txBody>
           </p:sp>
         </mc:Choice>
-        <mc:Fallback>
+        <mc:Fallback xmlns="">
           <p:sp>
             <p:nvSpPr>
               <p:cNvPr id="20" name="Legende mit Linie 1 19"/>
@@ -6856,8 +6848,8 @@
           </p:sp>
         </mc:Fallback>
       </mc:AlternateContent>
-      <mc:AlternateContent xmlns:mc="http://schemas.openxmlformats.org/markup-compatibility/2006">
-        <mc:Choice xmlns:a14="http://schemas.microsoft.com/office/drawing/2010/main" Requires="a14">
+      <mc:AlternateContent xmlns:mc="http://schemas.openxmlformats.org/markup-compatibility/2006" xmlns:a14="http://schemas.microsoft.com/office/drawing/2010/main">
+        <mc:Choice Requires="a14">
           <p:sp>
             <p:nvSpPr>
               <p:cNvPr id="21" name="Legende mit Linie 1 20"/>
@@ -7446,23 +7438,11 @@
                   </a:rPr>
                   <a:t>  </a:t>
                 </a:r>
-                <a:endParaRPr kumimoji="0" lang="de-DE" b="0" i="0" u="none" strike="noStrike" cap="none" normalizeH="0" baseline="0" dirty="0" smtClean="0">
-                  <a:ln>
-                    <a:noFill/>
-                  </a:ln>
-                  <a:solidFill>
-                    <a:schemeClr val="tx1"/>
-                  </a:solidFill>
-                  <a:effectLst/>
-                  <a:latin typeface="Open Sans" panose="020B0606030504020204" pitchFamily="34" charset="0"/>
-                  <a:ea typeface="Open Sans" panose="020B0606030504020204" pitchFamily="34" charset="0"/>
-                  <a:cs typeface="Open Sans" panose="020B0606030504020204" pitchFamily="34" charset="0"/>
-                </a:endParaRPr>
               </a:p>
             </p:txBody>
           </p:sp>
         </mc:Choice>
-        <mc:Fallback>
+        <mc:Fallback xmlns="">
           <p:sp>
             <p:nvSpPr>
               <p:cNvPr id="21" name="Legende mit Linie 1 20"/>
@@ -7735,13 +7715,13 @@
         </p:spPr>
         <p:style>
           <a:lnRef idx="2">
-            <a:schemeClr val="accent3"/>
+            <a:schemeClr val="accent2"/>
           </a:lnRef>
           <a:fillRef idx="1">
             <a:schemeClr val="lt1"/>
           </a:fillRef>
           <a:effectRef idx="0">
-            <a:schemeClr val="accent3"/>
+            <a:schemeClr val="accent2"/>
           </a:effectRef>
           <a:fontRef idx="minor">
             <a:schemeClr val="dk1"/>
@@ -7787,18 +7767,6 @@
               </a:rPr>
               <a:t>1</a:t>
             </a:r>
-            <a:endParaRPr kumimoji="0" lang="de-DE" sz="1200" b="0" i="0" u="none" strike="noStrike" cap="none" normalizeH="0" baseline="0" dirty="0" smtClean="0">
-              <a:ln>
-                <a:noFill/>
-              </a:ln>
-              <a:solidFill>
-                <a:schemeClr val="tx1"/>
-              </a:solidFill>
-              <a:effectLst/>
-              <a:latin typeface="Open Sans" panose="020B0606030504020204" pitchFamily="34" charset="0"/>
-              <a:ea typeface="Open Sans" panose="020B0606030504020204" pitchFamily="34" charset="0"/>
-              <a:cs typeface="Open Sans" panose="020B0606030504020204" pitchFamily="34" charset="0"/>
-            </a:endParaRPr>
           </a:p>
         </p:txBody>
       </p:sp>
@@ -7823,13 +7791,13 @@
         </p:spPr>
         <p:style>
           <a:lnRef idx="2">
-            <a:schemeClr val="accent3"/>
+            <a:schemeClr val="accent2"/>
           </a:lnRef>
           <a:fillRef idx="1">
             <a:schemeClr val="lt1"/>
           </a:fillRef>
           <a:effectRef idx="0">
-            <a:schemeClr val="accent3"/>
+            <a:schemeClr val="accent2"/>
           </a:effectRef>
           <a:fontRef idx="minor">
             <a:schemeClr val="dk1"/>
@@ -7875,18 +7843,6 @@
               </a:rPr>
               <a:t>2</a:t>
             </a:r>
-            <a:endParaRPr kumimoji="0" lang="de-DE" sz="1200" b="0" i="0" u="none" strike="noStrike" cap="none" normalizeH="0" baseline="0" dirty="0" smtClean="0">
-              <a:ln>
-                <a:noFill/>
-              </a:ln>
-              <a:solidFill>
-                <a:schemeClr val="tx1"/>
-              </a:solidFill>
-              <a:effectLst/>
-              <a:latin typeface="Open Sans" panose="020B0606030504020204" pitchFamily="34" charset="0"/>
-              <a:ea typeface="Open Sans" panose="020B0606030504020204" pitchFamily="34" charset="0"/>
-              <a:cs typeface="Open Sans" panose="020B0606030504020204" pitchFamily="34" charset="0"/>
-            </a:endParaRPr>
           </a:p>
         </p:txBody>
       </p:sp>
@@ -7911,13 +7867,13 @@
         </p:spPr>
         <p:style>
           <a:lnRef idx="2">
-            <a:schemeClr val="accent3"/>
+            <a:schemeClr val="accent2"/>
           </a:lnRef>
           <a:fillRef idx="1">
             <a:schemeClr val="lt1"/>
           </a:fillRef>
           <a:effectRef idx="0">
-            <a:schemeClr val="accent3"/>
+            <a:schemeClr val="accent2"/>
           </a:effectRef>
           <a:fontRef idx="minor">
             <a:schemeClr val="dk1"/>
@@ -7963,18 +7919,6 @@
               </a:rPr>
               <a:t>2</a:t>
             </a:r>
-            <a:endParaRPr kumimoji="0" lang="de-DE" sz="1200" b="0" i="0" u="none" strike="noStrike" cap="none" normalizeH="0" baseline="0" dirty="0" smtClean="0">
-              <a:ln>
-                <a:noFill/>
-              </a:ln>
-              <a:solidFill>
-                <a:schemeClr val="tx1"/>
-              </a:solidFill>
-              <a:effectLst/>
-              <a:latin typeface="Open Sans" panose="020B0606030504020204" pitchFamily="34" charset="0"/>
-              <a:ea typeface="Open Sans" panose="020B0606030504020204" pitchFamily="34" charset="0"/>
-              <a:cs typeface="Open Sans" panose="020B0606030504020204" pitchFamily="34" charset="0"/>
-            </a:endParaRPr>
           </a:p>
         </p:txBody>
       </p:sp>
@@ -7999,13 +7943,13 @@
         </p:spPr>
         <p:style>
           <a:lnRef idx="2">
-            <a:schemeClr val="accent3"/>
+            <a:schemeClr val="accent2"/>
           </a:lnRef>
           <a:fillRef idx="1">
             <a:schemeClr val="lt1"/>
           </a:fillRef>
           <a:effectRef idx="0">
-            <a:schemeClr val="accent3"/>
+            <a:schemeClr val="accent2"/>
           </a:effectRef>
           <a:fontRef idx="minor">
             <a:schemeClr val="dk1"/>
@@ -8051,18 +7995,6 @@
               </a:rPr>
               <a:t>2</a:t>
             </a:r>
-            <a:endParaRPr kumimoji="0" lang="de-DE" sz="1200" b="0" i="0" u="none" strike="noStrike" cap="none" normalizeH="0" baseline="0" dirty="0" smtClean="0">
-              <a:ln>
-                <a:noFill/>
-              </a:ln>
-              <a:solidFill>
-                <a:schemeClr val="tx1"/>
-              </a:solidFill>
-              <a:effectLst/>
-              <a:latin typeface="Open Sans" panose="020B0606030504020204" pitchFamily="34" charset="0"/>
-              <a:ea typeface="Open Sans" panose="020B0606030504020204" pitchFamily="34" charset="0"/>
-              <a:cs typeface="Open Sans" panose="020B0606030504020204" pitchFamily="34" charset="0"/>
-            </a:endParaRPr>
           </a:p>
         </p:txBody>
       </p:sp>
@@ -8087,13 +8019,13 @@
         </p:spPr>
         <p:style>
           <a:lnRef idx="2">
-            <a:schemeClr val="accent3"/>
+            <a:schemeClr val="accent2"/>
           </a:lnRef>
           <a:fillRef idx="1">
             <a:schemeClr val="lt1"/>
           </a:fillRef>
           <a:effectRef idx="0">
-            <a:schemeClr val="accent3"/>
+            <a:schemeClr val="accent2"/>
           </a:effectRef>
           <a:fontRef idx="minor">
             <a:schemeClr val="dk1"/>
@@ -8139,18 +8071,6 @@
               </a:rPr>
               <a:t>3</a:t>
             </a:r>
-            <a:endParaRPr kumimoji="0" lang="de-DE" sz="1200" b="0" i="0" u="none" strike="noStrike" cap="none" normalizeH="0" baseline="0" dirty="0" smtClean="0">
-              <a:ln>
-                <a:noFill/>
-              </a:ln>
-              <a:solidFill>
-                <a:schemeClr val="tx1"/>
-              </a:solidFill>
-              <a:effectLst/>
-              <a:latin typeface="Open Sans" panose="020B0606030504020204" pitchFamily="34" charset="0"/>
-              <a:ea typeface="Open Sans" panose="020B0606030504020204" pitchFamily="34" charset="0"/>
-              <a:cs typeface="Open Sans" panose="020B0606030504020204" pitchFamily="34" charset="0"/>
-            </a:endParaRPr>
           </a:p>
         </p:txBody>
       </p:sp>
@@ -8175,13 +8095,13 @@
         </p:spPr>
         <p:style>
           <a:lnRef idx="2">
-            <a:schemeClr val="accent3"/>
+            <a:schemeClr val="accent2"/>
           </a:lnRef>
           <a:fillRef idx="1">
             <a:schemeClr val="lt1"/>
           </a:fillRef>
           <a:effectRef idx="0">
-            <a:schemeClr val="accent3"/>
+            <a:schemeClr val="accent2"/>
           </a:effectRef>
           <a:fontRef idx="minor">
             <a:schemeClr val="dk1"/>
@@ -8227,18 +8147,6 @@
               </a:rPr>
               <a:t>1</a:t>
             </a:r>
-            <a:endParaRPr kumimoji="0" lang="de-DE" sz="1200" b="0" i="0" u="none" strike="noStrike" cap="none" normalizeH="0" baseline="0" dirty="0" smtClean="0">
-              <a:ln>
-                <a:noFill/>
-              </a:ln>
-              <a:solidFill>
-                <a:schemeClr val="tx1"/>
-              </a:solidFill>
-              <a:effectLst/>
-              <a:latin typeface="Open Sans" panose="020B0606030504020204" pitchFamily="34" charset="0"/>
-              <a:ea typeface="Open Sans" panose="020B0606030504020204" pitchFamily="34" charset="0"/>
-              <a:cs typeface="Open Sans" panose="020B0606030504020204" pitchFamily="34" charset="0"/>
-            </a:endParaRPr>
           </a:p>
         </p:txBody>
       </p:sp>
@@ -8263,13 +8171,13 @@
         </p:spPr>
         <p:style>
           <a:lnRef idx="2">
-            <a:schemeClr val="accent3"/>
+            <a:schemeClr val="accent2"/>
           </a:lnRef>
           <a:fillRef idx="1">
             <a:schemeClr val="lt1"/>
           </a:fillRef>
           <a:effectRef idx="0">
-            <a:schemeClr val="accent3"/>
+            <a:schemeClr val="accent2"/>
           </a:effectRef>
           <a:fontRef idx="minor">
             <a:schemeClr val="dk1"/>
@@ -8315,18 +8223,6 @@
               </a:rPr>
               <a:t>2</a:t>
             </a:r>
-            <a:endParaRPr kumimoji="0" lang="de-DE" sz="1200" b="0" i="0" u="none" strike="noStrike" cap="none" normalizeH="0" baseline="0" dirty="0" smtClean="0">
-              <a:ln>
-                <a:noFill/>
-              </a:ln>
-              <a:solidFill>
-                <a:schemeClr val="tx1"/>
-              </a:solidFill>
-              <a:effectLst/>
-              <a:latin typeface="Open Sans" panose="020B0606030504020204" pitchFamily="34" charset="0"/>
-              <a:ea typeface="Open Sans" panose="020B0606030504020204" pitchFamily="34" charset="0"/>
-              <a:cs typeface="Open Sans" panose="020B0606030504020204" pitchFamily="34" charset="0"/>
-            </a:endParaRPr>
           </a:p>
         </p:txBody>
       </p:sp>
@@ -8351,13 +8247,13 @@
         </p:spPr>
         <p:style>
           <a:lnRef idx="2">
-            <a:schemeClr val="accent3"/>
+            <a:schemeClr val="accent2"/>
           </a:lnRef>
           <a:fillRef idx="1">
             <a:schemeClr val="lt1"/>
           </a:fillRef>
           <a:effectRef idx="0">
-            <a:schemeClr val="accent3"/>
+            <a:schemeClr val="accent2"/>
           </a:effectRef>
           <a:fontRef idx="minor">
             <a:schemeClr val="dk1"/>
@@ -8403,18 +8299,6 @@
               </a:rPr>
               <a:t>2</a:t>
             </a:r>
-            <a:endParaRPr kumimoji="0" lang="de-DE" sz="1200" b="0" i="0" u="none" strike="noStrike" cap="none" normalizeH="0" baseline="0" dirty="0" smtClean="0">
-              <a:ln>
-                <a:noFill/>
-              </a:ln>
-              <a:solidFill>
-                <a:schemeClr val="tx1"/>
-              </a:solidFill>
-              <a:effectLst/>
-              <a:latin typeface="Open Sans" panose="020B0606030504020204" pitchFamily="34" charset="0"/>
-              <a:ea typeface="Open Sans" panose="020B0606030504020204" pitchFamily="34" charset="0"/>
-              <a:cs typeface="Open Sans" panose="020B0606030504020204" pitchFamily="34" charset="0"/>
-            </a:endParaRPr>
           </a:p>
         </p:txBody>
       </p:sp>
@@ -8439,13 +8323,13 @@
         </p:spPr>
         <p:style>
           <a:lnRef idx="2">
-            <a:schemeClr val="accent3"/>
+            <a:schemeClr val="accent2"/>
           </a:lnRef>
           <a:fillRef idx="1">
             <a:schemeClr val="lt1"/>
           </a:fillRef>
           <a:effectRef idx="0">
-            <a:schemeClr val="accent3"/>
+            <a:schemeClr val="accent2"/>
           </a:effectRef>
           <a:fontRef idx="minor">
             <a:schemeClr val="dk1"/>
@@ -8491,18 +8375,6 @@
               </a:rPr>
               <a:t>2</a:t>
             </a:r>
-            <a:endParaRPr kumimoji="0" lang="de-DE" sz="1200" b="0" i="0" u="none" strike="noStrike" cap="none" normalizeH="0" baseline="0" dirty="0" smtClean="0">
-              <a:ln>
-                <a:noFill/>
-              </a:ln>
-              <a:solidFill>
-                <a:schemeClr val="tx1"/>
-              </a:solidFill>
-              <a:effectLst/>
-              <a:latin typeface="Open Sans" panose="020B0606030504020204" pitchFamily="34" charset="0"/>
-              <a:ea typeface="Open Sans" panose="020B0606030504020204" pitchFamily="34" charset="0"/>
-              <a:cs typeface="Open Sans" panose="020B0606030504020204" pitchFamily="34" charset="0"/>
-            </a:endParaRPr>
           </a:p>
         </p:txBody>
       </p:sp>
@@ -8527,13 +8399,13 @@
         </p:spPr>
         <p:style>
           <a:lnRef idx="2">
-            <a:schemeClr val="accent3"/>
+            <a:schemeClr val="accent2"/>
           </a:lnRef>
           <a:fillRef idx="1">
             <a:schemeClr val="lt1"/>
           </a:fillRef>
           <a:effectRef idx="0">
-            <a:schemeClr val="accent3"/>
+            <a:schemeClr val="accent2"/>
           </a:effectRef>
           <a:fontRef idx="minor">
             <a:schemeClr val="dk1"/>
@@ -8579,18 +8451,6 @@
               </a:rPr>
               <a:t>3</a:t>
             </a:r>
-            <a:endParaRPr kumimoji="0" lang="de-DE" sz="1200" b="0" i="0" u="none" strike="noStrike" cap="none" normalizeH="0" baseline="0" dirty="0" smtClean="0">
-              <a:ln>
-                <a:noFill/>
-              </a:ln>
-              <a:solidFill>
-                <a:schemeClr val="tx1"/>
-              </a:solidFill>
-              <a:effectLst/>
-              <a:latin typeface="Open Sans" panose="020B0606030504020204" pitchFamily="34" charset="0"/>
-              <a:ea typeface="Open Sans" panose="020B0606030504020204" pitchFamily="34" charset="0"/>
-              <a:cs typeface="Open Sans" panose="020B0606030504020204" pitchFamily="34" charset="0"/>
-            </a:endParaRPr>
           </a:p>
         </p:txBody>
       </p:sp>
@@ -8615,13 +8475,13 @@
         </p:spPr>
         <p:style>
           <a:lnRef idx="2">
-            <a:schemeClr val="accent3"/>
+            <a:schemeClr val="accent2"/>
           </a:lnRef>
           <a:fillRef idx="1">
             <a:schemeClr val="lt1"/>
           </a:fillRef>
           <a:effectRef idx="0">
-            <a:schemeClr val="accent3"/>
+            <a:schemeClr val="accent2"/>
           </a:effectRef>
           <a:fontRef idx="minor">
             <a:schemeClr val="dk1"/>
@@ -8667,18 +8527,6 @@
               </a:rPr>
               <a:t>4</a:t>
             </a:r>
-            <a:endParaRPr kumimoji="0" lang="de-DE" sz="1200" b="0" i="0" u="none" strike="noStrike" cap="none" normalizeH="0" baseline="0" dirty="0" smtClean="0">
-              <a:ln>
-                <a:noFill/>
-              </a:ln>
-              <a:solidFill>
-                <a:schemeClr val="tx1"/>
-              </a:solidFill>
-              <a:effectLst/>
-              <a:latin typeface="Open Sans" panose="020B0606030504020204" pitchFamily="34" charset="0"/>
-              <a:ea typeface="Open Sans" panose="020B0606030504020204" pitchFamily="34" charset="0"/>
-              <a:cs typeface="Open Sans" panose="020B0606030504020204" pitchFamily="34" charset="0"/>
-            </a:endParaRPr>
           </a:p>
         </p:txBody>
       </p:sp>
@@ -8703,13 +8551,13 @@
         </p:spPr>
         <p:style>
           <a:lnRef idx="2">
-            <a:schemeClr val="accent3"/>
+            <a:schemeClr val="accent2"/>
           </a:lnRef>
           <a:fillRef idx="1">
             <a:schemeClr val="lt1"/>
           </a:fillRef>
           <a:effectRef idx="0">
-            <a:schemeClr val="accent3"/>
+            <a:schemeClr val="accent2"/>
           </a:effectRef>
           <a:fontRef idx="minor">
             <a:schemeClr val="dk1"/>
@@ -8741,7 +8589,7 @@
               <a:tabLst/>
             </a:pPr>
             <a:r>
-              <a:rPr kumimoji="0" lang="de-DE" b="1" i="0" u="none" strike="noStrike" cap="none" normalizeH="0" baseline="0" dirty="0" smtClean="0">
+              <a:rPr kumimoji="0" lang="de-DE" sz="2000" b="1" i="0" u="none" strike="noStrike" cap="none" normalizeH="0" baseline="0" dirty="0" smtClean="0">
                 <a:ln>
                   <a:noFill/>
                 </a:ln>
@@ -8755,18 +8603,6 @@
               </a:rPr>
               <a:t>7</a:t>
             </a:r>
-            <a:endParaRPr kumimoji="0" lang="de-DE" b="1" i="0" u="none" strike="noStrike" cap="none" normalizeH="0" baseline="0" dirty="0" smtClean="0">
-              <a:ln>
-                <a:noFill/>
-              </a:ln>
-              <a:solidFill>
-                <a:schemeClr val="tx1"/>
-              </a:solidFill>
-              <a:effectLst/>
-              <a:latin typeface="Open Sans" panose="020B0606030504020204" pitchFamily="34" charset="0"/>
-              <a:ea typeface="Open Sans" panose="020B0606030504020204" pitchFamily="34" charset="0"/>
-              <a:cs typeface="Open Sans" panose="020B0606030504020204" pitchFamily="34" charset="0"/>
-            </a:endParaRPr>
           </a:p>
         </p:txBody>
       </p:sp>
@@ -9615,11 +9451,7 @@
                       <a:pPr algn="r"/>
                       <a:r>
                         <a:rPr lang="de-DE" sz="1200" dirty="0" smtClean="0"/>
-                        <a:t>320</a:t>
-                      </a:r>
-                      <a:r>
-                        <a:rPr lang="de-DE" sz="1200" dirty="0" smtClean="0"/>
-                        <a:t>€</a:t>
+                        <a:t>320€</a:t>
                       </a:r>
                       <a:endParaRPr lang="de-DE" sz="1200" dirty="0"/>
                     </a:p>
@@ -10432,11 +10264,7 @@
                       <a:pPr algn="r"/>
                       <a:r>
                         <a:rPr lang="de-DE" sz="1200" dirty="0" smtClean="0"/>
-                        <a:t>320</a:t>
-                      </a:r>
-                      <a:r>
-                        <a:rPr lang="de-DE" sz="1200" dirty="0" smtClean="0"/>
-                        <a:t>€</a:t>
+                        <a:t>320€</a:t>
                       </a:r>
                       <a:endParaRPr lang="de-DE" sz="1200" dirty="0"/>
                     </a:p>
@@ -11747,8 +11575,8 @@
           </a:graphicData>
         </a:graphic>
       </p:graphicFrame>
-      <mc:AlternateContent xmlns:mc="http://schemas.openxmlformats.org/markup-compatibility/2006">
-        <mc:Choice xmlns:a14="http://schemas.microsoft.com/office/drawing/2010/main" Requires="a14">
+      <mc:AlternateContent xmlns:mc="http://schemas.openxmlformats.org/markup-compatibility/2006" xmlns:a14="http://schemas.microsoft.com/office/drawing/2010/main">
+        <mc:Choice Requires="a14">
           <p:sp>
             <p:nvSpPr>
               <p:cNvPr id="20" name="Legende mit Linie 1 19"/>
@@ -12252,7 +12080,7 @@
             </p:txBody>
           </p:sp>
         </mc:Choice>
-        <mc:Fallback>
+        <mc:Fallback xmlns="">
           <p:sp>
             <p:nvSpPr>
               <p:cNvPr id="20" name="Legende mit Linie 1 19"/>
@@ -12300,8 +12128,8 @@
           </p:sp>
         </mc:Fallback>
       </mc:AlternateContent>
-      <mc:AlternateContent xmlns:mc="http://schemas.openxmlformats.org/markup-compatibility/2006">
-        <mc:Choice xmlns:a14="http://schemas.microsoft.com/office/drawing/2010/main" Requires="a14">
+      <mc:AlternateContent xmlns:mc="http://schemas.openxmlformats.org/markup-compatibility/2006" xmlns:a14="http://schemas.microsoft.com/office/drawing/2010/main">
+        <mc:Choice Requires="a14">
           <p:sp>
             <p:nvSpPr>
               <p:cNvPr id="21" name="Legende mit Linie 1 20"/>
@@ -12890,23 +12718,11 @@
                   </a:rPr>
                   <a:t>  </a:t>
                 </a:r>
-                <a:endParaRPr kumimoji="0" lang="de-DE" b="0" i="0" u="none" strike="noStrike" cap="none" normalizeH="0" baseline="0" dirty="0" smtClean="0">
-                  <a:ln>
-                    <a:noFill/>
-                  </a:ln>
-                  <a:solidFill>
-                    <a:schemeClr val="tx1"/>
-                  </a:solidFill>
-                  <a:effectLst/>
-                  <a:latin typeface="Open Sans" panose="020B0606030504020204" pitchFamily="34" charset="0"/>
-                  <a:ea typeface="Open Sans" panose="020B0606030504020204" pitchFamily="34" charset="0"/>
-                  <a:cs typeface="Open Sans" panose="020B0606030504020204" pitchFamily="34" charset="0"/>
-                </a:endParaRPr>
               </a:p>
             </p:txBody>
           </p:sp>
         </mc:Choice>
-        <mc:Fallback>
+        <mc:Fallback xmlns="">
           <p:sp>
             <p:nvSpPr>
               <p:cNvPr id="21" name="Legende mit Linie 1 20"/>
@@ -13298,18 +13114,6 @@
               </a:rPr>
               <a:t>Orchestration</a:t>
             </a:r>
-            <a:endParaRPr kumimoji="0" lang="de-DE" sz="1600" b="1" i="0" u="none" strike="noStrike" cap="none" normalizeH="0" baseline="0" dirty="0" smtClean="0">
-              <a:ln>
-                <a:noFill/>
-              </a:ln>
-              <a:solidFill>
-                <a:schemeClr val="bg1"/>
-              </a:solidFill>
-              <a:effectLst/>
-              <a:latin typeface="Open Sans" panose="020B0606030504020204" pitchFamily="34" charset="0"/>
-              <a:ea typeface="Open Sans" panose="020B0606030504020204" pitchFamily="34" charset="0"/>
-              <a:cs typeface="Open Sans" panose="020B0606030504020204" pitchFamily="34" charset="0"/>
-            </a:endParaRPr>
           </a:p>
         </p:txBody>
       </p:sp>
@@ -13834,8 +13638,8 @@
         </p:nvSpPr>
         <p:spPr bwMode="auto">
           <a:xfrm>
-            <a:off x="5540188" y="1708944"/>
-            <a:ext cx="3449433" cy="935644"/>
+            <a:off x="7956468" y="1241121"/>
+            <a:ext cx="3289464" cy="4898421"/>
           </a:xfrm>
           <a:prstGeom prst="rect">
             <a:avLst/>
@@ -13899,18 +13703,6 @@
               </a:rPr>
               <a:t>Orchestration</a:t>
             </a:r>
-            <a:endParaRPr kumimoji="0" lang="de-DE" sz="1600" b="1" i="0" u="none" strike="noStrike" cap="none" normalizeH="0" baseline="0" dirty="0" smtClean="0">
-              <a:ln>
-                <a:noFill/>
-              </a:ln>
-              <a:solidFill>
-                <a:schemeClr val="bg1"/>
-              </a:solidFill>
-              <a:effectLst/>
-              <a:latin typeface="Open Sans" panose="020B0606030504020204" pitchFamily="34" charset="0"/>
-              <a:ea typeface="Open Sans" panose="020B0606030504020204" pitchFamily="34" charset="0"/>
-              <a:cs typeface="Open Sans" panose="020B0606030504020204" pitchFamily="34" charset="0"/>
-            </a:endParaRPr>
           </a:p>
         </p:txBody>
       </p:sp>
@@ -13922,8 +13714,8 @@
         </p:nvSpPr>
         <p:spPr bwMode="auto">
           <a:xfrm>
-            <a:off x="5540188" y="3030070"/>
-            <a:ext cx="3449433" cy="1063485"/>
+            <a:off x="576304" y="1241121"/>
+            <a:ext cx="3366304" cy="4898422"/>
           </a:xfrm>
           <a:prstGeom prst="rect">
             <a:avLst/>
@@ -14032,19 +13824,1455 @@
           </a:p>
         </p:txBody>
       </p:sp>
+      <p:graphicFrame>
+        <p:nvGraphicFramePr>
+          <p:cNvPr id="15" name="Tabelle 14"/>
+          <p:cNvGraphicFramePr>
+            <a:graphicFrameLocks noGrp="1"/>
+          </p:cNvGraphicFramePr>
+          <p:nvPr>
+            <p:extLst>
+              <p:ext uri="{D42A27DB-BD31-4B8C-83A1-F6EECF244321}">
+                <p14:modId xmlns:p14="http://schemas.microsoft.com/office/powerpoint/2010/main" val="1569628402"/>
+              </p:ext>
+            </p:extLst>
+          </p:nvPr>
+        </p:nvGraphicFramePr>
+        <p:xfrm>
+          <a:off x="887712" y="3531172"/>
+          <a:ext cx="2571582" cy="1645920"/>
+        </p:xfrm>
+        <a:graphic>
+          <a:graphicData uri="http://schemas.openxmlformats.org/drawingml/2006/table">
+            <a:tbl>
+              <a:tblPr firstCol="1" bandRow="1">
+                <a:tableStyleId>{93296810-A885-4BE3-A3E7-6D5BEEA58F35}</a:tableStyleId>
+              </a:tblPr>
+              <a:tblGrid>
+                <a:gridCol w="1500548"/>
+                <a:gridCol w="478971"/>
+                <a:gridCol w="592063"/>
+              </a:tblGrid>
+              <a:tr h="0">
+                <a:tc>
+                  <a:txBody>
+                    <a:bodyPr/>
+                    <a:lstStyle/>
+                    <a:p>
+                      <a:r>
+                        <a:rPr lang="de-DE" sz="1200" dirty="0" smtClean="0"/>
+                        <a:t>(„Moto G4“, S)</a:t>
+                      </a:r>
+                    </a:p>
+                  </a:txBody>
+                  <a:tcPr/>
+                </a:tc>
+                <a:tc>
+                  <a:txBody>
+                    <a:bodyPr/>
+                    <a:lstStyle/>
+                    <a:p>
+                      <a:pPr algn="r"/>
+                      <a:r>
+                        <a:rPr lang="de-DE" sz="1200" dirty="0" smtClean="0"/>
+                        <a:t>7</a:t>
+                      </a:r>
+                      <a:endParaRPr lang="de-DE" sz="1200" dirty="0"/>
+                    </a:p>
+                  </a:txBody>
+                  <a:tcPr/>
+                </a:tc>
+                <a:tc>
+                  <a:txBody>
+                    <a:bodyPr/>
+                    <a:lstStyle/>
+                    <a:p>
+                      <a:pPr algn="r"/>
+                      <a:r>
+                        <a:rPr lang="de-DE" sz="1200" dirty="0" smtClean="0"/>
+                        <a:t>160€</a:t>
+                      </a:r>
+                      <a:endParaRPr lang="de-DE" sz="1200" dirty="0"/>
+                    </a:p>
+                  </a:txBody>
+                  <a:tcPr/>
+                </a:tc>
+              </a:tr>
+              <a:tr h="0">
+                <a:tc>
+                  <a:txBody>
+                    <a:bodyPr/>
+                    <a:lstStyle/>
+                    <a:p>
+                      <a:r>
+                        <a:rPr lang="de-DE" sz="1200" dirty="0" smtClean="0"/>
+                        <a:t>(„</a:t>
+                      </a:r>
+                      <a:r>
+                        <a:rPr lang="de-DE" sz="1200" dirty="0" err="1" smtClean="0"/>
+                        <a:t>Xperia</a:t>
+                      </a:r>
+                      <a:r>
+                        <a:rPr lang="de-DE" sz="1200" dirty="0" smtClean="0"/>
+                        <a:t> E5“, S)</a:t>
+                      </a:r>
+                      <a:endParaRPr lang="de-DE" sz="1200" dirty="0"/>
+                    </a:p>
+                  </a:txBody>
+                  <a:tcPr/>
+                </a:tc>
+                <a:tc>
+                  <a:txBody>
+                    <a:bodyPr/>
+                    <a:lstStyle/>
+                    <a:p>
+                      <a:pPr algn="r"/>
+                      <a:r>
+                        <a:rPr lang="de-DE" sz="1200" dirty="0" smtClean="0"/>
+                        <a:t>2</a:t>
+                      </a:r>
+                      <a:endParaRPr lang="de-DE" sz="1200" dirty="0"/>
+                    </a:p>
+                  </a:txBody>
+                  <a:tcPr/>
+                </a:tc>
+                <a:tc>
+                  <a:txBody>
+                    <a:bodyPr/>
+                    <a:lstStyle/>
+                    <a:p>
+                      <a:pPr algn="r"/>
+                      <a:r>
+                        <a:rPr lang="de-DE" sz="1200" dirty="0" smtClean="0"/>
+                        <a:t>130€</a:t>
+                      </a:r>
+                      <a:endParaRPr lang="de-DE" sz="1200" dirty="0"/>
+                    </a:p>
+                  </a:txBody>
+                  <a:tcPr/>
+                </a:tc>
+              </a:tr>
+              <a:tr h="148461">
+                <a:tc>
+                  <a:txBody>
+                    <a:bodyPr/>
+                    <a:lstStyle/>
+                    <a:p>
+                      <a:r>
+                        <a:rPr lang="de-DE" sz="1200" dirty="0" smtClean="0"/>
+                        <a:t>(„LT-40VF43A“, F)</a:t>
+                      </a:r>
+                      <a:endParaRPr lang="de-DE" sz="1200" dirty="0"/>
+                    </a:p>
+                  </a:txBody>
+                  <a:tcPr/>
+                </a:tc>
+                <a:tc>
+                  <a:txBody>
+                    <a:bodyPr/>
+                    <a:lstStyle/>
+                    <a:p>
+                      <a:pPr algn="r"/>
+                      <a:r>
+                        <a:rPr lang="de-DE" sz="1200" dirty="0" smtClean="0"/>
+                        <a:t>1</a:t>
+                      </a:r>
+                      <a:endParaRPr lang="de-DE" sz="1200" dirty="0"/>
+                    </a:p>
+                  </a:txBody>
+                  <a:tcPr/>
+                </a:tc>
+                <a:tc>
+                  <a:txBody>
+                    <a:bodyPr/>
+                    <a:lstStyle/>
+                    <a:p>
+                      <a:pPr algn="r"/>
+                      <a:r>
+                        <a:rPr lang="de-DE" sz="1200" dirty="0" smtClean="0"/>
+                        <a:t>320€</a:t>
+                      </a:r>
+                      <a:endParaRPr lang="de-DE" sz="1200" dirty="0"/>
+                    </a:p>
+                  </a:txBody>
+                  <a:tcPr/>
+                </a:tc>
+              </a:tr>
+              <a:tr h="0">
+                <a:tc>
+                  <a:txBody>
+                    <a:bodyPr/>
+                    <a:lstStyle/>
+                    <a:p>
+                      <a:r>
+                        <a:rPr lang="de-DE" sz="1200" dirty="0" smtClean="0"/>
+                        <a:t>(„J6289“, F)</a:t>
+                      </a:r>
+                      <a:endParaRPr lang="de-DE" sz="1200" dirty="0"/>
+                    </a:p>
+                  </a:txBody>
+                  <a:tcPr/>
+                </a:tc>
+                <a:tc>
+                  <a:txBody>
+                    <a:bodyPr/>
+                    <a:lstStyle/>
+                    <a:p>
+                      <a:pPr algn="r"/>
+                      <a:r>
+                        <a:rPr lang="de-DE" sz="1200" dirty="0" smtClean="0"/>
+                        <a:t>8</a:t>
+                      </a:r>
+                      <a:endParaRPr lang="de-DE" sz="1200" dirty="0"/>
+                    </a:p>
+                  </a:txBody>
+                  <a:tcPr/>
+                </a:tc>
+                <a:tc>
+                  <a:txBody>
+                    <a:bodyPr/>
+                    <a:lstStyle/>
+                    <a:p>
+                      <a:pPr algn="r"/>
+                      <a:r>
+                        <a:rPr lang="de-DE" sz="1200" dirty="0" smtClean="0"/>
+                        <a:t>400€</a:t>
+                      </a:r>
+                      <a:endParaRPr lang="de-DE" sz="1200" dirty="0"/>
+                    </a:p>
+                  </a:txBody>
+                  <a:tcPr/>
+                </a:tc>
+              </a:tr>
+              <a:tr h="0">
+                <a:tc>
+                  <a:txBody>
+                    <a:bodyPr/>
+                    <a:lstStyle/>
+                    <a:p>
+                      <a:r>
+                        <a:rPr lang="de-DE" sz="1200" dirty="0" smtClean="0"/>
+                        <a:t>(„USB 1,5m“, K)</a:t>
+                      </a:r>
+                      <a:endParaRPr lang="de-DE" sz="1200" dirty="0"/>
+                    </a:p>
+                  </a:txBody>
+                  <a:tcPr/>
+                </a:tc>
+                <a:tc>
+                  <a:txBody>
+                    <a:bodyPr/>
+                    <a:lstStyle/>
+                    <a:p>
+                      <a:pPr algn="r"/>
+                      <a:r>
+                        <a:rPr lang="de-DE" sz="1200" dirty="0" smtClean="0"/>
+                        <a:t>150</a:t>
+                      </a:r>
+                      <a:endParaRPr lang="de-DE" sz="1200" dirty="0"/>
+                    </a:p>
+                  </a:txBody>
+                  <a:tcPr/>
+                </a:tc>
+                <a:tc>
+                  <a:txBody>
+                    <a:bodyPr/>
+                    <a:lstStyle/>
+                    <a:p>
+                      <a:pPr algn="r"/>
+                      <a:r>
+                        <a:rPr lang="de-DE" sz="1200" dirty="0" smtClean="0"/>
+                        <a:t>4€</a:t>
+                      </a:r>
+                      <a:endParaRPr lang="de-DE" sz="1200" dirty="0"/>
+                    </a:p>
+                  </a:txBody>
+                  <a:tcPr/>
+                </a:tc>
+              </a:tr>
+              <a:tr h="0">
+                <a:tc>
+                  <a:txBody>
+                    <a:bodyPr/>
+                    <a:lstStyle/>
+                    <a:p>
+                      <a:r>
+                        <a:rPr lang="de-DE" sz="1200" dirty="0" smtClean="0"/>
+                        <a:t>(„USB</a:t>
+                      </a:r>
+                      <a:r>
+                        <a:rPr lang="de-DE" sz="1200" baseline="0" dirty="0" smtClean="0"/>
+                        <a:t> 3m“, K)</a:t>
+                      </a:r>
+                      <a:endParaRPr lang="de-DE" sz="1200" dirty="0"/>
+                    </a:p>
+                  </a:txBody>
+                  <a:tcPr/>
+                </a:tc>
+                <a:tc>
+                  <a:txBody>
+                    <a:bodyPr/>
+                    <a:lstStyle/>
+                    <a:p>
+                      <a:pPr algn="r"/>
+                      <a:r>
+                        <a:rPr lang="de-DE" sz="1200" dirty="0" smtClean="0"/>
+                        <a:t>35</a:t>
+                      </a:r>
+                      <a:endParaRPr lang="de-DE" sz="1200" dirty="0"/>
+                    </a:p>
+                  </a:txBody>
+                  <a:tcPr/>
+                </a:tc>
+                <a:tc>
+                  <a:txBody>
+                    <a:bodyPr/>
+                    <a:lstStyle/>
+                    <a:p>
+                      <a:pPr algn="r"/>
+                      <a:r>
+                        <a:rPr lang="de-DE" sz="1200" dirty="0" smtClean="0"/>
+                        <a:t>6€</a:t>
+                      </a:r>
+                      <a:endParaRPr lang="de-DE" sz="1200" dirty="0"/>
+                    </a:p>
+                  </a:txBody>
+                  <a:tcPr/>
+                </a:tc>
+              </a:tr>
+            </a:tbl>
+          </a:graphicData>
+        </a:graphic>
+      </p:graphicFrame>
+      <p:graphicFrame>
+        <p:nvGraphicFramePr>
+          <p:cNvPr id="16" name="Tabelle 15"/>
+          <p:cNvGraphicFramePr>
+            <a:graphicFrameLocks noGrp="1"/>
+          </p:cNvGraphicFramePr>
+          <p:nvPr>
+            <p:extLst>
+              <p:ext uri="{D42A27DB-BD31-4B8C-83A1-F6EECF244321}">
+                <p14:modId xmlns:p14="http://schemas.microsoft.com/office/powerpoint/2010/main" val="1753465283"/>
+              </p:ext>
+            </p:extLst>
+          </p:nvPr>
+        </p:nvGraphicFramePr>
+        <p:xfrm>
+          <a:off x="887712" y="1852362"/>
+          <a:ext cx="2571582" cy="1371600"/>
+        </p:xfrm>
+        <a:graphic>
+          <a:graphicData uri="http://schemas.openxmlformats.org/drawingml/2006/table">
+            <a:tbl>
+              <a:tblPr firstCol="1" bandRow="1">
+                <a:tableStyleId>{93296810-A885-4BE3-A3E7-6D5BEEA58F35}</a:tableStyleId>
+              </a:tblPr>
+              <a:tblGrid>
+                <a:gridCol w="1500211"/>
+                <a:gridCol w="472265"/>
+                <a:gridCol w="599106"/>
+              </a:tblGrid>
+              <a:tr h="0">
+                <a:tc>
+                  <a:txBody>
+                    <a:bodyPr/>
+                    <a:lstStyle/>
+                    <a:p>
+                      <a:r>
+                        <a:rPr lang="de-DE" sz="1200" dirty="0" smtClean="0"/>
+                        <a:t>(„</a:t>
+                      </a:r>
+                      <a:r>
+                        <a:rPr lang="de-DE" sz="1200" dirty="0" err="1" smtClean="0"/>
+                        <a:t>Galaxy</a:t>
+                      </a:r>
+                      <a:r>
+                        <a:rPr lang="de-DE" sz="1200" dirty="0" smtClean="0"/>
+                        <a:t> J3“, S)</a:t>
+                      </a:r>
+                      <a:endParaRPr lang="de-DE" sz="1200" dirty="0"/>
+                    </a:p>
+                  </a:txBody>
+                  <a:tcPr/>
+                </a:tc>
+                <a:tc>
+                  <a:txBody>
+                    <a:bodyPr/>
+                    <a:lstStyle/>
+                    <a:p>
+                      <a:pPr algn="r"/>
+                      <a:r>
+                        <a:rPr lang="de-DE" sz="1200" dirty="0" smtClean="0"/>
+                        <a:t>5</a:t>
+                      </a:r>
+                      <a:endParaRPr lang="de-DE" sz="1200" dirty="0"/>
+                    </a:p>
+                  </a:txBody>
+                  <a:tcPr/>
+                </a:tc>
+                <a:tc>
+                  <a:txBody>
+                    <a:bodyPr/>
+                    <a:lstStyle/>
+                    <a:p>
+                      <a:pPr algn="r"/>
+                      <a:r>
+                        <a:rPr lang="de-DE" sz="1200" dirty="0" smtClean="0"/>
+                        <a:t>150€</a:t>
+                      </a:r>
+                      <a:endParaRPr lang="de-DE" sz="1200" dirty="0"/>
+                    </a:p>
+                  </a:txBody>
+                  <a:tcPr/>
+                </a:tc>
+              </a:tr>
+              <a:tr h="0">
+                <a:tc>
+                  <a:txBody>
+                    <a:bodyPr/>
+                    <a:lstStyle/>
+                    <a:p>
+                      <a:r>
+                        <a:rPr lang="de-DE" sz="1200" dirty="0" smtClean="0"/>
+                        <a:t>(„</a:t>
+                      </a:r>
+                      <a:r>
+                        <a:rPr lang="de-DE" sz="1200" dirty="0" err="1" smtClean="0"/>
+                        <a:t>Xperia</a:t>
+                      </a:r>
+                      <a:r>
+                        <a:rPr lang="de-DE" sz="1200" dirty="0" smtClean="0"/>
+                        <a:t> E5“, S)</a:t>
+                      </a:r>
+                      <a:endParaRPr lang="de-DE" sz="1200" dirty="0"/>
+                    </a:p>
+                  </a:txBody>
+                  <a:tcPr/>
+                </a:tc>
+                <a:tc>
+                  <a:txBody>
+                    <a:bodyPr/>
+                    <a:lstStyle/>
+                    <a:p>
+                      <a:pPr algn="r"/>
+                      <a:r>
+                        <a:rPr lang="de-DE" sz="1200" dirty="0" smtClean="0"/>
+                        <a:t>3</a:t>
+                      </a:r>
+                      <a:endParaRPr lang="de-DE" sz="1200" dirty="0"/>
+                    </a:p>
+                  </a:txBody>
+                  <a:tcPr/>
+                </a:tc>
+                <a:tc>
+                  <a:txBody>
+                    <a:bodyPr/>
+                    <a:lstStyle/>
+                    <a:p>
+                      <a:pPr algn="r"/>
+                      <a:r>
+                        <a:rPr lang="de-DE" sz="1200" dirty="0" smtClean="0"/>
+                        <a:t>140€</a:t>
+                      </a:r>
+                      <a:endParaRPr lang="de-DE" sz="1200" dirty="0"/>
+                    </a:p>
+                  </a:txBody>
+                  <a:tcPr/>
+                </a:tc>
+              </a:tr>
+              <a:tr h="0">
+                <a:tc>
+                  <a:txBody>
+                    <a:bodyPr/>
+                    <a:lstStyle/>
+                    <a:p>
+                      <a:r>
+                        <a:rPr lang="de-DE" sz="1200" dirty="0" smtClean="0"/>
+                        <a:t>(„KU6519“, F)</a:t>
+                      </a:r>
+                      <a:endParaRPr lang="de-DE" sz="1200" dirty="0"/>
+                    </a:p>
+                  </a:txBody>
+                  <a:tcPr/>
+                </a:tc>
+                <a:tc>
+                  <a:txBody>
+                    <a:bodyPr/>
+                    <a:lstStyle/>
+                    <a:p>
+                      <a:pPr algn="r"/>
+                      <a:r>
+                        <a:rPr lang="de-DE" sz="1200" dirty="0" smtClean="0"/>
+                        <a:t>12</a:t>
+                      </a:r>
+                      <a:endParaRPr lang="de-DE" sz="1200" dirty="0"/>
+                    </a:p>
+                  </a:txBody>
+                  <a:tcPr/>
+                </a:tc>
+                <a:tc>
+                  <a:txBody>
+                    <a:bodyPr/>
+                    <a:lstStyle/>
+                    <a:p>
+                      <a:pPr algn="r"/>
+                      <a:r>
+                        <a:rPr lang="de-DE" sz="1200" dirty="0" smtClean="0"/>
+                        <a:t>900€</a:t>
+                      </a:r>
+                      <a:endParaRPr lang="de-DE" sz="1200" dirty="0"/>
+                    </a:p>
+                  </a:txBody>
+                  <a:tcPr/>
+                </a:tc>
+              </a:tr>
+              <a:tr h="0">
+                <a:tc>
+                  <a:txBody>
+                    <a:bodyPr/>
+                    <a:lstStyle/>
+                    <a:p>
+                      <a:r>
+                        <a:rPr lang="de-DE" sz="1200" dirty="0" smtClean="0"/>
+                        <a:t>(„LT-40VF43A“, F)</a:t>
+                      </a:r>
+                      <a:endParaRPr lang="de-DE" sz="1200" dirty="0"/>
+                    </a:p>
+                  </a:txBody>
+                  <a:tcPr/>
+                </a:tc>
+                <a:tc>
+                  <a:txBody>
+                    <a:bodyPr/>
+                    <a:lstStyle/>
+                    <a:p>
+                      <a:pPr algn="r"/>
+                      <a:r>
+                        <a:rPr lang="de-DE" sz="1200" dirty="0" smtClean="0"/>
+                        <a:t>4</a:t>
+                      </a:r>
+                      <a:endParaRPr lang="de-DE" sz="1200" dirty="0"/>
+                    </a:p>
+                  </a:txBody>
+                  <a:tcPr/>
+                </a:tc>
+                <a:tc>
+                  <a:txBody>
+                    <a:bodyPr/>
+                    <a:lstStyle/>
+                    <a:p>
+                      <a:pPr algn="r"/>
+                      <a:r>
+                        <a:rPr lang="de-DE" sz="1200" dirty="0" smtClean="0"/>
+                        <a:t>300€</a:t>
+                      </a:r>
+                      <a:endParaRPr lang="de-DE" sz="1200" dirty="0"/>
+                    </a:p>
+                  </a:txBody>
+                  <a:tcPr/>
+                </a:tc>
+              </a:tr>
+              <a:tr h="0">
+                <a:tc>
+                  <a:txBody>
+                    <a:bodyPr/>
+                    <a:lstStyle/>
+                    <a:p>
+                      <a:r>
+                        <a:rPr lang="de-DE" sz="1200" dirty="0" smtClean="0"/>
+                        <a:t>(„USB</a:t>
+                      </a:r>
+                      <a:r>
+                        <a:rPr lang="de-DE" sz="1200" baseline="0" dirty="0" smtClean="0"/>
+                        <a:t> 1,5m“, K)</a:t>
+                      </a:r>
+                      <a:endParaRPr lang="de-DE" sz="1200" dirty="0"/>
+                    </a:p>
+                  </a:txBody>
+                  <a:tcPr/>
+                </a:tc>
+                <a:tc>
+                  <a:txBody>
+                    <a:bodyPr/>
+                    <a:lstStyle/>
+                    <a:p>
+                      <a:pPr algn="r"/>
+                      <a:r>
+                        <a:rPr lang="de-DE" sz="1200" dirty="0" smtClean="0"/>
+                        <a:t>200</a:t>
+                      </a:r>
+                      <a:endParaRPr lang="de-DE" sz="1200" dirty="0"/>
+                    </a:p>
+                  </a:txBody>
+                  <a:tcPr/>
+                </a:tc>
+                <a:tc>
+                  <a:txBody>
+                    <a:bodyPr/>
+                    <a:lstStyle/>
+                    <a:p>
+                      <a:pPr algn="r"/>
+                      <a:r>
+                        <a:rPr lang="de-DE" sz="1200" dirty="0" smtClean="0"/>
+                        <a:t>5€</a:t>
+                      </a:r>
+                      <a:endParaRPr lang="de-DE" sz="1200" dirty="0"/>
+                    </a:p>
+                  </a:txBody>
+                  <a:tcPr/>
+                </a:tc>
+              </a:tr>
+            </a:tbl>
+          </a:graphicData>
+        </a:graphic>
+      </p:graphicFrame>
+      <p:sp>
+        <p:nvSpPr>
+          <p:cNvPr id="17" name="Ellipse 16"/>
+          <p:cNvSpPr/>
+          <p:nvPr/>
+        </p:nvSpPr>
+        <p:spPr bwMode="auto">
+          <a:xfrm>
+            <a:off x="3509730" y="1882341"/>
+            <a:ext cx="236036" cy="219661"/>
+          </a:xfrm>
+          <a:prstGeom prst="ellipse">
+            <a:avLst/>
+          </a:prstGeom>
+          <a:ln>
+            <a:headEnd type="none" w="med" len="med"/>
+            <a:tailEnd type="none" w="med" len="med"/>
+          </a:ln>
+        </p:spPr>
+        <p:style>
+          <a:lnRef idx="2">
+            <a:schemeClr val="accent2"/>
+          </a:lnRef>
+          <a:fillRef idx="1">
+            <a:schemeClr val="lt1"/>
+          </a:fillRef>
+          <a:effectRef idx="0">
+            <a:schemeClr val="accent2"/>
+          </a:effectRef>
+          <a:fontRef idx="minor">
+            <a:schemeClr val="dk1"/>
+          </a:fontRef>
+        </p:style>
+        <p:txBody>
+          <a:bodyPr rot="0" spcFirstLastPara="0" vertOverflow="overflow" horzOverflow="overflow" vert="horz" wrap="square" lIns="91440" tIns="45720" rIns="91440" bIns="45720" numCol="1" spcCol="0" rtlCol="0" fromWordArt="0" anchor="ctr" anchorCtr="0" forceAA="0" compatLnSpc="1">
+            <a:prstTxWarp prst="textNoShape">
+              <a:avLst/>
+            </a:prstTxWarp>
+            <a:noAutofit/>
+          </a:bodyPr>
+          <a:lstStyle/>
+          <a:p>
+            <a:pPr marL="0" marR="0" indent="0" algn="ctr" defTabSz="914400" rtl="0" eaLnBrk="1" fontAlgn="base" latinLnBrk="0" hangingPunct="1">
+              <a:lnSpc>
+                <a:spcPct val="100000"/>
+              </a:lnSpc>
+              <a:spcBef>
+                <a:spcPct val="0"/>
+              </a:spcBef>
+              <a:spcAft>
+                <a:spcPts val="600"/>
+              </a:spcAft>
+              <a:buClrTx/>
+              <a:buSzTx/>
+              <a:buFontTx/>
+              <a:buNone/>
+              <a:tabLst/>
+            </a:pPr>
+            <a:r>
+              <a:rPr kumimoji="0" lang="de-DE" sz="1200" b="0" i="0" u="none" strike="noStrike" cap="none" normalizeH="0" baseline="0" dirty="0" smtClean="0">
+                <a:ln>
+                  <a:noFill/>
+                </a:ln>
+                <a:solidFill>
+                  <a:schemeClr val="tx1"/>
+                </a:solidFill>
+                <a:effectLst/>
+                <a:latin typeface="Open Sans" panose="020B0606030504020204" pitchFamily="34" charset="0"/>
+                <a:ea typeface="Open Sans" panose="020B0606030504020204" pitchFamily="34" charset="0"/>
+                <a:cs typeface="Open Sans" panose="020B0606030504020204" pitchFamily="34" charset="0"/>
+              </a:rPr>
+              <a:t>1</a:t>
+            </a:r>
+          </a:p>
+        </p:txBody>
+      </p:sp>
+      <p:sp>
+        <p:nvSpPr>
+          <p:cNvPr id="19" name="Ellipse 18"/>
+          <p:cNvSpPr/>
+          <p:nvPr/>
+        </p:nvSpPr>
+        <p:spPr bwMode="auto">
+          <a:xfrm>
+            <a:off x="3509730" y="2157692"/>
+            <a:ext cx="236036" cy="219661"/>
+          </a:xfrm>
+          <a:prstGeom prst="ellipse">
+            <a:avLst/>
+          </a:prstGeom>
+          <a:ln>
+            <a:headEnd type="none" w="med" len="med"/>
+            <a:tailEnd type="none" w="med" len="med"/>
+          </a:ln>
+        </p:spPr>
+        <p:style>
+          <a:lnRef idx="2">
+            <a:schemeClr val="accent2"/>
+          </a:lnRef>
+          <a:fillRef idx="1">
+            <a:schemeClr val="lt1"/>
+          </a:fillRef>
+          <a:effectRef idx="0">
+            <a:schemeClr val="accent2"/>
+          </a:effectRef>
+          <a:fontRef idx="minor">
+            <a:schemeClr val="dk1"/>
+          </a:fontRef>
+        </p:style>
+        <p:txBody>
+          <a:bodyPr rot="0" spcFirstLastPara="0" vertOverflow="overflow" horzOverflow="overflow" vert="horz" wrap="square" lIns="91440" tIns="45720" rIns="91440" bIns="45720" numCol="1" spcCol="0" rtlCol="0" fromWordArt="0" anchor="ctr" anchorCtr="0" forceAA="0" compatLnSpc="1">
+            <a:prstTxWarp prst="textNoShape">
+              <a:avLst/>
+            </a:prstTxWarp>
+            <a:noAutofit/>
+          </a:bodyPr>
+          <a:lstStyle/>
+          <a:p>
+            <a:pPr marL="0" marR="0" indent="0" algn="ctr" defTabSz="914400" rtl="0" eaLnBrk="1" fontAlgn="base" latinLnBrk="0" hangingPunct="1">
+              <a:lnSpc>
+                <a:spcPct val="100000"/>
+              </a:lnSpc>
+              <a:spcBef>
+                <a:spcPct val="0"/>
+              </a:spcBef>
+              <a:spcAft>
+                <a:spcPts val="600"/>
+              </a:spcAft>
+              <a:buClrTx/>
+              <a:buSzTx/>
+              <a:buFontTx/>
+              <a:buNone/>
+              <a:tabLst/>
+            </a:pPr>
+            <a:r>
+              <a:rPr kumimoji="0" lang="de-DE" sz="1200" b="0" i="0" u="none" strike="noStrike" cap="none" normalizeH="0" baseline="0" dirty="0" smtClean="0">
+                <a:ln>
+                  <a:noFill/>
+                </a:ln>
+                <a:solidFill>
+                  <a:schemeClr val="tx1"/>
+                </a:solidFill>
+                <a:effectLst/>
+                <a:latin typeface="Open Sans" panose="020B0606030504020204" pitchFamily="34" charset="0"/>
+                <a:ea typeface="Open Sans" panose="020B0606030504020204" pitchFamily="34" charset="0"/>
+                <a:cs typeface="Open Sans" panose="020B0606030504020204" pitchFamily="34" charset="0"/>
+              </a:rPr>
+              <a:t>2</a:t>
+            </a:r>
+          </a:p>
+        </p:txBody>
+      </p:sp>
+      <p:sp>
+        <p:nvSpPr>
+          <p:cNvPr id="20" name="Ellipse 19"/>
+          <p:cNvSpPr/>
+          <p:nvPr/>
+        </p:nvSpPr>
+        <p:spPr bwMode="auto">
+          <a:xfrm>
+            <a:off x="3509730" y="2433043"/>
+            <a:ext cx="236036" cy="219661"/>
+          </a:xfrm>
+          <a:prstGeom prst="ellipse">
+            <a:avLst/>
+          </a:prstGeom>
+          <a:ln>
+            <a:headEnd type="none" w="med" len="med"/>
+            <a:tailEnd type="none" w="med" len="med"/>
+          </a:ln>
+        </p:spPr>
+        <p:style>
+          <a:lnRef idx="2">
+            <a:schemeClr val="accent2"/>
+          </a:lnRef>
+          <a:fillRef idx="1">
+            <a:schemeClr val="lt1"/>
+          </a:fillRef>
+          <a:effectRef idx="0">
+            <a:schemeClr val="accent2"/>
+          </a:effectRef>
+          <a:fontRef idx="minor">
+            <a:schemeClr val="dk1"/>
+          </a:fontRef>
+        </p:style>
+        <p:txBody>
+          <a:bodyPr rot="0" spcFirstLastPara="0" vertOverflow="overflow" horzOverflow="overflow" vert="horz" wrap="square" lIns="91440" tIns="45720" rIns="91440" bIns="45720" numCol="1" spcCol="0" rtlCol="0" fromWordArt="0" anchor="ctr" anchorCtr="0" forceAA="0" compatLnSpc="1">
+            <a:prstTxWarp prst="textNoShape">
+              <a:avLst/>
+            </a:prstTxWarp>
+            <a:noAutofit/>
+          </a:bodyPr>
+          <a:lstStyle/>
+          <a:p>
+            <a:pPr marL="0" marR="0" indent="0" algn="ctr" defTabSz="914400" rtl="0" eaLnBrk="1" fontAlgn="base" latinLnBrk="0" hangingPunct="1">
+              <a:lnSpc>
+                <a:spcPct val="100000"/>
+              </a:lnSpc>
+              <a:spcBef>
+                <a:spcPct val="0"/>
+              </a:spcBef>
+              <a:spcAft>
+                <a:spcPts val="600"/>
+              </a:spcAft>
+              <a:buClrTx/>
+              <a:buSzTx/>
+              <a:buFontTx/>
+              <a:buNone/>
+              <a:tabLst/>
+            </a:pPr>
+            <a:r>
+              <a:rPr kumimoji="0" lang="de-DE" sz="1200" b="0" i="0" u="none" strike="noStrike" cap="none" normalizeH="0" baseline="0" dirty="0" smtClean="0">
+                <a:ln>
+                  <a:noFill/>
+                </a:ln>
+                <a:solidFill>
+                  <a:schemeClr val="tx1"/>
+                </a:solidFill>
+                <a:effectLst/>
+                <a:latin typeface="Open Sans" panose="020B0606030504020204" pitchFamily="34" charset="0"/>
+                <a:ea typeface="Open Sans" panose="020B0606030504020204" pitchFamily="34" charset="0"/>
+                <a:cs typeface="Open Sans" panose="020B0606030504020204" pitchFamily="34" charset="0"/>
+              </a:rPr>
+              <a:t>2</a:t>
+            </a:r>
+          </a:p>
+        </p:txBody>
+      </p:sp>
+      <p:sp>
+        <p:nvSpPr>
+          <p:cNvPr id="21" name="Ellipse 20"/>
+          <p:cNvSpPr/>
+          <p:nvPr/>
+        </p:nvSpPr>
+        <p:spPr bwMode="auto">
+          <a:xfrm>
+            <a:off x="3509730" y="2708394"/>
+            <a:ext cx="236036" cy="219661"/>
+          </a:xfrm>
+          <a:prstGeom prst="ellipse">
+            <a:avLst/>
+          </a:prstGeom>
+          <a:ln>
+            <a:headEnd type="none" w="med" len="med"/>
+            <a:tailEnd type="none" w="med" len="med"/>
+          </a:ln>
+        </p:spPr>
+        <p:style>
+          <a:lnRef idx="2">
+            <a:schemeClr val="accent2"/>
+          </a:lnRef>
+          <a:fillRef idx="1">
+            <a:schemeClr val="lt1"/>
+          </a:fillRef>
+          <a:effectRef idx="0">
+            <a:schemeClr val="accent2"/>
+          </a:effectRef>
+          <a:fontRef idx="minor">
+            <a:schemeClr val="dk1"/>
+          </a:fontRef>
+        </p:style>
+        <p:txBody>
+          <a:bodyPr rot="0" spcFirstLastPara="0" vertOverflow="overflow" horzOverflow="overflow" vert="horz" wrap="square" lIns="91440" tIns="45720" rIns="91440" bIns="45720" numCol="1" spcCol="0" rtlCol="0" fromWordArt="0" anchor="ctr" anchorCtr="0" forceAA="0" compatLnSpc="1">
+            <a:prstTxWarp prst="textNoShape">
+              <a:avLst/>
+            </a:prstTxWarp>
+            <a:noAutofit/>
+          </a:bodyPr>
+          <a:lstStyle/>
+          <a:p>
+            <a:pPr marL="0" marR="0" indent="0" algn="ctr" defTabSz="914400" rtl="0" eaLnBrk="1" fontAlgn="base" latinLnBrk="0" hangingPunct="1">
+              <a:lnSpc>
+                <a:spcPct val="100000"/>
+              </a:lnSpc>
+              <a:spcBef>
+                <a:spcPct val="0"/>
+              </a:spcBef>
+              <a:spcAft>
+                <a:spcPts val="600"/>
+              </a:spcAft>
+              <a:buClrTx/>
+              <a:buSzTx/>
+              <a:buFontTx/>
+              <a:buNone/>
+              <a:tabLst/>
+            </a:pPr>
+            <a:r>
+              <a:rPr kumimoji="0" lang="de-DE" sz="1200" b="0" i="0" u="none" strike="noStrike" cap="none" normalizeH="0" baseline="0" dirty="0" smtClean="0">
+                <a:ln>
+                  <a:noFill/>
+                </a:ln>
+                <a:solidFill>
+                  <a:schemeClr val="tx1"/>
+                </a:solidFill>
+                <a:effectLst/>
+                <a:latin typeface="Open Sans" panose="020B0606030504020204" pitchFamily="34" charset="0"/>
+                <a:ea typeface="Open Sans" panose="020B0606030504020204" pitchFamily="34" charset="0"/>
+                <a:cs typeface="Open Sans" panose="020B0606030504020204" pitchFamily="34" charset="0"/>
+              </a:rPr>
+              <a:t>2</a:t>
+            </a:r>
+          </a:p>
+        </p:txBody>
+      </p:sp>
+      <p:sp>
+        <p:nvSpPr>
+          <p:cNvPr id="22" name="Ellipse 21"/>
+          <p:cNvSpPr/>
+          <p:nvPr/>
+        </p:nvSpPr>
+        <p:spPr bwMode="auto">
+          <a:xfrm>
+            <a:off x="3509730" y="2983745"/>
+            <a:ext cx="236036" cy="219661"/>
+          </a:xfrm>
+          <a:prstGeom prst="ellipse">
+            <a:avLst/>
+          </a:prstGeom>
+          <a:ln>
+            <a:headEnd type="none" w="med" len="med"/>
+            <a:tailEnd type="none" w="med" len="med"/>
+          </a:ln>
+        </p:spPr>
+        <p:style>
+          <a:lnRef idx="2">
+            <a:schemeClr val="accent2"/>
+          </a:lnRef>
+          <a:fillRef idx="1">
+            <a:schemeClr val="lt1"/>
+          </a:fillRef>
+          <a:effectRef idx="0">
+            <a:schemeClr val="accent2"/>
+          </a:effectRef>
+          <a:fontRef idx="minor">
+            <a:schemeClr val="dk1"/>
+          </a:fontRef>
+        </p:style>
+        <p:txBody>
+          <a:bodyPr rot="0" spcFirstLastPara="0" vertOverflow="overflow" horzOverflow="overflow" vert="horz" wrap="square" lIns="91440" tIns="45720" rIns="91440" bIns="45720" numCol="1" spcCol="0" rtlCol="0" fromWordArt="0" anchor="ctr" anchorCtr="0" forceAA="0" compatLnSpc="1">
+            <a:prstTxWarp prst="textNoShape">
+              <a:avLst/>
+            </a:prstTxWarp>
+            <a:noAutofit/>
+          </a:bodyPr>
+          <a:lstStyle/>
+          <a:p>
+            <a:pPr marL="0" marR="0" indent="0" algn="ctr" defTabSz="914400" rtl="0" eaLnBrk="1" fontAlgn="base" latinLnBrk="0" hangingPunct="1">
+              <a:lnSpc>
+                <a:spcPct val="100000"/>
+              </a:lnSpc>
+              <a:spcBef>
+                <a:spcPct val="0"/>
+              </a:spcBef>
+              <a:spcAft>
+                <a:spcPts val="600"/>
+              </a:spcAft>
+              <a:buClrTx/>
+              <a:buSzTx/>
+              <a:buFontTx/>
+              <a:buNone/>
+              <a:tabLst/>
+            </a:pPr>
+            <a:r>
+              <a:rPr kumimoji="0" lang="de-DE" sz="1200" b="0" i="0" u="none" strike="noStrike" cap="none" normalizeH="0" baseline="0" dirty="0" smtClean="0">
+                <a:ln>
+                  <a:noFill/>
+                </a:ln>
+                <a:solidFill>
+                  <a:schemeClr val="tx1"/>
+                </a:solidFill>
+                <a:effectLst/>
+                <a:latin typeface="Open Sans" panose="020B0606030504020204" pitchFamily="34" charset="0"/>
+                <a:ea typeface="Open Sans" panose="020B0606030504020204" pitchFamily="34" charset="0"/>
+                <a:cs typeface="Open Sans" panose="020B0606030504020204" pitchFamily="34" charset="0"/>
+              </a:rPr>
+              <a:t>3</a:t>
+            </a:r>
+          </a:p>
+        </p:txBody>
+      </p:sp>
+      <p:sp>
+        <p:nvSpPr>
+          <p:cNvPr id="23" name="Ellipse 22"/>
+          <p:cNvSpPr/>
+          <p:nvPr/>
+        </p:nvSpPr>
+        <p:spPr bwMode="auto">
+          <a:xfrm>
+            <a:off x="3505018" y="3558184"/>
+            <a:ext cx="236036" cy="219661"/>
+          </a:xfrm>
+          <a:prstGeom prst="ellipse">
+            <a:avLst/>
+          </a:prstGeom>
+          <a:ln>
+            <a:headEnd type="none" w="med" len="med"/>
+            <a:tailEnd type="none" w="med" len="med"/>
+          </a:ln>
+        </p:spPr>
+        <p:style>
+          <a:lnRef idx="2">
+            <a:schemeClr val="accent2"/>
+          </a:lnRef>
+          <a:fillRef idx="1">
+            <a:schemeClr val="lt1"/>
+          </a:fillRef>
+          <a:effectRef idx="0">
+            <a:schemeClr val="accent2"/>
+          </a:effectRef>
+          <a:fontRef idx="minor">
+            <a:schemeClr val="dk1"/>
+          </a:fontRef>
+        </p:style>
+        <p:txBody>
+          <a:bodyPr rot="0" spcFirstLastPara="0" vertOverflow="overflow" horzOverflow="overflow" vert="horz" wrap="square" lIns="91440" tIns="45720" rIns="91440" bIns="45720" numCol="1" spcCol="0" rtlCol="0" fromWordArt="0" anchor="ctr" anchorCtr="0" forceAA="0" compatLnSpc="1">
+            <a:prstTxWarp prst="textNoShape">
+              <a:avLst/>
+            </a:prstTxWarp>
+            <a:noAutofit/>
+          </a:bodyPr>
+          <a:lstStyle/>
+          <a:p>
+            <a:pPr marL="0" marR="0" indent="0" algn="ctr" defTabSz="914400" rtl="0" eaLnBrk="1" fontAlgn="base" latinLnBrk="0" hangingPunct="1">
+              <a:lnSpc>
+                <a:spcPct val="100000"/>
+              </a:lnSpc>
+              <a:spcBef>
+                <a:spcPct val="0"/>
+              </a:spcBef>
+              <a:spcAft>
+                <a:spcPts val="600"/>
+              </a:spcAft>
+              <a:buClrTx/>
+              <a:buSzTx/>
+              <a:buFontTx/>
+              <a:buNone/>
+              <a:tabLst/>
+            </a:pPr>
+            <a:r>
+              <a:rPr kumimoji="0" lang="de-DE" sz="1200" b="0" i="0" u="none" strike="noStrike" cap="none" normalizeH="0" baseline="0" dirty="0" smtClean="0">
+                <a:ln>
+                  <a:noFill/>
+                </a:ln>
+                <a:solidFill>
+                  <a:schemeClr val="tx1"/>
+                </a:solidFill>
+                <a:effectLst/>
+                <a:latin typeface="Open Sans" panose="020B0606030504020204" pitchFamily="34" charset="0"/>
+                <a:ea typeface="Open Sans" panose="020B0606030504020204" pitchFamily="34" charset="0"/>
+                <a:cs typeface="Open Sans" panose="020B0606030504020204" pitchFamily="34" charset="0"/>
+              </a:rPr>
+              <a:t>1</a:t>
+            </a:r>
+          </a:p>
+        </p:txBody>
+      </p:sp>
+      <p:sp>
+        <p:nvSpPr>
+          <p:cNvPr id="24" name="Ellipse 23"/>
+          <p:cNvSpPr/>
+          <p:nvPr/>
+        </p:nvSpPr>
+        <p:spPr bwMode="auto">
+          <a:xfrm>
+            <a:off x="3505018" y="3833535"/>
+            <a:ext cx="236036" cy="219661"/>
+          </a:xfrm>
+          <a:prstGeom prst="ellipse">
+            <a:avLst/>
+          </a:prstGeom>
+          <a:ln>
+            <a:headEnd type="none" w="med" len="med"/>
+            <a:tailEnd type="none" w="med" len="med"/>
+          </a:ln>
+        </p:spPr>
+        <p:style>
+          <a:lnRef idx="2">
+            <a:schemeClr val="accent2"/>
+          </a:lnRef>
+          <a:fillRef idx="1">
+            <a:schemeClr val="lt1"/>
+          </a:fillRef>
+          <a:effectRef idx="0">
+            <a:schemeClr val="accent2"/>
+          </a:effectRef>
+          <a:fontRef idx="minor">
+            <a:schemeClr val="dk1"/>
+          </a:fontRef>
+        </p:style>
+        <p:txBody>
+          <a:bodyPr rot="0" spcFirstLastPara="0" vertOverflow="overflow" horzOverflow="overflow" vert="horz" wrap="square" lIns="91440" tIns="45720" rIns="91440" bIns="45720" numCol="1" spcCol="0" rtlCol="0" fromWordArt="0" anchor="ctr" anchorCtr="0" forceAA="0" compatLnSpc="1">
+            <a:prstTxWarp prst="textNoShape">
+              <a:avLst/>
+            </a:prstTxWarp>
+            <a:noAutofit/>
+          </a:bodyPr>
+          <a:lstStyle/>
+          <a:p>
+            <a:pPr marL="0" marR="0" indent="0" algn="ctr" defTabSz="914400" rtl="0" eaLnBrk="1" fontAlgn="base" latinLnBrk="0" hangingPunct="1">
+              <a:lnSpc>
+                <a:spcPct val="100000"/>
+              </a:lnSpc>
+              <a:spcBef>
+                <a:spcPct val="0"/>
+              </a:spcBef>
+              <a:spcAft>
+                <a:spcPts val="600"/>
+              </a:spcAft>
+              <a:buClrTx/>
+              <a:buSzTx/>
+              <a:buFontTx/>
+              <a:buNone/>
+              <a:tabLst/>
+            </a:pPr>
+            <a:r>
+              <a:rPr kumimoji="0" lang="de-DE" sz="1200" b="0" i="0" u="none" strike="noStrike" cap="none" normalizeH="0" baseline="0" dirty="0" smtClean="0">
+                <a:ln>
+                  <a:noFill/>
+                </a:ln>
+                <a:solidFill>
+                  <a:schemeClr val="tx1"/>
+                </a:solidFill>
+                <a:effectLst/>
+                <a:latin typeface="Open Sans" panose="020B0606030504020204" pitchFamily="34" charset="0"/>
+                <a:ea typeface="Open Sans" panose="020B0606030504020204" pitchFamily="34" charset="0"/>
+                <a:cs typeface="Open Sans" panose="020B0606030504020204" pitchFamily="34" charset="0"/>
+              </a:rPr>
+              <a:t>2</a:t>
+            </a:r>
+          </a:p>
+        </p:txBody>
+      </p:sp>
+      <p:sp>
+        <p:nvSpPr>
+          <p:cNvPr id="25" name="Ellipse 24"/>
+          <p:cNvSpPr/>
+          <p:nvPr/>
+        </p:nvSpPr>
+        <p:spPr bwMode="auto">
+          <a:xfrm>
+            <a:off x="3505018" y="4108886"/>
+            <a:ext cx="236036" cy="219661"/>
+          </a:xfrm>
+          <a:prstGeom prst="ellipse">
+            <a:avLst/>
+          </a:prstGeom>
+          <a:ln>
+            <a:headEnd type="none" w="med" len="med"/>
+            <a:tailEnd type="none" w="med" len="med"/>
+          </a:ln>
+        </p:spPr>
+        <p:style>
+          <a:lnRef idx="2">
+            <a:schemeClr val="accent2"/>
+          </a:lnRef>
+          <a:fillRef idx="1">
+            <a:schemeClr val="lt1"/>
+          </a:fillRef>
+          <a:effectRef idx="0">
+            <a:schemeClr val="accent2"/>
+          </a:effectRef>
+          <a:fontRef idx="minor">
+            <a:schemeClr val="dk1"/>
+          </a:fontRef>
+        </p:style>
+        <p:txBody>
+          <a:bodyPr rot="0" spcFirstLastPara="0" vertOverflow="overflow" horzOverflow="overflow" vert="horz" wrap="square" lIns="91440" tIns="45720" rIns="91440" bIns="45720" numCol="1" spcCol="0" rtlCol="0" fromWordArt="0" anchor="ctr" anchorCtr="0" forceAA="0" compatLnSpc="1">
+            <a:prstTxWarp prst="textNoShape">
+              <a:avLst/>
+            </a:prstTxWarp>
+            <a:noAutofit/>
+          </a:bodyPr>
+          <a:lstStyle/>
+          <a:p>
+            <a:pPr marL="0" marR="0" indent="0" algn="ctr" defTabSz="914400" rtl="0" eaLnBrk="1" fontAlgn="base" latinLnBrk="0" hangingPunct="1">
+              <a:lnSpc>
+                <a:spcPct val="100000"/>
+              </a:lnSpc>
+              <a:spcBef>
+                <a:spcPct val="0"/>
+              </a:spcBef>
+              <a:spcAft>
+                <a:spcPts val="600"/>
+              </a:spcAft>
+              <a:buClrTx/>
+              <a:buSzTx/>
+              <a:buFontTx/>
+              <a:buNone/>
+              <a:tabLst/>
+            </a:pPr>
+            <a:r>
+              <a:rPr kumimoji="0" lang="de-DE" sz="1200" b="0" i="0" u="none" strike="noStrike" cap="none" normalizeH="0" baseline="0" dirty="0" smtClean="0">
+                <a:ln>
+                  <a:noFill/>
+                </a:ln>
+                <a:solidFill>
+                  <a:schemeClr val="tx1"/>
+                </a:solidFill>
+                <a:effectLst/>
+                <a:latin typeface="Open Sans" panose="020B0606030504020204" pitchFamily="34" charset="0"/>
+                <a:ea typeface="Open Sans" panose="020B0606030504020204" pitchFamily="34" charset="0"/>
+                <a:cs typeface="Open Sans" panose="020B0606030504020204" pitchFamily="34" charset="0"/>
+              </a:rPr>
+              <a:t>2</a:t>
+            </a:r>
+          </a:p>
+        </p:txBody>
+      </p:sp>
+      <p:sp>
+        <p:nvSpPr>
+          <p:cNvPr id="26" name="Ellipse 25"/>
+          <p:cNvSpPr/>
+          <p:nvPr/>
+        </p:nvSpPr>
+        <p:spPr bwMode="auto">
+          <a:xfrm>
+            <a:off x="3505018" y="4384237"/>
+            <a:ext cx="236036" cy="219661"/>
+          </a:xfrm>
+          <a:prstGeom prst="ellipse">
+            <a:avLst/>
+          </a:prstGeom>
+          <a:ln>
+            <a:headEnd type="none" w="med" len="med"/>
+            <a:tailEnd type="none" w="med" len="med"/>
+          </a:ln>
+        </p:spPr>
+        <p:style>
+          <a:lnRef idx="2">
+            <a:schemeClr val="accent2"/>
+          </a:lnRef>
+          <a:fillRef idx="1">
+            <a:schemeClr val="lt1"/>
+          </a:fillRef>
+          <a:effectRef idx="0">
+            <a:schemeClr val="accent2"/>
+          </a:effectRef>
+          <a:fontRef idx="minor">
+            <a:schemeClr val="dk1"/>
+          </a:fontRef>
+        </p:style>
+        <p:txBody>
+          <a:bodyPr rot="0" spcFirstLastPara="0" vertOverflow="overflow" horzOverflow="overflow" vert="horz" wrap="square" lIns="91440" tIns="45720" rIns="91440" bIns="45720" numCol="1" spcCol="0" rtlCol="0" fromWordArt="0" anchor="ctr" anchorCtr="0" forceAA="0" compatLnSpc="1">
+            <a:prstTxWarp prst="textNoShape">
+              <a:avLst/>
+            </a:prstTxWarp>
+            <a:noAutofit/>
+          </a:bodyPr>
+          <a:lstStyle/>
+          <a:p>
+            <a:pPr marL="0" marR="0" indent="0" algn="ctr" defTabSz="914400" rtl="0" eaLnBrk="1" fontAlgn="base" latinLnBrk="0" hangingPunct="1">
+              <a:lnSpc>
+                <a:spcPct val="100000"/>
+              </a:lnSpc>
+              <a:spcBef>
+                <a:spcPct val="0"/>
+              </a:spcBef>
+              <a:spcAft>
+                <a:spcPts val="600"/>
+              </a:spcAft>
+              <a:buClrTx/>
+              <a:buSzTx/>
+              <a:buFontTx/>
+              <a:buNone/>
+              <a:tabLst/>
+            </a:pPr>
+            <a:r>
+              <a:rPr kumimoji="0" lang="de-DE" sz="1200" b="0" i="0" u="none" strike="noStrike" cap="none" normalizeH="0" baseline="0" dirty="0" smtClean="0">
+                <a:ln>
+                  <a:noFill/>
+                </a:ln>
+                <a:solidFill>
+                  <a:schemeClr val="tx1"/>
+                </a:solidFill>
+                <a:effectLst/>
+                <a:latin typeface="Open Sans" panose="020B0606030504020204" pitchFamily="34" charset="0"/>
+                <a:ea typeface="Open Sans" panose="020B0606030504020204" pitchFamily="34" charset="0"/>
+                <a:cs typeface="Open Sans" panose="020B0606030504020204" pitchFamily="34" charset="0"/>
+              </a:rPr>
+              <a:t>2</a:t>
+            </a:r>
+          </a:p>
+        </p:txBody>
+      </p:sp>
+      <p:sp>
+        <p:nvSpPr>
+          <p:cNvPr id="27" name="Ellipse 26"/>
+          <p:cNvSpPr/>
+          <p:nvPr/>
+        </p:nvSpPr>
+        <p:spPr bwMode="auto">
+          <a:xfrm>
+            <a:off x="3505018" y="4659588"/>
+            <a:ext cx="236036" cy="219661"/>
+          </a:xfrm>
+          <a:prstGeom prst="ellipse">
+            <a:avLst/>
+          </a:prstGeom>
+          <a:ln>
+            <a:headEnd type="none" w="med" len="med"/>
+            <a:tailEnd type="none" w="med" len="med"/>
+          </a:ln>
+        </p:spPr>
+        <p:style>
+          <a:lnRef idx="2">
+            <a:schemeClr val="accent2"/>
+          </a:lnRef>
+          <a:fillRef idx="1">
+            <a:schemeClr val="lt1"/>
+          </a:fillRef>
+          <a:effectRef idx="0">
+            <a:schemeClr val="accent2"/>
+          </a:effectRef>
+          <a:fontRef idx="minor">
+            <a:schemeClr val="dk1"/>
+          </a:fontRef>
+        </p:style>
+        <p:txBody>
+          <a:bodyPr rot="0" spcFirstLastPara="0" vertOverflow="overflow" horzOverflow="overflow" vert="horz" wrap="square" lIns="91440" tIns="45720" rIns="91440" bIns="45720" numCol="1" spcCol="0" rtlCol="0" fromWordArt="0" anchor="ctr" anchorCtr="0" forceAA="0" compatLnSpc="1">
+            <a:prstTxWarp prst="textNoShape">
+              <a:avLst/>
+            </a:prstTxWarp>
+            <a:noAutofit/>
+          </a:bodyPr>
+          <a:lstStyle/>
+          <a:p>
+            <a:pPr marL="0" marR="0" indent="0" algn="ctr" defTabSz="914400" rtl="0" eaLnBrk="1" fontAlgn="base" latinLnBrk="0" hangingPunct="1">
+              <a:lnSpc>
+                <a:spcPct val="100000"/>
+              </a:lnSpc>
+              <a:spcBef>
+                <a:spcPct val="0"/>
+              </a:spcBef>
+              <a:spcAft>
+                <a:spcPts val="600"/>
+              </a:spcAft>
+              <a:buClrTx/>
+              <a:buSzTx/>
+              <a:buFontTx/>
+              <a:buNone/>
+              <a:tabLst/>
+            </a:pPr>
+            <a:r>
+              <a:rPr kumimoji="0" lang="de-DE" sz="1200" b="0" i="0" u="none" strike="noStrike" cap="none" normalizeH="0" baseline="0" dirty="0" smtClean="0">
+                <a:ln>
+                  <a:noFill/>
+                </a:ln>
+                <a:solidFill>
+                  <a:schemeClr val="tx1"/>
+                </a:solidFill>
+                <a:effectLst/>
+                <a:latin typeface="Open Sans" panose="020B0606030504020204" pitchFamily="34" charset="0"/>
+                <a:ea typeface="Open Sans" panose="020B0606030504020204" pitchFamily="34" charset="0"/>
+                <a:cs typeface="Open Sans" panose="020B0606030504020204" pitchFamily="34" charset="0"/>
+              </a:rPr>
+              <a:t>3</a:t>
+            </a:r>
+          </a:p>
+        </p:txBody>
+      </p:sp>
+      <p:sp>
+        <p:nvSpPr>
+          <p:cNvPr id="28" name="Ellipse 27"/>
+          <p:cNvSpPr/>
+          <p:nvPr/>
+        </p:nvSpPr>
+        <p:spPr bwMode="auto">
+          <a:xfrm>
+            <a:off x="3505018" y="4939266"/>
+            <a:ext cx="236036" cy="219661"/>
+          </a:xfrm>
+          <a:prstGeom prst="ellipse">
+            <a:avLst/>
+          </a:prstGeom>
+          <a:ln>
+            <a:headEnd type="none" w="med" len="med"/>
+            <a:tailEnd type="none" w="med" len="med"/>
+          </a:ln>
+        </p:spPr>
+        <p:style>
+          <a:lnRef idx="2">
+            <a:schemeClr val="accent2"/>
+          </a:lnRef>
+          <a:fillRef idx="1">
+            <a:schemeClr val="lt1"/>
+          </a:fillRef>
+          <a:effectRef idx="0">
+            <a:schemeClr val="accent2"/>
+          </a:effectRef>
+          <a:fontRef idx="minor">
+            <a:schemeClr val="dk1"/>
+          </a:fontRef>
+        </p:style>
+        <p:txBody>
+          <a:bodyPr rot="0" spcFirstLastPara="0" vertOverflow="overflow" horzOverflow="overflow" vert="horz" wrap="square" lIns="91440" tIns="45720" rIns="91440" bIns="45720" numCol="1" spcCol="0" rtlCol="0" fromWordArt="0" anchor="ctr" anchorCtr="0" forceAA="0" compatLnSpc="1">
+            <a:prstTxWarp prst="textNoShape">
+              <a:avLst/>
+            </a:prstTxWarp>
+            <a:noAutofit/>
+          </a:bodyPr>
+          <a:lstStyle/>
+          <a:p>
+            <a:pPr marL="0" marR="0" indent="0" algn="ctr" defTabSz="914400" rtl="0" eaLnBrk="1" fontAlgn="base" latinLnBrk="0" hangingPunct="1">
+              <a:lnSpc>
+                <a:spcPct val="100000"/>
+              </a:lnSpc>
+              <a:spcBef>
+                <a:spcPct val="0"/>
+              </a:spcBef>
+              <a:spcAft>
+                <a:spcPts val="600"/>
+              </a:spcAft>
+              <a:buClrTx/>
+              <a:buSzTx/>
+              <a:buFontTx/>
+              <a:buNone/>
+              <a:tabLst/>
+            </a:pPr>
+            <a:r>
+              <a:rPr kumimoji="0" lang="de-DE" sz="1200" b="0" i="0" u="none" strike="noStrike" cap="none" normalizeH="0" baseline="0" dirty="0" smtClean="0">
+                <a:ln>
+                  <a:noFill/>
+                </a:ln>
+                <a:solidFill>
+                  <a:schemeClr val="tx1"/>
+                </a:solidFill>
+                <a:effectLst/>
+                <a:latin typeface="Open Sans" panose="020B0606030504020204" pitchFamily="34" charset="0"/>
+                <a:ea typeface="Open Sans" panose="020B0606030504020204" pitchFamily="34" charset="0"/>
+                <a:cs typeface="Open Sans" panose="020B0606030504020204" pitchFamily="34" charset="0"/>
+              </a:rPr>
+              <a:t>4</a:t>
+            </a:r>
+          </a:p>
+        </p:txBody>
+      </p:sp>
       <p:cxnSp>
         <p:nvCxnSpPr>
-          <p:cNvPr id="10" name="Gerade Verbindung mit Pfeil 9"/>
-          <p:cNvCxnSpPr>
-            <a:stCxn id="6" idx="2"/>
-            <a:endCxn id="7" idx="0"/>
-          </p:cNvCxnSpPr>
+          <p:cNvPr id="29" name="Gerade Verbindung mit Pfeil 28"/>
+          <p:cNvCxnSpPr/>
           <p:nvPr/>
         </p:nvCxnSpPr>
         <p:spPr bwMode="auto">
-          <a:xfrm>
-            <a:off x="7264905" y="2644588"/>
-            <a:ext cx="0" cy="385482"/>
+          <a:xfrm flipH="1">
+            <a:off x="3942608" y="1638795"/>
+            <a:ext cx="4013861" cy="0"/>
           </a:xfrm>
           <a:prstGeom prst="straightConnector1">
             <a:avLst/>
@@ -14064,9 +15292,313 @@
           <a:effectLst/>
         </p:spPr>
       </p:cxnSp>
+      <p:cxnSp>
+        <p:nvCxnSpPr>
+          <p:cNvPr id="31" name="Gerade Verbindung mit Pfeil 30"/>
+          <p:cNvCxnSpPr/>
+          <p:nvPr/>
+        </p:nvCxnSpPr>
+        <p:spPr bwMode="auto">
+          <a:xfrm>
+            <a:off x="3942608" y="5783283"/>
+            <a:ext cx="4013860" cy="0"/>
+          </a:xfrm>
+          <a:prstGeom prst="straightConnector1">
+            <a:avLst/>
+          </a:prstGeom>
+          <a:solidFill>
+            <a:schemeClr val="accent1"/>
+          </a:solidFill>
+          <a:ln w="57150" cap="flat" cmpd="sng" algn="ctr">
+            <a:solidFill>
+              <a:schemeClr val="tx1"/>
+            </a:solidFill>
+            <a:prstDash val="solid"/>
+            <a:round/>
+            <a:headEnd type="none" w="med" len="med"/>
+            <a:tailEnd type="triangle" w="med" len="med"/>
+          </a:ln>
+          <a:effectLst/>
+        </p:spPr>
+      </p:cxnSp>
+      <p:sp>
+        <p:nvSpPr>
+          <p:cNvPr id="34" name="Rechteck 33"/>
+          <p:cNvSpPr/>
+          <p:nvPr/>
+        </p:nvSpPr>
+        <p:spPr bwMode="auto">
+          <a:xfrm>
+            <a:off x="4214751" y="2057068"/>
+            <a:ext cx="3469573" cy="3395381"/>
+          </a:xfrm>
+          <a:prstGeom prst="rect">
+            <a:avLst/>
+          </a:prstGeom>
+          <a:noFill/>
+          <a:ln>
+            <a:headEnd type="none" w="med" len="med"/>
+            <a:tailEnd type="none" w="med" len="med"/>
+          </a:ln>
+          <a:effectLst/>
+        </p:spPr>
+        <p:style>
+          <a:lnRef idx="1">
+            <a:schemeClr val="accent5"/>
+          </a:lnRef>
+          <a:fillRef idx="2">
+            <a:schemeClr val="accent5"/>
+          </a:fillRef>
+          <a:effectRef idx="1">
+            <a:schemeClr val="accent5"/>
+          </a:effectRef>
+          <a:fontRef idx="minor">
+            <a:schemeClr val="dk1"/>
+          </a:fontRef>
+        </p:style>
+        <p:txBody>
+          <a:bodyPr rot="0" spcFirstLastPara="0" vertOverflow="overflow" horzOverflow="overflow" vert="horz" wrap="square" lIns="91440" tIns="45720" rIns="91440" bIns="45720" numCol="1" spcCol="0" rtlCol="0" fromWordArt="0" anchor="t" anchorCtr="0" forceAA="0" compatLnSpc="1">
+            <a:prstTxWarp prst="textNoShape">
+              <a:avLst/>
+            </a:prstTxWarp>
+            <a:noAutofit/>
+          </a:bodyPr>
+          <a:lstStyle/>
+          <a:p>
+            <a:pPr marL="0" marR="0" indent="0" algn="l" defTabSz="914400" rtl="0" eaLnBrk="1" fontAlgn="base" latinLnBrk="0" hangingPunct="1">
+              <a:lnSpc>
+                <a:spcPct val="100000"/>
+              </a:lnSpc>
+              <a:spcBef>
+                <a:spcPct val="0"/>
+              </a:spcBef>
+              <a:spcAft>
+                <a:spcPts val="600"/>
+              </a:spcAft>
+              <a:buClrTx/>
+              <a:buSzTx/>
+              <a:buFontTx/>
+              <a:buNone/>
+              <a:tabLst/>
+            </a:pPr>
+            <a:endParaRPr kumimoji="0" lang="de-DE" sz="1600" b="1" i="0" u="none" strike="noStrike" cap="none" normalizeH="0" baseline="0" dirty="0" smtClean="0">
+              <a:ln>
+                <a:noFill/>
+              </a:ln>
+              <a:solidFill>
+                <a:schemeClr val="bg1"/>
+              </a:solidFill>
+              <a:effectLst/>
+              <a:latin typeface="Open Sans" panose="020B0606030504020204" pitchFamily="34" charset="0"/>
+              <a:ea typeface="Open Sans" panose="020B0606030504020204" pitchFamily="34" charset="0"/>
+              <a:cs typeface="Open Sans" panose="020B0606030504020204" pitchFamily="34" charset="0"/>
+            </a:endParaRPr>
+          </a:p>
+        </p:txBody>
+      </p:sp>
+      <p:sp>
+        <p:nvSpPr>
+          <p:cNvPr id="30" name="Gefaltete Ecke 29"/>
+          <p:cNvSpPr/>
+          <p:nvPr/>
+        </p:nvSpPr>
+        <p:spPr bwMode="auto">
+          <a:xfrm>
+            <a:off x="5682343" y="2791490"/>
+            <a:ext cx="534389" cy="604170"/>
+          </a:xfrm>
+          <a:prstGeom prst="foldedCorner">
+            <a:avLst/>
+          </a:prstGeom>
+          <a:solidFill>
+            <a:schemeClr val="bg1"/>
+          </a:solidFill>
+          <a:ln w="9525" cap="flat" cmpd="sng" algn="ctr">
+            <a:solidFill>
+              <a:schemeClr val="tx1"/>
+            </a:solidFill>
+            <a:prstDash val="solid"/>
+            <a:round/>
+            <a:headEnd type="none" w="med" len="med"/>
+            <a:tailEnd type="none" w="med" len="med"/>
+          </a:ln>
+          <a:effectLst/>
+        </p:spPr>
+        <p:txBody>
+          <a:bodyPr rot="0" spcFirstLastPara="0" vertOverflow="overflow" horzOverflow="overflow" vert="horz" wrap="square" lIns="91440" tIns="45720" rIns="91440" bIns="45720" numCol="1" spcCol="0" rtlCol="0" fromWordArt="0" anchor="ctr" anchorCtr="0" forceAA="0" compatLnSpc="1">
+            <a:prstTxWarp prst="textNoShape">
+              <a:avLst/>
+            </a:prstTxWarp>
+            <a:noAutofit/>
+          </a:bodyPr>
+          <a:lstStyle/>
+          <a:p>
+            <a:pPr marL="0" marR="0" indent="0" algn="ctr" defTabSz="914400" rtl="0" eaLnBrk="1" fontAlgn="base" latinLnBrk="0" hangingPunct="1">
+              <a:lnSpc>
+                <a:spcPct val="100000"/>
+              </a:lnSpc>
+              <a:spcBef>
+                <a:spcPct val="0"/>
+              </a:spcBef>
+              <a:spcAft>
+                <a:spcPts val="600"/>
+              </a:spcAft>
+              <a:buClrTx/>
+              <a:buSzTx/>
+              <a:buFontTx/>
+              <a:buNone/>
+              <a:tabLst/>
+            </a:pPr>
+            <a:r>
+              <a:rPr kumimoji="0" lang="de-DE" sz="2000" b="1" i="0" u="none" strike="noStrike" cap="none" normalizeH="0" baseline="0" dirty="0" smtClean="0">
+                <a:ln>
+                  <a:noFill/>
+                </a:ln>
+                <a:effectLst/>
+                <a:latin typeface="Open Sans" panose="020B0606030504020204" pitchFamily="34" charset="0"/>
+                <a:ea typeface="Open Sans" panose="020B0606030504020204" pitchFamily="34" charset="0"/>
+                <a:cs typeface="Open Sans" panose="020B0606030504020204" pitchFamily="34" charset="0"/>
+              </a:rPr>
+              <a:t>3</a:t>
+            </a:r>
+          </a:p>
+        </p:txBody>
+      </p:sp>
+      <p:sp>
+        <p:nvSpPr>
+          <p:cNvPr id="36" name="Gefaltete Ecke 35"/>
+          <p:cNvSpPr/>
+          <p:nvPr/>
+        </p:nvSpPr>
+        <p:spPr bwMode="auto">
+          <a:xfrm>
+            <a:off x="5682343" y="4747011"/>
+            <a:ext cx="534389" cy="604170"/>
+          </a:xfrm>
+          <a:prstGeom prst="foldedCorner">
+            <a:avLst/>
+          </a:prstGeom>
+          <a:solidFill>
+            <a:schemeClr val="bg1"/>
+          </a:solidFill>
+          <a:ln w="9525" cap="flat" cmpd="sng" algn="ctr">
+            <a:solidFill>
+              <a:schemeClr val="tx1"/>
+            </a:solidFill>
+            <a:prstDash val="solid"/>
+            <a:round/>
+            <a:headEnd type="none" w="med" len="med"/>
+            <a:tailEnd type="none" w="med" len="med"/>
+          </a:ln>
+          <a:effectLst/>
+        </p:spPr>
+        <p:txBody>
+          <a:bodyPr rot="0" spcFirstLastPara="0" vertOverflow="overflow" horzOverflow="overflow" vert="horz" wrap="square" lIns="91440" tIns="45720" rIns="91440" bIns="45720" numCol="1" spcCol="0" rtlCol="0" fromWordArt="0" anchor="ctr" anchorCtr="0" forceAA="0" compatLnSpc="1">
+            <a:prstTxWarp prst="textNoShape">
+              <a:avLst/>
+            </a:prstTxWarp>
+            <a:noAutofit/>
+          </a:bodyPr>
+          <a:lstStyle/>
+          <a:p>
+            <a:pPr marL="0" marR="0" indent="0" algn="ctr" defTabSz="914400" rtl="0" eaLnBrk="1" fontAlgn="base" latinLnBrk="0" hangingPunct="1">
+              <a:lnSpc>
+                <a:spcPct val="100000"/>
+              </a:lnSpc>
+              <a:spcBef>
+                <a:spcPct val="0"/>
+              </a:spcBef>
+              <a:spcAft>
+                <a:spcPts val="600"/>
+              </a:spcAft>
+              <a:buClrTx/>
+              <a:buSzTx/>
+              <a:buFontTx/>
+              <a:buNone/>
+              <a:tabLst/>
+            </a:pPr>
+            <a:r>
+              <a:rPr kumimoji="0" lang="de-DE" sz="2000" b="1" i="0" u="none" strike="noStrike" cap="none" normalizeH="0" baseline="0" dirty="0" smtClean="0">
+                <a:ln>
+                  <a:noFill/>
+                </a:ln>
+                <a:effectLst/>
+                <a:latin typeface="Open Sans" panose="020B0606030504020204" pitchFamily="34" charset="0"/>
+                <a:ea typeface="Open Sans" panose="020B0606030504020204" pitchFamily="34" charset="0"/>
+                <a:cs typeface="Open Sans" panose="020B0606030504020204" pitchFamily="34" charset="0"/>
+              </a:rPr>
+              <a:t>4</a:t>
+            </a:r>
+          </a:p>
+        </p:txBody>
+      </p:sp>
+      <p:cxnSp>
+        <p:nvCxnSpPr>
+          <p:cNvPr id="33" name="Gerade Verbindung mit Pfeil 32"/>
+          <p:cNvCxnSpPr>
+            <a:stCxn id="22" idx="6"/>
+            <a:endCxn id="30" idx="1"/>
+          </p:cNvCxnSpPr>
+          <p:nvPr/>
+        </p:nvCxnSpPr>
+        <p:spPr bwMode="auto">
+          <a:xfrm flipV="1">
+            <a:off x="3745766" y="3093575"/>
+            <a:ext cx="1936577" cy="1"/>
+          </a:xfrm>
+          <a:prstGeom prst="straightConnector1">
+            <a:avLst/>
+          </a:prstGeom>
+          <a:solidFill>
+            <a:schemeClr val="accent1"/>
+          </a:solidFill>
+          <a:ln w="9525" cap="flat" cmpd="sng" algn="ctr">
+            <a:solidFill>
+              <a:schemeClr val="tx1"/>
+            </a:solidFill>
+            <a:prstDash val="solid"/>
+            <a:round/>
+            <a:headEnd type="none" w="med" len="med"/>
+            <a:tailEnd type="arrow"/>
+          </a:ln>
+          <a:effectLst/>
+        </p:spPr>
+      </p:cxnSp>
+      <p:cxnSp>
+        <p:nvCxnSpPr>
+          <p:cNvPr id="39" name="Gerade Verbindung mit Pfeil 38"/>
+          <p:cNvCxnSpPr>
+            <a:stCxn id="28" idx="6"/>
+            <a:endCxn id="36" idx="1"/>
+          </p:cNvCxnSpPr>
+          <p:nvPr/>
+        </p:nvCxnSpPr>
+        <p:spPr bwMode="auto">
+          <a:xfrm flipV="1">
+            <a:off x="3741054" y="5049096"/>
+            <a:ext cx="1941289" cy="1"/>
+          </a:xfrm>
+          <a:prstGeom prst="straightConnector1">
+            <a:avLst/>
+          </a:prstGeom>
+          <a:solidFill>
+            <a:schemeClr val="accent1"/>
+          </a:solidFill>
+          <a:ln w="9525" cap="flat" cmpd="sng" algn="ctr">
+            <a:solidFill>
+              <a:schemeClr val="tx1"/>
+            </a:solidFill>
+            <a:prstDash val="solid"/>
+            <a:round/>
+            <a:headEnd type="none" w="med" len="med"/>
+            <a:tailEnd type="arrow"/>
+          </a:ln>
+          <a:effectLst/>
+        </p:spPr>
+      </p:cxnSp>
       <p:pic>
         <p:nvPicPr>
-          <p:cNvPr id="5122" name="Picture 2" descr="D:\projects\mgm\jug-saxony-workshop\src\slides\resources\images\1490832347_user 4.png"/>
+          <p:cNvPr id="1026" name="Picture 2" descr="D:\projects\mgm\jug-saxony-workshop\src\slides\resources\images\hdfs-logo.jpg"/>
           <p:cNvPicPr>
             <a:picLocks noChangeAspect="1" noChangeArrowheads="1"/>
           </p:cNvPicPr>
@@ -14087,49 +15619,8 @@
         </p:blipFill>
         <p:spPr bwMode="auto">
           <a:xfrm>
-            <a:off x="8063479" y="3182619"/>
-            <a:ext cx="758385" cy="758385"/>
-          </a:xfrm>
-          <a:prstGeom prst="rect">
-            <a:avLst/>
-          </a:prstGeom>
-          <a:noFill/>
-          <a:extLst>
-            <a:ext uri="{909E8E84-426E-40DD-AFC4-6F175D3DCCD1}">
-              <a14:hiddenFill xmlns:a14="http://schemas.microsoft.com/office/drawing/2010/main">
-                <a:solidFill>
-                  <a:srgbClr val="FFFFFF"/>
-                </a:solidFill>
-              </a14:hiddenFill>
-            </a:ext>
-          </a:extLst>
-        </p:spPr>
-      </p:pic>
-      <p:pic>
-        <p:nvPicPr>
-          <p:cNvPr id="5124" name="Picture 4" descr="D:\projects\mgm\jug-saxony-workshop\src\slides\resources\images\1490832417_user 2.png"/>
-          <p:cNvPicPr>
-            <a:picLocks noChangeAspect="1" noChangeArrowheads="1"/>
-          </p:cNvPicPr>
-          <p:nvPr/>
-        </p:nvPicPr>
-        <p:blipFill>
-          <a:blip r:embed="rId3">
-            <a:extLst>
-              <a:ext uri="{28A0092B-C50C-407E-A947-70E740481C1C}">
-                <a14:useLocalDpi xmlns:a14="http://schemas.microsoft.com/office/drawing/2010/main" val="0"/>
-              </a:ext>
-            </a:extLst>
-          </a:blip>
-          <a:srcRect/>
-          <a:stretch>
-            <a:fillRect/>
-          </a:stretch>
-        </p:blipFill>
-        <p:spPr bwMode="auto">
-          <a:xfrm>
-            <a:off x="8081635" y="1797573"/>
-            <a:ext cx="758385" cy="758385"/>
+            <a:off x="4309751" y="2135495"/>
+            <a:ext cx="1125619" cy="629494"/>
           </a:xfrm>
           <a:prstGeom prst="rect">
             <a:avLst/>
@@ -14185,77 +15676,6 @@
       </p:grpSpPr>
       <p:sp>
         <p:nvSpPr>
-          <p:cNvPr id="2" name="Inhaltsplatzhalter 1"/>
-          <p:cNvSpPr>
-            <a:spLocks noGrp="1"/>
-          </p:cNvSpPr>
-          <p:nvPr>
-            <p:ph idx="1"/>
-          </p:nvPr>
-        </p:nvSpPr>
-        <p:spPr/>
-        <p:txBody>
-          <a:bodyPr/>
-          <a:lstStyle/>
-          <a:p>
-            <a:r>
-              <a:rPr lang="de-DE" dirty="0" smtClean="0"/>
-              <a:t>Stabilität</a:t>
-            </a:r>
-          </a:p>
-          <a:p>
-            <a:r>
-              <a:rPr lang="de-DE" dirty="0" smtClean="0"/>
-              <a:t>Zuverlässigkeit</a:t>
-            </a:r>
-          </a:p>
-          <a:p>
-            <a:r>
-              <a:rPr lang="de-DE" dirty="0" smtClean="0"/>
-              <a:t>Reproduzierbarkeit</a:t>
-            </a:r>
-          </a:p>
-          <a:p>
-            <a:r>
-              <a:rPr lang="de-DE" dirty="0" smtClean="0"/>
-              <a:t>Audit-Fähigkeit</a:t>
-            </a:r>
-          </a:p>
-          <a:p>
-            <a:r>
-              <a:rPr lang="de-DE" dirty="0" smtClean="0"/>
-              <a:t>Professioneller Support</a:t>
-            </a:r>
-          </a:p>
-          <a:p>
-            <a:r>
-              <a:rPr lang="de-DE" dirty="0" smtClean="0"/>
-              <a:t>Einfachheit</a:t>
-            </a:r>
-          </a:p>
-          <a:p>
-            <a:r>
-              <a:rPr lang="de-DE" dirty="0" smtClean="0"/>
-              <a:t>Betreibbarkeit</a:t>
-            </a:r>
-          </a:p>
-          <a:p>
-            <a:r>
-              <a:rPr lang="de-DE" dirty="0" smtClean="0"/>
-              <a:t>Framework</a:t>
-            </a:r>
-          </a:p>
-          <a:p>
-            <a:r>
-              <a:rPr lang="de-DE" dirty="0" smtClean="0"/>
-              <a:t>Modularisierung</a:t>
-            </a:r>
-            <a:endParaRPr lang="en-US" dirty="0"/>
-          </a:p>
-        </p:txBody>
-      </p:sp>
-      <p:sp>
-        <p:nvSpPr>
           <p:cNvPr id="3" name="Titel 2"/>
           <p:cNvSpPr>
             <a:spLocks noGrp="1"/>
@@ -14274,6 +15694,96 @@
               <a:t>Zusammenfassung</a:t>
             </a:r>
             <a:endParaRPr lang="en-US" dirty="0"/>
+          </a:p>
+        </p:txBody>
+      </p:sp>
+      <p:sp>
+        <p:nvSpPr>
+          <p:cNvPr id="2" name="Inhaltsplatzhalter 1"/>
+          <p:cNvSpPr>
+            <a:spLocks noGrp="1"/>
+          </p:cNvSpPr>
+          <p:nvPr>
+            <p:ph sz="half" idx="1"/>
+          </p:nvPr>
+        </p:nvSpPr>
+        <p:spPr/>
+        <p:txBody>
+          <a:bodyPr/>
+          <a:lstStyle/>
+          <a:p>
+            <a:r>
+              <a:rPr lang="de-DE" dirty="0" smtClean="0"/>
+              <a:t>Stabilität</a:t>
+            </a:r>
+          </a:p>
+          <a:p>
+            <a:r>
+              <a:rPr lang="de-DE" dirty="0" smtClean="0"/>
+              <a:t>Zuverlässigkeit</a:t>
+            </a:r>
+          </a:p>
+          <a:p>
+            <a:r>
+              <a:rPr lang="de-DE" dirty="0" smtClean="0"/>
+              <a:t>Reproduzierbarkeit</a:t>
+            </a:r>
+          </a:p>
+          <a:p>
+            <a:r>
+              <a:rPr lang="de-DE" dirty="0" smtClean="0"/>
+              <a:t>Audit-Fähigkeit</a:t>
+            </a:r>
+          </a:p>
+          <a:p>
+            <a:r>
+              <a:rPr lang="de-DE" dirty="0" smtClean="0"/>
+              <a:t>Professioneller Support</a:t>
+            </a:r>
+          </a:p>
+          <a:p>
+            <a:r>
+              <a:rPr lang="de-DE" dirty="0" smtClean="0"/>
+              <a:t>Einfachheit</a:t>
+            </a:r>
+          </a:p>
+          <a:p>
+            <a:r>
+              <a:rPr lang="de-DE" dirty="0" smtClean="0"/>
+              <a:t>Betreibbarkeit</a:t>
+            </a:r>
+          </a:p>
+          <a:p>
+            <a:r>
+              <a:rPr lang="de-DE" dirty="0" smtClean="0"/>
+              <a:t>Framework</a:t>
+            </a:r>
+          </a:p>
+          <a:p>
+            <a:r>
+              <a:rPr lang="de-DE" dirty="0" smtClean="0"/>
+              <a:t>Modularisierung</a:t>
+            </a:r>
+            <a:endParaRPr lang="en-US" dirty="0"/>
+          </a:p>
+        </p:txBody>
+      </p:sp>
+      <p:sp>
+        <p:nvSpPr>
+          <p:cNvPr id="4" name="Inhaltsplatzhalter 3"/>
+          <p:cNvSpPr>
+            <a:spLocks noGrp="1"/>
+          </p:cNvSpPr>
+          <p:nvPr>
+            <p:ph sz="half" idx="2"/>
+          </p:nvPr>
+        </p:nvSpPr>
+        <p:spPr/>
+        <p:txBody>
+          <a:bodyPr/>
+          <a:lstStyle/>
+          <a:p>
+            <a:endParaRPr lang="de-DE"/>
           </a:p>
         </p:txBody>
       </p:sp>
@@ -14476,14 +15986,14 @@
                 <a:gridCol w="1145504">
                   <a:extLst>
                     <a:ext uri="{9D8B030D-6E8A-4147-A177-3AD203B41FA5}">
-                      <a16:colId xmlns:a16="http://schemas.microsoft.com/office/drawing/2014/main" xmlns="" val="20000"/>
+                      <a16:colId xmlns="" xmlns:a16="http://schemas.microsoft.com/office/drawing/2014/main" val="20000"/>
                     </a:ext>
                   </a:extLst>
                 </a:gridCol>
                 <a:gridCol w="3842658">
                   <a:extLst>
                     <a:ext uri="{9D8B030D-6E8A-4147-A177-3AD203B41FA5}">
-                      <a16:colId xmlns:a16="http://schemas.microsoft.com/office/drawing/2014/main" xmlns="" val="20001"/>
+                      <a16:colId xmlns="" xmlns:a16="http://schemas.microsoft.com/office/drawing/2014/main" val="20001"/>
                     </a:ext>
                   </a:extLst>
                 </a:gridCol>
@@ -14546,7 +16056,7 @@
                 </a:tc>
                 <a:extLst>
                   <a:ext uri="{0D108BD9-81ED-4DB2-BD59-A6C34878D82A}">
-                    <a16:rowId xmlns:a16="http://schemas.microsoft.com/office/drawing/2014/main" xmlns="" val="10002"/>
+                    <a16:rowId xmlns="" xmlns:a16="http://schemas.microsoft.com/office/drawing/2014/main" val="10002"/>
                   </a:ext>
                 </a:extLst>
               </a:tr>
@@ -15023,6 +16533,26 @@
               <a:rPr lang="en-US" sz="1400" dirty="0" smtClean="0"/>
               <a:t> </a:t>
             </a:r>
+            <a:endParaRPr lang="en-US" sz="1400" dirty="0" smtClean="0"/>
+          </a:p>
+          <a:p>
+            <a:r>
+              <a:rPr lang="en-US" sz="1400" dirty="0">
+                <a:hlinkClick r:id="rId14"/>
+              </a:rPr>
+              <a:t>https://</a:t>
+            </a:r>
+            <a:r>
+              <a:rPr lang="en-US" sz="1400" dirty="0" smtClean="0">
+                <a:hlinkClick r:id="rId14"/>
+              </a:rPr>
+              <a:t>hadoop.apache.org/docs/r2.4.1/hadoop-project-dist/hadoop-hdfs/images/hdfs-logo.jpg</a:t>
+            </a:r>
+            <a:r>
+              <a:rPr lang="en-US" sz="1400" dirty="0" smtClean="0"/>
+              <a:t> </a:t>
+            </a:r>
+            <a:endParaRPr lang="en-US" sz="1400" dirty="0" smtClean="0"/>
           </a:p>
           <a:p>
             <a:endParaRPr lang="en-US" sz="1400" dirty="0" smtClean="0"/>
@@ -16418,19 +17948,7 @@
           <a:p>
             <a:r>
               <a:rPr lang="de-DE" dirty="0" smtClean="0"/>
-              <a:t>Problemstellung: Wie erstelle ich Programme, die </a:t>
-            </a:r>
-            <a:r>
-              <a:rPr lang="de-DE" dirty="0" smtClean="0"/>
-              <a:t>steigende Eingabedatenmengen </a:t>
-            </a:r>
-            <a:r>
-              <a:rPr lang="de-DE" dirty="0" smtClean="0"/>
-              <a:t>mit mehr Hardware genauso schnell </a:t>
-            </a:r>
-            <a:r>
-              <a:rPr lang="de-DE" dirty="0" smtClean="0"/>
-              <a:t>verarbeiten?</a:t>
+              <a:t>Problemstellung: Wie erstelle ich Programme, die steigende Eingabedatenmengen mit mehr Hardware genauso schnell verarbeiten?</a:t>
             </a:r>
             <a:endParaRPr lang="de-DE" dirty="0"/>
           </a:p>
@@ -16453,15 +17971,7 @@
           <a:p>
             <a:r>
               <a:rPr lang="de-DE" dirty="0" smtClean="0"/>
-              <a:t>Kommt auf die Programme an – im einfachen Fall benötigt das Programm nie eine globale Sicht auf alle Daten, dann kann </a:t>
-            </a:r>
-            <a:r>
-              <a:rPr lang="de-DE" dirty="0" smtClean="0"/>
-              <a:t>man die </a:t>
-            </a:r>
-            <a:r>
-              <a:rPr lang="de-DE" dirty="0" smtClean="0"/>
-              <a:t>Daten und das Programm einfach auf die zur Verfügung stehenden Rechner („Knoten“) verteilen</a:t>
+              <a:t>Kommt auf die Programme an – im einfachen Fall benötigt das Programm nie eine globale Sicht auf alle Daten, dann kann man die Daten und das Programm einfach auf die zur Verfügung stehenden Rechner („Knoten“) verteilen</a:t>
             </a:r>
           </a:p>
           <a:p>
@@ -17030,7 +18540,6 @@
               <a:rPr lang="de-DE" sz="1400" kern="0" dirty="0" smtClean="0"/>
               <a:t>Händler 1</a:t>
             </a:r>
-            <a:endParaRPr lang="de-DE" sz="1400" kern="0" dirty="0" smtClean="0"/>
           </a:p>
         </p:txBody>
       </p:sp>
@@ -17085,7 +18594,6 @@
               <a:rPr lang="de-DE" sz="1400" kern="0" dirty="0" smtClean="0"/>
               <a:t>Händler 2</a:t>
             </a:r>
-            <a:endParaRPr lang="de-DE" sz="1400" kern="0" dirty="0" smtClean="0"/>
           </a:p>
         </p:txBody>
       </p:sp>
@@ -18139,11 +19647,7 @@
                       <a:pPr algn="r"/>
                       <a:r>
                         <a:rPr lang="de-DE" dirty="0" smtClean="0"/>
-                        <a:t>320</a:t>
-                      </a:r>
-                      <a:r>
-                        <a:rPr lang="de-DE" dirty="0" smtClean="0"/>
-                        <a:t>€</a:t>
+                        <a:t>320€</a:t>
                       </a:r>
                       <a:endParaRPr lang="de-DE" dirty="0"/>
                     </a:p>
@@ -24625,11 +26129,7 @@
                       <a:pPr algn="r"/>
                       <a:r>
                         <a:rPr lang="de-DE" sz="1200" dirty="0" smtClean="0"/>
-                        <a:t>320</a:t>
-                      </a:r>
-                      <a:r>
-                        <a:rPr lang="de-DE" sz="1200" dirty="0" smtClean="0"/>
-                        <a:t>€</a:t>
+                        <a:t>320€</a:t>
                       </a:r>
                       <a:endParaRPr lang="de-DE" sz="1200" dirty="0"/>
                     </a:p>
@@ -25411,11 +26911,7 @@
                       <a:pPr algn="r"/>
                       <a:r>
                         <a:rPr lang="de-DE" sz="1200" dirty="0" smtClean="0"/>
-                        <a:t>320</a:t>
-                      </a:r>
-                      <a:r>
-                        <a:rPr lang="de-DE" sz="1200" dirty="0" smtClean="0"/>
-                        <a:t>€</a:t>
+                        <a:t>320€</a:t>
                       </a:r>
                       <a:endParaRPr lang="de-DE" sz="1200" dirty="0"/>
                     </a:p>
@@ -26468,8 +27964,8 @@
           </a:graphicData>
         </a:graphic>
       </p:graphicFrame>
-      <mc:AlternateContent xmlns:mc="http://schemas.openxmlformats.org/markup-compatibility/2006">
-        <mc:Choice xmlns:a14="http://schemas.microsoft.com/office/drawing/2010/main" Requires="a14">
+      <mc:AlternateContent xmlns:mc="http://schemas.openxmlformats.org/markup-compatibility/2006" xmlns:a14="http://schemas.microsoft.com/office/drawing/2010/main">
+        <mc:Choice Requires="a14">
           <p:sp>
             <p:nvSpPr>
               <p:cNvPr id="20" name="Legende mit Linie 1 19"/>
@@ -26973,7 +28469,7 @@
             </p:txBody>
           </p:sp>
         </mc:Choice>
-        <mc:Fallback>
+        <mc:Fallback xmlns="">
           <p:sp>
             <p:nvSpPr>
               <p:cNvPr id="20" name="Legende mit Linie 1 19"/>
@@ -27021,8 +28517,8 @@
           </p:sp>
         </mc:Fallback>
       </mc:AlternateContent>
-      <mc:AlternateContent xmlns:mc="http://schemas.openxmlformats.org/markup-compatibility/2006">
-        <mc:Choice xmlns:a14="http://schemas.microsoft.com/office/drawing/2010/main" Requires="a14">
+      <mc:AlternateContent xmlns:mc="http://schemas.openxmlformats.org/markup-compatibility/2006" xmlns:a14="http://schemas.microsoft.com/office/drawing/2010/main">
+        <mc:Choice Requires="a14">
           <p:sp>
             <p:nvSpPr>
               <p:cNvPr id="21" name="Legende mit Linie 1 20"/>
@@ -27611,23 +29107,11 @@
                   </a:rPr>
                   <a:t>  </a:t>
                 </a:r>
-                <a:endParaRPr kumimoji="0" lang="de-DE" b="0" i="0" u="none" strike="noStrike" cap="none" normalizeH="0" baseline="0" dirty="0" smtClean="0">
-                  <a:ln>
-                    <a:noFill/>
-                  </a:ln>
-                  <a:solidFill>
-                    <a:schemeClr val="tx1"/>
-                  </a:solidFill>
-                  <a:effectLst/>
-                  <a:latin typeface="Open Sans" panose="020B0606030504020204" pitchFamily="34" charset="0"/>
-                  <a:ea typeface="Open Sans" panose="020B0606030504020204" pitchFamily="34" charset="0"/>
-                  <a:cs typeface="Open Sans" panose="020B0606030504020204" pitchFamily="34" charset="0"/>
-                </a:endParaRPr>
               </a:p>
             </p:txBody>
           </p:sp>
         </mc:Choice>
-        <mc:Fallback>
+        <mc:Fallback xmlns="">
           <p:sp>
             <p:nvSpPr>
               <p:cNvPr id="21" name="Legende mit Linie 1 20"/>
@@ -28285,8 +29769,8 @@
           </a:graphicData>
         </a:graphic>
       </p:graphicFrame>
-      <mc:AlternateContent xmlns:mc="http://schemas.openxmlformats.org/markup-compatibility/2006">
-        <mc:Choice xmlns:a14="http://schemas.microsoft.com/office/drawing/2010/main" Requires="a14">
+      <mc:AlternateContent xmlns:mc="http://schemas.openxmlformats.org/markup-compatibility/2006" xmlns:a14="http://schemas.microsoft.com/office/drawing/2010/main">
+        <mc:Choice Requires="a14">
           <p:sp>
             <p:nvSpPr>
               <p:cNvPr id="20" name="Legende mit Linie 1 19"/>
@@ -28753,7 +30237,7 @@
             </p:txBody>
           </p:sp>
         </mc:Choice>
-        <mc:Fallback>
+        <mc:Fallback xmlns="">
           <p:sp>
             <p:nvSpPr>
               <p:cNvPr id="20" name="Legende mit Linie 1 19"/>
@@ -30028,7 +31512,6 @@
                         <a:rPr lang="de-DE" sz="1200" dirty="0" smtClean="0"/>
                         <a:t>S</a:t>
                       </a:r>
-                      <a:endParaRPr lang="de-DE" sz="1200" dirty="0" smtClean="0"/>
                     </a:p>
                   </a:txBody>
                   <a:tcPr anchor="ctr"/>

--- a/src/slides/resources/2017-03-31-JUG-Saxony-Workshop-de.pptx
+++ b/src/slides/resources/2017-03-31-JUG-Saxony-Workshop-de.pptx
@@ -158,7 +158,7 @@
   </p:defaultTextStyle>
   <p:extLst>
     <p:ext uri="{EFAFB233-063F-42B5-8137-9DF3F51BA10A}">
-      <p15:sldGuideLst xmlns="" xmlns:p15="http://schemas.microsoft.com/office/powerpoint/2012/main">
+      <p15:sldGuideLst xmlns:p15="http://schemas.microsoft.com/office/powerpoint/2012/main" xmlns="">
         <p15:guide id="1" orient="horz" pos="2084">
           <p15:clr>
             <a:srgbClr val="A4A3A4"/>
@@ -172,7 +172,7 @@
       </p15:sldGuideLst>
     </p:ext>
     <p:ext uri="{2D200454-40CA-4A62-9FC3-DE9A4176ACB9}">
-      <p15:notesGuideLst xmlns="" xmlns:p15="http://schemas.microsoft.com/office/powerpoint/2012/main">
+      <p15:notesGuideLst xmlns:p15="http://schemas.microsoft.com/office/powerpoint/2012/main" xmlns="">
         <p15:guide id="1" orient="horz" pos="3024">
           <p15:clr>
             <a:srgbClr val="A4A3A4"/>
@@ -13833,13 +13833,13 @@
           <p:nvPr>
             <p:extLst>
               <p:ext uri="{D42A27DB-BD31-4B8C-83A1-F6EECF244321}">
-                <p14:modId xmlns:p14="http://schemas.microsoft.com/office/powerpoint/2010/main" val="1569628402"/>
+                <p14:modId xmlns:p14="http://schemas.microsoft.com/office/powerpoint/2010/main" val="3906161676"/>
               </p:ext>
             </p:extLst>
           </p:nvPr>
         </p:nvGraphicFramePr>
         <p:xfrm>
-          <a:off x="887712" y="3531172"/>
+          <a:off x="887712" y="3959797"/>
           <a:ext cx="2571582" cy="1645920"/>
         </p:xfrm>
         <a:graphic>
@@ -14153,13 +14153,13 @@
           <p:nvPr>
             <p:extLst>
               <p:ext uri="{D42A27DB-BD31-4B8C-83A1-F6EECF244321}">
-                <p14:modId xmlns:p14="http://schemas.microsoft.com/office/powerpoint/2010/main" val="1753465283"/>
+                <p14:modId xmlns:p14="http://schemas.microsoft.com/office/powerpoint/2010/main" val="2352890675"/>
               </p:ext>
             </p:extLst>
           </p:nvPr>
         </p:nvGraphicFramePr>
         <p:xfrm>
-          <a:off x="887712" y="1852362"/>
+          <a:off x="887712" y="2280987"/>
           <a:ext cx="2571582" cy="1371600"/>
         </p:xfrm>
         <a:graphic>
@@ -14435,7 +14435,7 @@
         </p:nvSpPr>
         <p:spPr bwMode="auto">
           <a:xfrm>
-            <a:off x="3509730" y="1882341"/>
+            <a:off x="3509730" y="2310966"/>
             <a:ext cx="236036" cy="219661"/>
           </a:xfrm>
           <a:prstGeom prst="ellipse">
@@ -14511,7 +14511,7 @@
         </p:nvSpPr>
         <p:spPr bwMode="auto">
           <a:xfrm>
-            <a:off x="3509730" y="2157692"/>
+            <a:off x="3509730" y="2586317"/>
             <a:ext cx="236036" cy="219661"/>
           </a:xfrm>
           <a:prstGeom prst="ellipse">
@@ -14587,7 +14587,7 @@
         </p:nvSpPr>
         <p:spPr bwMode="auto">
           <a:xfrm>
-            <a:off x="3509730" y="2433043"/>
+            <a:off x="3509730" y="2861668"/>
             <a:ext cx="236036" cy="219661"/>
           </a:xfrm>
           <a:prstGeom prst="ellipse">
@@ -14663,7 +14663,7 @@
         </p:nvSpPr>
         <p:spPr bwMode="auto">
           <a:xfrm>
-            <a:off x="3509730" y="2708394"/>
+            <a:off x="3509730" y="3137019"/>
             <a:ext cx="236036" cy="219661"/>
           </a:xfrm>
           <a:prstGeom prst="ellipse">
@@ -14739,7 +14739,7 @@
         </p:nvSpPr>
         <p:spPr bwMode="auto">
           <a:xfrm>
-            <a:off x="3509730" y="2983745"/>
+            <a:off x="3509730" y="3412370"/>
             <a:ext cx="236036" cy="219661"/>
           </a:xfrm>
           <a:prstGeom prst="ellipse">
@@ -14815,7 +14815,7 @@
         </p:nvSpPr>
         <p:spPr bwMode="auto">
           <a:xfrm>
-            <a:off x="3505018" y="3558184"/>
+            <a:off x="3505018" y="3986809"/>
             <a:ext cx="236036" cy="219661"/>
           </a:xfrm>
           <a:prstGeom prst="ellipse">
@@ -14891,7 +14891,7 @@
         </p:nvSpPr>
         <p:spPr bwMode="auto">
           <a:xfrm>
-            <a:off x="3505018" y="3833535"/>
+            <a:off x="3505018" y="4262160"/>
             <a:ext cx="236036" cy="219661"/>
           </a:xfrm>
           <a:prstGeom prst="ellipse">
@@ -14967,7 +14967,7 @@
         </p:nvSpPr>
         <p:spPr bwMode="auto">
           <a:xfrm>
-            <a:off x="3505018" y="4108886"/>
+            <a:off x="3505018" y="4537511"/>
             <a:ext cx="236036" cy="219661"/>
           </a:xfrm>
           <a:prstGeom prst="ellipse">
@@ -15043,7 +15043,7 @@
         </p:nvSpPr>
         <p:spPr bwMode="auto">
           <a:xfrm>
-            <a:off x="3505018" y="4384237"/>
+            <a:off x="3505018" y="4812862"/>
             <a:ext cx="236036" cy="219661"/>
           </a:xfrm>
           <a:prstGeom prst="ellipse">
@@ -15119,7 +15119,7 @@
         </p:nvSpPr>
         <p:spPr bwMode="auto">
           <a:xfrm>
-            <a:off x="3505018" y="4659588"/>
+            <a:off x="3505018" y="5088213"/>
             <a:ext cx="236036" cy="219661"/>
           </a:xfrm>
           <a:prstGeom prst="ellipse">
@@ -15195,7 +15195,7 @@
         </p:nvSpPr>
         <p:spPr bwMode="auto">
           <a:xfrm>
-            <a:off x="3505018" y="4939266"/>
+            <a:off x="3505018" y="5367891"/>
             <a:ext cx="236036" cy="219661"/>
           </a:xfrm>
           <a:prstGeom prst="ellipse">
@@ -15263,64 +15263,6 @@
           </a:p>
         </p:txBody>
       </p:sp>
-      <p:cxnSp>
-        <p:nvCxnSpPr>
-          <p:cNvPr id="29" name="Gerade Verbindung mit Pfeil 28"/>
-          <p:cNvCxnSpPr/>
-          <p:nvPr/>
-        </p:nvCxnSpPr>
-        <p:spPr bwMode="auto">
-          <a:xfrm flipH="1">
-            <a:off x="3942608" y="1638795"/>
-            <a:ext cx="4013861" cy="0"/>
-          </a:xfrm>
-          <a:prstGeom prst="straightConnector1">
-            <a:avLst/>
-          </a:prstGeom>
-          <a:solidFill>
-            <a:schemeClr val="accent1"/>
-          </a:solidFill>
-          <a:ln w="57150" cap="flat" cmpd="sng" algn="ctr">
-            <a:solidFill>
-              <a:schemeClr val="tx1"/>
-            </a:solidFill>
-            <a:prstDash val="solid"/>
-            <a:round/>
-            <a:headEnd type="none" w="med" len="med"/>
-            <a:tailEnd type="triangle" w="med" len="med"/>
-          </a:ln>
-          <a:effectLst/>
-        </p:spPr>
-      </p:cxnSp>
-      <p:cxnSp>
-        <p:nvCxnSpPr>
-          <p:cNvPr id="31" name="Gerade Verbindung mit Pfeil 30"/>
-          <p:cNvCxnSpPr/>
-          <p:nvPr/>
-        </p:nvCxnSpPr>
-        <p:spPr bwMode="auto">
-          <a:xfrm>
-            <a:off x="3942608" y="5783283"/>
-            <a:ext cx="4013860" cy="0"/>
-          </a:xfrm>
-          <a:prstGeom prst="straightConnector1">
-            <a:avLst/>
-          </a:prstGeom>
-          <a:solidFill>
-            <a:schemeClr val="accent1"/>
-          </a:solidFill>
-          <a:ln w="57150" cap="flat" cmpd="sng" algn="ctr">
-            <a:solidFill>
-              <a:schemeClr val="tx1"/>
-            </a:solidFill>
-            <a:prstDash val="solid"/>
-            <a:round/>
-            <a:headEnd type="none" w="med" len="med"/>
-            <a:tailEnd type="triangle" w="med" len="med"/>
-          </a:ln>
-          <a:effectLst/>
-        </p:spPr>
-      </p:cxnSp>
       <p:sp>
         <p:nvSpPr>
           <p:cNvPr id="34" name="Rechteck 33"/>
@@ -15329,14 +15271,14 @@
         </p:nvSpPr>
         <p:spPr bwMode="auto">
           <a:xfrm>
-            <a:off x="4214751" y="2057068"/>
-            <a:ext cx="3469573" cy="3395381"/>
+            <a:off x="4214751" y="2530627"/>
+            <a:ext cx="3469573" cy="2226545"/>
           </a:xfrm>
           <a:prstGeom prst="rect">
             <a:avLst/>
           </a:prstGeom>
           <a:noFill/>
-          <a:ln>
+          <a:ln w="12700">
             <a:headEnd type="none" w="med" len="med"/>
             <a:tailEnd type="none" w="med" len="med"/>
           </a:ln>
@@ -15404,7 +15346,7 @@
         </p:nvSpPr>
         <p:spPr bwMode="auto">
           <a:xfrm>
-            <a:off x="5682343" y="2791490"/>
+            <a:off x="5682343" y="3080153"/>
             <a:ext cx="534389" cy="604170"/>
           </a:xfrm>
           <a:prstGeom prst="foldedCorner">
@@ -15472,7 +15414,7 @@
         </p:nvSpPr>
         <p:spPr bwMode="auto">
           <a:xfrm>
-            <a:off x="5682343" y="4747011"/>
+            <a:off x="5682342" y="3991077"/>
             <a:ext cx="534389" cy="604170"/>
           </a:xfrm>
           <a:prstGeom prst="foldedCorner">
@@ -15543,8 +15485,8 @@
         </p:nvCxnSpPr>
         <p:spPr bwMode="auto">
           <a:xfrm flipV="1">
-            <a:off x="3745766" y="3093575"/>
-            <a:ext cx="1936577" cy="1"/>
+            <a:off x="3745766" y="3382238"/>
+            <a:ext cx="1936577" cy="139963"/>
           </a:xfrm>
           <a:prstGeom prst="straightConnector1">
             <a:avLst/>
@@ -15556,7 +15498,7 @@
             <a:solidFill>
               <a:schemeClr val="tx1"/>
             </a:solidFill>
-            <a:prstDash val="solid"/>
+            <a:prstDash val="dash"/>
             <a:round/>
             <a:headEnd type="none" w="med" len="med"/>
             <a:tailEnd type="arrow"/>
@@ -15575,8 +15517,8 @@
         </p:nvCxnSpPr>
         <p:spPr bwMode="auto">
           <a:xfrm flipV="1">
-            <a:off x="3741054" y="5049096"/>
-            <a:ext cx="1941289" cy="1"/>
+            <a:off x="3741054" y="4293162"/>
+            <a:ext cx="1941288" cy="1184560"/>
           </a:xfrm>
           <a:prstGeom prst="straightConnector1">
             <a:avLst/>
@@ -15588,7 +15530,7 @@
             <a:solidFill>
               <a:schemeClr val="tx1"/>
             </a:solidFill>
-            <a:prstDash val="solid"/>
+            <a:prstDash val="dash"/>
             <a:round/>
             <a:headEnd type="none" w="med" len="med"/>
             <a:tailEnd type="arrow"/>
@@ -15619,7 +15561,7 @@
         </p:blipFill>
         <p:spPr bwMode="auto">
           <a:xfrm>
-            <a:off x="4309751" y="2135495"/>
+            <a:off x="4309751" y="2621270"/>
             <a:ext cx="1125619" cy="629494"/>
           </a:xfrm>
           <a:prstGeom prst="rect">
@@ -15637,6 +15579,362 @@
           </a:extLst>
         </p:spPr>
       </p:pic>
+      <p:sp>
+        <p:nvSpPr>
+          <p:cNvPr id="3" name="Rechteck 2"/>
+          <p:cNvSpPr/>
+          <p:nvPr/>
+        </p:nvSpPr>
+        <p:spPr bwMode="auto">
+          <a:xfrm>
+            <a:off x="8320087" y="1680456"/>
+            <a:ext cx="2562225" cy="4291719"/>
+          </a:xfrm>
+          <a:prstGeom prst="rect">
+            <a:avLst/>
+          </a:prstGeom>
+          <a:solidFill>
+            <a:schemeClr val="bg1">
+              <a:lumMod val="95000"/>
+            </a:schemeClr>
+          </a:solidFill>
+          <a:ln w="9525" cap="flat" cmpd="sng" algn="ctr">
+            <a:solidFill>
+              <a:schemeClr val="tx1"/>
+            </a:solidFill>
+            <a:prstDash val="solid"/>
+            <a:round/>
+            <a:headEnd type="none" w="med" len="med"/>
+            <a:tailEnd type="none" w="med" len="med"/>
+          </a:ln>
+          <a:effectLst/>
+        </p:spPr>
+        <p:txBody>
+          <a:bodyPr rot="0" spcFirstLastPara="0" vertOverflow="overflow" horzOverflow="overflow" vert="horz" wrap="square" lIns="91440" tIns="45720" rIns="91440" bIns="45720" numCol="1" spcCol="0" rtlCol="0" fromWordArt="0" anchor="t" anchorCtr="0" forceAA="0" compatLnSpc="1">
+            <a:prstTxWarp prst="textNoShape">
+              <a:avLst/>
+            </a:prstTxWarp>
+            <a:noAutofit/>
+          </a:bodyPr>
+          <a:lstStyle/>
+          <a:p>
+            <a:pPr marL="0" marR="0" indent="0" algn="l" defTabSz="914400" rtl="0" eaLnBrk="1" fontAlgn="base" latinLnBrk="0" hangingPunct="1">
+              <a:lnSpc>
+                <a:spcPct val="100000"/>
+              </a:lnSpc>
+              <a:spcBef>
+                <a:spcPct val="0"/>
+              </a:spcBef>
+              <a:spcAft>
+                <a:spcPts val="600"/>
+              </a:spcAft>
+              <a:buClrTx/>
+              <a:buSzTx/>
+              <a:buFontTx/>
+              <a:buNone/>
+              <a:tabLst/>
+            </a:pPr>
+            <a:r>
+              <a:rPr kumimoji="0" lang="de-DE" sz="1200" b="0" i="0" u="none" strike="noStrike" cap="none" normalizeH="0" dirty="0" smtClean="0">
+                <a:ln>
+                  <a:noFill/>
+                </a:ln>
+                <a:effectLst/>
+                <a:latin typeface="Open Sans" panose="020B0606030504020204" pitchFamily="34" charset="0"/>
+                <a:ea typeface="Open Sans" panose="020B0606030504020204" pitchFamily="34" charset="0"/>
+                <a:cs typeface="Open Sans" panose="020B0606030504020204" pitchFamily="34" charset="0"/>
+              </a:rPr>
+              <a:t>Framework</a:t>
+            </a:r>
+            <a:endParaRPr kumimoji="0" lang="en-US" sz="1200" b="0" i="0" u="none" strike="noStrike" cap="none" normalizeH="0" dirty="0" err="1" smtClean="0">
+              <a:ln>
+                <a:noFill/>
+              </a:ln>
+              <a:effectLst/>
+              <a:latin typeface="Open Sans" panose="020B0606030504020204" pitchFamily="34" charset="0"/>
+              <a:ea typeface="Open Sans" panose="020B0606030504020204" pitchFamily="34" charset="0"/>
+              <a:cs typeface="Open Sans" panose="020B0606030504020204" pitchFamily="34" charset="0"/>
+            </a:endParaRPr>
+          </a:p>
+        </p:txBody>
+      </p:sp>
+      <p:sp>
+        <p:nvSpPr>
+          <p:cNvPr id="32" name="Rechteck 31"/>
+          <p:cNvSpPr/>
+          <p:nvPr/>
+        </p:nvSpPr>
+        <p:spPr bwMode="auto">
+          <a:xfrm>
+            <a:off x="8843962" y="2088391"/>
+            <a:ext cx="1514475" cy="2828656"/>
+          </a:xfrm>
+          <a:prstGeom prst="rect">
+            <a:avLst/>
+          </a:prstGeom>
+          <a:solidFill>
+            <a:srgbClr val="A7D9FF"/>
+          </a:solidFill>
+          <a:ln w="9525" cap="flat" cmpd="sng" algn="ctr">
+            <a:solidFill>
+              <a:schemeClr val="bg1">
+                <a:lumMod val="50000"/>
+              </a:schemeClr>
+            </a:solidFill>
+            <a:prstDash val="solid"/>
+            <a:round/>
+            <a:headEnd type="none" w="med" len="med"/>
+            <a:tailEnd type="none" w="med" len="med"/>
+          </a:ln>
+          <a:effectLst/>
+        </p:spPr>
+        <p:txBody>
+          <a:bodyPr rot="0" spcFirstLastPara="0" vertOverflow="overflow" horzOverflow="overflow" vert="horz" wrap="square" lIns="91440" tIns="45720" rIns="91440" bIns="45720" numCol="1" spcCol="0" rtlCol="0" fromWordArt="0" anchor="ctr" anchorCtr="0" forceAA="0" compatLnSpc="1">
+            <a:prstTxWarp prst="textNoShape">
+              <a:avLst/>
+            </a:prstTxWarp>
+            <a:noAutofit/>
+          </a:bodyPr>
+          <a:lstStyle/>
+          <a:p>
+            <a:pPr marL="0" marR="0" indent="0" defTabSz="914400" rtl="0" eaLnBrk="1" fontAlgn="base" latinLnBrk="0" hangingPunct="1">
+              <a:lnSpc>
+                <a:spcPct val="100000"/>
+              </a:lnSpc>
+              <a:spcBef>
+                <a:spcPct val="0"/>
+              </a:spcBef>
+              <a:spcAft>
+                <a:spcPts val="600"/>
+              </a:spcAft>
+              <a:buClrTx/>
+              <a:buSzTx/>
+              <a:buFontTx/>
+              <a:buNone/>
+              <a:tabLst/>
+            </a:pPr>
+            <a:r>
+              <a:rPr kumimoji="0" lang="de-DE" sz="1200" b="0" i="0" u="none" strike="noStrike" cap="none" normalizeH="0" dirty="0" smtClean="0">
+                <a:ln>
+                  <a:noFill/>
+                </a:ln>
+                <a:effectLst/>
+                <a:latin typeface="Open Sans" panose="020B0606030504020204" pitchFamily="34" charset="0"/>
+                <a:ea typeface="Open Sans" panose="020B0606030504020204" pitchFamily="34" charset="0"/>
+                <a:cs typeface="Open Sans" panose="020B0606030504020204" pitchFamily="34" charset="0"/>
+              </a:rPr>
+              <a:t>Spezifischer Code</a:t>
+            </a:r>
+            <a:endParaRPr kumimoji="0" lang="en-US" sz="1200" b="0" i="0" u="none" strike="noStrike" cap="none" normalizeH="0" dirty="0" err="1" smtClean="0">
+              <a:ln>
+                <a:noFill/>
+              </a:ln>
+              <a:effectLst/>
+              <a:latin typeface="Open Sans" panose="020B0606030504020204" pitchFamily="34" charset="0"/>
+              <a:ea typeface="Open Sans" panose="020B0606030504020204" pitchFamily="34" charset="0"/>
+              <a:cs typeface="Open Sans" panose="020B0606030504020204" pitchFamily="34" charset="0"/>
+            </a:endParaRPr>
+          </a:p>
+        </p:txBody>
+      </p:sp>
+      <p:cxnSp>
+        <p:nvCxnSpPr>
+          <p:cNvPr id="29" name="Gerade Verbindung mit Pfeil 28"/>
+          <p:cNvCxnSpPr/>
+          <p:nvPr/>
+        </p:nvCxnSpPr>
+        <p:spPr bwMode="auto">
+          <a:xfrm flipH="1" flipV="1">
+            <a:off x="3942610" y="2105520"/>
+            <a:ext cx="4901352" cy="425107"/>
+          </a:xfrm>
+          <a:prstGeom prst="straightConnector1">
+            <a:avLst/>
+          </a:prstGeom>
+          <a:solidFill>
+            <a:schemeClr val="accent1"/>
+          </a:solidFill>
+          <a:ln w="57150" cap="flat" cmpd="sng" algn="ctr">
+            <a:solidFill>
+              <a:schemeClr val="tx1"/>
+            </a:solidFill>
+            <a:prstDash val="solid"/>
+            <a:round/>
+            <a:headEnd type="none" w="med" len="med"/>
+            <a:tailEnd type="triangle" w="med" len="med"/>
+          </a:ln>
+          <a:effectLst/>
+        </p:spPr>
+      </p:cxnSp>
+      <p:cxnSp>
+        <p:nvCxnSpPr>
+          <p:cNvPr id="31" name="Gerade Verbindung mit Pfeil 30"/>
+          <p:cNvCxnSpPr/>
+          <p:nvPr/>
+        </p:nvCxnSpPr>
+        <p:spPr bwMode="auto">
+          <a:xfrm flipV="1">
+            <a:off x="3942608" y="4647341"/>
+            <a:ext cx="4901354" cy="1135943"/>
+          </a:xfrm>
+          <a:prstGeom prst="straightConnector1">
+            <a:avLst/>
+          </a:prstGeom>
+          <a:solidFill>
+            <a:schemeClr val="accent1"/>
+          </a:solidFill>
+          <a:ln w="57150" cap="flat" cmpd="sng" algn="ctr">
+            <a:solidFill>
+              <a:schemeClr val="tx1"/>
+            </a:solidFill>
+            <a:prstDash val="solid"/>
+            <a:round/>
+            <a:headEnd type="none" w="med" len="med"/>
+            <a:tailEnd type="triangle" w="med" len="med"/>
+          </a:ln>
+          <a:effectLst/>
+        </p:spPr>
+      </p:cxnSp>
+      <p:sp>
+        <p:nvSpPr>
+          <p:cNvPr id="35" name="Ellipse 34"/>
+          <p:cNvSpPr/>
+          <p:nvPr/>
+        </p:nvSpPr>
+        <p:spPr bwMode="auto">
+          <a:xfrm>
+            <a:off x="9394810" y="5345218"/>
+            <a:ext cx="412780" cy="418594"/>
+          </a:xfrm>
+          <a:prstGeom prst="ellipse">
+            <a:avLst/>
+          </a:prstGeom>
+          <a:ln>
+            <a:headEnd type="none" w="med" len="med"/>
+            <a:tailEnd type="none" w="med" len="med"/>
+          </a:ln>
+        </p:spPr>
+        <p:style>
+          <a:lnRef idx="2">
+            <a:schemeClr val="accent2"/>
+          </a:lnRef>
+          <a:fillRef idx="1">
+            <a:schemeClr val="lt1"/>
+          </a:fillRef>
+          <a:effectRef idx="0">
+            <a:schemeClr val="accent2"/>
+          </a:effectRef>
+          <a:fontRef idx="minor">
+            <a:schemeClr val="dk1"/>
+          </a:fontRef>
+        </p:style>
+        <p:txBody>
+          <a:bodyPr rot="0" spcFirstLastPara="0" vertOverflow="overflow" horzOverflow="overflow" vert="horz" wrap="square" lIns="91440" tIns="45720" rIns="91440" bIns="45720" numCol="1" spcCol="0" rtlCol="0" fromWordArt="0" anchor="ctr" anchorCtr="0" forceAA="0" compatLnSpc="1">
+            <a:prstTxWarp prst="textNoShape">
+              <a:avLst/>
+            </a:prstTxWarp>
+            <a:noAutofit/>
+          </a:bodyPr>
+          <a:lstStyle/>
+          <a:p>
+            <a:pPr marL="0" marR="0" indent="0" algn="ctr" defTabSz="914400" rtl="0" eaLnBrk="1" fontAlgn="base" latinLnBrk="0" hangingPunct="1">
+              <a:lnSpc>
+                <a:spcPct val="100000"/>
+              </a:lnSpc>
+              <a:spcBef>
+                <a:spcPct val="0"/>
+              </a:spcBef>
+              <a:spcAft>
+                <a:spcPts val="600"/>
+              </a:spcAft>
+              <a:buClrTx/>
+              <a:buSzTx/>
+              <a:buFontTx/>
+              <a:buNone/>
+              <a:tabLst/>
+            </a:pPr>
+            <a:r>
+              <a:rPr kumimoji="0" lang="de-DE" sz="2000" b="1" i="0" u="none" strike="noStrike" cap="none" normalizeH="0" baseline="0" dirty="0" smtClean="0">
+                <a:ln>
+                  <a:noFill/>
+                </a:ln>
+                <a:solidFill>
+                  <a:schemeClr val="tx1"/>
+                </a:solidFill>
+                <a:effectLst/>
+                <a:latin typeface="Open Sans" panose="020B0606030504020204" pitchFamily="34" charset="0"/>
+                <a:ea typeface="Open Sans" panose="020B0606030504020204" pitchFamily="34" charset="0"/>
+                <a:cs typeface="Open Sans" panose="020B0606030504020204" pitchFamily="34" charset="0"/>
+              </a:rPr>
+              <a:t>7</a:t>
+            </a:r>
+          </a:p>
+        </p:txBody>
+      </p:sp>
+      <p:cxnSp>
+        <p:nvCxnSpPr>
+          <p:cNvPr id="37" name="Gerade Verbindung mit Pfeil 36"/>
+          <p:cNvCxnSpPr>
+            <a:stCxn id="36" idx="3"/>
+            <a:endCxn id="35" idx="2"/>
+          </p:cNvCxnSpPr>
+          <p:nvPr/>
+        </p:nvCxnSpPr>
+        <p:spPr bwMode="auto">
+          <a:xfrm>
+            <a:off x="6216731" y="4293162"/>
+            <a:ext cx="3178079" cy="1261353"/>
+          </a:xfrm>
+          <a:prstGeom prst="straightConnector1">
+            <a:avLst/>
+          </a:prstGeom>
+          <a:solidFill>
+            <a:schemeClr val="accent1"/>
+          </a:solidFill>
+          <a:ln w="9525" cap="flat" cmpd="sng" algn="ctr">
+            <a:solidFill>
+              <a:schemeClr val="tx1"/>
+            </a:solidFill>
+            <a:prstDash val="dash"/>
+            <a:round/>
+            <a:headEnd type="none" w="med" len="med"/>
+            <a:tailEnd type="arrow"/>
+          </a:ln>
+          <a:effectLst/>
+        </p:spPr>
+      </p:cxnSp>
+      <p:cxnSp>
+        <p:nvCxnSpPr>
+          <p:cNvPr id="38" name="Gerade Verbindung mit Pfeil 37"/>
+          <p:cNvCxnSpPr>
+            <a:stCxn id="30" idx="3"/>
+            <a:endCxn id="35" idx="1"/>
+          </p:cNvCxnSpPr>
+          <p:nvPr/>
+        </p:nvCxnSpPr>
+        <p:spPr bwMode="auto">
+          <a:xfrm>
+            <a:off x="6216732" y="3382238"/>
+            <a:ext cx="3238528" cy="2024282"/>
+          </a:xfrm>
+          <a:prstGeom prst="straightConnector1">
+            <a:avLst/>
+          </a:prstGeom>
+          <a:solidFill>
+            <a:schemeClr val="accent1"/>
+          </a:solidFill>
+          <a:ln w="9525" cap="flat" cmpd="sng" algn="ctr">
+            <a:solidFill>
+              <a:schemeClr val="tx1"/>
+            </a:solidFill>
+            <a:prstDash val="dash"/>
+            <a:round/>
+            <a:headEnd type="none" w="med" len="med"/>
+            <a:tailEnd type="arrow"/>
+          </a:ln>
+          <a:effectLst/>
+        </p:spPr>
+      </p:cxnSp>
     </p:spTree>
     <p:extLst>
       <p:ext uri="{BB962C8B-B14F-4D97-AF65-F5344CB8AC3E}">
@@ -15986,14 +16284,14 @@
                 <a:gridCol w="1145504">
                   <a:extLst>
                     <a:ext uri="{9D8B030D-6E8A-4147-A177-3AD203B41FA5}">
-                      <a16:colId xmlns="" xmlns:a16="http://schemas.microsoft.com/office/drawing/2014/main" val="20000"/>
+                      <a16:colId xmlns:a16="http://schemas.microsoft.com/office/drawing/2014/main" xmlns="" val="20000"/>
                     </a:ext>
                   </a:extLst>
                 </a:gridCol>
                 <a:gridCol w="3842658">
                   <a:extLst>
                     <a:ext uri="{9D8B030D-6E8A-4147-A177-3AD203B41FA5}">
-                      <a16:colId xmlns="" xmlns:a16="http://schemas.microsoft.com/office/drawing/2014/main" val="20001"/>
+                      <a16:colId xmlns:a16="http://schemas.microsoft.com/office/drawing/2014/main" xmlns="" val="20001"/>
                     </a:ext>
                   </a:extLst>
                 </a:gridCol>
@@ -16056,7 +16354,7 @@
                 </a:tc>
                 <a:extLst>
                   <a:ext uri="{0D108BD9-81ED-4DB2-BD59-A6C34878D82A}">
-                    <a16:rowId xmlns="" xmlns:a16="http://schemas.microsoft.com/office/drawing/2014/main" val="10002"/>
+                    <a16:rowId xmlns:a16="http://schemas.microsoft.com/office/drawing/2014/main" xmlns="" val="10002"/>
                   </a:ext>
                 </a:extLst>
               </a:tr>
@@ -16533,7 +16831,6 @@
               <a:rPr lang="en-US" sz="1400" dirty="0" smtClean="0"/>
               <a:t> </a:t>
             </a:r>
-            <a:endParaRPr lang="en-US" sz="1400" dirty="0" smtClean="0"/>
           </a:p>
           <a:p>
             <a:r>
@@ -16552,7 +16849,6 @@
               <a:rPr lang="en-US" sz="1400" dirty="0" smtClean="0"/>
               <a:t> </a:t>
             </a:r>
-            <a:endParaRPr lang="en-US" sz="1400" dirty="0" smtClean="0"/>
           </a:p>
           <a:p>
             <a:endParaRPr lang="en-US" sz="1400" dirty="0" smtClean="0"/>

--- a/src/slides/resources/2017-03-31-JUG-Saxony-Workshop-de.pptx
+++ b/src/slides/resources/2017-03-31-JUG-Saxony-Workshop-de.pptx
@@ -1986,6 +1986,137 @@
     <p:extLst>
       <p:ext uri="{BB962C8B-B14F-4D97-AF65-F5344CB8AC3E}">
         <p14:creationId xmlns:p14="http://schemas.microsoft.com/office/powerpoint/2010/main" val="4234656738"/>
+      </p:ext>
+    </p:extLst>
+  </p:cSld>
+  <p:clrMapOvr>
+    <a:masterClrMapping/>
+  </p:clrMapOvr>
+</p:notes>
+</file>
+
+<file path=ppt/notesSlides/notesSlide8.xml><?xml version="1.0" encoding="utf-8"?>
+<p:notes xmlns:a="http://schemas.openxmlformats.org/drawingml/2006/main" xmlns:r="http://schemas.openxmlformats.org/officeDocument/2006/relationships" xmlns:p="http://schemas.openxmlformats.org/presentationml/2006/main">
+  <p:cSld>
+    <p:spTree>
+      <p:nvGrpSpPr>
+        <p:cNvPr id="1" name=""/>
+        <p:cNvGrpSpPr/>
+        <p:nvPr/>
+      </p:nvGrpSpPr>
+      <p:grpSpPr>
+        <a:xfrm>
+          <a:off x="0" y="0"/>
+          <a:ext cx="0" cy="0"/>
+          <a:chOff x="0" y="0"/>
+          <a:chExt cx="0" cy="0"/>
+        </a:xfrm>
+      </p:grpSpPr>
+      <p:sp>
+        <p:nvSpPr>
+          <p:cNvPr id="2" name="Folienbildplatzhalter 1"/>
+          <p:cNvSpPr>
+            <a:spLocks noGrp="1" noRot="1" noChangeAspect="1"/>
+          </p:cNvSpPr>
+          <p:nvPr>
+            <p:ph type="sldImg"/>
+          </p:nvPr>
+        </p:nvSpPr>
+        <p:spPr>
+          <a:xfrm>
+            <a:off x="457200" y="719138"/>
+            <a:ext cx="6402388" cy="3602037"/>
+          </a:xfrm>
+        </p:spPr>
+      </p:sp>
+      <p:sp>
+        <p:nvSpPr>
+          <p:cNvPr id="3" name="Notizenplatzhalter 2"/>
+          <p:cNvSpPr>
+            <a:spLocks noGrp="1"/>
+          </p:cNvSpPr>
+          <p:nvPr>
+            <p:ph type="body" idx="1"/>
+          </p:nvPr>
+        </p:nvSpPr>
+        <p:spPr/>
+        <p:txBody>
+          <a:bodyPr/>
+          <a:lstStyle/>
+          <a:p>
+            <a:pPr marL="0" indent="0">
+              <a:buFont typeface="Arial" panose="020B0604020202020204" pitchFamily="34" charset="0"/>
+              <a:buNone/>
+            </a:pPr>
+            <a:r>
+              <a:rPr lang="de-DE" dirty="0" smtClean="0"/>
+              <a:t>Könnte nicht das Framework das dem „spezifischen Code“ abnehmen – auch wenn</a:t>
+            </a:r>
+            <a:r>
+              <a:rPr lang="de-DE" baseline="0" dirty="0" smtClean="0"/>
+              <a:t> die Metriken Teil der RDD sind?</a:t>
+            </a:r>
+          </a:p>
+          <a:p>
+            <a:pPr marL="0" indent="0">
+              <a:buFont typeface="Arial" panose="020B0604020202020204" pitchFamily="34" charset="0"/>
+              <a:buNone/>
+            </a:pPr>
+            <a:r>
+              <a:rPr lang="de-DE" baseline="0" dirty="0" smtClean="0">
+                <a:sym typeface="Wingdings" panose="05000000000000000000" pitchFamily="2" charset="2"/>
+              </a:rPr>
+              <a:t> Im Prinzip ja, aber da das Aufsammeln der Metriken eine Action erfordert, muss die gesamte RDD </a:t>
+            </a:r>
+            <a:r>
+              <a:rPr lang="de-DE" baseline="0" dirty="0" err="1" smtClean="0">
+                <a:sym typeface="Wingdings" panose="05000000000000000000" pitchFamily="2" charset="2"/>
+              </a:rPr>
+              <a:t>Lineage</a:t>
+            </a:r>
+            <a:r>
+              <a:rPr lang="de-DE" baseline="0" dirty="0" smtClean="0">
+                <a:sym typeface="Wingdings" panose="05000000000000000000" pitchFamily="2" charset="2"/>
+              </a:rPr>
+              <a:t> zu diesem Moment berechnet werden. Das kann Caching erforderlich machen, was aber eigentlich der spezifische Code der Orchestrierungsschicht anwenden sollte, da dort der beste Überblick über den konkreten Ablauf besteht.</a:t>
+            </a:r>
+            <a:endParaRPr lang="en-US" dirty="0"/>
+          </a:p>
+        </p:txBody>
+      </p:sp>
+      <p:sp>
+        <p:nvSpPr>
+          <p:cNvPr id="4" name="Foliennummernplatzhalter 3"/>
+          <p:cNvSpPr>
+            <a:spLocks noGrp="1"/>
+          </p:cNvSpPr>
+          <p:nvPr>
+            <p:ph type="sldNum" sz="quarter" idx="10"/>
+          </p:nvPr>
+        </p:nvSpPr>
+        <p:spPr/>
+        <p:txBody>
+          <a:bodyPr/>
+          <a:lstStyle/>
+          <a:p>
+            <a:pPr>
+              <a:defRPr/>
+            </a:pPr>
+            <a:fld id="{A78FF2BC-F68A-4EB6-9E3E-3C5BE7030B7B}" type="slidenum">
+              <a:rPr lang="de-DE" smtClean="0"/>
+              <a:pPr>
+                <a:defRPr/>
+              </a:pPr>
+              <a:t>13</a:t>
+            </a:fld>
+            <a:endParaRPr lang="de-DE"/>
+          </a:p>
+        </p:txBody>
+      </p:sp>
+    </p:spTree>
+    <p:extLst>
+      <p:ext uri="{BB962C8B-B14F-4D97-AF65-F5344CB8AC3E}">
+        <p14:creationId xmlns:p14="http://schemas.microsoft.com/office/powerpoint/2010/main" val="2969197868"/>
       </p:ext>
     </p:extLst>
   </p:cSld>
@@ -15547,7 +15678,7 @@
           <p:nvPr/>
         </p:nvPicPr>
         <p:blipFill>
-          <a:blip r:embed="rId2">
+          <a:blip r:embed="rId3">
             <a:extLst>
               <a:ext uri="{28A0092B-C50C-407E-A947-70E740481C1C}">
                 <a14:useLocalDpi xmlns:a14="http://schemas.microsoft.com/office/drawing/2010/main" val="0"/>
@@ -18281,18 +18412,18 @@
             </a:r>
           </a:p>
           <a:p>
-            <a:endParaRPr lang="de-DE" dirty="0"/>
+            <a:endParaRPr lang="de-DE" sz="1600" dirty="0"/>
           </a:p>
           <a:p>
             <a:pPr marL="358650" lvl="1" indent="0">
               <a:buNone/>
             </a:pPr>
             <a:r>
-              <a:rPr lang="de-DE" dirty="0" err="1"/>
+              <a:rPr lang="de-DE" sz="1600" dirty="0" err="1"/>
               <a:t>map</a:t>
             </a:r>
             <a:r>
-              <a:rPr lang="de-DE" dirty="0"/>
+              <a:rPr lang="de-DE" sz="1600" dirty="0"/>
               <a:t> :: (a -&gt; b) -&gt; [a] -&gt; [b]  </a:t>
             </a:r>
           </a:p>
@@ -18301,11 +18432,11 @@
               <a:buNone/>
             </a:pPr>
             <a:r>
-              <a:rPr lang="de-DE" dirty="0" err="1"/>
+              <a:rPr lang="de-DE" sz="1600" dirty="0" err="1"/>
               <a:t>map</a:t>
             </a:r>
             <a:r>
-              <a:rPr lang="de-DE" dirty="0"/>
+              <a:rPr lang="de-DE" sz="1600" dirty="0"/>
               <a:t> _ [] = []  </a:t>
             </a:r>
           </a:p>
@@ -18314,95 +18445,88 @@
               <a:buNone/>
             </a:pPr>
             <a:r>
-              <a:rPr lang="de-DE" dirty="0" err="1"/>
+              <a:rPr lang="de-DE" sz="1600" dirty="0" err="1"/>
               <a:t>map</a:t>
             </a:r>
             <a:r>
-              <a:rPr lang="de-DE" dirty="0"/>
+              <a:rPr lang="de-DE" sz="1600" dirty="0"/>
               <a:t> f (</a:t>
             </a:r>
             <a:r>
-              <a:rPr lang="de-DE" dirty="0" err="1"/>
+              <a:rPr lang="de-DE" sz="1600" dirty="0" err="1"/>
               <a:t>x:xs</a:t>
             </a:r>
             <a:r>
-              <a:rPr lang="de-DE" dirty="0"/>
+              <a:rPr lang="de-DE" sz="1600" dirty="0"/>
               <a:t>) = f x : </a:t>
             </a:r>
             <a:r>
-              <a:rPr lang="de-DE" dirty="0" err="1"/>
+              <a:rPr lang="de-DE" sz="1600" dirty="0" err="1"/>
               <a:t>map</a:t>
             </a:r>
             <a:r>
-              <a:rPr lang="de-DE" dirty="0"/>
+              <a:rPr lang="de-DE" sz="1600" dirty="0"/>
               <a:t> f </a:t>
             </a:r>
             <a:r>
-              <a:rPr lang="de-DE" dirty="0" err="1"/>
+              <a:rPr lang="de-DE" sz="1600" dirty="0" err="1"/>
               <a:t>xs</a:t>
             </a:r>
             <a:r>
-              <a:rPr lang="de-DE" dirty="0"/>
+              <a:rPr lang="de-DE" sz="1600" dirty="0"/>
               <a:t> </a:t>
             </a:r>
-            <a:endParaRPr lang="de-DE" dirty="0" smtClean="0"/>
           </a:p>
           <a:p>
             <a:pPr marL="358650" lvl="1" indent="0">
               <a:buNone/>
             </a:pPr>
-            <a:endParaRPr lang="de-DE" dirty="0"/>
+            <a:r>
+              <a:rPr lang="en-US" sz="1600" dirty="0"/>
+              <a:t>map(\x -&gt; (take 2 x))["foo","bar","</a:t>
+            </a:r>
+            <a:r>
+              <a:rPr lang="en-US" sz="1600" dirty="0" err="1"/>
+              <a:t>baz</a:t>
+            </a:r>
+            <a:r>
+              <a:rPr lang="en-US" sz="1600" dirty="0"/>
+              <a:t>"]</a:t>
+            </a:r>
           </a:p>
           <a:p>
             <a:pPr marL="358650" lvl="1" indent="0">
               <a:buNone/>
             </a:pPr>
             <a:r>
-              <a:rPr lang="en-US" dirty="0"/>
-              <a:t>map(\x -&gt; (take 2 x))["foo","bar","</a:t>
-            </a:r>
-            <a:r>
-              <a:rPr lang="en-US" dirty="0" err="1"/>
-              <a:t>baz</a:t>
-            </a:r>
-            <a:r>
-              <a:rPr lang="en-US" dirty="0"/>
+              <a:rPr lang="en-US" sz="1600" dirty="0"/>
+              <a:t>["</a:t>
+            </a:r>
+            <a:r>
+              <a:rPr lang="en-US" sz="1600" dirty="0" err="1"/>
+              <a:t>fo</a:t>
+            </a:r>
+            <a:r>
+              <a:rPr lang="en-US" sz="1600" dirty="0"/>
+              <a:t>","</a:t>
+            </a:r>
+            <a:r>
+              <a:rPr lang="en-US" sz="1600" dirty="0" err="1"/>
+              <a:t>ba</a:t>
+            </a:r>
+            <a:r>
+              <a:rPr lang="en-US" sz="1600" dirty="0"/>
+              <a:t>","</a:t>
+            </a:r>
+            <a:r>
+              <a:rPr lang="en-US" sz="1600" dirty="0" err="1"/>
+              <a:t>ba</a:t>
+            </a:r>
+            <a:r>
+              <a:rPr lang="en-US" sz="1600" dirty="0" smtClean="0"/>
               <a:t>"]</a:t>
             </a:r>
-          </a:p>
-          <a:p>
-            <a:pPr marL="358650" lvl="1" indent="0">
-              <a:buNone/>
-            </a:pPr>
-            <a:r>
-              <a:rPr lang="en-US" dirty="0"/>
-              <a:t>["</a:t>
-            </a:r>
-            <a:r>
-              <a:rPr lang="en-US" dirty="0" err="1"/>
-              <a:t>fo</a:t>
-            </a:r>
-            <a:r>
-              <a:rPr lang="en-US" dirty="0"/>
-              <a:t>","</a:t>
-            </a:r>
-            <a:r>
-              <a:rPr lang="en-US" dirty="0" err="1"/>
-              <a:t>ba</a:t>
-            </a:r>
-            <a:r>
-              <a:rPr lang="en-US" dirty="0"/>
-              <a:t>","</a:t>
-            </a:r>
-            <a:r>
-              <a:rPr lang="en-US" dirty="0" err="1"/>
-              <a:t>ba</a:t>
-            </a:r>
-            <a:r>
-              <a:rPr lang="en-US" dirty="0" smtClean="0"/>
-              <a:t>"]</a:t>
-            </a:r>
-            <a:endParaRPr lang="en-US" dirty="0"/>
+            <a:endParaRPr lang="en-US" sz="1600" dirty="0"/>
           </a:p>
         </p:txBody>
       </p:sp>

--- a/src/slides/resources/2017-03-31-JUG-Saxony-Workshop-de.pptx
+++ b/src/slides/resources/2017-03-31-JUG-Saxony-Workshop-de.pptx
@@ -12,7 +12,7 @@
   </p:handoutMasterIdLst>
   <p:sldIdLst>
     <p:sldId id="668" r:id="rId2"/>
-    <p:sldId id="714" r:id="rId3"/>
+    <p:sldId id="726" r:id="rId3"/>
     <p:sldId id="712" r:id="rId4"/>
     <p:sldId id="719" r:id="rId5"/>
     <p:sldId id="717" r:id="rId6"/>
@@ -1110,14 +1110,6 @@
           <a:bodyPr/>
           <a:lstStyle/>
           <a:p>
-            <a:r>
-              <a:rPr lang="de-DE" dirty="0" smtClean="0"/>
-              <a:t>Vorwarnung: In echt sind die Daten niemals so</a:t>
-            </a:r>
-            <a:r>
-              <a:rPr lang="de-DE" baseline="0" dirty="0" smtClean="0"/>
-              <a:t> fehlerfrei und harmonisiert</a:t>
-            </a:r>
             <a:endParaRPr lang="de-DE" dirty="0"/>
           </a:p>
         </p:txBody>
@@ -1145,7 +1137,7 @@
               <a:pPr>
                 <a:defRPr/>
               </a:pPr>
-              <a:t>5</a:t>
+              <a:t>2</a:t>
             </a:fld>
             <a:endParaRPr lang="de-DE"/>
           </a:p>
@@ -1154,7 +1146,7 @@
     </p:spTree>
     <p:extLst>
       <p:ext uri="{BB962C8B-B14F-4D97-AF65-F5344CB8AC3E}">
-        <p14:creationId xmlns:p14="http://schemas.microsoft.com/office/powerpoint/2010/main" val="2569672510"/>
+        <p14:creationId xmlns:p14="http://schemas.microsoft.com/office/powerpoint/2010/main" val="3990537756"/>
       </p:ext>
     </p:extLst>
   </p:cSld>
@@ -1213,198 +1205,13 @@
           <a:bodyPr/>
           <a:lstStyle/>
           <a:p>
-            <a:pPr marL="171450" indent="-171450">
-              <a:buFont typeface="Arial" panose="020B0604020202020204" pitchFamily="34" charset="0"/>
-              <a:buChar char="•"/>
-            </a:pPr>
             <a:r>
               <a:rPr lang="de-DE" dirty="0" smtClean="0"/>
-              <a:t>Analogie</a:t>
+              <a:t>Vorwarnung: In echt sind die Daten niemals so</a:t>
             </a:r>
             <a:r>
               <a:rPr lang="de-DE" baseline="0" dirty="0" smtClean="0"/>
-              <a:t> zu </a:t>
-            </a:r>
-            <a:r>
-              <a:rPr lang="de-DE" baseline="0" dirty="0" err="1" smtClean="0"/>
-              <a:t>MapReduce</a:t>
-            </a:r>
-            <a:r>
-              <a:rPr lang="de-DE" baseline="0" dirty="0" smtClean="0"/>
-              <a:t>: </a:t>
-            </a:r>
-            <a:r>
-              <a:rPr lang="de-DE" baseline="0" dirty="0" err="1" smtClean="0"/>
-              <a:t>flatMap</a:t>
-            </a:r>
-            <a:r>
-              <a:rPr lang="de-DE" baseline="0" dirty="0" smtClean="0"/>
-              <a:t> und </a:t>
-            </a:r>
-            <a:r>
-              <a:rPr lang="de-DE" baseline="0" dirty="0" err="1" smtClean="0"/>
-              <a:t>aggregateByKey</a:t>
-            </a:r>
-            <a:r>
-              <a:rPr lang="de-DE" baseline="0" dirty="0" smtClean="0"/>
-              <a:t> (nicht </a:t>
-            </a:r>
-            <a:r>
-              <a:rPr lang="de-DE" baseline="0" dirty="0" err="1" smtClean="0"/>
-              <a:t>map</a:t>
-            </a:r>
-            <a:r>
-              <a:rPr lang="de-DE" baseline="0" dirty="0" smtClean="0"/>
-              <a:t> und </a:t>
-            </a:r>
-            <a:r>
-              <a:rPr lang="de-DE" baseline="0" dirty="0" err="1" smtClean="0"/>
-              <a:t>reduce</a:t>
-            </a:r>
-            <a:r>
-              <a:rPr lang="de-DE" baseline="0" dirty="0" smtClean="0"/>
-              <a:t> wie man denken könnte)</a:t>
-            </a:r>
-          </a:p>
-          <a:p>
-            <a:pPr marL="171450" indent="-171450">
-              <a:buFont typeface="Arial" panose="020B0604020202020204" pitchFamily="34" charset="0"/>
-              <a:buChar char="•"/>
-            </a:pPr>
-            <a:r>
-              <a:rPr lang="de-DE" baseline="0" dirty="0" smtClean="0"/>
-              <a:t>Narrow vs. Wide </a:t>
-            </a:r>
-            <a:r>
-              <a:rPr lang="de-DE" baseline="0" dirty="0" err="1" smtClean="0"/>
-              <a:t>Transformations</a:t>
-            </a:r>
-            <a:r>
-              <a:rPr lang="de-DE" baseline="0" dirty="0" smtClean="0"/>
-              <a:t> </a:t>
-            </a:r>
-            <a:r>
-              <a:rPr lang="de-DE" baseline="0" dirty="0" smtClean="0">
-                <a:sym typeface="Wingdings" panose="05000000000000000000" pitchFamily="2" charset="2"/>
-              </a:rPr>
-              <a:t> Wide </a:t>
-            </a:r>
-            <a:r>
-              <a:rPr lang="de-DE" baseline="0" dirty="0" err="1" smtClean="0">
-                <a:sym typeface="Wingdings" panose="05000000000000000000" pitchFamily="2" charset="2"/>
-              </a:rPr>
-              <a:t>Transformations</a:t>
-            </a:r>
-            <a:r>
-              <a:rPr lang="de-DE" baseline="0" dirty="0" smtClean="0">
-                <a:sym typeface="Wingdings" panose="05000000000000000000" pitchFamily="2" charset="2"/>
-              </a:rPr>
-              <a:t> </a:t>
-            </a:r>
-            <a:r>
-              <a:rPr lang="de-DE" baseline="0" dirty="0" err="1" smtClean="0">
-                <a:sym typeface="Wingdings" panose="05000000000000000000" pitchFamily="2" charset="2"/>
-              </a:rPr>
-              <a:t>result</a:t>
-            </a:r>
-            <a:r>
-              <a:rPr lang="de-DE" baseline="0" dirty="0" smtClean="0">
-                <a:sym typeface="Wingdings" panose="05000000000000000000" pitchFamily="2" charset="2"/>
-              </a:rPr>
-              <a:t> in </a:t>
-            </a:r>
-            <a:r>
-              <a:rPr lang="de-DE" baseline="0" dirty="0" err="1" smtClean="0">
-                <a:sym typeface="Wingdings" panose="05000000000000000000" pitchFamily="2" charset="2"/>
-              </a:rPr>
-              <a:t>stage</a:t>
-            </a:r>
-            <a:r>
-              <a:rPr lang="de-DE" baseline="0" dirty="0" smtClean="0">
-                <a:sym typeface="Wingdings" panose="05000000000000000000" pitchFamily="2" charset="2"/>
-              </a:rPr>
-              <a:t> </a:t>
-            </a:r>
-            <a:r>
-              <a:rPr lang="de-DE" baseline="0" dirty="0" err="1" smtClean="0">
-                <a:sym typeface="Wingdings" panose="05000000000000000000" pitchFamily="2" charset="2"/>
-              </a:rPr>
-              <a:t>boundaries</a:t>
-            </a:r>
-            <a:r>
-              <a:rPr lang="de-DE" baseline="0" dirty="0" smtClean="0">
-                <a:sym typeface="Wingdings" panose="05000000000000000000" pitchFamily="2" charset="2"/>
-              </a:rPr>
-              <a:t> </a:t>
-            </a:r>
-            <a:r>
-              <a:rPr lang="de-DE" baseline="0" dirty="0" err="1" smtClean="0">
-                <a:sym typeface="Wingdings" panose="05000000000000000000" pitchFamily="2" charset="2"/>
-              </a:rPr>
-              <a:t>with</a:t>
-            </a:r>
-            <a:r>
-              <a:rPr lang="de-DE" baseline="0" dirty="0" smtClean="0">
-                <a:sym typeface="Wingdings" panose="05000000000000000000" pitchFamily="2" charset="2"/>
-              </a:rPr>
-              <a:t> an in-</a:t>
-            </a:r>
-            <a:r>
-              <a:rPr lang="de-DE" baseline="0" dirty="0" err="1" smtClean="0">
-                <a:sym typeface="Wingdings" panose="05000000000000000000" pitchFamily="2" charset="2"/>
-              </a:rPr>
-              <a:t>between</a:t>
-            </a:r>
-            <a:r>
-              <a:rPr lang="de-DE" baseline="0" dirty="0" smtClean="0">
-                <a:sym typeface="Wingdings" panose="05000000000000000000" pitchFamily="2" charset="2"/>
-              </a:rPr>
-              <a:t> </a:t>
-            </a:r>
-            <a:r>
-              <a:rPr lang="de-DE" baseline="0" dirty="0" err="1" smtClean="0">
-                <a:sym typeface="Wingdings" panose="05000000000000000000" pitchFamily="2" charset="2"/>
-              </a:rPr>
-              <a:t>shuffle</a:t>
-            </a:r>
-            <a:endParaRPr lang="de-DE" baseline="0" dirty="0" smtClean="0">
-              <a:sym typeface="Wingdings" panose="05000000000000000000" pitchFamily="2" charset="2"/>
-            </a:endParaRPr>
-          </a:p>
-          <a:p>
-            <a:pPr marL="171450" indent="-171450">
-              <a:buFont typeface="Arial" panose="020B0604020202020204" pitchFamily="34" charset="0"/>
-              <a:buChar char="•"/>
-            </a:pPr>
-            <a:r>
-              <a:rPr lang="de-DE" baseline="0" dirty="0" smtClean="0">
-                <a:sym typeface="Wingdings" panose="05000000000000000000" pitchFamily="2" charset="2"/>
-              </a:rPr>
-              <a:t>Unterscheidung zwischens Transformationen (die wieder ein RDD erzeugen und </a:t>
-            </a:r>
-            <a:r>
-              <a:rPr lang="de-DE" baseline="0" dirty="0" err="1" smtClean="0">
-                <a:sym typeface="Wingdings" panose="05000000000000000000" pitchFamily="2" charset="2"/>
-              </a:rPr>
-              <a:t>lazy</a:t>
-            </a:r>
-            <a:r>
-              <a:rPr lang="de-DE" baseline="0" dirty="0" smtClean="0">
-                <a:sym typeface="Wingdings" panose="05000000000000000000" pitchFamily="2" charset="2"/>
-              </a:rPr>
-              <a:t> sind) und Aktionen (die kein RDD erzeugen und </a:t>
-            </a:r>
-            <a:r>
-              <a:rPr lang="de-DE" baseline="0" dirty="0" err="1" smtClean="0">
-                <a:sym typeface="Wingdings" panose="05000000000000000000" pitchFamily="2" charset="2"/>
-              </a:rPr>
-              <a:t>eager</a:t>
-            </a:r>
-            <a:r>
-              <a:rPr lang="de-DE" baseline="0" dirty="0" smtClean="0">
-                <a:sym typeface="Wingdings" panose="05000000000000000000" pitchFamily="2" charset="2"/>
-              </a:rPr>
-              <a:t> sind)</a:t>
+              <a:t> fehlerfrei und harmonisiert</a:t>
             </a:r>
             <a:endParaRPr lang="de-DE" dirty="0"/>
           </a:p>
@@ -1433,7 +1240,7 @@
               <a:pPr>
                 <a:defRPr/>
               </a:pPr>
-              <a:t>7</a:t>
+              <a:t>5</a:t>
             </a:fld>
             <a:endParaRPr lang="de-DE"/>
           </a:p>
@@ -1442,7 +1249,7 @@
     </p:spTree>
     <p:extLst>
       <p:ext uri="{BB962C8B-B14F-4D97-AF65-F5344CB8AC3E}">
-        <p14:creationId xmlns:p14="http://schemas.microsoft.com/office/powerpoint/2010/main" val="781255643"/>
+        <p14:creationId xmlns:p14="http://schemas.microsoft.com/office/powerpoint/2010/main" val="2569672510"/>
       </p:ext>
     </p:extLst>
   </p:cSld>
@@ -1507,17 +1314,52 @@
             </a:pPr>
             <a:r>
               <a:rPr lang="de-DE" dirty="0" smtClean="0"/>
-              <a:t>Im</a:t>
+              <a:t>Analogie</a:t>
             </a:r>
             <a:r>
               <a:rPr lang="de-DE" baseline="0" dirty="0" smtClean="0"/>
-              <a:t> Beispiel: Lexikographische Partitionierung bei </a:t>
+              <a:t> zu </a:t>
+            </a:r>
+            <a:r>
+              <a:rPr lang="de-DE" baseline="0" dirty="0" err="1" smtClean="0"/>
+              <a:t>MapReduce</a:t>
+            </a:r>
+            <a:r>
+              <a:rPr lang="de-DE" baseline="0" dirty="0" smtClean="0"/>
+              <a:t>: </a:t>
+            </a:r>
+            <a:r>
+              <a:rPr lang="de-DE" baseline="0" dirty="0" err="1" smtClean="0"/>
+              <a:t>flatMap</a:t>
+            </a:r>
+            <a:r>
+              <a:rPr lang="de-DE" baseline="0" dirty="0" smtClean="0"/>
+              <a:t> und </a:t>
             </a:r>
             <a:r>
               <a:rPr lang="de-DE" baseline="0" dirty="0" err="1" smtClean="0"/>
               <a:t>aggregateByKey</a:t>
             </a:r>
-            <a:endParaRPr lang="de-DE" baseline="0" dirty="0" smtClean="0"/>
+            <a:r>
+              <a:rPr lang="de-DE" baseline="0" dirty="0" smtClean="0"/>
+              <a:t> (nicht </a:t>
+            </a:r>
+            <a:r>
+              <a:rPr lang="de-DE" baseline="0" dirty="0" err="1" smtClean="0"/>
+              <a:t>map</a:t>
+            </a:r>
+            <a:r>
+              <a:rPr lang="de-DE" baseline="0" dirty="0" smtClean="0"/>
+              <a:t> und </a:t>
+            </a:r>
+            <a:r>
+              <a:rPr lang="de-DE" baseline="0" dirty="0" err="1" smtClean="0"/>
+              <a:t>reduce</a:t>
+            </a:r>
+            <a:r>
+              <a:rPr lang="de-DE" baseline="0" dirty="0" smtClean="0"/>
+              <a:t> wie man denken könnte)</a:t>
+            </a:r>
           </a:p>
           <a:p>
             <a:pPr marL="171450" indent="-171450">
@@ -1525,13 +1367,104 @@
               <a:buChar char="•"/>
             </a:pPr>
             <a:r>
-              <a:rPr lang="de-DE" dirty="0" smtClean="0"/>
-              <a:t>Jeweils</a:t>
-            </a:r>
-            <a:r>
               <a:rPr lang="de-DE" baseline="0" dirty="0" smtClean="0"/>
-              <a:t> vor und nach einem Pfeil liegt eine RDD in Spark vor</a:t>
-            </a:r>
+              <a:t>Narrow vs. Wide </a:t>
+            </a:r>
+            <a:r>
+              <a:rPr lang="de-DE" baseline="0" dirty="0" err="1" smtClean="0"/>
+              <a:t>Transformations</a:t>
+            </a:r>
+            <a:r>
+              <a:rPr lang="de-DE" baseline="0" dirty="0" smtClean="0"/>
+              <a:t> </a:t>
+            </a:r>
+            <a:r>
+              <a:rPr lang="de-DE" baseline="0" dirty="0" smtClean="0">
+                <a:sym typeface="Wingdings" panose="05000000000000000000" pitchFamily="2" charset="2"/>
+              </a:rPr>
+              <a:t> Wide </a:t>
+            </a:r>
+            <a:r>
+              <a:rPr lang="de-DE" baseline="0" dirty="0" err="1" smtClean="0">
+                <a:sym typeface="Wingdings" panose="05000000000000000000" pitchFamily="2" charset="2"/>
+              </a:rPr>
+              <a:t>Transformations</a:t>
+            </a:r>
+            <a:r>
+              <a:rPr lang="de-DE" baseline="0" dirty="0" smtClean="0">
+                <a:sym typeface="Wingdings" panose="05000000000000000000" pitchFamily="2" charset="2"/>
+              </a:rPr>
+              <a:t> </a:t>
+            </a:r>
+            <a:r>
+              <a:rPr lang="de-DE" baseline="0" dirty="0" err="1" smtClean="0">
+                <a:sym typeface="Wingdings" panose="05000000000000000000" pitchFamily="2" charset="2"/>
+              </a:rPr>
+              <a:t>result</a:t>
+            </a:r>
+            <a:r>
+              <a:rPr lang="de-DE" baseline="0" dirty="0" smtClean="0">
+                <a:sym typeface="Wingdings" panose="05000000000000000000" pitchFamily="2" charset="2"/>
+              </a:rPr>
+              <a:t> in </a:t>
+            </a:r>
+            <a:r>
+              <a:rPr lang="de-DE" baseline="0" dirty="0" err="1" smtClean="0">
+                <a:sym typeface="Wingdings" panose="05000000000000000000" pitchFamily="2" charset="2"/>
+              </a:rPr>
+              <a:t>stage</a:t>
+            </a:r>
+            <a:r>
+              <a:rPr lang="de-DE" baseline="0" dirty="0" smtClean="0">
+                <a:sym typeface="Wingdings" panose="05000000000000000000" pitchFamily="2" charset="2"/>
+              </a:rPr>
+              <a:t> </a:t>
+            </a:r>
+            <a:r>
+              <a:rPr lang="de-DE" baseline="0" dirty="0" err="1" smtClean="0">
+                <a:sym typeface="Wingdings" panose="05000000000000000000" pitchFamily="2" charset="2"/>
+              </a:rPr>
+              <a:t>boundaries</a:t>
+            </a:r>
+            <a:r>
+              <a:rPr lang="de-DE" baseline="0" dirty="0" smtClean="0">
+                <a:sym typeface="Wingdings" panose="05000000000000000000" pitchFamily="2" charset="2"/>
+              </a:rPr>
+              <a:t> </a:t>
+            </a:r>
+            <a:r>
+              <a:rPr lang="de-DE" baseline="0" dirty="0" err="1" smtClean="0">
+                <a:sym typeface="Wingdings" panose="05000000000000000000" pitchFamily="2" charset="2"/>
+              </a:rPr>
+              <a:t>with</a:t>
+            </a:r>
+            <a:r>
+              <a:rPr lang="de-DE" baseline="0" dirty="0" smtClean="0">
+                <a:sym typeface="Wingdings" panose="05000000000000000000" pitchFamily="2" charset="2"/>
+              </a:rPr>
+              <a:t> an in-</a:t>
+            </a:r>
+            <a:r>
+              <a:rPr lang="de-DE" baseline="0" dirty="0" err="1" smtClean="0">
+                <a:sym typeface="Wingdings" panose="05000000000000000000" pitchFamily="2" charset="2"/>
+              </a:rPr>
+              <a:t>between</a:t>
+            </a:r>
+            <a:r>
+              <a:rPr lang="de-DE" baseline="0" dirty="0" smtClean="0">
+                <a:sym typeface="Wingdings" panose="05000000000000000000" pitchFamily="2" charset="2"/>
+              </a:rPr>
+              <a:t> </a:t>
+            </a:r>
+            <a:r>
+              <a:rPr lang="de-DE" baseline="0" dirty="0" err="1" smtClean="0">
+                <a:sym typeface="Wingdings" panose="05000000000000000000" pitchFamily="2" charset="2"/>
+              </a:rPr>
+              <a:t>shuffle</a:t>
+            </a:r>
+            <a:endParaRPr lang="de-DE" baseline="0" dirty="0" smtClean="0">
+              <a:sym typeface="Wingdings" panose="05000000000000000000" pitchFamily="2" charset="2"/>
+            </a:endParaRPr>
           </a:p>
           <a:p>
             <a:pPr marL="171450" indent="-171450">
@@ -1539,16 +1472,34 @@
               <a:buChar char="•"/>
             </a:pPr>
             <a:r>
-              <a:rPr lang="de-DE" baseline="0" dirty="0" smtClean="0"/>
-              <a:t>Alle der hier dargestellten Operationen würden </a:t>
-            </a:r>
-            <a:r>
-              <a:rPr lang="de-DE" baseline="0" dirty="0" err="1" smtClean="0"/>
+              <a:rPr lang="de-DE" baseline="0" dirty="0" smtClean="0">
+                <a:sym typeface="Wingdings" panose="05000000000000000000" pitchFamily="2" charset="2"/>
+              </a:rPr>
+              <a:t>Unterscheidung zwischens Transformationen (die wieder ein RDD erzeugen und </a:t>
+            </a:r>
+            <a:r>
+              <a:rPr lang="de-DE" baseline="0" dirty="0" err="1" smtClean="0">
+                <a:sym typeface="Wingdings" panose="05000000000000000000" pitchFamily="2" charset="2"/>
+              </a:rPr>
               <a:t>lazy</a:t>
             </a:r>
             <a:r>
-              <a:rPr lang="de-DE" baseline="0" dirty="0" smtClean="0"/>
-              <a:t> (im Sinne von gar nicht) durchgeführt werden</a:t>
+              <a:rPr lang="de-DE" baseline="0" dirty="0" smtClean="0">
+                <a:sym typeface="Wingdings" panose="05000000000000000000" pitchFamily="2" charset="2"/>
+              </a:rPr>
+              <a:t> sind) und Aktionen (die kein RDD erzeugen und </a:t>
+            </a:r>
+            <a:r>
+              <a:rPr lang="de-DE" baseline="0" dirty="0" err="1" smtClean="0">
+                <a:sym typeface="Wingdings" panose="05000000000000000000" pitchFamily="2" charset="2"/>
+              </a:rPr>
+              <a:t>eager</a:t>
+            </a:r>
+            <a:r>
+              <a:rPr lang="de-DE" baseline="0" dirty="0" smtClean="0">
+                <a:sym typeface="Wingdings" panose="05000000000000000000" pitchFamily="2" charset="2"/>
+              </a:rPr>
+              <a:t> sind)</a:t>
             </a:r>
             <a:endParaRPr lang="de-DE" dirty="0"/>
           </a:p>
@@ -1577,7 +1528,7 @@
               <a:pPr>
                 <a:defRPr/>
               </a:pPr>
-              <a:t>8</a:t>
+              <a:t>7</a:t>
             </a:fld>
             <a:endParaRPr lang="de-DE"/>
           </a:p>
@@ -1586,7 +1537,7 @@
     </p:spTree>
     <p:extLst>
       <p:ext uri="{BB962C8B-B14F-4D97-AF65-F5344CB8AC3E}">
-        <p14:creationId xmlns:p14="http://schemas.microsoft.com/office/powerpoint/2010/main" val="4234656738"/>
+        <p14:creationId xmlns:p14="http://schemas.microsoft.com/office/powerpoint/2010/main" val="781255643"/>
       </p:ext>
     </p:extLst>
   </p:cSld>
@@ -1661,6 +1612,39 @@
               <a:rPr lang="de-DE" baseline="0" dirty="0" err="1" smtClean="0"/>
               <a:t>aggregateByKey</a:t>
             </a:r>
+            <a:endParaRPr lang="de-DE" baseline="0" dirty="0" smtClean="0"/>
+          </a:p>
+          <a:p>
+            <a:pPr marL="171450" indent="-171450">
+              <a:buFont typeface="Arial" panose="020B0604020202020204" pitchFamily="34" charset="0"/>
+              <a:buChar char="•"/>
+            </a:pPr>
+            <a:r>
+              <a:rPr lang="de-DE" dirty="0" smtClean="0"/>
+              <a:t>Jeweils</a:t>
+            </a:r>
+            <a:r>
+              <a:rPr lang="de-DE" baseline="0" dirty="0" smtClean="0"/>
+              <a:t> vor und nach einem Pfeil liegt eine RDD in Spark vor</a:t>
+            </a:r>
+          </a:p>
+          <a:p>
+            <a:pPr marL="171450" indent="-171450">
+              <a:buFont typeface="Arial" panose="020B0604020202020204" pitchFamily="34" charset="0"/>
+              <a:buChar char="•"/>
+            </a:pPr>
+            <a:r>
+              <a:rPr lang="de-DE" baseline="0" dirty="0" smtClean="0"/>
+              <a:t>Alle der hier dargestellten Operationen würden </a:t>
+            </a:r>
+            <a:r>
+              <a:rPr lang="de-DE" baseline="0" dirty="0" err="1" smtClean="0"/>
+              <a:t>lazy</a:t>
+            </a:r>
+            <a:r>
+              <a:rPr lang="de-DE" baseline="0" dirty="0" smtClean="0"/>
+              <a:t> (im Sinne von gar nicht) durchgeführt werden</a:t>
+            </a:r>
             <a:endParaRPr lang="de-DE" dirty="0"/>
           </a:p>
         </p:txBody>
@@ -1688,7 +1672,7 @@
               <a:pPr>
                 <a:defRPr/>
               </a:pPr>
-              <a:t>9</a:t>
+              <a:t>8</a:t>
             </a:fld>
             <a:endParaRPr lang="de-DE"/>
           </a:p>
@@ -1772,39 +1756,6 @@
               <a:rPr lang="de-DE" baseline="0" dirty="0" err="1" smtClean="0"/>
               <a:t>aggregateByKey</a:t>
             </a:r>
-            <a:endParaRPr lang="de-DE" baseline="0" dirty="0" smtClean="0"/>
-          </a:p>
-          <a:p>
-            <a:pPr marL="171450" indent="-171450">
-              <a:buFont typeface="Arial" panose="020B0604020202020204" pitchFamily="34" charset="0"/>
-              <a:buChar char="•"/>
-            </a:pPr>
-            <a:r>
-              <a:rPr lang="de-DE" dirty="0" smtClean="0"/>
-              <a:t>Jeweils</a:t>
-            </a:r>
-            <a:r>
-              <a:rPr lang="de-DE" baseline="0" dirty="0" smtClean="0"/>
-              <a:t> vor und nach einem Pfeil liegt eine RDD in Spark vor</a:t>
-            </a:r>
-          </a:p>
-          <a:p>
-            <a:pPr marL="171450" indent="-171450">
-              <a:buFont typeface="Arial" panose="020B0604020202020204" pitchFamily="34" charset="0"/>
-              <a:buChar char="•"/>
-            </a:pPr>
-            <a:r>
-              <a:rPr lang="de-DE" baseline="0" dirty="0" smtClean="0"/>
-              <a:t>Alle der hier dargestellten Operationen würden </a:t>
-            </a:r>
-            <a:r>
-              <a:rPr lang="de-DE" baseline="0" dirty="0" err="1" smtClean="0"/>
-              <a:t>lazy</a:t>
-            </a:r>
-            <a:r>
-              <a:rPr lang="de-DE" baseline="0" dirty="0" smtClean="0"/>
-              <a:t> (im Sinne von gar nicht) durchgeführt werden</a:t>
-            </a:r>
             <a:endParaRPr lang="de-DE" dirty="0"/>
           </a:p>
         </p:txBody>
@@ -1832,7 +1783,7 @@
               <a:pPr>
                 <a:defRPr/>
               </a:pPr>
-              <a:t>10</a:t>
+              <a:t>9</a:t>
             </a:fld>
             <a:endParaRPr lang="de-DE"/>
           </a:p>
@@ -1976,6 +1927,150 @@
               <a:pPr>
                 <a:defRPr/>
               </a:pPr>
+              <a:t>10</a:t>
+            </a:fld>
+            <a:endParaRPr lang="de-DE"/>
+          </a:p>
+        </p:txBody>
+      </p:sp>
+    </p:spTree>
+    <p:extLst>
+      <p:ext uri="{BB962C8B-B14F-4D97-AF65-F5344CB8AC3E}">
+        <p14:creationId xmlns:p14="http://schemas.microsoft.com/office/powerpoint/2010/main" val="4234656738"/>
+      </p:ext>
+    </p:extLst>
+  </p:cSld>
+  <p:clrMapOvr>
+    <a:masterClrMapping/>
+  </p:clrMapOvr>
+</p:notes>
+</file>
+
+<file path=ppt/notesSlides/notesSlide8.xml><?xml version="1.0" encoding="utf-8"?>
+<p:notes xmlns:a="http://schemas.openxmlformats.org/drawingml/2006/main" xmlns:r="http://schemas.openxmlformats.org/officeDocument/2006/relationships" xmlns:p="http://schemas.openxmlformats.org/presentationml/2006/main">
+  <p:cSld>
+    <p:spTree>
+      <p:nvGrpSpPr>
+        <p:cNvPr id="1" name=""/>
+        <p:cNvGrpSpPr/>
+        <p:nvPr/>
+      </p:nvGrpSpPr>
+      <p:grpSpPr>
+        <a:xfrm>
+          <a:off x="0" y="0"/>
+          <a:ext cx="0" cy="0"/>
+          <a:chOff x="0" y="0"/>
+          <a:chExt cx="0" cy="0"/>
+        </a:xfrm>
+      </p:grpSpPr>
+      <p:sp>
+        <p:nvSpPr>
+          <p:cNvPr id="2" name="Folienbildplatzhalter 1"/>
+          <p:cNvSpPr>
+            <a:spLocks noGrp="1" noRot="1" noChangeAspect="1"/>
+          </p:cNvSpPr>
+          <p:nvPr>
+            <p:ph type="sldImg"/>
+          </p:nvPr>
+        </p:nvSpPr>
+        <p:spPr>
+          <a:xfrm>
+            <a:off x="457200" y="719138"/>
+            <a:ext cx="6402388" cy="3602037"/>
+          </a:xfrm>
+        </p:spPr>
+      </p:sp>
+      <p:sp>
+        <p:nvSpPr>
+          <p:cNvPr id="3" name="Notizenplatzhalter 2"/>
+          <p:cNvSpPr>
+            <a:spLocks noGrp="1"/>
+          </p:cNvSpPr>
+          <p:nvPr>
+            <p:ph type="body" idx="1"/>
+          </p:nvPr>
+        </p:nvSpPr>
+        <p:spPr/>
+        <p:txBody>
+          <a:bodyPr/>
+          <a:lstStyle/>
+          <a:p>
+            <a:pPr marL="171450" indent="-171450">
+              <a:buFont typeface="Arial" panose="020B0604020202020204" pitchFamily="34" charset="0"/>
+              <a:buChar char="•"/>
+            </a:pPr>
+            <a:r>
+              <a:rPr lang="de-DE" dirty="0" smtClean="0"/>
+              <a:t>Im</a:t>
+            </a:r>
+            <a:r>
+              <a:rPr lang="de-DE" baseline="0" dirty="0" smtClean="0"/>
+              <a:t> Beispiel: Lexikographische Partitionierung bei </a:t>
+            </a:r>
+            <a:r>
+              <a:rPr lang="de-DE" baseline="0" dirty="0" err="1" smtClean="0"/>
+              <a:t>aggregateByKey</a:t>
+            </a:r>
+            <a:endParaRPr lang="de-DE" baseline="0" dirty="0" smtClean="0"/>
+          </a:p>
+          <a:p>
+            <a:pPr marL="171450" indent="-171450">
+              <a:buFont typeface="Arial" panose="020B0604020202020204" pitchFamily="34" charset="0"/>
+              <a:buChar char="•"/>
+            </a:pPr>
+            <a:r>
+              <a:rPr lang="de-DE" dirty="0" smtClean="0"/>
+              <a:t>Jeweils</a:t>
+            </a:r>
+            <a:r>
+              <a:rPr lang="de-DE" baseline="0" dirty="0" smtClean="0"/>
+              <a:t> vor und nach einem Pfeil liegt eine RDD in Spark vor</a:t>
+            </a:r>
+          </a:p>
+          <a:p>
+            <a:pPr marL="171450" indent="-171450">
+              <a:buFont typeface="Arial" panose="020B0604020202020204" pitchFamily="34" charset="0"/>
+              <a:buChar char="•"/>
+            </a:pPr>
+            <a:r>
+              <a:rPr lang="de-DE" baseline="0" dirty="0" smtClean="0"/>
+              <a:t>Alle der hier dargestellten Operationen würden </a:t>
+            </a:r>
+            <a:r>
+              <a:rPr lang="de-DE" baseline="0" dirty="0" err="1" smtClean="0"/>
+              <a:t>lazy</a:t>
+            </a:r>
+            <a:r>
+              <a:rPr lang="de-DE" baseline="0" dirty="0" smtClean="0"/>
+              <a:t> (im Sinne von gar nicht) durchgeführt werden</a:t>
+            </a:r>
+            <a:endParaRPr lang="de-DE" dirty="0"/>
+          </a:p>
+        </p:txBody>
+      </p:sp>
+      <p:sp>
+        <p:nvSpPr>
+          <p:cNvPr id="4" name="Foliennummernplatzhalter 3"/>
+          <p:cNvSpPr>
+            <a:spLocks noGrp="1"/>
+          </p:cNvSpPr>
+          <p:nvPr>
+            <p:ph type="sldNum" sz="quarter" idx="10"/>
+          </p:nvPr>
+        </p:nvSpPr>
+        <p:spPr/>
+        <p:txBody>
+          <a:bodyPr/>
+          <a:lstStyle/>
+          <a:p>
+            <a:pPr>
+              <a:defRPr/>
+            </a:pPr>
+            <a:fld id="{A78FF2BC-F68A-4EB6-9E3E-3C5BE7030B7B}" type="slidenum">
+              <a:rPr lang="de-DE" smtClean="0"/>
+              <a:pPr>
+                <a:defRPr/>
+              </a:pPr>
               <a:t>11</a:t>
             </a:fld>
             <a:endParaRPr lang="de-DE"/>
@@ -1995,7 +2090,7 @@
 </p:notes>
 </file>
 
-<file path=ppt/notesSlides/notesSlide8.xml><?xml version="1.0" encoding="utf-8"?>
+<file path=ppt/notesSlides/notesSlide9.xml><?xml version="1.0" encoding="utf-8"?>
 <p:notes xmlns:a="http://schemas.openxmlformats.org/drawingml/2006/main" xmlns:r="http://schemas.openxmlformats.org/officeDocument/2006/relationships" xmlns:p="http://schemas.openxmlformats.org/presentationml/2006/main">
   <p:cSld>
     <p:spTree>
@@ -3401,6 +3496,43 @@
 </p:sldLayout>
 </file>
 
+<file path=ppt/slideLayouts/slideLayout7.xml><?xml version="1.0" encoding="utf-8"?>
+<p:sldLayout xmlns:a="http://schemas.openxmlformats.org/drawingml/2006/main" xmlns:r="http://schemas.openxmlformats.org/officeDocument/2006/relationships" xmlns:p="http://schemas.openxmlformats.org/presentationml/2006/main" type="blank">
+  <p:cSld name="Leer">
+    <p:spTree>
+      <p:nvGrpSpPr>
+        <p:cNvPr id="1" name=""/>
+        <p:cNvGrpSpPr/>
+        <p:nvPr/>
+      </p:nvGrpSpPr>
+      <p:grpSpPr>
+        <a:xfrm>
+          <a:off x="0" y="0"/>
+          <a:ext cx="0" cy="0"/>
+          <a:chOff x="0" y="0"/>
+          <a:chExt cx="0" cy="0"/>
+        </a:xfrm>
+      </p:grpSpPr>
+    </p:spTree>
+    <p:extLst>
+      <p:ext uri="{BB962C8B-B14F-4D97-AF65-F5344CB8AC3E}">
+        <p14:creationId xmlns:p14="http://schemas.microsoft.com/office/powerpoint/2010/main" val="2883563908"/>
+      </p:ext>
+    </p:extLst>
+  </p:cSld>
+  <p:clrMapOvr>
+    <a:masterClrMapping/>
+  </p:clrMapOvr>
+  <p:timing>
+    <p:tnLst>
+      <p:par>
+        <p:cTn id="1" dur="indefinite" restart="never" nodeType="tmRoot"/>
+      </p:par>
+    </p:tnLst>
+  </p:timing>
+</p:sldLayout>
+</file>
+
 <file path=ppt/slideMasters/slideMaster1.xml><?xml version="1.0" encoding="utf-8"?>
 <p:sldMaster xmlns:a="http://schemas.openxmlformats.org/drawingml/2006/main" xmlns:r="http://schemas.openxmlformats.org/officeDocument/2006/relationships" xmlns:p="http://schemas.openxmlformats.org/presentationml/2006/main">
   <p:cSld>
@@ -3596,7 +3728,7 @@
           <p:nvPr/>
         </p:nvPicPr>
         <p:blipFill>
-          <a:blip r:embed="rId8" cstate="print">
+          <a:blip r:embed="rId9" cstate="print">
             <a:extLst>
               <a:ext uri="{28A0092B-C50C-407E-A947-70E740481C1C}">
                 <a14:useLocalDpi xmlns:a14="http://schemas.microsoft.com/office/drawing/2010/main" val="0"/>
@@ -3779,6 +3911,7 @@
     <p:sldLayoutId id="2147484063" r:id="rId4"/>
     <p:sldLayoutId id="2147484066" r:id="rId5"/>
     <p:sldLayoutId id="2147484065" r:id="rId6"/>
+    <p:sldLayoutId id="2147484068" r:id="rId7"/>
   </p:sldLayoutIdLst>
   <p:hf sldNum="0" hdr="0" ftr="0" dt="0"/>
   <p:txStyles>
@@ -18277,54 +18410,744 @@
       </p:grpSpPr>
       <p:sp>
         <p:nvSpPr>
-          <p:cNvPr id="2" name="Inhaltsplatzhalter 1"/>
-          <p:cNvSpPr>
-            <a:spLocks noGrp="1"/>
+          <p:cNvPr id="9" name="Titel 4"/>
+          <p:cNvSpPr txBox="1">
+            <a:spLocks/>
           </p:cNvSpPr>
-          <p:nvPr>
-            <p:ph idx="1"/>
-          </p:nvPr>
+          <p:nvPr/>
         </p:nvSpPr>
-        <p:spPr/>
+        <p:spPr>
+          <a:xfrm>
+            <a:off x="457200" y="345017"/>
+            <a:ext cx="8229600" cy="491067"/>
+          </a:xfrm>
+          <a:prstGeom prst="rect">
+            <a:avLst/>
+          </a:prstGeom>
+        </p:spPr>
         <p:txBody>
           <a:bodyPr/>
-          <a:lstStyle/>
+          <a:lstStyle>
+            <a:lvl1pPr algn="l" rtl="0" eaLnBrk="1" fontAlgn="base" hangingPunct="1">
+              <a:spcBef>
+                <a:spcPct val="0"/>
+              </a:spcBef>
+              <a:spcAft>
+                <a:spcPct val="0"/>
+              </a:spcAft>
+              <a:defRPr sz="2400" b="0">
+                <a:solidFill>
+                  <a:schemeClr val="accent6"/>
+                </a:solidFill>
+                <a:latin typeface="Open Sans" panose="020B0606030504020204" pitchFamily="34" charset="0"/>
+                <a:ea typeface="Open Sans" panose="020B0606030504020204" pitchFamily="34" charset="0"/>
+                <a:cs typeface="Open Sans" panose="020B0606030504020204" pitchFamily="34" charset="0"/>
+              </a:defRPr>
+            </a:lvl1pPr>
+            <a:lvl2pPr algn="l" rtl="0" eaLnBrk="1" fontAlgn="base" hangingPunct="1">
+              <a:spcBef>
+                <a:spcPct val="0"/>
+              </a:spcBef>
+              <a:spcAft>
+                <a:spcPct val="0"/>
+              </a:spcAft>
+              <a:defRPr b="1">
+                <a:solidFill>
+                  <a:schemeClr val="bg1"/>
+                </a:solidFill>
+                <a:latin typeface="Arial" charset="0"/>
+              </a:defRPr>
+            </a:lvl2pPr>
+            <a:lvl3pPr algn="l" rtl="0" eaLnBrk="1" fontAlgn="base" hangingPunct="1">
+              <a:spcBef>
+                <a:spcPct val="0"/>
+              </a:spcBef>
+              <a:spcAft>
+                <a:spcPct val="0"/>
+              </a:spcAft>
+              <a:defRPr b="1">
+                <a:solidFill>
+                  <a:schemeClr val="bg1"/>
+                </a:solidFill>
+                <a:latin typeface="Arial" charset="0"/>
+              </a:defRPr>
+            </a:lvl3pPr>
+            <a:lvl4pPr algn="l" rtl="0" eaLnBrk="1" fontAlgn="base" hangingPunct="1">
+              <a:spcBef>
+                <a:spcPct val="0"/>
+              </a:spcBef>
+              <a:spcAft>
+                <a:spcPct val="0"/>
+              </a:spcAft>
+              <a:defRPr b="1">
+                <a:solidFill>
+                  <a:schemeClr val="bg1"/>
+                </a:solidFill>
+                <a:latin typeface="Arial" charset="0"/>
+              </a:defRPr>
+            </a:lvl4pPr>
+            <a:lvl5pPr algn="l" rtl="0" eaLnBrk="1" fontAlgn="base" hangingPunct="1">
+              <a:spcBef>
+                <a:spcPct val="0"/>
+              </a:spcBef>
+              <a:spcAft>
+                <a:spcPct val="0"/>
+              </a:spcAft>
+              <a:defRPr b="1">
+                <a:solidFill>
+                  <a:schemeClr val="bg1"/>
+                </a:solidFill>
+                <a:latin typeface="Arial" charset="0"/>
+              </a:defRPr>
+            </a:lvl5pPr>
+            <a:lvl6pPr marL="457200" algn="l" rtl="0" eaLnBrk="1" fontAlgn="base" hangingPunct="1">
+              <a:spcBef>
+                <a:spcPct val="0"/>
+              </a:spcBef>
+              <a:spcAft>
+                <a:spcPct val="0"/>
+              </a:spcAft>
+              <a:defRPr b="1">
+                <a:solidFill>
+                  <a:schemeClr val="bg1"/>
+                </a:solidFill>
+                <a:latin typeface="Arial" charset="0"/>
+              </a:defRPr>
+            </a:lvl6pPr>
+            <a:lvl7pPr marL="914400" algn="l" rtl="0" eaLnBrk="1" fontAlgn="base" hangingPunct="1">
+              <a:spcBef>
+                <a:spcPct val="0"/>
+              </a:spcBef>
+              <a:spcAft>
+                <a:spcPct val="0"/>
+              </a:spcAft>
+              <a:defRPr b="1">
+                <a:solidFill>
+                  <a:schemeClr val="bg1"/>
+                </a:solidFill>
+                <a:latin typeface="Arial" charset="0"/>
+              </a:defRPr>
+            </a:lvl7pPr>
+            <a:lvl8pPr marL="1371600" algn="l" rtl="0" eaLnBrk="1" fontAlgn="base" hangingPunct="1">
+              <a:spcBef>
+                <a:spcPct val="0"/>
+              </a:spcBef>
+              <a:spcAft>
+                <a:spcPct val="0"/>
+              </a:spcAft>
+              <a:defRPr b="1">
+                <a:solidFill>
+                  <a:schemeClr val="bg1"/>
+                </a:solidFill>
+                <a:latin typeface="Arial" charset="0"/>
+              </a:defRPr>
+            </a:lvl8pPr>
+            <a:lvl9pPr marL="1828800" algn="l" rtl="0" eaLnBrk="1" fontAlgn="base" hangingPunct="1">
+              <a:spcBef>
+                <a:spcPct val="0"/>
+              </a:spcBef>
+              <a:spcAft>
+                <a:spcPct val="0"/>
+              </a:spcAft>
+              <a:defRPr b="1">
+                <a:solidFill>
+                  <a:schemeClr val="bg1"/>
+                </a:solidFill>
+                <a:latin typeface="Arial" charset="0"/>
+              </a:defRPr>
+            </a:lvl9pPr>
+          </a:lstStyle>
           <a:p>
-            <a:endParaRPr lang="de-DE"/>
+            <a:r>
+              <a:rPr lang="en-US" dirty="0" smtClean="0"/>
+              <a:t>22 </a:t>
+            </a:r>
+            <a:r>
+              <a:rPr lang="en-US" dirty="0" err="1"/>
+              <a:t>Jahre</a:t>
+            </a:r>
+            <a:r>
+              <a:rPr lang="en-US" dirty="0"/>
+              <a:t> mgm technology partners</a:t>
+            </a:r>
+            <a:endParaRPr lang="de-DE" altLang="de-DE" sz="2000" kern="0" dirty="0" smtClean="0"/>
           </a:p>
         </p:txBody>
       </p:sp>
       <p:sp>
         <p:nvSpPr>
-          <p:cNvPr id="3" name="Titel 2"/>
-          <p:cNvSpPr>
-            <a:spLocks noGrp="1"/>
-          </p:cNvSpPr>
-          <p:nvPr>
-            <p:ph type="title"/>
-          </p:nvPr>
+          <p:cNvPr id="10" name="Textfeld 9"/>
+          <p:cNvSpPr txBox="1"/>
+          <p:nvPr/>
         </p:nvSpPr>
-        <p:spPr/>
+        <p:spPr>
+          <a:xfrm>
+            <a:off x="786706" y="5693453"/>
+            <a:ext cx="1774111" cy="215444"/>
+          </a:xfrm>
+          <a:prstGeom prst="rect">
+            <a:avLst/>
+          </a:prstGeom>
+          <a:noFill/>
+        </p:spPr>
         <p:txBody>
-          <a:bodyPr/>
+          <a:bodyPr wrap="square" rtlCol="0">
+            <a:spAutoFit/>
+          </a:bodyPr>
           <a:lstStyle/>
           <a:p>
-            <a:r>
-              <a:rPr lang="de-DE" dirty="0" smtClean="0"/>
-              <a:t>TODO: Folie zu </a:t>
-            </a:r>
-            <a:r>
-              <a:rPr lang="de-DE" dirty="0" err="1" smtClean="0"/>
-              <a:t>mgm</a:t>
-            </a:r>
-            <a:endParaRPr lang="de-DE" dirty="0"/>
+            <a:pPr>
+              <a:spcAft>
+                <a:spcPts val="600"/>
+              </a:spcAft>
+            </a:pPr>
+            <a:r>
+              <a:rPr lang="de-DE" sz="800" dirty="0" smtClean="0">
+                <a:latin typeface="Open Sans" panose="020B0606030504020204" pitchFamily="34" charset="0"/>
+              </a:rPr>
+              <a:t>Mitglied der</a:t>
+            </a:r>
           </a:p>
         </p:txBody>
       </p:sp>
+      <p:pic>
+        <p:nvPicPr>
+          <p:cNvPr id="11" name="Picture 3"/>
+          <p:cNvPicPr>
+            <a:picLocks noChangeAspect="1" noChangeArrowheads="1"/>
+          </p:cNvPicPr>
+          <p:nvPr/>
+        </p:nvPicPr>
+        <p:blipFill rotWithShape="1">
+          <a:blip r:embed="rId3" cstate="print">
+            <a:extLst>
+              <a:ext uri="{28A0092B-C50C-407E-A947-70E740481C1C}">
+                <a14:useLocalDpi xmlns:a14="http://schemas.microsoft.com/office/drawing/2010/main" val="0"/>
+              </a:ext>
+            </a:extLst>
+          </a:blip>
+          <a:srcRect b="36470"/>
+          <a:stretch/>
+        </p:blipFill>
+        <p:spPr bwMode="auto">
+          <a:xfrm>
+            <a:off x="1174926" y="5898020"/>
+            <a:ext cx="925635" cy="157676"/>
+          </a:xfrm>
+          <a:prstGeom prst="rect">
+            <a:avLst/>
+          </a:prstGeom>
+          <a:noFill/>
+          <a:ln>
+            <a:noFill/>
+          </a:ln>
+          <a:extLst>
+            <a:ext uri="{909E8E84-426E-40DD-AFC4-6F175D3DCCD1}">
+              <a14:hiddenFill xmlns:a14="http://schemas.microsoft.com/office/drawing/2010/main">
+                <a:solidFill>
+                  <a:schemeClr val="accent1"/>
+                </a:solidFill>
+              </a14:hiddenFill>
+            </a:ext>
+            <a:ext uri="{91240B29-F687-4F45-9708-019B960494DF}">
+              <a14:hiddenLine xmlns:a14="http://schemas.microsoft.com/office/drawing/2010/main" w="9525">
+                <a:solidFill>
+                  <a:schemeClr val="tx1"/>
+                </a:solidFill>
+                <a:miter lim="800000"/>
+                <a:headEnd/>
+                <a:tailEnd/>
+              </a14:hiddenLine>
+            </a:ext>
+          </a:extLst>
+        </p:spPr>
+      </p:pic>
+      <p:sp>
+        <p:nvSpPr>
+          <p:cNvPr id="13" name="Rechteck 12"/>
+          <p:cNvSpPr/>
+          <p:nvPr/>
+        </p:nvSpPr>
+        <p:spPr bwMode="auto">
+          <a:xfrm>
+            <a:off x="516901" y="4119331"/>
+            <a:ext cx="2396889" cy="445483"/>
+          </a:xfrm>
+          <a:prstGeom prst="rect">
+            <a:avLst/>
+          </a:prstGeom>
+          <a:solidFill>
+            <a:schemeClr val="accent5">
+              <a:lumMod val="20000"/>
+              <a:lumOff val="80000"/>
+            </a:schemeClr>
+          </a:solidFill>
+          <a:ln w="9525" cap="flat" cmpd="sng" algn="ctr">
+            <a:noFill/>
+            <a:prstDash val="solid"/>
+            <a:round/>
+            <a:headEnd type="none" w="med" len="med"/>
+            <a:tailEnd type="none" w="med" len="med"/>
+          </a:ln>
+          <a:effectLst/>
+        </p:spPr>
+        <p:txBody>
+          <a:bodyPr rot="0" spcFirstLastPara="0" vertOverflow="overflow" horzOverflow="overflow" vert="horz" wrap="square" lIns="36000" tIns="45720" rIns="0" bIns="45720" numCol="1" spcCol="0" rtlCol="0" fromWordArt="0" anchor="ctr" anchorCtr="0" forceAA="0" compatLnSpc="1">
+            <a:prstTxWarp prst="textNoShape">
+              <a:avLst/>
+            </a:prstTxWarp>
+            <a:noAutofit/>
+          </a:bodyPr>
+          <a:lstStyle/>
+          <a:p>
+            <a:pPr marL="0" marR="0" indent="0" defTabSz="914400" rtl="0" eaLnBrk="1" fontAlgn="base" latinLnBrk="0" hangingPunct="1">
+              <a:lnSpc>
+                <a:spcPct val="100000"/>
+              </a:lnSpc>
+              <a:spcBef>
+                <a:spcPct val="0"/>
+              </a:spcBef>
+              <a:spcAft>
+                <a:spcPts val="600"/>
+              </a:spcAft>
+              <a:buClrTx/>
+              <a:buSzTx/>
+              <a:buFontTx/>
+              <a:buNone/>
+              <a:tabLst/>
+            </a:pPr>
+            <a:r>
+              <a:rPr lang="de-DE" sz="1000" dirty="0" smtClean="0">
+                <a:solidFill>
+                  <a:schemeClr val="accent5">
+                    <a:lumMod val="50000"/>
+                  </a:schemeClr>
+                </a:solidFill>
+                <a:latin typeface="Open Sans Semibold" panose="020B0706030804020204" pitchFamily="34" charset="0"/>
+                <a:ea typeface="Open Sans Semibold" panose="020B0706030804020204" pitchFamily="34" charset="0"/>
+                <a:cs typeface="Open Sans Semibold" panose="020B0706030804020204" pitchFamily="34" charset="0"/>
+              </a:rPr>
+              <a:t>mgm te</a:t>
+            </a:r>
+            <a:r>
+              <a:rPr kumimoji="0" lang="de-DE" sz="1000" i="0" u="none" strike="noStrike" cap="none" normalizeH="0" baseline="0" dirty="0" smtClean="0">
+                <a:ln>
+                  <a:noFill/>
+                </a:ln>
+                <a:solidFill>
+                  <a:schemeClr val="accent5">
+                    <a:lumMod val="50000"/>
+                  </a:schemeClr>
+                </a:solidFill>
+                <a:effectLst/>
+                <a:latin typeface="Open Sans Semibold" panose="020B0706030804020204" pitchFamily="34" charset="0"/>
+                <a:ea typeface="Open Sans Semibold" panose="020B0706030804020204" pitchFamily="34" charset="0"/>
+                <a:cs typeface="Open Sans Semibold" panose="020B0706030804020204" pitchFamily="34" charset="0"/>
+              </a:rPr>
+              <a:t>chnology partners</a:t>
+            </a:r>
+          </a:p>
+        </p:txBody>
+      </p:sp>
+      <p:sp>
+        <p:nvSpPr>
+          <p:cNvPr id="14" name="Rechteck 13"/>
+          <p:cNvSpPr/>
+          <p:nvPr/>
+        </p:nvSpPr>
+        <p:spPr bwMode="auto">
+          <a:xfrm>
+            <a:off x="516900" y="4627230"/>
+            <a:ext cx="2396889" cy="445484"/>
+          </a:xfrm>
+          <a:prstGeom prst="rect">
+            <a:avLst/>
+          </a:prstGeom>
+          <a:solidFill>
+            <a:schemeClr val="accent5">
+              <a:lumMod val="20000"/>
+              <a:lumOff val="80000"/>
+            </a:schemeClr>
+          </a:solidFill>
+          <a:ln w="9525" cap="flat" cmpd="sng" algn="ctr">
+            <a:noFill/>
+            <a:prstDash val="solid"/>
+            <a:round/>
+            <a:headEnd type="none" w="med" len="med"/>
+            <a:tailEnd type="none" w="med" len="med"/>
+          </a:ln>
+          <a:effectLst/>
+        </p:spPr>
+        <p:txBody>
+          <a:bodyPr rot="0" spcFirstLastPara="0" vertOverflow="overflow" horzOverflow="overflow" vert="horz" wrap="square" lIns="36000" tIns="45720" rIns="0" bIns="45720" numCol="1" spcCol="0" rtlCol="0" fromWordArt="0" anchor="ctr" anchorCtr="0" forceAA="0" compatLnSpc="1">
+            <a:prstTxWarp prst="textNoShape">
+              <a:avLst/>
+            </a:prstTxWarp>
+            <a:noAutofit/>
+          </a:bodyPr>
+          <a:lstStyle/>
+          <a:p>
+            <a:pPr marL="0" marR="0" indent="0" defTabSz="914400" rtl="0" eaLnBrk="1" fontAlgn="base" latinLnBrk="0" hangingPunct="1">
+              <a:lnSpc>
+                <a:spcPct val="100000"/>
+              </a:lnSpc>
+              <a:spcBef>
+                <a:spcPct val="0"/>
+              </a:spcBef>
+              <a:spcAft>
+                <a:spcPts val="600"/>
+              </a:spcAft>
+              <a:buClrTx/>
+              <a:buSzTx/>
+              <a:buFontTx/>
+              <a:buNone/>
+              <a:tabLst/>
+            </a:pPr>
+            <a:r>
+              <a:rPr kumimoji="0" lang="de-DE" sz="1000" i="0" u="none" strike="noStrike" cap="none" normalizeH="0" baseline="0" dirty="0" smtClean="0">
+                <a:ln>
+                  <a:noFill/>
+                </a:ln>
+                <a:solidFill>
+                  <a:schemeClr val="accent5">
+                    <a:lumMod val="50000"/>
+                  </a:schemeClr>
+                </a:solidFill>
+                <a:effectLst/>
+                <a:latin typeface="Open Sans Semibold" panose="020B0706030804020204" pitchFamily="34" charset="0"/>
+                <a:ea typeface="Open Sans Semibold" panose="020B0706030804020204" pitchFamily="34" charset="0"/>
+                <a:cs typeface="Open Sans Semibold" panose="020B0706030804020204" pitchFamily="34" charset="0"/>
+              </a:rPr>
+              <a:t>mgm </a:t>
+            </a:r>
+            <a:r>
+              <a:rPr kumimoji="0" lang="de-DE" sz="1000" i="0" u="none" strike="noStrike" cap="none" normalizeH="0" baseline="0" dirty="0" err="1" smtClean="0">
+                <a:ln>
+                  <a:noFill/>
+                </a:ln>
+                <a:solidFill>
+                  <a:schemeClr val="accent5">
+                    <a:lumMod val="50000"/>
+                  </a:schemeClr>
+                </a:solidFill>
+                <a:effectLst/>
+                <a:latin typeface="Open Sans Semibold" panose="020B0706030804020204" pitchFamily="34" charset="0"/>
+                <a:ea typeface="Open Sans Semibold" panose="020B0706030804020204" pitchFamily="34" charset="0"/>
+                <a:cs typeface="Open Sans Semibold" panose="020B0706030804020204" pitchFamily="34" charset="0"/>
+              </a:rPr>
+              <a:t>consulting</a:t>
+            </a:r>
+            <a:r>
+              <a:rPr kumimoji="0" lang="de-DE" sz="1000" i="0" u="none" strike="noStrike" cap="none" normalizeH="0" baseline="0" dirty="0" smtClean="0">
+                <a:ln>
+                  <a:noFill/>
+                </a:ln>
+                <a:solidFill>
+                  <a:schemeClr val="accent5">
+                    <a:lumMod val="50000"/>
+                  </a:schemeClr>
+                </a:solidFill>
+                <a:effectLst/>
+                <a:latin typeface="Open Sans Semibold" panose="020B0706030804020204" pitchFamily="34" charset="0"/>
+                <a:ea typeface="Open Sans Semibold" panose="020B0706030804020204" pitchFamily="34" charset="0"/>
+                <a:cs typeface="Open Sans Semibold" panose="020B0706030804020204" pitchFamily="34" charset="0"/>
+              </a:rPr>
+              <a:t> partners</a:t>
+            </a:r>
+          </a:p>
+        </p:txBody>
+      </p:sp>
+      <p:sp>
+        <p:nvSpPr>
+          <p:cNvPr id="15" name="Rechteck 14"/>
+          <p:cNvSpPr/>
+          <p:nvPr/>
+        </p:nvSpPr>
+        <p:spPr bwMode="auto">
+          <a:xfrm>
+            <a:off x="516901" y="5135129"/>
+            <a:ext cx="2396889" cy="445483"/>
+          </a:xfrm>
+          <a:prstGeom prst="rect">
+            <a:avLst/>
+          </a:prstGeom>
+          <a:solidFill>
+            <a:schemeClr val="accent5">
+              <a:lumMod val="20000"/>
+              <a:lumOff val="80000"/>
+            </a:schemeClr>
+          </a:solidFill>
+          <a:ln w="9525" cap="flat" cmpd="sng" algn="ctr">
+            <a:noFill/>
+            <a:prstDash val="solid"/>
+            <a:round/>
+            <a:headEnd type="none" w="med" len="med"/>
+            <a:tailEnd type="none" w="med" len="med"/>
+          </a:ln>
+          <a:effectLst/>
+        </p:spPr>
+        <p:txBody>
+          <a:bodyPr rot="0" spcFirstLastPara="0" vertOverflow="overflow" horzOverflow="overflow" vert="horz" wrap="square" lIns="36000" tIns="45720" rIns="0" bIns="45720" numCol="1" spcCol="0" rtlCol="0" fromWordArt="0" anchor="ctr" anchorCtr="0" forceAA="0" compatLnSpc="1">
+            <a:prstTxWarp prst="textNoShape">
+              <a:avLst/>
+            </a:prstTxWarp>
+            <a:noAutofit/>
+          </a:bodyPr>
+          <a:lstStyle/>
+          <a:p>
+            <a:pPr marL="0" marR="0" indent="0" defTabSz="914400" rtl="0" eaLnBrk="1" fontAlgn="base" latinLnBrk="0" hangingPunct="1">
+              <a:lnSpc>
+                <a:spcPct val="100000"/>
+              </a:lnSpc>
+              <a:spcBef>
+                <a:spcPct val="0"/>
+              </a:spcBef>
+              <a:spcAft>
+                <a:spcPts val="600"/>
+              </a:spcAft>
+              <a:buClrTx/>
+              <a:buSzTx/>
+              <a:buFontTx/>
+              <a:buNone/>
+              <a:tabLst/>
+            </a:pPr>
+            <a:r>
+              <a:rPr lang="de-DE" sz="1000" dirty="0">
+                <a:solidFill>
+                  <a:schemeClr val="accent5">
+                    <a:lumMod val="50000"/>
+                  </a:schemeClr>
+                </a:solidFill>
+                <a:latin typeface="Open Sans Semibold" panose="020B0706030804020204" pitchFamily="34" charset="0"/>
+                <a:ea typeface="Open Sans Semibold" panose="020B0706030804020204" pitchFamily="34" charset="0"/>
+                <a:cs typeface="Open Sans Semibold" panose="020B0706030804020204" pitchFamily="34" charset="0"/>
+              </a:rPr>
+              <a:t>m</a:t>
+            </a:r>
+            <a:r>
+              <a:rPr kumimoji="0" lang="de-DE" sz="1000" i="0" u="none" strike="noStrike" cap="none" normalizeH="0" baseline="0" dirty="0" smtClean="0">
+                <a:ln>
+                  <a:noFill/>
+                </a:ln>
+                <a:solidFill>
+                  <a:schemeClr val="accent5">
+                    <a:lumMod val="50000"/>
+                  </a:schemeClr>
+                </a:solidFill>
+                <a:effectLst/>
+                <a:latin typeface="Open Sans Semibold" panose="020B0706030804020204" pitchFamily="34" charset="0"/>
+                <a:ea typeface="Open Sans Semibold" panose="020B0706030804020204" pitchFamily="34" charset="0"/>
+                <a:cs typeface="Open Sans Semibold" panose="020B0706030804020204" pitchFamily="34" charset="0"/>
+              </a:rPr>
+              <a:t>gm </a:t>
+            </a:r>
+            <a:r>
+              <a:rPr kumimoji="0" lang="de-DE" sz="1000" i="0" u="none" strike="noStrike" cap="none" normalizeH="0" baseline="0" dirty="0" err="1" smtClean="0">
+                <a:ln>
+                  <a:noFill/>
+                </a:ln>
+                <a:solidFill>
+                  <a:schemeClr val="accent5">
+                    <a:lumMod val="50000"/>
+                  </a:schemeClr>
+                </a:solidFill>
+                <a:effectLst/>
+                <a:latin typeface="Open Sans Semibold" panose="020B0706030804020204" pitchFamily="34" charset="0"/>
+                <a:ea typeface="Open Sans Semibold" panose="020B0706030804020204" pitchFamily="34" charset="0"/>
+                <a:cs typeface="Open Sans Semibold" panose="020B0706030804020204" pitchFamily="34" charset="0"/>
+              </a:rPr>
+              <a:t>security</a:t>
+            </a:r>
+            <a:r>
+              <a:rPr kumimoji="0" lang="de-DE" sz="1000" i="0" u="none" strike="noStrike" cap="none" normalizeH="0" baseline="0" dirty="0" smtClean="0">
+                <a:ln>
+                  <a:noFill/>
+                </a:ln>
+                <a:solidFill>
+                  <a:schemeClr val="accent5">
+                    <a:lumMod val="50000"/>
+                  </a:schemeClr>
+                </a:solidFill>
+                <a:effectLst/>
+                <a:latin typeface="Open Sans Semibold" panose="020B0706030804020204" pitchFamily="34" charset="0"/>
+                <a:ea typeface="Open Sans Semibold" panose="020B0706030804020204" pitchFamily="34" charset="0"/>
+                <a:cs typeface="Open Sans Semibold" panose="020B0706030804020204" pitchFamily="34" charset="0"/>
+              </a:rPr>
+              <a:t> partners</a:t>
+            </a:r>
+          </a:p>
+        </p:txBody>
+      </p:sp>
+      <p:sp>
+        <p:nvSpPr>
+          <p:cNvPr id="2" name="Rechteck 1"/>
+          <p:cNvSpPr/>
+          <p:nvPr/>
+        </p:nvSpPr>
+        <p:spPr bwMode="auto">
+          <a:xfrm>
+            <a:off x="516900" y="6289482"/>
+            <a:ext cx="1025653" cy="381662"/>
+          </a:xfrm>
+          <a:prstGeom prst="rect">
+            <a:avLst/>
+          </a:prstGeom>
+          <a:solidFill>
+            <a:schemeClr val="bg1"/>
+          </a:solidFill>
+          <a:ln w="9525" cap="flat" cmpd="sng" algn="ctr">
+            <a:noFill/>
+            <a:prstDash val="solid"/>
+            <a:round/>
+            <a:headEnd type="none" w="med" len="med"/>
+            <a:tailEnd type="none" w="med" len="med"/>
+          </a:ln>
+          <a:effectLst/>
+        </p:spPr>
+        <p:txBody>
+          <a:bodyPr rot="0" spcFirstLastPara="0" vertOverflow="overflow" horzOverflow="overflow" vert="horz" wrap="square" lIns="91440" tIns="45720" rIns="91440" bIns="45720" numCol="1" spcCol="0" rtlCol="0" fromWordArt="0" anchor="ctr" anchorCtr="0" forceAA="0" compatLnSpc="1">
+            <a:prstTxWarp prst="textNoShape">
+              <a:avLst/>
+            </a:prstTxWarp>
+            <a:noAutofit/>
+          </a:bodyPr>
+          <a:lstStyle/>
+          <a:p>
+            <a:pPr marL="0" marR="0" indent="0" algn="ctr" defTabSz="914400" rtl="0" eaLnBrk="1" fontAlgn="base" latinLnBrk="0" hangingPunct="1">
+              <a:lnSpc>
+                <a:spcPct val="100000"/>
+              </a:lnSpc>
+              <a:spcBef>
+                <a:spcPct val="0"/>
+              </a:spcBef>
+              <a:spcAft>
+                <a:spcPts val="600"/>
+              </a:spcAft>
+              <a:buClrTx/>
+              <a:buSzTx/>
+              <a:buFontTx/>
+              <a:buNone/>
+              <a:tabLst/>
+            </a:pPr>
+            <a:endParaRPr kumimoji="0" lang="de-DE" sz="1200" b="0" i="0" u="none" strike="noStrike" cap="none" normalizeH="0" baseline="0" dirty="0" err="1" smtClean="0">
+              <a:ln>
+                <a:noFill/>
+              </a:ln>
+              <a:solidFill>
+                <a:schemeClr val="bg1"/>
+              </a:solidFill>
+              <a:effectLst/>
+              <a:latin typeface="+mn-lt"/>
+            </a:endParaRPr>
+          </a:p>
+        </p:txBody>
+      </p:sp>
+      <p:pic>
+        <p:nvPicPr>
+          <p:cNvPr id="19" name="Picture 2" descr="\\Mac\Home\Downloads\mgm Logo\mgm Logo tp 2016 RGB SMALL.png"/>
+          <p:cNvPicPr>
+            <a:picLocks noChangeAspect="1" noChangeArrowheads="1"/>
+          </p:cNvPicPr>
+          <p:nvPr/>
+        </p:nvPicPr>
+        <p:blipFill rotWithShape="1">
+          <a:blip r:embed="rId4" cstate="print">
+            <a:extLst>
+              <a:ext uri="{28A0092B-C50C-407E-A947-70E740481C1C}">
+                <a14:useLocalDpi xmlns:a14="http://schemas.microsoft.com/office/drawing/2010/main" val="0"/>
+              </a:ext>
+            </a:extLst>
+          </a:blip>
+          <a:srcRect r="38651"/>
+          <a:stretch/>
+        </p:blipFill>
+        <p:spPr bwMode="auto">
+          <a:xfrm>
+            <a:off x="992809" y="3558253"/>
+            <a:ext cx="1233546" cy="412145"/>
+          </a:xfrm>
+          <a:prstGeom prst="rect">
+            <a:avLst/>
+          </a:prstGeom>
+          <a:noFill/>
+          <a:extLst>
+            <a:ext uri="{909E8E84-426E-40DD-AFC4-6F175D3DCCD1}">
+              <a14:hiddenFill xmlns:a14="http://schemas.microsoft.com/office/drawing/2010/main">
+                <a:solidFill>
+                  <a:srgbClr val="FFFFFF"/>
+                </a:solidFill>
+              </a14:hiddenFill>
+            </a:ext>
+          </a:extLst>
+        </p:spPr>
+      </p:pic>
+      <p:pic>
+        <p:nvPicPr>
+          <p:cNvPr id="27" name="Picture 4"/>
+          <p:cNvPicPr>
+            <a:picLocks noChangeAspect="1" noChangeArrowheads="1"/>
+          </p:cNvPicPr>
+          <p:nvPr/>
+        </p:nvPicPr>
+        <p:blipFill>
+          <a:blip r:embed="rId5" cstate="print">
+            <a:extLst>
+              <a:ext uri="{28A0092B-C50C-407E-A947-70E740481C1C}">
+                <a14:useLocalDpi xmlns:a14="http://schemas.microsoft.com/office/drawing/2010/main" val="0"/>
+              </a:ext>
+            </a:extLst>
+          </a:blip>
+          <a:stretch>
+            <a:fillRect/>
+          </a:stretch>
+        </p:blipFill>
+        <p:spPr bwMode="auto">
+          <a:xfrm>
+            <a:off x="2672622" y="1184606"/>
+            <a:ext cx="9181367" cy="5577137"/>
+          </a:xfrm>
+          <a:prstGeom prst="rect">
+            <a:avLst/>
+          </a:prstGeom>
+          <a:noFill/>
+          <a:ln>
+            <a:noFill/>
+          </a:ln>
+          <a:effectLst/>
+          <a:extLst>
+            <a:ext uri="{909E8E84-426E-40DD-AFC4-6F175D3DCCD1}">
+              <a14:hiddenFill xmlns:a14="http://schemas.microsoft.com/office/drawing/2010/main">
+                <a:solidFill>
+                  <a:schemeClr val="accent1"/>
+                </a:solidFill>
+              </a14:hiddenFill>
+            </a:ext>
+            <a:ext uri="{91240B29-F687-4F45-9708-019B960494DF}">
+              <a14:hiddenLine xmlns:a14="http://schemas.microsoft.com/office/drawing/2010/main" w="9525">
+                <a:solidFill>
+                  <a:schemeClr val="tx1"/>
+                </a:solidFill>
+                <a:miter lim="800000"/>
+                <a:headEnd/>
+                <a:tailEnd/>
+              </a14:hiddenLine>
+            </a:ext>
+            <a:ext uri="{AF507438-7753-43E0-B8FC-AC1667EBCBE1}">
+              <a14:hiddenEffects xmlns:a14="http://schemas.microsoft.com/office/drawing/2010/main">
+                <a:effectLst>
+                  <a:outerShdw dist="35921" dir="2700000" algn="ctr" rotWithShape="0">
+                    <a:schemeClr val="bg2"/>
+                  </a:outerShdw>
+                </a:effectLst>
+              </a14:hiddenEffects>
+            </a:ext>
+          </a:extLst>
+        </p:spPr>
+      </p:pic>
     </p:spTree>
     <p:extLst>
       <p:ext uri="{BB962C8B-B14F-4D97-AF65-F5344CB8AC3E}">
-        <p14:creationId xmlns:p14="http://schemas.microsoft.com/office/powerpoint/2010/main" val="2382039990"/>
+        <p14:creationId xmlns:p14="http://schemas.microsoft.com/office/powerpoint/2010/main" val="4104052363"/>
       </p:ext>
     </p:extLst>
   </p:cSld>

--- a/src/slides/resources/2017-03-31-JUG-Saxony-Workshop-de.pptx
+++ b/src/slides/resources/2017-03-31-JUG-Saxony-Workshop-de.pptx
@@ -2153,15 +2153,15 @@
             </a:r>
           </a:p>
           <a:p>
-            <a:pPr marL="0" indent="0">
-              <a:buFont typeface="Arial" panose="020B0604020202020204" pitchFamily="34" charset="0"/>
-              <a:buNone/>
+            <a:pPr marL="171450" indent="-171450">
+              <a:buFont typeface="Wingdings"/>
+              <a:buChar char="è"/>
             </a:pPr>
             <a:r>
               <a:rPr lang="de-DE" baseline="0" dirty="0" smtClean="0">
                 <a:sym typeface="Wingdings" panose="05000000000000000000" pitchFamily="2" charset="2"/>
               </a:rPr>
-              <a:t> Im Prinzip ja, aber da das Aufsammeln der Metriken eine Action erfordert, muss die gesamte RDD </a:t>
+              <a:t> Im Prinzip ja, aber da das Aufsammeln der Metriken eine Action erfordert, muss die gesamte RDD </a:t>
             </a:r>
             <a:r>
               <a:rPr lang="de-DE" baseline="0" dirty="0" err="1" smtClean="0">
@@ -2174,6 +2174,42 @@
                 <a:sym typeface="Wingdings" panose="05000000000000000000" pitchFamily="2" charset="2"/>
               </a:rPr>
               <a:t> zu diesem Moment berechnet werden. Das kann Caching erforderlich machen, was aber eigentlich der spezifische Code der Orchestrierungsschicht anwenden sollte, da dort der beste Überblick über den konkreten Ablauf besteht.</a:t>
+            </a:r>
+          </a:p>
+          <a:p>
+            <a:pPr marL="0" indent="0">
+              <a:buFont typeface="Wingdings"/>
+              <a:buNone/>
+            </a:pPr>
+            <a:r>
+              <a:rPr lang="de-DE" baseline="0" dirty="0" smtClean="0">
+                <a:sym typeface="Wingdings" panose="05000000000000000000" pitchFamily="2" charset="2"/>
+              </a:rPr>
+              <a:t>Könnte man nicht </a:t>
+            </a:r>
+            <a:r>
+              <a:rPr lang="de-DE" baseline="0" dirty="0" err="1" smtClean="0">
+                <a:sym typeface="Wingdings" panose="05000000000000000000" pitchFamily="2" charset="2"/>
+              </a:rPr>
+              <a:t>Accumulators</a:t>
+            </a:r>
+            <a:r>
+              <a:rPr lang="de-DE" baseline="0" dirty="0" smtClean="0">
+                <a:sym typeface="Wingdings" panose="05000000000000000000" pitchFamily="2" charset="2"/>
+              </a:rPr>
+              <a:t> nehmen?</a:t>
+            </a:r>
+          </a:p>
+          <a:p>
+            <a:pPr marL="0" indent="0">
+              <a:buFont typeface="Wingdings"/>
+              <a:buNone/>
+            </a:pPr>
+            <a:r>
+              <a:rPr lang="de-DE" baseline="0" dirty="0" smtClean="0">
+                <a:sym typeface="Wingdings" panose="05000000000000000000" pitchFamily="2" charset="2"/>
+              </a:rPr>
+              <a:t> Auch das kann man machen, aber sie sind sehr flexibel entworfen und liefern dafür nicht immer das, was man sich erhofft (http://imranrashid.com/posts/Spark-Accumulators/). Wir nutzen sie zum Teil auch, aber für unsere Metriken, die korrekt sein müssen, setzen wir lieber auf eine Lösung, die wir selbst besser im Griff haben und anpassen können.</a:t>
             </a:r>
             <a:endParaRPr lang="en-US" dirty="0"/>
           </a:p>
@@ -16276,55 +16312,32 @@
           <a:p>
             <a:r>
               <a:rPr lang="de-DE" dirty="0" smtClean="0"/>
-              <a:t>Stabilität</a:t>
+              <a:t>Frameworks wie Spark nehmen einem die Arbeit ab, Programme skalierbar auf Clustern auszuführen</a:t>
             </a:r>
           </a:p>
           <a:p>
             <a:r>
               <a:rPr lang="de-DE" dirty="0" smtClean="0"/>
-              <a:t>Zuverlässigkeit</a:t>
+              <a:t>Allerdings muss man seine Programme dafür funktional formulieren</a:t>
             </a:r>
           </a:p>
           <a:p>
             <a:r>
               <a:rPr lang="de-DE" dirty="0" smtClean="0"/>
-              <a:t>Reproduzierbarkeit</a:t>
-            </a:r>
+              <a:t>Mit Spark ist die Produktivität dabei zunächst sehr hoch (mit Spark SQL ggf. noch höher)</a:t>
+            </a:r>
+            <a:endParaRPr lang="de-DE" dirty="0" smtClean="0"/>
           </a:p>
           <a:p>
             <a:r>
               <a:rPr lang="de-DE" dirty="0" smtClean="0"/>
-              <a:t>Audit-Fähigkeit</a:t>
+              <a:t>Aber: In komplexen Verarbeitungsketten ergeben sich unweigerlich Anforderungen, die nicht ohne Weiteres von Spark abgedeckt werden, beispielsweise „Nebenwirkungen“</a:t>
             </a:r>
           </a:p>
           <a:p>
             <a:r>
               <a:rPr lang="de-DE" dirty="0" smtClean="0"/>
-              <a:t>Professioneller Support</a:t>
-            </a:r>
-          </a:p>
-          <a:p>
-            <a:r>
-              <a:rPr lang="de-DE" dirty="0" smtClean="0"/>
-              <a:t>Einfachheit</a:t>
-            </a:r>
-          </a:p>
-          <a:p>
-            <a:r>
-              <a:rPr lang="de-DE" dirty="0" smtClean="0"/>
-              <a:t>Betreibbarkeit</a:t>
-            </a:r>
-          </a:p>
-          <a:p>
-            <a:r>
-              <a:rPr lang="de-DE" dirty="0" smtClean="0"/>
-              <a:t>Framework</a:t>
-            </a:r>
-          </a:p>
-          <a:p>
-            <a:r>
-              <a:rPr lang="de-DE" dirty="0" smtClean="0"/>
-              <a:t>Modularisierung</a:t>
+              <a:t>Im Unternehmensumfeld wünscht man sich möglichst viel Framework, damit sich jeder auf seine spezielle Funktionalität konzentrieren kann</a:t>
             </a:r>
             <a:endParaRPr lang="en-US" dirty="0"/>
           </a:p>
@@ -16345,10 +16358,69 @@
           <a:bodyPr/>
           <a:lstStyle/>
           <a:p>
-            <a:endParaRPr lang="de-DE"/>
+            <a:r>
+              <a:rPr lang="de-DE" dirty="0" smtClean="0"/>
+              <a:t>Framework-Funktionalität für Nebenwirkungen wie Zähler lässt sich erreichen, indem die Spark </a:t>
+            </a:r>
+            <a:r>
+              <a:rPr lang="de-DE" dirty="0" err="1" smtClean="0"/>
+              <a:t>Executor</a:t>
+            </a:r>
+            <a:r>
+              <a:rPr lang="de-DE" dirty="0" smtClean="0"/>
+              <a:t> die Daten zum Schluss in ein eigenes HDFS-Datei schreiben</a:t>
+            </a:r>
+          </a:p>
+          <a:p>
+            <a:r>
+              <a:rPr lang="de-DE" dirty="0" smtClean="0"/>
+              <a:t>Die Orchestrierungsschicht (Spark Driver) kann dann verborgene Framework-Funktionalität beinhalten, die diese Dateien liest, konsolidiert und längerfristig abspeichert</a:t>
+            </a:r>
+            <a:endParaRPr lang="de-DE" dirty="0"/>
           </a:p>
         </p:txBody>
       </p:sp>
+      <p:pic>
+        <p:nvPicPr>
+          <p:cNvPr id="1026" name="Picture 2" descr="C:\projects\jug-saxony-workshop\src\slides\resources\images\Spark-logo-192x100px.png"/>
+          <p:cNvPicPr>
+            <a:picLocks noChangeAspect="1" noChangeArrowheads="1"/>
+          </p:cNvPicPr>
+          <p:nvPr/>
+        </p:nvPicPr>
+        <p:blipFill>
+          <a:blip r:embed="rId2">
+            <a:extLst>
+              <a:ext uri="{28A0092B-C50C-407E-A947-70E740481C1C}">
+                <a14:useLocalDpi xmlns:a14="http://schemas.microsoft.com/office/drawing/2010/main" val="0"/>
+              </a:ext>
+            </a:extLst>
+          </a:blip>
+          <a:srcRect/>
+          <a:stretch>
+            <a:fillRect/>
+          </a:stretch>
+        </p:blipFill>
+        <p:spPr bwMode="auto">
+          <a:xfrm>
+            <a:off x="7772400" y="4181475"/>
+            <a:ext cx="1828800" cy="952500"/>
+          </a:xfrm>
+          <a:prstGeom prst="rect">
+            <a:avLst/>
+          </a:prstGeom>
+          <a:noFill/>
+          <a:extLst>
+            <a:ext uri="{909E8E84-426E-40DD-AFC4-6F175D3DCCD1}">
+              <a14:hiddenFill xmlns:a14="http://schemas.microsoft.com/office/drawing/2010/main">
+                <a:solidFill>
+                  <a:srgbClr val="FFFFFF"/>
+                </a:solidFill>
+              </a14:hiddenFill>
+            </a:ext>
+          </a:extLst>
+        </p:spPr>
+      </p:pic>
     </p:spTree>
     <p:extLst>
       <p:ext uri="{BB962C8B-B14F-4D97-AF65-F5344CB8AC3E}">
@@ -16386,6 +16458,47 @@
           <a:chExt cx="0" cy="0"/>
         </a:xfrm>
       </p:grpSpPr>
+      <p:pic>
+        <p:nvPicPr>
+          <p:cNvPr id="2050" name="Picture 2" descr="C:\Users\mschmeisser\Downloads\leipzig1.png"/>
+          <p:cNvPicPr>
+            <a:picLocks noChangeAspect="1" noChangeArrowheads="1"/>
+          </p:cNvPicPr>
+          <p:nvPr/>
+        </p:nvPicPr>
+        <p:blipFill>
+          <a:blip r:embed="rId2">
+            <a:extLst>
+              <a:ext uri="{28A0092B-C50C-407E-A947-70E740481C1C}">
+                <a14:useLocalDpi xmlns:a14="http://schemas.microsoft.com/office/drawing/2010/main" val="0"/>
+              </a:ext>
+            </a:extLst>
+          </a:blip>
+          <a:srcRect/>
+          <a:stretch>
+            <a:fillRect/>
+          </a:stretch>
+        </p:blipFill>
+        <p:spPr bwMode="auto">
+          <a:xfrm>
+            <a:off x="0" y="1251945"/>
+            <a:ext cx="12192000" cy="3333750"/>
+          </a:xfrm>
+          <a:prstGeom prst="rect">
+            <a:avLst/>
+          </a:prstGeom>
+          <a:noFill/>
+          <a:extLst>
+            <a:ext uri="{909E8E84-426E-40DD-AFC4-6F175D3DCCD1}">
+              <a14:hiddenFill xmlns:a14="http://schemas.microsoft.com/office/drawing/2010/main">
+                <a:solidFill>
+                  <a:srgbClr val="FFFFFF"/>
+                </a:solidFill>
+              </a14:hiddenFill>
+            </a:ext>
+          </a:extLst>
+        </p:spPr>
+      </p:pic>
       <p:sp>
         <p:nvSpPr>
           <p:cNvPr id="3" name="Titel 2"/>
@@ -16497,25 +16610,6 @@
               <a:rPr lang="en-US" dirty="0" smtClean="0"/>
               <a:t>!</a:t>
             </a:r>
-            <a:endParaRPr lang="en-US" dirty="0"/>
-          </a:p>
-        </p:txBody>
-      </p:sp>
-      <p:sp>
-        <p:nvSpPr>
-          <p:cNvPr id="4" name="Inhaltsplatzhalter 3"/>
-          <p:cNvSpPr>
-            <a:spLocks noGrp="1"/>
-          </p:cNvSpPr>
-          <p:nvPr>
-            <p:ph sz="half" idx="1"/>
-          </p:nvPr>
-        </p:nvSpPr>
-        <p:spPr/>
-        <p:txBody>
-          <a:bodyPr/>
-          <a:lstStyle/>
-          <a:p>
             <a:endParaRPr lang="en-US" dirty="0"/>
           </a:p>
         </p:txBody>
@@ -16584,7 +16678,7 @@
                     <a:p>
                       <a:r>
                         <a:rPr lang="de-DE" dirty="0">
-                          <a:hlinkClick r:id="rId2"/>
+                          <a:hlinkClick r:id="rId3"/>
                         </a:rPr>
                         <a:t>michael.schmeisser@mgm-tp.com</a:t>
                       </a:r>
@@ -16635,7 +16729,7 @@
           <p:nvPr/>
         </p:nvPicPr>
         <p:blipFill>
-          <a:blip r:embed="rId3" cstate="print"/>
+          <a:blip r:embed="rId4" cstate="print"/>
           <a:stretch>
             <a:fillRect/>
           </a:stretch>
@@ -16669,7 +16763,7 @@
           <p:nvPr/>
         </p:nvPicPr>
         <p:blipFill>
-          <a:blip r:embed="rId4">
+          <a:blip r:embed="rId5">
             <a:extLst>
               <a:ext uri="{28A0092B-C50C-407E-A947-70E740481C1C}">
                 <a14:useLocalDpi xmlns:a14="http://schemas.microsoft.com/office/drawing/2010/main" val="0"/>
@@ -16683,8 +16777,8 @@
         </p:blipFill>
         <p:spPr bwMode="auto">
           <a:xfrm>
-            <a:off x="9040587" y="1971664"/>
-            <a:ext cx="2095500" cy="876300"/>
+            <a:off x="2194555" y="4824682"/>
+            <a:ext cx="1324900" cy="554049"/>
           </a:xfrm>
           <a:prstGeom prst="rect">
             <a:avLst/>
@@ -16710,7 +16804,7 @@
           <p:nvPr/>
         </p:nvPicPr>
         <p:blipFill>
-          <a:blip r:embed="rId5">
+          <a:blip r:embed="rId6" cstate="print">
             <a:extLst>
               <a:ext uri="{28A0092B-C50C-407E-A947-70E740481C1C}">
                 <a14:useLocalDpi xmlns:a14="http://schemas.microsoft.com/office/drawing/2010/main" val="0"/>
@@ -16724,8 +16818,8 @@
         </p:blipFill>
         <p:spPr bwMode="auto">
           <a:xfrm>
-            <a:off x="6403947" y="2986697"/>
-            <a:ext cx="2348603" cy="1007246"/>
+            <a:off x="3205560" y="5689656"/>
+            <a:ext cx="1313590" cy="563360"/>
           </a:xfrm>
           <a:prstGeom prst="rect">
             <a:avLst/>
@@ -16751,7 +16845,7 @@
           <p:nvPr/>
         </p:nvPicPr>
         <p:blipFill>
-          <a:blip r:embed="rId6">
+          <a:blip r:embed="rId7">
             <a:extLst>
               <a:ext uri="{28A0092B-C50C-407E-A947-70E740481C1C}">
                 <a14:useLocalDpi xmlns:a14="http://schemas.microsoft.com/office/drawing/2010/main" val="0"/>
@@ -16765,8 +16859,8 @@
         </p:blipFill>
         <p:spPr bwMode="auto">
           <a:xfrm>
-            <a:off x="7119695" y="1295395"/>
-            <a:ext cx="1352539" cy="1352539"/>
+            <a:off x="965973" y="5085892"/>
+            <a:ext cx="824727" cy="824727"/>
           </a:xfrm>
           <a:prstGeom prst="rect">
             <a:avLst/>
@@ -16792,7 +16886,7 @@
           <p:nvPr/>
         </p:nvPicPr>
         <p:blipFill>
-          <a:blip r:embed="rId7">
+          <a:blip r:embed="rId8">
             <a:extLst>
               <a:ext uri="{28A0092B-C50C-407E-A947-70E740481C1C}">
                 <a14:useLocalDpi xmlns:a14="http://schemas.microsoft.com/office/drawing/2010/main" val="0"/>
@@ -16806,8 +16900,8 @@
         </p:blipFill>
         <p:spPr bwMode="auto">
           <a:xfrm>
-            <a:off x="9373962" y="3139621"/>
-            <a:ext cx="1428750" cy="1333500"/>
+            <a:off x="4623925" y="4840232"/>
+            <a:ext cx="941074" cy="878335"/>
           </a:xfrm>
           <a:prstGeom prst="rect">
             <a:avLst/>
@@ -16874,7 +16968,7 @@
         <p:spPr>
           <a:xfrm>
             <a:off x="449263" y="1341438"/>
-            <a:ext cx="8237537" cy="4533900"/>
+            <a:ext cx="10390187" cy="4533900"/>
           </a:xfrm>
           <a:prstGeom prst="rect">
             <a:avLst/>
@@ -17113,6 +17207,26 @@
               <a:rPr lang="en-US" sz="1400" dirty="0" smtClean="0"/>
               <a:t> </a:t>
             </a:r>
+            <a:endParaRPr lang="en-US" sz="1400" dirty="0" smtClean="0"/>
+          </a:p>
+          <a:p>
+            <a:r>
+              <a:rPr lang="en-US" sz="1400" dirty="0">
+                <a:hlinkClick r:id="rId15"/>
+              </a:rPr>
+              <a:t>https://de.wikipedia.org/wiki/Apache_Spark#/</a:t>
+            </a:r>
+            <a:r>
+              <a:rPr lang="en-US" sz="1400" dirty="0" smtClean="0">
+                <a:hlinkClick r:id="rId15"/>
+              </a:rPr>
+              <a:t>media/File:Spark-logo-192x100px.png</a:t>
+            </a:r>
+            <a:r>
+              <a:rPr lang="en-US" sz="1400" dirty="0" smtClean="0"/>
+              <a:t> </a:t>
+            </a:r>
+            <a:endParaRPr lang="en-US" sz="1400" dirty="0" smtClean="0"/>
           </a:p>
           <a:p>
             <a:endParaRPr lang="en-US" sz="1400" dirty="0" smtClean="0"/>
@@ -33198,7 +33312,7 @@
               </a:spcAft>
             </a:pPr>
             <a:r>
-              <a:rPr lang="de-DE" dirty="0" err="1">
+              <a:rPr lang="de-DE" sz="1400" dirty="0" err="1">
                 <a:solidFill>
                   <a:schemeClr val="tx1"/>
                 </a:solidFill>
@@ -33208,7 +33322,7 @@
               </a:rPr>
               <a:t>repartitionAndSortWithinPartitions</a:t>
             </a:r>
-            <a:endParaRPr lang="de-DE" dirty="0">
+            <a:endParaRPr lang="de-DE" sz="1400" dirty="0">
               <a:solidFill>
                 <a:schemeClr val="tx1"/>
               </a:solidFill>
@@ -33235,7 +33349,7 @@
               <a:tabLst/>
             </a:pPr>
             <a:r>
-              <a:rPr kumimoji="0" lang="de-DE" b="0" i="0" u="none" strike="noStrike" cap="none" normalizeH="0" baseline="0" dirty="0" smtClean="0">
+              <a:rPr kumimoji="0" lang="de-DE" sz="1400" b="0" i="0" u="none" strike="noStrike" cap="none" normalizeH="0" baseline="0" dirty="0" smtClean="0">
                 <a:ln>
                   <a:noFill/>
                 </a:ln>
@@ -33250,7 +33364,7 @@
               <a:t>+ </a:t>
             </a:r>
             <a:r>
-              <a:rPr kumimoji="0" lang="de-DE" b="0" i="0" u="none" strike="noStrike" cap="none" normalizeH="0" baseline="0" dirty="0" err="1" smtClean="0">
+              <a:rPr kumimoji="0" lang="de-DE" sz="1400" b="0" i="0" u="none" strike="noStrike" cap="none" normalizeH="0" baseline="0" dirty="0" err="1" smtClean="0">
                 <a:ln>
                   <a:noFill/>
                 </a:ln>
@@ -33264,7 +33378,7 @@
               </a:rPr>
               <a:t>saveAsHadoopFile</a:t>
             </a:r>
-            <a:endParaRPr kumimoji="0" lang="de-DE" b="0" i="0" u="none" strike="noStrike" cap="none" normalizeH="0" baseline="0" dirty="0" smtClean="0">
+            <a:endParaRPr kumimoji="0" lang="de-DE" sz="1400" b="0" i="0" u="none" strike="noStrike" cap="none" normalizeH="0" baseline="0" dirty="0" smtClean="0">
               <a:ln>
                 <a:noFill/>
               </a:ln>

--- a/src/slides/resources/2017-03-31-JUG-Saxony-Workshop-de.pptx
+++ b/src/slides/resources/2017-03-31-JUG-Saxony-Workshop-de.pptx
@@ -1061,6 +1061,173 @@
 </p:notes>
 </file>
 
+<file path=ppt/notesSlides/notesSlide10.xml><?xml version="1.0" encoding="utf-8"?>
+<p:notes xmlns:a="http://schemas.openxmlformats.org/drawingml/2006/main" xmlns:r="http://schemas.openxmlformats.org/officeDocument/2006/relationships" xmlns:p="http://schemas.openxmlformats.org/presentationml/2006/main">
+  <p:cSld>
+    <p:spTree>
+      <p:nvGrpSpPr>
+        <p:cNvPr id="1" name=""/>
+        <p:cNvGrpSpPr/>
+        <p:nvPr/>
+      </p:nvGrpSpPr>
+      <p:grpSpPr>
+        <a:xfrm>
+          <a:off x="0" y="0"/>
+          <a:ext cx="0" cy="0"/>
+          <a:chOff x="0" y="0"/>
+          <a:chExt cx="0" cy="0"/>
+        </a:xfrm>
+      </p:grpSpPr>
+      <p:sp>
+        <p:nvSpPr>
+          <p:cNvPr id="2" name="Folienbildplatzhalter 1"/>
+          <p:cNvSpPr>
+            <a:spLocks noGrp="1" noRot="1" noChangeAspect="1"/>
+          </p:cNvSpPr>
+          <p:nvPr>
+            <p:ph type="sldImg"/>
+          </p:nvPr>
+        </p:nvSpPr>
+        <p:spPr>
+          <a:xfrm>
+            <a:off x="457200" y="719138"/>
+            <a:ext cx="6402388" cy="3602037"/>
+          </a:xfrm>
+        </p:spPr>
+      </p:sp>
+      <p:sp>
+        <p:nvSpPr>
+          <p:cNvPr id="3" name="Notizenplatzhalter 2"/>
+          <p:cNvSpPr>
+            <a:spLocks noGrp="1"/>
+          </p:cNvSpPr>
+          <p:nvPr>
+            <p:ph type="body" idx="1"/>
+          </p:nvPr>
+        </p:nvSpPr>
+        <p:spPr/>
+        <p:txBody>
+          <a:bodyPr/>
+          <a:lstStyle/>
+          <a:p>
+            <a:pPr marL="0" indent="0">
+              <a:buFont typeface="Arial" panose="020B0604020202020204" pitchFamily="34" charset="0"/>
+              <a:buNone/>
+            </a:pPr>
+            <a:r>
+              <a:rPr lang="de-DE" dirty="0" smtClean="0"/>
+              <a:t>Könnte nicht das Framework das dem „spezifischen Code“ abnehmen – auch wenn</a:t>
+            </a:r>
+            <a:r>
+              <a:rPr lang="de-DE" baseline="0" dirty="0" smtClean="0"/>
+              <a:t> die Metriken Teil der RDD sind?</a:t>
+            </a:r>
+          </a:p>
+          <a:p>
+            <a:pPr marL="171450" indent="-171450">
+              <a:buFont typeface="Wingdings"/>
+              <a:buChar char="è"/>
+            </a:pPr>
+            <a:r>
+              <a:rPr lang="de-DE" baseline="0" dirty="0" smtClean="0">
+                <a:sym typeface="Wingdings" panose="05000000000000000000" pitchFamily="2" charset="2"/>
+              </a:rPr>
+              <a:t> Im Prinzip ja, aber da das Aufsammeln der Metriken eine Action erfordert, muss die gesamte RDD </a:t>
+            </a:r>
+            <a:r>
+              <a:rPr lang="de-DE" baseline="0" dirty="0" err="1" smtClean="0">
+                <a:sym typeface="Wingdings" panose="05000000000000000000" pitchFamily="2" charset="2"/>
+              </a:rPr>
+              <a:t>Lineage</a:t>
+            </a:r>
+            <a:r>
+              <a:rPr lang="de-DE" baseline="0" dirty="0" smtClean="0">
+                <a:sym typeface="Wingdings" panose="05000000000000000000" pitchFamily="2" charset="2"/>
+              </a:rPr>
+              <a:t> zu diesem Moment berechnet werden. Das kann Caching erforderlich machen, was aber eigentlich der spezifische Code der Orchestrierungsschicht anwenden sollte, da dort der beste Überblick über den konkreten Ablauf besteht.</a:t>
+            </a:r>
+          </a:p>
+          <a:p>
+            <a:pPr marL="0" indent="0">
+              <a:buFont typeface="Wingdings"/>
+              <a:buNone/>
+            </a:pPr>
+            <a:r>
+              <a:rPr lang="de-DE" baseline="0" dirty="0" smtClean="0">
+                <a:sym typeface="Wingdings" panose="05000000000000000000" pitchFamily="2" charset="2"/>
+              </a:rPr>
+              <a:t>Könnte man nicht </a:t>
+            </a:r>
+            <a:r>
+              <a:rPr lang="de-DE" baseline="0" dirty="0" err="1" smtClean="0">
+                <a:sym typeface="Wingdings" panose="05000000000000000000" pitchFamily="2" charset="2"/>
+              </a:rPr>
+              <a:t>Accumulators</a:t>
+            </a:r>
+            <a:r>
+              <a:rPr lang="de-DE" baseline="0" dirty="0" smtClean="0">
+                <a:sym typeface="Wingdings" panose="05000000000000000000" pitchFamily="2" charset="2"/>
+              </a:rPr>
+              <a:t> nehmen?</a:t>
+            </a:r>
+          </a:p>
+          <a:p>
+            <a:pPr marL="0" indent="0">
+              <a:buFont typeface="Wingdings"/>
+              <a:buNone/>
+            </a:pPr>
+            <a:r>
+              <a:rPr lang="de-DE" baseline="0" dirty="0" smtClean="0">
+                <a:sym typeface="Wingdings" panose="05000000000000000000" pitchFamily="2" charset="2"/>
+              </a:rPr>
+              <a:t> Auch das kann man machen, aber sie sind sehr flexibel entworfen und liefern dafür nicht immer das, was man sich erhofft (http://imranrashid.com/posts/Spark-Accumulators/). Wir nutzen sie zum Teil auch, aber für unsere Metriken, die korrekt sein müssen, setzen wir lieber auf eine Lösung, die wir selbst besser im Griff haben und anpassen können.</a:t>
+            </a:r>
+            <a:endParaRPr lang="en-US" dirty="0"/>
+          </a:p>
+        </p:txBody>
+      </p:sp>
+      <p:sp>
+        <p:nvSpPr>
+          <p:cNvPr id="4" name="Foliennummernplatzhalter 3"/>
+          <p:cNvSpPr>
+            <a:spLocks noGrp="1"/>
+          </p:cNvSpPr>
+          <p:nvPr>
+            <p:ph type="sldNum" sz="quarter" idx="10"/>
+          </p:nvPr>
+        </p:nvSpPr>
+        <p:spPr/>
+        <p:txBody>
+          <a:bodyPr/>
+          <a:lstStyle/>
+          <a:p>
+            <a:pPr>
+              <a:defRPr/>
+            </a:pPr>
+            <a:fld id="{A78FF2BC-F68A-4EB6-9E3E-3C5BE7030B7B}" type="slidenum">
+              <a:rPr lang="de-DE" smtClean="0"/>
+              <a:pPr>
+                <a:defRPr/>
+              </a:pPr>
+              <a:t>13</a:t>
+            </a:fld>
+            <a:endParaRPr lang="de-DE"/>
+          </a:p>
+        </p:txBody>
+      </p:sp>
+    </p:spTree>
+    <p:extLst>
+      <p:ext uri="{BB962C8B-B14F-4D97-AF65-F5344CB8AC3E}">
+        <p14:creationId xmlns:p14="http://schemas.microsoft.com/office/powerpoint/2010/main" val="2969197868"/>
+      </p:ext>
+    </p:extLst>
+  </p:cSld>
+  <p:clrMapOvr>
+    <a:masterClrMapping/>
+  </p:clrMapOvr>
+</p:notes>
+</file>
+
 <file path=ppt/notesSlides/notesSlide2.xml><?xml version="1.0" encoding="utf-8"?>
 <p:notes xmlns:a="http://schemas.openxmlformats.org/drawingml/2006/main" xmlns:r="http://schemas.openxmlformats.org/officeDocument/2006/relationships" xmlns:p="http://schemas.openxmlformats.org/presentationml/2006/main">
   <p:cSld>
@@ -1746,15 +1913,19 @@
             </a:pPr>
             <a:r>
               <a:rPr lang="de-DE" dirty="0" smtClean="0"/>
-              <a:t>Im</a:t>
+              <a:t>Für</a:t>
             </a:r>
             <a:r>
               <a:rPr lang="de-DE" baseline="0" dirty="0" smtClean="0"/>
-              <a:t> Beispiel: Lexikographische Partitionierung bei </a:t>
+              <a:t> die Erzeugung der Ausgabedateien gibt es mehrere Möglichkeiten: Man könnte auch die letzte RDD jeweils nach Produktgruppe filtern und dann als Textdatei ausgeben, aber dann muss man bei vielen Produktgruppen im Driver parallelisieren (das </a:t>
             </a:r>
             <a:r>
               <a:rPr lang="de-DE" baseline="0" dirty="0" err="1" smtClean="0"/>
-              <a:t>aggregateByKey</a:t>
+              <a:t>OutputFormat</a:t>
+            </a:r>
+            <a:r>
+              <a:rPr lang="de-DE" baseline="0" dirty="0" smtClean="0"/>
+              <a:t> macht das selbst)</a:t>
             </a:r>
             <a:endParaRPr lang="de-DE" dirty="0"/>
           </a:p>
@@ -1857,48 +2028,15 @@
             </a:pPr>
             <a:r>
               <a:rPr lang="de-DE" dirty="0" smtClean="0"/>
-              <a:t>Im</a:t>
+              <a:t>Zähler im Beispiel: Records, die </a:t>
+            </a:r>
+            <a:r>
+              <a:rPr lang="de-DE" dirty="0" err="1" smtClean="0"/>
+              <a:t>Whitespace</a:t>
             </a:r>
             <a:r>
               <a:rPr lang="de-DE" baseline="0" dirty="0" smtClean="0"/>
-              <a:t> Beispiel: Lexikographische Partitionierung bei </a:t>
-            </a:r>
-            <a:r>
-              <a:rPr lang="de-DE" baseline="0" dirty="0" err="1" smtClean="0"/>
-              <a:t>aggregateByKey</a:t>
-            </a:r>
-            <a:endParaRPr lang="de-DE" baseline="0" dirty="0" smtClean="0"/>
-          </a:p>
-          <a:p>
-            <a:pPr marL="171450" indent="-171450">
-              <a:buFont typeface="Arial" panose="020B0604020202020204" pitchFamily="34" charset="0"/>
-              <a:buChar char="•"/>
-            </a:pPr>
-            <a:r>
-              <a:rPr lang="de-DE" dirty="0" smtClean="0"/>
-              <a:t>Jeweils</a:t>
-            </a:r>
-            <a:r>
-              <a:rPr lang="de-DE" baseline="0" dirty="0" smtClean="0"/>
-              <a:t> vor und nach einem Pfeil liegt eine RDD in Spark vor</a:t>
-            </a:r>
-          </a:p>
-          <a:p>
-            <a:pPr marL="171450" indent="-171450">
-              <a:buFont typeface="Arial" panose="020B0604020202020204" pitchFamily="34" charset="0"/>
-              <a:buChar char="•"/>
-            </a:pPr>
-            <a:r>
-              <a:rPr lang="de-DE" baseline="0" dirty="0" smtClean="0"/>
-              <a:t>Alle der hier dargestellten Operationen würden </a:t>
-            </a:r>
-            <a:r>
-              <a:rPr lang="de-DE" baseline="0" dirty="0" err="1" smtClean="0"/>
-              <a:t>lazy</a:t>
-            </a:r>
-            <a:r>
-              <a:rPr lang="de-DE" baseline="0" dirty="0" smtClean="0"/>
-              <a:t> (im Sinne von gar nicht) durchgeführt werden</a:t>
+              <a:t> im Produktnamen haben</a:t>
             </a:r>
             <a:endParaRPr lang="de-DE" dirty="0"/>
           </a:p>
@@ -2001,17 +2139,13 @@
             </a:pPr>
             <a:r>
               <a:rPr lang="de-DE" dirty="0" smtClean="0"/>
-              <a:t>Im</a:t>
+              <a:t>Nachteil: Man muss sich in der</a:t>
             </a:r>
             <a:r>
               <a:rPr lang="de-DE" baseline="0" dirty="0" smtClean="0"/>
-              <a:t> Beispiel: Lexikographische Partitionierung bei </a:t>
-            </a:r>
-            <a:r>
-              <a:rPr lang="de-DE" baseline="0" dirty="0" err="1" smtClean="0"/>
-              <a:t>aggregateByKey</a:t>
-            </a:r>
-            <a:endParaRPr lang="de-DE" baseline="0" dirty="0" smtClean="0"/>
+              <a:t> gesamten weiteren Verarbeitungskette damit beschäftigen</a:t>
+            </a:r>
+            <a:endParaRPr lang="de-DE" baseline="0" dirty="0"/>
           </a:p>
           <a:p>
             <a:pPr marL="171450" indent="-171450">
@@ -2019,32 +2153,9 @@
               <a:buChar char="•"/>
             </a:pPr>
             <a:r>
-              <a:rPr lang="de-DE" dirty="0" smtClean="0"/>
-              <a:t>Jeweils</a:t>
-            </a:r>
-            <a:r>
               <a:rPr lang="de-DE" baseline="0" dirty="0" smtClean="0"/>
-              <a:t> vor und nach einem Pfeil liegt eine RDD in Spark vor</a:t>
-            </a:r>
-          </a:p>
-          <a:p>
-            <a:pPr marL="171450" indent="-171450">
-              <a:buFont typeface="Arial" panose="020B0604020202020204" pitchFamily="34" charset="0"/>
-              <a:buChar char="•"/>
-            </a:pPr>
-            <a:r>
-              <a:rPr lang="de-DE" baseline="0" dirty="0" smtClean="0"/>
-              <a:t>Alle der hier dargestellten Operationen würden </a:t>
-            </a:r>
-            <a:r>
-              <a:rPr lang="de-DE" baseline="0" dirty="0" err="1" smtClean="0"/>
-              <a:t>lazy</a:t>
-            </a:r>
-            <a:r>
-              <a:rPr lang="de-DE" baseline="0" dirty="0" smtClean="0"/>
-              <a:t> (im Sinne von gar nicht) durchgeführt werden</a:t>
-            </a:r>
-            <a:endParaRPr lang="de-DE" dirty="0"/>
+              <a:t>Es kann sogar sein, dass man sich schon vorher damit beschäftigen muss, wenn man die Zähler nicht „einfach so“ überall initialisieren kann</a:t>
+            </a:r>
           </a:p>
         </p:txBody>
       </p:sp>
@@ -2139,78 +2250,6 @@
           <a:bodyPr/>
           <a:lstStyle/>
           <a:p>
-            <a:pPr marL="0" indent="0">
-              <a:buFont typeface="Arial" panose="020B0604020202020204" pitchFamily="34" charset="0"/>
-              <a:buNone/>
-            </a:pPr>
-            <a:r>
-              <a:rPr lang="de-DE" dirty="0" smtClean="0"/>
-              <a:t>Könnte nicht das Framework das dem „spezifischen Code“ abnehmen – auch wenn</a:t>
-            </a:r>
-            <a:r>
-              <a:rPr lang="de-DE" baseline="0" dirty="0" smtClean="0"/>
-              <a:t> die Metriken Teil der RDD sind?</a:t>
-            </a:r>
-          </a:p>
-          <a:p>
-            <a:pPr marL="171450" indent="-171450">
-              <a:buFont typeface="Wingdings"/>
-              <a:buChar char="è"/>
-            </a:pPr>
-            <a:r>
-              <a:rPr lang="de-DE" baseline="0" dirty="0" smtClean="0">
-                <a:sym typeface="Wingdings" panose="05000000000000000000" pitchFamily="2" charset="2"/>
-              </a:rPr>
-              <a:t> Im Prinzip ja, aber da das Aufsammeln der Metriken eine Action erfordert, muss die gesamte RDD </a:t>
-            </a:r>
-            <a:r>
-              <a:rPr lang="de-DE" baseline="0" dirty="0" err="1" smtClean="0">
-                <a:sym typeface="Wingdings" panose="05000000000000000000" pitchFamily="2" charset="2"/>
-              </a:rPr>
-              <a:t>Lineage</a:t>
-            </a:r>
-            <a:r>
-              <a:rPr lang="de-DE" baseline="0" dirty="0" smtClean="0">
-                <a:sym typeface="Wingdings" panose="05000000000000000000" pitchFamily="2" charset="2"/>
-              </a:rPr>
-              <a:t> zu diesem Moment berechnet werden. Das kann Caching erforderlich machen, was aber eigentlich der spezifische Code der Orchestrierungsschicht anwenden sollte, da dort der beste Überblick über den konkreten Ablauf besteht.</a:t>
-            </a:r>
-          </a:p>
-          <a:p>
-            <a:pPr marL="0" indent="0">
-              <a:buFont typeface="Wingdings"/>
-              <a:buNone/>
-            </a:pPr>
-            <a:r>
-              <a:rPr lang="de-DE" baseline="0" dirty="0" smtClean="0">
-                <a:sym typeface="Wingdings" panose="05000000000000000000" pitchFamily="2" charset="2"/>
-              </a:rPr>
-              <a:t>Könnte man nicht </a:t>
-            </a:r>
-            <a:r>
-              <a:rPr lang="de-DE" baseline="0" dirty="0" err="1" smtClean="0">
-                <a:sym typeface="Wingdings" panose="05000000000000000000" pitchFamily="2" charset="2"/>
-              </a:rPr>
-              <a:t>Accumulators</a:t>
-            </a:r>
-            <a:r>
-              <a:rPr lang="de-DE" baseline="0" dirty="0" smtClean="0">
-                <a:sym typeface="Wingdings" panose="05000000000000000000" pitchFamily="2" charset="2"/>
-              </a:rPr>
-              <a:t> nehmen?</a:t>
-            </a:r>
-          </a:p>
-          <a:p>
-            <a:pPr marL="0" indent="0">
-              <a:buFont typeface="Wingdings"/>
-              <a:buNone/>
-            </a:pPr>
-            <a:r>
-              <a:rPr lang="de-DE" baseline="0" dirty="0" smtClean="0">
-                <a:sym typeface="Wingdings" panose="05000000000000000000" pitchFamily="2" charset="2"/>
-              </a:rPr>
-              <a:t> Auch das kann man machen, aber sie sind sehr flexibel entworfen und liefern dafür nicht immer das, was man sich erhofft (http://imranrashid.com/posts/Spark-Accumulators/). Wir nutzen sie zum Teil auch, aber für unsere Metriken, die korrekt sein müssen, setzen wir lieber auf eine Lösung, die wir selbst besser im Griff haben und anpassen können.</a:t>
-            </a:r>
             <a:endParaRPr lang="en-US" dirty="0"/>
           </a:p>
         </p:txBody>
@@ -2238,7 +2277,7 @@
               <a:pPr>
                 <a:defRPr/>
               </a:pPr>
-              <a:t>13</a:t>
+              <a:t>12</a:t>
             </a:fld>
             <a:endParaRPr lang="de-DE"/>
           </a:p>
@@ -2247,7 +2286,7 @@
     </p:spTree>
     <p:extLst>
       <p:ext uri="{BB962C8B-B14F-4D97-AF65-F5344CB8AC3E}">
-        <p14:creationId xmlns:p14="http://schemas.microsoft.com/office/powerpoint/2010/main" val="2969197868"/>
+        <p14:creationId xmlns:p14="http://schemas.microsoft.com/office/powerpoint/2010/main" val="2134376518"/>
       </p:ext>
     </p:extLst>
   </p:cSld>
@@ -13277,7 +13316,7 @@
           </p:nvPr>
         </p:nvPicPr>
         <p:blipFill>
-          <a:blip r:embed="rId2">
+          <a:blip r:embed="rId3">
             <a:extLst>
               <a:ext uri="{28A0092B-C50C-407E-A947-70E740481C1C}">
                 <a14:useLocalDpi xmlns:a14="http://schemas.microsoft.com/office/drawing/2010/main" val="0"/>
@@ -13756,7 +13795,7 @@
           <p:nvPr/>
         </p:nvPicPr>
         <p:blipFill>
-          <a:blip r:embed="rId3">
+          <a:blip r:embed="rId4">
             <a:extLst>
               <a:ext uri="{28A0092B-C50C-407E-A947-70E740481C1C}">
                 <a14:useLocalDpi xmlns:a14="http://schemas.microsoft.com/office/drawing/2010/main" val="0"/>
@@ -13797,7 +13836,7 @@
           <p:nvPr/>
         </p:nvPicPr>
         <p:blipFill>
-          <a:blip r:embed="rId4">
+          <a:blip r:embed="rId5">
             <a:extLst>
               <a:ext uri="{28A0092B-C50C-407E-A947-70E740481C1C}">
                 <a14:useLocalDpi xmlns:a14="http://schemas.microsoft.com/office/drawing/2010/main" val="0"/>
@@ -13838,7 +13877,7 @@
           <p:nvPr/>
         </p:nvPicPr>
         <p:blipFill>
-          <a:blip r:embed="rId5">
+          <a:blip r:embed="rId6">
             <a:extLst>
               <a:ext uri="{28A0092B-C50C-407E-A947-70E740481C1C}">
                 <a14:useLocalDpi xmlns:a14="http://schemas.microsoft.com/office/drawing/2010/main" val="0"/>
@@ -13924,7 +13963,7 @@
           <a:p>
             <a:r>
               <a:rPr lang="de-DE" dirty="0" smtClean="0"/>
-              <a:t>Die Metriken müssen bis zur Orchestrierungsschicht gelangen und dort richtig behandelt werden</a:t>
+              <a:t>Durch die Ausleitung als „Nebenwirkung“ kann das Framework sie später wieder aufsammeln</a:t>
             </a:r>
             <a:endParaRPr lang="de-DE" dirty="0"/>
           </a:p>
@@ -30570,7 +30609,15 @@
           <a:p>
             <a:r>
               <a:rPr lang="de-DE" dirty="0" smtClean="0"/>
-              <a:t>Sobald mithilfe von Transformationen das Ergebnis erzielt ist, kann es persistiert werden</a:t>
+              <a:t>Sobald </a:t>
+            </a:r>
+            <a:r>
+              <a:rPr lang="de-DE" dirty="0" smtClean="0"/>
+              <a:t>nach einigen Transformationen </a:t>
+            </a:r>
+            <a:r>
+              <a:rPr lang="de-DE" dirty="0" smtClean="0"/>
+              <a:t>das Ergebnis erzielt ist, kann es persistiert werden</a:t>
             </a:r>
             <a:endParaRPr lang="de-DE" dirty="0"/>
           </a:p>

--- a/src/slides/resources/2017-03-31-JUG-Saxony-Workshop-de.pptx
+++ b/src/slides/resources/2017-03-31-JUG-Saxony-Workshop-de.pptx
@@ -4462,7 +4462,11 @@
           <a:bodyPr/>
           <a:lstStyle/>
           <a:p>
-            <a:endParaRPr lang="de-DE"/>
+            <a:r>
+              <a:rPr lang="de-DE" dirty="0" smtClean="0"/>
+              <a:t>Möglichkeiten und Herausforderungen beim Einsatz von Apache Spark im Unternehmensumfeld</a:t>
+            </a:r>
+            <a:endParaRPr lang="de-DE" dirty="0"/>
           </a:p>
         </p:txBody>
       </p:sp>
